--- a/lcj_zemi_python.pptx
+++ b/lcj_zemi_python.pptx
@@ -201,7 +201,7 @@
           <a:p>
             <a:fld id="{2BC54830-42DA-4404-9F8C-DE9E00A18181}" type="datetimeFigureOut">
               <a:rPr lang="zh-CN" altLang="en-US" smtClean="0"/>
-              <a:t>2024/7/10</a:t>
+              <a:t>2024/7/17</a:t>
             </a:fld>
             <a:endParaRPr lang="zh-CN" altLang="en-US"/>
           </a:p>
@@ -615,7 +615,7 @@
           <a:p>
             <a:fld id="{F5930DB7-C5F0-4CA2-914A-8532991C33D9}" type="datetimeFigureOut">
               <a:rPr lang="zh-CN" altLang="en-US" smtClean="0"/>
-              <a:t>2024/7/10</a:t>
+              <a:t>2024/7/17</a:t>
             </a:fld>
             <a:endParaRPr lang="zh-CN" altLang="en-US"/>
           </a:p>
@@ -813,7 +813,7 @@
           <a:p>
             <a:fld id="{F5930DB7-C5F0-4CA2-914A-8532991C33D9}" type="datetimeFigureOut">
               <a:rPr lang="zh-CN" altLang="en-US" smtClean="0"/>
-              <a:t>2024/7/10</a:t>
+              <a:t>2024/7/17</a:t>
             </a:fld>
             <a:endParaRPr lang="zh-CN" altLang="en-US"/>
           </a:p>
@@ -1021,7 +1021,7 @@
           <a:p>
             <a:fld id="{F5930DB7-C5F0-4CA2-914A-8532991C33D9}" type="datetimeFigureOut">
               <a:rPr lang="zh-CN" altLang="en-US" smtClean="0"/>
-              <a:t>2024/7/10</a:t>
+              <a:t>2024/7/17</a:t>
             </a:fld>
             <a:endParaRPr lang="zh-CN" altLang="en-US"/>
           </a:p>
@@ -1219,7 +1219,7 @@
           <a:p>
             <a:fld id="{F5930DB7-C5F0-4CA2-914A-8532991C33D9}" type="datetimeFigureOut">
               <a:rPr lang="zh-CN" altLang="en-US" smtClean="0"/>
-              <a:t>2024/7/10</a:t>
+              <a:t>2024/7/17</a:t>
             </a:fld>
             <a:endParaRPr lang="zh-CN" altLang="en-US"/>
           </a:p>
@@ -1494,7 +1494,7 @@
           <a:p>
             <a:fld id="{F5930DB7-C5F0-4CA2-914A-8532991C33D9}" type="datetimeFigureOut">
               <a:rPr lang="zh-CN" altLang="en-US" smtClean="0"/>
-              <a:t>2024/7/10</a:t>
+              <a:t>2024/7/17</a:t>
             </a:fld>
             <a:endParaRPr lang="zh-CN" altLang="en-US"/>
           </a:p>
@@ -1759,7 +1759,7 @@
           <a:p>
             <a:fld id="{F5930DB7-C5F0-4CA2-914A-8532991C33D9}" type="datetimeFigureOut">
               <a:rPr lang="zh-CN" altLang="en-US" smtClean="0"/>
-              <a:t>2024/7/10</a:t>
+              <a:t>2024/7/17</a:t>
             </a:fld>
             <a:endParaRPr lang="zh-CN" altLang="en-US"/>
           </a:p>
@@ -2171,7 +2171,7 @@
           <a:p>
             <a:fld id="{F5930DB7-C5F0-4CA2-914A-8532991C33D9}" type="datetimeFigureOut">
               <a:rPr lang="zh-CN" altLang="en-US" smtClean="0"/>
-              <a:t>2024/7/10</a:t>
+              <a:t>2024/7/17</a:t>
             </a:fld>
             <a:endParaRPr lang="zh-CN" altLang="en-US"/>
           </a:p>
@@ -2312,7 +2312,7 @@
           <a:p>
             <a:fld id="{F5930DB7-C5F0-4CA2-914A-8532991C33D9}" type="datetimeFigureOut">
               <a:rPr lang="zh-CN" altLang="en-US" smtClean="0"/>
-              <a:t>2024/7/10</a:t>
+              <a:t>2024/7/17</a:t>
             </a:fld>
             <a:endParaRPr lang="zh-CN" altLang="en-US"/>
           </a:p>
@@ -2425,7 +2425,7 @@
           <a:p>
             <a:fld id="{F5930DB7-C5F0-4CA2-914A-8532991C33D9}" type="datetimeFigureOut">
               <a:rPr lang="zh-CN" altLang="en-US" smtClean="0"/>
-              <a:t>2024/7/10</a:t>
+              <a:t>2024/7/17</a:t>
             </a:fld>
             <a:endParaRPr lang="zh-CN" altLang="en-US"/>
           </a:p>
@@ -2736,7 +2736,7 @@
           <a:p>
             <a:fld id="{F5930DB7-C5F0-4CA2-914A-8532991C33D9}" type="datetimeFigureOut">
               <a:rPr lang="zh-CN" altLang="en-US" smtClean="0"/>
-              <a:t>2024/7/10</a:t>
+              <a:t>2024/7/17</a:t>
             </a:fld>
             <a:endParaRPr lang="zh-CN" altLang="en-US"/>
           </a:p>
@@ -3024,7 +3024,7 @@
           <a:p>
             <a:fld id="{F5930DB7-C5F0-4CA2-914A-8532991C33D9}" type="datetimeFigureOut">
               <a:rPr lang="zh-CN" altLang="en-US" smtClean="0"/>
-              <a:t>2024/7/10</a:t>
+              <a:t>2024/7/17</a:t>
             </a:fld>
             <a:endParaRPr lang="zh-CN" altLang="en-US"/>
           </a:p>
@@ -3265,7 +3265,7 @@
           <a:p>
             <a:fld id="{F5930DB7-C5F0-4CA2-914A-8532991C33D9}" type="datetimeFigureOut">
               <a:rPr lang="zh-CN" altLang="en-US" smtClean="0"/>
-              <a:t>2024/7/10</a:t>
+              <a:t>2024/7/17</a:t>
             </a:fld>
             <a:endParaRPr lang="zh-CN" altLang="en-US"/>
           </a:p>
@@ -5816,7 +5816,7 @@
           <a:p>
             <a:r>
               <a:rPr lang="ja-JP" altLang="en-US" sz="1400" dirty="0"/>
-              <a:t>その間に他の処理をできる</a:t>
+              <a:t>その間に他の処理ができる</a:t>
             </a:r>
             <a:endParaRPr lang="zh-CN" altLang="en-US" sz="1400" dirty="0"/>
           </a:p>
@@ -5948,8 +5948,8 @@
         </p:nvSpPr>
         <p:spPr>
           <a:xfrm>
-            <a:off x="305570" y="772079"/>
-            <a:ext cx="8561687" cy="338554"/>
+            <a:off x="305570" y="674161"/>
+            <a:ext cx="8561687" cy="307777"/>
           </a:xfrm>
           <a:prstGeom prst="rect">
             <a:avLst/>
@@ -5963,34 +5963,34 @@
           <a:lstStyle/>
           <a:p>
             <a:r>
-              <a:rPr lang="en-US" altLang="ja-JP" sz="1600" dirty="0" err="1"/>
+              <a:rPr lang="en-US" altLang="ja-JP" sz="1400" dirty="0" err="1"/>
               <a:t>asyncio</a:t>
             </a:r>
             <a:r>
-              <a:rPr lang="en-US" altLang="ja-JP" sz="1600" dirty="0"/>
+              <a:rPr lang="en-US" altLang="ja-JP" sz="1400" dirty="0"/>
               <a:t> </a:t>
             </a:r>
             <a:r>
-              <a:rPr lang="ja-JP" altLang="en-US" sz="1600" dirty="0"/>
+              <a:rPr lang="ja-JP" altLang="en-US" sz="1400" dirty="0"/>
               <a:t>では、</a:t>
             </a:r>
             <a:r>
-              <a:rPr lang="en-US" altLang="ja-JP" sz="1600" b="1" dirty="0"/>
+              <a:rPr lang="en-US" altLang="ja-JP" sz="1400" b="1" dirty="0"/>
               <a:t>Executor </a:t>
             </a:r>
             <a:r>
-              <a:rPr lang="ja-JP" altLang="en-US" sz="1600" dirty="0"/>
+              <a:rPr lang="ja-JP" altLang="en-US" sz="1400" dirty="0"/>
               <a:t>を使用することでタスクを</a:t>
             </a:r>
             <a:r>
-              <a:rPr lang="ja-JP" altLang="en-US" sz="1600" b="1" dirty="0"/>
+              <a:rPr lang="ja-JP" altLang="en-US" sz="1400" b="1" dirty="0"/>
               <a:t>非同期的</a:t>
             </a:r>
             <a:r>
-              <a:rPr lang="ja-JP" altLang="en-US" sz="1600" dirty="0"/>
+              <a:rPr lang="ja-JP" altLang="en-US" sz="1400" dirty="0"/>
               <a:t>にスケジュールできる</a:t>
             </a:r>
-            <a:endParaRPr lang="zh-CN" altLang="en-US" sz="1600" dirty="0"/>
+            <a:endParaRPr lang="zh-CN" altLang="en-US" sz="1400" dirty="0"/>
           </a:p>
         </p:txBody>
       </p:sp>
@@ -6008,8 +6008,8 @@
         </p:nvSpPr>
         <p:spPr>
           <a:xfrm>
-            <a:off x="305570" y="1197072"/>
-            <a:ext cx="9618191" cy="4832092"/>
+            <a:off x="160274" y="981938"/>
+            <a:ext cx="5861964" cy="5816977"/>
           </a:xfrm>
           <a:prstGeom prst="rect">
             <a:avLst/>
@@ -6028,7 +6028,7 @@
           <a:lstStyle/>
           <a:p>
             <a:r>
-              <a:rPr lang="en-US" altLang="zh-CN" sz="1400" b="0" dirty="0">
+              <a:rPr lang="en-US" altLang="zh-CN" sz="1200" b="0" dirty="0">
                 <a:solidFill>
                   <a:srgbClr val="AF00DB"/>
                 </a:solidFill>
@@ -6041,9 +6041,9 @@
               <a:t>import</a:t>
             </a:r>
             <a:r>
-              <a:rPr lang="en-US" altLang="zh-CN" sz="1400" b="0" dirty="0">
-                <a:solidFill>
-                  <a:srgbClr val="000000"/>
+              <a:rPr lang="en-US" altLang="zh-CN" sz="1200" b="0" dirty="0">
+                <a:solidFill>
+                  <a:srgbClr val="3B3B3B"/>
                 </a:solidFill>
                 <a:effectLst/>
                 <a:highlight>
@@ -6054,7 +6054,7 @@
               <a:t> </a:t>
             </a:r>
             <a:r>
-              <a:rPr lang="en-US" altLang="zh-CN" sz="1400" b="0" dirty="0" err="1">
+              <a:rPr lang="en-US" altLang="zh-CN" sz="1200" b="0" dirty="0" err="1">
                 <a:solidFill>
                   <a:srgbClr val="267F99"/>
                 </a:solidFill>
@@ -6066,9 +6066,9 @@
               </a:rPr>
               <a:t>asyncio</a:t>
             </a:r>
-            <a:endParaRPr lang="en-US" altLang="zh-CN" sz="1400" b="0" dirty="0">
+            <a:endParaRPr lang="en-US" altLang="zh-CN" sz="1200" b="0" dirty="0">
               <a:solidFill>
-                <a:srgbClr val="000000"/>
+                <a:srgbClr val="3B3B3B"/>
               </a:solidFill>
               <a:effectLst/>
               <a:highlight>
@@ -6079,7 +6079,7 @@
           </a:p>
           <a:p>
             <a:r>
-              <a:rPr lang="en-US" altLang="zh-CN" sz="1400" b="0" dirty="0">
+              <a:rPr lang="en-US" altLang="zh-CN" sz="1200" b="0" dirty="0">
                 <a:solidFill>
                   <a:srgbClr val="AF00DB"/>
                 </a:solidFill>
@@ -6092,9 +6092,9 @@
               <a:t>from</a:t>
             </a:r>
             <a:r>
-              <a:rPr lang="en-US" altLang="zh-CN" sz="1400" b="0" dirty="0">
-                <a:solidFill>
-                  <a:srgbClr val="000000"/>
+              <a:rPr lang="en-US" altLang="zh-CN" sz="1200" b="0" dirty="0">
+                <a:solidFill>
+                  <a:srgbClr val="3B3B3B"/>
                 </a:solidFill>
                 <a:effectLst/>
                 <a:highlight>
@@ -6105,7 +6105,7 @@
               <a:t> </a:t>
             </a:r>
             <a:r>
-              <a:rPr lang="en-US" altLang="zh-CN" sz="1400" b="0" dirty="0" err="1">
+              <a:rPr lang="en-US" altLang="zh-CN" sz="1200" b="0" dirty="0" err="1">
                 <a:solidFill>
                   <a:srgbClr val="267F99"/>
                 </a:solidFill>
@@ -6118,9 +6118,9 @@
               <a:t>concurrent</a:t>
             </a:r>
             <a:r>
-              <a:rPr lang="en-US" altLang="zh-CN" sz="1400" b="0" dirty="0" err="1">
-                <a:solidFill>
-                  <a:srgbClr val="000000"/>
+              <a:rPr lang="en-US" altLang="zh-CN" sz="1200" b="0" dirty="0" err="1">
+                <a:solidFill>
+                  <a:srgbClr val="3B3B3B"/>
                 </a:solidFill>
                 <a:effectLst/>
                 <a:highlight>
@@ -6131,7 +6131,7 @@
               <a:t>.</a:t>
             </a:r>
             <a:r>
-              <a:rPr lang="en-US" altLang="zh-CN" sz="1400" b="0" dirty="0" err="1">
+              <a:rPr lang="en-US" altLang="zh-CN" sz="1200" b="0" dirty="0" err="1">
                 <a:solidFill>
                   <a:srgbClr val="267F99"/>
                 </a:solidFill>
@@ -6144,9 +6144,9 @@
               <a:t>futures</a:t>
             </a:r>
             <a:r>
-              <a:rPr lang="en-US" altLang="zh-CN" sz="1400" b="0" dirty="0">
-                <a:solidFill>
-                  <a:srgbClr val="000000"/>
+              <a:rPr lang="en-US" altLang="zh-CN" sz="1200" b="0" dirty="0">
+                <a:solidFill>
+                  <a:srgbClr val="3B3B3B"/>
                 </a:solidFill>
                 <a:effectLst/>
                 <a:highlight>
@@ -6157,7 +6157,7 @@
               <a:t> </a:t>
             </a:r>
             <a:r>
-              <a:rPr lang="en-US" altLang="zh-CN" sz="1400" b="0" dirty="0">
+              <a:rPr lang="en-US" altLang="zh-CN" sz="1200" b="0" dirty="0">
                 <a:solidFill>
                   <a:srgbClr val="AF00DB"/>
                 </a:solidFill>
@@ -6170,9 +6170,9 @@
               <a:t>import</a:t>
             </a:r>
             <a:r>
-              <a:rPr lang="en-US" altLang="zh-CN" sz="1400" b="0" dirty="0">
-                <a:solidFill>
-                  <a:srgbClr val="000000"/>
+              <a:rPr lang="en-US" altLang="zh-CN" sz="1200" b="0" dirty="0">
+                <a:solidFill>
+                  <a:srgbClr val="3B3B3B"/>
                 </a:solidFill>
                 <a:effectLst/>
                 <a:highlight>
@@ -6183,7 +6183,7 @@
               <a:t> </a:t>
             </a:r>
             <a:r>
-              <a:rPr lang="en-US" altLang="zh-CN" sz="1400" b="0" dirty="0" err="1">
+              <a:rPr lang="en-US" altLang="zh-CN" sz="1200" b="0" dirty="0" err="1">
                 <a:solidFill>
                   <a:srgbClr val="267F99"/>
                 </a:solidFill>
@@ -6196,60 +6196,21 @@
               <a:t>ThreadPoolExecutor</a:t>
             </a:r>
             <a:r>
-              <a:rPr lang="en-US" altLang="zh-CN" sz="1400" b="0" dirty="0">
-                <a:solidFill>
-                  <a:srgbClr val="267F99"/>
-                </a:solidFill>
-                <a:effectLst/>
-                <a:highlight>
-                  <a:srgbClr val="FFFFFF"/>
-                </a:highlight>
-                <a:latin typeface="Consolas" panose="020B0609020204030204" pitchFamily="49" charset="0"/>
-              </a:rPr>
-              <a:t> </a:t>
-            </a:r>
-            <a:r>
-              <a:rPr lang="ja-JP" altLang="en-US" sz="1400" b="0" dirty="0">
-                <a:solidFill>
-                  <a:srgbClr val="267F99"/>
-                </a:solidFill>
-                <a:effectLst/>
-                <a:highlight>
-                  <a:srgbClr val="FFFFFF"/>
-                </a:highlight>
-                <a:latin typeface="Consolas" panose="020B0609020204030204" pitchFamily="49" charset="0"/>
-              </a:rPr>
-              <a:t>　</a:t>
-            </a:r>
-            <a:r>
-              <a:rPr lang="en-US" altLang="zh-CN" sz="1400" b="0" dirty="0">
-                <a:solidFill>
-                  <a:srgbClr val="008000"/>
-                </a:solidFill>
-                <a:effectLst/>
-                <a:highlight>
-                  <a:srgbClr val="FFFFFF"/>
-                </a:highlight>
-                <a:latin typeface="Consolas" panose="020B0609020204030204" pitchFamily="49" charset="0"/>
-              </a:rPr>
-              <a:t># </a:t>
-            </a:r>
-            <a:r>
-              <a:rPr lang="ja-JP" altLang="en-US" sz="1400" b="0" dirty="0">
-                <a:solidFill>
-                  <a:srgbClr val="008000"/>
-                </a:solidFill>
-                <a:effectLst/>
-                <a:highlight>
-                  <a:srgbClr val="FFFFFF"/>
-                </a:highlight>
-                <a:latin typeface="Consolas" panose="020B0609020204030204" pitchFamily="49" charset="0"/>
-              </a:rPr>
-              <a:t>スレッドプールを導入</a:t>
-            </a:r>
-            <a:endParaRPr lang="en-US" altLang="ja-JP" sz="1400" b="0" dirty="0">
+              <a:rPr lang="en-US" altLang="zh-CN" sz="1200" b="0">
+                <a:solidFill>
+                  <a:srgbClr val="3B3B3B"/>
+                </a:solidFill>
+                <a:effectLst/>
+                <a:highlight>
+                  <a:srgbClr val="FFFFFF"/>
+                </a:highlight>
+                <a:latin typeface="Consolas" panose="020B0609020204030204" pitchFamily="49" charset="0"/>
+              </a:rPr>
+              <a:t>  </a:t>
+            </a:r>
+            <a:endParaRPr lang="en-US" altLang="zh-CN" sz="1200" b="0" dirty="0">
               <a:solidFill>
-                <a:srgbClr val="008000"/>
+                <a:srgbClr val="3B3B3B"/>
               </a:solidFill>
               <a:effectLst/>
               <a:highlight>
@@ -6260,7 +6221,7 @@
           </a:p>
           <a:p>
             <a:r>
-              <a:rPr lang="en-US" altLang="zh-CN" sz="1400" b="0" dirty="0">
+              <a:rPr lang="en-US" altLang="zh-CN" sz="1200" b="0" dirty="0">
                 <a:solidFill>
                   <a:srgbClr val="AF00DB"/>
                 </a:solidFill>
@@ -6273,9 +6234,9 @@
               <a:t>import</a:t>
             </a:r>
             <a:r>
-              <a:rPr lang="en-US" altLang="zh-CN" sz="1400" b="0" dirty="0">
-                <a:solidFill>
-                  <a:srgbClr val="000000"/>
+              <a:rPr lang="en-US" altLang="zh-CN" sz="1200" b="0" dirty="0">
+                <a:solidFill>
+                  <a:srgbClr val="3B3B3B"/>
                 </a:solidFill>
                 <a:effectLst/>
                 <a:highlight>
@@ -6286,7 +6247,7 @@
               <a:t> </a:t>
             </a:r>
             <a:r>
-              <a:rPr lang="en-US" altLang="zh-CN" sz="1400" b="0" dirty="0">
+              <a:rPr lang="en-US" altLang="zh-CN" sz="1200" b="0" dirty="0">
                 <a:solidFill>
                   <a:srgbClr val="267F99"/>
                 </a:solidFill>
@@ -6298,9 +6259,9 @@
               </a:rPr>
               <a:t>time</a:t>
             </a:r>
-            <a:endParaRPr lang="en-US" altLang="zh-CN" sz="1400" b="0" dirty="0">
+            <a:endParaRPr lang="en-US" altLang="zh-CN" sz="1200" b="0" dirty="0">
               <a:solidFill>
-                <a:srgbClr val="000000"/>
+                <a:srgbClr val="3B3B3B"/>
               </a:solidFill>
               <a:effectLst/>
               <a:highlight>
@@ -6311,9 +6272,9 @@
           </a:p>
           <a:p>
             <a:br>
-              <a:rPr lang="en-US" altLang="zh-CN" sz="1400" b="0" dirty="0">
-                <a:solidFill>
-                  <a:srgbClr val="000000"/>
+              <a:rPr lang="en-US" altLang="zh-CN" sz="1200" b="0" dirty="0">
+                <a:solidFill>
+                  <a:srgbClr val="3B3B3B"/>
                 </a:solidFill>
                 <a:effectLst/>
                 <a:highlight>
@@ -6323,7 +6284,7 @@
               </a:rPr>
             </a:br>
             <a:r>
-              <a:rPr lang="en-US" altLang="zh-CN" sz="1400" b="0" dirty="0">
+              <a:rPr lang="en-US" altLang="zh-CN" sz="1200" b="0" dirty="0">
                 <a:solidFill>
                   <a:srgbClr val="0000FF"/>
                 </a:solidFill>
@@ -6336,9 +6297,9 @@
               <a:t>def</a:t>
             </a:r>
             <a:r>
-              <a:rPr lang="en-US" altLang="zh-CN" sz="1400" b="0" dirty="0">
-                <a:solidFill>
-                  <a:srgbClr val="000000"/>
+              <a:rPr lang="en-US" altLang="zh-CN" sz="1200" b="0" dirty="0">
+                <a:solidFill>
+                  <a:srgbClr val="3B3B3B"/>
                 </a:solidFill>
                 <a:effectLst/>
                 <a:highlight>
@@ -6349,7 +6310,7 @@
               <a:t> </a:t>
             </a:r>
             <a:r>
-              <a:rPr lang="en-US" altLang="zh-CN" sz="1400" b="0" dirty="0" err="1">
+              <a:rPr lang="en-US" altLang="zh-CN" sz="1200" b="0" dirty="0" err="1">
                 <a:solidFill>
                   <a:srgbClr val="795E26"/>
                 </a:solidFill>
@@ -6362,9 +6323,9 @@
               <a:t>func</a:t>
             </a:r>
             <a:r>
-              <a:rPr lang="en-US" altLang="zh-CN" sz="1400" b="0" dirty="0">
-                <a:solidFill>
-                  <a:srgbClr val="000000"/>
+              <a:rPr lang="en-US" altLang="zh-CN" sz="1200" b="0" dirty="0">
+                <a:solidFill>
+                  <a:srgbClr val="3B3B3B"/>
                 </a:solidFill>
                 <a:effectLst/>
                 <a:highlight>
@@ -6375,7 +6336,7 @@
               <a:t>(</a:t>
             </a:r>
             <a:r>
-              <a:rPr lang="en-US" altLang="zh-CN" sz="1400" b="0" dirty="0">
+              <a:rPr lang="en-US" altLang="zh-CN" sz="1200" b="0" dirty="0">
                 <a:solidFill>
                   <a:srgbClr val="001080"/>
                 </a:solidFill>
@@ -6385,23 +6346,116 @@
                 </a:highlight>
                 <a:latin typeface="Consolas" panose="020B0609020204030204" pitchFamily="49" charset="0"/>
               </a:rPr>
-              <a:t>a</a:t>
-            </a:r>
-            <a:r>
-              <a:rPr lang="en-US" altLang="zh-CN" sz="1400" b="0" dirty="0">
-                <a:solidFill>
-                  <a:srgbClr val="000000"/>
-                </a:solidFill>
-                <a:effectLst/>
-                <a:highlight>
-                  <a:srgbClr val="FFFFFF"/>
-                </a:highlight>
-                <a:latin typeface="Consolas" panose="020B0609020204030204" pitchFamily="49" charset="0"/>
-              </a:rPr>
-              <a:t>, </a:t>
-            </a:r>
-            <a:r>
-              <a:rPr lang="en-US" altLang="zh-CN" sz="1400" b="0" dirty="0">
+              <a:t>name</a:t>
+            </a:r>
+            <a:r>
+              <a:rPr lang="en-US" altLang="zh-CN" sz="1200" b="0" dirty="0">
+                <a:solidFill>
+                  <a:srgbClr val="3B3B3B"/>
+                </a:solidFill>
+                <a:effectLst/>
+                <a:highlight>
+                  <a:srgbClr val="FFFFFF"/>
+                </a:highlight>
+                <a:latin typeface="Consolas" panose="020B0609020204030204" pitchFamily="49" charset="0"/>
+              </a:rPr>
+              <a:t>):</a:t>
+            </a:r>
+          </a:p>
+          <a:p>
+            <a:r>
+              <a:rPr lang="en-US" altLang="zh-CN" sz="1200" b="0" dirty="0">
+                <a:solidFill>
+                  <a:srgbClr val="3B3B3B"/>
+                </a:solidFill>
+                <a:effectLst/>
+                <a:highlight>
+                  <a:srgbClr val="FFFFFF"/>
+                </a:highlight>
+                <a:latin typeface="Consolas" panose="020B0609020204030204" pitchFamily="49" charset="0"/>
+              </a:rPr>
+              <a:t>    </a:t>
+            </a:r>
+            <a:r>
+              <a:rPr lang="en-US" altLang="zh-CN" sz="1200" b="0" dirty="0">
+                <a:solidFill>
+                  <a:srgbClr val="795E26"/>
+                </a:solidFill>
+                <a:effectLst/>
+                <a:highlight>
+                  <a:srgbClr val="FFFFFF"/>
+                </a:highlight>
+                <a:latin typeface="Consolas" panose="020B0609020204030204" pitchFamily="49" charset="0"/>
+              </a:rPr>
+              <a:t>print</a:t>
+            </a:r>
+            <a:r>
+              <a:rPr lang="en-US" altLang="zh-CN" sz="1200" b="0" dirty="0">
+                <a:solidFill>
+                  <a:srgbClr val="3B3B3B"/>
+                </a:solidFill>
+                <a:effectLst/>
+                <a:highlight>
+                  <a:srgbClr val="FFFFFF"/>
+                </a:highlight>
+                <a:latin typeface="Consolas" panose="020B0609020204030204" pitchFamily="49" charset="0"/>
+              </a:rPr>
+              <a:t>(</a:t>
+            </a:r>
+            <a:r>
+              <a:rPr lang="en-US" altLang="zh-CN" sz="1200" b="0" dirty="0" err="1">
+                <a:solidFill>
+                  <a:srgbClr val="0000FF"/>
+                </a:solidFill>
+                <a:effectLst/>
+                <a:highlight>
+                  <a:srgbClr val="FFFFFF"/>
+                </a:highlight>
+                <a:latin typeface="Consolas" panose="020B0609020204030204" pitchFamily="49" charset="0"/>
+              </a:rPr>
+              <a:t>f</a:t>
+            </a:r>
+            <a:r>
+              <a:rPr lang="en-US" altLang="zh-CN" sz="1200" b="0" dirty="0" err="1">
+                <a:solidFill>
+                  <a:srgbClr val="A31515"/>
+                </a:solidFill>
+                <a:effectLst/>
+                <a:highlight>
+                  <a:srgbClr val="FFFFFF"/>
+                </a:highlight>
+                <a:latin typeface="Consolas" panose="020B0609020204030204" pitchFamily="49" charset="0"/>
+              </a:rPr>
+              <a:t>'task</a:t>
+            </a:r>
+            <a:r>
+              <a:rPr lang="en-US" altLang="zh-CN" sz="1200" b="0" dirty="0">
+                <a:solidFill>
+                  <a:srgbClr val="A31515"/>
+                </a:solidFill>
+                <a:effectLst/>
+                <a:highlight>
+                  <a:srgbClr val="FFFFFF"/>
+                </a:highlight>
+                <a:latin typeface="Consolas" panose="020B0609020204030204" pitchFamily="49" charset="0"/>
+              </a:rPr>
+              <a:t> </a:t>
+            </a:r>
+            <a:r>
+              <a:rPr lang="en-US" altLang="zh-CN" sz="1200" b="0" dirty="0">
+                <a:solidFill>
+                  <a:srgbClr val="0000FF"/>
+                </a:solidFill>
+                <a:effectLst/>
+                <a:highlight>
+                  <a:srgbClr val="FFFFFF"/>
+                </a:highlight>
+                <a:latin typeface="Consolas" panose="020B0609020204030204" pitchFamily="49" charset="0"/>
+              </a:rPr>
+              <a:t>{</a:t>
+            </a:r>
+            <a:r>
+              <a:rPr lang="en-US" altLang="zh-CN" sz="1200" b="0" dirty="0">
                 <a:solidFill>
                   <a:srgbClr val="001080"/>
                 </a:solidFill>
@@ -6411,27 +6465,53 @@
                 </a:highlight>
                 <a:latin typeface="Consolas" panose="020B0609020204030204" pitchFamily="49" charset="0"/>
               </a:rPr>
-              <a:t>b</a:t>
-            </a:r>
-            <a:r>
-              <a:rPr lang="en-US" altLang="zh-CN" sz="1400" b="0" dirty="0">
-                <a:solidFill>
-                  <a:srgbClr val="000000"/>
-                </a:solidFill>
-                <a:effectLst/>
-                <a:highlight>
-                  <a:srgbClr val="FFFFFF"/>
-                </a:highlight>
-                <a:latin typeface="Consolas" panose="020B0609020204030204" pitchFamily="49" charset="0"/>
-              </a:rPr>
-              <a:t>):</a:t>
-            </a:r>
-          </a:p>
-          <a:p>
-            <a:r>
-              <a:rPr lang="en-US" altLang="zh-CN" sz="1400" b="0" dirty="0">
-                <a:solidFill>
-                  <a:srgbClr val="000000"/>
+              <a:t>name</a:t>
+            </a:r>
+            <a:r>
+              <a:rPr lang="en-US" altLang="zh-CN" sz="1200" b="0" dirty="0">
+                <a:solidFill>
+                  <a:srgbClr val="0000FF"/>
+                </a:solidFill>
+                <a:effectLst/>
+                <a:highlight>
+                  <a:srgbClr val="FFFFFF"/>
+                </a:highlight>
+                <a:latin typeface="Consolas" panose="020B0609020204030204" pitchFamily="49" charset="0"/>
+              </a:rPr>
+              <a:t>}</a:t>
+            </a:r>
+            <a:r>
+              <a:rPr lang="en-US" altLang="zh-CN" sz="1200" b="0" dirty="0">
+                <a:solidFill>
+                  <a:srgbClr val="A31515"/>
+                </a:solidFill>
+                <a:effectLst/>
+                <a:highlight>
+                  <a:srgbClr val="FFFFFF"/>
+                </a:highlight>
+                <a:latin typeface="Consolas" panose="020B0609020204030204" pitchFamily="49" charset="0"/>
+              </a:rPr>
+              <a:t> is now on!'</a:t>
+            </a:r>
+            <a:r>
+              <a:rPr lang="en-US" altLang="zh-CN" sz="1200" b="0" dirty="0">
+                <a:solidFill>
+                  <a:srgbClr val="3B3B3B"/>
+                </a:solidFill>
+                <a:effectLst/>
+                <a:highlight>
+                  <a:srgbClr val="FFFFFF"/>
+                </a:highlight>
+                <a:latin typeface="Consolas" panose="020B0609020204030204" pitchFamily="49" charset="0"/>
+              </a:rPr>
+              <a:t>)</a:t>
+            </a:r>
+          </a:p>
+          <a:p>
+            <a:r>
+              <a:rPr lang="en-US" altLang="zh-CN" sz="1200" b="0" dirty="0">
+                <a:solidFill>
+                  <a:srgbClr val="3B3B3B"/>
                 </a:solidFill>
                 <a:effectLst/>
                 <a:highlight>
@@ -6442,7 +6522,7 @@
               <a:t>    </a:t>
             </a:r>
             <a:r>
-              <a:rPr lang="en-US" altLang="zh-CN" sz="1400" b="0" dirty="0">
+              <a:rPr lang="en-US" altLang="zh-CN" sz="1200" b="0" dirty="0">
                 <a:solidFill>
                   <a:srgbClr val="008000"/>
                 </a:solidFill>
@@ -6454,9 +6534,9 @@
               </a:rPr>
               <a:t># Do time intensive stuff...</a:t>
             </a:r>
-            <a:endParaRPr lang="en-US" altLang="zh-CN" sz="1400" b="0" dirty="0">
+            <a:endParaRPr lang="en-US" altLang="zh-CN" sz="1200" b="0" dirty="0">
               <a:solidFill>
-                <a:srgbClr val="000000"/>
+                <a:srgbClr val="3B3B3B"/>
               </a:solidFill>
               <a:effectLst/>
               <a:highlight>
@@ -6467,7 +6547,165 @@
           </a:p>
           <a:p>
             <a:r>
-              <a:rPr lang="en-US" altLang="zh-CN" sz="1400" b="0" dirty="0">
+              <a:rPr lang="en-US" altLang="zh-CN" sz="1200" b="0" dirty="0">
+                <a:solidFill>
+                  <a:srgbClr val="3B3B3B"/>
+                </a:solidFill>
+                <a:effectLst/>
+                <a:highlight>
+                  <a:srgbClr val="FFFFFF"/>
+                </a:highlight>
+                <a:latin typeface="Consolas" panose="020B0609020204030204" pitchFamily="49" charset="0"/>
+              </a:rPr>
+              <a:t>    </a:t>
+            </a:r>
+            <a:r>
+              <a:rPr lang="en-US" altLang="zh-CN" sz="1200" b="0" dirty="0" err="1">
+                <a:solidFill>
+                  <a:srgbClr val="267F99"/>
+                </a:solidFill>
+                <a:effectLst/>
+                <a:highlight>
+                  <a:srgbClr val="FFFFFF"/>
+                </a:highlight>
+                <a:latin typeface="Consolas" panose="020B0609020204030204" pitchFamily="49" charset="0"/>
+              </a:rPr>
+              <a:t>time</a:t>
+            </a:r>
+            <a:r>
+              <a:rPr lang="en-US" altLang="zh-CN" sz="1200" b="0" dirty="0" err="1">
+                <a:solidFill>
+                  <a:srgbClr val="3B3B3B"/>
+                </a:solidFill>
+                <a:effectLst/>
+                <a:highlight>
+                  <a:srgbClr val="FFFFFF"/>
+                </a:highlight>
+                <a:latin typeface="Consolas" panose="020B0609020204030204" pitchFamily="49" charset="0"/>
+              </a:rPr>
+              <a:t>.</a:t>
+            </a:r>
+            <a:r>
+              <a:rPr lang="en-US" altLang="zh-CN" sz="1200" b="0" dirty="0" err="1">
+                <a:solidFill>
+                  <a:srgbClr val="795E26"/>
+                </a:solidFill>
+                <a:effectLst/>
+                <a:highlight>
+                  <a:srgbClr val="FFFFFF"/>
+                </a:highlight>
+                <a:latin typeface="Consolas" panose="020B0609020204030204" pitchFamily="49" charset="0"/>
+              </a:rPr>
+              <a:t>sleep</a:t>
+            </a:r>
+            <a:r>
+              <a:rPr lang="en-US" altLang="zh-CN" sz="1200" b="0" dirty="0">
+                <a:solidFill>
+                  <a:srgbClr val="3B3B3B"/>
+                </a:solidFill>
+                <a:effectLst/>
+                <a:highlight>
+                  <a:srgbClr val="FFFFFF"/>
+                </a:highlight>
+                <a:latin typeface="Consolas" panose="020B0609020204030204" pitchFamily="49" charset="0"/>
+              </a:rPr>
+              <a:t>(</a:t>
+            </a:r>
+            <a:r>
+              <a:rPr lang="en-US" altLang="zh-CN" sz="1200" b="0" dirty="0">
+                <a:solidFill>
+                  <a:srgbClr val="098658"/>
+                </a:solidFill>
+                <a:effectLst/>
+                <a:highlight>
+                  <a:srgbClr val="FFFFFF"/>
+                </a:highlight>
+                <a:latin typeface="Consolas" panose="020B0609020204030204" pitchFamily="49" charset="0"/>
+              </a:rPr>
+              <a:t>3</a:t>
+            </a:r>
+            <a:r>
+              <a:rPr lang="en-US" altLang="zh-CN" sz="1200" b="0" dirty="0">
+                <a:solidFill>
+                  <a:srgbClr val="3B3B3B"/>
+                </a:solidFill>
+                <a:effectLst/>
+                <a:highlight>
+                  <a:srgbClr val="FFFFFF"/>
+                </a:highlight>
+                <a:latin typeface="Consolas" panose="020B0609020204030204" pitchFamily="49" charset="0"/>
+              </a:rPr>
+              <a:t>)</a:t>
+            </a:r>
+          </a:p>
+          <a:p>
+            <a:r>
+              <a:rPr lang="en-US" altLang="zh-CN" sz="1200" b="0" dirty="0">
+                <a:solidFill>
+                  <a:srgbClr val="3B3B3B"/>
+                </a:solidFill>
+                <a:effectLst/>
+                <a:highlight>
+                  <a:srgbClr val="FFFFFF"/>
+                </a:highlight>
+                <a:latin typeface="Consolas" panose="020B0609020204030204" pitchFamily="49" charset="0"/>
+              </a:rPr>
+              <a:t>    </a:t>
+            </a:r>
+            <a:r>
+              <a:rPr lang="en-US" altLang="zh-CN" sz="1200" b="0" dirty="0">
+                <a:solidFill>
+                  <a:srgbClr val="AF00DB"/>
+                </a:solidFill>
+                <a:effectLst/>
+                <a:highlight>
+                  <a:srgbClr val="FFFFFF"/>
+                </a:highlight>
+                <a:latin typeface="Consolas" panose="020B0609020204030204" pitchFamily="49" charset="0"/>
+              </a:rPr>
+              <a:t>return</a:t>
+            </a:r>
+            <a:r>
+              <a:rPr lang="en-US" altLang="zh-CN" sz="1200" b="0" dirty="0">
+                <a:solidFill>
+                  <a:srgbClr val="3B3B3B"/>
+                </a:solidFill>
+                <a:effectLst/>
+                <a:highlight>
+                  <a:srgbClr val="FFFFFF"/>
+                </a:highlight>
+                <a:latin typeface="Consolas" panose="020B0609020204030204" pitchFamily="49" charset="0"/>
+              </a:rPr>
+              <a:t> </a:t>
+            </a:r>
+            <a:r>
+              <a:rPr lang="en-US" altLang="zh-CN" sz="1200" b="0" dirty="0">
+                <a:solidFill>
+                  <a:srgbClr val="A31515"/>
+                </a:solidFill>
+                <a:effectLst/>
+                <a:highlight>
+                  <a:srgbClr val="FFFFFF"/>
+                </a:highlight>
+                <a:latin typeface="Consolas" panose="020B0609020204030204" pitchFamily="49" charset="0"/>
+              </a:rPr>
+              <a:t>'Hello, '</a:t>
+            </a:r>
+            <a:r>
+              <a:rPr lang="en-US" altLang="zh-CN" sz="1200" b="0" dirty="0">
+                <a:solidFill>
+                  <a:srgbClr val="3B3B3B"/>
+                </a:solidFill>
+                <a:effectLst/>
+                <a:highlight>
+                  <a:srgbClr val="FFFFFF"/>
+                </a:highlight>
+                <a:latin typeface="Consolas" panose="020B0609020204030204" pitchFamily="49" charset="0"/>
+              </a:rPr>
+              <a:t> </a:t>
+            </a:r>
+            <a:r>
+              <a:rPr lang="en-US" altLang="zh-CN" sz="1200" b="0" dirty="0">
                 <a:solidFill>
                   <a:srgbClr val="000000"/>
                 </a:solidFill>
@@ -6477,118 +6715,12 @@
                 </a:highlight>
                 <a:latin typeface="Consolas" panose="020B0609020204030204" pitchFamily="49" charset="0"/>
               </a:rPr>
-              <a:t>    </a:t>
-            </a:r>
-            <a:r>
-              <a:rPr lang="en-US" altLang="zh-CN" sz="1400" b="0" dirty="0" err="1">
-                <a:solidFill>
-                  <a:srgbClr val="267F99"/>
-                </a:solidFill>
-                <a:effectLst/>
-                <a:highlight>
-                  <a:srgbClr val="FFFFFF"/>
-                </a:highlight>
-                <a:latin typeface="Consolas" panose="020B0609020204030204" pitchFamily="49" charset="0"/>
-              </a:rPr>
-              <a:t>time</a:t>
-            </a:r>
-            <a:r>
-              <a:rPr lang="en-US" altLang="zh-CN" sz="1400" b="0" dirty="0" err="1">
-                <a:solidFill>
-                  <a:srgbClr val="000000"/>
-                </a:solidFill>
-                <a:effectLst/>
-                <a:highlight>
-                  <a:srgbClr val="FFFFFF"/>
-                </a:highlight>
-                <a:latin typeface="Consolas" panose="020B0609020204030204" pitchFamily="49" charset="0"/>
-              </a:rPr>
-              <a:t>.</a:t>
-            </a:r>
-            <a:r>
-              <a:rPr lang="en-US" altLang="zh-CN" sz="1400" b="0" dirty="0" err="1">
-                <a:solidFill>
-                  <a:srgbClr val="795E26"/>
-                </a:solidFill>
-                <a:effectLst/>
-                <a:highlight>
-                  <a:srgbClr val="FFFFFF"/>
-                </a:highlight>
-                <a:latin typeface="Consolas" panose="020B0609020204030204" pitchFamily="49" charset="0"/>
-              </a:rPr>
-              <a:t>sleep</a:t>
-            </a:r>
-            <a:r>
-              <a:rPr lang="en-US" altLang="zh-CN" sz="1400" b="0" dirty="0">
-                <a:solidFill>
-                  <a:srgbClr val="000000"/>
-                </a:solidFill>
-                <a:effectLst/>
-                <a:highlight>
-                  <a:srgbClr val="FFFFFF"/>
-                </a:highlight>
-                <a:latin typeface="Consolas" panose="020B0609020204030204" pitchFamily="49" charset="0"/>
-              </a:rPr>
-              <a:t>(</a:t>
-            </a:r>
-            <a:r>
-              <a:rPr lang="en-US" altLang="zh-CN" sz="1400" b="0" dirty="0">
-                <a:solidFill>
-                  <a:srgbClr val="098658"/>
-                </a:solidFill>
-                <a:effectLst/>
-                <a:highlight>
-                  <a:srgbClr val="FFFFFF"/>
-                </a:highlight>
-                <a:latin typeface="Consolas" panose="020B0609020204030204" pitchFamily="49" charset="0"/>
-              </a:rPr>
-              <a:t>3</a:t>
-            </a:r>
-            <a:r>
-              <a:rPr lang="en-US" altLang="zh-CN" sz="1400" b="0" dirty="0">
-                <a:solidFill>
-                  <a:srgbClr val="000000"/>
-                </a:solidFill>
-                <a:effectLst/>
-                <a:highlight>
-                  <a:srgbClr val="FFFFFF"/>
-                </a:highlight>
-                <a:latin typeface="Consolas" panose="020B0609020204030204" pitchFamily="49" charset="0"/>
-              </a:rPr>
-              <a:t>)</a:t>
-            </a:r>
-          </a:p>
-          <a:p>
-            <a:r>
-              <a:rPr lang="en-US" altLang="zh-CN" sz="1400" b="0" dirty="0">
-                <a:solidFill>
-                  <a:srgbClr val="000000"/>
-                </a:solidFill>
-                <a:effectLst/>
-                <a:highlight>
-                  <a:srgbClr val="FFFFFF"/>
-                </a:highlight>
-                <a:latin typeface="Consolas" panose="020B0609020204030204" pitchFamily="49" charset="0"/>
-              </a:rPr>
-              <a:t>    </a:t>
-            </a:r>
-            <a:r>
-              <a:rPr lang="en-US" altLang="zh-CN" sz="1400" b="0" dirty="0">
-                <a:solidFill>
-                  <a:srgbClr val="AF00DB"/>
-                </a:solidFill>
-                <a:effectLst/>
-                <a:highlight>
-                  <a:srgbClr val="FFFFFF"/>
-                </a:highlight>
-                <a:latin typeface="Consolas" panose="020B0609020204030204" pitchFamily="49" charset="0"/>
-              </a:rPr>
-              <a:t>return</a:t>
-            </a:r>
-            <a:r>
-              <a:rPr lang="en-US" altLang="zh-CN" sz="1400" b="0" dirty="0">
-                <a:solidFill>
-                  <a:srgbClr val="000000"/>
+              <a:t>+</a:t>
+            </a:r>
+            <a:r>
+              <a:rPr lang="en-US" altLang="zh-CN" sz="1200" b="0" dirty="0">
+                <a:solidFill>
+                  <a:srgbClr val="3B3B3B"/>
                 </a:solidFill>
                 <a:effectLst/>
                 <a:highlight>
@@ -6599,7 +6731,7 @@
               <a:t> </a:t>
             </a:r>
             <a:r>
-              <a:rPr lang="en-US" altLang="zh-CN" sz="1400" b="0" dirty="0">
+              <a:rPr lang="en-US" altLang="zh-CN" sz="1200" b="0" dirty="0">
                 <a:solidFill>
                   <a:srgbClr val="001080"/>
                 </a:solidFill>
@@ -6609,37 +6741,11 @@
                 </a:highlight>
                 <a:latin typeface="Consolas" panose="020B0609020204030204" pitchFamily="49" charset="0"/>
               </a:rPr>
-              <a:t>a</a:t>
-            </a:r>
-            <a:r>
-              <a:rPr lang="en-US" altLang="zh-CN" sz="1400" b="0" dirty="0">
-                <a:solidFill>
-                  <a:srgbClr val="000000"/>
-                </a:solidFill>
-                <a:effectLst/>
-                <a:highlight>
-                  <a:srgbClr val="FFFFFF"/>
-                </a:highlight>
-                <a:latin typeface="Consolas" panose="020B0609020204030204" pitchFamily="49" charset="0"/>
-              </a:rPr>
-              <a:t> + </a:t>
-            </a:r>
-            <a:r>
-              <a:rPr lang="en-US" altLang="zh-CN" sz="1400" b="0" dirty="0">
-                <a:solidFill>
-                  <a:srgbClr val="001080"/>
-                </a:solidFill>
-                <a:effectLst/>
-                <a:highlight>
-                  <a:srgbClr val="FFFFFF"/>
-                </a:highlight>
-                <a:latin typeface="Consolas" panose="020B0609020204030204" pitchFamily="49" charset="0"/>
-              </a:rPr>
-              <a:t>b</a:t>
-            </a:r>
-            <a:endParaRPr lang="en-US" altLang="zh-CN" sz="1400" b="0" dirty="0">
+              <a:t>name</a:t>
+            </a:r>
+            <a:endParaRPr lang="en-US" altLang="zh-CN" sz="1200" b="0" dirty="0">
               <a:solidFill>
-                <a:srgbClr val="000000"/>
+                <a:srgbClr val="3B3B3B"/>
               </a:solidFill>
               <a:effectLst/>
               <a:highlight>
@@ -6650,721 +6756,9 @@
           </a:p>
           <a:p>
             <a:br>
-              <a:rPr lang="en-US" altLang="zh-CN" sz="1400" b="0" dirty="0">
-                <a:solidFill>
-                  <a:srgbClr val="000000"/>
-                </a:solidFill>
-                <a:effectLst/>
-                <a:highlight>
-                  <a:srgbClr val="FFFFFF"/>
-                </a:highlight>
-                <a:latin typeface="Consolas" panose="020B0609020204030204" pitchFamily="49" charset="0"/>
-              </a:rPr>
-            </a:br>
-            <a:r>
-              <a:rPr lang="en-US" altLang="zh-CN" sz="1400" b="0" dirty="0">
-                <a:solidFill>
-                  <a:srgbClr val="008000"/>
-                </a:solidFill>
-                <a:effectLst/>
-                <a:highlight>
-                  <a:srgbClr val="FFFFFF"/>
-                </a:highlight>
-                <a:latin typeface="Consolas" panose="020B0609020204030204" pitchFamily="49" charset="0"/>
-              </a:rPr>
-              <a:t>#</a:t>
-            </a:r>
-            <a:r>
-              <a:rPr lang="ja-JP" altLang="en-US" sz="1400" b="0" dirty="0">
-                <a:solidFill>
-                  <a:srgbClr val="008000"/>
-                </a:solidFill>
-                <a:effectLst/>
-                <a:highlight>
-                  <a:srgbClr val="FFFFFF"/>
-                </a:highlight>
-                <a:latin typeface="Consolas" panose="020B0609020204030204" pitchFamily="49" charset="0"/>
-              </a:rPr>
-              <a:t>　</a:t>
-            </a:r>
-            <a:r>
-              <a:rPr lang="en-US" altLang="ja-JP" sz="1400" b="0" dirty="0">
-                <a:solidFill>
-                  <a:srgbClr val="008000"/>
-                </a:solidFill>
-                <a:effectLst/>
-                <a:highlight>
-                  <a:srgbClr val="FFFFFF"/>
-                </a:highlight>
-                <a:latin typeface="Consolas" panose="020B0609020204030204" pitchFamily="49" charset="0"/>
-              </a:rPr>
-              <a:t>main</a:t>
-            </a:r>
-            <a:r>
-              <a:rPr lang="ja-JP" altLang="en-US" sz="1400" b="0" dirty="0">
-                <a:solidFill>
-                  <a:srgbClr val="008000"/>
-                </a:solidFill>
-                <a:effectLst/>
-                <a:highlight>
-                  <a:srgbClr val="FFFFFF"/>
-                </a:highlight>
-                <a:latin typeface="Consolas" panose="020B0609020204030204" pitchFamily="49" charset="0"/>
-              </a:rPr>
-              <a:t>は非同期関数</a:t>
-            </a:r>
-            <a:r>
-              <a:rPr lang="en-US" altLang="ja-JP" sz="1400" b="0" dirty="0">
-                <a:solidFill>
-                  <a:srgbClr val="008000"/>
-                </a:solidFill>
-                <a:effectLst/>
-                <a:highlight>
-                  <a:srgbClr val="FFFFFF"/>
-                </a:highlight>
-                <a:latin typeface="Consolas" panose="020B0609020204030204" pitchFamily="49" charset="0"/>
-              </a:rPr>
-              <a:t>(</a:t>
-            </a:r>
-            <a:r>
-              <a:rPr lang="ja-JP" altLang="en-US" sz="1400" b="0" dirty="0">
-                <a:solidFill>
-                  <a:srgbClr val="008000"/>
-                </a:solidFill>
-                <a:effectLst/>
-                <a:highlight>
-                  <a:srgbClr val="FFFFFF"/>
-                </a:highlight>
-                <a:latin typeface="Consolas" panose="020B0609020204030204" pitchFamily="49" charset="0"/>
-              </a:rPr>
-              <a:t>コルーチン</a:t>
-            </a:r>
-            <a:r>
-              <a:rPr lang="zh-CN" altLang="en-US" sz="1400" b="0" dirty="0">
-                <a:solidFill>
-                  <a:srgbClr val="008000"/>
-                </a:solidFill>
-                <a:effectLst/>
-                <a:highlight>
-                  <a:srgbClr val="FFFFFF"/>
-                </a:highlight>
-                <a:latin typeface="Consolas" panose="020B0609020204030204" pitchFamily="49" charset="0"/>
-              </a:rPr>
-              <a:t> </a:t>
-            </a:r>
-            <a:r>
-              <a:rPr lang="en-US" altLang="zh-CN" sz="1400" b="0" dirty="0">
-                <a:solidFill>
-                  <a:srgbClr val="008000"/>
-                </a:solidFill>
-                <a:effectLst/>
-                <a:highlight>
-                  <a:srgbClr val="FFFFFF"/>
-                </a:highlight>
-                <a:latin typeface="Consolas" panose="020B0609020204030204" pitchFamily="49" charset="0"/>
-              </a:rPr>
-              <a:t>co-routine</a:t>
-            </a:r>
-            <a:r>
-              <a:rPr lang="en-US" altLang="ja-JP" sz="1400" b="0" dirty="0">
-                <a:solidFill>
-                  <a:srgbClr val="008000"/>
-                </a:solidFill>
-                <a:effectLst/>
-                <a:highlight>
-                  <a:srgbClr val="FFFFFF"/>
-                </a:highlight>
-                <a:latin typeface="Consolas" panose="020B0609020204030204" pitchFamily="49" charset="0"/>
-              </a:rPr>
-              <a:t>) </a:t>
-            </a:r>
-            <a:r>
-              <a:rPr lang="ja-JP" altLang="en-US" sz="1400" b="0" dirty="0">
-                <a:solidFill>
-                  <a:srgbClr val="008000"/>
-                </a:solidFill>
-                <a:effectLst/>
-                <a:highlight>
-                  <a:srgbClr val="FFFFFF"/>
-                </a:highlight>
-                <a:latin typeface="Consolas" panose="020B0609020204030204" pitchFamily="49" charset="0"/>
-              </a:rPr>
-              <a:t>　引数：イベントループ</a:t>
-            </a:r>
-            <a:br>
-              <a:rPr lang="en-US" altLang="zh-CN" sz="1400" b="0" dirty="0">
-                <a:solidFill>
-                  <a:srgbClr val="000000"/>
-                </a:solidFill>
-                <a:effectLst/>
-                <a:highlight>
-                  <a:srgbClr val="FFFFFF"/>
-                </a:highlight>
-                <a:latin typeface="Consolas" panose="020B0609020204030204" pitchFamily="49" charset="0"/>
-              </a:rPr>
-            </a:br>
-            <a:r>
-              <a:rPr lang="en-US" altLang="zh-CN" sz="1400" b="0" dirty="0">
-                <a:solidFill>
-                  <a:srgbClr val="0000FF"/>
-                </a:solidFill>
-                <a:effectLst/>
-                <a:highlight>
-                  <a:srgbClr val="FFFFFF"/>
-                </a:highlight>
-                <a:latin typeface="Consolas" panose="020B0609020204030204" pitchFamily="49" charset="0"/>
-              </a:rPr>
-              <a:t>async</a:t>
-            </a:r>
-            <a:r>
-              <a:rPr lang="en-US" altLang="zh-CN" sz="1400" b="0" dirty="0">
-                <a:solidFill>
-                  <a:srgbClr val="000000"/>
-                </a:solidFill>
-                <a:effectLst/>
-                <a:highlight>
-                  <a:srgbClr val="FFFFFF"/>
-                </a:highlight>
-                <a:latin typeface="Consolas" panose="020B0609020204030204" pitchFamily="49" charset="0"/>
-              </a:rPr>
-              <a:t> </a:t>
-            </a:r>
-            <a:r>
-              <a:rPr lang="en-US" altLang="zh-CN" sz="1400" b="0" dirty="0">
-                <a:solidFill>
-                  <a:srgbClr val="0000FF"/>
-                </a:solidFill>
-                <a:effectLst/>
-                <a:highlight>
-                  <a:srgbClr val="FFFFFF"/>
-                </a:highlight>
-                <a:latin typeface="Consolas" panose="020B0609020204030204" pitchFamily="49" charset="0"/>
-              </a:rPr>
-              <a:t>def</a:t>
-            </a:r>
-            <a:r>
-              <a:rPr lang="en-US" altLang="zh-CN" sz="1400" b="0" dirty="0">
-                <a:solidFill>
-                  <a:srgbClr val="000000"/>
-                </a:solidFill>
-                <a:effectLst/>
-                <a:highlight>
-                  <a:srgbClr val="FFFFFF"/>
-                </a:highlight>
-                <a:latin typeface="Consolas" panose="020B0609020204030204" pitchFamily="49" charset="0"/>
-              </a:rPr>
-              <a:t> </a:t>
-            </a:r>
-            <a:r>
-              <a:rPr lang="en-US" altLang="zh-CN" sz="1400" b="0" dirty="0">
-                <a:solidFill>
-                  <a:srgbClr val="795E26"/>
-                </a:solidFill>
-                <a:effectLst/>
-                <a:highlight>
-                  <a:srgbClr val="FFFFFF"/>
-                </a:highlight>
-                <a:latin typeface="Consolas" panose="020B0609020204030204" pitchFamily="49" charset="0"/>
-              </a:rPr>
-              <a:t>main</a:t>
-            </a:r>
-            <a:r>
-              <a:rPr lang="en-US" altLang="zh-CN" sz="1400" b="0" dirty="0">
-                <a:solidFill>
-                  <a:srgbClr val="000000"/>
-                </a:solidFill>
-                <a:effectLst/>
-                <a:highlight>
-                  <a:srgbClr val="FFFFFF"/>
-                </a:highlight>
-                <a:latin typeface="Consolas" panose="020B0609020204030204" pitchFamily="49" charset="0"/>
-              </a:rPr>
-              <a:t>(</a:t>
-            </a:r>
-            <a:r>
-              <a:rPr lang="en-US" altLang="zh-CN" sz="1400" b="0" dirty="0">
-                <a:solidFill>
-                  <a:srgbClr val="001080"/>
-                </a:solidFill>
-                <a:effectLst/>
-                <a:highlight>
-                  <a:srgbClr val="FFFFFF"/>
-                </a:highlight>
-                <a:latin typeface="Consolas" panose="020B0609020204030204" pitchFamily="49" charset="0"/>
-              </a:rPr>
-              <a:t>loop</a:t>
-            </a:r>
-            <a:r>
-              <a:rPr lang="en-US" altLang="zh-CN" sz="1400" b="0" dirty="0">
-                <a:solidFill>
-                  <a:srgbClr val="000000"/>
-                </a:solidFill>
-                <a:effectLst/>
-                <a:highlight>
-                  <a:srgbClr val="FFFFFF"/>
-                </a:highlight>
-                <a:latin typeface="Consolas" panose="020B0609020204030204" pitchFamily="49" charset="0"/>
-              </a:rPr>
-              <a:t>):</a:t>
-            </a:r>
-          </a:p>
-          <a:p>
-            <a:r>
-              <a:rPr lang="en-US" altLang="zh-CN" sz="1400" b="0" dirty="0">
-                <a:solidFill>
-                  <a:srgbClr val="000000"/>
-                </a:solidFill>
-                <a:effectLst/>
-                <a:highlight>
-                  <a:srgbClr val="FFFFFF"/>
-                </a:highlight>
-                <a:latin typeface="Consolas" panose="020B0609020204030204" pitchFamily="49" charset="0"/>
-              </a:rPr>
-              <a:t>    </a:t>
-            </a:r>
-            <a:r>
-              <a:rPr lang="en-US" altLang="zh-CN" sz="1400" b="0" dirty="0">
-                <a:solidFill>
-                  <a:srgbClr val="001080"/>
-                </a:solidFill>
-                <a:effectLst/>
-                <a:highlight>
-                  <a:srgbClr val="FFFFFF"/>
-                </a:highlight>
-                <a:latin typeface="Consolas" panose="020B0609020204030204" pitchFamily="49" charset="0"/>
-              </a:rPr>
-              <a:t>executor</a:t>
-            </a:r>
-            <a:r>
-              <a:rPr lang="en-US" altLang="zh-CN" sz="1400" b="0" dirty="0">
-                <a:solidFill>
-                  <a:srgbClr val="000000"/>
-                </a:solidFill>
-                <a:effectLst/>
-                <a:highlight>
-                  <a:srgbClr val="FFFFFF"/>
-                </a:highlight>
-                <a:latin typeface="Consolas" panose="020B0609020204030204" pitchFamily="49" charset="0"/>
-              </a:rPr>
-              <a:t> = </a:t>
-            </a:r>
-            <a:r>
-              <a:rPr lang="en-US" altLang="zh-CN" sz="1400" b="0" dirty="0" err="1">
-                <a:solidFill>
-                  <a:srgbClr val="267F99"/>
-                </a:solidFill>
-                <a:effectLst/>
-                <a:highlight>
-                  <a:srgbClr val="FFFFFF"/>
-                </a:highlight>
-                <a:latin typeface="Consolas" panose="020B0609020204030204" pitchFamily="49" charset="0"/>
-              </a:rPr>
-              <a:t>ThreadPoolExecutor</a:t>
-            </a:r>
-            <a:r>
-              <a:rPr lang="en-US" altLang="zh-CN" sz="1400" b="0" dirty="0">
-                <a:solidFill>
-                  <a:srgbClr val="000000"/>
-                </a:solidFill>
-                <a:effectLst/>
-                <a:highlight>
-                  <a:srgbClr val="FFFFFF"/>
-                </a:highlight>
-                <a:latin typeface="Consolas" panose="020B0609020204030204" pitchFamily="49" charset="0"/>
-              </a:rPr>
-              <a:t>()</a:t>
-            </a:r>
-            <a:r>
-              <a:rPr lang="ja-JP" altLang="en-US" sz="1400" b="0" dirty="0">
-                <a:solidFill>
-                  <a:srgbClr val="000000"/>
-                </a:solidFill>
-                <a:effectLst/>
-                <a:highlight>
-                  <a:srgbClr val="FFFFFF"/>
-                </a:highlight>
-                <a:latin typeface="Consolas" panose="020B0609020204030204" pitchFamily="49" charset="0"/>
-              </a:rPr>
-              <a:t>　</a:t>
-            </a:r>
-            <a:r>
-              <a:rPr lang="en-US" altLang="zh-CN" sz="1400" b="0" dirty="0">
-                <a:solidFill>
-                  <a:srgbClr val="008000"/>
-                </a:solidFill>
-                <a:effectLst/>
-                <a:highlight>
-                  <a:srgbClr val="FFFFFF"/>
-                </a:highlight>
-                <a:latin typeface="Consolas" panose="020B0609020204030204" pitchFamily="49" charset="0"/>
-              </a:rPr>
-              <a:t> #</a:t>
-            </a:r>
-            <a:r>
-              <a:rPr lang="ja-JP" altLang="en-US" sz="1400" b="0" dirty="0">
-                <a:solidFill>
-                  <a:srgbClr val="008000"/>
-                </a:solidFill>
-                <a:effectLst/>
-                <a:highlight>
-                  <a:srgbClr val="FFFFFF"/>
-                </a:highlight>
-                <a:latin typeface="Consolas" panose="020B0609020204030204" pitchFamily="49" charset="0"/>
-              </a:rPr>
-              <a:t>　スレッドプールを作る</a:t>
-            </a:r>
-            <a:endParaRPr lang="en-US" altLang="zh-CN" sz="1400" b="0" dirty="0">
-              <a:solidFill>
-                <a:srgbClr val="000000"/>
-              </a:solidFill>
-              <a:effectLst/>
-              <a:highlight>
-                <a:srgbClr val="FFFFFF"/>
-              </a:highlight>
-              <a:latin typeface="Consolas" panose="020B0609020204030204" pitchFamily="49" charset="0"/>
-            </a:endParaRPr>
-          </a:p>
-          <a:p>
-            <a:r>
-              <a:rPr lang="en-US" altLang="zh-CN" sz="1400" b="0" dirty="0">
-                <a:solidFill>
-                  <a:srgbClr val="000000"/>
-                </a:solidFill>
-                <a:effectLst/>
-                <a:highlight>
-                  <a:srgbClr val="FFFFFF"/>
-                </a:highlight>
-                <a:latin typeface="Consolas" panose="020B0609020204030204" pitchFamily="49" charset="0"/>
-              </a:rPr>
-              <a:t>    </a:t>
-            </a:r>
-            <a:r>
-              <a:rPr lang="en-US" altLang="zh-CN" sz="1400" b="0" dirty="0">
-                <a:solidFill>
-                  <a:srgbClr val="001080"/>
-                </a:solidFill>
-                <a:effectLst/>
-                <a:highlight>
-                  <a:srgbClr val="FFFFFF"/>
-                </a:highlight>
-                <a:latin typeface="Consolas" panose="020B0609020204030204" pitchFamily="49" charset="0"/>
-              </a:rPr>
-              <a:t>result</a:t>
-            </a:r>
-            <a:r>
-              <a:rPr lang="en-US" altLang="zh-CN" sz="1400" b="0" dirty="0">
-                <a:solidFill>
-                  <a:srgbClr val="000000"/>
-                </a:solidFill>
-                <a:effectLst/>
-                <a:highlight>
-                  <a:srgbClr val="FFFFFF"/>
-                </a:highlight>
-                <a:latin typeface="Consolas" panose="020B0609020204030204" pitchFamily="49" charset="0"/>
-              </a:rPr>
-              <a:t> = </a:t>
-            </a:r>
-            <a:r>
-              <a:rPr lang="en-US" altLang="zh-CN" sz="1400" b="0" dirty="0">
-                <a:solidFill>
-                  <a:srgbClr val="AF00DB"/>
-                </a:solidFill>
-                <a:effectLst/>
-                <a:highlight>
-                  <a:srgbClr val="FFFFFF"/>
-                </a:highlight>
-                <a:latin typeface="Consolas" panose="020B0609020204030204" pitchFamily="49" charset="0"/>
-              </a:rPr>
-              <a:t>await</a:t>
-            </a:r>
-            <a:r>
-              <a:rPr lang="en-US" altLang="zh-CN" sz="1400" b="0" dirty="0">
-                <a:solidFill>
-                  <a:srgbClr val="000000"/>
-                </a:solidFill>
-                <a:effectLst/>
-                <a:highlight>
-                  <a:srgbClr val="FFFFFF"/>
-                </a:highlight>
-                <a:latin typeface="Consolas" panose="020B0609020204030204" pitchFamily="49" charset="0"/>
-              </a:rPr>
-              <a:t> </a:t>
-            </a:r>
-            <a:r>
-              <a:rPr lang="en-US" altLang="zh-CN" sz="1400" b="0" dirty="0" err="1">
-                <a:solidFill>
-                  <a:srgbClr val="001080"/>
-                </a:solidFill>
-                <a:effectLst/>
-                <a:highlight>
-                  <a:srgbClr val="FFFFFF"/>
-                </a:highlight>
-                <a:latin typeface="Consolas" panose="020B0609020204030204" pitchFamily="49" charset="0"/>
-              </a:rPr>
-              <a:t>loop</a:t>
-            </a:r>
-            <a:r>
-              <a:rPr lang="en-US" altLang="zh-CN" sz="1400" b="0" dirty="0" err="1">
-                <a:solidFill>
-                  <a:srgbClr val="000000"/>
-                </a:solidFill>
-                <a:effectLst/>
-                <a:highlight>
-                  <a:srgbClr val="FFFFFF"/>
-                </a:highlight>
-                <a:latin typeface="Consolas" panose="020B0609020204030204" pitchFamily="49" charset="0"/>
-              </a:rPr>
-              <a:t>.run_in_executor</a:t>
-            </a:r>
-            <a:r>
-              <a:rPr lang="en-US" altLang="zh-CN" sz="1400" b="0" dirty="0">
-                <a:solidFill>
-                  <a:srgbClr val="000000"/>
-                </a:solidFill>
-                <a:effectLst/>
-                <a:highlight>
-                  <a:srgbClr val="FFFFFF"/>
-                </a:highlight>
-                <a:latin typeface="Consolas" panose="020B0609020204030204" pitchFamily="49" charset="0"/>
-              </a:rPr>
-              <a:t>(</a:t>
-            </a:r>
-            <a:r>
-              <a:rPr lang="en-US" altLang="zh-CN" sz="1400" b="0" dirty="0">
-                <a:solidFill>
-                  <a:srgbClr val="001080"/>
-                </a:solidFill>
-                <a:effectLst/>
-                <a:highlight>
-                  <a:srgbClr val="FFFFFF"/>
-                </a:highlight>
-                <a:latin typeface="Consolas" panose="020B0609020204030204" pitchFamily="49" charset="0"/>
-              </a:rPr>
-              <a:t>executor</a:t>
-            </a:r>
-            <a:r>
-              <a:rPr lang="en-US" altLang="zh-CN" sz="1400" b="0" dirty="0">
-                <a:solidFill>
-                  <a:srgbClr val="000000"/>
-                </a:solidFill>
-                <a:effectLst/>
-                <a:highlight>
-                  <a:srgbClr val="FFFFFF"/>
-                </a:highlight>
-                <a:latin typeface="Consolas" panose="020B0609020204030204" pitchFamily="49" charset="0"/>
-              </a:rPr>
-              <a:t>, </a:t>
-            </a:r>
-            <a:r>
-              <a:rPr lang="en-US" altLang="zh-CN" sz="1400" b="0" dirty="0" err="1">
-                <a:solidFill>
-                  <a:srgbClr val="795E26"/>
-                </a:solidFill>
-                <a:effectLst/>
-                <a:highlight>
-                  <a:srgbClr val="FFFFFF"/>
-                </a:highlight>
-                <a:latin typeface="Consolas" panose="020B0609020204030204" pitchFamily="49" charset="0"/>
-              </a:rPr>
-              <a:t>func</a:t>
-            </a:r>
-            <a:r>
-              <a:rPr lang="en-US" altLang="zh-CN" sz="1400" b="0" dirty="0">
-                <a:solidFill>
-                  <a:srgbClr val="000000"/>
-                </a:solidFill>
-                <a:effectLst/>
-                <a:highlight>
-                  <a:srgbClr val="FFFFFF"/>
-                </a:highlight>
-                <a:latin typeface="Consolas" panose="020B0609020204030204" pitchFamily="49" charset="0"/>
-              </a:rPr>
-              <a:t>, </a:t>
-            </a:r>
-            <a:r>
-              <a:rPr lang="en-US" altLang="zh-CN" sz="1400" b="0" dirty="0">
-                <a:solidFill>
-                  <a:srgbClr val="A31515"/>
-                </a:solidFill>
-                <a:effectLst/>
-                <a:highlight>
-                  <a:srgbClr val="FFFFFF"/>
-                </a:highlight>
-                <a:latin typeface="Consolas" panose="020B0609020204030204" pitchFamily="49" charset="0"/>
-              </a:rPr>
-              <a:t>“Hello,”</a:t>
-            </a:r>
-            <a:r>
-              <a:rPr lang="en-US" altLang="zh-CN" sz="1400" b="0" dirty="0">
-                <a:solidFill>
-                  <a:srgbClr val="000000"/>
-                </a:solidFill>
-                <a:effectLst/>
-                <a:highlight>
-                  <a:srgbClr val="FFFFFF"/>
-                </a:highlight>
-                <a:latin typeface="Consolas" panose="020B0609020204030204" pitchFamily="49" charset="0"/>
-              </a:rPr>
-              <a:t>, </a:t>
-            </a:r>
-            <a:r>
-              <a:rPr lang="en-US" altLang="zh-CN" sz="1400" b="0" dirty="0">
-                <a:solidFill>
-                  <a:srgbClr val="A31515"/>
-                </a:solidFill>
-                <a:effectLst/>
-                <a:highlight>
-                  <a:srgbClr val="FFFFFF"/>
-                </a:highlight>
-                <a:latin typeface="Consolas" panose="020B0609020204030204" pitchFamily="49" charset="0"/>
-              </a:rPr>
-              <a:t>“ world!”</a:t>
-            </a:r>
-            <a:r>
-              <a:rPr lang="en-US" altLang="zh-CN" sz="1400" b="0" dirty="0">
-                <a:solidFill>
-                  <a:srgbClr val="000000"/>
-                </a:solidFill>
-                <a:effectLst/>
-                <a:highlight>
-                  <a:srgbClr val="FFFFFF"/>
-                </a:highlight>
-                <a:latin typeface="Consolas" panose="020B0609020204030204" pitchFamily="49" charset="0"/>
-              </a:rPr>
-              <a:t>)</a:t>
-            </a:r>
-            <a:r>
-              <a:rPr lang="ja-JP" altLang="en-US" sz="1400" b="0" dirty="0">
-                <a:solidFill>
-                  <a:srgbClr val="000000"/>
-                </a:solidFill>
-                <a:effectLst/>
-                <a:highlight>
-                  <a:srgbClr val="FFFFFF"/>
-                </a:highlight>
-                <a:latin typeface="Consolas" panose="020B0609020204030204" pitchFamily="49" charset="0"/>
-              </a:rPr>
-              <a:t>　</a:t>
-            </a:r>
-            <a:r>
-              <a:rPr lang="en-US" altLang="zh-CN" sz="1400" b="0" dirty="0">
-                <a:solidFill>
-                  <a:srgbClr val="008000"/>
-                </a:solidFill>
-                <a:effectLst/>
-                <a:highlight>
-                  <a:srgbClr val="FFFFFF"/>
-                </a:highlight>
-                <a:latin typeface="Consolas" panose="020B0609020204030204" pitchFamily="49" charset="0"/>
-              </a:rPr>
-              <a:t> #</a:t>
-            </a:r>
-            <a:r>
-              <a:rPr lang="ja-JP" altLang="en-US" sz="1400" b="0" dirty="0">
-                <a:solidFill>
-                  <a:srgbClr val="008000"/>
-                </a:solidFill>
-                <a:effectLst/>
-                <a:highlight>
-                  <a:srgbClr val="FFFFFF"/>
-                </a:highlight>
-                <a:latin typeface="Consolas" panose="020B0609020204030204" pitchFamily="49" charset="0"/>
-              </a:rPr>
-              <a:t>　</a:t>
-            </a:r>
-            <a:r>
-              <a:rPr lang="en-US" altLang="zh-CN" sz="1400" b="0" i="0" dirty="0">
-                <a:effectLst/>
-                <a:highlight>
-                  <a:srgbClr val="FFFFFF"/>
-                </a:highlight>
-                <a:latin typeface="YakuHanJPs"/>
-              </a:rPr>
-              <a:t> </a:t>
-            </a:r>
-            <a:endParaRPr lang="en-US" altLang="zh-CN" sz="1400" b="0" dirty="0">
-              <a:solidFill>
-                <a:srgbClr val="000000"/>
-              </a:solidFill>
-              <a:effectLst/>
-              <a:highlight>
-                <a:srgbClr val="FFFFFF"/>
-              </a:highlight>
-              <a:latin typeface="Consolas" panose="020B0609020204030204" pitchFamily="49" charset="0"/>
-            </a:endParaRPr>
-          </a:p>
-          <a:p>
-            <a:r>
-              <a:rPr lang="en-US" altLang="zh-CN" sz="1400" b="0" dirty="0">
-                <a:solidFill>
-                  <a:srgbClr val="000000"/>
-                </a:solidFill>
-                <a:effectLst/>
-                <a:highlight>
-                  <a:srgbClr val="FFFFFF"/>
-                </a:highlight>
-                <a:latin typeface="Consolas" panose="020B0609020204030204" pitchFamily="49" charset="0"/>
-              </a:rPr>
-              <a:t>    </a:t>
-            </a:r>
-            <a:r>
-              <a:rPr lang="en-US" altLang="zh-CN" sz="1400" b="0" dirty="0">
-                <a:solidFill>
-                  <a:srgbClr val="795E26"/>
-                </a:solidFill>
-                <a:effectLst/>
-                <a:highlight>
-                  <a:srgbClr val="FFFFFF"/>
-                </a:highlight>
-                <a:latin typeface="Consolas" panose="020B0609020204030204" pitchFamily="49" charset="0"/>
-              </a:rPr>
-              <a:t>print</a:t>
-            </a:r>
-            <a:r>
-              <a:rPr lang="en-US" altLang="zh-CN" sz="1400" b="0" dirty="0">
-                <a:solidFill>
-                  <a:srgbClr val="000000"/>
-                </a:solidFill>
-                <a:effectLst/>
-                <a:highlight>
-                  <a:srgbClr val="FFFFFF"/>
-                </a:highlight>
-                <a:latin typeface="Consolas" panose="020B0609020204030204" pitchFamily="49" charset="0"/>
-              </a:rPr>
-              <a:t>(</a:t>
-            </a:r>
-            <a:r>
-              <a:rPr lang="en-US" altLang="zh-CN" sz="1400" b="0" dirty="0">
-                <a:solidFill>
-                  <a:srgbClr val="001080"/>
-                </a:solidFill>
-                <a:effectLst/>
-                <a:highlight>
-                  <a:srgbClr val="FFFFFF"/>
-                </a:highlight>
-                <a:latin typeface="Consolas" panose="020B0609020204030204" pitchFamily="49" charset="0"/>
-              </a:rPr>
-              <a:t>result</a:t>
-            </a:r>
-            <a:r>
-              <a:rPr lang="en-US" altLang="zh-CN" sz="1400" b="0" dirty="0">
-                <a:solidFill>
-                  <a:srgbClr val="000000"/>
-                </a:solidFill>
-                <a:effectLst/>
-                <a:highlight>
-                  <a:srgbClr val="FFFFFF"/>
-                </a:highlight>
-                <a:latin typeface="Consolas" panose="020B0609020204030204" pitchFamily="49" charset="0"/>
-              </a:rPr>
-              <a:t>)</a:t>
-            </a:r>
-          </a:p>
-          <a:p>
-            <a:br>
-              <a:rPr lang="en-US" altLang="zh-CN" sz="1400" b="0" dirty="0">
-                <a:solidFill>
-                  <a:srgbClr val="000000"/>
+              <a:rPr lang="en-US" altLang="zh-CN" sz="1200" b="0" dirty="0">
+                <a:solidFill>
+                  <a:srgbClr val="3B3B3B"/>
                 </a:solidFill>
                 <a:effectLst/>
                 <a:highlight>
@@ -7374,7 +6768,202 @@
               </a:rPr>
             </a:br>
             <a:br>
-              <a:rPr lang="en-US" altLang="zh-CN" sz="1400" b="0" dirty="0">
+              <a:rPr lang="en-US" altLang="zh-CN" sz="1200" b="0" dirty="0">
+                <a:solidFill>
+                  <a:srgbClr val="3B3B3B"/>
+                </a:solidFill>
+                <a:effectLst/>
+                <a:highlight>
+                  <a:srgbClr val="FFFFFF"/>
+                </a:highlight>
+                <a:latin typeface="Consolas" panose="020B0609020204030204" pitchFamily="49" charset="0"/>
+              </a:rPr>
+            </a:br>
+            <a:br>
+              <a:rPr lang="en-US" altLang="zh-CN" sz="1200" b="0" dirty="0">
+                <a:solidFill>
+                  <a:srgbClr val="3B3B3B"/>
+                </a:solidFill>
+                <a:effectLst/>
+                <a:highlight>
+                  <a:srgbClr val="FFFFFF"/>
+                </a:highlight>
+                <a:latin typeface="Consolas" panose="020B0609020204030204" pitchFamily="49" charset="0"/>
+              </a:rPr>
+            </a:br>
+            <a:r>
+              <a:rPr lang="en-US" altLang="zh-CN" sz="1200" b="0" dirty="0">
+                <a:solidFill>
+                  <a:srgbClr val="0000FF"/>
+                </a:solidFill>
+                <a:effectLst/>
+                <a:highlight>
+                  <a:srgbClr val="FFFFFF"/>
+                </a:highlight>
+                <a:latin typeface="Consolas" panose="020B0609020204030204" pitchFamily="49" charset="0"/>
+              </a:rPr>
+              <a:t>async</a:t>
+            </a:r>
+            <a:r>
+              <a:rPr lang="en-US" altLang="zh-CN" sz="1200" b="0" dirty="0">
+                <a:solidFill>
+                  <a:srgbClr val="3B3B3B"/>
+                </a:solidFill>
+                <a:effectLst/>
+                <a:highlight>
+                  <a:srgbClr val="FFFFFF"/>
+                </a:highlight>
+                <a:latin typeface="Consolas" panose="020B0609020204030204" pitchFamily="49" charset="0"/>
+              </a:rPr>
+              <a:t> </a:t>
+            </a:r>
+            <a:r>
+              <a:rPr lang="en-US" altLang="zh-CN" sz="1200" b="0" dirty="0">
+                <a:solidFill>
+                  <a:srgbClr val="0000FF"/>
+                </a:solidFill>
+                <a:effectLst/>
+                <a:highlight>
+                  <a:srgbClr val="FFFFFF"/>
+                </a:highlight>
+                <a:latin typeface="Consolas" panose="020B0609020204030204" pitchFamily="49" charset="0"/>
+              </a:rPr>
+              <a:t>def</a:t>
+            </a:r>
+            <a:r>
+              <a:rPr lang="en-US" altLang="zh-CN" sz="1200" b="0" dirty="0">
+                <a:solidFill>
+                  <a:srgbClr val="3B3B3B"/>
+                </a:solidFill>
+                <a:effectLst/>
+                <a:highlight>
+                  <a:srgbClr val="FFFFFF"/>
+                </a:highlight>
+                <a:latin typeface="Consolas" panose="020B0609020204030204" pitchFamily="49" charset="0"/>
+              </a:rPr>
+              <a:t> </a:t>
+            </a:r>
+            <a:r>
+              <a:rPr lang="en-US" altLang="zh-CN" sz="1200" b="0" dirty="0">
+                <a:solidFill>
+                  <a:srgbClr val="795E26"/>
+                </a:solidFill>
+                <a:effectLst/>
+                <a:highlight>
+                  <a:srgbClr val="FFFFFF"/>
+                </a:highlight>
+                <a:latin typeface="Consolas" panose="020B0609020204030204" pitchFamily="49" charset="0"/>
+              </a:rPr>
+              <a:t>main</a:t>
+            </a:r>
+            <a:r>
+              <a:rPr lang="en-US" altLang="zh-CN" sz="1200" b="0" dirty="0">
+                <a:solidFill>
+                  <a:srgbClr val="3B3B3B"/>
+                </a:solidFill>
+                <a:effectLst/>
+                <a:highlight>
+                  <a:srgbClr val="FFFFFF"/>
+                </a:highlight>
+                <a:latin typeface="Consolas" panose="020B0609020204030204" pitchFamily="49" charset="0"/>
+              </a:rPr>
+              <a:t>(</a:t>
+            </a:r>
+            <a:r>
+              <a:rPr lang="en-US" altLang="zh-CN" sz="1200" b="0" dirty="0">
+                <a:solidFill>
+                  <a:srgbClr val="001080"/>
+                </a:solidFill>
+                <a:effectLst/>
+                <a:highlight>
+                  <a:srgbClr val="FFFFFF"/>
+                </a:highlight>
+                <a:latin typeface="Consolas" panose="020B0609020204030204" pitchFamily="49" charset="0"/>
+              </a:rPr>
+              <a:t>loop</a:t>
+            </a:r>
+            <a:r>
+              <a:rPr lang="en-US" altLang="zh-CN" sz="1200" b="0" dirty="0">
+                <a:solidFill>
+                  <a:srgbClr val="3B3B3B"/>
+                </a:solidFill>
+                <a:effectLst/>
+                <a:highlight>
+                  <a:srgbClr val="FFFFFF"/>
+                </a:highlight>
+                <a:latin typeface="Consolas" panose="020B0609020204030204" pitchFamily="49" charset="0"/>
+              </a:rPr>
+              <a:t>, </a:t>
+            </a:r>
+            <a:r>
+              <a:rPr lang="en-US" altLang="zh-CN" sz="1200" b="0" dirty="0">
+                <a:solidFill>
+                  <a:srgbClr val="001080"/>
+                </a:solidFill>
+                <a:effectLst/>
+                <a:highlight>
+                  <a:srgbClr val="FFFFFF"/>
+                </a:highlight>
+                <a:latin typeface="Consolas" panose="020B0609020204030204" pitchFamily="49" charset="0"/>
+              </a:rPr>
+              <a:t>name</a:t>
+            </a:r>
+            <a:r>
+              <a:rPr lang="en-US" altLang="zh-CN" sz="1200" b="0" dirty="0">
+                <a:solidFill>
+                  <a:srgbClr val="3B3B3B"/>
+                </a:solidFill>
+                <a:effectLst/>
+                <a:highlight>
+                  <a:srgbClr val="FFFFFF"/>
+                </a:highlight>
+                <a:latin typeface="Consolas" panose="020B0609020204030204" pitchFamily="49" charset="0"/>
+              </a:rPr>
+              <a:t>):</a:t>
+            </a:r>
+          </a:p>
+          <a:p>
+            <a:r>
+              <a:rPr lang="en-US" altLang="zh-CN" sz="1200" b="0" dirty="0">
+                <a:solidFill>
+                  <a:srgbClr val="3B3B3B"/>
+                </a:solidFill>
+                <a:effectLst/>
+                <a:highlight>
+                  <a:srgbClr val="FFFFFF"/>
+                </a:highlight>
+                <a:latin typeface="Consolas" panose="020B0609020204030204" pitchFamily="49" charset="0"/>
+              </a:rPr>
+              <a:t>    </a:t>
+            </a:r>
+            <a:r>
+              <a:rPr lang="en-US" altLang="zh-CN" sz="1200" b="0" dirty="0">
+                <a:solidFill>
+                  <a:srgbClr val="001080"/>
+                </a:solidFill>
+                <a:effectLst/>
+                <a:highlight>
+                  <a:srgbClr val="FFFFFF"/>
+                </a:highlight>
+                <a:latin typeface="Consolas" panose="020B0609020204030204" pitchFamily="49" charset="0"/>
+              </a:rPr>
+              <a:t>executor</a:t>
+            </a:r>
+            <a:r>
+              <a:rPr lang="en-US" altLang="zh-CN" sz="1200" b="0" dirty="0">
+                <a:solidFill>
+                  <a:srgbClr val="3B3B3B"/>
+                </a:solidFill>
+                <a:effectLst/>
+                <a:highlight>
+                  <a:srgbClr val="FFFFFF"/>
+                </a:highlight>
+                <a:latin typeface="Consolas" panose="020B0609020204030204" pitchFamily="49" charset="0"/>
+              </a:rPr>
+              <a:t> </a:t>
+            </a:r>
+            <a:r>
+              <a:rPr lang="en-US" altLang="zh-CN" sz="1200" b="0" dirty="0">
                 <a:solidFill>
                   <a:srgbClr val="000000"/>
                 </a:solidFill>
@@ -7384,9 +6973,352 @@
                 </a:highlight>
                 <a:latin typeface="Consolas" panose="020B0609020204030204" pitchFamily="49" charset="0"/>
               </a:rPr>
+              <a:t>=</a:t>
+            </a:r>
+            <a:r>
+              <a:rPr lang="en-US" altLang="zh-CN" sz="1200" b="0" dirty="0">
+                <a:solidFill>
+                  <a:srgbClr val="3B3B3B"/>
+                </a:solidFill>
+                <a:effectLst/>
+                <a:highlight>
+                  <a:srgbClr val="FFFFFF"/>
+                </a:highlight>
+                <a:latin typeface="Consolas" panose="020B0609020204030204" pitchFamily="49" charset="0"/>
+              </a:rPr>
+              <a:t> </a:t>
+            </a:r>
+            <a:r>
+              <a:rPr lang="en-US" altLang="zh-CN" sz="1200" b="0" dirty="0" err="1">
+                <a:solidFill>
+                  <a:srgbClr val="267F99"/>
+                </a:solidFill>
+                <a:effectLst/>
+                <a:highlight>
+                  <a:srgbClr val="FFFFFF"/>
+                </a:highlight>
+                <a:latin typeface="Consolas" panose="020B0609020204030204" pitchFamily="49" charset="0"/>
+              </a:rPr>
+              <a:t>ThreadPoolExecutor</a:t>
+            </a:r>
+            <a:r>
+              <a:rPr lang="en-US" altLang="zh-CN" sz="1200" b="0" dirty="0">
+                <a:solidFill>
+                  <a:srgbClr val="3B3B3B"/>
+                </a:solidFill>
+                <a:effectLst/>
+                <a:highlight>
+                  <a:srgbClr val="FFFFFF"/>
+                </a:highlight>
+                <a:latin typeface="Consolas" panose="020B0609020204030204" pitchFamily="49" charset="0"/>
+              </a:rPr>
+              <a:t>()</a:t>
+            </a:r>
+          </a:p>
+          <a:p>
+            <a:r>
+              <a:rPr lang="en-US" altLang="zh-CN" sz="1200" b="0" dirty="0">
+                <a:solidFill>
+                  <a:srgbClr val="3B3B3B"/>
+                </a:solidFill>
+                <a:effectLst/>
+                <a:highlight>
+                  <a:srgbClr val="FFFFFF"/>
+                </a:highlight>
+                <a:latin typeface="Consolas" panose="020B0609020204030204" pitchFamily="49" charset="0"/>
+              </a:rPr>
+              <a:t>    </a:t>
+            </a:r>
+            <a:r>
+              <a:rPr lang="en-US" altLang="zh-CN" sz="1200" b="0" dirty="0">
+                <a:solidFill>
+                  <a:srgbClr val="001080"/>
+                </a:solidFill>
+                <a:effectLst/>
+                <a:highlight>
+                  <a:srgbClr val="FFFFFF"/>
+                </a:highlight>
+                <a:latin typeface="Consolas" panose="020B0609020204030204" pitchFamily="49" charset="0"/>
+              </a:rPr>
+              <a:t>result</a:t>
+            </a:r>
+            <a:r>
+              <a:rPr lang="en-US" altLang="zh-CN" sz="1200" b="0" dirty="0">
+                <a:solidFill>
+                  <a:srgbClr val="3B3B3B"/>
+                </a:solidFill>
+                <a:effectLst/>
+                <a:highlight>
+                  <a:srgbClr val="FFFFFF"/>
+                </a:highlight>
+                <a:latin typeface="Consolas" panose="020B0609020204030204" pitchFamily="49" charset="0"/>
+              </a:rPr>
+              <a:t> </a:t>
+            </a:r>
+            <a:r>
+              <a:rPr lang="en-US" altLang="zh-CN" sz="1200" b="0" dirty="0">
+                <a:solidFill>
+                  <a:srgbClr val="000000"/>
+                </a:solidFill>
+                <a:effectLst/>
+                <a:highlight>
+                  <a:srgbClr val="FFFFFF"/>
+                </a:highlight>
+                <a:latin typeface="Consolas" panose="020B0609020204030204" pitchFamily="49" charset="0"/>
+              </a:rPr>
+              <a:t>=</a:t>
+            </a:r>
+            <a:r>
+              <a:rPr lang="en-US" altLang="zh-CN" sz="1200" b="0" dirty="0">
+                <a:solidFill>
+                  <a:srgbClr val="3B3B3B"/>
+                </a:solidFill>
+                <a:effectLst/>
+                <a:highlight>
+                  <a:srgbClr val="FFFFFF"/>
+                </a:highlight>
+                <a:latin typeface="Consolas" panose="020B0609020204030204" pitchFamily="49" charset="0"/>
+              </a:rPr>
+              <a:t> </a:t>
+            </a:r>
+            <a:r>
+              <a:rPr lang="en-US" altLang="zh-CN" sz="1200" b="0" dirty="0">
+                <a:solidFill>
+                  <a:srgbClr val="AF00DB"/>
+                </a:solidFill>
+                <a:effectLst/>
+                <a:highlight>
+                  <a:srgbClr val="FFFFFF"/>
+                </a:highlight>
+                <a:latin typeface="Consolas" panose="020B0609020204030204" pitchFamily="49" charset="0"/>
+              </a:rPr>
+              <a:t>await</a:t>
+            </a:r>
+            <a:r>
+              <a:rPr lang="en-US" altLang="zh-CN" sz="1200" b="0" dirty="0">
+                <a:solidFill>
+                  <a:srgbClr val="3B3B3B"/>
+                </a:solidFill>
+                <a:effectLst/>
+                <a:highlight>
+                  <a:srgbClr val="FFFFFF"/>
+                </a:highlight>
+                <a:latin typeface="Consolas" panose="020B0609020204030204" pitchFamily="49" charset="0"/>
+              </a:rPr>
+              <a:t> </a:t>
+            </a:r>
+            <a:r>
+              <a:rPr lang="en-US" altLang="zh-CN" sz="1200" b="0" dirty="0" err="1">
+                <a:solidFill>
+                  <a:srgbClr val="001080"/>
+                </a:solidFill>
+                <a:effectLst/>
+                <a:highlight>
+                  <a:srgbClr val="FFFFFF"/>
+                </a:highlight>
+                <a:latin typeface="Consolas" panose="020B0609020204030204" pitchFamily="49" charset="0"/>
+              </a:rPr>
+              <a:t>loop</a:t>
+            </a:r>
+            <a:r>
+              <a:rPr lang="en-US" altLang="zh-CN" sz="1200" b="0" dirty="0" err="1">
+                <a:solidFill>
+                  <a:srgbClr val="3B3B3B"/>
+                </a:solidFill>
+                <a:effectLst/>
+                <a:highlight>
+                  <a:srgbClr val="FFFFFF"/>
+                </a:highlight>
+                <a:latin typeface="Consolas" panose="020B0609020204030204" pitchFamily="49" charset="0"/>
+              </a:rPr>
+              <a:t>.run_in_executor</a:t>
+            </a:r>
+            <a:r>
+              <a:rPr lang="en-US" altLang="zh-CN" sz="1200" b="0" dirty="0">
+                <a:solidFill>
+                  <a:srgbClr val="3B3B3B"/>
+                </a:solidFill>
+                <a:effectLst/>
+                <a:highlight>
+                  <a:srgbClr val="FFFFFF"/>
+                </a:highlight>
+                <a:latin typeface="Consolas" panose="020B0609020204030204" pitchFamily="49" charset="0"/>
+              </a:rPr>
+              <a:t>(</a:t>
+            </a:r>
+            <a:r>
+              <a:rPr lang="en-US" altLang="zh-CN" sz="1200" b="0" dirty="0">
+                <a:solidFill>
+                  <a:srgbClr val="001080"/>
+                </a:solidFill>
+                <a:effectLst/>
+                <a:highlight>
+                  <a:srgbClr val="FFFFFF"/>
+                </a:highlight>
+                <a:latin typeface="Consolas" panose="020B0609020204030204" pitchFamily="49" charset="0"/>
+              </a:rPr>
+              <a:t>executor</a:t>
+            </a:r>
+            <a:r>
+              <a:rPr lang="en-US" altLang="zh-CN" sz="1200" b="0" dirty="0">
+                <a:solidFill>
+                  <a:srgbClr val="3B3B3B"/>
+                </a:solidFill>
+                <a:effectLst/>
+                <a:highlight>
+                  <a:srgbClr val="FFFFFF"/>
+                </a:highlight>
+                <a:latin typeface="Consolas" panose="020B0609020204030204" pitchFamily="49" charset="0"/>
+              </a:rPr>
+              <a:t>, </a:t>
+            </a:r>
+            <a:r>
+              <a:rPr lang="en-US" altLang="zh-CN" sz="1200" b="0" dirty="0" err="1">
+                <a:solidFill>
+                  <a:srgbClr val="795E26"/>
+                </a:solidFill>
+                <a:effectLst/>
+                <a:highlight>
+                  <a:srgbClr val="FFFFFF"/>
+                </a:highlight>
+                <a:latin typeface="Consolas" panose="020B0609020204030204" pitchFamily="49" charset="0"/>
+              </a:rPr>
+              <a:t>func</a:t>
+            </a:r>
+            <a:r>
+              <a:rPr lang="en-US" altLang="zh-CN" sz="1200" b="0" dirty="0">
+                <a:solidFill>
+                  <a:srgbClr val="3B3B3B"/>
+                </a:solidFill>
+                <a:effectLst/>
+                <a:highlight>
+                  <a:srgbClr val="FFFFFF"/>
+                </a:highlight>
+                <a:latin typeface="Consolas" panose="020B0609020204030204" pitchFamily="49" charset="0"/>
+              </a:rPr>
+              <a:t>, </a:t>
+            </a:r>
+            <a:r>
+              <a:rPr lang="en-US" altLang="zh-CN" sz="1200" b="0" dirty="0">
+                <a:solidFill>
+                  <a:srgbClr val="001080"/>
+                </a:solidFill>
+                <a:effectLst/>
+                <a:highlight>
+                  <a:srgbClr val="FFFFFF"/>
+                </a:highlight>
+                <a:latin typeface="Consolas" panose="020B0609020204030204" pitchFamily="49" charset="0"/>
+              </a:rPr>
+              <a:t>name</a:t>
+            </a:r>
+            <a:r>
+              <a:rPr lang="en-US" altLang="zh-CN" sz="1200" b="0" dirty="0">
+                <a:solidFill>
+                  <a:srgbClr val="3B3B3B"/>
+                </a:solidFill>
+                <a:effectLst/>
+                <a:highlight>
+                  <a:srgbClr val="FFFFFF"/>
+                </a:highlight>
+                <a:latin typeface="Consolas" panose="020B0609020204030204" pitchFamily="49" charset="0"/>
+              </a:rPr>
+              <a:t>)</a:t>
+            </a:r>
+          </a:p>
+          <a:p>
+            <a:r>
+              <a:rPr lang="en-US" altLang="zh-CN" sz="1200" b="0" dirty="0">
+                <a:solidFill>
+                  <a:srgbClr val="3B3B3B"/>
+                </a:solidFill>
+                <a:effectLst/>
+                <a:highlight>
+                  <a:srgbClr val="FFFFFF"/>
+                </a:highlight>
+                <a:latin typeface="Consolas" panose="020B0609020204030204" pitchFamily="49" charset="0"/>
+              </a:rPr>
+              <a:t>    </a:t>
+            </a:r>
+            <a:r>
+              <a:rPr lang="en-US" altLang="zh-CN" sz="1200" b="0" dirty="0">
+                <a:solidFill>
+                  <a:srgbClr val="795E26"/>
+                </a:solidFill>
+                <a:effectLst/>
+                <a:highlight>
+                  <a:srgbClr val="FFFFFF"/>
+                </a:highlight>
+                <a:latin typeface="Consolas" panose="020B0609020204030204" pitchFamily="49" charset="0"/>
+              </a:rPr>
+              <a:t>print</a:t>
+            </a:r>
+            <a:r>
+              <a:rPr lang="en-US" altLang="zh-CN" sz="1200" b="0" dirty="0">
+                <a:solidFill>
+                  <a:srgbClr val="3B3B3B"/>
+                </a:solidFill>
+                <a:effectLst/>
+                <a:highlight>
+                  <a:srgbClr val="FFFFFF"/>
+                </a:highlight>
+                <a:latin typeface="Consolas" panose="020B0609020204030204" pitchFamily="49" charset="0"/>
+              </a:rPr>
+              <a:t>(</a:t>
+            </a:r>
+            <a:r>
+              <a:rPr lang="en-US" altLang="zh-CN" sz="1200" b="0" dirty="0">
+                <a:solidFill>
+                  <a:srgbClr val="001080"/>
+                </a:solidFill>
+                <a:effectLst/>
+                <a:highlight>
+                  <a:srgbClr val="FFFFFF"/>
+                </a:highlight>
+                <a:latin typeface="Consolas" panose="020B0609020204030204" pitchFamily="49" charset="0"/>
+              </a:rPr>
+              <a:t>result</a:t>
+            </a:r>
+            <a:r>
+              <a:rPr lang="en-US" altLang="zh-CN" sz="1200" b="0" dirty="0">
+                <a:solidFill>
+                  <a:srgbClr val="3B3B3B"/>
+                </a:solidFill>
+                <a:effectLst/>
+                <a:highlight>
+                  <a:srgbClr val="FFFFFF"/>
+                </a:highlight>
+                <a:latin typeface="Consolas" panose="020B0609020204030204" pitchFamily="49" charset="0"/>
+              </a:rPr>
+              <a:t>)</a:t>
+            </a:r>
+          </a:p>
+          <a:p>
+            <a:br>
+              <a:rPr lang="en-US" altLang="zh-CN" sz="1200" b="0" dirty="0">
+                <a:solidFill>
+                  <a:srgbClr val="3B3B3B"/>
+                </a:solidFill>
+                <a:effectLst/>
+                <a:highlight>
+                  <a:srgbClr val="FFFFFF"/>
+                </a:highlight>
+                <a:latin typeface="Consolas" panose="020B0609020204030204" pitchFamily="49" charset="0"/>
+              </a:rPr>
             </a:br>
-            <a:r>
-              <a:rPr lang="en-US" altLang="zh-CN" sz="1400" b="0" dirty="0">
+            <a:br>
+              <a:rPr lang="en-US" altLang="zh-CN" sz="1200" b="0" dirty="0">
+                <a:solidFill>
+                  <a:srgbClr val="3B3B3B"/>
+                </a:solidFill>
+                <a:effectLst/>
+                <a:highlight>
+                  <a:srgbClr val="FFFFFF"/>
+                </a:highlight>
+                <a:latin typeface="Consolas" panose="020B0609020204030204" pitchFamily="49" charset="0"/>
+              </a:rPr>
+            </a:br>
+            <a:r>
+              <a:rPr lang="en-US" altLang="zh-CN" sz="1200" b="0" dirty="0">
                 <a:solidFill>
                   <a:srgbClr val="AF00DB"/>
                 </a:solidFill>
@@ -7399,7 +7331,46 @@
               <a:t>if</a:t>
             </a:r>
             <a:r>
-              <a:rPr lang="en-US" altLang="zh-CN" sz="1400" b="0" dirty="0">
+              <a:rPr lang="en-US" altLang="zh-CN" sz="1200" b="0" dirty="0">
+                <a:solidFill>
+                  <a:srgbClr val="3B3B3B"/>
+                </a:solidFill>
+                <a:effectLst/>
+                <a:highlight>
+                  <a:srgbClr val="FFFFFF"/>
+                </a:highlight>
+                <a:latin typeface="Consolas" panose="020B0609020204030204" pitchFamily="49" charset="0"/>
+              </a:rPr>
+              <a:t> </a:t>
+            </a:r>
+            <a:r>
+              <a:rPr lang="en-US" altLang="zh-CN" sz="1200" b="0" dirty="0">
+                <a:solidFill>
+                  <a:srgbClr val="001080"/>
+                </a:solidFill>
+                <a:effectLst/>
+                <a:highlight>
+                  <a:srgbClr val="FFFFFF"/>
+                </a:highlight>
+                <a:latin typeface="Consolas" panose="020B0609020204030204" pitchFamily="49" charset="0"/>
+              </a:rPr>
+              <a:t>__name__</a:t>
+            </a:r>
+            <a:r>
+              <a:rPr lang="en-US" altLang="zh-CN" sz="1200" b="0" dirty="0">
+                <a:solidFill>
+                  <a:srgbClr val="3B3B3B"/>
+                </a:solidFill>
+                <a:effectLst/>
+                <a:highlight>
+                  <a:srgbClr val="FFFFFF"/>
+                </a:highlight>
+                <a:latin typeface="Consolas" panose="020B0609020204030204" pitchFamily="49" charset="0"/>
+              </a:rPr>
+              <a:t> </a:t>
+            </a:r>
+            <a:r>
+              <a:rPr lang="en-US" altLang="zh-CN" sz="1200" b="0" dirty="0">
                 <a:solidFill>
                   <a:srgbClr val="000000"/>
                 </a:solidFill>
@@ -7409,10 +7380,64 @@
                 </a:highlight>
                 <a:latin typeface="Consolas" panose="020B0609020204030204" pitchFamily="49" charset="0"/>
               </a:rPr>
+              <a:t>==</a:t>
+            </a:r>
+            <a:r>
+              <a:rPr lang="en-US" altLang="zh-CN" sz="1200" b="0" dirty="0">
+                <a:solidFill>
+                  <a:srgbClr val="3B3B3B"/>
+                </a:solidFill>
+                <a:effectLst/>
+                <a:highlight>
+                  <a:srgbClr val="FFFFFF"/>
+                </a:highlight>
+                <a:latin typeface="Consolas" panose="020B0609020204030204" pitchFamily="49" charset="0"/>
+              </a:rPr>
               <a:t> </a:t>
             </a:r>
             <a:r>
-              <a:rPr lang="en-US" altLang="zh-CN" sz="1400" b="0" dirty="0">
+              <a:rPr lang="en-US" altLang="zh-CN" sz="1200" b="0" dirty="0">
+                <a:solidFill>
+                  <a:srgbClr val="A31515"/>
+                </a:solidFill>
+                <a:effectLst/>
+                <a:highlight>
+                  <a:srgbClr val="FFFFFF"/>
+                </a:highlight>
+                <a:latin typeface="Consolas" panose="020B0609020204030204" pitchFamily="49" charset="0"/>
+              </a:rPr>
+              <a:t>"__main__"</a:t>
+            </a:r>
+            <a:r>
+              <a:rPr lang="en-US" altLang="zh-CN" sz="1200" b="0" dirty="0">
+                <a:solidFill>
+                  <a:srgbClr val="3B3B3B"/>
+                </a:solidFill>
+                <a:effectLst/>
+                <a:highlight>
+                  <a:srgbClr val="FFFFFF"/>
+                </a:highlight>
+                <a:latin typeface="Consolas" panose="020B0609020204030204" pitchFamily="49" charset="0"/>
+              </a:rPr>
+              <a:t>:</a:t>
+            </a:r>
+          </a:p>
+          <a:p>
+            <a:r>
+              <a:rPr lang="en-US" altLang="zh-CN" sz="1200" b="0" dirty="0">
+                <a:solidFill>
+                  <a:srgbClr val="3B3B3B"/>
+                </a:solidFill>
+                <a:effectLst/>
+                <a:highlight>
+                  <a:srgbClr val="FFFFFF"/>
+                </a:highlight>
+                <a:latin typeface="Consolas" panose="020B0609020204030204" pitchFamily="49" charset="0"/>
+              </a:rPr>
+              <a:t>    </a:t>
+            </a:r>
+            <a:r>
+              <a:rPr lang="en-US" altLang="zh-CN" sz="1200" b="0" dirty="0">
                 <a:solidFill>
                   <a:srgbClr val="001080"/>
                 </a:solidFill>
@@ -7422,10 +7447,23 @@
                 </a:highlight>
                 <a:latin typeface="Consolas" panose="020B0609020204030204" pitchFamily="49" charset="0"/>
               </a:rPr>
-              <a:t>__name__</a:t>
-            </a:r>
-            <a:r>
-              <a:rPr lang="en-US" altLang="zh-CN" sz="1400" b="0" dirty="0">
+              <a:t>start</a:t>
+            </a:r>
+            <a:r>
+              <a:rPr lang="en-US" altLang="zh-CN" sz="1200" b="0" dirty="0">
+                <a:solidFill>
+                  <a:srgbClr val="3B3B3B"/>
+                </a:solidFill>
+                <a:effectLst/>
+                <a:highlight>
+                  <a:srgbClr val="FFFFFF"/>
+                </a:highlight>
+                <a:latin typeface="Consolas" panose="020B0609020204030204" pitchFamily="49" charset="0"/>
+              </a:rPr>
+              <a:t> </a:t>
+            </a:r>
+            <a:r>
+              <a:rPr lang="en-US" altLang="zh-CN" sz="1200" b="0" dirty="0">
                 <a:solidFill>
                   <a:srgbClr val="000000"/>
                 </a:solidFill>
@@ -7435,10 +7473,392 @@
                 </a:highlight>
                 <a:latin typeface="Consolas" panose="020B0609020204030204" pitchFamily="49" charset="0"/>
               </a:rPr>
-              <a:t> == </a:t>
-            </a:r>
-            <a:r>
-              <a:rPr lang="en-US" altLang="zh-CN" sz="1400" b="0" dirty="0">
+              <a:t>=</a:t>
+            </a:r>
+            <a:r>
+              <a:rPr lang="en-US" altLang="zh-CN" sz="1200" b="0" dirty="0">
+                <a:solidFill>
+                  <a:srgbClr val="3B3B3B"/>
+                </a:solidFill>
+                <a:effectLst/>
+                <a:highlight>
+                  <a:srgbClr val="FFFFFF"/>
+                </a:highlight>
+                <a:latin typeface="Consolas" panose="020B0609020204030204" pitchFamily="49" charset="0"/>
+              </a:rPr>
+              <a:t> </a:t>
+            </a:r>
+            <a:r>
+              <a:rPr lang="en-US" altLang="zh-CN" sz="1200" b="0" dirty="0" err="1">
+                <a:solidFill>
+                  <a:srgbClr val="267F99"/>
+                </a:solidFill>
+                <a:effectLst/>
+                <a:highlight>
+                  <a:srgbClr val="FFFFFF"/>
+                </a:highlight>
+                <a:latin typeface="Consolas" panose="020B0609020204030204" pitchFamily="49" charset="0"/>
+              </a:rPr>
+              <a:t>time</a:t>
+            </a:r>
+            <a:r>
+              <a:rPr lang="en-US" altLang="zh-CN" sz="1200" b="0" dirty="0" err="1">
+                <a:solidFill>
+                  <a:srgbClr val="3B3B3B"/>
+                </a:solidFill>
+                <a:effectLst/>
+                <a:highlight>
+                  <a:srgbClr val="FFFFFF"/>
+                </a:highlight>
+                <a:latin typeface="Consolas" panose="020B0609020204030204" pitchFamily="49" charset="0"/>
+              </a:rPr>
+              <a:t>.</a:t>
+            </a:r>
+            <a:r>
+              <a:rPr lang="en-US" altLang="zh-CN" sz="1200" b="0" dirty="0" err="1">
+                <a:solidFill>
+                  <a:srgbClr val="795E26"/>
+                </a:solidFill>
+                <a:effectLst/>
+                <a:highlight>
+                  <a:srgbClr val="FFFFFF"/>
+                </a:highlight>
+                <a:latin typeface="Consolas" panose="020B0609020204030204" pitchFamily="49" charset="0"/>
+              </a:rPr>
+              <a:t>time</a:t>
+            </a:r>
+            <a:r>
+              <a:rPr lang="en-US" altLang="zh-CN" sz="1200" b="0" dirty="0">
+                <a:solidFill>
+                  <a:srgbClr val="3B3B3B"/>
+                </a:solidFill>
+                <a:effectLst/>
+                <a:highlight>
+                  <a:srgbClr val="FFFFFF"/>
+                </a:highlight>
+                <a:latin typeface="Consolas" panose="020B0609020204030204" pitchFamily="49" charset="0"/>
+              </a:rPr>
+              <a:t>()</a:t>
+            </a:r>
+          </a:p>
+          <a:p>
+            <a:r>
+              <a:rPr lang="en-US" altLang="zh-CN" sz="1200" b="0" dirty="0">
+                <a:solidFill>
+                  <a:srgbClr val="3B3B3B"/>
+                </a:solidFill>
+                <a:effectLst/>
+                <a:highlight>
+                  <a:srgbClr val="FFFFFF"/>
+                </a:highlight>
+                <a:latin typeface="Consolas" panose="020B0609020204030204" pitchFamily="49" charset="0"/>
+              </a:rPr>
+              <a:t>    </a:t>
+            </a:r>
+            <a:r>
+              <a:rPr lang="en-US" altLang="zh-CN" sz="1200" b="0" dirty="0">
+                <a:solidFill>
+                  <a:srgbClr val="001080"/>
+                </a:solidFill>
+                <a:effectLst/>
+                <a:highlight>
+                  <a:srgbClr val="FFFFFF"/>
+                </a:highlight>
+                <a:latin typeface="Consolas" panose="020B0609020204030204" pitchFamily="49" charset="0"/>
+              </a:rPr>
+              <a:t>loop</a:t>
+            </a:r>
+            <a:r>
+              <a:rPr lang="en-US" altLang="zh-CN" sz="1200" b="0" dirty="0">
+                <a:solidFill>
+                  <a:srgbClr val="3B3B3B"/>
+                </a:solidFill>
+                <a:effectLst/>
+                <a:highlight>
+                  <a:srgbClr val="FFFFFF"/>
+                </a:highlight>
+                <a:latin typeface="Consolas" panose="020B0609020204030204" pitchFamily="49" charset="0"/>
+              </a:rPr>
+              <a:t> </a:t>
+            </a:r>
+            <a:r>
+              <a:rPr lang="en-US" altLang="zh-CN" sz="1200" b="0" dirty="0">
+                <a:solidFill>
+                  <a:srgbClr val="000000"/>
+                </a:solidFill>
+                <a:effectLst/>
+                <a:highlight>
+                  <a:srgbClr val="FFFFFF"/>
+                </a:highlight>
+                <a:latin typeface="Consolas" panose="020B0609020204030204" pitchFamily="49" charset="0"/>
+              </a:rPr>
+              <a:t>=</a:t>
+            </a:r>
+            <a:r>
+              <a:rPr lang="en-US" altLang="zh-CN" sz="1200" b="0" dirty="0">
+                <a:solidFill>
+                  <a:srgbClr val="3B3B3B"/>
+                </a:solidFill>
+                <a:effectLst/>
+                <a:highlight>
+                  <a:srgbClr val="FFFFFF"/>
+                </a:highlight>
+                <a:latin typeface="Consolas" panose="020B0609020204030204" pitchFamily="49" charset="0"/>
+              </a:rPr>
+              <a:t> </a:t>
+            </a:r>
+            <a:r>
+              <a:rPr lang="en-US" altLang="zh-CN" sz="1200" b="0" dirty="0" err="1">
+                <a:solidFill>
+                  <a:srgbClr val="267F99"/>
+                </a:solidFill>
+                <a:effectLst/>
+                <a:highlight>
+                  <a:srgbClr val="FFFFFF"/>
+                </a:highlight>
+                <a:latin typeface="Consolas" panose="020B0609020204030204" pitchFamily="49" charset="0"/>
+              </a:rPr>
+              <a:t>asyncio</a:t>
+            </a:r>
+            <a:r>
+              <a:rPr lang="en-US" altLang="zh-CN" sz="1200" b="0" dirty="0" err="1">
+                <a:solidFill>
+                  <a:srgbClr val="3B3B3B"/>
+                </a:solidFill>
+                <a:effectLst/>
+                <a:highlight>
+                  <a:srgbClr val="FFFFFF"/>
+                </a:highlight>
+                <a:latin typeface="Consolas" panose="020B0609020204030204" pitchFamily="49" charset="0"/>
+              </a:rPr>
+              <a:t>.</a:t>
+            </a:r>
+            <a:r>
+              <a:rPr lang="en-US" altLang="zh-CN" sz="1200" b="0" dirty="0" err="1">
+                <a:solidFill>
+                  <a:srgbClr val="795E26"/>
+                </a:solidFill>
+                <a:effectLst/>
+                <a:highlight>
+                  <a:srgbClr val="FFFFFF"/>
+                </a:highlight>
+                <a:latin typeface="Consolas" panose="020B0609020204030204" pitchFamily="49" charset="0"/>
+              </a:rPr>
+              <a:t>get_event_loop</a:t>
+            </a:r>
+            <a:r>
+              <a:rPr lang="en-US" altLang="zh-CN" sz="1200" b="0" dirty="0">
+                <a:solidFill>
+                  <a:srgbClr val="3B3B3B"/>
+                </a:solidFill>
+                <a:effectLst/>
+                <a:highlight>
+                  <a:srgbClr val="FFFFFF"/>
+                </a:highlight>
+                <a:latin typeface="Consolas" panose="020B0609020204030204" pitchFamily="49" charset="0"/>
+              </a:rPr>
+              <a:t>()</a:t>
+            </a:r>
+          </a:p>
+          <a:p>
+            <a:br>
+              <a:rPr lang="en-US" altLang="zh-CN" sz="1200" b="0" dirty="0">
+                <a:solidFill>
+                  <a:srgbClr val="3B3B3B"/>
+                </a:solidFill>
+                <a:effectLst/>
+                <a:highlight>
+                  <a:srgbClr val="FFFFFF"/>
+                </a:highlight>
+                <a:latin typeface="Consolas" panose="020B0609020204030204" pitchFamily="49" charset="0"/>
+              </a:rPr>
+            </a:br>
+            <a:r>
+              <a:rPr lang="en-US" altLang="zh-CN" sz="1200" b="0" dirty="0">
+                <a:solidFill>
+                  <a:srgbClr val="3B3B3B"/>
+                </a:solidFill>
+                <a:effectLst/>
+                <a:highlight>
+                  <a:srgbClr val="FFFFFF"/>
+                </a:highlight>
+                <a:latin typeface="Consolas" panose="020B0609020204030204" pitchFamily="49" charset="0"/>
+              </a:rPr>
+              <a:t>    </a:t>
+            </a:r>
+            <a:r>
+              <a:rPr lang="en-US" altLang="zh-CN" sz="1200" b="0" dirty="0">
+                <a:solidFill>
+                  <a:srgbClr val="001080"/>
+                </a:solidFill>
+                <a:effectLst/>
+                <a:highlight>
+                  <a:srgbClr val="FFFFFF"/>
+                </a:highlight>
+                <a:latin typeface="Consolas" panose="020B0609020204030204" pitchFamily="49" charset="0"/>
+              </a:rPr>
+              <a:t>tasks</a:t>
+            </a:r>
+            <a:r>
+              <a:rPr lang="en-US" altLang="zh-CN" sz="1200" b="0" dirty="0">
+                <a:solidFill>
+                  <a:srgbClr val="3B3B3B"/>
+                </a:solidFill>
+                <a:effectLst/>
+                <a:highlight>
+                  <a:srgbClr val="FFFFFF"/>
+                </a:highlight>
+                <a:latin typeface="Consolas" panose="020B0609020204030204" pitchFamily="49" charset="0"/>
+              </a:rPr>
+              <a:t> </a:t>
+            </a:r>
+            <a:r>
+              <a:rPr lang="en-US" altLang="zh-CN" sz="1200" b="0" dirty="0">
+                <a:solidFill>
+                  <a:srgbClr val="000000"/>
+                </a:solidFill>
+                <a:effectLst/>
+                <a:highlight>
+                  <a:srgbClr val="FFFFFF"/>
+                </a:highlight>
+                <a:latin typeface="Consolas" panose="020B0609020204030204" pitchFamily="49" charset="0"/>
+              </a:rPr>
+              <a:t>=</a:t>
+            </a:r>
+            <a:r>
+              <a:rPr lang="en-US" altLang="zh-CN" sz="1200" b="0" dirty="0">
+                <a:solidFill>
+                  <a:srgbClr val="3B3B3B"/>
+                </a:solidFill>
+                <a:effectLst/>
+                <a:highlight>
+                  <a:srgbClr val="FFFFFF"/>
+                </a:highlight>
+                <a:latin typeface="Consolas" panose="020B0609020204030204" pitchFamily="49" charset="0"/>
+              </a:rPr>
+              <a:t> [</a:t>
+            </a:r>
+          </a:p>
+          <a:p>
+            <a:r>
+              <a:rPr lang="en-US" altLang="zh-CN" sz="1200" b="0" dirty="0">
+                <a:solidFill>
+                  <a:srgbClr val="3B3B3B"/>
+                </a:solidFill>
+                <a:effectLst/>
+                <a:highlight>
+                  <a:srgbClr val="FFFFFF"/>
+                </a:highlight>
+                <a:latin typeface="Consolas" panose="020B0609020204030204" pitchFamily="49" charset="0"/>
+              </a:rPr>
+              <a:t>        </a:t>
+            </a:r>
+            <a:r>
+              <a:rPr lang="en-US" altLang="zh-CN" sz="1200" b="0" dirty="0" err="1">
+                <a:solidFill>
+                  <a:srgbClr val="001080"/>
+                </a:solidFill>
+                <a:effectLst/>
+                <a:highlight>
+                  <a:srgbClr val="FFFFFF"/>
+                </a:highlight>
+                <a:latin typeface="Consolas" panose="020B0609020204030204" pitchFamily="49" charset="0"/>
+              </a:rPr>
+              <a:t>loop</a:t>
+            </a:r>
+            <a:r>
+              <a:rPr lang="en-US" altLang="zh-CN" sz="1200" b="0" dirty="0" err="1">
+                <a:solidFill>
+                  <a:srgbClr val="3B3B3B"/>
+                </a:solidFill>
+                <a:effectLst/>
+                <a:highlight>
+                  <a:srgbClr val="FFFFFF"/>
+                </a:highlight>
+                <a:latin typeface="Consolas" panose="020B0609020204030204" pitchFamily="49" charset="0"/>
+              </a:rPr>
+              <a:t>.</a:t>
+            </a:r>
+            <a:r>
+              <a:rPr lang="en-US" altLang="zh-CN" sz="1200" b="0" dirty="0" err="1">
+                <a:solidFill>
+                  <a:srgbClr val="795E26"/>
+                </a:solidFill>
+                <a:effectLst/>
+                <a:highlight>
+                  <a:srgbClr val="FFFFFF"/>
+                </a:highlight>
+                <a:latin typeface="Consolas" panose="020B0609020204030204" pitchFamily="49" charset="0"/>
+              </a:rPr>
+              <a:t>create_task</a:t>
+            </a:r>
+            <a:r>
+              <a:rPr lang="en-US" altLang="zh-CN" sz="1200" b="0" dirty="0">
+                <a:solidFill>
+                  <a:srgbClr val="3B3B3B"/>
+                </a:solidFill>
+                <a:effectLst/>
+                <a:highlight>
+                  <a:srgbClr val="FFFFFF"/>
+                </a:highlight>
+                <a:latin typeface="Consolas" panose="020B0609020204030204" pitchFamily="49" charset="0"/>
+              </a:rPr>
+              <a:t>(</a:t>
+            </a:r>
+            <a:r>
+              <a:rPr lang="en-US" altLang="zh-CN" sz="1200" b="0" dirty="0">
+                <a:solidFill>
+                  <a:srgbClr val="795E26"/>
+                </a:solidFill>
+                <a:effectLst/>
+                <a:highlight>
+                  <a:srgbClr val="FFFFFF"/>
+                </a:highlight>
+                <a:latin typeface="Consolas" panose="020B0609020204030204" pitchFamily="49" charset="0"/>
+              </a:rPr>
+              <a:t>main</a:t>
+            </a:r>
+            <a:r>
+              <a:rPr lang="en-US" altLang="zh-CN" sz="1200" b="0" dirty="0">
+                <a:solidFill>
+                  <a:srgbClr val="3B3B3B"/>
+                </a:solidFill>
+                <a:effectLst/>
+                <a:highlight>
+                  <a:srgbClr val="FFFFFF"/>
+                </a:highlight>
+                <a:latin typeface="Consolas" panose="020B0609020204030204" pitchFamily="49" charset="0"/>
+              </a:rPr>
+              <a:t>(</a:t>
+            </a:r>
+            <a:r>
+              <a:rPr lang="en-US" altLang="zh-CN" sz="1200" b="0" dirty="0">
+                <a:solidFill>
+                  <a:srgbClr val="001080"/>
+                </a:solidFill>
+                <a:effectLst/>
+                <a:highlight>
+                  <a:srgbClr val="FFFFFF"/>
+                </a:highlight>
+                <a:latin typeface="Consolas" panose="020B0609020204030204" pitchFamily="49" charset="0"/>
+              </a:rPr>
+              <a:t>loop</a:t>
+            </a:r>
+            <a:r>
+              <a:rPr lang="en-US" altLang="zh-CN" sz="1200" b="0" dirty="0">
+                <a:solidFill>
+                  <a:srgbClr val="3B3B3B"/>
+                </a:solidFill>
+                <a:effectLst/>
+                <a:highlight>
+                  <a:srgbClr val="FFFFFF"/>
+                </a:highlight>
+                <a:latin typeface="Consolas" panose="020B0609020204030204" pitchFamily="49" charset="0"/>
+              </a:rPr>
+              <a:t>, </a:t>
+            </a:r>
+            <a:r>
+              <a:rPr lang="en-US" altLang="zh-CN" sz="1200" b="0" dirty="0">
                 <a:solidFill>
                   <a:srgbClr val="A31515"/>
                 </a:solidFill>
@@ -7448,10 +7868,314 @@
                 </a:highlight>
                 <a:latin typeface="Consolas" panose="020B0609020204030204" pitchFamily="49" charset="0"/>
               </a:rPr>
-              <a:t>"__main__"</a:t>
-            </a:r>
-            <a:r>
-              <a:rPr lang="en-US" altLang="zh-CN" sz="1400" b="0" dirty="0">
+              <a:t>'jack'</a:t>
+            </a:r>
+            <a:r>
+              <a:rPr lang="en-US" altLang="zh-CN" sz="1200" b="0" dirty="0">
+                <a:solidFill>
+                  <a:srgbClr val="3B3B3B"/>
+                </a:solidFill>
+                <a:effectLst/>
+                <a:highlight>
+                  <a:srgbClr val="FFFFFF"/>
+                </a:highlight>
+                <a:latin typeface="Consolas" panose="020B0609020204030204" pitchFamily="49" charset="0"/>
+              </a:rPr>
+              <a:t>)),</a:t>
+            </a:r>
+          </a:p>
+          <a:p>
+            <a:r>
+              <a:rPr lang="en-US" altLang="zh-CN" sz="1200" b="0" dirty="0">
+                <a:solidFill>
+                  <a:srgbClr val="3B3B3B"/>
+                </a:solidFill>
+                <a:effectLst/>
+                <a:highlight>
+                  <a:srgbClr val="FFFFFF"/>
+                </a:highlight>
+                <a:latin typeface="Consolas" panose="020B0609020204030204" pitchFamily="49" charset="0"/>
+              </a:rPr>
+              <a:t>        </a:t>
+            </a:r>
+            <a:r>
+              <a:rPr lang="en-US" altLang="zh-CN" sz="1200" b="0" dirty="0" err="1">
+                <a:solidFill>
+                  <a:srgbClr val="001080"/>
+                </a:solidFill>
+                <a:effectLst/>
+                <a:highlight>
+                  <a:srgbClr val="FFFFFF"/>
+                </a:highlight>
+                <a:latin typeface="Consolas" panose="020B0609020204030204" pitchFamily="49" charset="0"/>
+              </a:rPr>
+              <a:t>loop</a:t>
+            </a:r>
+            <a:r>
+              <a:rPr lang="en-US" altLang="zh-CN" sz="1200" b="0" dirty="0" err="1">
+                <a:solidFill>
+                  <a:srgbClr val="3B3B3B"/>
+                </a:solidFill>
+                <a:effectLst/>
+                <a:highlight>
+                  <a:srgbClr val="FFFFFF"/>
+                </a:highlight>
+                <a:latin typeface="Consolas" panose="020B0609020204030204" pitchFamily="49" charset="0"/>
+              </a:rPr>
+              <a:t>.</a:t>
+            </a:r>
+            <a:r>
+              <a:rPr lang="en-US" altLang="zh-CN" sz="1200" b="0" dirty="0" err="1">
+                <a:solidFill>
+                  <a:srgbClr val="795E26"/>
+                </a:solidFill>
+                <a:effectLst/>
+                <a:highlight>
+                  <a:srgbClr val="FFFFFF"/>
+                </a:highlight>
+                <a:latin typeface="Consolas" panose="020B0609020204030204" pitchFamily="49" charset="0"/>
+              </a:rPr>
+              <a:t>create_task</a:t>
+            </a:r>
+            <a:r>
+              <a:rPr lang="en-US" altLang="zh-CN" sz="1200" b="0" dirty="0">
+                <a:solidFill>
+                  <a:srgbClr val="3B3B3B"/>
+                </a:solidFill>
+                <a:effectLst/>
+                <a:highlight>
+                  <a:srgbClr val="FFFFFF"/>
+                </a:highlight>
+                <a:latin typeface="Consolas" panose="020B0609020204030204" pitchFamily="49" charset="0"/>
+              </a:rPr>
+              <a:t>(</a:t>
+            </a:r>
+            <a:r>
+              <a:rPr lang="en-US" altLang="zh-CN" sz="1200" b="0" dirty="0">
+                <a:solidFill>
+                  <a:srgbClr val="795E26"/>
+                </a:solidFill>
+                <a:effectLst/>
+                <a:highlight>
+                  <a:srgbClr val="FFFFFF"/>
+                </a:highlight>
+                <a:latin typeface="Consolas" panose="020B0609020204030204" pitchFamily="49" charset="0"/>
+              </a:rPr>
+              <a:t>main</a:t>
+            </a:r>
+            <a:r>
+              <a:rPr lang="en-US" altLang="zh-CN" sz="1200" b="0" dirty="0">
+                <a:solidFill>
+                  <a:srgbClr val="3B3B3B"/>
+                </a:solidFill>
+                <a:effectLst/>
+                <a:highlight>
+                  <a:srgbClr val="FFFFFF"/>
+                </a:highlight>
+                <a:latin typeface="Consolas" panose="020B0609020204030204" pitchFamily="49" charset="0"/>
+              </a:rPr>
+              <a:t>(</a:t>
+            </a:r>
+            <a:r>
+              <a:rPr lang="en-US" altLang="zh-CN" sz="1200" b="0" dirty="0">
+                <a:solidFill>
+                  <a:srgbClr val="001080"/>
+                </a:solidFill>
+                <a:effectLst/>
+                <a:highlight>
+                  <a:srgbClr val="FFFFFF"/>
+                </a:highlight>
+                <a:latin typeface="Consolas" panose="020B0609020204030204" pitchFamily="49" charset="0"/>
+              </a:rPr>
+              <a:t>loop</a:t>
+            </a:r>
+            <a:r>
+              <a:rPr lang="en-US" altLang="zh-CN" sz="1200" b="0" dirty="0">
+                <a:solidFill>
+                  <a:srgbClr val="3B3B3B"/>
+                </a:solidFill>
+                <a:effectLst/>
+                <a:highlight>
+                  <a:srgbClr val="FFFFFF"/>
+                </a:highlight>
+                <a:latin typeface="Consolas" panose="020B0609020204030204" pitchFamily="49" charset="0"/>
+              </a:rPr>
+              <a:t>, </a:t>
+            </a:r>
+            <a:r>
+              <a:rPr lang="en-US" altLang="zh-CN" sz="1200" b="0" dirty="0">
+                <a:solidFill>
+                  <a:srgbClr val="A31515"/>
+                </a:solidFill>
+                <a:effectLst/>
+                <a:highlight>
+                  <a:srgbClr val="FFFFFF"/>
+                </a:highlight>
+                <a:latin typeface="Consolas" panose="020B0609020204030204" pitchFamily="49" charset="0"/>
+              </a:rPr>
+              <a:t>'rose'</a:t>
+            </a:r>
+            <a:r>
+              <a:rPr lang="en-US" altLang="zh-CN" sz="1200" b="0" dirty="0">
+                <a:solidFill>
+                  <a:srgbClr val="3B3B3B"/>
+                </a:solidFill>
+                <a:effectLst/>
+                <a:highlight>
+                  <a:srgbClr val="FFFFFF"/>
+                </a:highlight>
+                <a:latin typeface="Consolas" panose="020B0609020204030204" pitchFamily="49" charset="0"/>
+              </a:rPr>
+              <a:t>))</a:t>
+            </a:r>
+          </a:p>
+          <a:p>
+            <a:r>
+              <a:rPr lang="en-US" altLang="zh-CN" sz="1200" b="0" dirty="0">
+                <a:solidFill>
+                  <a:srgbClr val="3B3B3B"/>
+                </a:solidFill>
+                <a:effectLst/>
+                <a:highlight>
+                  <a:srgbClr val="FFFFFF"/>
+                </a:highlight>
+                <a:latin typeface="Consolas" panose="020B0609020204030204" pitchFamily="49" charset="0"/>
+              </a:rPr>
+              <a:t>    ]</a:t>
+            </a:r>
+          </a:p>
+          <a:p>
+            <a:br>
+              <a:rPr lang="en-US" altLang="zh-CN" sz="1200" b="0" dirty="0">
+                <a:solidFill>
+                  <a:srgbClr val="3B3B3B"/>
+                </a:solidFill>
+                <a:effectLst/>
+                <a:highlight>
+                  <a:srgbClr val="FFFFFF"/>
+                </a:highlight>
+                <a:latin typeface="Consolas" panose="020B0609020204030204" pitchFamily="49" charset="0"/>
+              </a:rPr>
+            </a:br>
+            <a:r>
+              <a:rPr lang="en-US" altLang="zh-CN" sz="1200" b="0" dirty="0">
+                <a:solidFill>
+                  <a:srgbClr val="3B3B3B"/>
+                </a:solidFill>
+                <a:effectLst/>
+                <a:highlight>
+                  <a:srgbClr val="FFFFFF"/>
+                </a:highlight>
+                <a:latin typeface="Consolas" panose="020B0609020204030204" pitchFamily="49" charset="0"/>
+              </a:rPr>
+              <a:t>    </a:t>
+            </a:r>
+            <a:r>
+              <a:rPr lang="en-US" altLang="zh-CN" sz="1200" b="0" dirty="0" err="1">
+                <a:solidFill>
+                  <a:srgbClr val="001080"/>
+                </a:solidFill>
+                <a:effectLst/>
+                <a:highlight>
+                  <a:srgbClr val="FFFFFF"/>
+                </a:highlight>
+                <a:latin typeface="Consolas" panose="020B0609020204030204" pitchFamily="49" charset="0"/>
+              </a:rPr>
+              <a:t>loop</a:t>
+            </a:r>
+            <a:r>
+              <a:rPr lang="en-US" altLang="zh-CN" sz="1200" b="0" dirty="0" err="1">
+                <a:solidFill>
+                  <a:srgbClr val="3B3B3B"/>
+                </a:solidFill>
+                <a:effectLst/>
+                <a:highlight>
+                  <a:srgbClr val="FFFFFF"/>
+                </a:highlight>
+                <a:latin typeface="Consolas" panose="020B0609020204030204" pitchFamily="49" charset="0"/>
+              </a:rPr>
+              <a:t>.</a:t>
+            </a:r>
+            <a:r>
+              <a:rPr lang="en-US" altLang="zh-CN" sz="1200" b="0" dirty="0" err="1">
+                <a:solidFill>
+                  <a:srgbClr val="795E26"/>
+                </a:solidFill>
+                <a:effectLst/>
+                <a:highlight>
+                  <a:srgbClr val="FFFFFF"/>
+                </a:highlight>
+                <a:latin typeface="Consolas" panose="020B0609020204030204" pitchFamily="49" charset="0"/>
+              </a:rPr>
+              <a:t>run_until_complete</a:t>
+            </a:r>
+            <a:r>
+              <a:rPr lang="en-US" altLang="zh-CN" sz="1200" b="0" dirty="0">
+                <a:solidFill>
+                  <a:srgbClr val="3B3B3B"/>
+                </a:solidFill>
+                <a:effectLst/>
+                <a:highlight>
+                  <a:srgbClr val="FFFFFF"/>
+                </a:highlight>
+                <a:latin typeface="Consolas" panose="020B0609020204030204" pitchFamily="49" charset="0"/>
+              </a:rPr>
+              <a:t>(</a:t>
+            </a:r>
+            <a:r>
+              <a:rPr lang="en-US" altLang="zh-CN" sz="1200" b="0" dirty="0" err="1">
+                <a:solidFill>
+                  <a:srgbClr val="267F99"/>
+                </a:solidFill>
+                <a:effectLst/>
+                <a:highlight>
+                  <a:srgbClr val="FFFFFF"/>
+                </a:highlight>
+                <a:latin typeface="Consolas" panose="020B0609020204030204" pitchFamily="49" charset="0"/>
+              </a:rPr>
+              <a:t>asyncio</a:t>
+            </a:r>
+            <a:r>
+              <a:rPr lang="en-US" altLang="zh-CN" sz="1200" b="0" dirty="0" err="1">
+                <a:solidFill>
+                  <a:srgbClr val="3B3B3B"/>
+                </a:solidFill>
+                <a:effectLst/>
+                <a:highlight>
+                  <a:srgbClr val="FFFFFF"/>
+                </a:highlight>
+                <a:latin typeface="Consolas" panose="020B0609020204030204" pitchFamily="49" charset="0"/>
+              </a:rPr>
+              <a:t>.</a:t>
+            </a:r>
+            <a:r>
+              <a:rPr lang="en-US" altLang="zh-CN" sz="1200" b="0" dirty="0" err="1">
+                <a:solidFill>
+                  <a:srgbClr val="795E26"/>
+                </a:solidFill>
+                <a:effectLst/>
+                <a:highlight>
+                  <a:srgbClr val="FFFFFF"/>
+                </a:highlight>
+                <a:latin typeface="Consolas" panose="020B0609020204030204" pitchFamily="49" charset="0"/>
+              </a:rPr>
+              <a:t>gather</a:t>
+            </a:r>
+            <a:r>
+              <a:rPr lang="en-US" altLang="zh-CN" sz="1200" b="0" dirty="0">
+                <a:solidFill>
+                  <a:srgbClr val="3B3B3B"/>
+                </a:solidFill>
+                <a:effectLst/>
+                <a:highlight>
+                  <a:srgbClr val="FFFFFF"/>
+                </a:highlight>
+                <a:latin typeface="Consolas" panose="020B0609020204030204" pitchFamily="49" charset="0"/>
+              </a:rPr>
+              <a:t>(</a:t>
+            </a:r>
+            <a:r>
+              <a:rPr lang="en-US" altLang="zh-CN" sz="1200" b="0" dirty="0">
                 <a:solidFill>
                   <a:srgbClr val="000000"/>
                 </a:solidFill>
@@ -7461,12 +8185,208 @@
                 </a:highlight>
                 <a:latin typeface="Consolas" panose="020B0609020204030204" pitchFamily="49" charset="0"/>
               </a:rPr>
-              <a:t>:</a:t>
-            </a:r>
-          </a:p>
-          <a:p>
-            <a:r>
-              <a:rPr lang="en-US" altLang="zh-CN" sz="1400" b="0" dirty="0">
+              <a:t>*</a:t>
+            </a:r>
+            <a:r>
+              <a:rPr lang="en-US" altLang="zh-CN" sz="1200" b="0" dirty="0">
+                <a:solidFill>
+                  <a:srgbClr val="001080"/>
+                </a:solidFill>
+                <a:effectLst/>
+                <a:highlight>
+                  <a:srgbClr val="FFFFFF"/>
+                </a:highlight>
+                <a:latin typeface="Consolas" panose="020B0609020204030204" pitchFamily="49" charset="0"/>
+              </a:rPr>
+              <a:t>tasks</a:t>
+            </a:r>
+            <a:r>
+              <a:rPr lang="en-US" altLang="zh-CN" sz="1200" b="0" dirty="0">
+                <a:solidFill>
+                  <a:srgbClr val="3B3B3B"/>
+                </a:solidFill>
+                <a:effectLst/>
+                <a:highlight>
+                  <a:srgbClr val="FFFFFF"/>
+                </a:highlight>
+                <a:latin typeface="Consolas" panose="020B0609020204030204" pitchFamily="49" charset="0"/>
+              </a:rPr>
+              <a:t>))</a:t>
+            </a:r>
+          </a:p>
+          <a:p>
+            <a:br>
+              <a:rPr lang="en-US" altLang="zh-CN" sz="1200" b="0" dirty="0">
+                <a:solidFill>
+                  <a:srgbClr val="3B3B3B"/>
+                </a:solidFill>
+                <a:effectLst/>
+                <a:highlight>
+                  <a:srgbClr val="FFFFFF"/>
+                </a:highlight>
+                <a:latin typeface="Consolas" panose="020B0609020204030204" pitchFamily="49" charset="0"/>
+              </a:rPr>
+            </a:br>
+            <a:r>
+              <a:rPr lang="en-US" altLang="zh-CN" sz="1200" b="0" dirty="0">
+                <a:solidFill>
+                  <a:srgbClr val="3B3B3B"/>
+                </a:solidFill>
+                <a:effectLst/>
+                <a:highlight>
+                  <a:srgbClr val="FFFFFF"/>
+                </a:highlight>
+                <a:latin typeface="Consolas" panose="020B0609020204030204" pitchFamily="49" charset="0"/>
+              </a:rPr>
+              <a:t>    </a:t>
+            </a:r>
+            <a:r>
+              <a:rPr lang="en-US" altLang="zh-CN" sz="1200" b="0" dirty="0">
+                <a:solidFill>
+                  <a:srgbClr val="795E26"/>
+                </a:solidFill>
+                <a:effectLst/>
+                <a:highlight>
+                  <a:srgbClr val="FFFFFF"/>
+                </a:highlight>
+                <a:latin typeface="Consolas" panose="020B0609020204030204" pitchFamily="49" charset="0"/>
+              </a:rPr>
+              <a:t>print</a:t>
+            </a:r>
+            <a:r>
+              <a:rPr lang="en-US" altLang="zh-CN" sz="1200" b="0" dirty="0">
+                <a:solidFill>
+                  <a:srgbClr val="3B3B3B"/>
+                </a:solidFill>
+                <a:effectLst/>
+                <a:highlight>
+                  <a:srgbClr val="FFFFFF"/>
+                </a:highlight>
+                <a:latin typeface="Consolas" panose="020B0609020204030204" pitchFamily="49" charset="0"/>
+              </a:rPr>
+              <a:t>(</a:t>
+            </a:r>
+            <a:r>
+              <a:rPr lang="en-US" altLang="zh-CN" sz="1200" b="0" dirty="0">
+                <a:solidFill>
+                  <a:srgbClr val="A31515"/>
+                </a:solidFill>
+                <a:effectLst/>
+                <a:highlight>
+                  <a:srgbClr val="FFFFFF"/>
+                </a:highlight>
+                <a:latin typeface="Consolas" panose="020B0609020204030204" pitchFamily="49" charset="0"/>
+              </a:rPr>
+              <a:t>"program over!"</a:t>
+            </a:r>
+            <a:r>
+              <a:rPr lang="en-US" altLang="zh-CN" sz="1200" b="0" dirty="0">
+                <a:solidFill>
+                  <a:srgbClr val="3B3B3B"/>
+                </a:solidFill>
+                <a:effectLst/>
+                <a:highlight>
+                  <a:srgbClr val="FFFFFF"/>
+                </a:highlight>
+                <a:latin typeface="Consolas" panose="020B0609020204030204" pitchFamily="49" charset="0"/>
+              </a:rPr>
+              <a:t>)</a:t>
+            </a:r>
+          </a:p>
+          <a:p>
+            <a:r>
+              <a:rPr lang="en-US" altLang="zh-CN" sz="1200" b="0" dirty="0">
+                <a:solidFill>
+                  <a:srgbClr val="3B3B3B"/>
+                </a:solidFill>
+                <a:effectLst/>
+                <a:highlight>
+                  <a:srgbClr val="FFFFFF"/>
+                </a:highlight>
+                <a:latin typeface="Consolas" panose="020B0609020204030204" pitchFamily="49" charset="0"/>
+              </a:rPr>
+              <a:t>    </a:t>
+            </a:r>
+            <a:r>
+              <a:rPr lang="en-US" altLang="zh-CN" sz="1200" b="0" dirty="0">
+                <a:solidFill>
+                  <a:srgbClr val="795E26"/>
+                </a:solidFill>
+                <a:effectLst/>
+                <a:highlight>
+                  <a:srgbClr val="FFFFFF"/>
+                </a:highlight>
+                <a:latin typeface="Consolas" panose="020B0609020204030204" pitchFamily="49" charset="0"/>
+              </a:rPr>
+              <a:t>print</a:t>
+            </a:r>
+            <a:r>
+              <a:rPr lang="en-US" altLang="zh-CN" sz="1200" b="0" dirty="0">
+                <a:solidFill>
+                  <a:srgbClr val="3B3B3B"/>
+                </a:solidFill>
+                <a:effectLst/>
+                <a:highlight>
+                  <a:srgbClr val="FFFFFF"/>
+                </a:highlight>
+                <a:latin typeface="Consolas" panose="020B0609020204030204" pitchFamily="49" charset="0"/>
+              </a:rPr>
+              <a:t>(</a:t>
+            </a:r>
+            <a:r>
+              <a:rPr lang="en-US" altLang="zh-CN" sz="1200" b="0" dirty="0" err="1">
+                <a:solidFill>
+                  <a:srgbClr val="267F99"/>
+                </a:solidFill>
+                <a:effectLst/>
+                <a:highlight>
+                  <a:srgbClr val="FFFFFF"/>
+                </a:highlight>
+                <a:latin typeface="Consolas" panose="020B0609020204030204" pitchFamily="49" charset="0"/>
+              </a:rPr>
+              <a:t>time</a:t>
+            </a:r>
+            <a:r>
+              <a:rPr lang="en-US" altLang="zh-CN" sz="1200" b="0" dirty="0" err="1">
+                <a:solidFill>
+                  <a:srgbClr val="3B3B3B"/>
+                </a:solidFill>
+                <a:effectLst/>
+                <a:highlight>
+                  <a:srgbClr val="FFFFFF"/>
+                </a:highlight>
+                <a:latin typeface="Consolas" panose="020B0609020204030204" pitchFamily="49" charset="0"/>
+              </a:rPr>
+              <a:t>.</a:t>
+            </a:r>
+            <a:r>
+              <a:rPr lang="en-US" altLang="zh-CN" sz="1200" b="0" dirty="0" err="1">
+                <a:solidFill>
+                  <a:srgbClr val="795E26"/>
+                </a:solidFill>
+                <a:effectLst/>
+                <a:highlight>
+                  <a:srgbClr val="FFFFFF"/>
+                </a:highlight>
+                <a:latin typeface="Consolas" panose="020B0609020204030204" pitchFamily="49" charset="0"/>
+              </a:rPr>
+              <a:t>time</a:t>
+            </a:r>
+            <a:r>
+              <a:rPr lang="en-US" altLang="zh-CN" sz="1200" b="0" dirty="0">
+                <a:solidFill>
+                  <a:srgbClr val="3B3B3B"/>
+                </a:solidFill>
+                <a:effectLst/>
+                <a:highlight>
+                  <a:srgbClr val="FFFFFF"/>
+                </a:highlight>
+                <a:latin typeface="Consolas" panose="020B0609020204030204" pitchFamily="49" charset="0"/>
+              </a:rPr>
+              <a:t>() </a:t>
+            </a:r>
+            <a:r>
+              <a:rPr lang="en-US" altLang="zh-CN" sz="1200" b="0" dirty="0">
                 <a:solidFill>
                   <a:srgbClr val="000000"/>
                 </a:solidFill>
@@ -7476,25 +8396,23 @@
                 </a:highlight>
                 <a:latin typeface="Consolas" panose="020B0609020204030204" pitchFamily="49" charset="0"/>
               </a:rPr>
-              <a:t>    </a:t>
-            </a:r>
-          </a:p>
-          <a:p>
-            <a:r>
-              <a:rPr lang="en-US" altLang="zh-CN" sz="1400" b="0" dirty="0">
-                <a:solidFill>
-                  <a:srgbClr val="000000"/>
-                </a:solidFill>
-                <a:effectLst/>
-                <a:highlight>
-                  <a:srgbClr val="FFFFFF"/>
-                </a:highlight>
-                <a:latin typeface="Consolas" panose="020B0609020204030204" pitchFamily="49" charset="0"/>
-              </a:rPr>
-              <a:t>    </a:t>
-            </a:r>
-            <a:r>
-              <a:rPr lang="en-US" altLang="zh-CN" sz="1400" b="0" dirty="0">
+              <a:t>-</a:t>
+            </a:r>
+            <a:r>
+              <a:rPr lang="en-US" altLang="zh-CN" sz="1200" b="0" dirty="0">
+                <a:solidFill>
+                  <a:srgbClr val="3B3B3B"/>
+                </a:solidFill>
+                <a:effectLst/>
+                <a:highlight>
+                  <a:srgbClr val="FFFFFF"/>
+                </a:highlight>
+                <a:latin typeface="Consolas" panose="020B0609020204030204" pitchFamily="49" charset="0"/>
+              </a:rPr>
+              <a:t> </a:t>
+            </a:r>
+            <a:r>
+              <a:rPr lang="en-US" altLang="zh-CN" sz="1200" b="0" dirty="0">
                 <a:solidFill>
                   <a:srgbClr val="001080"/>
                 </a:solidFill>
@@ -7504,350 +8422,12 @@
                 </a:highlight>
                 <a:latin typeface="Consolas" panose="020B0609020204030204" pitchFamily="49" charset="0"/>
               </a:rPr>
-              <a:t>loop</a:t>
-            </a:r>
-            <a:r>
-              <a:rPr lang="en-US" altLang="zh-CN" sz="1400" b="0" dirty="0">
-                <a:solidFill>
-                  <a:srgbClr val="000000"/>
-                </a:solidFill>
-                <a:effectLst/>
-                <a:highlight>
-                  <a:srgbClr val="FFFFFF"/>
-                </a:highlight>
-                <a:latin typeface="Consolas" panose="020B0609020204030204" pitchFamily="49" charset="0"/>
-              </a:rPr>
-              <a:t> = </a:t>
-            </a:r>
-            <a:r>
-              <a:rPr lang="en-US" altLang="zh-CN" sz="1400" b="0" dirty="0" err="1">
-                <a:solidFill>
-                  <a:srgbClr val="267F99"/>
-                </a:solidFill>
-                <a:effectLst/>
-                <a:highlight>
-                  <a:srgbClr val="FFFFFF"/>
-                </a:highlight>
-                <a:latin typeface="Consolas" panose="020B0609020204030204" pitchFamily="49" charset="0"/>
-              </a:rPr>
-              <a:t>asyncio</a:t>
-            </a:r>
-            <a:r>
-              <a:rPr lang="en-US" altLang="zh-CN" sz="1400" b="0" dirty="0" err="1">
-                <a:solidFill>
-                  <a:srgbClr val="000000"/>
-                </a:solidFill>
-                <a:effectLst/>
-                <a:highlight>
-                  <a:srgbClr val="FFFFFF"/>
-                </a:highlight>
-                <a:latin typeface="Consolas" panose="020B0609020204030204" pitchFamily="49" charset="0"/>
-              </a:rPr>
-              <a:t>.</a:t>
-            </a:r>
-            <a:r>
-              <a:rPr lang="en-US" altLang="zh-CN" sz="1400" b="0" dirty="0" err="1">
-                <a:solidFill>
-                  <a:srgbClr val="795E26"/>
-                </a:solidFill>
-                <a:effectLst/>
-                <a:highlight>
-                  <a:srgbClr val="FFFFFF"/>
-                </a:highlight>
-                <a:latin typeface="Consolas" panose="020B0609020204030204" pitchFamily="49" charset="0"/>
-              </a:rPr>
-              <a:t>get_event_loop</a:t>
-            </a:r>
-            <a:r>
-              <a:rPr lang="en-US" altLang="zh-CN" sz="1400" b="0" dirty="0">
-                <a:solidFill>
-                  <a:srgbClr val="000000"/>
-                </a:solidFill>
-                <a:effectLst/>
-                <a:highlight>
-                  <a:srgbClr val="FFFFFF"/>
-                </a:highlight>
-                <a:latin typeface="Consolas" panose="020B0609020204030204" pitchFamily="49" charset="0"/>
-              </a:rPr>
-              <a:t>()</a:t>
-            </a:r>
-            <a:r>
-              <a:rPr lang="ja-JP" altLang="en-US" sz="1400" b="0" dirty="0">
-                <a:solidFill>
-                  <a:srgbClr val="000000"/>
-                </a:solidFill>
-                <a:effectLst/>
-                <a:highlight>
-                  <a:srgbClr val="FFFFFF"/>
-                </a:highlight>
-                <a:latin typeface="Consolas" panose="020B0609020204030204" pitchFamily="49" charset="0"/>
-              </a:rPr>
-              <a:t>　　</a:t>
-            </a:r>
-            <a:r>
-              <a:rPr lang="en-US" altLang="zh-CN" sz="1400" b="0" dirty="0">
-                <a:solidFill>
-                  <a:srgbClr val="008000"/>
-                </a:solidFill>
-                <a:effectLst/>
-                <a:highlight>
-                  <a:srgbClr val="FFFFFF"/>
-                </a:highlight>
-                <a:latin typeface="Consolas" panose="020B0609020204030204" pitchFamily="49" charset="0"/>
-              </a:rPr>
-              <a:t> # </a:t>
-            </a:r>
-            <a:r>
-              <a:rPr lang="ja-JP" altLang="en-US" sz="1400" b="0" dirty="0">
-                <a:solidFill>
-                  <a:srgbClr val="008000"/>
-                </a:solidFill>
-                <a:effectLst/>
-                <a:highlight>
-                  <a:srgbClr val="FFFFFF"/>
-                </a:highlight>
-                <a:latin typeface="Consolas" panose="020B0609020204030204" pitchFamily="49" charset="0"/>
-              </a:rPr>
-              <a:t>現在スレッドのイベントループを取得</a:t>
-            </a:r>
-            <a:endParaRPr lang="en-US" altLang="zh-CN" sz="1400" b="0" dirty="0">
-              <a:solidFill>
-                <a:srgbClr val="008000"/>
-              </a:solidFill>
-              <a:effectLst/>
-              <a:highlight>
-                <a:srgbClr val="FFFFFF"/>
-              </a:highlight>
-              <a:latin typeface="Consolas" panose="020B0609020204030204" pitchFamily="49" charset="0"/>
-            </a:endParaRPr>
-          </a:p>
-          <a:p>
-            <a:r>
-              <a:rPr lang="en-US" altLang="zh-CN" sz="1400" b="0" dirty="0">
-                <a:solidFill>
-                  <a:srgbClr val="000000"/>
-                </a:solidFill>
-                <a:effectLst/>
-                <a:highlight>
-                  <a:srgbClr val="FFFFFF"/>
-                </a:highlight>
-                <a:latin typeface="Consolas" panose="020B0609020204030204" pitchFamily="49" charset="0"/>
-              </a:rPr>
-              <a:t>    </a:t>
-            </a:r>
-            <a:r>
-              <a:rPr lang="en-US" altLang="zh-CN" sz="1400" b="0" dirty="0" err="1">
-                <a:solidFill>
-                  <a:srgbClr val="001080"/>
-                </a:solidFill>
-                <a:effectLst/>
-                <a:highlight>
-                  <a:srgbClr val="FFFFFF"/>
-                </a:highlight>
-                <a:latin typeface="Consolas" panose="020B0609020204030204" pitchFamily="49" charset="0"/>
-              </a:rPr>
-              <a:t>loop</a:t>
-            </a:r>
-            <a:r>
-              <a:rPr lang="en-US" altLang="zh-CN" sz="1400" b="0" dirty="0" err="1">
-                <a:solidFill>
-                  <a:srgbClr val="000000"/>
-                </a:solidFill>
-                <a:effectLst/>
-                <a:highlight>
-                  <a:srgbClr val="FFFFFF"/>
-                </a:highlight>
-                <a:latin typeface="Consolas" panose="020B0609020204030204" pitchFamily="49" charset="0"/>
-              </a:rPr>
-              <a:t>.</a:t>
-            </a:r>
-            <a:r>
-              <a:rPr lang="en-US" altLang="zh-CN" sz="1400" b="0" dirty="0" err="1">
-                <a:solidFill>
-                  <a:srgbClr val="795E26"/>
-                </a:solidFill>
-                <a:effectLst/>
-                <a:highlight>
-                  <a:srgbClr val="FFFFFF"/>
-                </a:highlight>
-                <a:latin typeface="Consolas" panose="020B0609020204030204" pitchFamily="49" charset="0"/>
-              </a:rPr>
-              <a:t>run_until_complete</a:t>
-            </a:r>
-            <a:r>
-              <a:rPr lang="en-US" altLang="zh-CN" sz="1400" b="0" dirty="0">
-                <a:solidFill>
-                  <a:srgbClr val="000000"/>
-                </a:solidFill>
-                <a:effectLst/>
-                <a:highlight>
-                  <a:srgbClr val="FFFFFF"/>
-                </a:highlight>
-                <a:latin typeface="Consolas" panose="020B0609020204030204" pitchFamily="49" charset="0"/>
-              </a:rPr>
-              <a:t>(</a:t>
-            </a:r>
-            <a:r>
-              <a:rPr lang="en-US" altLang="zh-CN" sz="1400" b="0" dirty="0">
-                <a:solidFill>
-                  <a:srgbClr val="795E26"/>
-                </a:solidFill>
-                <a:effectLst/>
-                <a:highlight>
-                  <a:srgbClr val="FFFFFF"/>
-                </a:highlight>
-                <a:latin typeface="Consolas" panose="020B0609020204030204" pitchFamily="49" charset="0"/>
-              </a:rPr>
-              <a:t>main</a:t>
-            </a:r>
-            <a:r>
-              <a:rPr lang="en-US" altLang="zh-CN" sz="1400" b="0" dirty="0">
-                <a:solidFill>
-                  <a:srgbClr val="000000"/>
-                </a:solidFill>
-                <a:effectLst/>
-                <a:highlight>
-                  <a:srgbClr val="FFFFFF"/>
-                </a:highlight>
-                <a:latin typeface="Consolas" panose="020B0609020204030204" pitchFamily="49" charset="0"/>
-              </a:rPr>
-              <a:t>(</a:t>
-            </a:r>
-            <a:r>
-              <a:rPr lang="en-US" altLang="zh-CN" sz="1400" b="0" dirty="0">
-                <a:solidFill>
-                  <a:srgbClr val="001080"/>
-                </a:solidFill>
-                <a:effectLst/>
-                <a:highlight>
-                  <a:srgbClr val="FFFFFF"/>
-                </a:highlight>
-                <a:latin typeface="Consolas" panose="020B0609020204030204" pitchFamily="49" charset="0"/>
-              </a:rPr>
-              <a:t>loop</a:t>
-            </a:r>
-            <a:r>
-              <a:rPr lang="en-US" altLang="zh-CN" sz="1400" b="0" dirty="0">
-                <a:solidFill>
-                  <a:srgbClr val="000000"/>
-                </a:solidFill>
-                <a:effectLst/>
-                <a:highlight>
-                  <a:srgbClr val="FFFFFF"/>
-                </a:highlight>
-                <a:latin typeface="Consolas" panose="020B0609020204030204" pitchFamily="49" charset="0"/>
-              </a:rPr>
-              <a:t>))</a:t>
-            </a:r>
-            <a:r>
-              <a:rPr lang="ja-JP" altLang="en-US" sz="1400" b="0" dirty="0">
-                <a:solidFill>
-                  <a:srgbClr val="000000"/>
-                </a:solidFill>
-                <a:effectLst/>
-                <a:highlight>
-                  <a:srgbClr val="FFFFFF"/>
-                </a:highlight>
-                <a:latin typeface="Consolas" panose="020B0609020204030204" pitchFamily="49" charset="0"/>
-              </a:rPr>
-              <a:t>　</a:t>
-            </a:r>
-            <a:r>
-              <a:rPr lang="en-US" altLang="zh-CN" sz="1400" b="0" dirty="0">
-                <a:solidFill>
-                  <a:srgbClr val="008000"/>
-                </a:solidFill>
-                <a:effectLst/>
-                <a:highlight>
-                  <a:srgbClr val="FFFFFF"/>
-                </a:highlight>
-                <a:latin typeface="Consolas" panose="020B0609020204030204" pitchFamily="49" charset="0"/>
-              </a:rPr>
-              <a:t> # </a:t>
-            </a:r>
-            <a:endParaRPr lang="en-US" altLang="zh-CN" sz="1400" b="0" dirty="0">
-              <a:solidFill>
-                <a:srgbClr val="000000"/>
-              </a:solidFill>
-              <a:effectLst/>
-              <a:highlight>
-                <a:srgbClr val="FFFFFF"/>
-              </a:highlight>
-              <a:latin typeface="Consolas" panose="020B0609020204030204" pitchFamily="49" charset="0"/>
-            </a:endParaRPr>
-          </a:p>
-          <a:p>
-            <a:r>
-              <a:rPr lang="en-US" altLang="zh-CN" sz="1400" b="0" dirty="0">
-                <a:solidFill>
-                  <a:srgbClr val="000000"/>
-                </a:solidFill>
-                <a:effectLst/>
-                <a:highlight>
-                  <a:srgbClr val="FFFFFF"/>
-                </a:highlight>
-                <a:latin typeface="Consolas" panose="020B0609020204030204" pitchFamily="49" charset="0"/>
-              </a:rPr>
-              <a:t>    </a:t>
-            </a:r>
-          </a:p>
-          <a:p>
-            <a:r>
-              <a:rPr lang="en-US" altLang="zh-CN" sz="1400" b="0" dirty="0">
-                <a:solidFill>
-                  <a:srgbClr val="000000"/>
-                </a:solidFill>
-                <a:effectLst/>
-                <a:highlight>
-                  <a:srgbClr val="FFFFFF"/>
-                </a:highlight>
-                <a:latin typeface="Consolas" panose="020B0609020204030204" pitchFamily="49" charset="0"/>
-              </a:rPr>
-              <a:t>    </a:t>
-            </a:r>
-            <a:r>
-              <a:rPr lang="en-US" altLang="zh-CN" sz="1400" b="0" dirty="0">
-                <a:solidFill>
-                  <a:srgbClr val="795E26"/>
-                </a:solidFill>
-                <a:effectLst/>
-                <a:highlight>
-                  <a:srgbClr val="FFFFFF"/>
-                </a:highlight>
-                <a:latin typeface="Consolas" panose="020B0609020204030204" pitchFamily="49" charset="0"/>
-              </a:rPr>
-              <a:t>print</a:t>
-            </a:r>
-            <a:r>
-              <a:rPr lang="en-US" altLang="zh-CN" sz="1400" b="0" dirty="0">
-                <a:solidFill>
-                  <a:srgbClr val="000000"/>
-                </a:solidFill>
-                <a:effectLst/>
-                <a:highlight>
-                  <a:srgbClr val="FFFFFF"/>
-                </a:highlight>
-                <a:latin typeface="Consolas" panose="020B0609020204030204" pitchFamily="49" charset="0"/>
-              </a:rPr>
-              <a:t>(</a:t>
-            </a:r>
-            <a:r>
-              <a:rPr lang="en-US" altLang="zh-CN" sz="1400" b="0" dirty="0">
-                <a:solidFill>
-                  <a:srgbClr val="A31515"/>
-                </a:solidFill>
-                <a:effectLst/>
-                <a:highlight>
-                  <a:srgbClr val="FFFFFF"/>
-                </a:highlight>
-                <a:latin typeface="Consolas" panose="020B0609020204030204" pitchFamily="49" charset="0"/>
-              </a:rPr>
-              <a:t>"over!"</a:t>
-            </a:r>
-            <a:r>
-              <a:rPr lang="en-US" altLang="zh-CN" sz="1400" b="0" dirty="0">
-                <a:solidFill>
-                  <a:srgbClr val="000000"/>
+              <a:t>start</a:t>
+            </a:r>
+            <a:r>
+              <a:rPr lang="en-US" altLang="zh-CN" sz="1200" b="0" dirty="0">
+                <a:solidFill>
+                  <a:srgbClr val="3B3B3B"/>
                 </a:solidFill>
                 <a:effectLst/>
                 <a:highlight>

--- a/lcj_zemi_python.pptx
+++ b/lcj_zemi_python.pptx
@@ -6008,8 +6008,8 @@
         </p:nvSpPr>
         <p:spPr>
           <a:xfrm>
-            <a:off x="160274" y="981938"/>
-            <a:ext cx="5861964" cy="5816977"/>
+            <a:off x="25994" y="981938"/>
+            <a:ext cx="9150543" cy="5816977"/>
           </a:xfrm>
           <a:prstGeom prst="rect">
             <a:avLst/>
@@ -6196,7 +6196,7 @@
               <a:t>ThreadPoolExecutor</a:t>
             </a:r>
             <a:r>
-              <a:rPr lang="en-US" altLang="zh-CN" sz="1200" b="0">
+              <a:rPr lang="en-US" altLang="zh-CN" sz="1200" b="0" dirty="0">
                 <a:solidFill>
                   <a:srgbClr val="3B3B3B"/>
                 </a:solidFill>
@@ -6207,6 +6207,32 @@
                 <a:latin typeface="Consolas" panose="020B0609020204030204" pitchFamily="49" charset="0"/>
               </a:rPr>
               <a:t>  </a:t>
+            </a:r>
+            <a:r>
+              <a:rPr lang="en-US" altLang="zh-CN" sz="1200" b="0" dirty="0">
+                <a:solidFill>
+                  <a:srgbClr val="008000"/>
+                </a:solidFill>
+                <a:effectLst/>
+                <a:highlight>
+                  <a:srgbClr val="FFFFFF"/>
+                </a:highlight>
+                <a:latin typeface="Consolas" panose="020B0609020204030204" pitchFamily="49" charset="0"/>
+              </a:rPr>
+              <a:t> # </a:t>
+            </a:r>
+            <a:r>
+              <a:rPr lang="ja-JP" altLang="en-US" sz="1200" b="0" dirty="0">
+                <a:solidFill>
+                  <a:srgbClr val="008000"/>
+                </a:solidFill>
+                <a:effectLst/>
+                <a:highlight>
+                  <a:srgbClr val="FFFFFF"/>
+                </a:highlight>
+                <a:latin typeface="Consolas" panose="020B0609020204030204" pitchFamily="49" charset="0"/>
+              </a:rPr>
+              <a:t>スレッドプールを導入</a:t>
             </a:r>
             <a:endParaRPr lang="en-US" altLang="zh-CN" sz="1200" b="0" dirty="0">
               <a:solidFill>
@@ -6426,7 +6452,7 @@
                 </a:highlight>
                 <a:latin typeface="Consolas" panose="020B0609020204030204" pitchFamily="49" charset="0"/>
               </a:rPr>
-              <a:t>'task</a:t>
+              <a:t>‘task</a:t>
             </a:r>
             <a:r>
               <a:rPr lang="en-US" altLang="zh-CN" sz="1200" b="0" dirty="0">
@@ -6491,7 +6517,32 @@
                 </a:highlight>
                 <a:latin typeface="Consolas" panose="020B0609020204030204" pitchFamily="49" charset="0"/>
               </a:rPr>
-              <a:t> is now on!'</a:t>
+              <a:t> is now </a:t>
+            </a:r>
+            <a:r>
+              <a:rPr lang="en-US" altLang="zh-CN" sz="1200" dirty="0">
+                <a:solidFill>
+                  <a:srgbClr val="A31515"/>
+                </a:solidFill>
+                <a:highlight>
+                  <a:srgbClr val="FFFFFF"/>
+                </a:highlight>
+                <a:latin typeface="Consolas" panose="020B0609020204030204" pitchFamily="49" charset="0"/>
+              </a:rPr>
+              <a:t>running</a:t>
+            </a:r>
+            <a:r>
+              <a:rPr lang="en-US" altLang="zh-CN" sz="1200" b="0" dirty="0">
+                <a:solidFill>
+                  <a:srgbClr val="A31515"/>
+                </a:solidFill>
+                <a:effectLst/>
+                <a:highlight>
+                  <a:srgbClr val="FFFFFF"/>
+                </a:highlight>
+                <a:latin typeface="Consolas" panose="020B0609020204030204" pitchFamily="49" charset="0"/>
+              </a:rPr>
+              <a:t>!’</a:t>
             </a:r>
             <a:r>
               <a:rPr lang="en-US" altLang="zh-CN" sz="1200" b="0" dirty="0">
@@ -6506,10 +6557,8 @@
               </a:rPr>
               <a:t>)</a:t>
             </a:r>
-          </a:p>
-          <a:p>
-            <a:r>
-              <a:rPr lang="en-US" altLang="zh-CN" sz="1200" b="0" dirty="0">
+            <a:r>
+              <a:rPr lang="ja-JP" altLang="en-US" sz="1200" b="0" dirty="0">
                 <a:solidFill>
                   <a:srgbClr val="3B3B3B"/>
                 </a:solidFill>
@@ -6519,7 +6568,7 @@
                 </a:highlight>
                 <a:latin typeface="Consolas" panose="020B0609020204030204" pitchFamily="49" charset="0"/>
               </a:rPr>
-              <a:t>    </a:t>
+              <a:t>　　</a:t>
             </a:r>
             <a:r>
               <a:rPr lang="en-US" altLang="zh-CN" sz="1200" b="0" dirty="0">
@@ -6532,7 +6581,20 @@
                 </a:highlight>
                 <a:latin typeface="Consolas" panose="020B0609020204030204" pitchFamily="49" charset="0"/>
               </a:rPr>
-              <a:t># Do time intensive stuff...</a:t>
+              <a:t> # </a:t>
+            </a:r>
+            <a:r>
+              <a:rPr lang="ja-JP" altLang="en-US" sz="1200" b="0" dirty="0">
+                <a:solidFill>
+                  <a:srgbClr val="008000"/>
+                </a:solidFill>
+                <a:effectLst/>
+                <a:highlight>
+                  <a:srgbClr val="FFFFFF"/>
+                </a:highlight>
+                <a:latin typeface="Consolas" panose="020B0609020204030204" pitchFamily="49" charset="0"/>
+              </a:rPr>
+              <a:t>タスクの開始信号</a:t>
             </a:r>
             <a:endParaRPr lang="en-US" altLang="zh-CN" sz="1200" b="0" dirty="0">
               <a:solidFill>
@@ -6560,188 +6622,17 @@
               <a:t>    </a:t>
             </a:r>
             <a:r>
-              <a:rPr lang="en-US" altLang="zh-CN" sz="1200" b="0" dirty="0" err="1">
-                <a:solidFill>
-                  <a:srgbClr val="267F99"/>
-                </a:solidFill>
-                <a:effectLst/>
-                <a:highlight>
-                  <a:srgbClr val="FFFFFF"/>
-                </a:highlight>
-                <a:latin typeface="Consolas" panose="020B0609020204030204" pitchFamily="49" charset="0"/>
-              </a:rPr>
-              <a:t>time</a:t>
-            </a:r>
-            <a:r>
-              <a:rPr lang="en-US" altLang="zh-CN" sz="1200" b="0" dirty="0" err="1">
-                <a:solidFill>
-                  <a:srgbClr val="3B3B3B"/>
-                </a:solidFill>
-                <a:effectLst/>
-                <a:highlight>
-                  <a:srgbClr val="FFFFFF"/>
-                </a:highlight>
-                <a:latin typeface="Consolas" panose="020B0609020204030204" pitchFamily="49" charset="0"/>
-              </a:rPr>
-              <a:t>.</a:t>
-            </a:r>
-            <a:r>
-              <a:rPr lang="en-US" altLang="zh-CN" sz="1200" b="0" dirty="0" err="1">
-                <a:solidFill>
-                  <a:srgbClr val="795E26"/>
-                </a:solidFill>
-                <a:effectLst/>
-                <a:highlight>
-                  <a:srgbClr val="FFFFFF"/>
-                </a:highlight>
-                <a:latin typeface="Consolas" panose="020B0609020204030204" pitchFamily="49" charset="0"/>
-              </a:rPr>
-              <a:t>sleep</a:t>
-            </a:r>
-            <a:r>
-              <a:rPr lang="en-US" altLang="zh-CN" sz="1200" b="0" dirty="0">
-                <a:solidFill>
-                  <a:srgbClr val="3B3B3B"/>
-                </a:solidFill>
-                <a:effectLst/>
-                <a:highlight>
-                  <a:srgbClr val="FFFFFF"/>
-                </a:highlight>
-                <a:latin typeface="Consolas" panose="020B0609020204030204" pitchFamily="49" charset="0"/>
-              </a:rPr>
-              <a:t>(</a:t>
-            </a:r>
-            <a:r>
-              <a:rPr lang="en-US" altLang="zh-CN" sz="1200" b="0" dirty="0">
-                <a:solidFill>
-                  <a:srgbClr val="098658"/>
-                </a:solidFill>
-                <a:effectLst/>
-                <a:highlight>
-                  <a:srgbClr val="FFFFFF"/>
-                </a:highlight>
-                <a:latin typeface="Consolas" panose="020B0609020204030204" pitchFamily="49" charset="0"/>
-              </a:rPr>
-              <a:t>3</a:t>
-            </a:r>
-            <a:r>
-              <a:rPr lang="en-US" altLang="zh-CN" sz="1200" b="0" dirty="0">
-                <a:solidFill>
-                  <a:srgbClr val="3B3B3B"/>
-                </a:solidFill>
-                <a:effectLst/>
-                <a:highlight>
-                  <a:srgbClr val="FFFFFF"/>
-                </a:highlight>
-                <a:latin typeface="Consolas" panose="020B0609020204030204" pitchFamily="49" charset="0"/>
-              </a:rPr>
-              <a:t>)</a:t>
-            </a:r>
-          </a:p>
-          <a:p>
-            <a:r>
-              <a:rPr lang="en-US" altLang="zh-CN" sz="1200" b="0" dirty="0">
-                <a:solidFill>
-                  <a:srgbClr val="3B3B3B"/>
-                </a:solidFill>
-                <a:effectLst/>
-                <a:highlight>
-                  <a:srgbClr val="FFFFFF"/>
-                </a:highlight>
-                <a:latin typeface="Consolas" panose="020B0609020204030204" pitchFamily="49" charset="0"/>
-              </a:rPr>
-              <a:t>    </a:t>
-            </a:r>
-            <a:r>
-              <a:rPr lang="en-US" altLang="zh-CN" sz="1200" b="0" dirty="0">
-                <a:solidFill>
-                  <a:srgbClr val="AF00DB"/>
-                </a:solidFill>
-                <a:effectLst/>
-                <a:highlight>
-                  <a:srgbClr val="FFFFFF"/>
-                </a:highlight>
-                <a:latin typeface="Consolas" panose="020B0609020204030204" pitchFamily="49" charset="0"/>
-              </a:rPr>
-              <a:t>return</a:t>
-            </a:r>
-            <a:r>
-              <a:rPr lang="en-US" altLang="zh-CN" sz="1200" b="0" dirty="0">
-                <a:solidFill>
-                  <a:srgbClr val="3B3B3B"/>
-                </a:solidFill>
-                <a:effectLst/>
-                <a:highlight>
-                  <a:srgbClr val="FFFFFF"/>
-                </a:highlight>
-                <a:latin typeface="Consolas" panose="020B0609020204030204" pitchFamily="49" charset="0"/>
-              </a:rPr>
-              <a:t> </a:t>
-            </a:r>
-            <a:r>
-              <a:rPr lang="en-US" altLang="zh-CN" sz="1200" b="0" dirty="0">
-                <a:solidFill>
-                  <a:srgbClr val="A31515"/>
-                </a:solidFill>
-                <a:effectLst/>
-                <a:highlight>
-                  <a:srgbClr val="FFFFFF"/>
-                </a:highlight>
-                <a:latin typeface="Consolas" panose="020B0609020204030204" pitchFamily="49" charset="0"/>
-              </a:rPr>
-              <a:t>'Hello, '</a:t>
-            </a:r>
-            <a:r>
-              <a:rPr lang="en-US" altLang="zh-CN" sz="1200" b="0" dirty="0">
-                <a:solidFill>
-                  <a:srgbClr val="3B3B3B"/>
-                </a:solidFill>
-                <a:effectLst/>
-                <a:highlight>
-                  <a:srgbClr val="FFFFFF"/>
-                </a:highlight>
-                <a:latin typeface="Consolas" panose="020B0609020204030204" pitchFamily="49" charset="0"/>
-              </a:rPr>
-              <a:t> </a:t>
-            </a:r>
-            <a:r>
-              <a:rPr lang="en-US" altLang="zh-CN" sz="1200" b="0" dirty="0">
-                <a:solidFill>
-                  <a:srgbClr val="000000"/>
-                </a:solidFill>
-                <a:effectLst/>
-                <a:highlight>
-                  <a:srgbClr val="FFFFFF"/>
-                </a:highlight>
-                <a:latin typeface="Consolas" panose="020B0609020204030204" pitchFamily="49" charset="0"/>
-              </a:rPr>
-              <a:t>+</a:t>
-            </a:r>
-            <a:r>
-              <a:rPr lang="en-US" altLang="zh-CN" sz="1200" b="0" dirty="0">
-                <a:solidFill>
-                  <a:srgbClr val="3B3B3B"/>
-                </a:solidFill>
-                <a:effectLst/>
-                <a:highlight>
-                  <a:srgbClr val="FFFFFF"/>
-                </a:highlight>
-                <a:latin typeface="Consolas" panose="020B0609020204030204" pitchFamily="49" charset="0"/>
-              </a:rPr>
-              <a:t> </a:t>
-            </a:r>
-            <a:r>
-              <a:rPr lang="en-US" altLang="zh-CN" sz="1200" b="0" dirty="0">
-                <a:solidFill>
-                  <a:srgbClr val="001080"/>
-                </a:solidFill>
-                <a:effectLst/>
-                <a:highlight>
-                  <a:srgbClr val="FFFFFF"/>
-                </a:highlight>
-                <a:latin typeface="Consolas" panose="020B0609020204030204" pitchFamily="49" charset="0"/>
-              </a:rPr>
-              <a:t>name</a:t>
+              <a:rPr lang="en-US" altLang="zh-CN" sz="1200" b="0" dirty="0">
+                <a:solidFill>
+                  <a:srgbClr val="008000"/>
+                </a:solidFill>
+                <a:effectLst/>
+                <a:highlight>
+                  <a:srgbClr val="FFFFFF"/>
+                </a:highlight>
+                <a:latin typeface="Consolas" panose="020B0609020204030204" pitchFamily="49" charset="0"/>
+              </a:rPr>
+              <a:t># Do time intensive stuff...</a:t>
             </a:r>
             <a:endParaRPr lang="en-US" altLang="zh-CN" sz="1200" b="0" dirty="0">
               <a:solidFill>
@@ -6755,6 +6646,989 @@
             </a:endParaRPr>
           </a:p>
           <a:p>
+            <a:r>
+              <a:rPr lang="en-US" altLang="zh-CN" sz="1200" b="0" dirty="0">
+                <a:solidFill>
+                  <a:srgbClr val="3B3B3B"/>
+                </a:solidFill>
+                <a:effectLst/>
+                <a:highlight>
+                  <a:srgbClr val="FFFFFF"/>
+                </a:highlight>
+                <a:latin typeface="Consolas" panose="020B0609020204030204" pitchFamily="49" charset="0"/>
+              </a:rPr>
+              <a:t>    </a:t>
+            </a:r>
+            <a:r>
+              <a:rPr lang="en-US" altLang="zh-CN" sz="1200" b="0" dirty="0" err="1">
+                <a:solidFill>
+                  <a:srgbClr val="267F99"/>
+                </a:solidFill>
+                <a:effectLst/>
+                <a:highlight>
+                  <a:srgbClr val="FFFFFF"/>
+                </a:highlight>
+                <a:latin typeface="Consolas" panose="020B0609020204030204" pitchFamily="49" charset="0"/>
+              </a:rPr>
+              <a:t>time</a:t>
+            </a:r>
+            <a:r>
+              <a:rPr lang="en-US" altLang="zh-CN" sz="1200" b="0" dirty="0" err="1">
+                <a:solidFill>
+                  <a:srgbClr val="3B3B3B"/>
+                </a:solidFill>
+                <a:effectLst/>
+                <a:highlight>
+                  <a:srgbClr val="FFFFFF"/>
+                </a:highlight>
+                <a:latin typeface="Consolas" panose="020B0609020204030204" pitchFamily="49" charset="0"/>
+              </a:rPr>
+              <a:t>.</a:t>
+            </a:r>
+            <a:r>
+              <a:rPr lang="en-US" altLang="zh-CN" sz="1200" b="0" dirty="0" err="1">
+                <a:solidFill>
+                  <a:srgbClr val="795E26"/>
+                </a:solidFill>
+                <a:effectLst/>
+                <a:highlight>
+                  <a:srgbClr val="FFFFFF"/>
+                </a:highlight>
+                <a:latin typeface="Consolas" panose="020B0609020204030204" pitchFamily="49" charset="0"/>
+              </a:rPr>
+              <a:t>sleep</a:t>
+            </a:r>
+            <a:r>
+              <a:rPr lang="en-US" altLang="zh-CN" sz="1200" b="0" dirty="0">
+                <a:solidFill>
+                  <a:srgbClr val="3B3B3B"/>
+                </a:solidFill>
+                <a:effectLst/>
+                <a:highlight>
+                  <a:srgbClr val="FFFFFF"/>
+                </a:highlight>
+                <a:latin typeface="Consolas" panose="020B0609020204030204" pitchFamily="49" charset="0"/>
+              </a:rPr>
+              <a:t>(</a:t>
+            </a:r>
+            <a:r>
+              <a:rPr lang="en-US" altLang="zh-CN" sz="1200" b="0" dirty="0">
+                <a:solidFill>
+                  <a:srgbClr val="098658"/>
+                </a:solidFill>
+                <a:effectLst/>
+                <a:highlight>
+                  <a:srgbClr val="FFFFFF"/>
+                </a:highlight>
+                <a:latin typeface="Consolas" panose="020B0609020204030204" pitchFamily="49" charset="0"/>
+              </a:rPr>
+              <a:t>3</a:t>
+            </a:r>
+            <a:r>
+              <a:rPr lang="en-US" altLang="zh-CN" sz="1200" b="0" dirty="0">
+                <a:solidFill>
+                  <a:srgbClr val="3B3B3B"/>
+                </a:solidFill>
+                <a:effectLst/>
+                <a:highlight>
+                  <a:srgbClr val="FFFFFF"/>
+                </a:highlight>
+                <a:latin typeface="Consolas" panose="020B0609020204030204" pitchFamily="49" charset="0"/>
+              </a:rPr>
+              <a:t>)</a:t>
+            </a:r>
+          </a:p>
+          <a:p>
+            <a:r>
+              <a:rPr lang="en-US" altLang="zh-CN" sz="1200" b="0" dirty="0">
+                <a:solidFill>
+                  <a:srgbClr val="3B3B3B"/>
+                </a:solidFill>
+                <a:effectLst/>
+                <a:highlight>
+                  <a:srgbClr val="FFFFFF"/>
+                </a:highlight>
+                <a:latin typeface="Consolas" panose="020B0609020204030204" pitchFamily="49" charset="0"/>
+              </a:rPr>
+              <a:t>    </a:t>
+            </a:r>
+            <a:r>
+              <a:rPr lang="en-US" altLang="zh-CN" sz="1200" b="0" dirty="0">
+                <a:solidFill>
+                  <a:srgbClr val="AF00DB"/>
+                </a:solidFill>
+                <a:effectLst/>
+                <a:highlight>
+                  <a:srgbClr val="FFFFFF"/>
+                </a:highlight>
+                <a:latin typeface="Consolas" panose="020B0609020204030204" pitchFamily="49" charset="0"/>
+              </a:rPr>
+              <a:t>return</a:t>
+            </a:r>
+            <a:r>
+              <a:rPr lang="en-US" altLang="zh-CN" sz="1200" b="0" dirty="0">
+                <a:solidFill>
+                  <a:srgbClr val="3B3B3B"/>
+                </a:solidFill>
+                <a:effectLst/>
+                <a:highlight>
+                  <a:srgbClr val="FFFFFF"/>
+                </a:highlight>
+                <a:latin typeface="Consolas" panose="020B0609020204030204" pitchFamily="49" charset="0"/>
+              </a:rPr>
+              <a:t> </a:t>
+            </a:r>
+            <a:r>
+              <a:rPr lang="en-US" altLang="zh-CN" sz="1200" b="0" dirty="0">
+                <a:solidFill>
+                  <a:srgbClr val="A31515"/>
+                </a:solidFill>
+                <a:effectLst/>
+                <a:highlight>
+                  <a:srgbClr val="FFFFFF"/>
+                </a:highlight>
+                <a:latin typeface="Consolas" panose="020B0609020204030204" pitchFamily="49" charset="0"/>
+              </a:rPr>
+              <a:t>'Hello, '</a:t>
+            </a:r>
+            <a:r>
+              <a:rPr lang="en-US" altLang="zh-CN" sz="1200" b="0" dirty="0">
+                <a:solidFill>
+                  <a:srgbClr val="3B3B3B"/>
+                </a:solidFill>
+                <a:effectLst/>
+                <a:highlight>
+                  <a:srgbClr val="FFFFFF"/>
+                </a:highlight>
+                <a:latin typeface="Consolas" panose="020B0609020204030204" pitchFamily="49" charset="0"/>
+              </a:rPr>
+              <a:t> </a:t>
+            </a:r>
+            <a:r>
+              <a:rPr lang="en-US" altLang="zh-CN" sz="1200" b="0" dirty="0">
+                <a:solidFill>
+                  <a:srgbClr val="000000"/>
+                </a:solidFill>
+                <a:effectLst/>
+                <a:highlight>
+                  <a:srgbClr val="FFFFFF"/>
+                </a:highlight>
+                <a:latin typeface="Consolas" panose="020B0609020204030204" pitchFamily="49" charset="0"/>
+              </a:rPr>
+              <a:t>+</a:t>
+            </a:r>
+            <a:r>
+              <a:rPr lang="en-US" altLang="zh-CN" sz="1200" b="0" dirty="0">
+                <a:solidFill>
+                  <a:srgbClr val="3B3B3B"/>
+                </a:solidFill>
+                <a:effectLst/>
+                <a:highlight>
+                  <a:srgbClr val="FFFFFF"/>
+                </a:highlight>
+                <a:latin typeface="Consolas" panose="020B0609020204030204" pitchFamily="49" charset="0"/>
+              </a:rPr>
+              <a:t> </a:t>
+            </a:r>
+            <a:r>
+              <a:rPr lang="en-US" altLang="zh-CN" sz="1200" b="0" dirty="0">
+                <a:solidFill>
+                  <a:srgbClr val="001080"/>
+                </a:solidFill>
+                <a:effectLst/>
+                <a:highlight>
+                  <a:srgbClr val="FFFFFF"/>
+                </a:highlight>
+                <a:latin typeface="Consolas" panose="020B0609020204030204" pitchFamily="49" charset="0"/>
+              </a:rPr>
+              <a:t>name</a:t>
+            </a:r>
+            <a:endParaRPr lang="en-US" altLang="zh-CN" sz="1200" b="0" dirty="0">
+              <a:solidFill>
+                <a:srgbClr val="3B3B3B"/>
+              </a:solidFill>
+              <a:effectLst/>
+              <a:highlight>
+                <a:srgbClr val="FFFFFF"/>
+              </a:highlight>
+              <a:latin typeface="Consolas" panose="020B0609020204030204" pitchFamily="49" charset="0"/>
+            </a:endParaRPr>
+          </a:p>
+          <a:p>
+            <a:br>
+              <a:rPr lang="en-US" altLang="zh-CN" sz="1200" b="0" dirty="0">
+                <a:solidFill>
+                  <a:srgbClr val="3B3B3B"/>
+                </a:solidFill>
+                <a:effectLst/>
+                <a:highlight>
+                  <a:srgbClr val="FFFFFF"/>
+                </a:highlight>
+                <a:latin typeface="Consolas" panose="020B0609020204030204" pitchFamily="49" charset="0"/>
+              </a:rPr>
+            </a:br>
+            <a:r>
+              <a:rPr lang="en-US" altLang="zh-CN" sz="1200" b="0" dirty="0">
+                <a:solidFill>
+                  <a:srgbClr val="008000"/>
+                </a:solidFill>
+                <a:effectLst/>
+                <a:highlight>
+                  <a:srgbClr val="FFFFFF"/>
+                </a:highlight>
+                <a:latin typeface="Consolas" panose="020B0609020204030204" pitchFamily="49" charset="0"/>
+              </a:rPr>
+              <a:t># </a:t>
+            </a:r>
+            <a:r>
+              <a:rPr lang="en-US" altLang="ja-JP" sz="1200" dirty="0">
+                <a:solidFill>
+                  <a:srgbClr val="008000"/>
+                </a:solidFill>
+                <a:highlight>
+                  <a:srgbClr val="FFFFFF"/>
+                </a:highlight>
+                <a:latin typeface="Consolas" panose="020B0609020204030204" pitchFamily="49" charset="0"/>
+              </a:rPr>
+              <a:t>main</a:t>
+            </a:r>
+            <a:r>
+              <a:rPr lang="ja-JP" altLang="en-US" sz="1200" dirty="0">
+                <a:solidFill>
+                  <a:srgbClr val="008000"/>
+                </a:solidFill>
+                <a:highlight>
+                  <a:srgbClr val="FFFFFF"/>
+                </a:highlight>
+                <a:latin typeface="Consolas" panose="020B0609020204030204" pitchFamily="49" charset="0"/>
+              </a:rPr>
+              <a:t>は非同期関数</a:t>
+            </a:r>
+            <a:r>
+              <a:rPr lang="en-US" altLang="ja-JP" sz="1200" dirty="0">
+                <a:solidFill>
+                  <a:srgbClr val="008000"/>
+                </a:solidFill>
+                <a:highlight>
+                  <a:srgbClr val="FFFFFF"/>
+                </a:highlight>
+                <a:latin typeface="Consolas" panose="020B0609020204030204" pitchFamily="49" charset="0"/>
+              </a:rPr>
+              <a:t>(</a:t>
+            </a:r>
+            <a:r>
+              <a:rPr lang="ja-JP" altLang="en-US" sz="1200" dirty="0">
+                <a:solidFill>
+                  <a:srgbClr val="008000"/>
+                </a:solidFill>
+                <a:highlight>
+                  <a:srgbClr val="FFFFFF"/>
+                </a:highlight>
+                <a:latin typeface="Consolas" panose="020B0609020204030204" pitchFamily="49" charset="0"/>
+              </a:rPr>
+              <a:t>コルーチン</a:t>
+            </a:r>
+            <a:r>
+              <a:rPr lang="zh-CN" altLang="en-US" sz="1200" dirty="0">
+                <a:solidFill>
+                  <a:srgbClr val="008000"/>
+                </a:solidFill>
+                <a:highlight>
+                  <a:srgbClr val="FFFFFF"/>
+                </a:highlight>
+                <a:latin typeface="Consolas" panose="020B0609020204030204" pitchFamily="49" charset="0"/>
+              </a:rPr>
+              <a:t> </a:t>
+            </a:r>
+            <a:r>
+              <a:rPr lang="en-US" altLang="zh-CN" sz="1200" dirty="0">
+                <a:solidFill>
+                  <a:srgbClr val="008000"/>
+                </a:solidFill>
+                <a:highlight>
+                  <a:srgbClr val="FFFFFF"/>
+                </a:highlight>
+                <a:latin typeface="Consolas" panose="020B0609020204030204" pitchFamily="49" charset="0"/>
+              </a:rPr>
+              <a:t>coroutine</a:t>
+            </a:r>
+            <a:r>
+              <a:rPr lang="en-US" altLang="ja-JP" sz="1200" dirty="0">
+                <a:solidFill>
+                  <a:srgbClr val="008000"/>
+                </a:solidFill>
+                <a:highlight>
+                  <a:srgbClr val="FFFFFF"/>
+                </a:highlight>
+                <a:latin typeface="Consolas" panose="020B0609020204030204" pitchFamily="49" charset="0"/>
+              </a:rPr>
+              <a:t>)</a:t>
+            </a:r>
+            <a:br>
+              <a:rPr lang="en-US" altLang="zh-CN" sz="1200" b="0" dirty="0">
+                <a:solidFill>
+                  <a:srgbClr val="3B3B3B"/>
+                </a:solidFill>
+                <a:effectLst/>
+                <a:highlight>
+                  <a:srgbClr val="FFFFFF"/>
+                </a:highlight>
+                <a:latin typeface="Consolas" panose="020B0609020204030204" pitchFamily="49" charset="0"/>
+              </a:rPr>
+            </a:br>
+            <a:r>
+              <a:rPr lang="en-US" altLang="zh-CN" sz="1200" b="0" dirty="0">
+                <a:solidFill>
+                  <a:srgbClr val="0000FF"/>
+                </a:solidFill>
+                <a:effectLst/>
+                <a:highlight>
+                  <a:srgbClr val="FFFFFF"/>
+                </a:highlight>
+                <a:latin typeface="Consolas" panose="020B0609020204030204" pitchFamily="49" charset="0"/>
+              </a:rPr>
+              <a:t>async</a:t>
+            </a:r>
+            <a:r>
+              <a:rPr lang="en-US" altLang="zh-CN" sz="1200" b="0" dirty="0">
+                <a:solidFill>
+                  <a:srgbClr val="3B3B3B"/>
+                </a:solidFill>
+                <a:effectLst/>
+                <a:highlight>
+                  <a:srgbClr val="FFFFFF"/>
+                </a:highlight>
+                <a:latin typeface="Consolas" panose="020B0609020204030204" pitchFamily="49" charset="0"/>
+              </a:rPr>
+              <a:t> </a:t>
+            </a:r>
+            <a:r>
+              <a:rPr lang="en-US" altLang="zh-CN" sz="1200" b="0" dirty="0">
+                <a:solidFill>
+                  <a:srgbClr val="0000FF"/>
+                </a:solidFill>
+                <a:effectLst/>
+                <a:highlight>
+                  <a:srgbClr val="FFFFFF"/>
+                </a:highlight>
+                <a:latin typeface="Consolas" panose="020B0609020204030204" pitchFamily="49" charset="0"/>
+              </a:rPr>
+              <a:t>def</a:t>
+            </a:r>
+            <a:r>
+              <a:rPr lang="en-US" altLang="zh-CN" sz="1200" b="0" dirty="0">
+                <a:solidFill>
+                  <a:srgbClr val="3B3B3B"/>
+                </a:solidFill>
+                <a:effectLst/>
+                <a:highlight>
+                  <a:srgbClr val="FFFFFF"/>
+                </a:highlight>
+                <a:latin typeface="Consolas" panose="020B0609020204030204" pitchFamily="49" charset="0"/>
+              </a:rPr>
+              <a:t> </a:t>
+            </a:r>
+            <a:r>
+              <a:rPr lang="en-US" altLang="zh-CN" sz="1200" b="0" dirty="0">
+                <a:solidFill>
+                  <a:srgbClr val="795E26"/>
+                </a:solidFill>
+                <a:effectLst/>
+                <a:highlight>
+                  <a:srgbClr val="FFFFFF"/>
+                </a:highlight>
+                <a:latin typeface="Consolas" panose="020B0609020204030204" pitchFamily="49" charset="0"/>
+              </a:rPr>
+              <a:t>main</a:t>
+            </a:r>
+            <a:r>
+              <a:rPr lang="en-US" altLang="zh-CN" sz="1200" b="0" dirty="0">
+                <a:solidFill>
+                  <a:srgbClr val="3B3B3B"/>
+                </a:solidFill>
+                <a:effectLst/>
+                <a:highlight>
+                  <a:srgbClr val="FFFFFF"/>
+                </a:highlight>
+                <a:latin typeface="Consolas" panose="020B0609020204030204" pitchFamily="49" charset="0"/>
+              </a:rPr>
+              <a:t>(</a:t>
+            </a:r>
+            <a:r>
+              <a:rPr lang="en-US" altLang="zh-CN" sz="1200" b="0" dirty="0">
+                <a:solidFill>
+                  <a:srgbClr val="001080"/>
+                </a:solidFill>
+                <a:effectLst/>
+                <a:highlight>
+                  <a:srgbClr val="FFFFFF"/>
+                </a:highlight>
+                <a:latin typeface="Consolas" panose="020B0609020204030204" pitchFamily="49" charset="0"/>
+              </a:rPr>
+              <a:t>loop</a:t>
+            </a:r>
+            <a:r>
+              <a:rPr lang="en-US" altLang="zh-CN" sz="1200" b="0" dirty="0">
+                <a:solidFill>
+                  <a:srgbClr val="3B3B3B"/>
+                </a:solidFill>
+                <a:effectLst/>
+                <a:highlight>
+                  <a:srgbClr val="FFFFFF"/>
+                </a:highlight>
+                <a:latin typeface="Consolas" panose="020B0609020204030204" pitchFamily="49" charset="0"/>
+              </a:rPr>
+              <a:t>, </a:t>
+            </a:r>
+            <a:r>
+              <a:rPr lang="en-US" altLang="zh-CN" sz="1200" b="0" dirty="0">
+                <a:solidFill>
+                  <a:srgbClr val="001080"/>
+                </a:solidFill>
+                <a:effectLst/>
+                <a:highlight>
+                  <a:srgbClr val="FFFFFF"/>
+                </a:highlight>
+                <a:latin typeface="Consolas" panose="020B0609020204030204" pitchFamily="49" charset="0"/>
+              </a:rPr>
+              <a:t>name</a:t>
+            </a:r>
+            <a:r>
+              <a:rPr lang="en-US" altLang="zh-CN" sz="1200" b="0" dirty="0">
+                <a:solidFill>
+                  <a:srgbClr val="3B3B3B"/>
+                </a:solidFill>
+                <a:effectLst/>
+                <a:highlight>
+                  <a:srgbClr val="FFFFFF"/>
+                </a:highlight>
+                <a:latin typeface="Consolas" panose="020B0609020204030204" pitchFamily="49" charset="0"/>
+              </a:rPr>
+              <a:t>):</a:t>
+            </a:r>
+          </a:p>
+          <a:p>
+            <a:r>
+              <a:rPr lang="en-US" altLang="zh-CN" sz="1200" b="0" dirty="0">
+                <a:solidFill>
+                  <a:srgbClr val="3B3B3B"/>
+                </a:solidFill>
+                <a:effectLst/>
+                <a:highlight>
+                  <a:srgbClr val="FFFFFF"/>
+                </a:highlight>
+                <a:latin typeface="Consolas" panose="020B0609020204030204" pitchFamily="49" charset="0"/>
+              </a:rPr>
+              <a:t>    </a:t>
+            </a:r>
+            <a:r>
+              <a:rPr lang="en-US" altLang="zh-CN" sz="1200" b="0" dirty="0">
+                <a:solidFill>
+                  <a:srgbClr val="001080"/>
+                </a:solidFill>
+                <a:effectLst/>
+                <a:highlight>
+                  <a:srgbClr val="FFFFFF"/>
+                </a:highlight>
+                <a:latin typeface="Consolas" panose="020B0609020204030204" pitchFamily="49" charset="0"/>
+              </a:rPr>
+              <a:t>executor</a:t>
+            </a:r>
+            <a:r>
+              <a:rPr lang="en-US" altLang="zh-CN" sz="1200" b="0" dirty="0">
+                <a:solidFill>
+                  <a:srgbClr val="3B3B3B"/>
+                </a:solidFill>
+                <a:effectLst/>
+                <a:highlight>
+                  <a:srgbClr val="FFFFFF"/>
+                </a:highlight>
+                <a:latin typeface="Consolas" panose="020B0609020204030204" pitchFamily="49" charset="0"/>
+              </a:rPr>
+              <a:t> </a:t>
+            </a:r>
+            <a:r>
+              <a:rPr lang="en-US" altLang="zh-CN" sz="1200" b="0" dirty="0">
+                <a:solidFill>
+                  <a:srgbClr val="000000"/>
+                </a:solidFill>
+                <a:effectLst/>
+                <a:highlight>
+                  <a:srgbClr val="FFFFFF"/>
+                </a:highlight>
+                <a:latin typeface="Consolas" panose="020B0609020204030204" pitchFamily="49" charset="0"/>
+              </a:rPr>
+              <a:t>=</a:t>
+            </a:r>
+            <a:r>
+              <a:rPr lang="en-US" altLang="zh-CN" sz="1200" b="0" dirty="0">
+                <a:solidFill>
+                  <a:srgbClr val="3B3B3B"/>
+                </a:solidFill>
+                <a:effectLst/>
+                <a:highlight>
+                  <a:srgbClr val="FFFFFF"/>
+                </a:highlight>
+                <a:latin typeface="Consolas" panose="020B0609020204030204" pitchFamily="49" charset="0"/>
+              </a:rPr>
+              <a:t> </a:t>
+            </a:r>
+            <a:r>
+              <a:rPr lang="en-US" altLang="zh-CN" sz="1200" b="0" dirty="0" err="1">
+                <a:solidFill>
+                  <a:srgbClr val="267F99"/>
+                </a:solidFill>
+                <a:effectLst/>
+                <a:highlight>
+                  <a:srgbClr val="FFFFFF"/>
+                </a:highlight>
+                <a:latin typeface="Consolas" panose="020B0609020204030204" pitchFamily="49" charset="0"/>
+              </a:rPr>
+              <a:t>ThreadPoolExecutor</a:t>
+            </a:r>
+            <a:r>
+              <a:rPr lang="en-US" altLang="zh-CN" sz="1200" b="0" dirty="0">
+                <a:solidFill>
+                  <a:srgbClr val="3B3B3B"/>
+                </a:solidFill>
+                <a:effectLst/>
+                <a:highlight>
+                  <a:srgbClr val="FFFFFF"/>
+                </a:highlight>
+                <a:latin typeface="Consolas" panose="020B0609020204030204" pitchFamily="49" charset="0"/>
+              </a:rPr>
+              <a:t>() </a:t>
+            </a:r>
+            <a:r>
+              <a:rPr lang="en-US" altLang="zh-CN" sz="1200" b="0" dirty="0">
+                <a:solidFill>
+                  <a:srgbClr val="008000"/>
+                </a:solidFill>
+                <a:effectLst/>
+                <a:highlight>
+                  <a:srgbClr val="FFFFFF"/>
+                </a:highlight>
+                <a:latin typeface="Consolas" panose="020B0609020204030204" pitchFamily="49" charset="0"/>
+              </a:rPr>
+              <a:t># Executor</a:t>
+            </a:r>
+            <a:r>
+              <a:rPr lang="ja-JP" altLang="en-US" sz="1200" b="0" dirty="0">
+                <a:solidFill>
+                  <a:srgbClr val="008000"/>
+                </a:solidFill>
+                <a:effectLst/>
+                <a:highlight>
+                  <a:srgbClr val="FFFFFF"/>
+                </a:highlight>
+                <a:latin typeface="Consolas" panose="020B0609020204030204" pitchFamily="49" charset="0"/>
+              </a:rPr>
+              <a:t>をインスタンス化</a:t>
+            </a:r>
+            <a:endParaRPr lang="en-US" altLang="zh-CN" sz="1200" b="0" dirty="0">
+              <a:solidFill>
+                <a:srgbClr val="3B3B3B"/>
+              </a:solidFill>
+              <a:effectLst/>
+              <a:highlight>
+                <a:srgbClr val="FFFFFF"/>
+              </a:highlight>
+              <a:latin typeface="Consolas" panose="020B0609020204030204" pitchFamily="49" charset="0"/>
+            </a:endParaRPr>
+          </a:p>
+          <a:p>
+            <a:r>
+              <a:rPr lang="en-US" altLang="zh-CN" sz="1200" b="0" dirty="0">
+                <a:solidFill>
+                  <a:srgbClr val="3B3B3B"/>
+                </a:solidFill>
+                <a:effectLst/>
+                <a:highlight>
+                  <a:srgbClr val="FFFFFF"/>
+                </a:highlight>
+                <a:latin typeface="Consolas" panose="020B0609020204030204" pitchFamily="49" charset="0"/>
+              </a:rPr>
+              <a:t>    </a:t>
+            </a:r>
+            <a:r>
+              <a:rPr lang="en-US" altLang="zh-CN" sz="1200" b="0" dirty="0">
+                <a:solidFill>
+                  <a:srgbClr val="001080"/>
+                </a:solidFill>
+                <a:effectLst/>
+                <a:highlight>
+                  <a:srgbClr val="FFFFFF"/>
+                </a:highlight>
+                <a:latin typeface="Consolas" panose="020B0609020204030204" pitchFamily="49" charset="0"/>
+              </a:rPr>
+              <a:t>result</a:t>
+            </a:r>
+            <a:r>
+              <a:rPr lang="en-US" altLang="zh-CN" sz="1200" b="0" dirty="0">
+                <a:solidFill>
+                  <a:srgbClr val="3B3B3B"/>
+                </a:solidFill>
+                <a:effectLst/>
+                <a:highlight>
+                  <a:srgbClr val="FFFFFF"/>
+                </a:highlight>
+                <a:latin typeface="Consolas" panose="020B0609020204030204" pitchFamily="49" charset="0"/>
+              </a:rPr>
+              <a:t> </a:t>
+            </a:r>
+            <a:r>
+              <a:rPr lang="en-US" altLang="zh-CN" sz="1200" b="0" dirty="0">
+                <a:solidFill>
+                  <a:srgbClr val="000000"/>
+                </a:solidFill>
+                <a:effectLst/>
+                <a:highlight>
+                  <a:srgbClr val="FFFFFF"/>
+                </a:highlight>
+                <a:latin typeface="Consolas" panose="020B0609020204030204" pitchFamily="49" charset="0"/>
+              </a:rPr>
+              <a:t>=</a:t>
+            </a:r>
+            <a:r>
+              <a:rPr lang="en-US" altLang="zh-CN" sz="1200" b="0" dirty="0">
+                <a:solidFill>
+                  <a:srgbClr val="3B3B3B"/>
+                </a:solidFill>
+                <a:effectLst/>
+                <a:highlight>
+                  <a:srgbClr val="FFFFFF"/>
+                </a:highlight>
+                <a:latin typeface="Consolas" panose="020B0609020204030204" pitchFamily="49" charset="0"/>
+              </a:rPr>
+              <a:t> </a:t>
+            </a:r>
+            <a:r>
+              <a:rPr lang="en-US" altLang="zh-CN" sz="1200" b="0" dirty="0">
+                <a:solidFill>
+                  <a:srgbClr val="AF00DB"/>
+                </a:solidFill>
+                <a:effectLst/>
+                <a:highlight>
+                  <a:srgbClr val="FFFFFF"/>
+                </a:highlight>
+                <a:latin typeface="Consolas" panose="020B0609020204030204" pitchFamily="49" charset="0"/>
+              </a:rPr>
+              <a:t>await</a:t>
+            </a:r>
+            <a:r>
+              <a:rPr lang="en-US" altLang="zh-CN" sz="1200" b="0" dirty="0">
+                <a:solidFill>
+                  <a:srgbClr val="3B3B3B"/>
+                </a:solidFill>
+                <a:effectLst/>
+                <a:highlight>
+                  <a:srgbClr val="FFFFFF"/>
+                </a:highlight>
+                <a:latin typeface="Consolas" panose="020B0609020204030204" pitchFamily="49" charset="0"/>
+              </a:rPr>
+              <a:t> </a:t>
+            </a:r>
+            <a:r>
+              <a:rPr lang="en-US" altLang="zh-CN" sz="1200" b="0" dirty="0" err="1">
+                <a:solidFill>
+                  <a:srgbClr val="001080"/>
+                </a:solidFill>
+                <a:effectLst/>
+                <a:highlight>
+                  <a:srgbClr val="FFFFFF"/>
+                </a:highlight>
+                <a:latin typeface="Consolas" panose="020B0609020204030204" pitchFamily="49" charset="0"/>
+              </a:rPr>
+              <a:t>loop</a:t>
+            </a:r>
+            <a:r>
+              <a:rPr lang="en-US" altLang="zh-CN" sz="1200" b="0" dirty="0" err="1">
+                <a:solidFill>
+                  <a:srgbClr val="3B3B3B"/>
+                </a:solidFill>
+                <a:effectLst/>
+                <a:highlight>
+                  <a:srgbClr val="FFFFFF"/>
+                </a:highlight>
+                <a:latin typeface="Consolas" panose="020B0609020204030204" pitchFamily="49" charset="0"/>
+              </a:rPr>
+              <a:t>.run_in_executor</a:t>
+            </a:r>
+            <a:r>
+              <a:rPr lang="en-US" altLang="zh-CN" sz="1200" b="0" dirty="0">
+                <a:solidFill>
+                  <a:srgbClr val="3B3B3B"/>
+                </a:solidFill>
+                <a:effectLst/>
+                <a:highlight>
+                  <a:srgbClr val="FFFFFF"/>
+                </a:highlight>
+                <a:latin typeface="Consolas" panose="020B0609020204030204" pitchFamily="49" charset="0"/>
+              </a:rPr>
+              <a:t>(</a:t>
+            </a:r>
+            <a:r>
+              <a:rPr lang="en-US" altLang="zh-CN" sz="1200" b="0" dirty="0">
+                <a:solidFill>
+                  <a:srgbClr val="001080"/>
+                </a:solidFill>
+                <a:effectLst/>
+                <a:highlight>
+                  <a:srgbClr val="FFFFFF"/>
+                </a:highlight>
+                <a:latin typeface="Consolas" panose="020B0609020204030204" pitchFamily="49" charset="0"/>
+              </a:rPr>
+              <a:t>executor</a:t>
+            </a:r>
+            <a:r>
+              <a:rPr lang="en-US" altLang="zh-CN" sz="1200" b="0" dirty="0">
+                <a:solidFill>
+                  <a:srgbClr val="3B3B3B"/>
+                </a:solidFill>
+                <a:effectLst/>
+                <a:highlight>
+                  <a:srgbClr val="FFFFFF"/>
+                </a:highlight>
+                <a:latin typeface="Consolas" panose="020B0609020204030204" pitchFamily="49" charset="0"/>
+              </a:rPr>
+              <a:t>, </a:t>
+            </a:r>
+            <a:r>
+              <a:rPr lang="en-US" altLang="zh-CN" sz="1200" b="0" dirty="0" err="1">
+                <a:solidFill>
+                  <a:srgbClr val="795E26"/>
+                </a:solidFill>
+                <a:effectLst/>
+                <a:highlight>
+                  <a:srgbClr val="FFFFFF"/>
+                </a:highlight>
+                <a:latin typeface="Consolas" panose="020B0609020204030204" pitchFamily="49" charset="0"/>
+              </a:rPr>
+              <a:t>func</a:t>
+            </a:r>
+            <a:r>
+              <a:rPr lang="en-US" altLang="zh-CN" sz="1200" b="0" dirty="0">
+                <a:solidFill>
+                  <a:srgbClr val="3B3B3B"/>
+                </a:solidFill>
+                <a:effectLst/>
+                <a:highlight>
+                  <a:srgbClr val="FFFFFF"/>
+                </a:highlight>
+                <a:latin typeface="Consolas" panose="020B0609020204030204" pitchFamily="49" charset="0"/>
+              </a:rPr>
+              <a:t>, </a:t>
+            </a:r>
+            <a:r>
+              <a:rPr lang="en-US" altLang="zh-CN" sz="1200" b="0" dirty="0">
+                <a:solidFill>
+                  <a:srgbClr val="001080"/>
+                </a:solidFill>
+                <a:effectLst/>
+                <a:highlight>
+                  <a:srgbClr val="FFFFFF"/>
+                </a:highlight>
+                <a:latin typeface="Consolas" panose="020B0609020204030204" pitchFamily="49" charset="0"/>
+              </a:rPr>
+              <a:t>name</a:t>
+            </a:r>
+            <a:r>
+              <a:rPr lang="en-US" altLang="zh-CN" sz="1200" b="0" dirty="0">
+                <a:solidFill>
+                  <a:srgbClr val="3B3B3B"/>
+                </a:solidFill>
+                <a:effectLst/>
+                <a:highlight>
+                  <a:srgbClr val="FFFFFF"/>
+                </a:highlight>
+                <a:latin typeface="Consolas" panose="020B0609020204030204" pitchFamily="49" charset="0"/>
+              </a:rPr>
+              <a:t>)</a:t>
+            </a:r>
+            <a:r>
+              <a:rPr lang="ja-JP" altLang="en-US" sz="1200" b="0" dirty="0">
+                <a:solidFill>
+                  <a:srgbClr val="3B3B3B"/>
+                </a:solidFill>
+                <a:effectLst/>
+                <a:highlight>
+                  <a:srgbClr val="FFFFFF"/>
+                </a:highlight>
+                <a:latin typeface="Consolas" panose="020B0609020204030204" pitchFamily="49" charset="0"/>
+              </a:rPr>
+              <a:t>　</a:t>
+            </a:r>
+            <a:r>
+              <a:rPr lang="en-US" altLang="ja-JP" sz="1200" b="1" dirty="0"/>
+              <a:t> </a:t>
+            </a:r>
+            <a:r>
+              <a:rPr lang="en-US" altLang="zh-CN" sz="1200" b="0" dirty="0">
+                <a:solidFill>
+                  <a:srgbClr val="008000"/>
+                </a:solidFill>
+                <a:effectLst/>
+                <a:highlight>
+                  <a:srgbClr val="FFFFFF"/>
+                </a:highlight>
+                <a:latin typeface="Consolas" panose="020B0609020204030204" pitchFamily="49" charset="0"/>
+              </a:rPr>
+              <a:t># </a:t>
+            </a:r>
+            <a:r>
+              <a:rPr lang="en-US" altLang="ja-JP" sz="1200" b="0" dirty="0">
+                <a:solidFill>
+                  <a:srgbClr val="008000"/>
+                </a:solidFill>
+                <a:effectLst/>
+                <a:highlight>
+                  <a:srgbClr val="FFFFFF"/>
+                </a:highlight>
+                <a:latin typeface="Consolas" panose="020B0609020204030204" pitchFamily="49" charset="0"/>
+              </a:rPr>
+              <a:t>await</a:t>
+            </a:r>
+            <a:r>
+              <a:rPr lang="ja-JP" altLang="en-US" sz="1200" b="0" dirty="0">
+                <a:solidFill>
+                  <a:srgbClr val="008000"/>
+                </a:solidFill>
+                <a:effectLst/>
+                <a:highlight>
+                  <a:srgbClr val="FFFFFF"/>
+                </a:highlight>
+                <a:latin typeface="Consolas" panose="020B0609020204030204" pitchFamily="49" charset="0"/>
+              </a:rPr>
+              <a:t>キーワード後の任務を終了するまで待つ</a:t>
+            </a:r>
+            <a:endParaRPr lang="en-US" altLang="zh-CN" sz="1200" b="0" dirty="0">
+              <a:solidFill>
+                <a:srgbClr val="3B3B3B"/>
+              </a:solidFill>
+              <a:effectLst/>
+              <a:highlight>
+                <a:srgbClr val="FFFFFF"/>
+              </a:highlight>
+              <a:latin typeface="Consolas" panose="020B0609020204030204" pitchFamily="49" charset="0"/>
+            </a:endParaRPr>
+          </a:p>
+          <a:p>
+            <a:r>
+              <a:rPr lang="en-US" altLang="zh-CN" sz="1200" b="0" dirty="0">
+                <a:solidFill>
+                  <a:srgbClr val="3B3B3B"/>
+                </a:solidFill>
+                <a:effectLst/>
+                <a:highlight>
+                  <a:srgbClr val="FFFFFF"/>
+                </a:highlight>
+                <a:latin typeface="Consolas" panose="020B0609020204030204" pitchFamily="49" charset="0"/>
+              </a:rPr>
+              <a:t>    </a:t>
+            </a:r>
+            <a:r>
+              <a:rPr lang="en-US" altLang="zh-CN" sz="1200" b="0" dirty="0">
+                <a:solidFill>
+                  <a:srgbClr val="795E26"/>
+                </a:solidFill>
+                <a:effectLst/>
+                <a:highlight>
+                  <a:srgbClr val="FFFFFF"/>
+                </a:highlight>
+                <a:latin typeface="Consolas" panose="020B0609020204030204" pitchFamily="49" charset="0"/>
+              </a:rPr>
+              <a:t>print</a:t>
+            </a:r>
+            <a:r>
+              <a:rPr lang="en-US" altLang="zh-CN" sz="1200" b="0" dirty="0">
+                <a:solidFill>
+                  <a:srgbClr val="3B3B3B"/>
+                </a:solidFill>
+                <a:effectLst/>
+                <a:highlight>
+                  <a:srgbClr val="FFFFFF"/>
+                </a:highlight>
+                <a:latin typeface="Consolas" panose="020B0609020204030204" pitchFamily="49" charset="0"/>
+              </a:rPr>
+              <a:t>(</a:t>
+            </a:r>
+            <a:r>
+              <a:rPr lang="en-US" altLang="zh-CN" sz="1200" b="0" dirty="0">
+                <a:solidFill>
+                  <a:srgbClr val="001080"/>
+                </a:solidFill>
+                <a:effectLst/>
+                <a:highlight>
+                  <a:srgbClr val="FFFFFF"/>
+                </a:highlight>
+                <a:latin typeface="Consolas" panose="020B0609020204030204" pitchFamily="49" charset="0"/>
+              </a:rPr>
+              <a:t>result</a:t>
+            </a:r>
+            <a:r>
+              <a:rPr lang="en-US" altLang="zh-CN" sz="1200" b="0" dirty="0">
+                <a:solidFill>
+                  <a:srgbClr val="3B3B3B"/>
+                </a:solidFill>
+                <a:effectLst/>
+                <a:highlight>
+                  <a:srgbClr val="FFFFFF"/>
+                </a:highlight>
+                <a:latin typeface="Consolas" panose="020B0609020204030204" pitchFamily="49" charset="0"/>
+              </a:rPr>
+              <a:t>)				</a:t>
+            </a:r>
+            <a:r>
+              <a:rPr lang="ja-JP" altLang="en-US" sz="1200" b="0" dirty="0">
+                <a:solidFill>
+                  <a:srgbClr val="3B3B3B"/>
+                </a:solidFill>
+                <a:effectLst/>
+                <a:highlight>
+                  <a:srgbClr val="FFFFFF"/>
+                </a:highlight>
+                <a:latin typeface="Consolas" panose="020B0609020204030204" pitchFamily="49" charset="0"/>
+              </a:rPr>
+              <a:t>　　　　　</a:t>
+            </a:r>
+            <a:r>
+              <a:rPr lang="en-US" altLang="zh-CN" sz="1200" b="0" dirty="0">
+                <a:solidFill>
+                  <a:srgbClr val="008000"/>
+                </a:solidFill>
+                <a:effectLst/>
+                <a:highlight>
+                  <a:srgbClr val="FFFFFF"/>
+                </a:highlight>
+                <a:latin typeface="Consolas" panose="020B0609020204030204" pitchFamily="49" charset="0"/>
+              </a:rPr>
+              <a:t>#</a:t>
+            </a:r>
+            <a:r>
+              <a:rPr lang="ja-JP" altLang="en-US" sz="1200" b="0" dirty="0">
+                <a:solidFill>
+                  <a:srgbClr val="008000"/>
+                </a:solidFill>
+                <a:effectLst/>
+                <a:highlight>
+                  <a:srgbClr val="FFFFFF"/>
+                </a:highlight>
+                <a:latin typeface="Consolas" panose="020B0609020204030204" pitchFamily="49" charset="0"/>
+              </a:rPr>
+              <a:t>　待つ間に他の処理ができる</a:t>
+            </a:r>
+            <a:endParaRPr lang="en-US" altLang="zh-CN" sz="1200" b="0" dirty="0">
+              <a:solidFill>
+                <a:srgbClr val="3B3B3B"/>
+              </a:solidFill>
+              <a:effectLst/>
+              <a:highlight>
+                <a:srgbClr val="FFFFFF"/>
+              </a:highlight>
+              <a:latin typeface="Consolas" panose="020B0609020204030204" pitchFamily="49" charset="0"/>
+            </a:endParaRPr>
+          </a:p>
+          <a:p>
             <a:br>
               <a:rPr lang="en-US" altLang="zh-CN" sz="1200" b="0" dirty="0">
                 <a:solidFill>
@@ -6779,6 +7653,420 @@
                 <a:latin typeface="Consolas" panose="020B0609020204030204" pitchFamily="49" charset="0"/>
               </a:rPr>
             </a:br>
+            <a:r>
+              <a:rPr lang="en-US" altLang="zh-CN" sz="1200" b="0" dirty="0">
+                <a:solidFill>
+                  <a:srgbClr val="AF00DB"/>
+                </a:solidFill>
+                <a:effectLst/>
+                <a:highlight>
+                  <a:srgbClr val="FFFFFF"/>
+                </a:highlight>
+                <a:latin typeface="Consolas" panose="020B0609020204030204" pitchFamily="49" charset="0"/>
+              </a:rPr>
+              <a:t>if</a:t>
+            </a:r>
+            <a:r>
+              <a:rPr lang="en-US" altLang="zh-CN" sz="1200" b="0" dirty="0">
+                <a:solidFill>
+                  <a:srgbClr val="3B3B3B"/>
+                </a:solidFill>
+                <a:effectLst/>
+                <a:highlight>
+                  <a:srgbClr val="FFFFFF"/>
+                </a:highlight>
+                <a:latin typeface="Consolas" panose="020B0609020204030204" pitchFamily="49" charset="0"/>
+              </a:rPr>
+              <a:t> </a:t>
+            </a:r>
+            <a:r>
+              <a:rPr lang="en-US" altLang="zh-CN" sz="1200" b="0" dirty="0">
+                <a:solidFill>
+                  <a:srgbClr val="001080"/>
+                </a:solidFill>
+                <a:effectLst/>
+                <a:highlight>
+                  <a:srgbClr val="FFFFFF"/>
+                </a:highlight>
+                <a:latin typeface="Consolas" panose="020B0609020204030204" pitchFamily="49" charset="0"/>
+              </a:rPr>
+              <a:t>__name__</a:t>
+            </a:r>
+            <a:r>
+              <a:rPr lang="en-US" altLang="zh-CN" sz="1200" b="0" dirty="0">
+                <a:solidFill>
+                  <a:srgbClr val="3B3B3B"/>
+                </a:solidFill>
+                <a:effectLst/>
+                <a:highlight>
+                  <a:srgbClr val="FFFFFF"/>
+                </a:highlight>
+                <a:latin typeface="Consolas" panose="020B0609020204030204" pitchFamily="49" charset="0"/>
+              </a:rPr>
+              <a:t> </a:t>
+            </a:r>
+            <a:r>
+              <a:rPr lang="en-US" altLang="zh-CN" sz="1200" b="0" dirty="0">
+                <a:solidFill>
+                  <a:srgbClr val="000000"/>
+                </a:solidFill>
+                <a:effectLst/>
+                <a:highlight>
+                  <a:srgbClr val="FFFFFF"/>
+                </a:highlight>
+                <a:latin typeface="Consolas" panose="020B0609020204030204" pitchFamily="49" charset="0"/>
+              </a:rPr>
+              <a:t>==</a:t>
+            </a:r>
+            <a:r>
+              <a:rPr lang="en-US" altLang="zh-CN" sz="1200" b="0" dirty="0">
+                <a:solidFill>
+                  <a:srgbClr val="3B3B3B"/>
+                </a:solidFill>
+                <a:effectLst/>
+                <a:highlight>
+                  <a:srgbClr val="FFFFFF"/>
+                </a:highlight>
+                <a:latin typeface="Consolas" panose="020B0609020204030204" pitchFamily="49" charset="0"/>
+              </a:rPr>
+              <a:t> </a:t>
+            </a:r>
+            <a:r>
+              <a:rPr lang="en-US" altLang="zh-CN" sz="1200" b="0" dirty="0">
+                <a:solidFill>
+                  <a:srgbClr val="A31515"/>
+                </a:solidFill>
+                <a:effectLst/>
+                <a:highlight>
+                  <a:srgbClr val="FFFFFF"/>
+                </a:highlight>
+                <a:latin typeface="Consolas" panose="020B0609020204030204" pitchFamily="49" charset="0"/>
+              </a:rPr>
+              <a:t>"__main__"</a:t>
+            </a:r>
+            <a:r>
+              <a:rPr lang="en-US" altLang="zh-CN" sz="1200" b="0" dirty="0">
+                <a:solidFill>
+                  <a:srgbClr val="3B3B3B"/>
+                </a:solidFill>
+                <a:effectLst/>
+                <a:highlight>
+                  <a:srgbClr val="FFFFFF"/>
+                </a:highlight>
+                <a:latin typeface="Consolas" panose="020B0609020204030204" pitchFamily="49" charset="0"/>
+              </a:rPr>
+              <a:t>:</a:t>
+            </a:r>
+          </a:p>
+          <a:p>
+            <a:r>
+              <a:rPr lang="en-US" altLang="zh-CN" sz="1200" b="0" dirty="0">
+                <a:solidFill>
+                  <a:srgbClr val="3B3B3B"/>
+                </a:solidFill>
+                <a:effectLst/>
+                <a:highlight>
+                  <a:srgbClr val="FFFFFF"/>
+                </a:highlight>
+                <a:latin typeface="Consolas" panose="020B0609020204030204" pitchFamily="49" charset="0"/>
+              </a:rPr>
+              <a:t>    </a:t>
+            </a:r>
+            <a:r>
+              <a:rPr lang="en-US" altLang="zh-CN" sz="1200" b="0" dirty="0">
+                <a:solidFill>
+                  <a:srgbClr val="001080"/>
+                </a:solidFill>
+                <a:effectLst/>
+                <a:highlight>
+                  <a:srgbClr val="FFFFFF"/>
+                </a:highlight>
+                <a:latin typeface="Consolas" panose="020B0609020204030204" pitchFamily="49" charset="0"/>
+              </a:rPr>
+              <a:t>start</a:t>
+            </a:r>
+            <a:r>
+              <a:rPr lang="en-US" altLang="zh-CN" sz="1200" b="0" dirty="0">
+                <a:solidFill>
+                  <a:srgbClr val="3B3B3B"/>
+                </a:solidFill>
+                <a:effectLst/>
+                <a:highlight>
+                  <a:srgbClr val="FFFFFF"/>
+                </a:highlight>
+                <a:latin typeface="Consolas" panose="020B0609020204030204" pitchFamily="49" charset="0"/>
+              </a:rPr>
+              <a:t> </a:t>
+            </a:r>
+            <a:r>
+              <a:rPr lang="en-US" altLang="zh-CN" sz="1200" b="0" dirty="0">
+                <a:solidFill>
+                  <a:srgbClr val="000000"/>
+                </a:solidFill>
+                <a:effectLst/>
+                <a:highlight>
+                  <a:srgbClr val="FFFFFF"/>
+                </a:highlight>
+                <a:latin typeface="Consolas" panose="020B0609020204030204" pitchFamily="49" charset="0"/>
+              </a:rPr>
+              <a:t>=</a:t>
+            </a:r>
+            <a:r>
+              <a:rPr lang="en-US" altLang="zh-CN" sz="1200" b="0" dirty="0">
+                <a:solidFill>
+                  <a:srgbClr val="3B3B3B"/>
+                </a:solidFill>
+                <a:effectLst/>
+                <a:highlight>
+                  <a:srgbClr val="FFFFFF"/>
+                </a:highlight>
+                <a:latin typeface="Consolas" panose="020B0609020204030204" pitchFamily="49" charset="0"/>
+              </a:rPr>
+              <a:t> </a:t>
+            </a:r>
+            <a:r>
+              <a:rPr lang="en-US" altLang="zh-CN" sz="1200" b="0" dirty="0" err="1">
+                <a:solidFill>
+                  <a:srgbClr val="267F99"/>
+                </a:solidFill>
+                <a:effectLst/>
+                <a:highlight>
+                  <a:srgbClr val="FFFFFF"/>
+                </a:highlight>
+                <a:latin typeface="Consolas" panose="020B0609020204030204" pitchFamily="49" charset="0"/>
+              </a:rPr>
+              <a:t>time</a:t>
+            </a:r>
+            <a:r>
+              <a:rPr lang="en-US" altLang="zh-CN" sz="1200" b="0" dirty="0" err="1">
+                <a:solidFill>
+                  <a:srgbClr val="3B3B3B"/>
+                </a:solidFill>
+                <a:effectLst/>
+                <a:highlight>
+                  <a:srgbClr val="FFFFFF"/>
+                </a:highlight>
+                <a:latin typeface="Consolas" panose="020B0609020204030204" pitchFamily="49" charset="0"/>
+              </a:rPr>
+              <a:t>.</a:t>
+            </a:r>
+            <a:r>
+              <a:rPr lang="en-US" altLang="zh-CN" sz="1200" b="0" dirty="0" err="1">
+                <a:solidFill>
+                  <a:srgbClr val="795E26"/>
+                </a:solidFill>
+                <a:effectLst/>
+                <a:highlight>
+                  <a:srgbClr val="FFFFFF"/>
+                </a:highlight>
+                <a:latin typeface="Consolas" panose="020B0609020204030204" pitchFamily="49" charset="0"/>
+              </a:rPr>
+              <a:t>time</a:t>
+            </a:r>
+            <a:r>
+              <a:rPr lang="en-US" altLang="zh-CN" sz="1200" b="0" dirty="0">
+                <a:solidFill>
+                  <a:srgbClr val="3B3B3B"/>
+                </a:solidFill>
+                <a:effectLst/>
+                <a:highlight>
+                  <a:srgbClr val="FFFFFF"/>
+                </a:highlight>
+                <a:latin typeface="Consolas" panose="020B0609020204030204" pitchFamily="49" charset="0"/>
+              </a:rPr>
+              <a:t>()		</a:t>
+            </a:r>
+            <a:r>
+              <a:rPr lang="en-US" altLang="zh-CN" sz="1200" b="0" dirty="0">
+                <a:solidFill>
+                  <a:srgbClr val="008000"/>
+                </a:solidFill>
+                <a:effectLst/>
+                <a:highlight>
+                  <a:srgbClr val="FFFFFF"/>
+                </a:highlight>
+                <a:latin typeface="Consolas" panose="020B0609020204030204" pitchFamily="49" charset="0"/>
+              </a:rPr>
+              <a:t> #</a:t>
+            </a:r>
+            <a:r>
+              <a:rPr lang="ja-JP" altLang="en-US" sz="1200" b="0" dirty="0">
+                <a:solidFill>
+                  <a:srgbClr val="008000"/>
+                </a:solidFill>
+                <a:effectLst/>
+                <a:highlight>
+                  <a:srgbClr val="FFFFFF"/>
+                </a:highlight>
+                <a:latin typeface="Consolas" panose="020B0609020204030204" pitchFamily="49" charset="0"/>
+              </a:rPr>
+              <a:t>　プログラムの開始時間</a:t>
+            </a:r>
+            <a:endParaRPr lang="en-US" altLang="zh-CN" sz="1200" b="0" dirty="0">
+              <a:solidFill>
+                <a:srgbClr val="3B3B3B"/>
+              </a:solidFill>
+              <a:effectLst/>
+              <a:highlight>
+                <a:srgbClr val="FFFFFF"/>
+              </a:highlight>
+              <a:latin typeface="Consolas" panose="020B0609020204030204" pitchFamily="49" charset="0"/>
+            </a:endParaRPr>
+          </a:p>
+          <a:p>
+            <a:r>
+              <a:rPr lang="en-US" altLang="zh-CN" sz="1200" b="0" dirty="0">
+                <a:solidFill>
+                  <a:srgbClr val="3B3B3B"/>
+                </a:solidFill>
+                <a:effectLst/>
+                <a:highlight>
+                  <a:srgbClr val="FFFFFF"/>
+                </a:highlight>
+                <a:latin typeface="Consolas" panose="020B0609020204030204" pitchFamily="49" charset="0"/>
+              </a:rPr>
+              <a:t>    </a:t>
+            </a:r>
+            <a:r>
+              <a:rPr lang="en-US" altLang="zh-CN" sz="1200" b="0" dirty="0">
+                <a:solidFill>
+                  <a:srgbClr val="001080"/>
+                </a:solidFill>
+                <a:effectLst/>
+                <a:highlight>
+                  <a:srgbClr val="FFFFFF"/>
+                </a:highlight>
+                <a:latin typeface="Consolas" panose="020B0609020204030204" pitchFamily="49" charset="0"/>
+              </a:rPr>
+              <a:t>loop</a:t>
+            </a:r>
+            <a:r>
+              <a:rPr lang="en-US" altLang="zh-CN" sz="1200" b="0" dirty="0">
+                <a:solidFill>
+                  <a:srgbClr val="3B3B3B"/>
+                </a:solidFill>
+                <a:effectLst/>
+                <a:highlight>
+                  <a:srgbClr val="FFFFFF"/>
+                </a:highlight>
+                <a:latin typeface="Consolas" panose="020B0609020204030204" pitchFamily="49" charset="0"/>
+              </a:rPr>
+              <a:t> </a:t>
+            </a:r>
+            <a:r>
+              <a:rPr lang="en-US" altLang="zh-CN" sz="1200" b="0" dirty="0">
+                <a:solidFill>
+                  <a:srgbClr val="000000"/>
+                </a:solidFill>
+                <a:effectLst/>
+                <a:highlight>
+                  <a:srgbClr val="FFFFFF"/>
+                </a:highlight>
+                <a:latin typeface="Consolas" panose="020B0609020204030204" pitchFamily="49" charset="0"/>
+              </a:rPr>
+              <a:t>=</a:t>
+            </a:r>
+            <a:r>
+              <a:rPr lang="en-US" altLang="zh-CN" sz="1200" b="0" dirty="0">
+                <a:solidFill>
+                  <a:srgbClr val="3B3B3B"/>
+                </a:solidFill>
+                <a:effectLst/>
+                <a:highlight>
+                  <a:srgbClr val="FFFFFF"/>
+                </a:highlight>
+                <a:latin typeface="Consolas" panose="020B0609020204030204" pitchFamily="49" charset="0"/>
+              </a:rPr>
+              <a:t> </a:t>
+            </a:r>
+            <a:r>
+              <a:rPr lang="en-US" altLang="zh-CN" sz="1200" b="0" dirty="0" err="1">
+                <a:solidFill>
+                  <a:srgbClr val="267F99"/>
+                </a:solidFill>
+                <a:effectLst/>
+                <a:highlight>
+                  <a:srgbClr val="FFFFFF"/>
+                </a:highlight>
+                <a:latin typeface="Consolas" panose="020B0609020204030204" pitchFamily="49" charset="0"/>
+              </a:rPr>
+              <a:t>asyncio</a:t>
+            </a:r>
+            <a:r>
+              <a:rPr lang="en-US" altLang="zh-CN" sz="1200" b="0" dirty="0" err="1">
+                <a:solidFill>
+                  <a:srgbClr val="3B3B3B"/>
+                </a:solidFill>
+                <a:effectLst/>
+                <a:highlight>
+                  <a:srgbClr val="FFFFFF"/>
+                </a:highlight>
+                <a:latin typeface="Consolas" panose="020B0609020204030204" pitchFamily="49" charset="0"/>
+              </a:rPr>
+              <a:t>.</a:t>
+            </a:r>
+            <a:r>
+              <a:rPr lang="en-US" altLang="zh-CN" sz="1200" b="0" dirty="0" err="1">
+                <a:solidFill>
+                  <a:srgbClr val="795E26"/>
+                </a:solidFill>
+                <a:effectLst/>
+                <a:highlight>
+                  <a:srgbClr val="FFFFFF"/>
+                </a:highlight>
+                <a:latin typeface="Consolas" panose="020B0609020204030204" pitchFamily="49" charset="0"/>
+              </a:rPr>
+              <a:t>get_event_loop</a:t>
+            </a:r>
+            <a:r>
+              <a:rPr lang="en-US" altLang="zh-CN" sz="1200" b="0" dirty="0">
+                <a:solidFill>
+                  <a:srgbClr val="3B3B3B"/>
+                </a:solidFill>
+                <a:effectLst/>
+                <a:highlight>
+                  <a:srgbClr val="FFFFFF"/>
+                </a:highlight>
+                <a:latin typeface="Consolas" panose="020B0609020204030204" pitchFamily="49" charset="0"/>
+              </a:rPr>
+              <a:t>()	</a:t>
+            </a:r>
+            <a:r>
+              <a:rPr lang="en-US" altLang="zh-CN" sz="1200" b="0" dirty="0">
+                <a:solidFill>
+                  <a:srgbClr val="008000"/>
+                </a:solidFill>
+                <a:effectLst/>
+                <a:highlight>
+                  <a:srgbClr val="FFFFFF"/>
+                </a:highlight>
+                <a:latin typeface="Consolas" panose="020B0609020204030204" pitchFamily="49" charset="0"/>
+              </a:rPr>
+              <a:t> #</a:t>
+            </a:r>
+            <a:r>
+              <a:rPr lang="ja-JP" altLang="en-US" sz="1200" dirty="0">
+                <a:solidFill>
+                  <a:srgbClr val="008000"/>
+                </a:solidFill>
+                <a:highlight>
+                  <a:srgbClr val="FFFFFF"/>
+                </a:highlight>
+                <a:latin typeface="Consolas" panose="020B0609020204030204" pitchFamily="49" charset="0"/>
+              </a:rPr>
+              <a:t>　イベントループを取得</a:t>
+            </a:r>
+            <a:endParaRPr lang="en-US" altLang="zh-CN" sz="1200" dirty="0">
+              <a:solidFill>
+                <a:srgbClr val="008000"/>
+              </a:solidFill>
+              <a:highlight>
+                <a:srgbClr val="FFFFFF"/>
+              </a:highlight>
+              <a:latin typeface="Consolas" panose="020B0609020204030204" pitchFamily="49" charset="0"/>
+            </a:endParaRPr>
+          </a:p>
+          <a:p>
             <a:br>
               <a:rPr lang="en-US" altLang="zh-CN" sz="1200" b="0" dirty="0">
                 <a:solidFill>
@@ -6794,19 +8082,6 @@
             <a:r>
               <a:rPr lang="en-US" altLang="zh-CN" sz="1200" b="0" dirty="0">
                 <a:solidFill>
-                  <a:srgbClr val="0000FF"/>
-                </a:solidFill>
-                <a:effectLst/>
-                <a:highlight>
-                  <a:srgbClr val="FFFFFF"/>
-                </a:highlight>
-                <a:latin typeface="Consolas" panose="020B0609020204030204" pitchFamily="49" charset="0"/>
-              </a:rPr>
-              <a:t>async</a:t>
-            </a:r>
-            <a:r>
-              <a:rPr lang="en-US" altLang="zh-CN" sz="1200" b="0" dirty="0">
-                <a:solidFill>
                   <a:srgbClr val="3B3B3B"/>
                 </a:solidFill>
                 <a:effectLst/>
@@ -6815,20 +8090,46 @@
                 </a:highlight>
                 <a:latin typeface="Consolas" panose="020B0609020204030204" pitchFamily="49" charset="0"/>
               </a:rPr>
+              <a:t>    </a:t>
+            </a:r>
+            <a:r>
+              <a:rPr lang="en-US" altLang="zh-CN" sz="1200" b="0" dirty="0">
+                <a:solidFill>
+                  <a:srgbClr val="001080"/>
+                </a:solidFill>
+                <a:effectLst/>
+                <a:highlight>
+                  <a:srgbClr val="FFFFFF"/>
+                </a:highlight>
+                <a:latin typeface="Consolas" panose="020B0609020204030204" pitchFamily="49" charset="0"/>
+              </a:rPr>
+              <a:t>tasks</a:t>
+            </a:r>
+            <a:r>
+              <a:rPr lang="en-US" altLang="zh-CN" sz="1200" b="0" dirty="0">
+                <a:solidFill>
+                  <a:srgbClr val="3B3B3B"/>
+                </a:solidFill>
+                <a:effectLst/>
+                <a:highlight>
+                  <a:srgbClr val="FFFFFF"/>
+                </a:highlight>
+                <a:latin typeface="Consolas" panose="020B0609020204030204" pitchFamily="49" charset="0"/>
+              </a:rPr>
               <a:t> </a:t>
             </a:r>
             <a:r>
               <a:rPr lang="en-US" altLang="zh-CN" sz="1200" b="0" dirty="0">
                 <a:solidFill>
-                  <a:srgbClr val="0000FF"/>
-                </a:solidFill>
-                <a:effectLst/>
-                <a:highlight>
-                  <a:srgbClr val="FFFFFF"/>
-                </a:highlight>
-                <a:latin typeface="Consolas" panose="020B0609020204030204" pitchFamily="49" charset="0"/>
-              </a:rPr>
-              <a:t>def</a:t>
+                  <a:srgbClr val="000000"/>
+                </a:solidFill>
+                <a:effectLst/>
+                <a:highlight>
+                  <a:srgbClr val="FFFFFF"/>
+                </a:highlight>
+                <a:latin typeface="Consolas" panose="020B0609020204030204" pitchFamily="49" charset="0"/>
+              </a:rPr>
+              <a:t>=</a:t>
             </a:r>
             <a:r>
               <a:rPr lang="en-US" altLang="zh-CN" sz="1200" b="0" dirty="0">
@@ -6841,20 +8142,920 @@
                 </a:highlight>
                 <a:latin typeface="Consolas" panose="020B0609020204030204" pitchFamily="49" charset="0"/>
               </a:rPr>
+              <a:t> [</a:t>
+            </a:r>
+          </a:p>
+          <a:p>
+            <a:r>
+              <a:rPr lang="en-US" altLang="zh-CN" sz="1200" b="0" dirty="0">
+                <a:solidFill>
+                  <a:srgbClr val="3B3B3B"/>
+                </a:solidFill>
+                <a:effectLst/>
+                <a:highlight>
+                  <a:srgbClr val="FFFFFF"/>
+                </a:highlight>
+                <a:latin typeface="Consolas" panose="020B0609020204030204" pitchFamily="49" charset="0"/>
+              </a:rPr>
+              <a:t>        </a:t>
+            </a:r>
+            <a:r>
+              <a:rPr lang="en-US" altLang="zh-CN" sz="1200" b="0" dirty="0" err="1">
+                <a:solidFill>
+                  <a:srgbClr val="001080"/>
+                </a:solidFill>
+                <a:effectLst/>
+                <a:highlight>
+                  <a:srgbClr val="FFFFFF"/>
+                </a:highlight>
+                <a:latin typeface="Consolas" panose="020B0609020204030204" pitchFamily="49" charset="0"/>
+              </a:rPr>
+              <a:t>loop</a:t>
+            </a:r>
+            <a:r>
+              <a:rPr lang="en-US" altLang="zh-CN" sz="1200" b="0" dirty="0" err="1">
+                <a:solidFill>
+                  <a:srgbClr val="3B3B3B"/>
+                </a:solidFill>
+                <a:effectLst/>
+                <a:highlight>
+                  <a:srgbClr val="FFFFFF"/>
+                </a:highlight>
+                <a:latin typeface="Consolas" panose="020B0609020204030204" pitchFamily="49" charset="0"/>
+              </a:rPr>
+              <a:t>.</a:t>
+            </a:r>
+            <a:r>
+              <a:rPr lang="en-US" altLang="zh-CN" sz="1200" b="0" dirty="0" err="1">
+                <a:solidFill>
+                  <a:srgbClr val="795E26"/>
+                </a:solidFill>
+                <a:effectLst/>
+                <a:highlight>
+                  <a:srgbClr val="FFFFFF"/>
+                </a:highlight>
+                <a:latin typeface="Consolas" panose="020B0609020204030204" pitchFamily="49" charset="0"/>
+              </a:rPr>
+              <a:t>create_task</a:t>
+            </a:r>
+            <a:r>
+              <a:rPr lang="en-US" altLang="zh-CN" sz="1200" b="0" dirty="0">
+                <a:solidFill>
+                  <a:srgbClr val="3B3B3B"/>
+                </a:solidFill>
+                <a:effectLst/>
+                <a:highlight>
+                  <a:srgbClr val="FFFFFF"/>
+                </a:highlight>
+                <a:latin typeface="Consolas" panose="020B0609020204030204" pitchFamily="49" charset="0"/>
+              </a:rPr>
+              <a:t>(</a:t>
+            </a:r>
+            <a:r>
+              <a:rPr lang="en-US" altLang="zh-CN" sz="1200" b="0" dirty="0">
+                <a:solidFill>
+                  <a:srgbClr val="795E26"/>
+                </a:solidFill>
+                <a:effectLst/>
+                <a:highlight>
+                  <a:srgbClr val="FFFFFF"/>
+                </a:highlight>
+                <a:latin typeface="Consolas" panose="020B0609020204030204" pitchFamily="49" charset="0"/>
+              </a:rPr>
+              <a:t>main</a:t>
+            </a:r>
+            <a:r>
+              <a:rPr lang="en-US" altLang="zh-CN" sz="1200" b="0" dirty="0">
+                <a:solidFill>
+                  <a:srgbClr val="3B3B3B"/>
+                </a:solidFill>
+                <a:effectLst/>
+                <a:highlight>
+                  <a:srgbClr val="FFFFFF"/>
+                </a:highlight>
+                <a:latin typeface="Consolas" panose="020B0609020204030204" pitchFamily="49" charset="0"/>
+              </a:rPr>
+              <a:t>(</a:t>
+            </a:r>
+            <a:r>
+              <a:rPr lang="en-US" altLang="zh-CN" sz="1200" b="0" dirty="0">
+                <a:solidFill>
+                  <a:srgbClr val="001080"/>
+                </a:solidFill>
+                <a:effectLst/>
+                <a:highlight>
+                  <a:srgbClr val="FFFFFF"/>
+                </a:highlight>
+                <a:latin typeface="Consolas" panose="020B0609020204030204" pitchFamily="49" charset="0"/>
+              </a:rPr>
+              <a:t>loop</a:t>
+            </a:r>
+            <a:r>
+              <a:rPr lang="en-US" altLang="zh-CN" sz="1200" b="0" dirty="0">
+                <a:solidFill>
+                  <a:srgbClr val="3B3B3B"/>
+                </a:solidFill>
+                <a:effectLst/>
+                <a:highlight>
+                  <a:srgbClr val="FFFFFF"/>
+                </a:highlight>
+                <a:latin typeface="Consolas" panose="020B0609020204030204" pitchFamily="49" charset="0"/>
+              </a:rPr>
+              <a:t>, </a:t>
+            </a:r>
+            <a:r>
+              <a:rPr lang="en-US" altLang="zh-CN" sz="1200" b="0" dirty="0">
+                <a:solidFill>
+                  <a:srgbClr val="A31515"/>
+                </a:solidFill>
+                <a:effectLst/>
+                <a:highlight>
+                  <a:srgbClr val="FFFFFF"/>
+                </a:highlight>
+                <a:latin typeface="Consolas" panose="020B0609020204030204" pitchFamily="49" charset="0"/>
+              </a:rPr>
+              <a:t>‘jack’</a:t>
+            </a:r>
+            <a:r>
+              <a:rPr lang="en-US" altLang="zh-CN" sz="1200" b="0" dirty="0">
+                <a:solidFill>
+                  <a:srgbClr val="3B3B3B"/>
+                </a:solidFill>
+                <a:effectLst/>
+                <a:highlight>
+                  <a:srgbClr val="FFFFFF"/>
+                </a:highlight>
+                <a:latin typeface="Consolas" panose="020B0609020204030204" pitchFamily="49" charset="0"/>
+              </a:rPr>
+              <a:t>)), </a:t>
+            </a:r>
+            <a:r>
+              <a:rPr lang="en-US" altLang="zh-CN" sz="1200" b="0" dirty="0">
+                <a:solidFill>
+                  <a:srgbClr val="008000"/>
+                </a:solidFill>
+                <a:effectLst/>
+                <a:highlight>
+                  <a:srgbClr val="FFFFFF"/>
+                </a:highlight>
+                <a:latin typeface="Consolas" panose="020B0609020204030204" pitchFamily="49" charset="0"/>
+              </a:rPr>
+              <a:t>#loop.creat_task()</a:t>
+            </a:r>
+            <a:r>
+              <a:rPr lang="ja-JP" altLang="en-US" sz="1200" b="0" dirty="0">
+                <a:solidFill>
+                  <a:srgbClr val="008000"/>
+                </a:solidFill>
+                <a:effectLst/>
+                <a:highlight>
+                  <a:srgbClr val="FFFFFF"/>
+                </a:highlight>
+                <a:latin typeface="Consolas" panose="020B0609020204030204" pitchFamily="49" charset="0"/>
+              </a:rPr>
+              <a:t>は</a:t>
+            </a:r>
+            <a:r>
+              <a:rPr lang="en-US" altLang="ja-JP" sz="1200" b="0" dirty="0">
+                <a:solidFill>
+                  <a:srgbClr val="008000"/>
+                </a:solidFill>
+                <a:effectLst/>
+                <a:highlight>
+                  <a:srgbClr val="FFFFFF"/>
+                </a:highlight>
+                <a:latin typeface="Consolas" panose="020B0609020204030204" pitchFamily="49" charset="0"/>
+              </a:rPr>
+              <a:t>coroutine object</a:t>
+            </a:r>
+            <a:r>
+              <a:rPr lang="ja-JP" altLang="en-US" sz="1200" b="0" dirty="0">
+                <a:solidFill>
+                  <a:srgbClr val="008000"/>
+                </a:solidFill>
+                <a:effectLst/>
+                <a:highlight>
+                  <a:srgbClr val="FFFFFF"/>
+                </a:highlight>
+                <a:latin typeface="Consolas" panose="020B0609020204030204" pitchFamily="49" charset="0"/>
+              </a:rPr>
+              <a:t>を</a:t>
+            </a:r>
+            <a:r>
+              <a:rPr lang="en-US" altLang="ja-JP" sz="1200" b="0" dirty="0">
+                <a:solidFill>
+                  <a:srgbClr val="008000"/>
+                </a:solidFill>
+                <a:effectLst/>
+                <a:highlight>
+                  <a:srgbClr val="FFFFFF"/>
+                </a:highlight>
+                <a:latin typeface="Consolas" panose="020B0609020204030204" pitchFamily="49" charset="0"/>
+              </a:rPr>
+              <a:t>task object</a:t>
+            </a:r>
+            <a:r>
+              <a:rPr lang="ja-JP" altLang="en-US" sz="1200" b="0" dirty="0">
+                <a:solidFill>
+                  <a:srgbClr val="008000"/>
+                </a:solidFill>
+                <a:effectLst/>
+                <a:highlight>
+                  <a:srgbClr val="FFFFFF"/>
+                </a:highlight>
+                <a:latin typeface="Consolas" panose="020B0609020204030204" pitchFamily="49" charset="0"/>
+              </a:rPr>
+              <a:t>に変換</a:t>
+            </a:r>
+            <a:endParaRPr lang="en-US" altLang="zh-CN" sz="1200" b="0" dirty="0">
+              <a:solidFill>
+                <a:srgbClr val="3B3B3B"/>
+              </a:solidFill>
+              <a:effectLst/>
+              <a:highlight>
+                <a:srgbClr val="FFFFFF"/>
+              </a:highlight>
+              <a:latin typeface="Consolas" panose="020B0609020204030204" pitchFamily="49" charset="0"/>
+            </a:endParaRPr>
+          </a:p>
+          <a:p>
+            <a:r>
+              <a:rPr lang="en-US" altLang="zh-CN" sz="1200" b="0" dirty="0">
+                <a:solidFill>
+                  <a:srgbClr val="3B3B3B"/>
+                </a:solidFill>
+                <a:effectLst/>
+                <a:highlight>
+                  <a:srgbClr val="FFFFFF"/>
+                </a:highlight>
+                <a:latin typeface="Consolas" panose="020B0609020204030204" pitchFamily="49" charset="0"/>
+              </a:rPr>
+              <a:t>        </a:t>
+            </a:r>
+            <a:r>
+              <a:rPr lang="en-US" altLang="zh-CN" sz="1200" b="0" dirty="0" err="1">
+                <a:solidFill>
+                  <a:srgbClr val="001080"/>
+                </a:solidFill>
+                <a:effectLst/>
+                <a:highlight>
+                  <a:srgbClr val="FFFFFF"/>
+                </a:highlight>
+                <a:latin typeface="Consolas" panose="020B0609020204030204" pitchFamily="49" charset="0"/>
+              </a:rPr>
+              <a:t>loop</a:t>
+            </a:r>
+            <a:r>
+              <a:rPr lang="en-US" altLang="zh-CN" sz="1200" b="0" dirty="0" err="1">
+                <a:solidFill>
+                  <a:srgbClr val="3B3B3B"/>
+                </a:solidFill>
+                <a:effectLst/>
+                <a:highlight>
+                  <a:srgbClr val="FFFFFF"/>
+                </a:highlight>
+                <a:latin typeface="Consolas" panose="020B0609020204030204" pitchFamily="49" charset="0"/>
+              </a:rPr>
+              <a:t>.</a:t>
+            </a:r>
+            <a:r>
+              <a:rPr lang="en-US" altLang="zh-CN" sz="1200" b="0" dirty="0" err="1">
+                <a:solidFill>
+                  <a:srgbClr val="795E26"/>
+                </a:solidFill>
+                <a:effectLst/>
+                <a:highlight>
+                  <a:srgbClr val="FFFFFF"/>
+                </a:highlight>
+                <a:latin typeface="Consolas" panose="020B0609020204030204" pitchFamily="49" charset="0"/>
+              </a:rPr>
+              <a:t>create_task</a:t>
+            </a:r>
+            <a:r>
+              <a:rPr lang="en-US" altLang="zh-CN" sz="1200" b="0" dirty="0">
+                <a:solidFill>
+                  <a:srgbClr val="3B3B3B"/>
+                </a:solidFill>
+                <a:effectLst/>
+                <a:highlight>
+                  <a:srgbClr val="FFFFFF"/>
+                </a:highlight>
+                <a:latin typeface="Consolas" panose="020B0609020204030204" pitchFamily="49" charset="0"/>
+              </a:rPr>
+              <a:t>(</a:t>
+            </a:r>
+            <a:r>
+              <a:rPr lang="en-US" altLang="zh-CN" sz="1200" b="0" dirty="0">
+                <a:solidFill>
+                  <a:srgbClr val="795E26"/>
+                </a:solidFill>
+                <a:effectLst/>
+                <a:highlight>
+                  <a:srgbClr val="FFFFFF"/>
+                </a:highlight>
+                <a:latin typeface="Consolas" panose="020B0609020204030204" pitchFamily="49" charset="0"/>
+              </a:rPr>
+              <a:t>main</a:t>
+            </a:r>
+            <a:r>
+              <a:rPr lang="en-US" altLang="zh-CN" sz="1200" b="0" dirty="0">
+                <a:solidFill>
+                  <a:srgbClr val="3B3B3B"/>
+                </a:solidFill>
+                <a:effectLst/>
+                <a:highlight>
+                  <a:srgbClr val="FFFFFF"/>
+                </a:highlight>
+                <a:latin typeface="Consolas" panose="020B0609020204030204" pitchFamily="49" charset="0"/>
+              </a:rPr>
+              <a:t>(</a:t>
+            </a:r>
+            <a:r>
+              <a:rPr lang="en-US" altLang="zh-CN" sz="1200" b="0" dirty="0">
+                <a:solidFill>
+                  <a:srgbClr val="001080"/>
+                </a:solidFill>
+                <a:effectLst/>
+                <a:highlight>
+                  <a:srgbClr val="FFFFFF"/>
+                </a:highlight>
+                <a:latin typeface="Consolas" panose="020B0609020204030204" pitchFamily="49" charset="0"/>
+              </a:rPr>
+              <a:t>loop</a:t>
+            </a:r>
+            <a:r>
+              <a:rPr lang="en-US" altLang="zh-CN" sz="1200" b="0" dirty="0">
+                <a:solidFill>
+                  <a:srgbClr val="3B3B3B"/>
+                </a:solidFill>
+                <a:effectLst/>
+                <a:highlight>
+                  <a:srgbClr val="FFFFFF"/>
+                </a:highlight>
+                <a:latin typeface="Consolas" panose="020B0609020204030204" pitchFamily="49" charset="0"/>
+              </a:rPr>
+              <a:t>, </a:t>
+            </a:r>
+            <a:r>
+              <a:rPr lang="en-US" altLang="zh-CN" sz="1200" b="0" dirty="0">
+                <a:solidFill>
+                  <a:srgbClr val="A31515"/>
+                </a:solidFill>
+                <a:effectLst/>
+                <a:highlight>
+                  <a:srgbClr val="FFFFFF"/>
+                </a:highlight>
+                <a:latin typeface="Consolas" panose="020B0609020204030204" pitchFamily="49" charset="0"/>
+              </a:rPr>
+              <a:t>'rose'</a:t>
+            </a:r>
+            <a:r>
+              <a:rPr lang="en-US" altLang="zh-CN" sz="1200" b="0" dirty="0">
+                <a:solidFill>
+                  <a:srgbClr val="3B3B3B"/>
+                </a:solidFill>
+                <a:effectLst/>
+                <a:highlight>
+                  <a:srgbClr val="FFFFFF"/>
+                </a:highlight>
+                <a:latin typeface="Consolas" panose="020B0609020204030204" pitchFamily="49" charset="0"/>
+              </a:rPr>
+              <a:t>))</a:t>
+            </a:r>
+          </a:p>
+          <a:p>
+            <a:r>
+              <a:rPr lang="en-US" altLang="zh-CN" sz="1200" b="0" dirty="0">
+                <a:solidFill>
+                  <a:srgbClr val="3B3B3B"/>
+                </a:solidFill>
+                <a:effectLst/>
+                <a:highlight>
+                  <a:srgbClr val="FFFFFF"/>
+                </a:highlight>
+                <a:latin typeface="Consolas" panose="020B0609020204030204" pitchFamily="49" charset="0"/>
+              </a:rPr>
+              <a:t>    ]</a:t>
+            </a:r>
+          </a:p>
+          <a:p>
+            <a:br>
+              <a:rPr lang="en-US" altLang="zh-CN" sz="1200" b="0" dirty="0">
+                <a:solidFill>
+                  <a:srgbClr val="3B3B3B"/>
+                </a:solidFill>
+                <a:effectLst/>
+                <a:highlight>
+                  <a:srgbClr val="FFFFFF"/>
+                </a:highlight>
+                <a:latin typeface="Consolas" panose="020B0609020204030204" pitchFamily="49" charset="0"/>
+              </a:rPr>
+            </a:br>
+            <a:r>
+              <a:rPr lang="en-US" altLang="zh-CN" sz="1200" b="0" dirty="0">
+                <a:solidFill>
+                  <a:srgbClr val="3B3B3B"/>
+                </a:solidFill>
+                <a:effectLst/>
+                <a:highlight>
+                  <a:srgbClr val="FFFFFF"/>
+                </a:highlight>
+                <a:latin typeface="Consolas" panose="020B0609020204030204" pitchFamily="49" charset="0"/>
+              </a:rPr>
+              <a:t>    </a:t>
+            </a:r>
+            <a:r>
+              <a:rPr lang="en-US" altLang="zh-CN" sz="1200" b="0" dirty="0" err="1">
+                <a:solidFill>
+                  <a:srgbClr val="001080"/>
+                </a:solidFill>
+                <a:effectLst/>
+                <a:highlight>
+                  <a:srgbClr val="FFFFFF"/>
+                </a:highlight>
+                <a:latin typeface="Consolas" panose="020B0609020204030204" pitchFamily="49" charset="0"/>
+              </a:rPr>
+              <a:t>loop</a:t>
+            </a:r>
+            <a:r>
+              <a:rPr lang="en-US" altLang="zh-CN" sz="1200" b="0" dirty="0" err="1">
+                <a:solidFill>
+                  <a:srgbClr val="3B3B3B"/>
+                </a:solidFill>
+                <a:effectLst/>
+                <a:highlight>
+                  <a:srgbClr val="FFFFFF"/>
+                </a:highlight>
+                <a:latin typeface="Consolas" panose="020B0609020204030204" pitchFamily="49" charset="0"/>
+              </a:rPr>
+              <a:t>.</a:t>
+            </a:r>
+            <a:r>
+              <a:rPr lang="en-US" altLang="zh-CN" sz="1200" b="0" dirty="0" err="1">
+                <a:solidFill>
+                  <a:srgbClr val="795E26"/>
+                </a:solidFill>
+                <a:effectLst/>
+                <a:highlight>
+                  <a:srgbClr val="FFFFFF"/>
+                </a:highlight>
+                <a:latin typeface="Consolas" panose="020B0609020204030204" pitchFamily="49" charset="0"/>
+              </a:rPr>
+              <a:t>run_until_complete</a:t>
+            </a:r>
+            <a:r>
+              <a:rPr lang="en-US" altLang="zh-CN" sz="1200" b="0" dirty="0">
+                <a:solidFill>
+                  <a:srgbClr val="3B3B3B"/>
+                </a:solidFill>
+                <a:effectLst/>
+                <a:highlight>
+                  <a:srgbClr val="FFFFFF"/>
+                </a:highlight>
+                <a:latin typeface="Consolas" panose="020B0609020204030204" pitchFamily="49" charset="0"/>
+              </a:rPr>
+              <a:t>(</a:t>
+            </a:r>
+            <a:r>
+              <a:rPr lang="en-US" altLang="zh-CN" sz="1200" b="0" dirty="0" err="1">
+                <a:solidFill>
+                  <a:srgbClr val="267F99"/>
+                </a:solidFill>
+                <a:effectLst/>
+                <a:highlight>
+                  <a:srgbClr val="FFFFFF"/>
+                </a:highlight>
+                <a:latin typeface="Consolas" panose="020B0609020204030204" pitchFamily="49" charset="0"/>
+              </a:rPr>
+              <a:t>asyncio</a:t>
+            </a:r>
+            <a:r>
+              <a:rPr lang="en-US" altLang="zh-CN" sz="1200" b="0" dirty="0" err="1">
+                <a:solidFill>
+                  <a:srgbClr val="3B3B3B"/>
+                </a:solidFill>
+                <a:effectLst/>
+                <a:highlight>
+                  <a:srgbClr val="FFFFFF"/>
+                </a:highlight>
+                <a:latin typeface="Consolas" panose="020B0609020204030204" pitchFamily="49" charset="0"/>
+              </a:rPr>
+              <a:t>.</a:t>
+            </a:r>
+            <a:r>
+              <a:rPr lang="en-US" altLang="zh-CN" sz="1200" b="0" dirty="0" err="1">
+                <a:solidFill>
+                  <a:srgbClr val="795E26"/>
+                </a:solidFill>
+                <a:effectLst/>
+                <a:highlight>
+                  <a:srgbClr val="FFFFFF"/>
+                </a:highlight>
+                <a:latin typeface="Consolas" panose="020B0609020204030204" pitchFamily="49" charset="0"/>
+              </a:rPr>
+              <a:t>gather</a:t>
+            </a:r>
+            <a:r>
+              <a:rPr lang="en-US" altLang="zh-CN" sz="1200" b="0" dirty="0">
+                <a:solidFill>
+                  <a:srgbClr val="3B3B3B"/>
+                </a:solidFill>
+                <a:effectLst/>
+                <a:highlight>
+                  <a:srgbClr val="FFFFFF"/>
+                </a:highlight>
+                <a:latin typeface="Consolas" panose="020B0609020204030204" pitchFamily="49" charset="0"/>
+              </a:rPr>
+              <a:t>(</a:t>
+            </a:r>
+            <a:r>
+              <a:rPr lang="en-US" altLang="zh-CN" sz="1200" b="0" dirty="0">
+                <a:solidFill>
+                  <a:srgbClr val="000000"/>
+                </a:solidFill>
+                <a:effectLst/>
+                <a:highlight>
+                  <a:srgbClr val="FFFFFF"/>
+                </a:highlight>
+                <a:latin typeface="Consolas" panose="020B0609020204030204" pitchFamily="49" charset="0"/>
+              </a:rPr>
+              <a:t>*</a:t>
+            </a:r>
+            <a:r>
+              <a:rPr lang="en-US" altLang="zh-CN" sz="1200" b="0" dirty="0">
+                <a:solidFill>
+                  <a:srgbClr val="001080"/>
+                </a:solidFill>
+                <a:effectLst/>
+                <a:highlight>
+                  <a:srgbClr val="FFFFFF"/>
+                </a:highlight>
+                <a:latin typeface="Consolas" panose="020B0609020204030204" pitchFamily="49" charset="0"/>
+              </a:rPr>
+              <a:t>tasks</a:t>
+            </a:r>
+            <a:r>
+              <a:rPr lang="en-US" altLang="zh-CN" sz="1200" b="0" dirty="0">
+                <a:solidFill>
+                  <a:srgbClr val="3B3B3B"/>
+                </a:solidFill>
+                <a:effectLst/>
+                <a:highlight>
+                  <a:srgbClr val="FFFFFF"/>
+                </a:highlight>
+                <a:latin typeface="Consolas" panose="020B0609020204030204" pitchFamily="49" charset="0"/>
+              </a:rPr>
+              <a:t>))</a:t>
+            </a:r>
+            <a:r>
+              <a:rPr lang="ja-JP" altLang="en-US" sz="1200" b="0" dirty="0">
+                <a:solidFill>
+                  <a:srgbClr val="3B3B3B"/>
+                </a:solidFill>
+                <a:effectLst/>
+                <a:highlight>
+                  <a:srgbClr val="FFFFFF"/>
+                </a:highlight>
+                <a:latin typeface="Consolas" panose="020B0609020204030204" pitchFamily="49" charset="0"/>
+              </a:rPr>
+              <a:t>　</a:t>
+            </a:r>
+            <a:r>
+              <a:rPr lang="en-US" altLang="zh-CN" sz="1200" b="0" dirty="0">
+                <a:solidFill>
+                  <a:srgbClr val="008000"/>
+                </a:solidFill>
+                <a:effectLst/>
+                <a:highlight>
+                  <a:srgbClr val="FFFFFF"/>
+                </a:highlight>
+                <a:latin typeface="Consolas" panose="020B0609020204030204" pitchFamily="49" charset="0"/>
+              </a:rPr>
+              <a:t> #</a:t>
+            </a:r>
+            <a:r>
+              <a:rPr lang="ja-JP" altLang="en-US" sz="1200" b="0" dirty="0">
+                <a:solidFill>
+                  <a:srgbClr val="008000"/>
+                </a:solidFill>
+                <a:effectLst/>
+                <a:highlight>
+                  <a:srgbClr val="FFFFFF"/>
+                </a:highlight>
+                <a:latin typeface="Consolas" panose="020B0609020204030204" pitchFamily="49" charset="0"/>
+              </a:rPr>
+              <a:t>　リストをアンパックして</a:t>
+            </a:r>
+            <a:r>
+              <a:rPr lang="en-US" altLang="ja-JP" sz="1200" b="0" dirty="0" err="1">
+                <a:solidFill>
+                  <a:srgbClr val="008000"/>
+                </a:solidFill>
+                <a:effectLst/>
+                <a:highlight>
+                  <a:srgbClr val="FFFFFF"/>
+                </a:highlight>
+                <a:latin typeface="Consolas" panose="020B0609020204030204" pitchFamily="49" charset="0"/>
+              </a:rPr>
+              <a:t>asyncio.gather</a:t>
+            </a:r>
+            <a:r>
+              <a:rPr lang="en-US" altLang="ja-JP" sz="1200" b="0" dirty="0">
+                <a:solidFill>
+                  <a:srgbClr val="008000"/>
+                </a:solidFill>
+                <a:effectLst/>
+                <a:highlight>
+                  <a:srgbClr val="FFFFFF"/>
+                </a:highlight>
+                <a:latin typeface="Consolas" panose="020B0609020204030204" pitchFamily="49" charset="0"/>
+              </a:rPr>
+              <a:t>()</a:t>
+            </a:r>
+            <a:r>
+              <a:rPr lang="ja-JP" altLang="en-US" sz="1200" b="0" dirty="0">
+                <a:solidFill>
+                  <a:srgbClr val="008000"/>
+                </a:solidFill>
+                <a:effectLst/>
+                <a:highlight>
+                  <a:srgbClr val="FFFFFF"/>
+                </a:highlight>
+                <a:latin typeface="Consolas" panose="020B0609020204030204" pitchFamily="49" charset="0"/>
+              </a:rPr>
+              <a:t>に渡して</a:t>
+            </a:r>
+            <a:endParaRPr lang="en-US" altLang="zh-CN" sz="1200" b="0" dirty="0">
+              <a:solidFill>
+                <a:srgbClr val="3B3B3B"/>
+              </a:solidFill>
+              <a:effectLst/>
+              <a:highlight>
+                <a:srgbClr val="FFFFFF"/>
+              </a:highlight>
+              <a:latin typeface="Consolas" panose="020B0609020204030204" pitchFamily="49" charset="0"/>
+            </a:endParaRPr>
+          </a:p>
+          <a:p>
+            <a:r>
+              <a:rPr lang="en-US" altLang="zh-CN" sz="1200" b="0" dirty="0">
+                <a:solidFill>
+                  <a:srgbClr val="3B3B3B"/>
+                </a:solidFill>
+                <a:effectLst/>
+                <a:highlight>
+                  <a:srgbClr val="FFFFFF"/>
+                </a:highlight>
+                <a:latin typeface="Consolas" panose="020B0609020204030204" pitchFamily="49" charset="0"/>
+              </a:rPr>
+              <a:t>				</a:t>
+            </a:r>
+            <a:r>
+              <a:rPr lang="ja-JP" altLang="en-US" sz="1200" dirty="0">
+                <a:solidFill>
+                  <a:srgbClr val="3B3B3B"/>
+                </a:solidFill>
+                <a:highlight>
+                  <a:srgbClr val="FFFFFF"/>
+                </a:highlight>
+                <a:latin typeface="Consolas" panose="020B0609020204030204" pitchFamily="49" charset="0"/>
+              </a:rPr>
+              <a:t>　　　　　　</a:t>
+            </a:r>
+            <a:r>
+              <a:rPr lang="en-US" altLang="zh-CN" sz="1200" b="0" dirty="0">
+                <a:solidFill>
+                  <a:srgbClr val="008000"/>
+                </a:solidFill>
+                <a:effectLst/>
+                <a:highlight>
+                  <a:srgbClr val="FFFFFF"/>
+                </a:highlight>
+                <a:latin typeface="Consolas" panose="020B0609020204030204" pitchFamily="49" charset="0"/>
+              </a:rPr>
+              <a:t>#</a:t>
+            </a:r>
+            <a:r>
+              <a:rPr lang="ja-JP" altLang="en-US" sz="1200" b="0" dirty="0">
+                <a:solidFill>
+                  <a:srgbClr val="008000"/>
+                </a:solidFill>
+                <a:effectLst/>
+                <a:highlight>
+                  <a:srgbClr val="FFFFFF"/>
+                </a:highlight>
+                <a:latin typeface="Consolas" panose="020B0609020204030204" pitchFamily="49" charset="0"/>
+              </a:rPr>
+              <a:t>　タスクをイベントループに登録できる</a:t>
+            </a:r>
+            <a:br>
+              <a:rPr lang="en-US" altLang="zh-CN" sz="1200" b="0" dirty="0">
+                <a:solidFill>
+                  <a:srgbClr val="3B3B3B"/>
+                </a:solidFill>
+                <a:effectLst/>
+                <a:highlight>
+                  <a:srgbClr val="FFFFFF"/>
+                </a:highlight>
+                <a:latin typeface="Consolas" panose="020B0609020204030204" pitchFamily="49" charset="0"/>
+              </a:rPr>
+            </a:br>
+            <a:r>
+              <a:rPr lang="en-US" altLang="zh-CN" sz="1200" b="0" dirty="0">
+                <a:solidFill>
+                  <a:srgbClr val="3B3B3B"/>
+                </a:solidFill>
+                <a:effectLst/>
+                <a:highlight>
+                  <a:srgbClr val="FFFFFF"/>
+                </a:highlight>
+                <a:latin typeface="Consolas" panose="020B0609020204030204" pitchFamily="49" charset="0"/>
+              </a:rPr>
+              <a:t>    </a:t>
+            </a:r>
+            <a:r>
+              <a:rPr lang="en-US" altLang="zh-CN" sz="1200" b="0" dirty="0">
+                <a:solidFill>
+                  <a:srgbClr val="795E26"/>
+                </a:solidFill>
+                <a:effectLst/>
+                <a:highlight>
+                  <a:srgbClr val="FFFFFF"/>
+                </a:highlight>
+                <a:latin typeface="Consolas" panose="020B0609020204030204" pitchFamily="49" charset="0"/>
+              </a:rPr>
+              <a:t>print</a:t>
+            </a:r>
+            <a:r>
+              <a:rPr lang="en-US" altLang="zh-CN" sz="1200" b="0" dirty="0">
+                <a:solidFill>
+                  <a:srgbClr val="3B3B3B"/>
+                </a:solidFill>
+                <a:effectLst/>
+                <a:highlight>
+                  <a:srgbClr val="FFFFFF"/>
+                </a:highlight>
+                <a:latin typeface="Consolas" panose="020B0609020204030204" pitchFamily="49" charset="0"/>
+              </a:rPr>
+              <a:t>(</a:t>
+            </a:r>
+            <a:r>
+              <a:rPr lang="en-US" altLang="zh-CN" sz="1200" b="0" dirty="0">
+                <a:solidFill>
+                  <a:srgbClr val="A31515"/>
+                </a:solidFill>
+                <a:effectLst/>
+                <a:highlight>
+                  <a:srgbClr val="FFFFFF"/>
+                </a:highlight>
+                <a:latin typeface="Consolas" panose="020B0609020204030204" pitchFamily="49" charset="0"/>
+              </a:rPr>
+              <a:t>"program over!"</a:t>
+            </a:r>
+            <a:r>
+              <a:rPr lang="en-US" altLang="zh-CN" sz="1200" b="0" dirty="0">
+                <a:solidFill>
+                  <a:srgbClr val="3B3B3B"/>
+                </a:solidFill>
+                <a:effectLst/>
+                <a:highlight>
+                  <a:srgbClr val="FFFFFF"/>
+                </a:highlight>
+                <a:latin typeface="Consolas" panose="020B0609020204030204" pitchFamily="49" charset="0"/>
+              </a:rPr>
+              <a:t>)</a:t>
+            </a:r>
+          </a:p>
+          <a:p>
+            <a:r>
+              <a:rPr lang="en-US" altLang="zh-CN" sz="1200" b="0" dirty="0">
+                <a:solidFill>
+                  <a:srgbClr val="3B3B3B"/>
+                </a:solidFill>
+                <a:effectLst/>
+                <a:highlight>
+                  <a:srgbClr val="FFFFFF"/>
+                </a:highlight>
+                <a:latin typeface="Consolas" panose="020B0609020204030204" pitchFamily="49" charset="0"/>
+              </a:rPr>
+              <a:t>    </a:t>
+            </a:r>
+            <a:r>
+              <a:rPr lang="en-US" altLang="zh-CN" sz="1200" b="0" dirty="0">
+                <a:solidFill>
+                  <a:srgbClr val="795E26"/>
+                </a:solidFill>
+                <a:effectLst/>
+                <a:highlight>
+                  <a:srgbClr val="FFFFFF"/>
+                </a:highlight>
+                <a:latin typeface="Consolas" panose="020B0609020204030204" pitchFamily="49" charset="0"/>
+              </a:rPr>
+              <a:t>print</a:t>
+            </a:r>
+            <a:r>
+              <a:rPr lang="en-US" altLang="zh-CN" sz="1200" b="0" dirty="0">
+                <a:solidFill>
+                  <a:srgbClr val="3B3B3B"/>
+                </a:solidFill>
+                <a:effectLst/>
+                <a:highlight>
+                  <a:srgbClr val="FFFFFF"/>
+                </a:highlight>
+                <a:latin typeface="Consolas" panose="020B0609020204030204" pitchFamily="49" charset="0"/>
+              </a:rPr>
+              <a:t>(</a:t>
+            </a:r>
+            <a:r>
+              <a:rPr lang="en-US" altLang="zh-CN" sz="1200" b="0" dirty="0" err="1">
+                <a:solidFill>
+                  <a:srgbClr val="267F99"/>
+                </a:solidFill>
+                <a:effectLst/>
+                <a:highlight>
+                  <a:srgbClr val="FFFFFF"/>
+                </a:highlight>
+                <a:latin typeface="Consolas" panose="020B0609020204030204" pitchFamily="49" charset="0"/>
+              </a:rPr>
+              <a:t>time</a:t>
+            </a:r>
+            <a:r>
+              <a:rPr lang="en-US" altLang="zh-CN" sz="1200" b="0" dirty="0" err="1">
+                <a:solidFill>
+                  <a:srgbClr val="3B3B3B"/>
+                </a:solidFill>
+                <a:effectLst/>
+                <a:highlight>
+                  <a:srgbClr val="FFFFFF"/>
+                </a:highlight>
+                <a:latin typeface="Consolas" panose="020B0609020204030204" pitchFamily="49" charset="0"/>
+              </a:rPr>
+              <a:t>.</a:t>
+            </a:r>
+            <a:r>
+              <a:rPr lang="en-US" altLang="zh-CN" sz="1200" b="0" dirty="0" err="1">
+                <a:solidFill>
+                  <a:srgbClr val="795E26"/>
+                </a:solidFill>
+                <a:effectLst/>
+                <a:highlight>
+                  <a:srgbClr val="FFFFFF"/>
+                </a:highlight>
+                <a:latin typeface="Consolas" panose="020B0609020204030204" pitchFamily="49" charset="0"/>
+              </a:rPr>
+              <a:t>time</a:t>
+            </a:r>
+            <a:r>
+              <a:rPr lang="en-US" altLang="zh-CN" sz="1200" b="0" dirty="0">
+                <a:solidFill>
+                  <a:srgbClr val="3B3B3B"/>
+                </a:solidFill>
+                <a:effectLst/>
+                <a:highlight>
+                  <a:srgbClr val="FFFFFF"/>
+                </a:highlight>
+                <a:latin typeface="Consolas" panose="020B0609020204030204" pitchFamily="49" charset="0"/>
+              </a:rPr>
+              <a:t>() </a:t>
+            </a:r>
+            <a:r>
+              <a:rPr lang="en-US" altLang="zh-CN" sz="1200" b="0" dirty="0">
+                <a:solidFill>
+                  <a:srgbClr val="000000"/>
+                </a:solidFill>
+                <a:effectLst/>
+                <a:highlight>
+                  <a:srgbClr val="FFFFFF"/>
+                </a:highlight>
+                <a:latin typeface="Consolas" panose="020B0609020204030204" pitchFamily="49" charset="0"/>
+              </a:rPr>
+              <a:t>-</a:t>
+            </a:r>
+            <a:r>
+              <a:rPr lang="en-US" altLang="zh-CN" sz="1200" b="0" dirty="0">
+                <a:solidFill>
+                  <a:srgbClr val="3B3B3B"/>
+                </a:solidFill>
+                <a:effectLst/>
+                <a:highlight>
+                  <a:srgbClr val="FFFFFF"/>
+                </a:highlight>
+                <a:latin typeface="Consolas" panose="020B0609020204030204" pitchFamily="49" charset="0"/>
+              </a:rPr>
               <a:t> </a:t>
             </a:r>
             <a:r>
               <a:rPr lang="en-US" altLang="zh-CN" sz="1200" b="0" dirty="0">
                 <a:solidFill>
-                  <a:srgbClr val="795E26"/>
-                </a:solidFill>
-                <a:effectLst/>
-                <a:highlight>
-                  <a:srgbClr val="FFFFFF"/>
-                </a:highlight>
-                <a:latin typeface="Consolas" panose="020B0609020204030204" pitchFamily="49" charset="0"/>
-              </a:rPr>
-              <a:t>main</a:t>
+                  <a:srgbClr val="001080"/>
+                </a:solidFill>
+                <a:effectLst/>
+                <a:highlight>
+                  <a:srgbClr val="FFFFFF"/>
+                </a:highlight>
+                <a:latin typeface="Consolas" panose="020B0609020204030204" pitchFamily="49" charset="0"/>
+              </a:rPr>
+              <a:t>start</a:t>
             </a:r>
             <a:r>
               <a:rPr lang="en-US" altLang="zh-CN" sz="1200" b="0" dirty="0">
@@ -6867,1579 +9068,1254 @@
                 </a:highlight>
                 <a:latin typeface="Consolas" panose="020B0609020204030204" pitchFamily="49" charset="0"/>
               </a:rPr>
-              <a:t>(</a:t>
-            </a:r>
-            <a:r>
-              <a:rPr lang="en-US" altLang="zh-CN" sz="1200" b="0" dirty="0">
-                <a:solidFill>
-                  <a:srgbClr val="001080"/>
-                </a:solidFill>
-                <a:effectLst/>
-                <a:highlight>
-                  <a:srgbClr val="FFFFFF"/>
-                </a:highlight>
-                <a:latin typeface="Consolas" panose="020B0609020204030204" pitchFamily="49" charset="0"/>
-              </a:rPr>
-              <a:t>loop</a:t>
-            </a:r>
-            <a:r>
-              <a:rPr lang="en-US" altLang="zh-CN" sz="1200" b="0" dirty="0">
-                <a:solidFill>
-                  <a:srgbClr val="3B3B3B"/>
-                </a:solidFill>
-                <a:effectLst/>
-                <a:highlight>
-                  <a:srgbClr val="FFFFFF"/>
-                </a:highlight>
-                <a:latin typeface="Consolas" panose="020B0609020204030204" pitchFamily="49" charset="0"/>
-              </a:rPr>
-              <a:t>, </a:t>
-            </a:r>
-            <a:r>
-              <a:rPr lang="en-US" altLang="zh-CN" sz="1200" b="0" dirty="0">
-                <a:solidFill>
-                  <a:srgbClr val="001080"/>
-                </a:solidFill>
-                <a:effectLst/>
-                <a:highlight>
-                  <a:srgbClr val="FFFFFF"/>
-                </a:highlight>
-                <a:latin typeface="Consolas" panose="020B0609020204030204" pitchFamily="49" charset="0"/>
-              </a:rPr>
-              <a:t>name</a:t>
-            </a:r>
-            <a:r>
-              <a:rPr lang="en-US" altLang="zh-CN" sz="1200" b="0" dirty="0">
-                <a:solidFill>
-                  <a:srgbClr val="3B3B3B"/>
-                </a:solidFill>
-                <a:effectLst/>
-                <a:highlight>
-                  <a:srgbClr val="FFFFFF"/>
-                </a:highlight>
-                <a:latin typeface="Consolas" panose="020B0609020204030204" pitchFamily="49" charset="0"/>
-              </a:rPr>
-              <a:t>):</a:t>
-            </a:r>
-          </a:p>
-          <a:p>
-            <a:r>
-              <a:rPr lang="en-US" altLang="zh-CN" sz="1200" b="0" dirty="0">
-                <a:solidFill>
-                  <a:srgbClr val="3B3B3B"/>
-                </a:solidFill>
-                <a:effectLst/>
-                <a:highlight>
-                  <a:srgbClr val="FFFFFF"/>
-                </a:highlight>
-                <a:latin typeface="Consolas" panose="020B0609020204030204" pitchFamily="49" charset="0"/>
-              </a:rPr>
-              <a:t>    </a:t>
-            </a:r>
-            <a:r>
-              <a:rPr lang="en-US" altLang="zh-CN" sz="1200" b="0" dirty="0">
-                <a:solidFill>
-                  <a:srgbClr val="001080"/>
-                </a:solidFill>
-                <a:effectLst/>
-                <a:highlight>
-                  <a:srgbClr val="FFFFFF"/>
-                </a:highlight>
-                <a:latin typeface="Consolas" panose="020B0609020204030204" pitchFamily="49" charset="0"/>
-              </a:rPr>
-              <a:t>executor</a:t>
-            </a:r>
-            <a:r>
-              <a:rPr lang="en-US" altLang="zh-CN" sz="1200" b="0" dirty="0">
-                <a:solidFill>
-                  <a:srgbClr val="3B3B3B"/>
-                </a:solidFill>
-                <a:effectLst/>
-                <a:highlight>
-                  <a:srgbClr val="FFFFFF"/>
-                </a:highlight>
-                <a:latin typeface="Consolas" panose="020B0609020204030204" pitchFamily="49" charset="0"/>
-              </a:rPr>
-              <a:t> </a:t>
-            </a:r>
-            <a:r>
-              <a:rPr lang="en-US" altLang="zh-CN" sz="1200" b="0" dirty="0">
-                <a:solidFill>
-                  <a:srgbClr val="000000"/>
-                </a:solidFill>
-                <a:effectLst/>
-                <a:highlight>
-                  <a:srgbClr val="FFFFFF"/>
-                </a:highlight>
-                <a:latin typeface="Consolas" panose="020B0609020204030204" pitchFamily="49" charset="0"/>
-              </a:rPr>
-              <a:t>=</a:t>
-            </a:r>
-            <a:r>
-              <a:rPr lang="en-US" altLang="zh-CN" sz="1200" b="0" dirty="0">
-                <a:solidFill>
-                  <a:srgbClr val="3B3B3B"/>
-                </a:solidFill>
-                <a:effectLst/>
-                <a:highlight>
-                  <a:srgbClr val="FFFFFF"/>
-                </a:highlight>
-                <a:latin typeface="Consolas" panose="020B0609020204030204" pitchFamily="49" charset="0"/>
-              </a:rPr>
-              <a:t> </a:t>
-            </a:r>
-            <a:r>
-              <a:rPr lang="en-US" altLang="zh-CN" sz="1200" b="0" dirty="0" err="1">
-                <a:solidFill>
-                  <a:srgbClr val="267F99"/>
-                </a:solidFill>
-                <a:effectLst/>
-                <a:highlight>
-                  <a:srgbClr val="FFFFFF"/>
-                </a:highlight>
-                <a:latin typeface="Consolas" panose="020B0609020204030204" pitchFamily="49" charset="0"/>
-              </a:rPr>
-              <a:t>ThreadPoolExecutor</a:t>
-            </a:r>
-            <a:r>
-              <a:rPr lang="en-US" altLang="zh-CN" sz="1200" b="0" dirty="0">
-                <a:solidFill>
-                  <a:srgbClr val="3B3B3B"/>
-                </a:solidFill>
-                <a:effectLst/>
-                <a:highlight>
-                  <a:srgbClr val="FFFFFF"/>
-                </a:highlight>
-                <a:latin typeface="Consolas" panose="020B0609020204030204" pitchFamily="49" charset="0"/>
-              </a:rPr>
-              <a:t>()</a:t>
-            </a:r>
-          </a:p>
-          <a:p>
-            <a:r>
-              <a:rPr lang="en-US" altLang="zh-CN" sz="1200" b="0" dirty="0">
-                <a:solidFill>
-                  <a:srgbClr val="3B3B3B"/>
-                </a:solidFill>
-                <a:effectLst/>
-                <a:highlight>
-                  <a:srgbClr val="FFFFFF"/>
-                </a:highlight>
-                <a:latin typeface="Consolas" panose="020B0609020204030204" pitchFamily="49" charset="0"/>
-              </a:rPr>
-              <a:t>    </a:t>
-            </a:r>
-            <a:r>
-              <a:rPr lang="en-US" altLang="zh-CN" sz="1200" b="0" dirty="0">
-                <a:solidFill>
-                  <a:srgbClr val="001080"/>
-                </a:solidFill>
-                <a:effectLst/>
-                <a:highlight>
-                  <a:srgbClr val="FFFFFF"/>
-                </a:highlight>
-                <a:latin typeface="Consolas" panose="020B0609020204030204" pitchFamily="49" charset="0"/>
-              </a:rPr>
-              <a:t>result</a:t>
-            </a:r>
-            <a:r>
-              <a:rPr lang="en-US" altLang="zh-CN" sz="1200" b="0" dirty="0">
-                <a:solidFill>
-                  <a:srgbClr val="3B3B3B"/>
-                </a:solidFill>
-                <a:effectLst/>
-                <a:highlight>
-                  <a:srgbClr val="FFFFFF"/>
-                </a:highlight>
-                <a:latin typeface="Consolas" panose="020B0609020204030204" pitchFamily="49" charset="0"/>
-              </a:rPr>
-              <a:t> </a:t>
-            </a:r>
-            <a:r>
-              <a:rPr lang="en-US" altLang="zh-CN" sz="1200" b="0" dirty="0">
-                <a:solidFill>
-                  <a:srgbClr val="000000"/>
-                </a:solidFill>
-                <a:effectLst/>
-                <a:highlight>
-                  <a:srgbClr val="FFFFFF"/>
-                </a:highlight>
-                <a:latin typeface="Consolas" panose="020B0609020204030204" pitchFamily="49" charset="0"/>
-              </a:rPr>
-              <a:t>=</a:t>
-            </a:r>
-            <a:r>
-              <a:rPr lang="en-US" altLang="zh-CN" sz="1200" b="0" dirty="0">
-                <a:solidFill>
-                  <a:srgbClr val="3B3B3B"/>
-                </a:solidFill>
-                <a:effectLst/>
-                <a:highlight>
-                  <a:srgbClr val="FFFFFF"/>
-                </a:highlight>
-                <a:latin typeface="Consolas" panose="020B0609020204030204" pitchFamily="49" charset="0"/>
-              </a:rPr>
-              <a:t> </a:t>
-            </a:r>
-            <a:r>
-              <a:rPr lang="en-US" altLang="zh-CN" sz="1200" b="0" dirty="0">
-                <a:solidFill>
-                  <a:srgbClr val="AF00DB"/>
-                </a:solidFill>
-                <a:effectLst/>
-                <a:highlight>
-                  <a:srgbClr val="FFFFFF"/>
-                </a:highlight>
-                <a:latin typeface="Consolas" panose="020B0609020204030204" pitchFamily="49" charset="0"/>
-              </a:rPr>
-              <a:t>await</a:t>
-            </a:r>
-            <a:r>
-              <a:rPr lang="en-US" altLang="zh-CN" sz="1200" b="0" dirty="0">
-                <a:solidFill>
-                  <a:srgbClr val="3B3B3B"/>
-                </a:solidFill>
-                <a:effectLst/>
-                <a:highlight>
-                  <a:srgbClr val="FFFFFF"/>
-                </a:highlight>
-                <a:latin typeface="Consolas" panose="020B0609020204030204" pitchFamily="49" charset="0"/>
-              </a:rPr>
-              <a:t> </a:t>
-            </a:r>
-            <a:r>
-              <a:rPr lang="en-US" altLang="zh-CN" sz="1200" b="0" dirty="0" err="1">
-                <a:solidFill>
-                  <a:srgbClr val="001080"/>
-                </a:solidFill>
-                <a:effectLst/>
-                <a:highlight>
-                  <a:srgbClr val="FFFFFF"/>
-                </a:highlight>
-                <a:latin typeface="Consolas" panose="020B0609020204030204" pitchFamily="49" charset="0"/>
-              </a:rPr>
-              <a:t>loop</a:t>
-            </a:r>
-            <a:r>
-              <a:rPr lang="en-US" altLang="zh-CN" sz="1200" b="0" dirty="0" err="1">
-                <a:solidFill>
-                  <a:srgbClr val="3B3B3B"/>
-                </a:solidFill>
-                <a:effectLst/>
-                <a:highlight>
-                  <a:srgbClr val="FFFFFF"/>
-                </a:highlight>
-                <a:latin typeface="Consolas" panose="020B0609020204030204" pitchFamily="49" charset="0"/>
-              </a:rPr>
-              <a:t>.run_in_executor</a:t>
-            </a:r>
-            <a:r>
-              <a:rPr lang="en-US" altLang="zh-CN" sz="1200" b="0" dirty="0">
-                <a:solidFill>
-                  <a:srgbClr val="3B3B3B"/>
-                </a:solidFill>
-                <a:effectLst/>
-                <a:highlight>
-                  <a:srgbClr val="FFFFFF"/>
-                </a:highlight>
-                <a:latin typeface="Consolas" panose="020B0609020204030204" pitchFamily="49" charset="0"/>
-              </a:rPr>
-              <a:t>(</a:t>
-            </a:r>
-            <a:r>
-              <a:rPr lang="en-US" altLang="zh-CN" sz="1200" b="0" dirty="0">
-                <a:solidFill>
-                  <a:srgbClr val="001080"/>
-                </a:solidFill>
-                <a:effectLst/>
-                <a:highlight>
-                  <a:srgbClr val="FFFFFF"/>
-                </a:highlight>
-                <a:latin typeface="Consolas" panose="020B0609020204030204" pitchFamily="49" charset="0"/>
-              </a:rPr>
-              <a:t>executor</a:t>
-            </a:r>
-            <a:r>
-              <a:rPr lang="en-US" altLang="zh-CN" sz="1200" b="0" dirty="0">
-                <a:solidFill>
-                  <a:srgbClr val="3B3B3B"/>
-                </a:solidFill>
-                <a:effectLst/>
-                <a:highlight>
-                  <a:srgbClr val="FFFFFF"/>
-                </a:highlight>
-                <a:latin typeface="Consolas" panose="020B0609020204030204" pitchFamily="49" charset="0"/>
-              </a:rPr>
-              <a:t>, </a:t>
-            </a:r>
-            <a:r>
-              <a:rPr lang="en-US" altLang="zh-CN" sz="1200" b="0" dirty="0" err="1">
-                <a:solidFill>
-                  <a:srgbClr val="795E26"/>
-                </a:solidFill>
-                <a:effectLst/>
-                <a:highlight>
-                  <a:srgbClr val="FFFFFF"/>
-                </a:highlight>
-                <a:latin typeface="Consolas" panose="020B0609020204030204" pitchFamily="49" charset="0"/>
-              </a:rPr>
-              <a:t>func</a:t>
-            </a:r>
-            <a:r>
-              <a:rPr lang="en-US" altLang="zh-CN" sz="1200" b="0" dirty="0">
-                <a:solidFill>
-                  <a:srgbClr val="3B3B3B"/>
-                </a:solidFill>
-                <a:effectLst/>
-                <a:highlight>
-                  <a:srgbClr val="FFFFFF"/>
-                </a:highlight>
-                <a:latin typeface="Consolas" panose="020B0609020204030204" pitchFamily="49" charset="0"/>
-              </a:rPr>
-              <a:t>, </a:t>
-            </a:r>
-            <a:r>
-              <a:rPr lang="en-US" altLang="zh-CN" sz="1200" b="0" dirty="0">
-                <a:solidFill>
-                  <a:srgbClr val="001080"/>
-                </a:solidFill>
-                <a:effectLst/>
-                <a:highlight>
-                  <a:srgbClr val="FFFFFF"/>
-                </a:highlight>
-                <a:latin typeface="Consolas" panose="020B0609020204030204" pitchFamily="49" charset="0"/>
-              </a:rPr>
-              <a:t>name</a:t>
-            </a:r>
-            <a:r>
-              <a:rPr lang="en-US" altLang="zh-CN" sz="1200" b="0" dirty="0">
-                <a:solidFill>
-                  <a:srgbClr val="3B3B3B"/>
-                </a:solidFill>
-                <a:effectLst/>
-                <a:highlight>
-                  <a:srgbClr val="FFFFFF"/>
-                </a:highlight>
-                <a:latin typeface="Consolas" panose="020B0609020204030204" pitchFamily="49" charset="0"/>
-              </a:rPr>
-              <a:t>)</a:t>
-            </a:r>
-          </a:p>
-          <a:p>
-            <a:r>
-              <a:rPr lang="en-US" altLang="zh-CN" sz="1200" b="0" dirty="0">
-                <a:solidFill>
-                  <a:srgbClr val="3B3B3B"/>
-                </a:solidFill>
-                <a:effectLst/>
-                <a:highlight>
-                  <a:srgbClr val="FFFFFF"/>
-                </a:highlight>
-                <a:latin typeface="Consolas" panose="020B0609020204030204" pitchFamily="49" charset="0"/>
-              </a:rPr>
-              <a:t>    </a:t>
-            </a:r>
-            <a:r>
-              <a:rPr lang="en-US" altLang="zh-CN" sz="1200" b="0" dirty="0">
-                <a:solidFill>
-                  <a:srgbClr val="795E26"/>
-                </a:solidFill>
-                <a:effectLst/>
-                <a:highlight>
-                  <a:srgbClr val="FFFFFF"/>
-                </a:highlight>
-                <a:latin typeface="Consolas" panose="020B0609020204030204" pitchFamily="49" charset="0"/>
-              </a:rPr>
-              <a:t>print</a:t>
-            </a:r>
-            <a:r>
-              <a:rPr lang="en-US" altLang="zh-CN" sz="1200" b="0" dirty="0">
-                <a:solidFill>
-                  <a:srgbClr val="3B3B3B"/>
-                </a:solidFill>
-                <a:effectLst/>
-                <a:highlight>
-                  <a:srgbClr val="FFFFFF"/>
-                </a:highlight>
-                <a:latin typeface="Consolas" panose="020B0609020204030204" pitchFamily="49" charset="0"/>
-              </a:rPr>
-              <a:t>(</a:t>
-            </a:r>
-            <a:r>
-              <a:rPr lang="en-US" altLang="zh-CN" sz="1200" b="0" dirty="0">
-                <a:solidFill>
-                  <a:srgbClr val="001080"/>
-                </a:solidFill>
-                <a:effectLst/>
-                <a:highlight>
-                  <a:srgbClr val="FFFFFF"/>
-                </a:highlight>
-                <a:latin typeface="Consolas" panose="020B0609020204030204" pitchFamily="49" charset="0"/>
-              </a:rPr>
-              <a:t>result</a:t>
-            </a:r>
-            <a:r>
-              <a:rPr lang="en-US" altLang="zh-CN" sz="1200" b="0" dirty="0">
-                <a:solidFill>
-                  <a:srgbClr val="3B3B3B"/>
-                </a:solidFill>
-                <a:effectLst/>
-                <a:highlight>
-                  <a:srgbClr val="FFFFFF"/>
-                </a:highlight>
-                <a:latin typeface="Consolas" panose="020B0609020204030204" pitchFamily="49" charset="0"/>
-              </a:rPr>
-              <a:t>)</a:t>
-            </a:r>
-          </a:p>
-          <a:p>
-            <a:br>
-              <a:rPr lang="en-US" altLang="zh-CN" sz="1200" b="0" dirty="0">
-                <a:solidFill>
-                  <a:srgbClr val="3B3B3B"/>
-                </a:solidFill>
-                <a:effectLst/>
-                <a:highlight>
-                  <a:srgbClr val="FFFFFF"/>
-                </a:highlight>
-                <a:latin typeface="Consolas" panose="020B0609020204030204" pitchFamily="49" charset="0"/>
-              </a:rPr>
-            </a:br>
-            <a:br>
-              <a:rPr lang="en-US" altLang="zh-CN" sz="1200" b="0" dirty="0">
-                <a:solidFill>
-                  <a:srgbClr val="3B3B3B"/>
-                </a:solidFill>
-                <a:effectLst/>
-                <a:highlight>
-                  <a:srgbClr val="FFFFFF"/>
-                </a:highlight>
-                <a:latin typeface="Consolas" panose="020B0609020204030204" pitchFamily="49" charset="0"/>
-              </a:rPr>
-            </a:br>
-            <a:r>
-              <a:rPr lang="en-US" altLang="zh-CN" sz="1200" b="0" dirty="0">
-                <a:solidFill>
-                  <a:srgbClr val="AF00DB"/>
-                </a:solidFill>
-                <a:effectLst/>
-                <a:highlight>
-                  <a:srgbClr val="FFFFFF"/>
-                </a:highlight>
-                <a:latin typeface="Consolas" panose="020B0609020204030204" pitchFamily="49" charset="0"/>
-              </a:rPr>
-              <a:t>if</a:t>
-            </a:r>
-            <a:r>
-              <a:rPr lang="en-US" altLang="zh-CN" sz="1200" b="0" dirty="0">
-                <a:solidFill>
-                  <a:srgbClr val="3B3B3B"/>
-                </a:solidFill>
-                <a:effectLst/>
-                <a:highlight>
-                  <a:srgbClr val="FFFFFF"/>
-                </a:highlight>
-                <a:latin typeface="Consolas" panose="020B0609020204030204" pitchFamily="49" charset="0"/>
-              </a:rPr>
-              <a:t> </a:t>
-            </a:r>
-            <a:r>
-              <a:rPr lang="en-US" altLang="zh-CN" sz="1200" b="0" dirty="0">
-                <a:solidFill>
-                  <a:srgbClr val="001080"/>
-                </a:solidFill>
-                <a:effectLst/>
-                <a:highlight>
-                  <a:srgbClr val="FFFFFF"/>
-                </a:highlight>
-                <a:latin typeface="Consolas" panose="020B0609020204030204" pitchFamily="49" charset="0"/>
-              </a:rPr>
-              <a:t>__name__</a:t>
-            </a:r>
-            <a:r>
-              <a:rPr lang="en-US" altLang="zh-CN" sz="1200" b="0" dirty="0">
-                <a:solidFill>
-                  <a:srgbClr val="3B3B3B"/>
-                </a:solidFill>
-                <a:effectLst/>
-                <a:highlight>
-                  <a:srgbClr val="FFFFFF"/>
-                </a:highlight>
-                <a:latin typeface="Consolas" panose="020B0609020204030204" pitchFamily="49" charset="0"/>
-              </a:rPr>
-              <a:t> </a:t>
-            </a:r>
-            <a:r>
-              <a:rPr lang="en-US" altLang="zh-CN" sz="1200" b="0" dirty="0">
-                <a:solidFill>
-                  <a:srgbClr val="000000"/>
-                </a:solidFill>
-                <a:effectLst/>
-                <a:highlight>
-                  <a:srgbClr val="FFFFFF"/>
-                </a:highlight>
-                <a:latin typeface="Consolas" panose="020B0609020204030204" pitchFamily="49" charset="0"/>
-              </a:rPr>
-              <a:t>==</a:t>
-            </a:r>
-            <a:r>
-              <a:rPr lang="en-US" altLang="zh-CN" sz="1200" b="0" dirty="0">
-                <a:solidFill>
-                  <a:srgbClr val="3B3B3B"/>
-                </a:solidFill>
-                <a:effectLst/>
-                <a:highlight>
-                  <a:srgbClr val="FFFFFF"/>
-                </a:highlight>
-                <a:latin typeface="Consolas" panose="020B0609020204030204" pitchFamily="49" charset="0"/>
-              </a:rPr>
-              <a:t> </a:t>
-            </a:r>
-            <a:r>
-              <a:rPr lang="en-US" altLang="zh-CN" sz="1200" b="0" dirty="0">
-                <a:solidFill>
-                  <a:srgbClr val="A31515"/>
-                </a:solidFill>
-                <a:effectLst/>
-                <a:highlight>
-                  <a:srgbClr val="FFFFFF"/>
-                </a:highlight>
-                <a:latin typeface="Consolas" panose="020B0609020204030204" pitchFamily="49" charset="0"/>
-              </a:rPr>
-              <a:t>"__main__"</a:t>
-            </a:r>
-            <a:r>
-              <a:rPr lang="en-US" altLang="zh-CN" sz="1200" b="0" dirty="0">
-                <a:solidFill>
-                  <a:srgbClr val="3B3B3B"/>
-                </a:solidFill>
-                <a:effectLst/>
-                <a:highlight>
-                  <a:srgbClr val="FFFFFF"/>
-                </a:highlight>
-                <a:latin typeface="Consolas" panose="020B0609020204030204" pitchFamily="49" charset="0"/>
-              </a:rPr>
-              <a:t>:</a:t>
-            </a:r>
-          </a:p>
-          <a:p>
-            <a:r>
-              <a:rPr lang="en-US" altLang="zh-CN" sz="1200" b="0" dirty="0">
-                <a:solidFill>
-                  <a:srgbClr val="3B3B3B"/>
-                </a:solidFill>
-                <a:effectLst/>
-                <a:highlight>
-                  <a:srgbClr val="FFFFFF"/>
-                </a:highlight>
-                <a:latin typeface="Consolas" panose="020B0609020204030204" pitchFamily="49" charset="0"/>
-              </a:rPr>
-              <a:t>    </a:t>
-            </a:r>
-            <a:r>
-              <a:rPr lang="en-US" altLang="zh-CN" sz="1200" b="0" dirty="0">
-                <a:solidFill>
-                  <a:srgbClr val="001080"/>
-                </a:solidFill>
-                <a:effectLst/>
-                <a:highlight>
-                  <a:srgbClr val="FFFFFF"/>
-                </a:highlight>
-                <a:latin typeface="Consolas" panose="020B0609020204030204" pitchFamily="49" charset="0"/>
-              </a:rPr>
-              <a:t>start</a:t>
-            </a:r>
-            <a:r>
-              <a:rPr lang="en-US" altLang="zh-CN" sz="1200" b="0" dirty="0">
-                <a:solidFill>
-                  <a:srgbClr val="3B3B3B"/>
-                </a:solidFill>
-                <a:effectLst/>
-                <a:highlight>
-                  <a:srgbClr val="FFFFFF"/>
-                </a:highlight>
-                <a:latin typeface="Consolas" panose="020B0609020204030204" pitchFamily="49" charset="0"/>
-              </a:rPr>
-              <a:t> </a:t>
-            </a:r>
-            <a:r>
-              <a:rPr lang="en-US" altLang="zh-CN" sz="1200" b="0" dirty="0">
-                <a:solidFill>
-                  <a:srgbClr val="000000"/>
-                </a:solidFill>
-                <a:effectLst/>
-                <a:highlight>
-                  <a:srgbClr val="FFFFFF"/>
-                </a:highlight>
-                <a:latin typeface="Consolas" panose="020B0609020204030204" pitchFamily="49" charset="0"/>
-              </a:rPr>
-              <a:t>=</a:t>
-            </a:r>
-            <a:r>
-              <a:rPr lang="en-US" altLang="zh-CN" sz="1200" b="0" dirty="0">
-                <a:solidFill>
-                  <a:srgbClr val="3B3B3B"/>
-                </a:solidFill>
-                <a:effectLst/>
-                <a:highlight>
-                  <a:srgbClr val="FFFFFF"/>
-                </a:highlight>
-                <a:latin typeface="Consolas" panose="020B0609020204030204" pitchFamily="49" charset="0"/>
-              </a:rPr>
-              <a:t> </a:t>
-            </a:r>
-            <a:r>
-              <a:rPr lang="en-US" altLang="zh-CN" sz="1200" b="0" dirty="0" err="1">
-                <a:solidFill>
-                  <a:srgbClr val="267F99"/>
-                </a:solidFill>
-                <a:effectLst/>
-                <a:highlight>
-                  <a:srgbClr val="FFFFFF"/>
-                </a:highlight>
-                <a:latin typeface="Consolas" panose="020B0609020204030204" pitchFamily="49" charset="0"/>
-              </a:rPr>
-              <a:t>time</a:t>
-            </a:r>
-            <a:r>
-              <a:rPr lang="en-US" altLang="zh-CN" sz="1200" b="0" dirty="0" err="1">
-                <a:solidFill>
-                  <a:srgbClr val="3B3B3B"/>
-                </a:solidFill>
-                <a:effectLst/>
-                <a:highlight>
-                  <a:srgbClr val="FFFFFF"/>
-                </a:highlight>
-                <a:latin typeface="Consolas" panose="020B0609020204030204" pitchFamily="49" charset="0"/>
-              </a:rPr>
-              <a:t>.</a:t>
-            </a:r>
-            <a:r>
-              <a:rPr lang="en-US" altLang="zh-CN" sz="1200" b="0" dirty="0" err="1">
-                <a:solidFill>
-                  <a:srgbClr val="795E26"/>
-                </a:solidFill>
-                <a:effectLst/>
-                <a:highlight>
-                  <a:srgbClr val="FFFFFF"/>
-                </a:highlight>
-                <a:latin typeface="Consolas" panose="020B0609020204030204" pitchFamily="49" charset="0"/>
-              </a:rPr>
-              <a:t>time</a:t>
-            </a:r>
-            <a:r>
-              <a:rPr lang="en-US" altLang="zh-CN" sz="1200" b="0" dirty="0">
-                <a:solidFill>
-                  <a:srgbClr val="3B3B3B"/>
-                </a:solidFill>
-                <a:effectLst/>
-                <a:highlight>
-                  <a:srgbClr val="FFFFFF"/>
-                </a:highlight>
-                <a:latin typeface="Consolas" panose="020B0609020204030204" pitchFamily="49" charset="0"/>
-              </a:rPr>
-              <a:t>()</a:t>
-            </a:r>
-          </a:p>
-          <a:p>
-            <a:r>
-              <a:rPr lang="en-US" altLang="zh-CN" sz="1200" b="0" dirty="0">
-                <a:solidFill>
-                  <a:srgbClr val="3B3B3B"/>
-                </a:solidFill>
-                <a:effectLst/>
-                <a:highlight>
-                  <a:srgbClr val="FFFFFF"/>
-                </a:highlight>
-                <a:latin typeface="Consolas" panose="020B0609020204030204" pitchFamily="49" charset="0"/>
-              </a:rPr>
-              <a:t>    </a:t>
-            </a:r>
-            <a:r>
-              <a:rPr lang="en-US" altLang="zh-CN" sz="1200" b="0" dirty="0">
-                <a:solidFill>
-                  <a:srgbClr val="001080"/>
-                </a:solidFill>
-                <a:effectLst/>
-                <a:highlight>
-                  <a:srgbClr val="FFFFFF"/>
-                </a:highlight>
-                <a:latin typeface="Consolas" panose="020B0609020204030204" pitchFamily="49" charset="0"/>
-              </a:rPr>
-              <a:t>loop</a:t>
-            </a:r>
-            <a:r>
-              <a:rPr lang="en-US" altLang="zh-CN" sz="1200" b="0" dirty="0">
-                <a:solidFill>
-                  <a:srgbClr val="3B3B3B"/>
-                </a:solidFill>
-                <a:effectLst/>
-                <a:highlight>
-                  <a:srgbClr val="FFFFFF"/>
-                </a:highlight>
-                <a:latin typeface="Consolas" panose="020B0609020204030204" pitchFamily="49" charset="0"/>
-              </a:rPr>
-              <a:t> </a:t>
-            </a:r>
-            <a:r>
-              <a:rPr lang="en-US" altLang="zh-CN" sz="1200" b="0" dirty="0">
-                <a:solidFill>
-                  <a:srgbClr val="000000"/>
-                </a:solidFill>
-                <a:effectLst/>
-                <a:highlight>
-                  <a:srgbClr val="FFFFFF"/>
-                </a:highlight>
-                <a:latin typeface="Consolas" panose="020B0609020204030204" pitchFamily="49" charset="0"/>
-              </a:rPr>
-              <a:t>=</a:t>
-            </a:r>
-            <a:r>
-              <a:rPr lang="en-US" altLang="zh-CN" sz="1200" b="0" dirty="0">
-                <a:solidFill>
-                  <a:srgbClr val="3B3B3B"/>
-                </a:solidFill>
-                <a:effectLst/>
-                <a:highlight>
-                  <a:srgbClr val="FFFFFF"/>
-                </a:highlight>
-                <a:latin typeface="Consolas" panose="020B0609020204030204" pitchFamily="49" charset="0"/>
-              </a:rPr>
-              <a:t> </a:t>
-            </a:r>
-            <a:r>
-              <a:rPr lang="en-US" altLang="zh-CN" sz="1200" b="0" dirty="0" err="1">
-                <a:solidFill>
-                  <a:srgbClr val="267F99"/>
-                </a:solidFill>
-                <a:effectLst/>
-                <a:highlight>
-                  <a:srgbClr val="FFFFFF"/>
-                </a:highlight>
-                <a:latin typeface="Consolas" panose="020B0609020204030204" pitchFamily="49" charset="0"/>
-              </a:rPr>
-              <a:t>asyncio</a:t>
-            </a:r>
-            <a:r>
-              <a:rPr lang="en-US" altLang="zh-CN" sz="1200" b="0" dirty="0" err="1">
-                <a:solidFill>
-                  <a:srgbClr val="3B3B3B"/>
-                </a:solidFill>
-                <a:effectLst/>
-                <a:highlight>
-                  <a:srgbClr val="FFFFFF"/>
-                </a:highlight>
-                <a:latin typeface="Consolas" panose="020B0609020204030204" pitchFamily="49" charset="0"/>
-              </a:rPr>
-              <a:t>.</a:t>
-            </a:r>
-            <a:r>
-              <a:rPr lang="en-US" altLang="zh-CN" sz="1200" b="0" dirty="0" err="1">
-                <a:solidFill>
-                  <a:srgbClr val="795E26"/>
-                </a:solidFill>
-                <a:effectLst/>
-                <a:highlight>
-                  <a:srgbClr val="FFFFFF"/>
-                </a:highlight>
-                <a:latin typeface="Consolas" panose="020B0609020204030204" pitchFamily="49" charset="0"/>
-              </a:rPr>
-              <a:t>get_event_loop</a:t>
-            </a:r>
-            <a:r>
-              <a:rPr lang="en-US" altLang="zh-CN" sz="1200" b="0" dirty="0">
-                <a:solidFill>
-                  <a:srgbClr val="3B3B3B"/>
-                </a:solidFill>
-                <a:effectLst/>
-                <a:highlight>
-                  <a:srgbClr val="FFFFFF"/>
-                </a:highlight>
-                <a:latin typeface="Consolas" panose="020B0609020204030204" pitchFamily="49" charset="0"/>
-              </a:rPr>
-              <a:t>()</a:t>
-            </a:r>
-          </a:p>
-          <a:p>
-            <a:br>
-              <a:rPr lang="en-US" altLang="zh-CN" sz="1200" b="0" dirty="0">
-                <a:solidFill>
-                  <a:srgbClr val="3B3B3B"/>
-                </a:solidFill>
-                <a:effectLst/>
-                <a:highlight>
-                  <a:srgbClr val="FFFFFF"/>
-                </a:highlight>
-                <a:latin typeface="Consolas" panose="020B0609020204030204" pitchFamily="49" charset="0"/>
-              </a:rPr>
-            </a:br>
-            <a:r>
-              <a:rPr lang="en-US" altLang="zh-CN" sz="1200" b="0" dirty="0">
-                <a:solidFill>
-                  <a:srgbClr val="3B3B3B"/>
-                </a:solidFill>
-                <a:effectLst/>
-                <a:highlight>
-                  <a:srgbClr val="FFFFFF"/>
-                </a:highlight>
-                <a:latin typeface="Consolas" panose="020B0609020204030204" pitchFamily="49" charset="0"/>
-              </a:rPr>
-              <a:t>    </a:t>
-            </a:r>
-            <a:r>
-              <a:rPr lang="en-US" altLang="zh-CN" sz="1200" b="0" dirty="0">
-                <a:solidFill>
-                  <a:srgbClr val="001080"/>
-                </a:solidFill>
-                <a:effectLst/>
-                <a:highlight>
-                  <a:srgbClr val="FFFFFF"/>
-                </a:highlight>
-                <a:latin typeface="Consolas" panose="020B0609020204030204" pitchFamily="49" charset="0"/>
-              </a:rPr>
-              <a:t>tasks</a:t>
-            </a:r>
-            <a:r>
-              <a:rPr lang="en-US" altLang="zh-CN" sz="1200" b="0" dirty="0">
-                <a:solidFill>
-                  <a:srgbClr val="3B3B3B"/>
-                </a:solidFill>
-                <a:effectLst/>
-                <a:highlight>
-                  <a:srgbClr val="FFFFFF"/>
-                </a:highlight>
-                <a:latin typeface="Consolas" panose="020B0609020204030204" pitchFamily="49" charset="0"/>
-              </a:rPr>
-              <a:t> </a:t>
-            </a:r>
-            <a:r>
-              <a:rPr lang="en-US" altLang="zh-CN" sz="1200" b="0" dirty="0">
-                <a:solidFill>
-                  <a:srgbClr val="000000"/>
-                </a:solidFill>
-                <a:effectLst/>
-                <a:highlight>
-                  <a:srgbClr val="FFFFFF"/>
-                </a:highlight>
-                <a:latin typeface="Consolas" panose="020B0609020204030204" pitchFamily="49" charset="0"/>
-              </a:rPr>
-              <a:t>=</a:t>
-            </a:r>
-            <a:r>
-              <a:rPr lang="en-US" altLang="zh-CN" sz="1200" b="0" dirty="0">
-                <a:solidFill>
-                  <a:srgbClr val="3B3B3B"/>
-                </a:solidFill>
-                <a:effectLst/>
-                <a:highlight>
-                  <a:srgbClr val="FFFFFF"/>
-                </a:highlight>
-                <a:latin typeface="Consolas" panose="020B0609020204030204" pitchFamily="49" charset="0"/>
-              </a:rPr>
-              <a:t> [</a:t>
-            </a:r>
-          </a:p>
-          <a:p>
-            <a:r>
-              <a:rPr lang="en-US" altLang="zh-CN" sz="1200" b="0" dirty="0">
-                <a:solidFill>
-                  <a:srgbClr val="3B3B3B"/>
-                </a:solidFill>
-                <a:effectLst/>
-                <a:highlight>
-                  <a:srgbClr val="FFFFFF"/>
-                </a:highlight>
-                <a:latin typeface="Consolas" panose="020B0609020204030204" pitchFamily="49" charset="0"/>
-              </a:rPr>
-              <a:t>        </a:t>
-            </a:r>
-            <a:r>
-              <a:rPr lang="en-US" altLang="zh-CN" sz="1200" b="0" dirty="0" err="1">
-                <a:solidFill>
-                  <a:srgbClr val="001080"/>
-                </a:solidFill>
-                <a:effectLst/>
-                <a:highlight>
-                  <a:srgbClr val="FFFFFF"/>
-                </a:highlight>
-                <a:latin typeface="Consolas" panose="020B0609020204030204" pitchFamily="49" charset="0"/>
-              </a:rPr>
-              <a:t>loop</a:t>
-            </a:r>
-            <a:r>
-              <a:rPr lang="en-US" altLang="zh-CN" sz="1200" b="0" dirty="0" err="1">
-                <a:solidFill>
-                  <a:srgbClr val="3B3B3B"/>
-                </a:solidFill>
-                <a:effectLst/>
-                <a:highlight>
-                  <a:srgbClr val="FFFFFF"/>
-                </a:highlight>
-                <a:latin typeface="Consolas" panose="020B0609020204030204" pitchFamily="49" charset="0"/>
-              </a:rPr>
-              <a:t>.</a:t>
-            </a:r>
-            <a:r>
-              <a:rPr lang="en-US" altLang="zh-CN" sz="1200" b="0" dirty="0" err="1">
-                <a:solidFill>
-                  <a:srgbClr val="795E26"/>
-                </a:solidFill>
-                <a:effectLst/>
-                <a:highlight>
-                  <a:srgbClr val="FFFFFF"/>
-                </a:highlight>
-                <a:latin typeface="Consolas" panose="020B0609020204030204" pitchFamily="49" charset="0"/>
-              </a:rPr>
-              <a:t>create_task</a:t>
-            </a:r>
-            <a:r>
-              <a:rPr lang="en-US" altLang="zh-CN" sz="1200" b="0" dirty="0">
-                <a:solidFill>
-                  <a:srgbClr val="3B3B3B"/>
-                </a:solidFill>
-                <a:effectLst/>
-                <a:highlight>
-                  <a:srgbClr val="FFFFFF"/>
-                </a:highlight>
-                <a:latin typeface="Consolas" panose="020B0609020204030204" pitchFamily="49" charset="0"/>
-              </a:rPr>
-              <a:t>(</a:t>
-            </a:r>
-            <a:r>
-              <a:rPr lang="en-US" altLang="zh-CN" sz="1200" b="0" dirty="0">
-                <a:solidFill>
-                  <a:srgbClr val="795E26"/>
-                </a:solidFill>
-                <a:effectLst/>
-                <a:highlight>
-                  <a:srgbClr val="FFFFFF"/>
-                </a:highlight>
-                <a:latin typeface="Consolas" panose="020B0609020204030204" pitchFamily="49" charset="0"/>
-              </a:rPr>
-              <a:t>main</a:t>
-            </a:r>
-            <a:r>
-              <a:rPr lang="en-US" altLang="zh-CN" sz="1200" b="0" dirty="0">
-                <a:solidFill>
-                  <a:srgbClr val="3B3B3B"/>
-                </a:solidFill>
-                <a:effectLst/>
-                <a:highlight>
-                  <a:srgbClr val="FFFFFF"/>
-                </a:highlight>
-                <a:latin typeface="Consolas" panose="020B0609020204030204" pitchFamily="49" charset="0"/>
-              </a:rPr>
-              <a:t>(</a:t>
-            </a:r>
-            <a:r>
-              <a:rPr lang="en-US" altLang="zh-CN" sz="1200" b="0" dirty="0">
-                <a:solidFill>
-                  <a:srgbClr val="001080"/>
-                </a:solidFill>
-                <a:effectLst/>
-                <a:highlight>
-                  <a:srgbClr val="FFFFFF"/>
-                </a:highlight>
-                <a:latin typeface="Consolas" panose="020B0609020204030204" pitchFamily="49" charset="0"/>
-              </a:rPr>
-              <a:t>loop</a:t>
-            </a:r>
-            <a:r>
-              <a:rPr lang="en-US" altLang="zh-CN" sz="1200" b="0" dirty="0">
-                <a:solidFill>
-                  <a:srgbClr val="3B3B3B"/>
-                </a:solidFill>
-                <a:effectLst/>
-                <a:highlight>
-                  <a:srgbClr val="FFFFFF"/>
-                </a:highlight>
-                <a:latin typeface="Consolas" panose="020B0609020204030204" pitchFamily="49" charset="0"/>
-              </a:rPr>
-              <a:t>, </a:t>
-            </a:r>
-            <a:r>
-              <a:rPr lang="en-US" altLang="zh-CN" sz="1200" b="0" dirty="0">
-                <a:solidFill>
-                  <a:srgbClr val="A31515"/>
-                </a:solidFill>
-                <a:effectLst/>
-                <a:highlight>
-                  <a:srgbClr val="FFFFFF"/>
-                </a:highlight>
-                <a:latin typeface="Consolas" panose="020B0609020204030204" pitchFamily="49" charset="0"/>
-              </a:rPr>
-              <a:t>'jack'</a:t>
-            </a:r>
-            <a:r>
-              <a:rPr lang="en-US" altLang="zh-CN" sz="1200" b="0" dirty="0">
-                <a:solidFill>
-                  <a:srgbClr val="3B3B3B"/>
-                </a:solidFill>
-                <a:effectLst/>
-                <a:highlight>
-                  <a:srgbClr val="FFFFFF"/>
-                </a:highlight>
-                <a:latin typeface="Consolas" panose="020B0609020204030204" pitchFamily="49" charset="0"/>
-              </a:rPr>
-              <a:t>)),</a:t>
-            </a:r>
-          </a:p>
-          <a:p>
-            <a:r>
-              <a:rPr lang="en-US" altLang="zh-CN" sz="1200" b="0" dirty="0">
-                <a:solidFill>
-                  <a:srgbClr val="3B3B3B"/>
-                </a:solidFill>
-                <a:effectLst/>
-                <a:highlight>
-                  <a:srgbClr val="FFFFFF"/>
-                </a:highlight>
-                <a:latin typeface="Consolas" panose="020B0609020204030204" pitchFamily="49" charset="0"/>
-              </a:rPr>
-              <a:t>        </a:t>
-            </a:r>
-            <a:r>
-              <a:rPr lang="en-US" altLang="zh-CN" sz="1200" b="0" dirty="0" err="1">
-                <a:solidFill>
-                  <a:srgbClr val="001080"/>
-                </a:solidFill>
-                <a:effectLst/>
-                <a:highlight>
-                  <a:srgbClr val="FFFFFF"/>
-                </a:highlight>
-                <a:latin typeface="Consolas" panose="020B0609020204030204" pitchFamily="49" charset="0"/>
-              </a:rPr>
-              <a:t>loop</a:t>
-            </a:r>
-            <a:r>
-              <a:rPr lang="en-US" altLang="zh-CN" sz="1200" b="0" dirty="0" err="1">
-                <a:solidFill>
-                  <a:srgbClr val="3B3B3B"/>
-                </a:solidFill>
-                <a:effectLst/>
-                <a:highlight>
-                  <a:srgbClr val="FFFFFF"/>
-                </a:highlight>
-                <a:latin typeface="Consolas" panose="020B0609020204030204" pitchFamily="49" charset="0"/>
-              </a:rPr>
-              <a:t>.</a:t>
-            </a:r>
-            <a:r>
-              <a:rPr lang="en-US" altLang="zh-CN" sz="1200" b="0" dirty="0" err="1">
-                <a:solidFill>
-                  <a:srgbClr val="795E26"/>
-                </a:solidFill>
-                <a:effectLst/>
-                <a:highlight>
-                  <a:srgbClr val="FFFFFF"/>
-                </a:highlight>
-                <a:latin typeface="Consolas" panose="020B0609020204030204" pitchFamily="49" charset="0"/>
-              </a:rPr>
-              <a:t>create_task</a:t>
-            </a:r>
-            <a:r>
-              <a:rPr lang="en-US" altLang="zh-CN" sz="1200" b="0" dirty="0">
-                <a:solidFill>
-                  <a:srgbClr val="3B3B3B"/>
-                </a:solidFill>
-                <a:effectLst/>
-                <a:highlight>
-                  <a:srgbClr val="FFFFFF"/>
-                </a:highlight>
-                <a:latin typeface="Consolas" panose="020B0609020204030204" pitchFamily="49" charset="0"/>
-              </a:rPr>
-              <a:t>(</a:t>
-            </a:r>
-            <a:r>
-              <a:rPr lang="en-US" altLang="zh-CN" sz="1200" b="0" dirty="0">
-                <a:solidFill>
-                  <a:srgbClr val="795E26"/>
-                </a:solidFill>
-                <a:effectLst/>
-                <a:highlight>
-                  <a:srgbClr val="FFFFFF"/>
-                </a:highlight>
-                <a:latin typeface="Consolas" panose="020B0609020204030204" pitchFamily="49" charset="0"/>
-              </a:rPr>
-              <a:t>main</a:t>
-            </a:r>
-            <a:r>
-              <a:rPr lang="en-US" altLang="zh-CN" sz="1200" b="0" dirty="0">
-                <a:solidFill>
-                  <a:srgbClr val="3B3B3B"/>
-                </a:solidFill>
-                <a:effectLst/>
-                <a:highlight>
-                  <a:srgbClr val="FFFFFF"/>
-                </a:highlight>
-                <a:latin typeface="Consolas" panose="020B0609020204030204" pitchFamily="49" charset="0"/>
-              </a:rPr>
-              <a:t>(</a:t>
-            </a:r>
-            <a:r>
-              <a:rPr lang="en-US" altLang="zh-CN" sz="1200" b="0" dirty="0">
-                <a:solidFill>
-                  <a:srgbClr val="001080"/>
-                </a:solidFill>
-                <a:effectLst/>
-                <a:highlight>
-                  <a:srgbClr val="FFFFFF"/>
-                </a:highlight>
-                <a:latin typeface="Consolas" panose="020B0609020204030204" pitchFamily="49" charset="0"/>
-              </a:rPr>
-              <a:t>loop</a:t>
-            </a:r>
-            <a:r>
-              <a:rPr lang="en-US" altLang="zh-CN" sz="1200" b="0" dirty="0">
-                <a:solidFill>
-                  <a:srgbClr val="3B3B3B"/>
-                </a:solidFill>
-                <a:effectLst/>
-                <a:highlight>
-                  <a:srgbClr val="FFFFFF"/>
-                </a:highlight>
-                <a:latin typeface="Consolas" panose="020B0609020204030204" pitchFamily="49" charset="0"/>
-              </a:rPr>
-              <a:t>, </a:t>
-            </a:r>
-            <a:r>
-              <a:rPr lang="en-US" altLang="zh-CN" sz="1200" b="0" dirty="0">
-                <a:solidFill>
-                  <a:srgbClr val="A31515"/>
-                </a:solidFill>
-                <a:effectLst/>
-                <a:highlight>
-                  <a:srgbClr val="FFFFFF"/>
-                </a:highlight>
-                <a:latin typeface="Consolas" panose="020B0609020204030204" pitchFamily="49" charset="0"/>
-              </a:rPr>
-              <a:t>'rose'</a:t>
-            </a:r>
-            <a:r>
-              <a:rPr lang="en-US" altLang="zh-CN" sz="1200" b="0" dirty="0">
-                <a:solidFill>
-                  <a:srgbClr val="3B3B3B"/>
-                </a:solidFill>
-                <a:effectLst/>
-                <a:highlight>
-                  <a:srgbClr val="FFFFFF"/>
-                </a:highlight>
-                <a:latin typeface="Consolas" panose="020B0609020204030204" pitchFamily="49" charset="0"/>
-              </a:rPr>
-              <a:t>))</a:t>
-            </a:r>
-          </a:p>
-          <a:p>
-            <a:r>
-              <a:rPr lang="en-US" altLang="zh-CN" sz="1200" b="0" dirty="0">
-                <a:solidFill>
-                  <a:srgbClr val="3B3B3B"/>
-                </a:solidFill>
-                <a:effectLst/>
-                <a:highlight>
-                  <a:srgbClr val="FFFFFF"/>
-                </a:highlight>
-                <a:latin typeface="Consolas" panose="020B0609020204030204" pitchFamily="49" charset="0"/>
-              </a:rPr>
-              <a:t>    ]</a:t>
-            </a:r>
-          </a:p>
-          <a:p>
-            <a:br>
-              <a:rPr lang="en-US" altLang="zh-CN" sz="1200" b="0" dirty="0">
-                <a:solidFill>
-                  <a:srgbClr val="3B3B3B"/>
-                </a:solidFill>
-                <a:effectLst/>
-                <a:highlight>
-                  <a:srgbClr val="FFFFFF"/>
-                </a:highlight>
-                <a:latin typeface="Consolas" panose="020B0609020204030204" pitchFamily="49" charset="0"/>
-              </a:rPr>
-            </a:br>
-            <a:r>
-              <a:rPr lang="en-US" altLang="zh-CN" sz="1200" b="0" dirty="0">
-                <a:solidFill>
-                  <a:srgbClr val="3B3B3B"/>
-                </a:solidFill>
-                <a:effectLst/>
-                <a:highlight>
-                  <a:srgbClr val="FFFFFF"/>
-                </a:highlight>
-                <a:latin typeface="Consolas" panose="020B0609020204030204" pitchFamily="49" charset="0"/>
-              </a:rPr>
-              <a:t>    </a:t>
-            </a:r>
-            <a:r>
-              <a:rPr lang="en-US" altLang="zh-CN" sz="1200" b="0" dirty="0" err="1">
-                <a:solidFill>
-                  <a:srgbClr val="001080"/>
-                </a:solidFill>
-                <a:effectLst/>
-                <a:highlight>
-                  <a:srgbClr val="FFFFFF"/>
-                </a:highlight>
-                <a:latin typeface="Consolas" panose="020B0609020204030204" pitchFamily="49" charset="0"/>
-              </a:rPr>
-              <a:t>loop</a:t>
-            </a:r>
-            <a:r>
-              <a:rPr lang="en-US" altLang="zh-CN" sz="1200" b="0" dirty="0" err="1">
-                <a:solidFill>
-                  <a:srgbClr val="3B3B3B"/>
-                </a:solidFill>
-                <a:effectLst/>
-                <a:highlight>
-                  <a:srgbClr val="FFFFFF"/>
-                </a:highlight>
-                <a:latin typeface="Consolas" panose="020B0609020204030204" pitchFamily="49" charset="0"/>
-              </a:rPr>
-              <a:t>.</a:t>
-            </a:r>
-            <a:r>
-              <a:rPr lang="en-US" altLang="zh-CN" sz="1200" b="0" dirty="0" err="1">
-                <a:solidFill>
-                  <a:srgbClr val="795E26"/>
-                </a:solidFill>
-                <a:effectLst/>
-                <a:highlight>
-                  <a:srgbClr val="FFFFFF"/>
-                </a:highlight>
-                <a:latin typeface="Consolas" panose="020B0609020204030204" pitchFamily="49" charset="0"/>
-              </a:rPr>
-              <a:t>run_until_complete</a:t>
-            </a:r>
-            <a:r>
-              <a:rPr lang="en-US" altLang="zh-CN" sz="1200" b="0" dirty="0">
-                <a:solidFill>
-                  <a:srgbClr val="3B3B3B"/>
-                </a:solidFill>
-                <a:effectLst/>
-                <a:highlight>
-                  <a:srgbClr val="FFFFFF"/>
-                </a:highlight>
-                <a:latin typeface="Consolas" panose="020B0609020204030204" pitchFamily="49" charset="0"/>
-              </a:rPr>
-              <a:t>(</a:t>
-            </a:r>
-            <a:r>
-              <a:rPr lang="en-US" altLang="zh-CN" sz="1200" b="0" dirty="0" err="1">
-                <a:solidFill>
-                  <a:srgbClr val="267F99"/>
-                </a:solidFill>
-                <a:effectLst/>
-                <a:highlight>
-                  <a:srgbClr val="FFFFFF"/>
-                </a:highlight>
-                <a:latin typeface="Consolas" panose="020B0609020204030204" pitchFamily="49" charset="0"/>
-              </a:rPr>
-              <a:t>asyncio</a:t>
-            </a:r>
-            <a:r>
-              <a:rPr lang="en-US" altLang="zh-CN" sz="1200" b="0" dirty="0" err="1">
-                <a:solidFill>
-                  <a:srgbClr val="3B3B3B"/>
-                </a:solidFill>
-                <a:effectLst/>
-                <a:highlight>
-                  <a:srgbClr val="FFFFFF"/>
-                </a:highlight>
-                <a:latin typeface="Consolas" panose="020B0609020204030204" pitchFamily="49" charset="0"/>
-              </a:rPr>
-              <a:t>.</a:t>
-            </a:r>
-            <a:r>
-              <a:rPr lang="en-US" altLang="zh-CN" sz="1200" b="0" dirty="0" err="1">
-                <a:solidFill>
-                  <a:srgbClr val="795E26"/>
-                </a:solidFill>
-                <a:effectLst/>
-                <a:highlight>
-                  <a:srgbClr val="FFFFFF"/>
-                </a:highlight>
-                <a:latin typeface="Consolas" panose="020B0609020204030204" pitchFamily="49" charset="0"/>
-              </a:rPr>
-              <a:t>gather</a:t>
-            </a:r>
-            <a:r>
-              <a:rPr lang="en-US" altLang="zh-CN" sz="1200" b="0" dirty="0">
-                <a:solidFill>
-                  <a:srgbClr val="3B3B3B"/>
-                </a:solidFill>
-                <a:effectLst/>
-                <a:highlight>
-                  <a:srgbClr val="FFFFFF"/>
-                </a:highlight>
-                <a:latin typeface="Consolas" panose="020B0609020204030204" pitchFamily="49" charset="0"/>
-              </a:rPr>
-              <a:t>(</a:t>
-            </a:r>
-            <a:r>
-              <a:rPr lang="en-US" altLang="zh-CN" sz="1200" b="0" dirty="0">
-                <a:solidFill>
-                  <a:srgbClr val="000000"/>
-                </a:solidFill>
-                <a:effectLst/>
-                <a:highlight>
-                  <a:srgbClr val="FFFFFF"/>
-                </a:highlight>
-                <a:latin typeface="Consolas" panose="020B0609020204030204" pitchFamily="49" charset="0"/>
-              </a:rPr>
-              <a:t>*</a:t>
-            </a:r>
-            <a:r>
-              <a:rPr lang="en-US" altLang="zh-CN" sz="1200" b="0" dirty="0">
-                <a:solidFill>
-                  <a:srgbClr val="001080"/>
-                </a:solidFill>
-                <a:effectLst/>
-                <a:highlight>
-                  <a:srgbClr val="FFFFFF"/>
-                </a:highlight>
-                <a:latin typeface="Consolas" panose="020B0609020204030204" pitchFamily="49" charset="0"/>
-              </a:rPr>
-              <a:t>tasks</a:t>
-            </a:r>
-            <a:r>
-              <a:rPr lang="en-US" altLang="zh-CN" sz="1200" b="0" dirty="0">
-                <a:solidFill>
-                  <a:srgbClr val="3B3B3B"/>
-                </a:solidFill>
-                <a:effectLst/>
-                <a:highlight>
-                  <a:srgbClr val="FFFFFF"/>
-                </a:highlight>
-                <a:latin typeface="Consolas" panose="020B0609020204030204" pitchFamily="49" charset="0"/>
-              </a:rPr>
-              <a:t>))</a:t>
-            </a:r>
-          </a:p>
-          <a:p>
-            <a:br>
-              <a:rPr lang="en-US" altLang="zh-CN" sz="1200" b="0" dirty="0">
-                <a:solidFill>
-                  <a:srgbClr val="3B3B3B"/>
-                </a:solidFill>
-                <a:effectLst/>
-                <a:highlight>
-                  <a:srgbClr val="FFFFFF"/>
-                </a:highlight>
-                <a:latin typeface="Consolas" panose="020B0609020204030204" pitchFamily="49" charset="0"/>
-              </a:rPr>
-            </a:br>
-            <a:r>
-              <a:rPr lang="en-US" altLang="zh-CN" sz="1200" b="0" dirty="0">
-                <a:solidFill>
-                  <a:srgbClr val="3B3B3B"/>
-                </a:solidFill>
-                <a:effectLst/>
-                <a:highlight>
-                  <a:srgbClr val="FFFFFF"/>
-                </a:highlight>
-                <a:latin typeface="Consolas" panose="020B0609020204030204" pitchFamily="49" charset="0"/>
-              </a:rPr>
-              <a:t>    </a:t>
-            </a:r>
-            <a:r>
-              <a:rPr lang="en-US" altLang="zh-CN" sz="1200" b="0" dirty="0">
-                <a:solidFill>
-                  <a:srgbClr val="795E26"/>
-                </a:solidFill>
-                <a:effectLst/>
-                <a:highlight>
-                  <a:srgbClr val="FFFFFF"/>
-                </a:highlight>
-                <a:latin typeface="Consolas" panose="020B0609020204030204" pitchFamily="49" charset="0"/>
-              </a:rPr>
-              <a:t>print</a:t>
-            </a:r>
-            <a:r>
-              <a:rPr lang="en-US" altLang="zh-CN" sz="1200" b="0" dirty="0">
-                <a:solidFill>
-                  <a:srgbClr val="3B3B3B"/>
-                </a:solidFill>
-                <a:effectLst/>
-                <a:highlight>
-                  <a:srgbClr val="FFFFFF"/>
-                </a:highlight>
-                <a:latin typeface="Consolas" panose="020B0609020204030204" pitchFamily="49" charset="0"/>
-              </a:rPr>
-              <a:t>(</a:t>
-            </a:r>
-            <a:r>
-              <a:rPr lang="en-US" altLang="zh-CN" sz="1200" b="0" dirty="0">
-                <a:solidFill>
-                  <a:srgbClr val="A31515"/>
-                </a:solidFill>
-                <a:effectLst/>
-                <a:highlight>
-                  <a:srgbClr val="FFFFFF"/>
-                </a:highlight>
-                <a:latin typeface="Consolas" panose="020B0609020204030204" pitchFamily="49" charset="0"/>
-              </a:rPr>
-              <a:t>"program over!"</a:t>
-            </a:r>
-            <a:r>
-              <a:rPr lang="en-US" altLang="zh-CN" sz="1200" b="0" dirty="0">
-                <a:solidFill>
-                  <a:srgbClr val="3B3B3B"/>
-                </a:solidFill>
-                <a:effectLst/>
-                <a:highlight>
-                  <a:srgbClr val="FFFFFF"/>
-                </a:highlight>
-                <a:latin typeface="Consolas" panose="020B0609020204030204" pitchFamily="49" charset="0"/>
-              </a:rPr>
-              <a:t>)</a:t>
-            </a:r>
-          </a:p>
-          <a:p>
-            <a:r>
-              <a:rPr lang="en-US" altLang="zh-CN" sz="1200" b="0" dirty="0">
-                <a:solidFill>
-                  <a:srgbClr val="3B3B3B"/>
-                </a:solidFill>
-                <a:effectLst/>
-                <a:highlight>
-                  <a:srgbClr val="FFFFFF"/>
-                </a:highlight>
-                <a:latin typeface="Consolas" panose="020B0609020204030204" pitchFamily="49" charset="0"/>
-              </a:rPr>
-              <a:t>    </a:t>
-            </a:r>
-            <a:r>
-              <a:rPr lang="en-US" altLang="zh-CN" sz="1200" b="0" dirty="0">
-                <a:solidFill>
-                  <a:srgbClr val="795E26"/>
-                </a:solidFill>
-                <a:effectLst/>
-                <a:highlight>
-                  <a:srgbClr val="FFFFFF"/>
-                </a:highlight>
-                <a:latin typeface="Consolas" panose="020B0609020204030204" pitchFamily="49" charset="0"/>
-              </a:rPr>
-              <a:t>print</a:t>
-            </a:r>
-            <a:r>
-              <a:rPr lang="en-US" altLang="zh-CN" sz="1200" b="0" dirty="0">
-                <a:solidFill>
-                  <a:srgbClr val="3B3B3B"/>
-                </a:solidFill>
-                <a:effectLst/>
-                <a:highlight>
-                  <a:srgbClr val="FFFFFF"/>
-                </a:highlight>
-                <a:latin typeface="Consolas" panose="020B0609020204030204" pitchFamily="49" charset="0"/>
-              </a:rPr>
-              <a:t>(</a:t>
-            </a:r>
-            <a:r>
-              <a:rPr lang="en-US" altLang="zh-CN" sz="1200" b="0" dirty="0" err="1">
-                <a:solidFill>
-                  <a:srgbClr val="267F99"/>
-                </a:solidFill>
-                <a:effectLst/>
-                <a:highlight>
-                  <a:srgbClr val="FFFFFF"/>
-                </a:highlight>
-                <a:latin typeface="Consolas" panose="020B0609020204030204" pitchFamily="49" charset="0"/>
-              </a:rPr>
-              <a:t>time</a:t>
-            </a:r>
-            <a:r>
-              <a:rPr lang="en-US" altLang="zh-CN" sz="1200" b="0" dirty="0" err="1">
-                <a:solidFill>
-                  <a:srgbClr val="3B3B3B"/>
-                </a:solidFill>
-                <a:effectLst/>
-                <a:highlight>
-                  <a:srgbClr val="FFFFFF"/>
-                </a:highlight>
-                <a:latin typeface="Consolas" panose="020B0609020204030204" pitchFamily="49" charset="0"/>
-              </a:rPr>
-              <a:t>.</a:t>
-            </a:r>
-            <a:r>
-              <a:rPr lang="en-US" altLang="zh-CN" sz="1200" b="0" dirty="0" err="1">
-                <a:solidFill>
-                  <a:srgbClr val="795E26"/>
-                </a:solidFill>
-                <a:effectLst/>
-                <a:highlight>
-                  <a:srgbClr val="FFFFFF"/>
-                </a:highlight>
-                <a:latin typeface="Consolas" panose="020B0609020204030204" pitchFamily="49" charset="0"/>
-              </a:rPr>
-              <a:t>time</a:t>
-            </a:r>
-            <a:r>
-              <a:rPr lang="en-US" altLang="zh-CN" sz="1200" b="0" dirty="0">
-                <a:solidFill>
-                  <a:srgbClr val="3B3B3B"/>
-                </a:solidFill>
-                <a:effectLst/>
-                <a:highlight>
-                  <a:srgbClr val="FFFFFF"/>
-                </a:highlight>
-                <a:latin typeface="Consolas" panose="020B0609020204030204" pitchFamily="49" charset="0"/>
-              </a:rPr>
-              <a:t>() </a:t>
-            </a:r>
-            <a:r>
-              <a:rPr lang="en-US" altLang="zh-CN" sz="1200" b="0" dirty="0">
-                <a:solidFill>
-                  <a:srgbClr val="000000"/>
-                </a:solidFill>
-                <a:effectLst/>
-                <a:highlight>
-                  <a:srgbClr val="FFFFFF"/>
-                </a:highlight>
-                <a:latin typeface="Consolas" panose="020B0609020204030204" pitchFamily="49" charset="0"/>
-              </a:rPr>
-              <a:t>-</a:t>
-            </a:r>
-            <a:r>
-              <a:rPr lang="en-US" altLang="zh-CN" sz="1200" b="0" dirty="0">
-                <a:solidFill>
-                  <a:srgbClr val="3B3B3B"/>
-                </a:solidFill>
-                <a:effectLst/>
-                <a:highlight>
-                  <a:srgbClr val="FFFFFF"/>
-                </a:highlight>
-                <a:latin typeface="Consolas" panose="020B0609020204030204" pitchFamily="49" charset="0"/>
-              </a:rPr>
-              <a:t> </a:t>
-            </a:r>
-            <a:r>
-              <a:rPr lang="en-US" altLang="zh-CN" sz="1200" b="0" dirty="0">
-                <a:solidFill>
-                  <a:srgbClr val="001080"/>
-                </a:solidFill>
-                <a:effectLst/>
-                <a:highlight>
-                  <a:srgbClr val="FFFFFF"/>
-                </a:highlight>
-                <a:latin typeface="Consolas" panose="020B0609020204030204" pitchFamily="49" charset="0"/>
-              </a:rPr>
-              <a:t>start</a:t>
-            </a:r>
-            <a:r>
-              <a:rPr lang="en-US" altLang="zh-CN" sz="1200" b="0" dirty="0">
-                <a:solidFill>
-                  <a:srgbClr val="3B3B3B"/>
-                </a:solidFill>
-                <a:effectLst/>
-                <a:highlight>
-                  <a:srgbClr val="FFFFFF"/>
-                </a:highlight>
-                <a:latin typeface="Consolas" panose="020B0609020204030204" pitchFamily="49" charset="0"/>
-              </a:rPr>
-              <a:t>)</a:t>
-            </a:r>
+              <a:t>)			</a:t>
+            </a:r>
+            <a:r>
+              <a:rPr lang="en-US" altLang="zh-CN" sz="1200" b="0" dirty="0">
+                <a:solidFill>
+                  <a:srgbClr val="008000"/>
+                </a:solidFill>
+                <a:effectLst/>
+                <a:highlight>
+                  <a:srgbClr val="FFFFFF"/>
+                </a:highlight>
+                <a:latin typeface="Consolas" panose="020B0609020204030204" pitchFamily="49" charset="0"/>
+              </a:rPr>
+              <a:t>#</a:t>
+            </a:r>
+            <a:r>
+              <a:rPr lang="ja-JP" altLang="en-US" sz="1200" b="0" dirty="0">
+                <a:solidFill>
+                  <a:srgbClr val="008000"/>
+                </a:solidFill>
+                <a:effectLst/>
+                <a:highlight>
+                  <a:srgbClr val="FFFFFF"/>
+                </a:highlight>
+                <a:latin typeface="Consolas" panose="020B0609020204030204" pitchFamily="49" charset="0"/>
+              </a:rPr>
+              <a:t>　プログラムの実行時間</a:t>
+            </a:r>
+            <a:endParaRPr lang="en-US" altLang="zh-CN" sz="1200" b="0" dirty="0">
+              <a:solidFill>
+                <a:srgbClr val="3B3B3B"/>
+              </a:solidFill>
+              <a:effectLst/>
+              <a:highlight>
+                <a:srgbClr val="FFFFFF"/>
+              </a:highlight>
+              <a:latin typeface="Consolas" panose="020B0609020204030204" pitchFamily="49" charset="0"/>
+            </a:endParaRPr>
           </a:p>
         </p:txBody>
       </p:sp>
+      <p:grpSp>
+        <p:nvGrpSpPr>
+          <p:cNvPr id="12" name="组合 11">
+            <a:extLst>
+              <a:ext uri="{FF2B5EF4-FFF2-40B4-BE49-F238E27FC236}">
+                <a16:creationId xmlns:a16="http://schemas.microsoft.com/office/drawing/2014/main" id="{AD38FDB6-507E-90AF-E8E9-8F189709FB5B}"/>
+              </a:ext>
+            </a:extLst>
+          </p:cNvPr>
+          <p:cNvGrpSpPr/>
+          <p:nvPr/>
+        </p:nvGrpSpPr>
+        <p:grpSpPr>
+          <a:xfrm>
+            <a:off x="9374203" y="981938"/>
+            <a:ext cx="2749377" cy="1600438"/>
+            <a:chOff x="9391137" y="981938"/>
+            <a:chExt cx="2749377" cy="1600438"/>
+          </a:xfrm>
+        </p:grpSpPr>
+        <p:sp>
+          <p:nvSpPr>
+            <p:cNvPr id="2" name="文本框 1">
+              <a:extLst>
+                <a:ext uri="{FF2B5EF4-FFF2-40B4-BE49-F238E27FC236}">
+                  <a16:creationId xmlns:a16="http://schemas.microsoft.com/office/drawing/2014/main" id="{3C15B4F5-86E5-739E-EB37-ED2DBA690B33}"/>
+                </a:ext>
+              </a:extLst>
+            </p:cNvPr>
+            <p:cNvSpPr txBox="1"/>
+            <p:nvPr/>
+          </p:nvSpPr>
+          <p:spPr>
+            <a:xfrm>
+              <a:off x="9391137" y="981938"/>
+              <a:ext cx="2749377" cy="1600438"/>
+            </a:xfrm>
+            <a:prstGeom prst="rect">
+              <a:avLst/>
+            </a:prstGeom>
+            <a:noFill/>
+            <a:ln>
+              <a:solidFill>
+                <a:schemeClr val="tx1"/>
+              </a:solidFill>
+            </a:ln>
+          </p:spPr>
+          <p:txBody>
+            <a:bodyPr wrap="square" rtlCol="0">
+              <a:spAutoFit/>
+            </a:bodyPr>
+            <a:lstStyle/>
+            <a:p>
+              <a:r>
+                <a:rPr lang="ja-JP" altLang="en-US" sz="1400" dirty="0"/>
+                <a:t>出力：</a:t>
+              </a:r>
+              <a:endParaRPr lang="en-US" altLang="zh-CN" sz="1400" dirty="0"/>
+            </a:p>
+            <a:p>
+              <a:r>
+                <a:rPr lang="en-US" altLang="zh-CN" sz="1400" dirty="0"/>
+                <a:t>task jack is now on!</a:t>
+              </a:r>
+            </a:p>
+            <a:p>
+              <a:r>
+                <a:rPr lang="en-US" altLang="zh-CN" sz="1400" dirty="0"/>
+                <a:t>task rose is now on!</a:t>
+              </a:r>
+            </a:p>
+            <a:p>
+              <a:r>
+                <a:rPr lang="en-US" altLang="zh-CN" sz="1400" dirty="0"/>
+                <a:t>Hello, jack</a:t>
+              </a:r>
+            </a:p>
+            <a:p>
+              <a:r>
+                <a:rPr lang="en-US" altLang="zh-CN" sz="1400" dirty="0"/>
+                <a:t>Hello, rose</a:t>
+              </a:r>
+            </a:p>
+            <a:p>
+              <a:r>
+                <a:rPr lang="en-US" altLang="zh-CN" sz="1400" dirty="0"/>
+                <a:t>program over!</a:t>
+              </a:r>
+            </a:p>
+            <a:p>
+              <a:r>
+                <a:rPr lang="en-US" altLang="zh-CN" sz="1400" dirty="0"/>
+                <a:t>3.0125648975372314</a:t>
+              </a:r>
+              <a:endParaRPr lang="zh-CN" altLang="en-US" sz="1400" dirty="0"/>
+            </a:p>
+          </p:txBody>
+        </p:sp>
+        <p:sp>
+          <p:nvSpPr>
+            <p:cNvPr id="3" name="右大括号 2">
+              <a:extLst>
+                <a:ext uri="{FF2B5EF4-FFF2-40B4-BE49-F238E27FC236}">
+                  <a16:creationId xmlns:a16="http://schemas.microsoft.com/office/drawing/2014/main" id="{98A8F1CD-39F2-5861-0606-310DE211B039}"/>
+                </a:ext>
+              </a:extLst>
+            </p:cNvPr>
+            <p:cNvSpPr/>
+            <p:nvPr/>
+          </p:nvSpPr>
+          <p:spPr>
+            <a:xfrm>
+              <a:off x="11028175" y="1282814"/>
+              <a:ext cx="133065" cy="327569"/>
+            </a:xfrm>
+            <a:prstGeom prst="rightBrace">
+              <a:avLst/>
+            </a:prstGeom>
+          </p:spPr>
+          <p:style>
+            <a:lnRef idx="1">
+              <a:schemeClr val="accent1"/>
+            </a:lnRef>
+            <a:fillRef idx="0">
+              <a:schemeClr val="accent1"/>
+            </a:fillRef>
+            <a:effectRef idx="0">
+              <a:schemeClr val="accent1"/>
+            </a:effectRef>
+            <a:fontRef idx="minor">
+              <a:schemeClr val="tx1"/>
+            </a:fontRef>
+          </p:style>
+          <p:txBody>
+            <a:bodyPr rtlCol="0" anchor="ctr"/>
+            <a:lstStyle/>
+            <a:p>
+              <a:pPr algn="ctr"/>
+              <a:endParaRPr lang="zh-CN" altLang="en-US"/>
+            </a:p>
+          </p:txBody>
+        </p:sp>
+        <p:sp>
+          <p:nvSpPr>
+            <p:cNvPr id="7" name="文本框 6">
+              <a:extLst>
+                <a:ext uri="{FF2B5EF4-FFF2-40B4-BE49-F238E27FC236}">
+                  <a16:creationId xmlns:a16="http://schemas.microsoft.com/office/drawing/2014/main" id="{A7448E3F-D4C5-E01D-66E3-B0449BD9492B}"/>
+                </a:ext>
+              </a:extLst>
+            </p:cNvPr>
+            <p:cNvSpPr txBox="1"/>
+            <p:nvPr/>
+          </p:nvSpPr>
+          <p:spPr>
+            <a:xfrm>
+              <a:off x="11201401" y="1333384"/>
+              <a:ext cx="800219" cy="276999"/>
+            </a:xfrm>
+            <a:prstGeom prst="rect">
+              <a:avLst/>
+            </a:prstGeom>
+            <a:noFill/>
+          </p:spPr>
+          <p:txBody>
+            <a:bodyPr wrap="none" rtlCol="0">
+              <a:spAutoFit/>
+            </a:bodyPr>
+            <a:lstStyle/>
+            <a:p>
+              <a:r>
+                <a:rPr lang="ja-JP" altLang="en-US" sz="1200" dirty="0"/>
+                <a:t>ほぼ一瞬</a:t>
+              </a:r>
+              <a:endParaRPr lang="zh-CN" altLang="en-US" sz="1200" dirty="0"/>
+            </a:p>
+          </p:txBody>
+        </p:sp>
+        <p:sp>
+          <p:nvSpPr>
+            <p:cNvPr id="8" name="文本框 7">
+              <a:extLst>
+                <a:ext uri="{FF2B5EF4-FFF2-40B4-BE49-F238E27FC236}">
+                  <a16:creationId xmlns:a16="http://schemas.microsoft.com/office/drawing/2014/main" id="{C0A40AC3-A4B8-B856-EAD4-222BD04AC1ED}"/>
+                </a:ext>
+              </a:extLst>
+            </p:cNvPr>
+            <p:cNvSpPr txBox="1"/>
+            <p:nvPr/>
+          </p:nvSpPr>
+          <p:spPr>
+            <a:xfrm>
+              <a:off x="11370792" y="1610383"/>
+              <a:ext cx="728084" cy="276999"/>
+            </a:xfrm>
+            <a:prstGeom prst="rect">
+              <a:avLst/>
+            </a:prstGeom>
+            <a:noFill/>
+          </p:spPr>
+          <p:txBody>
+            <a:bodyPr wrap="none" rtlCol="0">
+              <a:spAutoFit/>
+            </a:bodyPr>
+            <a:lstStyle/>
+            <a:p>
+              <a:r>
+                <a:rPr lang="en-US" altLang="zh-CN" sz="1200" dirty="0"/>
+                <a:t>3</a:t>
+              </a:r>
+              <a:r>
+                <a:rPr lang="ja-JP" altLang="en-US" sz="1200" dirty="0"/>
+                <a:t>秒経過</a:t>
+              </a:r>
+              <a:endParaRPr lang="en-US" altLang="ja-JP" sz="1200" dirty="0"/>
+            </a:p>
+          </p:txBody>
+        </p:sp>
+        <p:cxnSp>
+          <p:nvCxnSpPr>
+            <p:cNvPr id="10" name="直接箭头连接符 9">
+              <a:extLst>
+                <a:ext uri="{FF2B5EF4-FFF2-40B4-BE49-F238E27FC236}">
+                  <a16:creationId xmlns:a16="http://schemas.microsoft.com/office/drawing/2014/main" id="{79F428CD-078C-F8E0-122E-89D347A1D45B}"/>
+                </a:ext>
+              </a:extLst>
+            </p:cNvPr>
+            <p:cNvCxnSpPr>
+              <a:cxnSpLocks/>
+            </p:cNvCxnSpPr>
+            <p:nvPr/>
+          </p:nvCxnSpPr>
+          <p:spPr>
+            <a:xfrm>
+              <a:off x="10350501" y="1719249"/>
+              <a:ext cx="982132" cy="0"/>
+            </a:xfrm>
+            <a:prstGeom prst="straightConnector1">
+              <a:avLst/>
+            </a:prstGeom>
+            <a:ln>
+              <a:tailEnd type="triangle"/>
+            </a:ln>
+          </p:spPr>
+          <p:style>
+            <a:lnRef idx="1">
+              <a:schemeClr val="accent1"/>
+            </a:lnRef>
+            <a:fillRef idx="0">
+              <a:schemeClr val="accent1"/>
+            </a:fillRef>
+            <a:effectRef idx="0">
+              <a:schemeClr val="accent1"/>
+            </a:effectRef>
+            <a:fontRef idx="minor">
+              <a:schemeClr val="tx1"/>
+            </a:fontRef>
+          </p:style>
+        </p:cxnSp>
+      </p:grpSp>
+      <p:grpSp>
+        <p:nvGrpSpPr>
+          <p:cNvPr id="44" name="组合 43">
+            <a:extLst>
+              <a:ext uri="{FF2B5EF4-FFF2-40B4-BE49-F238E27FC236}">
+                <a16:creationId xmlns:a16="http://schemas.microsoft.com/office/drawing/2014/main" id="{E051BDD6-5D14-9D37-760C-261061D43F73}"/>
+              </a:ext>
+            </a:extLst>
+          </p:cNvPr>
+          <p:cNvGrpSpPr/>
+          <p:nvPr/>
+        </p:nvGrpSpPr>
+        <p:grpSpPr>
+          <a:xfrm>
+            <a:off x="9213877" y="3817055"/>
+            <a:ext cx="2937312" cy="1707561"/>
+            <a:chOff x="9234051" y="3678558"/>
+            <a:chExt cx="2937312" cy="1707561"/>
+          </a:xfrm>
+        </p:grpSpPr>
+        <p:cxnSp>
+          <p:nvCxnSpPr>
+            <p:cNvPr id="14" name="直接箭头连接符 13">
+              <a:extLst>
+                <a:ext uri="{FF2B5EF4-FFF2-40B4-BE49-F238E27FC236}">
+                  <a16:creationId xmlns:a16="http://schemas.microsoft.com/office/drawing/2014/main" id="{E8C4AC89-5E1C-A582-5DA2-1A6AF9FBBAC2}"/>
+                </a:ext>
+              </a:extLst>
+            </p:cNvPr>
+            <p:cNvCxnSpPr>
+              <a:cxnSpLocks/>
+            </p:cNvCxnSpPr>
+            <p:nvPr/>
+          </p:nvCxnSpPr>
+          <p:spPr>
+            <a:xfrm>
+              <a:off x="10095768" y="3955557"/>
+              <a:ext cx="2075595" cy="0"/>
+            </a:xfrm>
+            <a:prstGeom prst="straightConnector1">
+              <a:avLst/>
+            </a:prstGeom>
+            <a:ln>
+              <a:tailEnd type="triangle"/>
+            </a:ln>
+          </p:spPr>
+          <p:style>
+            <a:lnRef idx="1">
+              <a:schemeClr val="accent1"/>
+            </a:lnRef>
+            <a:fillRef idx="0">
+              <a:schemeClr val="accent1"/>
+            </a:fillRef>
+            <a:effectRef idx="0">
+              <a:schemeClr val="accent1"/>
+            </a:effectRef>
+            <a:fontRef idx="minor">
+              <a:schemeClr val="tx1"/>
+            </a:fontRef>
+          </p:style>
+        </p:cxnSp>
+        <p:sp>
+          <p:nvSpPr>
+            <p:cNvPr id="15" name="文本框 14">
+              <a:extLst>
+                <a:ext uri="{FF2B5EF4-FFF2-40B4-BE49-F238E27FC236}">
+                  <a16:creationId xmlns:a16="http://schemas.microsoft.com/office/drawing/2014/main" id="{703BEA50-057C-6101-86D8-F8497AE3BEA1}"/>
+                </a:ext>
+              </a:extLst>
+            </p:cNvPr>
+            <p:cNvSpPr txBox="1"/>
+            <p:nvPr/>
+          </p:nvSpPr>
+          <p:spPr>
+            <a:xfrm>
+              <a:off x="9995755" y="3678558"/>
+              <a:ext cx="2096641" cy="276999"/>
+            </a:xfrm>
+            <a:prstGeom prst="rect">
+              <a:avLst/>
+            </a:prstGeom>
+            <a:noFill/>
+          </p:spPr>
+          <p:txBody>
+            <a:bodyPr wrap="square" rtlCol="0">
+              <a:spAutoFit/>
+            </a:bodyPr>
+            <a:lstStyle/>
+            <a:p>
+              <a:r>
+                <a:rPr lang="en-US" altLang="ja-JP" sz="1200" dirty="0"/>
+                <a:t>0</a:t>
+              </a:r>
+              <a:r>
+                <a:rPr lang="en-US" altLang="zh-CN" sz="1200" dirty="0"/>
+                <a:t>s                </a:t>
+              </a:r>
+              <a:r>
+                <a:rPr lang="ja-JP" altLang="en-US" sz="1200" dirty="0"/>
+                <a:t>時間               </a:t>
+              </a:r>
+              <a:r>
+                <a:rPr lang="en-US" altLang="ja-JP" sz="1200" dirty="0"/>
+                <a:t>3</a:t>
+              </a:r>
+              <a:r>
+                <a:rPr lang="en-US" altLang="zh-CN" sz="1200" dirty="0"/>
+                <a:t>s</a:t>
+              </a:r>
+              <a:endParaRPr lang="zh-CN" altLang="en-US" sz="1200" dirty="0"/>
+            </a:p>
+          </p:txBody>
+        </p:sp>
+        <p:grpSp>
+          <p:nvGrpSpPr>
+            <p:cNvPr id="21" name="组合 20">
+              <a:extLst>
+                <a:ext uri="{FF2B5EF4-FFF2-40B4-BE49-F238E27FC236}">
+                  <a16:creationId xmlns:a16="http://schemas.microsoft.com/office/drawing/2014/main" id="{6BFC33FA-CFEF-CE09-3FC3-061C3512B3C3}"/>
+                </a:ext>
+              </a:extLst>
+            </p:cNvPr>
+            <p:cNvGrpSpPr/>
+            <p:nvPr/>
+          </p:nvGrpSpPr>
+          <p:grpSpPr>
+            <a:xfrm>
+              <a:off x="9234051" y="4273342"/>
+              <a:ext cx="769763" cy="1112775"/>
+              <a:chOff x="9398368" y="4177530"/>
+              <a:chExt cx="769763" cy="1112775"/>
+            </a:xfrm>
+          </p:grpSpPr>
+          <p:sp>
+            <p:nvSpPr>
+              <p:cNvPr id="18" name="文本框 17">
+                <a:extLst>
+                  <a:ext uri="{FF2B5EF4-FFF2-40B4-BE49-F238E27FC236}">
+                    <a16:creationId xmlns:a16="http://schemas.microsoft.com/office/drawing/2014/main" id="{3578B05A-DCC2-E373-9DC7-8982562C02B0}"/>
+                  </a:ext>
+                </a:extLst>
+              </p:cNvPr>
+              <p:cNvSpPr txBox="1"/>
+              <p:nvPr/>
+            </p:nvSpPr>
+            <p:spPr>
+              <a:xfrm>
+                <a:off x="9398368" y="4595418"/>
+                <a:ext cx="739305" cy="276999"/>
+              </a:xfrm>
+              <a:prstGeom prst="rect">
+                <a:avLst/>
+              </a:prstGeom>
+              <a:noFill/>
+              <a:ln>
+                <a:solidFill>
+                  <a:schemeClr val="tx1"/>
+                </a:solidFill>
+              </a:ln>
+            </p:spPr>
+            <p:txBody>
+              <a:bodyPr wrap="none" rtlCol="0">
+                <a:spAutoFit/>
+              </a:bodyPr>
+              <a:lstStyle/>
+              <a:p>
+                <a:r>
+                  <a:rPr lang="en-US" altLang="zh-CN" sz="1200" dirty="0"/>
+                  <a:t>task jack</a:t>
+                </a:r>
+                <a:endParaRPr lang="zh-CN" altLang="en-US" sz="1200" dirty="0"/>
+              </a:p>
+            </p:txBody>
+          </p:sp>
+          <p:sp>
+            <p:nvSpPr>
+              <p:cNvPr id="19" name="文本框 18">
+                <a:extLst>
+                  <a:ext uri="{FF2B5EF4-FFF2-40B4-BE49-F238E27FC236}">
+                    <a16:creationId xmlns:a16="http://schemas.microsoft.com/office/drawing/2014/main" id="{474612F5-28DC-EF24-2BF0-2E68DD1BADDF}"/>
+                  </a:ext>
+                </a:extLst>
+              </p:cNvPr>
+              <p:cNvSpPr txBox="1"/>
+              <p:nvPr/>
+            </p:nvSpPr>
+            <p:spPr>
+              <a:xfrm>
+                <a:off x="9398368" y="5013306"/>
+                <a:ext cx="769763" cy="276999"/>
+              </a:xfrm>
+              <a:prstGeom prst="rect">
+                <a:avLst/>
+              </a:prstGeom>
+              <a:noFill/>
+              <a:ln>
+                <a:solidFill>
+                  <a:schemeClr val="tx1"/>
+                </a:solidFill>
+              </a:ln>
+            </p:spPr>
+            <p:txBody>
+              <a:bodyPr wrap="none" rtlCol="0">
+                <a:spAutoFit/>
+              </a:bodyPr>
+              <a:lstStyle/>
+              <a:p>
+                <a:r>
+                  <a:rPr lang="en-US" altLang="zh-CN" sz="1200" dirty="0"/>
+                  <a:t>task rose</a:t>
+                </a:r>
+                <a:endParaRPr lang="zh-CN" altLang="en-US" sz="1200" dirty="0"/>
+              </a:p>
+            </p:txBody>
+          </p:sp>
+          <p:sp>
+            <p:nvSpPr>
+              <p:cNvPr id="20" name="文本框 19">
+                <a:extLst>
+                  <a:ext uri="{FF2B5EF4-FFF2-40B4-BE49-F238E27FC236}">
+                    <a16:creationId xmlns:a16="http://schemas.microsoft.com/office/drawing/2014/main" id="{5F0EB6B4-0CAD-DDA8-4C2D-96D1B1C03BD6}"/>
+                  </a:ext>
+                </a:extLst>
+              </p:cNvPr>
+              <p:cNvSpPr txBox="1"/>
+              <p:nvPr/>
+            </p:nvSpPr>
+            <p:spPr>
+              <a:xfrm>
+                <a:off x="9491342" y="4177530"/>
+                <a:ext cx="646331" cy="276999"/>
+              </a:xfrm>
+              <a:prstGeom prst="rect">
+                <a:avLst/>
+              </a:prstGeom>
+              <a:noFill/>
+              <a:ln>
+                <a:solidFill>
+                  <a:schemeClr val="tx1"/>
+                </a:solidFill>
+              </a:ln>
+            </p:spPr>
+            <p:txBody>
+              <a:bodyPr wrap="none" rtlCol="0">
+                <a:spAutoFit/>
+              </a:bodyPr>
+              <a:lstStyle/>
+              <a:p>
+                <a:r>
+                  <a:rPr lang="ja-JP" altLang="en-US" sz="1200" dirty="0"/>
+                  <a:t>その他</a:t>
+                </a:r>
+                <a:endParaRPr lang="zh-CN" altLang="en-US" sz="1200" dirty="0"/>
+              </a:p>
+            </p:txBody>
+          </p:sp>
+        </p:grpSp>
+        <p:sp>
+          <p:nvSpPr>
+            <p:cNvPr id="22" name="矩形 21">
+              <a:extLst>
+                <a:ext uri="{FF2B5EF4-FFF2-40B4-BE49-F238E27FC236}">
+                  <a16:creationId xmlns:a16="http://schemas.microsoft.com/office/drawing/2014/main" id="{3551ACE2-807F-B9A7-564B-76EF28A86488}"/>
+                </a:ext>
+              </a:extLst>
+            </p:cNvPr>
+            <p:cNvSpPr/>
+            <p:nvPr/>
+          </p:nvSpPr>
+          <p:spPr>
+            <a:xfrm>
+              <a:off x="10095768" y="4273342"/>
+              <a:ext cx="63499" cy="277000"/>
+            </a:xfrm>
+            <a:prstGeom prst="rect">
+              <a:avLst/>
+            </a:prstGeom>
+          </p:spPr>
+          <p:style>
+            <a:lnRef idx="2">
+              <a:schemeClr val="accent1">
+                <a:shade val="15000"/>
+              </a:schemeClr>
+            </a:lnRef>
+            <a:fillRef idx="1">
+              <a:schemeClr val="accent1"/>
+            </a:fillRef>
+            <a:effectRef idx="0">
+              <a:schemeClr val="accent1"/>
+            </a:effectRef>
+            <a:fontRef idx="minor">
+              <a:schemeClr val="lt1"/>
+            </a:fontRef>
+          </p:style>
+          <p:txBody>
+            <a:bodyPr rtlCol="0" anchor="ctr"/>
+            <a:lstStyle/>
+            <a:p>
+              <a:pPr algn="ctr"/>
+              <a:endParaRPr lang="zh-CN" altLang="en-US"/>
+            </a:p>
+          </p:txBody>
+        </p:sp>
+        <p:sp>
+          <p:nvSpPr>
+            <p:cNvPr id="23" name="矩形 22">
+              <a:extLst>
+                <a:ext uri="{FF2B5EF4-FFF2-40B4-BE49-F238E27FC236}">
+                  <a16:creationId xmlns:a16="http://schemas.microsoft.com/office/drawing/2014/main" id="{F2048BF0-9B0E-5B65-0497-692A511C3E5E}"/>
+                </a:ext>
+              </a:extLst>
+            </p:cNvPr>
+            <p:cNvSpPr/>
+            <p:nvPr/>
+          </p:nvSpPr>
+          <p:spPr>
+            <a:xfrm>
+              <a:off x="10159267" y="4691230"/>
+              <a:ext cx="63499" cy="277000"/>
+            </a:xfrm>
+            <a:prstGeom prst="rect">
+              <a:avLst/>
+            </a:prstGeom>
+            <a:solidFill>
+              <a:schemeClr val="accent2"/>
+            </a:solidFill>
+          </p:spPr>
+          <p:style>
+            <a:lnRef idx="2">
+              <a:schemeClr val="accent1">
+                <a:shade val="15000"/>
+              </a:schemeClr>
+            </a:lnRef>
+            <a:fillRef idx="1">
+              <a:schemeClr val="accent1"/>
+            </a:fillRef>
+            <a:effectRef idx="0">
+              <a:schemeClr val="accent1"/>
+            </a:effectRef>
+            <a:fontRef idx="minor">
+              <a:schemeClr val="lt1"/>
+            </a:fontRef>
+          </p:style>
+          <p:txBody>
+            <a:bodyPr rtlCol="0" anchor="ctr"/>
+            <a:lstStyle/>
+            <a:p>
+              <a:pPr algn="ctr"/>
+              <a:endParaRPr lang="zh-CN" altLang="en-US"/>
+            </a:p>
+          </p:txBody>
+        </p:sp>
+        <p:sp>
+          <p:nvSpPr>
+            <p:cNvPr id="24" name="矩形 23">
+              <a:extLst>
+                <a:ext uri="{FF2B5EF4-FFF2-40B4-BE49-F238E27FC236}">
+                  <a16:creationId xmlns:a16="http://schemas.microsoft.com/office/drawing/2014/main" id="{555D6B72-3864-D703-E71C-83AA58C02FD2}"/>
+                </a:ext>
+              </a:extLst>
+            </p:cNvPr>
+            <p:cNvSpPr/>
+            <p:nvPr/>
+          </p:nvSpPr>
+          <p:spPr>
+            <a:xfrm>
+              <a:off x="10222766" y="5109117"/>
+              <a:ext cx="63499" cy="277000"/>
+            </a:xfrm>
+            <a:prstGeom prst="rect">
+              <a:avLst/>
+            </a:prstGeom>
+            <a:solidFill>
+              <a:schemeClr val="accent6"/>
+            </a:solidFill>
+          </p:spPr>
+          <p:style>
+            <a:lnRef idx="2">
+              <a:schemeClr val="accent1">
+                <a:shade val="15000"/>
+              </a:schemeClr>
+            </a:lnRef>
+            <a:fillRef idx="1">
+              <a:schemeClr val="accent1"/>
+            </a:fillRef>
+            <a:effectRef idx="0">
+              <a:schemeClr val="accent1"/>
+            </a:effectRef>
+            <a:fontRef idx="minor">
+              <a:schemeClr val="lt1"/>
+            </a:fontRef>
+          </p:style>
+          <p:txBody>
+            <a:bodyPr rtlCol="0" anchor="ctr"/>
+            <a:lstStyle/>
+            <a:p>
+              <a:pPr algn="ctr"/>
+              <a:endParaRPr lang="zh-CN" altLang="en-US"/>
+            </a:p>
+          </p:txBody>
+        </p:sp>
+        <p:sp>
+          <p:nvSpPr>
+            <p:cNvPr id="25" name="矩形 24">
+              <a:extLst>
+                <a:ext uri="{FF2B5EF4-FFF2-40B4-BE49-F238E27FC236}">
+                  <a16:creationId xmlns:a16="http://schemas.microsoft.com/office/drawing/2014/main" id="{5C2EA723-9D1C-B086-44BD-620D613AECA6}"/>
+                </a:ext>
+              </a:extLst>
+            </p:cNvPr>
+            <p:cNvSpPr/>
+            <p:nvPr/>
+          </p:nvSpPr>
+          <p:spPr>
+            <a:xfrm>
+              <a:off x="10222766" y="4691230"/>
+              <a:ext cx="1698421" cy="277000"/>
+            </a:xfrm>
+            <a:prstGeom prst="rect">
+              <a:avLst/>
+            </a:prstGeom>
+            <a:solidFill>
+              <a:schemeClr val="accent2"/>
+            </a:solidFill>
+          </p:spPr>
+          <p:style>
+            <a:lnRef idx="2">
+              <a:schemeClr val="accent1">
+                <a:shade val="15000"/>
+              </a:schemeClr>
+            </a:lnRef>
+            <a:fillRef idx="1">
+              <a:schemeClr val="accent1"/>
+            </a:fillRef>
+            <a:effectRef idx="0">
+              <a:schemeClr val="accent1"/>
+            </a:effectRef>
+            <a:fontRef idx="minor">
+              <a:schemeClr val="lt1"/>
+            </a:fontRef>
+          </p:style>
+          <p:txBody>
+            <a:bodyPr rtlCol="0" anchor="ctr"/>
+            <a:lstStyle/>
+            <a:p>
+              <a:pPr algn="ctr"/>
+              <a:r>
+                <a:rPr lang="en-US" altLang="zh-CN" sz="1100" dirty="0"/>
+                <a:t>3</a:t>
+              </a:r>
+              <a:r>
+                <a:rPr lang="ja-JP" altLang="en-US" sz="1100" dirty="0"/>
+                <a:t>秒待つ</a:t>
+              </a:r>
+              <a:endParaRPr lang="zh-CN" altLang="en-US" sz="1100" dirty="0"/>
+            </a:p>
+          </p:txBody>
+        </p:sp>
+        <p:sp>
+          <p:nvSpPr>
+            <p:cNvPr id="26" name="矩形 25">
+              <a:extLst>
+                <a:ext uri="{FF2B5EF4-FFF2-40B4-BE49-F238E27FC236}">
+                  <a16:creationId xmlns:a16="http://schemas.microsoft.com/office/drawing/2014/main" id="{51ED7A8F-E41E-DB8F-1C2B-7CD2FD6957C0}"/>
+                </a:ext>
+              </a:extLst>
+            </p:cNvPr>
+            <p:cNvSpPr/>
+            <p:nvPr/>
+          </p:nvSpPr>
+          <p:spPr>
+            <a:xfrm>
+              <a:off x="10286265" y="5109117"/>
+              <a:ext cx="1698421" cy="277000"/>
+            </a:xfrm>
+            <a:prstGeom prst="rect">
+              <a:avLst/>
+            </a:prstGeom>
+            <a:solidFill>
+              <a:schemeClr val="accent6"/>
+            </a:solidFill>
+          </p:spPr>
+          <p:style>
+            <a:lnRef idx="2">
+              <a:schemeClr val="accent1">
+                <a:shade val="15000"/>
+              </a:schemeClr>
+            </a:lnRef>
+            <a:fillRef idx="1">
+              <a:schemeClr val="accent1"/>
+            </a:fillRef>
+            <a:effectRef idx="0">
+              <a:schemeClr val="accent1"/>
+            </a:effectRef>
+            <a:fontRef idx="minor">
+              <a:schemeClr val="lt1"/>
+            </a:fontRef>
+          </p:style>
+          <p:txBody>
+            <a:bodyPr rtlCol="0" anchor="ctr"/>
+            <a:lstStyle/>
+            <a:p>
+              <a:pPr algn="ctr"/>
+              <a:r>
+                <a:rPr lang="en-US" altLang="zh-CN" sz="1100" dirty="0"/>
+                <a:t>3</a:t>
+              </a:r>
+              <a:r>
+                <a:rPr lang="ja-JP" altLang="en-US" sz="1100" dirty="0"/>
+                <a:t>秒待つ</a:t>
+              </a:r>
+              <a:endParaRPr lang="zh-CN" altLang="en-US" sz="1100" dirty="0"/>
+            </a:p>
+          </p:txBody>
+        </p:sp>
+        <p:cxnSp>
+          <p:nvCxnSpPr>
+            <p:cNvPr id="28" name="直接连接符 27">
+              <a:extLst>
+                <a:ext uri="{FF2B5EF4-FFF2-40B4-BE49-F238E27FC236}">
+                  <a16:creationId xmlns:a16="http://schemas.microsoft.com/office/drawing/2014/main" id="{54B49611-4751-3C22-6EA2-9D0847EA276D}"/>
+                </a:ext>
+              </a:extLst>
+            </p:cNvPr>
+            <p:cNvCxnSpPr>
+              <a:cxnSpLocks/>
+            </p:cNvCxnSpPr>
+            <p:nvPr/>
+          </p:nvCxnSpPr>
+          <p:spPr>
+            <a:xfrm flipH="1">
+              <a:off x="10095768" y="3955557"/>
+              <a:ext cx="1179" cy="1430562"/>
+            </a:xfrm>
+            <a:prstGeom prst="line">
+              <a:avLst/>
+            </a:prstGeom>
+            <a:ln>
+              <a:prstDash val="sysDot"/>
+            </a:ln>
+          </p:spPr>
+          <p:style>
+            <a:lnRef idx="1">
+              <a:schemeClr val="accent1"/>
+            </a:lnRef>
+            <a:fillRef idx="0">
+              <a:schemeClr val="accent1"/>
+            </a:fillRef>
+            <a:effectRef idx="0">
+              <a:schemeClr val="accent1"/>
+            </a:effectRef>
+            <a:fontRef idx="minor">
+              <a:schemeClr val="tx1"/>
+            </a:fontRef>
+          </p:style>
+        </p:cxnSp>
+        <p:cxnSp>
+          <p:nvCxnSpPr>
+            <p:cNvPr id="31" name="直接连接符 30">
+              <a:extLst>
+                <a:ext uri="{FF2B5EF4-FFF2-40B4-BE49-F238E27FC236}">
+                  <a16:creationId xmlns:a16="http://schemas.microsoft.com/office/drawing/2014/main" id="{7D3B2F64-BD06-102A-506B-B57AAF636031}"/>
+                </a:ext>
+              </a:extLst>
+            </p:cNvPr>
+            <p:cNvCxnSpPr>
+              <a:cxnSpLocks/>
+            </p:cNvCxnSpPr>
+            <p:nvPr/>
+          </p:nvCxnSpPr>
+          <p:spPr>
+            <a:xfrm flipH="1">
+              <a:off x="10156551" y="3955555"/>
+              <a:ext cx="1179" cy="1430562"/>
+            </a:xfrm>
+            <a:prstGeom prst="line">
+              <a:avLst/>
+            </a:prstGeom>
+            <a:ln>
+              <a:prstDash val="sysDot"/>
+            </a:ln>
+          </p:spPr>
+          <p:style>
+            <a:lnRef idx="1">
+              <a:schemeClr val="accent1"/>
+            </a:lnRef>
+            <a:fillRef idx="0">
+              <a:schemeClr val="accent1"/>
+            </a:fillRef>
+            <a:effectRef idx="0">
+              <a:schemeClr val="accent1"/>
+            </a:effectRef>
+            <a:fontRef idx="minor">
+              <a:schemeClr val="tx1"/>
+            </a:fontRef>
+          </p:style>
+        </p:cxnSp>
+        <p:cxnSp>
+          <p:nvCxnSpPr>
+            <p:cNvPr id="32" name="直接连接符 31">
+              <a:extLst>
+                <a:ext uri="{FF2B5EF4-FFF2-40B4-BE49-F238E27FC236}">
+                  <a16:creationId xmlns:a16="http://schemas.microsoft.com/office/drawing/2014/main" id="{5DD0ED89-2FBF-FD03-5CFA-275E1ED1B1C8}"/>
+                </a:ext>
+              </a:extLst>
+            </p:cNvPr>
+            <p:cNvCxnSpPr>
+              <a:cxnSpLocks/>
+            </p:cNvCxnSpPr>
+            <p:nvPr/>
+          </p:nvCxnSpPr>
+          <p:spPr>
+            <a:xfrm flipH="1">
+              <a:off x="10225300" y="3955555"/>
+              <a:ext cx="1179" cy="1430562"/>
+            </a:xfrm>
+            <a:prstGeom prst="line">
+              <a:avLst/>
+            </a:prstGeom>
+            <a:ln>
+              <a:prstDash val="sysDot"/>
+            </a:ln>
+          </p:spPr>
+          <p:style>
+            <a:lnRef idx="1">
+              <a:schemeClr val="accent1"/>
+            </a:lnRef>
+            <a:fillRef idx="0">
+              <a:schemeClr val="accent1"/>
+            </a:fillRef>
+            <a:effectRef idx="0">
+              <a:schemeClr val="accent1"/>
+            </a:effectRef>
+            <a:fontRef idx="minor">
+              <a:schemeClr val="tx1"/>
+            </a:fontRef>
+          </p:style>
+        </p:cxnSp>
+        <p:cxnSp>
+          <p:nvCxnSpPr>
+            <p:cNvPr id="33" name="直接连接符 32">
+              <a:extLst>
+                <a:ext uri="{FF2B5EF4-FFF2-40B4-BE49-F238E27FC236}">
+                  <a16:creationId xmlns:a16="http://schemas.microsoft.com/office/drawing/2014/main" id="{1C725FD5-0943-3096-8A1E-7426C7A4C2F0}"/>
+                </a:ext>
+              </a:extLst>
+            </p:cNvPr>
+            <p:cNvCxnSpPr>
+              <a:cxnSpLocks/>
+            </p:cNvCxnSpPr>
+            <p:nvPr/>
+          </p:nvCxnSpPr>
+          <p:spPr>
+            <a:xfrm flipH="1">
+              <a:off x="10288799" y="3955555"/>
+              <a:ext cx="1179" cy="1430562"/>
+            </a:xfrm>
+            <a:prstGeom prst="line">
+              <a:avLst/>
+            </a:prstGeom>
+            <a:ln>
+              <a:prstDash val="sysDot"/>
+            </a:ln>
+          </p:spPr>
+          <p:style>
+            <a:lnRef idx="1">
+              <a:schemeClr val="accent1"/>
+            </a:lnRef>
+            <a:fillRef idx="0">
+              <a:schemeClr val="accent1"/>
+            </a:fillRef>
+            <a:effectRef idx="0">
+              <a:schemeClr val="accent1"/>
+            </a:effectRef>
+            <a:fontRef idx="minor">
+              <a:schemeClr val="tx1"/>
+            </a:fontRef>
+          </p:style>
+        </p:cxnSp>
+        <p:sp>
+          <p:nvSpPr>
+            <p:cNvPr id="34" name="矩形 33">
+              <a:extLst>
+                <a:ext uri="{FF2B5EF4-FFF2-40B4-BE49-F238E27FC236}">
+                  <a16:creationId xmlns:a16="http://schemas.microsoft.com/office/drawing/2014/main" id="{01E8FED1-EE5A-D23E-BC1B-332E41C7BDED}"/>
+                </a:ext>
+              </a:extLst>
+            </p:cNvPr>
+            <p:cNvSpPr/>
+            <p:nvPr/>
+          </p:nvSpPr>
+          <p:spPr>
+            <a:xfrm>
+              <a:off x="11920008" y="4691230"/>
+              <a:ext cx="63499" cy="277000"/>
+            </a:xfrm>
+            <a:prstGeom prst="rect">
+              <a:avLst/>
+            </a:prstGeom>
+            <a:solidFill>
+              <a:schemeClr val="accent2"/>
+            </a:solidFill>
+          </p:spPr>
+          <p:style>
+            <a:lnRef idx="2">
+              <a:schemeClr val="accent1">
+                <a:shade val="15000"/>
+              </a:schemeClr>
+            </a:lnRef>
+            <a:fillRef idx="1">
+              <a:schemeClr val="accent1"/>
+            </a:fillRef>
+            <a:effectRef idx="0">
+              <a:schemeClr val="accent1"/>
+            </a:effectRef>
+            <a:fontRef idx="minor">
+              <a:schemeClr val="lt1"/>
+            </a:fontRef>
+          </p:style>
+          <p:txBody>
+            <a:bodyPr rtlCol="0" anchor="ctr"/>
+            <a:lstStyle/>
+            <a:p>
+              <a:pPr algn="ctr"/>
+              <a:endParaRPr lang="zh-CN" altLang="en-US"/>
+            </a:p>
+          </p:txBody>
+        </p:sp>
+        <p:sp>
+          <p:nvSpPr>
+            <p:cNvPr id="35" name="矩形 34">
+              <a:extLst>
+                <a:ext uri="{FF2B5EF4-FFF2-40B4-BE49-F238E27FC236}">
+                  <a16:creationId xmlns:a16="http://schemas.microsoft.com/office/drawing/2014/main" id="{F905A235-E098-911C-EF7A-6DC15D295970}"/>
+                </a:ext>
+              </a:extLst>
+            </p:cNvPr>
+            <p:cNvSpPr/>
+            <p:nvPr/>
+          </p:nvSpPr>
+          <p:spPr>
+            <a:xfrm>
+              <a:off x="11983507" y="5109117"/>
+              <a:ext cx="63499" cy="277000"/>
+            </a:xfrm>
+            <a:prstGeom prst="rect">
+              <a:avLst/>
+            </a:prstGeom>
+            <a:solidFill>
+              <a:schemeClr val="accent6"/>
+            </a:solidFill>
+          </p:spPr>
+          <p:style>
+            <a:lnRef idx="2">
+              <a:schemeClr val="accent1">
+                <a:shade val="15000"/>
+              </a:schemeClr>
+            </a:lnRef>
+            <a:fillRef idx="1">
+              <a:schemeClr val="accent1"/>
+            </a:fillRef>
+            <a:effectRef idx="0">
+              <a:schemeClr val="accent1"/>
+            </a:effectRef>
+            <a:fontRef idx="minor">
+              <a:schemeClr val="lt1"/>
+            </a:fontRef>
+          </p:style>
+          <p:txBody>
+            <a:bodyPr rtlCol="0" anchor="ctr"/>
+            <a:lstStyle/>
+            <a:p>
+              <a:pPr algn="ctr"/>
+              <a:endParaRPr lang="zh-CN" altLang="en-US"/>
+            </a:p>
+          </p:txBody>
+        </p:sp>
+        <p:sp>
+          <p:nvSpPr>
+            <p:cNvPr id="36" name="矩形 35">
+              <a:extLst>
+                <a:ext uri="{FF2B5EF4-FFF2-40B4-BE49-F238E27FC236}">
+                  <a16:creationId xmlns:a16="http://schemas.microsoft.com/office/drawing/2014/main" id="{EC83DE92-D6D1-5C0F-29EB-13845C10CD1B}"/>
+                </a:ext>
+              </a:extLst>
+            </p:cNvPr>
+            <p:cNvSpPr/>
+            <p:nvPr/>
+          </p:nvSpPr>
+          <p:spPr>
+            <a:xfrm>
+              <a:off x="12053132" y="4273341"/>
+              <a:ext cx="63499" cy="277000"/>
+            </a:xfrm>
+            <a:prstGeom prst="rect">
+              <a:avLst/>
+            </a:prstGeom>
+          </p:spPr>
+          <p:style>
+            <a:lnRef idx="2">
+              <a:schemeClr val="accent1">
+                <a:shade val="15000"/>
+              </a:schemeClr>
+            </a:lnRef>
+            <a:fillRef idx="1">
+              <a:schemeClr val="accent1"/>
+            </a:fillRef>
+            <a:effectRef idx="0">
+              <a:schemeClr val="accent1"/>
+            </a:effectRef>
+            <a:fontRef idx="minor">
+              <a:schemeClr val="lt1"/>
+            </a:fontRef>
+          </p:style>
+          <p:txBody>
+            <a:bodyPr rtlCol="0" anchor="ctr"/>
+            <a:lstStyle/>
+            <a:p>
+              <a:pPr algn="ctr"/>
+              <a:endParaRPr lang="zh-CN" altLang="en-US"/>
+            </a:p>
+          </p:txBody>
+        </p:sp>
+        <p:cxnSp>
+          <p:nvCxnSpPr>
+            <p:cNvPr id="37" name="直接连接符 36">
+              <a:extLst>
+                <a:ext uri="{FF2B5EF4-FFF2-40B4-BE49-F238E27FC236}">
+                  <a16:creationId xmlns:a16="http://schemas.microsoft.com/office/drawing/2014/main" id="{06721348-001D-D8BF-3707-0B062AF5FEFC}"/>
+                </a:ext>
+              </a:extLst>
+            </p:cNvPr>
+            <p:cNvCxnSpPr>
+              <a:cxnSpLocks/>
+            </p:cNvCxnSpPr>
+            <p:nvPr/>
+          </p:nvCxnSpPr>
+          <p:spPr>
+            <a:xfrm flipH="1">
+              <a:off x="12045123" y="3955555"/>
+              <a:ext cx="1179" cy="1430562"/>
+            </a:xfrm>
+            <a:prstGeom prst="line">
+              <a:avLst/>
+            </a:prstGeom>
+            <a:ln>
+              <a:prstDash val="sysDot"/>
+            </a:ln>
+          </p:spPr>
+          <p:style>
+            <a:lnRef idx="1">
+              <a:schemeClr val="accent1"/>
+            </a:lnRef>
+            <a:fillRef idx="0">
+              <a:schemeClr val="accent1"/>
+            </a:fillRef>
+            <a:effectRef idx="0">
+              <a:schemeClr val="accent1"/>
+            </a:effectRef>
+            <a:fontRef idx="minor">
+              <a:schemeClr val="tx1"/>
+            </a:fontRef>
+          </p:style>
+        </p:cxnSp>
+        <p:cxnSp>
+          <p:nvCxnSpPr>
+            <p:cNvPr id="39" name="直接连接符 38">
+              <a:extLst>
+                <a:ext uri="{FF2B5EF4-FFF2-40B4-BE49-F238E27FC236}">
+                  <a16:creationId xmlns:a16="http://schemas.microsoft.com/office/drawing/2014/main" id="{FDCCD3A7-1000-8104-F6D8-3D9E85EADFAD}"/>
+                </a:ext>
+              </a:extLst>
+            </p:cNvPr>
+            <p:cNvCxnSpPr>
+              <a:cxnSpLocks/>
+            </p:cNvCxnSpPr>
+            <p:nvPr/>
+          </p:nvCxnSpPr>
+          <p:spPr>
+            <a:xfrm flipH="1">
+              <a:off x="11984096" y="3955555"/>
+              <a:ext cx="1179" cy="1430562"/>
+            </a:xfrm>
+            <a:prstGeom prst="line">
+              <a:avLst/>
+            </a:prstGeom>
+            <a:ln>
+              <a:prstDash val="sysDot"/>
+            </a:ln>
+          </p:spPr>
+          <p:style>
+            <a:lnRef idx="1">
+              <a:schemeClr val="accent1"/>
+            </a:lnRef>
+            <a:fillRef idx="0">
+              <a:schemeClr val="accent1"/>
+            </a:fillRef>
+            <a:effectRef idx="0">
+              <a:schemeClr val="accent1"/>
+            </a:effectRef>
+            <a:fontRef idx="minor">
+              <a:schemeClr val="tx1"/>
+            </a:fontRef>
+          </p:style>
+        </p:cxnSp>
+        <p:cxnSp>
+          <p:nvCxnSpPr>
+            <p:cNvPr id="40" name="直接连接符 39">
+              <a:extLst>
+                <a:ext uri="{FF2B5EF4-FFF2-40B4-BE49-F238E27FC236}">
+                  <a16:creationId xmlns:a16="http://schemas.microsoft.com/office/drawing/2014/main" id="{2F98AB78-9EF3-D72E-EF35-B27BF7CB99B4}"/>
+                </a:ext>
+              </a:extLst>
+            </p:cNvPr>
+            <p:cNvCxnSpPr>
+              <a:cxnSpLocks/>
+            </p:cNvCxnSpPr>
+            <p:nvPr/>
+          </p:nvCxnSpPr>
+          <p:spPr>
+            <a:xfrm flipH="1">
+              <a:off x="11924241" y="3955555"/>
+              <a:ext cx="1179" cy="1430562"/>
+            </a:xfrm>
+            <a:prstGeom prst="line">
+              <a:avLst/>
+            </a:prstGeom>
+            <a:ln>
+              <a:prstDash val="sysDot"/>
+            </a:ln>
+          </p:spPr>
+          <p:style>
+            <a:lnRef idx="1">
+              <a:schemeClr val="accent1"/>
+            </a:lnRef>
+            <a:fillRef idx="0">
+              <a:schemeClr val="accent1"/>
+            </a:fillRef>
+            <a:effectRef idx="0">
+              <a:schemeClr val="accent1"/>
+            </a:effectRef>
+            <a:fontRef idx="minor">
+              <a:schemeClr val="tx1"/>
+            </a:fontRef>
+          </p:style>
+        </p:cxnSp>
+      </p:grpSp>
     </p:spTree>
     <p:extLst>
       <p:ext uri="{BB962C8B-B14F-4D97-AF65-F5344CB8AC3E}">

--- a/lcj_zemi_python.pptx
+++ b/lcj_zemi_python.pptx
@@ -5,14 +5,15 @@
     <p:sldMasterId id="2147483648" r:id="rId1"/>
   </p:sldMasterIdLst>
   <p:notesMasterIdLst>
-    <p:notesMasterId r:id="rId7"/>
+    <p:notesMasterId r:id="rId8"/>
   </p:notesMasterIdLst>
   <p:sldIdLst>
     <p:sldId id="260" r:id="rId2"/>
     <p:sldId id="294" r:id="rId3"/>
     <p:sldId id="295" r:id="rId4"/>
     <p:sldId id="296" r:id="rId5"/>
-    <p:sldId id="293" r:id="rId6"/>
+    <p:sldId id="297" r:id="rId6"/>
+    <p:sldId id="293" r:id="rId7"/>
   </p:sldIdLst>
   <p:sldSz cx="12192000" cy="6858000"/>
   <p:notesSz cx="6858000" cy="9144000"/>
@@ -201,7 +202,7 @@
           <a:p>
             <a:fld id="{2BC54830-42DA-4404-9F8C-DE9E00A18181}" type="datetimeFigureOut">
               <a:rPr lang="zh-CN" altLang="en-US" smtClean="0"/>
-              <a:t>2024/7/17</a:t>
+              <a:t>2024/7/18</a:t>
             </a:fld>
             <a:endParaRPr lang="zh-CN" altLang="en-US"/>
           </a:p>
@@ -615,7 +616,7 @@
           <a:p>
             <a:fld id="{F5930DB7-C5F0-4CA2-914A-8532991C33D9}" type="datetimeFigureOut">
               <a:rPr lang="zh-CN" altLang="en-US" smtClean="0"/>
-              <a:t>2024/7/17</a:t>
+              <a:t>2024/7/18</a:t>
             </a:fld>
             <a:endParaRPr lang="zh-CN" altLang="en-US"/>
           </a:p>
@@ -813,7 +814,7 @@
           <a:p>
             <a:fld id="{F5930DB7-C5F0-4CA2-914A-8532991C33D9}" type="datetimeFigureOut">
               <a:rPr lang="zh-CN" altLang="en-US" smtClean="0"/>
-              <a:t>2024/7/17</a:t>
+              <a:t>2024/7/18</a:t>
             </a:fld>
             <a:endParaRPr lang="zh-CN" altLang="en-US"/>
           </a:p>
@@ -1021,7 +1022,7 @@
           <a:p>
             <a:fld id="{F5930DB7-C5F0-4CA2-914A-8532991C33D9}" type="datetimeFigureOut">
               <a:rPr lang="zh-CN" altLang="en-US" smtClean="0"/>
-              <a:t>2024/7/17</a:t>
+              <a:t>2024/7/18</a:t>
             </a:fld>
             <a:endParaRPr lang="zh-CN" altLang="en-US"/>
           </a:p>
@@ -1219,7 +1220,7 @@
           <a:p>
             <a:fld id="{F5930DB7-C5F0-4CA2-914A-8532991C33D9}" type="datetimeFigureOut">
               <a:rPr lang="zh-CN" altLang="en-US" smtClean="0"/>
-              <a:t>2024/7/17</a:t>
+              <a:t>2024/7/18</a:t>
             </a:fld>
             <a:endParaRPr lang="zh-CN" altLang="en-US"/>
           </a:p>
@@ -1494,7 +1495,7 @@
           <a:p>
             <a:fld id="{F5930DB7-C5F0-4CA2-914A-8532991C33D9}" type="datetimeFigureOut">
               <a:rPr lang="zh-CN" altLang="en-US" smtClean="0"/>
-              <a:t>2024/7/17</a:t>
+              <a:t>2024/7/18</a:t>
             </a:fld>
             <a:endParaRPr lang="zh-CN" altLang="en-US"/>
           </a:p>
@@ -1759,7 +1760,7 @@
           <a:p>
             <a:fld id="{F5930DB7-C5F0-4CA2-914A-8532991C33D9}" type="datetimeFigureOut">
               <a:rPr lang="zh-CN" altLang="en-US" smtClean="0"/>
-              <a:t>2024/7/17</a:t>
+              <a:t>2024/7/18</a:t>
             </a:fld>
             <a:endParaRPr lang="zh-CN" altLang="en-US"/>
           </a:p>
@@ -2171,7 +2172,7 @@
           <a:p>
             <a:fld id="{F5930DB7-C5F0-4CA2-914A-8532991C33D9}" type="datetimeFigureOut">
               <a:rPr lang="zh-CN" altLang="en-US" smtClean="0"/>
-              <a:t>2024/7/17</a:t>
+              <a:t>2024/7/18</a:t>
             </a:fld>
             <a:endParaRPr lang="zh-CN" altLang="en-US"/>
           </a:p>
@@ -2312,7 +2313,7 @@
           <a:p>
             <a:fld id="{F5930DB7-C5F0-4CA2-914A-8532991C33D9}" type="datetimeFigureOut">
               <a:rPr lang="zh-CN" altLang="en-US" smtClean="0"/>
-              <a:t>2024/7/17</a:t>
+              <a:t>2024/7/18</a:t>
             </a:fld>
             <a:endParaRPr lang="zh-CN" altLang="en-US"/>
           </a:p>
@@ -2425,7 +2426,7 @@
           <a:p>
             <a:fld id="{F5930DB7-C5F0-4CA2-914A-8532991C33D9}" type="datetimeFigureOut">
               <a:rPr lang="zh-CN" altLang="en-US" smtClean="0"/>
-              <a:t>2024/7/17</a:t>
+              <a:t>2024/7/18</a:t>
             </a:fld>
             <a:endParaRPr lang="zh-CN" altLang="en-US"/>
           </a:p>
@@ -2736,7 +2737,7 @@
           <a:p>
             <a:fld id="{F5930DB7-C5F0-4CA2-914A-8532991C33D9}" type="datetimeFigureOut">
               <a:rPr lang="zh-CN" altLang="en-US" smtClean="0"/>
-              <a:t>2024/7/17</a:t>
+              <a:t>2024/7/18</a:t>
             </a:fld>
             <a:endParaRPr lang="zh-CN" altLang="en-US"/>
           </a:p>
@@ -3024,7 +3025,7 @@
           <a:p>
             <a:fld id="{F5930DB7-C5F0-4CA2-914A-8532991C33D9}" type="datetimeFigureOut">
               <a:rPr lang="zh-CN" altLang="en-US" smtClean="0"/>
-              <a:t>2024/7/17</a:t>
+              <a:t>2024/7/18</a:t>
             </a:fld>
             <a:endParaRPr lang="zh-CN" altLang="en-US"/>
           </a:p>
@@ -3265,7 +3266,7 @@
           <a:p>
             <a:fld id="{F5930DB7-C5F0-4CA2-914A-8532991C33D9}" type="datetimeFigureOut">
               <a:rPr lang="zh-CN" altLang="en-US" smtClean="0"/>
-              <a:t>2024/7/17</a:t>
+              <a:t>2024/7/18</a:t>
             </a:fld>
             <a:endParaRPr lang="zh-CN" altLang="en-US"/>
           </a:p>
@@ -10348,6 +10349,3357 @@
       </p:grpSpPr>
       <p:sp>
         <p:nvSpPr>
+          <p:cNvPr id="4" name="矩形: 圆角 3">
+            <a:extLst>
+              <a:ext uri="{FF2B5EF4-FFF2-40B4-BE49-F238E27FC236}">
+                <a16:creationId xmlns:a16="http://schemas.microsoft.com/office/drawing/2014/main" id="{866A1306-2120-2B30-7A6A-781A28385D6D}"/>
+              </a:ext>
+            </a:extLst>
+          </p:cNvPr>
+          <p:cNvSpPr/>
+          <p:nvPr/>
+        </p:nvSpPr>
+        <p:spPr>
+          <a:xfrm flipV="1">
+            <a:off x="305570" y="523220"/>
+            <a:ext cx="11377352" cy="64193"/>
+          </a:xfrm>
+          <a:prstGeom prst="roundRect">
+            <a:avLst/>
+          </a:prstGeom>
+        </p:spPr>
+        <p:style>
+          <a:lnRef idx="2">
+            <a:schemeClr val="accent1">
+              <a:shade val="50000"/>
+            </a:schemeClr>
+          </a:lnRef>
+          <a:fillRef idx="1">
+            <a:schemeClr val="accent1"/>
+          </a:fillRef>
+          <a:effectRef idx="0">
+            <a:schemeClr val="accent1"/>
+          </a:effectRef>
+          <a:fontRef idx="minor">
+            <a:schemeClr val="lt1"/>
+          </a:fontRef>
+        </p:style>
+        <p:txBody>
+          <a:bodyPr rtlCol="0" anchor="ctr"/>
+          <a:lstStyle/>
+          <a:p>
+            <a:pPr algn="ctr"/>
+            <a:endParaRPr lang="zh-CN" altLang="en-US"/>
+          </a:p>
+        </p:txBody>
+      </p:sp>
+      <p:sp>
+        <p:nvSpPr>
+          <p:cNvPr id="5" name="文本框 4">
+            <a:extLst>
+              <a:ext uri="{FF2B5EF4-FFF2-40B4-BE49-F238E27FC236}">
+                <a16:creationId xmlns:a16="http://schemas.microsoft.com/office/drawing/2014/main" id="{6FF74BA9-D2C8-5CBE-0585-F2F644B9AECB}"/>
+              </a:ext>
+            </a:extLst>
+          </p:cNvPr>
+          <p:cNvSpPr txBox="1"/>
+          <p:nvPr/>
+        </p:nvSpPr>
+        <p:spPr>
+          <a:xfrm>
+            <a:off x="305570" y="0"/>
+            <a:ext cx="5971507" cy="523220"/>
+          </a:xfrm>
+          <a:prstGeom prst="rect">
+            <a:avLst/>
+          </a:prstGeom>
+          <a:noFill/>
+        </p:spPr>
+        <p:txBody>
+          <a:bodyPr wrap="none" rtlCol="0">
+            <a:spAutoFit/>
+          </a:bodyPr>
+          <a:lstStyle/>
+          <a:p>
+            <a:r>
+              <a:rPr lang="en-US" altLang="zh-CN" sz="2800" dirty="0"/>
+              <a:t>Section 54.2: Asynchronous Executors</a:t>
+            </a:r>
+            <a:endParaRPr lang="zh-CN" altLang="en-US" sz="2800" b="1" dirty="0"/>
+          </a:p>
+        </p:txBody>
+      </p:sp>
+      <p:sp>
+        <p:nvSpPr>
+          <p:cNvPr id="6" name="文本框 5">
+            <a:extLst>
+              <a:ext uri="{FF2B5EF4-FFF2-40B4-BE49-F238E27FC236}">
+                <a16:creationId xmlns:a16="http://schemas.microsoft.com/office/drawing/2014/main" id="{C374DCC4-76B8-9C1A-2C51-6CDAB45C51C3}"/>
+              </a:ext>
+            </a:extLst>
+          </p:cNvPr>
+          <p:cNvSpPr txBox="1"/>
+          <p:nvPr/>
+        </p:nvSpPr>
+        <p:spPr>
+          <a:xfrm>
+            <a:off x="79044" y="562939"/>
+            <a:ext cx="11603878" cy="307777"/>
+          </a:xfrm>
+          <a:prstGeom prst="rect">
+            <a:avLst/>
+          </a:prstGeom>
+          <a:noFill/>
+        </p:spPr>
+        <p:txBody>
+          <a:bodyPr wrap="square">
+            <a:spAutoFit/>
+          </a:bodyPr>
+          <a:lstStyle/>
+          <a:p>
+            <a:r>
+              <a:rPr lang="ja-JP" altLang="en-US" sz="1400" dirty="0"/>
+              <a:t>各イベントループ</a:t>
+            </a:r>
+            <a:r>
+              <a:rPr lang="en-US" altLang="ja-JP" sz="1400" dirty="0"/>
+              <a:t>(event loop)</a:t>
+            </a:r>
+            <a:r>
+              <a:rPr lang="ja-JP" altLang="en-US" sz="1400" dirty="0"/>
+              <a:t>には、</a:t>
+            </a:r>
+            <a:r>
+              <a:rPr lang="en-US" altLang="ja-JP" sz="1400" dirty="0"/>
+              <a:t> </a:t>
+            </a:r>
+            <a:r>
+              <a:rPr lang="en-US" altLang="ja-JP" sz="1400" b="1" dirty="0" err="1"/>
+              <a:t>set_default_executor</a:t>
+            </a:r>
+            <a:r>
+              <a:rPr lang="en-US" altLang="ja-JP" sz="1400" b="1" dirty="0"/>
+              <a:t>() </a:t>
+            </a:r>
+            <a:r>
+              <a:rPr lang="ja-JP" altLang="en-US" sz="1400" dirty="0"/>
+              <a:t>メソッドを使用してデフォルトで</a:t>
+            </a:r>
+            <a:r>
+              <a:rPr lang="en-US" altLang="zh-CN" sz="1400" b="1" dirty="0"/>
+              <a:t>Executors</a:t>
+            </a:r>
+            <a:r>
+              <a:rPr lang="ja-JP" altLang="en-US" sz="1400" dirty="0"/>
+              <a:t>を設定することができる</a:t>
+            </a:r>
+            <a:endParaRPr lang="en-US" altLang="ja-JP" sz="1400" dirty="0"/>
+          </a:p>
+        </p:txBody>
+      </p:sp>
+      <p:sp>
+        <p:nvSpPr>
+          <p:cNvPr id="17" name="文本框 16">
+            <a:extLst>
+              <a:ext uri="{FF2B5EF4-FFF2-40B4-BE49-F238E27FC236}">
+                <a16:creationId xmlns:a16="http://schemas.microsoft.com/office/drawing/2014/main" id="{966C9768-D346-6623-3133-354003F5219D}"/>
+              </a:ext>
+            </a:extLst>
+          </p:cNvPr>
+          <p:cNvSpPr txBox="1"/>
+          <p:nvPr/>
+        </p:nvSpPr>
+        <p:spPr>
+          <a:xfrm>
+            <a:off x="41638" y="870716"/>
+            <a:ext cx="9262091" cy="5816977"/>
+          </a:xfrm>
+          <a:prstGeom prst="rect">
+            <a:avLst/>
+          </a:prstGeom>
+          <a:noFill/>
+          <a:ln>
+            <a:solidFill>
+              <a:schemeClr val="tx1"/>
+            </a:solidFill>
+          </a:ln>
+        </p:spPr>
+        <p:txBody>
+          <a:bodyPr wrap="square">
+            <a:spAutoFit/>
+          </a:bodyPr>
+          <a:lstStyle/>
+          <a:p>
+            <a:r>
+              <a:rPr lang="en-US" altLang="zh-CN" sz="1200" b="0" dirty="0">
+                <a:solidFill>
+                  <a:srgbClr val="AF00DB"/>
+                </a:solidFill>
+                <a:effectLst/>
+                <a:highlight>
+                  <a:srgbClr val="FFFFFF"/>
+                </a:highlight>
+                <a:latin typeface="Consolas" panose="020B0609020204030204" pitchFamily="49" charset="0"/>
+              </a:rPr>
+              <a:t>import</a:t>
+            </a:r>
+            <a:r>
+              <a:rPr lang="en-US" altLang="zh-CN" sz="1200" b="0" dirty="0">
+                <a:solidFill>
+                  <a:srgbClr val="3B3B3B"/>
+                </a:solidFill>
+                <a:effectLst/>
+                <a:highlight>
+                  <a:srgbClr val="FFFFFF"/>
+                </a:highlight>
+                <a:latin typeface="Consolas" panose="020B0609020204030204" pitchFamily="49" charset="0"/>
+              </a:rPr>
+              <a:t> </a:t>
+            </a:r>
+            <a:r>
+              <a:rPr lang="en-US" altLang="zh-CN" sz="1200" b="0" dirty="0" err="1">
+                <a:solidFill>
+                  <a:srgbClr val="267F99"/>
+                </a:solidFill>
+                <a:effectLst/>
+                <a:highlight>
+                  <a:srgbClr val="FFFFFF"/>
+                </a:highlight>
+                <a:latin typeface="Consolas" panose="020B0609020204030204" pitchFamily="49" charset="0"/>
+              </a:rPr>
+              <a:t>asyncio</a:t>
+            </a:r>
+            <a:endParaRPr lang="en-US" altLang="zh-CN" sz="1200" b="0" dirty="0">
+              <a:solidFill>
+                <a:srgbClr val="3B3B3B"/>
+              </a:solidFill>
+              <a:effectLst/>
+              <a:highlight>
+                <a:srgbClr val="FFFFFF"/>
+              </a:highlight>
+              <a:latin typeface="Consolas" panose="020B0609020204030204" pitchFamily="49" charset="0"/>
+            </a:endParaRPr>
+          </a:p>
+          <a:p>
+            <a:r>
+              <a:rPr lang="en-US" altLang="zh-CN" sz="1200" b="0" dirty="0">
+                <a:solidFill>
+                  <a:srgbClr val="AF00DB"/>
+                </a:solidFill>
+                <a:effectLst/>
+                <a:highlight>
+                  <a:srgbClr val="FFFFFF"/>
+                </a:highlight>
+                <a:latin typeface="Consolas" panose="020B0609020204030204" pitchFamily="49" charset="0"/>
+              </a:rPr>
+              <a:t>from</a:t>
+            </a:r>
+            <a:r>
+              <a:rPr lang="en-US" altLang="zh-CN" sz="1200" b="0" dirty="0">
+                <a:solidFill>
+                  <a:srgbClr val="3B3B3B"/>
+                </a:solidFill>
+                <a:effectLst/>
+                <a:highlight>
+                  <a:srgbClr val="FFFFFF"/>
+                </a:highlight>
+                <a:latin typeface="Consolas" panose="020B0609020204030204" pitchFamily="49" charset="0"/>
+              </a:rPr>
+              <a:t> </a:t>
+            </a:r>
+            <a:r>
+              <a:rPr lang="en-US" altLang="zh-CN" sz="1200" b="0" dirty="0" err="1">
+                <a:solidFill>
+                  <a:srgbClr val="267F99"/>
+                </a:solidFill>
+                <a:effectLst/>
+                <a:highlight>
+                  <a:srgbClr val="FFFFFF"/>
+                </a:highlight>
+                <a:latin typeface="Consolas" panose="020B0609020204030204" pitchFamily="49" charset="0"/>
+              </a:rPr>
+              <a:t>concurrent</a:t>
+            </a:r>
+            <a:r>
+              <a:rPr lang="en-US" altLang="zh-CN" sz="1200" b="0" dirty="0" err="1">
+                <a:solidFill>
+                  <a:srgbClr val="3B3B3B"/>
+                </a:solidFill>
+                <a:effectLst/>
+                <a:highlight>
+                  <a:srgbClr val="FFFFFF"/>
+                </a:highlight>
+                <a:latin typeface="Consolas" panose="020B0609020204030204" pitchFamily="49" charset="0"/>
+              </a:rPr>
+              <a:t>.</a:t>
+            </a:r>
+            <a:r>
+              <a:rPr lang="en-US" altLang="zh-CN" sz="1200" b="0" dirty="0" err="1">
+                <a:solidFill>
+                  <a:srgbClr val="267F99"/>
+                </a:solidFill>
+                <a:effectLst/>
+                <a:highlight>
+                  <a:srgbClr val="FFFFFF"/>
+                </a:highlight>
+                <a:latin typeface="Consolas" panose="020B0609020204030204" pitchFamily="49" charset="0"/>
+              </a:rPr>
+              <a:t>futures</a:t>
+            </a:r>
+            <a:r>
+              <a:rPr lang="en-US" altLang="zh-CN" sz="1200" b="0" dirty="0">
+                <a:solidFill>
+                  <a:srgbClr val="3B3B3B"/>
+                </a:solidFill>
+                <a:effectLst/>
+                <a:highlight>
+                  <a:srgbClr val="FFFFFF"/>
+                </a:highlight>
+                <a:latin typeface="Consolas" panose="020B0609020204030204" pitchFamily="49" charset="0"/>
+              </a:rPr>
+              <a:t> </a:t>
+            </a:r>
+            <a:r>
+              <a:rPr lang="en-US" altLang="zh-CN" sz="1200" b="0" dirty="0">
+                <a:solidFill>
+                  <a:srgbClr val="AF00DB"/>
+                </a:solidFill>
+                <a:effectLst/>
+                <a:highlight>
+                  <a:srgbClr val="FFFFFF"/>
+                </a:highlight>
+                <a:latin typeface="Consolas" panose="020B0609020204030204" pitchFamily="49" charset="0"/>
+              </a:rPr>
+              <a:t>import</a:t>
+            </a:r>
+            <a:r>
+              <a:rPr lang="en-US" altLang="zh-CN" sz="1200" b="0" dirty="0">
+                <a:solidFill>
+                  <a:srgbClr val="3B3B3B"/>
+                </a:solidFill>
+                <a:effectLst/>
+                <a:highlight>
+                  <a:srgbClr val="FFFFFF"/>
+                </a:highlight>
+                <a:latin typeface="Consolas" panose="020B0609020204030204" pitchFamily="49" charset="0"/>
+              </a:rPr>
+              <a:t> </a:t>
+            </a:r>
+            <a:r>
+              <a:rPr lang="en-US" altLang="zh-CN" sz="1200" b="0" dirty="0" err="1">
+                <a:solidFill>
+                  <a:srgbClr val="267F99"/>
+                </a:solidFill>
+                <a:effectLst/>
+                <a:highlight>
+                  <a:srgbClr val="FFFFFF"/>
+                </a:highlight>
+                <a:latin typeface="Consolas" panose="020B0609020204030204" pitchFamily="49" charset="0"/>
+              </a:rPr>
+              <a:t>ThreadPoolExecutor</a:t>
+            </a:r>
+            <a:r>
+              <a:rPr lang="en-US" altLang="zh-CN" sz="1200" b="0" dirty="0">
+                <a:solidFill>
+                  <a:srgbClr val="3B3B3B"/>
+                </a:solidFill>
+                <a:effectLst/>
+                <a:highlight>
+                  <a:srgbClr val="FFFFFF"/>
+                </a:highlight>
+                <a:latin typeface="Consolas" panose="020B0609020204030204" pitchFamily="49" charset="0"/>
+              </a:rPr>
+              <a:t>  </a:t>
+            </a:r>
+            <a:r>
+              <a:rPr lang="en-US" altLang="zh-CN" sz="1200" b="0" dirty="0">
+                <a:solidFill>
+                  <a:srgbClr val="008000"/>
+                </a:solidFill>
+                <a:effectLst/>
+                <a:highlight>
+                  <a:srgbClr val="FFFFFF"/>
+                </a:highlight>
+                <a:latin typeface="Consolas" panose="020B0609020204030204" pitchFamily="49" charset="0"/>
+              </a:rPr>
+              <a:t> # </a:t>
+            </a:r>
+            <a:r>
+              <a:rPr lang="ja-JP" altLang="en-US" sz="1200" b="0" dirty="0">
+                <a:solidFill>
+                  <a:srgbClr val="008000"/>
+                </a:solidFill>
+                <a:effectLst/>
+                <a:highlight>
+                  <a:srgbClr val="FFFFFF"/>
+                </a:highlight>
+                <a:latin typeface="Consolas" panose="020B0609020204030204" pitchFamily="49" charset="0"/>
+              </a:rPr>
+              <a:t>スレッドプールを導入</a:t>
+            </a:r>
+            <a:endParaRPr lang="en-US" altLang="zh-CN" sz="1200" b="0" dirty="0">
+              <a:solidFill>
+                <a:srgbClr val="3B3B3B"/>
+              </a:solidFill>
+              <a:effectLst/>
+              <a:highlight>
+                <a:srgbClr val="FFFFFF"/>
+              </a:highlight>
+              <a:latin typeface="Consolas" panose="020B0609020204030204" pitchFamily="49" charset="0"/>
+            </a:endParaRPr>
+          </a:p>
+          <a:p>
+            <a:r>
+              <a:rPr lang="en-US" altLang="zh-CN" sz="1200" b="0" dirty="0">
+                <a:solidFill>
+                  <a:srgbClr val="AF00DB"/>
+                </a:solidFill>
+                <a:effectLst/>
+                <a:highlight>
+                  <a:srgbClr val="FFFFFF"/>
+                </a:highlight>
+                <a:latin typeface="Consolas" panose="020B0609020204030204" pitchFamily="49" charset="0"/>
+              </a:rPr>
+              <a:t>import</a:t>
+            </a:r>
+            <a:r>
+              <a:rPr lang="en-US" altLang="zh-CN" sz="1200" b="0" dirty="0">
+                <a:solidFill>
+                  <a:srgbClr val="3B3B3B"/>
+                </a:solidFill>
+                <a:effectLst/>
+                <a:highlight>
+                  <a:srgbClr val="FFFFFF"/>
+                </a:highlight>
+                <a:latin typeface="Consolas" panose="020B0609020204030204" pitchFamily="49" charset="0"/>
+              </a:rPr>
+              <a:t> </a:t>
+            </a:r>
+            <a:r>
+              <a:rPr lang="en-US" altLang="zh-CN" sz="1200" b="0" dirty="0">
+                <a:solidFill>
+                  <a:srgbClr val="267F99"/>
+                </a:solidFill>
+                <a:effectLst/>
+                <a:highlight>
+                  <a:srgbClr val="FFFFFF"/>
+                </a:highlight>
+                <a:latin typeface="Consolas" panose="020B0609020204030204" pitchFamily="49" charset="0"/>
+              </a:rPr>
+              <a:t>time</a:t>
+            </a:r>
+            <a:endParaRPr lang="en-US" altLang="zh-CN" sz="1200" b="0" dirty="0">
+              <a:solidFill>
+                <a:srgbClr val="3B3B3B"/>
+              </a:solidFill>
+              <a:effectLst/>
+              <a:highlight>
+                <a:srgbClr val="FFFFFF"/>
+              </a:highlight>
+              <a:latin typeface="Consolas" panose="020B0609020204030204" pitchFamily="49" charset="0"/>
+            </a:endParaRPr>
+          </a:p>
+          <a:p>
+            <a:br>
+              <a:rPr lang="en-US" altLang="zh-CN" sz="1200" b="0" dirty="0">
+                <a:solidFill>
+                  <a:srgbClr val="3B3B3B"/>
+                </a:solidFill>
+                <a:effectLst/>
+                <a:highlight>
+                  <a:srgbClr val="FFFFFF"/>
+                </a:highlight>
+                <a:latin typeface="Consolas" panose="020B0609020204030204" pitchFamily="49" charset="0"/>
+              </a:rPr>
+            </a:br>
+            <a:r>
+              <a:rPr lang="en-US" altLang="zh-CN" sz="1200" b="0" dirty="0">
+                <a:solidFill>
+                  <a:srgbClr val="0000FF"/>
+                </a:solidFill>
+                <a:effectLst/>
+                <a:highlight>
+                  <a:srgbClr val="FFFFFF"/>
+                </a:highlight>
+                <a:latin typeface="Consolas" panose="020B0609020204030204" pitchFamily="49" charset="0"/>
+              </a:rPr>
+              <a:t>def</a:t>
+            </a:r>
+            <a:r>
+              <a:rPr lang="en-US" altLang="zh-CN" sz="1200" b="0" dirty="0">
+                <a:solidFill>
+                  <a:srgbClr val="3B3B3B"/>
+                </a:solidFill>
+                <a:effectLst/>
+                <a:highlight>
+                  <a:srgbClr val="FFFFFF"/>
+                </a:highlight>
+                <a:latin typeface="Consolas" panose="020B0609020204030204" pitchFamily="49" charset="0"/>
+              </a:rPr>
+              <a:t> </a:t>
+            </a:r>
+            <a:r>
+              <a:rPr lang="en-US" altLang="zh-CN" sz="1200" b="0" dirty="0" err="1">
+                <a:solidFill>
+                  <a:srgbClr val="795E26"/>
+                </a:solidFill>
+                <a:effectLst/>
+                <a:highlight>
+                  <a:srgbClr val="FFFFFF"/>
+                </a:highlight>
+                <a:latin typeface="Consolas" panose="020B0609020204030204" pitchFamily="49" charset="0"/>
+              </a:rPr>
+              <a:t>func</a:t>
+            </a:r>
+            <a:r>
+              <a:rPr lang="en-US" altLang="zh-CN" sz="1200" b="0" dirty="0">
+                <a:solidFill>
+                  <a:srgbClr val="3B3B3B"/>
+                </a:solidFill>
+                <a:effectLst/>
+                <a:highlight>
+                  <a:srgbClr val="FFFFFF"/>
+                </a:highlight>
+                <a:latin typeface="Consolas" panose="020B0609020204030204" pitchFamily="49" charset="0"/>
+              </a:rPr>
+              <a:t>(</a:t>
+            </a:r>
+            <a:r>
+              <a:rPr lang="en-US" altLang="zh-CN" sz="1200" b="0" dirty="0">
+                <a:solidFill>
+                  <a:srgbClr val="001080"/>
+                </a:solidFill>
+                <a:effectLst/>
+                <a:highlight>
+                  <a:srgbClr val="FFFFFF"/>
+                </a:highlight>
+                <a:latin typeface="Consolas" panose="020B0609020204030204" pitchFamily="49" charset="0"/>
+              </a:rPr>
+              <a:t>name</a:t>
+            </a:r>
+            <a:r>
+              <a:rPr lang="en-US" altLang="zh-CN" sz="1200" b="0" dirty="0">
+                <a:solidFill>
+                  <a:srgbClr val="3B3B3B"/>
+                </a:solidFill>
+                <a:effectLst/>
+                <a:highlight>
+                  <a:srgbClr val="FFFFFF"/>
+                </a:highlight>
+                <a:latin typeface="Consolas" panose="020B0609020204030204" pitchFamily="49" charset="0"/>
+              </a:rPr>
+              <a:t>):</a:t>
+            </a:r>
+          </a:p>
+          <a:p>
+            <a:r>
+              <a:rPr lang="en-US" altLang="zh-CN" sz="1200" b="0" dirty="0">
+                <a:solidFill>
+                  <a:srgbClr val="3B3B3B"/>
+                </a:solidFill>
+                <a:effectLst/>
+                <a:highlight>
+                  <a:srgbClr val="FFFFFF"/>
+                </a:highlight>
+                <a:latin typeface="Consolas" panose="020B0609020204030204" pitchFamily="49" charset="0"/>
+              </a:rPr>
+              <a:t>    </a:t>
+            </a:r>
+            <a:r>
+              <a:rPr lang="en-US" altLang="zh-CN" sz="1200" b="0" dirty="0">
+                <a:solidFill>
+                  <a:srgbClr val="795E26"/>
+                </a:solidFill>
+                <a:effectLst/>
+                <a:highlight>
+                  <a:srgbClr val="FFFFFF"/>
+                </a:highlight>
+                <a:latin typeface="Consolas" panose="020B0609020204030204" pitchFamily="49" charset="0"/>
+              </a:rPr>
+              <a:t>print</a:t>
+            </a:r>
+            <a:r>
+              <a:rPr lang="en-US" altLang="zh-CN" sz="1200" b="0" dirty="0">
+                <a:solidFill>
+                  <a:srgbClr val="3B3B3B"/>
+                </a:solidFill>
+                <a:effectLst/>
+                <a:highlight>
+                  <a:srgbClr val="FFFFFF"/>
+                </a:highlight>
+                <a:latin typeface="Consolas" panose="020B0609020204030204" pitchFamily="49" charset="0"/>
+              </a:rPr>
+              <a:t>(</a:t>
+            </a:r>
+            <a:r>
+              <a:rPr lang="en-US" altLang="zh-CN" sz="1200" b="0" dirty="0" err="1">
+                <a:solidFill>
+                  <a:srgbClr val="0000FF"/>
+                </a:solidFill>
+                <a:effectLst/>
+                <a:highlight>
+                  <a:srgbClr val="FFFFFF"/>
+                </a:highlight>
+                <a:latin typeface="Consolas" panose="020B0609020204030204" pitchFamily="49" charset="0"/>
+              </a:rPr>
+              <a:t>f</a:t>
+            </a:r>
+            <a:r>
+              <a:rPr lang="en-US" altLang="zh-CN" sz="1200" b="0" dirty="0" err="1">
+                <a:solidFill>
+                  <a:srgbClr val="A31515"/>
+                </a:solidFill>
+                <a:effectLst/>
+                <a:highlight>
+                  <a:srgbClr val="FFFFFF"/>
+                </a:highlight>
+                <a:latin typeface="Consolas" panose="020B0609020204030204" pitchFamily="49" charset="0"/>
+              </a:rPr>
+              <a:t>'task</a:t>
+            </a:r>
+            <a:r>
+              <a:rPr lang="en-US" altLang="zh-CN" sz="1200" b="0" dirty="0">
+                <a:solidFill>
+                  <a:srgbClr val="A31515"/>
+                </a:solidFill>
+                <a:effectLst/>
+                <a:highlight>
+                  <a:srgbClr val="FFFFFF"/>
+                </a:highlight>
+                <a:latin typeface="Consolas" panose="020B0609020204030204" pitchFamily="49" charset="0"/>
+              </a:rPr>
+              <a:t> </a:t>
+            </a:r>
+            <a:r>
+              <a:rPr lang="en-US" altLang="zh-CN" sz="1200" b="0" dirty="0">
+                <a:solidFill>
+                  <a:srgbClr val="0000FF"/>
+                </a:solidFill>
+                <a:effectLst/>
+                <a:highlight>
+                  <a:srgbClr val="FFFFFF"/>
+                </a:highlight>
+                <a:latin typeface="Consolas" panose="020B0609020204030204" pitchFamily="49" charset="0"/>
+              </a:rPr>
+              <a:t>{</a:t>
+            </a:r>
+            <a:r>
+              <a:rPr lang="en-US" altLang="zh-CN" sz="1200" b="0" dirty="0">
+                <a:solidFill>
+                  <a:srgbClr val="001080"/>
+                </a:solidFill>
+                <a:effectLst/>
+                <a:highlight>
+                  <a:srgbClr val="FFFFFF"/>
+                </a:highlight>
+                <a:latin typeface="Consolas" panose="020B0609020204030204" pitchFamily="49" charset="0"/>
+              </a:rPr>
+              <a:t>name</a:t>
+            </a:r>
+            <a:r>
+              <a:rPr lang="en-US" altLang="zh-CN" sz="1200" b="0" dirty="0">
+                <a:solidFill>
+                  <a:srgbClr val="0000FF"/>
+                </a:solidFill>
+                <a:effectLst/>
+                <a:highlight>
+                  <a:srgbClr val="FFFFFF"/>
+                </a:highlight>
+                <a:latin typeface="Consolas" panose="020B0609020204030204" pitchFamily="49" charset="0"/>
+              </a:rPr>
+              <a:t>}</a:t>
+            </a:r>
+            <a:r>
+              <a:rPr lang="en-US" altLang="zh-CN" sz="1200" b="0" dirty="0">
+                <a:solidFill>
+                  <a:srgbClr val="A31515"/>
+                </a:solidFill>
+                <a:effectLst/>
+                <a:highlight>
+                  <a:srgbClr val="FFFFFF"/>
+                </a:highlight>
+                <a:latin typeface="Consolas" panose="020B0609020204030204" pitchFamily="49" charset="0"/>
+              </a:rPr>
+              <a:t> is now on!'</a:t>
+            </a:r>
+            <a:r>
+              <a:rPr lang="en-US" altLang="zh-CN" sz="1200" b="0" dirty="0">
+                <a:solidFill>
+                  <a:srgbClr val="3B3B3B"/>
+                </a:solidFill>
+                <a:effectLst/>
+                <a:highlight>
+                  <a:srgbClr val="FFFFFF"/>
+                </a:highlight>
+                <a:latin typeface="Consolas" panose="020B0609020204030204" pitchFamily="49" charset="0"/>
+              </a:rPr>
+              <a:t>)</a:t>
+            </a:r>
+          </a:p>
+          <a:p>
+            <a:r>
+              <a:rPr lang="en-US" altLang="zh-CN" sz="1200" b="0" dirty="0">
+                <a:solidFill>
+                  <a:srgbClr val="3B3B3B"/>
+                </a:solidFill>
+                <a:effectLst/>
+                <a:highlight>
+                  <a:srgbClr val="FFFFFF"/>
+                </a:highlight>
+                <a:latin typeface="Consolas" panose="020B0609020204030204" pitchFamily="49" charset="0"/>
+              </a:rPr>
+              <a:t>    </a:t>
+            </a:r>
+            <a:r>
+              <a:rPr lang="en-US" altLang="zh-CN" sz="1200" b="0" dirty="0">
+                <a:solidFill>
+                  <a:srgbClr val="008000"/>
+                </a:solidFill>
+                <a:effectLst/>
+                <a:highlight>
+                  <a:srgbClr val="FFFFFF"/>
+                </a:highlight>
+                <a:latin typeface="Consolas" panose="020B0609020204030204" pitchFamily="49" charset="0"/>
+              </a:rPr>
+              <a:t># Do time intensive stuff...</a:t>
+            </a:r>
+            <a:endParaRPr lang="en-US" altLang="zh-CN" sz="1200" b="0" dirty="0">
+              <a:solidFill>
+                <a:srgbClr val="3B3B3B"/>
+              </a:solidFill>
+              <a:effectLst/>
+              <a:highlight>
+                <a:srgbClr val="FFFFFF"/>
+              </a:highlight>
+              <a:latin typeface="Consolas" panose="020B0609020204030204" pitchFamily="49" charset="0"/>
+            </a:endParaRPr>
+          </a:p>
+          <a:p>
+            <a:r>
+              <a:rPr lang="en-US" altLang="zh-CN" sz="1200" b="0" dirty="0">
+                <a:solidFill>
+                  <a:srgbClr val="3B3B3B"/>
+                </a:solidFill>
+                <a:effectLst/>
+                <a:highlight>
+                  <a:srgbClr val="FFFFFF"/>
+                </a:highlight>
+                <a:latin typeface="Consolas" panose="020B0609020204030204" pitchFamily="49" charset="0"/>
+              </a:rPr>
+              <a:t>    </a:t>
+            </a:r>
+            <a:r>
+              <a:rPr lang="en-US" altLang="zh-CN" sz="1200" b="0" dirty="0" err="1">
+                <a:solidFill>
+                  <a:srgbClr val="267F99"/>
+                </a:solidFill>
+                <a:effectLst/>
+                <a:highlight>
+                  <a:srgbClr val="FFFFFF"/>
+                </a:highlight>
+                <a:latin typeface="Consolas" panose="020B0609020204030204" pitchFamily="49" charset="0"/>
+              </a:rPr>
+              <a:t>time</a:t>
+            </a:r>
+            <a:r>
+              <a:rPr lang="en-US" altLang="zh-CN" sz="1200" b="0" dirty="0" err="1">
+                <a:solidFill>
+                  <a:srgbClr val="3B3B3B"/>
+                </a:solidFill>
+                <a:effectLst/>
+                <a:highlight>
+                  <a:srgbClr val="FFFFFF"/>
+                </a:highlight>
+                <a:latin typeface="Consolas" panose="020B0609020204030204" pitchFamily="49" charset="0"/>
+              </a:rPr>
+              <a:t>.</a:t>
+            </a:r>
+            <a:r>
+              <a:rPr lang="en-US" altLang="zh-CN" sz="1200" b="0" dirty="0" err="1">
+                <a:solidFill>
+                  <a:srgbClr val="795E26"/>
+                </a:solidFill>
+                <a:effectLst/>
+                <a:highlight>
+                  <a:srgbClr val="FFFFFF"/>
+                </a:highlight>
+                <a:latin typeface="Consolas" panose="020B0609020204030204" pitchFamily="49" charset="0"/>
+              </a:rPr>
+              <a:t>sleep</a:t>
+            </a:r>
+            <a:r>
+              <a:rPr lang="en-US" altLang="zh-CN" sz="1200" b="0" dirty="0">
+                <a:solidFill>
+                  <a:srgbClr val="3B3B3B"/>
+                </a:solidFill>
+                <a:effectLst/>
+                <a:highlight>
+                  <a:srgbClr val="FFFFFF"/>
+                </a:highlight>
+                <a:latin typeface="Consolas" panose="020B0609020204030204" pitchFamily="49" charset="0"/>
+              </a:rPr>
+              <a:t>(</a:t>
+            </a:r>
+            <a:r>
+              <a:rPr lang="en-US" altLang="zh-CN" sz="1200" b="0" dirty="0">
+                <a:solidFill>
+                  <a:srgbClr val="098658"/>
+                </a:solidFill>
+                <a:effectLst/>
+                <a:highlight>
+                  <a:srgbClr val="FFFFFF"/>
+                </a:highlight>
+                <a:latin typeface="Consolas" panose="020B0609020204030204" pitchFamily="49" charset="0"/>
+              </a:rPr>
+              <a:t>3</a:t>
+            </a:r>
+            <a:r>
+              <a:rPr lang="en-US" altLang="zh-CN" sz="1200" b="0" dirty="0">
+                <a:solidFill>
+                  <a:srgbClr val="3B3B3B"/>
+                </a:solidFill>
+                <a:effectLst/>
+                <a:highlight>
+                  <a:srgbClr val="FFFFFF"/>
+                </a:highlight>
+                <a:latin typeface="Consolas" panose="020B0609020204030204" pitchFamily="49" charset="0"/>
+              </a:rPr>
+              <a:t>)</a:t>
+            </a:r>
+          </a:p>
+          <a:p>
+            <a:r>
+              <a:rPr lang="en-US" altLang="zh-CN" sz="1200" b="0" dirty="0">
+                <a:solidFill>
+                  <a:srgbClr val="3B3B3B"/>
+                </a:solidFill>
+                <a:effectLst/>
+                <a:highlight>
+                  <a:srgbClr val="FFFFFF"/>
+                </a:highlight>
+                <a:latin typeface="Consolas" panose="020B0609020204030204" pitchFamily="49" charset="0"/>
+              </a:rPr>
+              <a:t>    </a:t>
+            </a:r>
+            <a:r>
+              <a:rPr lang="en-US" altLang="zh-CN" sz="1200" b="0" dirty="0">
+                <a:solidFill>
+                  <a:srgbClr val="AF00DB"/>
+                </a:solidFill>
+                <a:effectLst/>
+                <a:highlight>
+                  <a:srgbClr val="FFFFFF"/>
+                </a:highlight>
+                <a:latin typeface="Consolas" panose="020B0609020204030204" pitchFamily="49" charset="0"/>
+              </a:rPr>
+              <a:t>return</a:t>
+            </a:r>
+            <a:r>
+              <a:rPr lang="en-US" altLang="zh-CN" sz="1200" b="0" dirty="0">
+                <a:solidFill>
+                  <a:srgbClr val="3B3B3B"/>
+                </a:solidFill>
+                <a:effectLst/>
+                <a:highlight>
+                  <a:srgbClr val="FFFFFF"/>
+                </a:highlight>
+                <a:latin typeface="Consolas" panose="020B0609020204030204" pitchFamily="49" charset="0"/>
+              </a:rPr>
+              <a:t> </a:t>
+            </a:r>
+            <a:r>
+              <a:rPr lang="en-US" altLang="zh-CN" sz="1200" b="0" dirty="0">
+                <a:solidFill>
+                  <a:srgbClr val="A31515"/>
+                </a:solidFill>
+                <a:effectLst/>
+                <a:highlight>
+                  <a:srgbClr val="FFFFFF"/>
+                </a:highlight>
+                <a:latin typeface="Consolas" panose="020B0609020204030204" pitchFamily="49" charset="0"/>
+              </a:rPr>
+              <a:t>'Hello, '</a:t>
+            </a:r>
+            <a:r>
+              <a:rPr lang="en-US" altLang="zh-CN" sz="1200" b="0" dirty="0">
+                <a:solidFill>
+                  <a:srgbClr val="3B3B3B"/>
+                </a:solidFill>
+                <a:effectLst/>
+                <a:highlight>
+                  <a:srgbClr val="FFFFFF"/>
+                </a:highlight>
+                <a:latin typeface="Consolas" panose="020B0609020204030204" pitchFamily="49" charset="0"/>
+              </a:rPr>
+              <a:t> </a:t>
+            </a:r>
+            <a:r>
+              <a:rPr lang="en-US" altLang="zh-CN" sz="1200" b="0" dirty="0">
+                <a:solidFill>
+                  <a:srgbClr val="000000"/>
+                </a:solidFill>
+                <a:effectLst/>
+                <a:highlight>
+                  <a:srgbClr val="FFFFFF"/>
+                </a:highlight>
+                <a:latin typeface="Consolas" panose="020B0609020204030204" pitchFamily="49" charset="0"/>
+              </a:rPr>
+              <a:t>+</a:t>
+            </a:r>
+            <a:r>
+              <a:rPr lang="en-US" altLang="zh-CN" sz="1200" b="0" dirty="0">
+                <a:solidFill>
+                  <a:srgbClr val="3B3B3B"/>
+                </a:solidFill>
+                <a:effectLst/>
+                <a:highlight>
+                  <a:srgbClr val="FFFFFF"/>
+                </a:highlight>
+                <a:latin typeface="Consolas" panose="020B0609020204030204" pitchFamily="49" charset="0"/>
+              </a:rPr>
+              <a:t> </a:t>
+            </a:r>
+            <a:r>
+              <a:rPr lang="en-US" altLang="zh-CN" sz="1200" b="0" dirty="0">
+                <a:solidFill>
+                  <a:srgbClr val="001080"/>
+                </a:solidFill>
+                <a:effectLst/>
+                <a:highlight>
+                  <a:srgbClr val="FFFFFF"/>
+                </a:highlight>
+                <a:latin typeface="Consolas" panose="020B0609020204030204" pitchFamily="49" charset="0"/>
+              </a:rPr>
+              <a:t>name</a:t>
+            </a:r>
+            <a:endParaRPr lang="en-US" altLang="zh-CN" sz="1200" b="0" dirty="0">
+              <a:solidFill>
+                <a:srgbClr val="3B3B3B"/>
+              </a:solidFill>
+              <a:effectLst/>
+              <a:highlight>
+                <a:srgbClr val="FFFFFF"/>
+              </a:highlight>
+              <a:latin typeface="Consolas" panose="020B0609020204030204" pitchFamily="49" charset="0"/>
+            </a:endParaRPr>
+          </a:p>
+          <a:p>
+            <a:br>
+              <a:rPr lang="en-US" altLang="zh-CN" sz="1200" b="0" dirty="0">
+                <a:solidFill>
+                  <a:srgbClr val="3B3B3B"/>
+                </a:solidFill>
+                <a:effectLst/>
+                <a:highlight>
+                  <a:srgbClr val="FFFFFF"/>
+                </a:highlight>
+                <a:latin typeface="Consolas" panose="020B0609020204030204" pitchFamily="49" charset="0"/>
+              </a:rPr>
+            </a:br>
+            <a:br>
+              <a:rPr lang="en-US" altLang="zh-CN" sz="1200" b="0" dirty="0">
+                <a:solidFill>
+                  <a:srgbClr val="3B3B3B"/>
+                </a:solidFill>
+                <a:effectLst/>
+                <a:highlight>
+                  <a:srgbClr val="FFFFFF"/>
+                </a:highlight>
+                <a:latin typeface="Consolas" panose="020B0609020204030204" pitchFamily="49" charset="0"/>
+              </a:rPr>
+            </a:br>
+            <a:r>
+              <a:rPr lang="en-US" altLang="zh-CN" sz="1200" b="0" dirty="0">
+                <a:solidFill>
+                  <a:srgbClr val="0000FF"/>
+                </a:solidFill>
+                <a:effectLst/>
+                <a:highlight>
+                  <a:srgbClr val="FFFFFF"/>
+                </a:highlight>
+                <a:latin typeface="Consolas" panose="020B0609020204030204" pitchFamily="49" charset="0"/>
+              </a:rPr>
+              <a:t>async</a:t>
+            </a:r>
+            <a:r>
+              <a:rPr lang="en-US" altLang="zh-CN" sz="1200" b="0" dirty="0">
+                <a:solidFill>
+                  <a:srgbClr val="3B3B3B"/>
+                </a:solidFill>
+                <a:effectLst/>
+                <a:highlight>
+                  <a:srgbClr val="FFFFFF"/>
+                </a:highlight>
+                <a:latin typeface="Consolas" panose="020B0609020204030204" pitchFamily="49" charset="0"/>
+              </a:rPr>
+              <a:t> </a:t>
+            </a:r>
+            <a:r>
+              <a:rPr lang="en-US" altLang="zh-CN" sz="1200" b="0" dirty="0">
+                <a:solidFill>
+                  <a:srgbClr val="0000FF"/>
+                </a:solidFill>
+                <a:effectLst/>
+                <a:highlight>
+                  <a:srgbClr val="FFFFFF"/>
+                </a:highlight>
+                <a:latin typeface="Consolas" panose="020B0609020204030204" pitchFamily="49" charset="0"/>
+              </a:rPr>
+              <a:t>def</a:t>
+            </a:r>
+            <a:r>
+              <a:rPr lang="en-US" altLang="zh-CN" sz="1200" b="0" dirty="0">
+                <a:solidFill>
+                  <a:srgbClr val="3B3B3B"/>
+                </a:solidFill>
+                <a:effectLst/>
+                <a:highlight>
+                  <a:srgbClr val="FFFFFF"/>
+                </a:highlight>
+                <a:latin typeface="Consolas" panose="020B0609020204030204" pitchFamily="49" charset="0"/>
+              </a:rPr>
+              <a:t> </a:t>
+            </a:r>
+            <a:r>
+              <a:rPr lang="en-US" altLang="zh-CN" sz="1200" b="0" dirty="0">
+                <a:solidFill>
+                  <a:srgbClr val="795E26"/>
+                </a:solidFill>
+                <a:effectLst/>
+                <a:highlight>
+                  <a:srgbClr val="FFFFFF"/>
+                </a:highlight>
+                <a:latin typeface="Consolas" panose="020B0609020204030204" pitchFamily="49" charset="0"/>
+              </a:rPr>
+              <a:t>main</a:t>
+            </a:r>
+            <a:r>
+              <a:rPr lang="en-US" altLang="zh-CN" sz="1200" b="0" dirty="0">
+                <a:solidFill>
+                  <a:srgbClr val="3B3B3B"/>
+                </a:solidFill>
+                <a:effectLst/>
+                <a:highlight>
+                  <a:srgbClr val="FFFFFF"/>
+                </a:highlight>
+                <a:latin typeface="Consolas" panose="020B0609020204030204" pitchFamily="49" charset="0"/>
+              </a:rPr>
+              <a:t>(</a:t>
+            </a:r>
+            <a:r>
+              <a:rPr lang="en-US" altLang="zh-CN" sz="1200" b="0" dirty="0">
+                <a:solidFill>
+                  <a:srgbClr val="001080"/>
+                </a:solidFill>
+                <a:effectLst/>
+                <a:highlight>
+                  <a:srgbClr val="FFFFFF"/>
+                </a:highlight>
+                <a:latin typeface="Consolas" panose="020B0609020204030204" pitchFamily="49" charset="0"/>
+              </a:rPr>
+              <a:t>loop</a:t>
+            </a:r>
+            <a:r>
+              <a:rPr lang="en-US" altLang="zh-CN" sz="1200" b="0" dirty="0">
+                <a:solidFill>
+                  <a:srgbClr val="3B3B3B"/>
+                </a:solidFill>
+                <a:effectLst/>
+                <a:highlight>
+                  <a:srgbClr val="FFFFFF"/>
+                </a:highlight>
+                <a:latin typeface="Consolas" panose="020B0609020204030204" pitchFamily="49" charset="0"/>
+              </a:rPr>
+              <a:t>, </a:t>
+            </a:r>
+            <a:r>
+              <a:rPr lang="en-US" altLang="zh-CN" sz="1200" b="0" dirty="0">
+                <a:solidFill>
+                  <a:srgbClr val="001080"/>
+                </a:solidFill>
+                <a:effectLst/>
+                <a:highlight>
+                  <a:srgbClr val="FFFFFF"/>
+                </a:highlight>
+                <a:latin typeface="Consolas" panose="020B0609020204030204" pitchFamily="49" charset="0"/>
+              </a:rPr>
+              <a:t>name</a:t>
+            </a:r>
+            <a:r>
+              <a:rPr lang="en-US" altLang="zh-CN" sz="1200" b="0" dirty="0">
+                <a:solidFill>
+                  <a:srgbClr val="3B3B3B"/>
+                </a:solidFill>
+                <a:effectLst/>
+                <a:highlight>
+                  <a:srgbClr val="FFFFFF"/>
+                </a:highlight>
+                <a:latin typeface="Consolas" panose="020B0609020204030204" pitchFamily="49" charset="0"/>
+              </a:rPr>
+              <a:t>):</a:t>
+            </a:r>
+          </a:p>
+          <a:p>
+            <a:r>
+              <a:rPr lang="en-US" altLang="zh-CN" sz="1200" b="0" dirty="0">
+                <a:solidFill>
+                  <a:srgbClr val="3B3B3B"/>
+                </a:solidFill>
+                <a:effectLst/>
+                <a:highlight>
+                  <a:srgbClr val="FFFFFF"/>
+                </a:highlight>
+                <a:latin typeface="Consolas" panose="020B0609020204030204" pitchFamily="49" charset="0"/>
+              </a:rPr>
+              <a:t>    </a:t>
+            </a:r>
+            <a:r>
+              <a:rPr lang="en-US" altLang="zh-CN" sz="1200" b="0" dirty="0">
+                <a:solidFill>
+                  <a:srgbClr val="001080"/>
+                </a:solidFill>
+                <a:effectLst/>
+                <a:highlight>
+                  <a:srgbClr val="FFFFFF"/>
+                </a:highlight>
+                <a:latin typeface="Consolas" panose="020B0609020204030204" pitchFamily="49" charset="0"/>
+              </a:rPr>
+              <a:t>result</a:t>
+            </a:r>
+            <a:r>
+              <a:rPr lang="en-US" altLang="zh-CN" sz="1200" b="0" dirty="0">
+                <a:solidFill>
+                  <a:srgbClr val="3B3B3B"/>
+                </a:solidFill>
+                <a:effectLst/>
+                <a:highlight>
+                  <a:srgbClr val="FFFFFF"/>
+                </a:highlight>
+                <a:latin typeface="Consolas" panose="020B0609020204030204" pitchFamily="49" charset="0"/>
+              </a:rPr>
+              <a:t> </a:t>
+            </a:r>
+            <a:r>
+              <a:rPr lang="en-US" altLang="zh-CN" sz="1200" b="0" dirty="0">
+                <a:solidFill>
+                  <a:srgbClr val="000000"/>
+                </a:solidFill>
+                <a:effectLst/>
+                <a:highlight>
+                  <a:srgbClr val="FFFFFF"/>
+                </a:highlight>
+                <a:latin typeface="Consolas" panose="020B0609020204030204" pitchFamily="49" charset="0"/>
+              </a:rPr>
+              <a:t>=</a:t>
+            </a:r>
+            <a:r>
+              <a:rPr lang="en-US" altLang="zh-CN" sz="1200" b="0" dirty="0">
+                <a:solidFill>
+                  <a:srgbClr val="3B3B3B"/>
+                </a:solidFill>
+                <a:effectLst/>
+                <a:highlight>
+                  <a:srgbClr val="FFFFFF"/>
+                </a:highlight>
+                <a:latin typeface="Consolas" panose="020B0609020204030204" pitchFamily="49" charset="0"/>
+              </a:rPr>
+              <a:t> </a:t>
+            </a:r>
+            <a:r>
+              <a:rPr lang="en-US" altLang="zh-CN" sz="1200" b="0" dirty="0">
+                <a:solidFill>
+                  <a:srgbClr val="AF00DB"/>
+                </a:solidFill>
+                <a:effectLst/>
+                <a:highlight>
+                  <a:srgbClr val="FFFFFF"/>
+                </a:highlight>
+                <a:latin typeface="Consolas" panose="020B0609020204030204" pitchFamily="49" charset="0"/>
+              </a:rPr>
+              <a:t>await</a:t>
+            </a:r>
+            <a:r>
+              <a:rPr lang="en-US" altLang="zh-CN" sz="1200" b="0" dirty="0">
+                <a:solidFill>
+                  <a:srgbClr val="3B3B3B"/>
+                </a:solidFill>
+                <a:effectLst/>
+                <a:highlight>
+                  <a:srgbClr val="FFFFFF"/>
+                </a:highlight>
+                <a:latin typeface="Consolas" panose="020B0609020204030204" pitchFamily="49" charset="0"/>
+              </a:rPr>
+              <a:t> </a:t>
+            </a:r>
+            <a:r>
+              <a:rPr lang="en-US" altLang="zh-CN" sz="1200" b="0" dirty="0" err="1">
+                <a:solidFill>
+                  <a:srgbClr val="001080"/>
+                </a:solidFill>
+                <a:effectLst/>
+                <a:highlight>
+                  <a:srgbClr val="FFFFFF"/>
+                </a:highlight>
+                <a:latin typeface="Consolas" panose="020B0609020204030204" pitchFamily="49" charset="0"/>
+              </a:rPr>
+              <a:t>loop</a:t>
+            </a:r>
+            <a:r>
+              <a:rPr lang="en-US" altLang="zh-CN" sz="1200" b="0" dirty="0" err="1">
+                <a:solidFill>
+                  <a:srgbClr val="3B3B3B"/>
+                </a:solidFill>
+                <a:effectLst/>
+                <a:highlight>
+                  <a:srgbClr val="FFFFFF"/>
+                </a:highlight>
+                <a:latin typeface="Consolas" panose="020B0609020204030204" pitchFamily="49" charset="0"/>
+              </a:rPr>
+              <a:t>.run_in_executor</a:t>
+            </a:r>
+            <a:r>
+              <a:rPr lang="en-US" altLang="zh-CN" sz="1200" b="0" dirty="0">
+                <a:solidFill>
+                  <a:srgbClr val="3B3B3B"/>
+                </a:solidFill>
+                <a:effectLst/>
+                <a:highlight>
+                  <a:srgbClr val="FFFFFF"/>
+                </a:highlight>
+                <a:latin typeface="Consolas" panose="020B0609020204030204" pitchFamily="49" charset="0"/>
+              </a:rPr>
+              <a:t>(</a:t>
+            </a:r>
+            <a:r>
+              <a:rPr lang="en-US" altLang="zh-CN" sz="1200" b="0" dirty="0">
+                <a:solidFill>
+                  <a:srgbClr val="0000FF"/>
+                </a:solidFill>
+                <a:effectLst/>
+                <a:highlight>
+                  <a:srgbClr val="FFFFFF"/>
+                </a:highlight>
+                <a:latin typeface="Consolas" panose="020B0609020204030204" pitchFamily="49" charset="0"/>
+              </a:rPr>
+              <a:t>None</a:t>
+            </a:r>
+            <a:r>
+              <a:rPr lang="en-US" altLang="zh-CN" sz="1200" b="0" dirty="0">
+                <a:solidFill>
+                  <a:srgbClr val="3B3B3B"/>
+                </a:solidFill>
+                <a:effectLst/>
+                <a:highlight>
+                  <a:srgbClr val="FFFFFF"/>
+                </a:highlight>
+                <a:latin typeface="Consolas" panose="020B0609020204030204" pitchFamily="49" charset="0"/>
+              </a:rPr>
+              <a:t>, </a:t>
+            </a:r>
+            <a:r>
+              <a:rPr lang="en-US" altLang="zh-CN" sz="1200" b="0" dirty="0" err="1">
+                <a:solidFill>
+                  <a:srgbClr val="795E26"/>
+                </a:solidFill>
+                <a:effectLst/>
+                <a:highlight>
+                  <a:srgbClr val="FFFFFF"/>
+                </a:highlight>
+                <a:latin typeface="Consolas" panose="020B0609020204030204" pitchFamily="49" charset="0"/>
+              </a:rPr>
+              <a:t>func</a:t>
+            </a:r>
+            <a:r>
+              <a:rPr lang="en-US" altLang="zh-CN" sz="1200" b="0" dirty="0">
+                <a:solidFill>
+                  <a:srgbClr val="3B3B3B"/>
+                </a:solidFill>
+                <a:effectLst/>
+                <a:highlight>
+                  <a:srgbClr val="FFFFFF"/>
+                </a:highlight>
+                <a:latin typeface="Consolas" panose="020B0609020204030204" pitchFamily="49" charset="0"/>
+              </a:rPr>
+              <a:t>, </a:t>
+            </a:r>
+            <a:r>
+              <a:rPr lang="en-US" altLang="zh-CN" sz="1200" b="0" dirty="0">
+                <a:solidFill>
+                  <a:srgbClr val="001080"/>
+                </a:solidFill>
+                <a:effectLst/>
+                <a:highlight>
+                  <a:srgbClr val="FFFFFF"/>
+                </a:highlight>
+                <a:latin typeface="Consolas" panose="020B0609020204030204" pitchFamily="49" charset="0"/>
+              </a:rPr>
+              <a:t>name</a:t>
+            </a:r>
+            <a:r>
+              <a:rPr lang="en-US" altLang="zh-CN" sz="1200" b="0" dirty="0">
+                <a:solidFill>
+                  <a:srgbClr val="3B3B3B"/>
+                </a:solidFill>
+                <a:effectLst/>
+                <a:highlight>
+                  <a:srgbClr val="FFFFFF"/>
+                </a:highlight>
+                <a:latin typeface="Consolas" panose="020B0609020204030204" pitchFamily="49" charset="0"/>
+              </a:rPr>
+              <a:t>) </a:t>
+            </a:r>
+            <a:r>
+              <a:rPr lang="en-US" altLang="zh-CN" sz="1200" b="0" dirty="0">
+                <a:solidFill>
+                  <a:srgbClr val="008000"/>
+                </a:solidFill>
+                <a:effectLst/>
+                <a:highlight>
+                  <a:srgbClr val="FFFFFF"/>
+                </a:highlight>
+                <a:latin typeface="Consolas" panose="020B0609020204030204" pitchFamily="49" charset="0"/>
+              </a:rPr>
+              <a:t># </a:t>
+            </a:r>
+            <a:r>
+              <a:rPr lang="ja-JP" altLang="en-US" sz="1200" b="0" dirty="0">
+                <a:solidFill>
+                  <a:srgbClr val="008000"/>
+                </a:solidFill>
+                <a:effectLst/>
+                <a:highlight>
+                  <a:srgbClr val="FFFFFF"/>
+                </a:highlight>
+                <a:latin typeface="Consolas" panose="020B0609020204030204" pitchFamily="49" charset="0"/>
+              </a:rPr>
+              <a:t>一つ目の引数は</a:t>
+            </a:r>
+            <a:r>
+              <a:rPr lang="en-US" altLang="ja-JP" sz="1200" b="0" dirty="0">
+                <a:solidFill>
+                  <a:srgbClr val="008000"/>
+                </a:solidFill>
+                <a:effectLst/>
+                <a:highlight>
+                  <a:srgbClr val="FFFFFF"/>
+                </a:highlight>
+                <a:latin typeface="Consolas" panose="020B0609020204030204" pitchFamily="49" charset="0"/>
+              </a:rPr>
+              <a:t>None</a:t>
+            </a:r>
+            <a:r>
+              <a:rPr lang="ja-JP" altLang="en-US" sz="1200" b="0" dirty="0">
+                <a:solidFill>
+                  <a:srgbClr val="008000"/>
+                </a:solidFill>
+                <a:effectLst/>
+                <a:highlight>
+                  <a:srgbClr val="FFFFFF"/>
+                </a:highlight>
+                <a:latin typeface="Consolas" panose="020B0609020204030204" pitchFamily="49" charset="0"/>
+              </a:rPr>
+              <a:t>にしてデフォルトの</a:t>
+            </a:r>
+            <a:r>
+              <a:rPr lang="en-US" altLang="ja-JP" sz="1200" b="0" dirty="0">
+                <a:solidFill>
+                  <a:srgbClr val="008000"/>
+                </a:solidFill>
+                <a:effectLst/>
+                <a:highlight>
+                  <a:srgbClr val="FFFFFF"/>
+                </a:highlight>
+                <a:latin typeface="Consolas" panose="020B0609020204030204" pitchFamily="49" charset="0"/>
+              </a:rPr>
+              <a:t>Executors</a:t>
+            </a:r>
+            <a:r>
+              <a:rPr lang="ja-JP" altLang="en-US" sz="1200" b="0" dirty="0">
+                <a:solidFill>
+                  <a:srgbClr val="008000"/>
+                </a:solidFill>
+                <a:effectLst/>
+                <a:highlight>
+                  <a:srgbClr val="FFFFFF"/>
+                </a:highlight>
+                <a:latin typeface="Consolas" panose="020B0609020204030204" pitchFamily="49" charset="0"/>
+              </a:rPr>
+              <a:t>を使用</a:t>
+            </a:r>
+            <a:endParaRPr lang="en-US" altLang="zh-CN" sz="1200" b="0" dirty="0">
+              <a:solidFill>
+                <a:srgbClr val="3B3B3B"/>
+              </a:solidFill>
+              <a:effectLst/>
+              <a:highlight>
+                <a:srgbClr val="FFFFFF"/>
+              </a:highlight>
+              <a:latin typeface="Consolas" panose="020B0609020204030204" pitchFamily="49" charset="0"/>
+            </a:endParaRPr>
+          </a:p>
+          <a:p>
+            <a:r>
+              <a:rPr lang="en-US" altLang="zh-CN" sz="1200" b="0" dirty="0">
+                <a:solidFill>
+                  <a:srgbClr val="3B3B3B"/>
+                </a:solidFill>
+                <a:effectLst/>
+                <a:highlight>
+                  <a:srgbClr val="FFFFFF"/>
+                </a:highlight>
+                <a:latin typeface="Consolas" panose="020B0609020204030204" pitchFamily="49" charset="0"/>
+              </a:rPr>
+              <a:t>    </a:t>
+            </a:r>
+            <a:r>
+              <a:rPr lang="en-US" altLang="zh-CN" sz="1200" b="0" dirty="0">
+                <a:solidFill>
+                  <a:srgbClr val="795E26"/>
+                </a:solidFill>
+                <a:effectLst/>
+                <a:highlight>
+                  <a:srgbClr val="FFFFFF"/>
+                </a:highlight>
+                <a:latin typeface="Consolas" panose="020B0609020204030204" pitchFamily="49" charset="0"/>
+              </a:rPr>
+              <a:t>print</a:t>
+            </a:r>
+            <a:r>
+              <a:rPr lang="en-US" altLang="zh-CN" sz="1200" b="0" dirty="0">
+                <a:solidFill>
+                  <a:srgbClr val="3B3B3B"/>
+                </a:solidFill>
+                <a:effectLst/>
+                <a:highlight>
+                  <a:srgbClr val="FFFFFF"/>
+                </a:highlight>
+                <a:latin typeface="Consolas" panose="020B0609020204030204" pitchFamily="49" charset="0"/>
+              </a:rPr>
+              <a:t>(</a:t>
+            </a:r>
+            <a:r>
+              <a:rPr lang="en-US" altLang="zh-CN" sz="1200" b="0" dirty="0">
+                <a:solidFill>
+                  <a:srgbClr val="001080"/>
+                </a:solidFill>
+                <a:effectLst/>
+                <a:highlight>
+                  <a:srgbClr val="FFFFFF"/>
+                </a:highlight>
+                <a:latin typeface="Consolas" panose="020B0609020204030204" pitchFamily="49" charset="0"/>
+              </a:rPr>
+              <a:t>result</a:t>
+            </a:r>
+            <a:r>
+              <a:rPr lang="en-US" altLang="zh-CN" sz="1200" b="0" dirty="0">
+                <a:solidFill>
+                  <a:srgbClr val="3B3B3B"/>
+                </a:solidFill>
+                <a:effectLst/>
+                <a:highlight>
+                  <a:srgbClr val="FFFFFF"/>
+                </a:highlight>
+                <a:latin typeface="Consolas" panose="020B0609020204030204" pitchFamily="49" charset="0"/>
+              </a:rPr>
+              <a:t>)</a:t>
+            </a:r>
+          </a:p>
+          <a:p>
+            <a:br>
+              <a:rPr lang="en-US" altLang="zh-CN" sz="1200" b="0" dirty="0">
+                <a:solidFill>
+                  <a:srgbClr val="3B3B3B"/>
+                </a:solidFill>
+                <a:effectLst/>
+                <a:highlight>
+                  <a:srgbClr val="FFFFFF"/>
+                </a:highlight>
+                <a:latin typeface="Consolas" panose="020B0609020204030204" pitchFamily="49" charset="0"/>
+              </a:rPr>
+            </a:br>
+            <a:br>
+              <a:rPr lang="en-US" altLang="zh-CN" sz="1200" b="0" dirty="0">
+                <a:solidFill>
+                  <a:srgbClr val="3B3B3B"/>
+                </a:solidFill>
+                <a:effectLst/>
+                <a:highlight>
+                  <a:srgbClr val="FFFFFF"/>
+                </a:highlight>
+                <a:latin typeface="Consolas" panose="020B0609020204030204" pitchFamily="49" charset="0"/>
+              </a:rPr>
+            </a:br>
+            <a:r>
+              <a:rPr lang="en-US" altLang="zh-CN" sz="1200" b="0" dirty="0">
+                <a:solidFill>
+                  <a:srgbClr val="AF00DB"/>
+                </a:solidFill>
+                <a:effectLst/>
+                <a:highlight>
+                  <a:srgbClr val="FFFFFF"/>
+                </a:highlight>
+                <a:latin typeface="Consolas" panose="020B0609020204030204" pitchFamily="49" charset="0"/>
+              </a:rPr>
+              <a:t>if</a:t>
+            </a:r>
+            <a:r>
+              <a:rPr lang="en-US" altLang="zh-CN" sz="1200" b="0" dirty="0">
+                <a:solidFill>
+                  <a:srgbClr val="3B3B3B"/>
+                </a:solidFill>
+                <a:effectLst/>
+                <a:highlight>
+                  <a:srgbClr val="FFFFFF"/>
+                </a:highlight>
+                <a:latin typeface="Consolas" panose="020B0609020204030204" pitchFamily="49" charset="0"/>
+              </a:rPr>
+              <a:t> </a:t>
+            </a:r>
+            <a:r>
+              <a:rPr lang="en-US" altLang="zh-CN" sz="1200" b="0" dirty="0">
+                <a:solidFill>
+                  <a:srgbClr val="001080"/>
+                </a:solidFill>
+                <a:effectLst/>
+                <a:highlight>
+                  <a:srgbClr val="FFFFFF"/>
+                </a:highlight>
+                <a:latin typeface="Consolas" panose="020B0609020204030204" pitchFamily="49" charset="0"/>
+              </a:rPr>
+              <a:t>__name__</a:t>
+            </a:r>
+            <a:r>
+              <a:rPr lang="en-US" altLang="zh-CN" sz="1200" b="0" dirty="0">
+                <a:solidFill>
+                  <a:srgbClr val="3B3B3B"/>
+                </a:solidFill>
+                <a:effectLst/>
+                <a:highlight>
+                  <a:srgbClr val="FFFFFF"/>
+                </a:highlight>
+                <a:latin typeface="Consolas" panose="020B0609020204030204" pitchFamily="49" charset="0"/>
+              </a:rPr>
+              <a:t> </a:t>
+            </a:r>
+            <a:r>
+              <a:rPr lang="en-US" altLang="zh-CN" sz="1200" b="0" dirty="0">
+                <a:solidFill>
+                  <a:srgbClr val="000000"/>
+                </a:solidFill>
+                <a:effectLst/>
+                <a:highlight>
+                  <a:srgbClr val="FFFFFF"/>
+                </a:highlight>
+                <a:latin typeface="Consolas" panose="020B0609020204030204" pitchFamily="49" charset="0"/>
+              </a:rPr>
+              <a:t>==</a:t>
+            </a:r>
+            <a:r>
+              <a:rPr lang="en-US" altLang="zh-CN" sz="1200" b="0" dirty="0">
+                <a:solidFill>
+                  <a:srgbClr val="3B3B3B"/>
+                </a:solidFill>
+                <a:effectLst/>
+                <a:highlight>
+                  <a:srgbClr val="FFFFFF"/>
+                </a:highlight>
+                <a:latin typeface="Consolas" panose="020B0609020204030204" pitchFamily="49" charset="0"/>
+              </a:rPr>
+              <a:t> </a:t>
+            </a:r>
+            <a:r>
+              <a:rPr lang="en-US" altLang="zh-CN" sz="1200" b="0" dirty="0">
+                <a:solidFill>
+                  <a:srgbClr val="A31515"/>
+                </a:solidFill>
+                <a:effectLst/>
+                <a:highlight>
+                  <a:srgbClr val="FFFFFF"/>
+                </a:highlight>
+                <a:latin typeface="Consolas" panose="020B0609020204030204" pitchFamily="49" charset="0"/>
+              </a:rPr>
+              <a:t>"__main__"</a:t>
+            </a:r>
+            <a:r>
+              <a:rPr lang="en-US" altLang="zh-CN" sz="1200" b="0" dirty="0">
+                <a:solidFill>
+                  <a:srgbClr val="3B3B3B"/>
+                </a:solidFill>
+                <a:effectLst/>
+                <a:highlight>
+                  <a:srgbClr val="FFFFFF"/>
+                </a:highlight>
+                <a:latin typeface="Consolas" panose="020B0609020204030204" pitchFamily="49" charset="0"/>
+              </a:rPr>
+              <a:t>:</a:t>
+            </a:r>
+          </a:p>
+          <a:p>
+            <a:r>
+              <a:rPr lang="en-US" altLang="zh-CN" sz="1200" b="0" dirty="0">
+                <a:solidFill>
+                  <a:srgbClr val="3B3B3B"/>
+                </a:solidFill>
+                <a:effectLst/>
+                <a:highlight>
+                  <a:srgbClr val="FFFFFF"/>
+                </a:highlight>
+                <a:latin typeface="Consolas" panose="020B0609020204030204" pitchFamily="49" charset="0"/>
+              </a:rPr>
+              <a:t>    </a:t>
+            </a:r>
+            <a:r>
+              <a:rPr lang="en-US" altLang="zh-CN" sz="1200" b="0" dirty="0">
+                <a:solidFill>
+                  <a:srgbClr val="001080"/>
+                </a:solidFill>
+                <a:effectLst/>
+                <a:highlight>
+                  <a:srgbClr val="FFFFFF"/>
+                </a:highlight>
+                <a:latin typeface="Consolas" panose="020B0609020204030204" pitchFamily="49" charset="0"/>
+              </a:rPr>
+              <a:t>start</a:t>
+            </a:r>
+            <a:r>
+              <a:rPr lang="en-US" altLang="zh-CN" sz="1200" b="0" dirty="0">
+                <a:solidFill>
+                  <a:srgbClr val="3B3B3B"/>
+                </a:solidFill>
+                <a:effectLst/>
+                <a:highlight>
+                  <a:srgbClr val="FFFFFF"/>
+                </a:highlight>
+                <a:latin typeface="Consolas" panose="020B0609020204030204" pitchFamily="49" charset="0"/>
+              </a:rPr>
+              <a:t> </a:t>
+            </a:r>
+            <a:r>
+              <a:rPr lang="en-US" altLang="zh-CN" sz="1200" b="0" dirty="0">
+                <a:solidFill>
+                  <a:srgbClr val="000000"/>
+                </a:solidFill>
+                <a:effectLst/>
+                <a:highlight>
+                  <a:srgbClr val="FFFFFF"/>
+                </a:highlight>
+                <a:latin typeface="Consolas" panose="020B0609020204030204" pitchFamily="49" charset="0"/>
+              </a:rPr>
+              <a:t>=</a:t>
+            </a:r>
+            <a:r>
+              <a:rPr lang="en-US" altLang="zh-CN" sz="1200" b="0" dirty="0">
+                <a:solidFill>
+                  <a:srgbClr val="3B3B3B"/>
+                </a:solidFill>
+                <a:effectLst/>
+                <a:highlight>
+                  <a:srgbClr val="FFFFFF"/>
+                </a:highlight>
+                <a:latin typeface="Consolas" panose="020B0609020204030204" pitchFamily="49" charset="0"/>
+              </a:rPr>
+              <a:t> </a:t>
+            </a:r>
+            <a:r>
+              <a:rPr lang="en-US" altLang="zh-CN" sz="1200" b="0" dirty="0" err="1">
+                <a:solidFill>
+                  <a:srgbClr val="267F99"/>
+                </a:solidFill>
+                <a:effectLst/>
+                <a:highlight>
+                  <a:srgbClr val="FFFFFF"/>
+                </a:highlight>
+                <a:latin typeface="Consolas" panose="020B0609020204030204" pitchFamily="49" charset="0"/>
+              </a:rPr>
+              <a:t>time</a:t>
+            </a:r>
+            <a:r>
+              <a:rPr lang="en-US" altLang="zh-CN" sz="1200" b="0" dirty="0" err="1">
+                <a:solidFill>
+                  <a:srgbClr val="3B3B3B"/>
+                </a:solidFill>
+                <a:effectLst/>
+                <a:highlight>
+                  <a:srgbClr val="FFFFFF"/>
+                </a:highlight>
+                <a:latin typeface="Consolas" panose="020B0609020204030204" pitchFamily="49" charset="0"/>
+              </a:rPr>
+              <a:t>.</a:t>
+            </a:r>
+            <a:r>
+              <a:rPr lang="en-US" altLang="zh-CN" sz="1200" b="0" dirty="0" err="1">
+                <a:solidFill>
+                  <a:srgbClr val="795E26"/>
+                </a:solidFill>
+                <a:effectLst/>
+                <a:highlight>
+                  <a:srgbClr val="FFFFFF"/>
+                </a:highlight>
+                <a:latin typeface="Consolas" panose="020B0609020204030204" pitchFamily="49" charset="0"/>
+              </a:rPr>
+              <a:t>time</a:t>
+            </a:r>
+            <a:r>
+              <a:rPr lang="en-US" altLang="zh-CN" sz="1200" b="0" dirty="0">
+                <a:solidFill>
+                  <a:srgbClr val="3B3B3B"/>
+                </a:solidFill>
+                <a:effectLst/>
+                <a:highlight>
+                  <a:srgbClr val="FFFFFF"/>
+                </a:highlight>
+                <a:latin typeface="Consolas" panose="020B0609020204030204" pitchFamily="49" charset="0"/>
+              </a:rPr>
+              <a:t>()		</a:t>
+            </a:r>
+            <a:r>
+              <a:rPr lang="en-US" altLang="zh-CN" sz="1200" b="0" dirty="0">
+                <a:solidFill>
+                  <a:srgbClr val="008000"/>
+                </a:solidFill>
+                <a:effectLst/>
+                <a:highlight>
+                  <a:srgbClr val="FFFFFF"/>
+                </a:highlight>
+                <a:latin typeface="Consolas" panose="020B0609020204030204" pitchFamily="49" charset="0"/>
+              </a:rPr>
+              <a:t>#</a:t>
+            </a:r>
+            <a:r>
+              <a:rPr lang="ja-JP" altLang="en-US" sz="1200" b="0" dirty="0">
+                <a:solidFill>
+                  <a:srgbClr val="008000"/>
+                </a:solidFill>
+                <a:effectLst/>
+                <a:highlight>
+                  <a:srgbClr val="FFFFFF"/>
+                </a:highlight>
+                <a:latin typeface="Consolas" panose="020B0609020204030204" pitchFamily="49" charset="0"/>
+              </a:rPr>
+              <a:t>　プログラムの開始時間</a:t>
+            </a:r>
+            <a:endParaRPr lang="en-US" altLang="zh-CN" sz="1200" b="0" dirty="0">
+              <a:solidFill>
+                <a:srgbClr val="3B3B3B"/>
+              </a:solidFill>
+              <a:effectLst/>
+              <a:highlight>
+                <a:srgbClr val="FFFFFF"/>
+              </a:highlight>
+              <a:latin typeface="Consolas" panose="020B0609020204030204" pitchFamily="49" charset="0"/>
+            </a:endParaRPr>
+          </a:p>
+          <a:p>
+            <a:r>
+              <a:rPr lang="en-US" altLang="zh-CN" sz="1200" b="0" dirty="0">
+                <a:solidFill>
+                  <a:srgbClr val="3B3B3B"/>
+                </a:solidFill>
+                <a:effectLst/>
+                <a:highlight>
+                  <a:srgbClr val="FFFFFF"/>
+                </a:highlight>
+                <a:latin typeface="Consolas" panose="020B0609020204030204" pitchFamily="49" charset="0"/>
+              </a:rPr>
+              <a:t>    </a:t>
+            </a:r>
+            <a:r>
+              <a:rPr lang="en-US" altLang="zh-CN" sz="1200" b="0" dirty="0">
+                <a:solidFill>
+                  <a:srgbClr val="001080"/>
+                </a:solidFill>
+                <a:effectLst/>
+                <a:highlight>
+                  <a:srgbClr val="FFFFFF"/>
+                </a:highlight>
+                <a:latin typeface="Consolas" panose="020B0609020204030204" pitchFamily="49" charset="0"/>
+              </a:rPr>
+              <a:t>loop</a:t>
+            </a:r>
+            <a:r>
+              <a:rPr lang="en-US" altLang="zh-CN" sz="1200" b="0" dirty="0">
+                <a:solidFill>
+                  <a:srgbClr val="3B3B3B"/>
+                </a:solidFill>
+                <a:effectLst/>
+                <a:highlight>
+                  <a:srgbClr val="FFFFFF"/>
+                </a:highlight>
+                <a:latin typeface="Consolas" panose="020B0609020204030204" pitchFamily="49" charset="0"/>
+              </a:rPr>
+              <a:t> </a:t>
+            </a:r>
+            <a:r>
+              <a:rPr lang="en-US" altLang="zh-CN" sz="1200" b="0" dirty="0">
+                <a:solidFill>
+                  <a:srgbClr val="000000"/>
+                </a:solidFill>
+                <a:effectLst/>
+                <a:highlight>
+                  <a:srgbClr val="FFFFFF"/>
+                </a:highlight>
+                <a:latin typeface="Consolas" panose="020B0609020204030204" pitchFamily="49" charset="0"/>
+              </a:rPr>
+              <a:t>=</a:t>
+            </a:r>
+            <a:r>
+              <a:rPr lang="en-US" altLang="zh-CN" sz="1200" b="0" dirty="0">
+                <a:solidFill>
+                  <a:srgbClr val="3B3B3B"/>
+                </a:solidFill>
+                <a:effectLst/>
+                <a:highlight>
+                  <a:srgbClr val="FFFFFF"/>
+                </a:highlight>
+                <a:latin typeface="Consolas" panose="020B0609020204030204" pitchFamily="49" charset="0"/>
+              </a:rPr>
+              <a:t> </a:t>
+            </a:r>
+            <a:r>
+              <a:rPr lang="en-US" altLang="zh-CN" sz="1200" b="0" dirty="0" err="1">
+                <a:solidFill>
+                  <a:srgbClr val="267F99"/>
+                </a:solidFill>
+                <a:effectLst/>
+                <a:highlight>
+                  <a:srgbClr val="FFFFFF"/>
+                </a:highlight>
+                <a:latin typeface="Consolas" panose="020B0609020204030204" pitchFamily="49" charset="0"/>
+              </a:rPr>
+              <a:t>asyncio</a:t>
+            </a:r>
+            <a:r>
+              <a:rPr lang="en-US" altLang="zh-CN" sz="1200" b="0" dirty="0" err="1">
+                <a:solidFill>
+                  <a:srgbClr val="3B3B3B"/>
+                </a:solidFill>
+                <a:effectLst/>
+                <a:highlight>
+                  <a:srgbClr val="FFFFFF"/>
+                </a:highlight>
+                <a:latin typeface="Consolas" panose="020B0609020204030204" pitchFamily="49" charset="0"/>
+              </a:rPr>
+              <a:t>.</a:t>
+            </a:r>
+            <a:r>
+              <a:rPr lang="en-US" altLang="zh-CN" sz="1200" b="0" dirty="0" err="1">
+                <a:solidFill>
+                  <a:srgbClr val="795E26"/>
+                </a:solidFill>
+                <a:effectLst/>
+                <a:highlight>
+                  <a:srgbClr val="FFFFFF"/>
+                </a:highlight>
+                <a:latin typeface="Consolas" panose="020B0609020204030204" pitchFamily="49" charset="0"/>
+              </a:rPr>
+              <a:t>get_event_loop</a:t>
+            </a:r>
+            <a:r>
+              <a:rPr lang="en-US" altLang="zh-CN" sz="1200" b="0" dirty="0">
+                <a:solidFill>
+                  <a:srgbClr val="3B3B3B"/>
+                </a:solidFill>
+                <a:effectLst/>
+                <a:highlight>
+                  <a:srgbClr val="FFFFFF"/>
+                </a:highlight>
+                <a:latin typeface="Consolas" panose="020B0609020204030204" pitchFamily="49" charset="0"/>
+              </a:rPr>
+              <a:t>()	</a:t>
+            </a:r>
+            <a:r>
+              <a:rPr lang="en-US" altLang="zh-CN" sz="1200" b="0" dirty="0">
+                <a:solidFill>
+                  <a:srgbClr val="008000"/>
+                </a:solidFill>
+                <a:effectLst/>
+                <a:highlight>
+                  <a:srgbClr val="FFFFFF"/>
+                </a:highlight>
+                <a:latin typeface="Consolas" panose="020B0609020204030204" pitchFamily="49" charset="0"/>
+              </a:rPr>
+              <a:t> #</a:t>
+            </a:r>
+            <a:r>
+              <a:rPr lang="ja-JP" altLang="en-US" sz="1200" dirty="0">
+                <a:solidFill>
+                  <a:srgbClr val="008000"/>
+                </a:solidFill>
+                <a:highlight>
+                  <a:srgbClr val="FFFFFF"/>
+                </a:highlight>
+                <a:latin typeface="Consolas" panose="020B0609020204030204" pitchFamily="49" charset="0"/>
+              </a:rPr>
+              <a:t>　イベントループを取得</a:t>
+            </a:r>
+            <a:endParaRPr lang="en-US" altLang="zh-CN" sz="1200" b="0" dirty="0">
+              <a:solidFill>
+                <a:srgbClr val="3B3B3B"/>
+              </a:solidFill>
+              <a:effectLst/>
+              <a:highlight>
+                <a:srgbClr val="FFFFFF"/>
+              </a:highlight>
+              <a:latin typeface="Consolas" panose="020B0609020204030204" pitchFamily="49" charset="0"/>
+            </a:endParaRPr>
+          </a:p>
+          <a:p>
+            <a:r>
+              <a:rPr lang="en-US" altLang="zh-CN" sz="1200" b="0" dirty="0">
+                <a:solidFill>
+                  <a:srgbClr val="3B3B3B"/>
+                </a:solidFill>
+                <a:effectLst/>
+                <a:highlight>
+                  <a:srgbClr val="FFFFFF"/>
+                </a:highlight>
+                <a:latin typeface="Consolas" panose="020B0609020204030204" pitchFamily="49" charset="0"/>
+              </a:rPr>
+              <a:t>    </a:t>
+            </a:r>
+            <a:r>
+              <a:rPr lang="en-US" altLang="zh-CN" sz="1200" b="0" dirty="0" err="1">
+                <a:solidFill>
+                  <a:srgbClr val="001080"/>
+                </a:solidFill>
+                <a:effectLst/>
+                <a:highlight>
+                  <a:srgbClr val="FFFFFF"/>
+                </a:highlight>
+                <a:latin typeface="Consolas" panose="020B0609020204030204" pitchFamily="49" charset="0"/>
+              </a:rPr>
+              <a:t>loop</a:t>
+            </a:r>
+            <a:r>
+              <a:rPr lang="en-US" altLang="zh-CN" sz="1200" b="0" dirty="0" err="1">
+                <a:solidFill>
+                  <a:srgbClr val="3B3B3B"/>
+                </a:solidFill>
+                <a:effectLst/>
+                <a:highlight>
+                  <a:srgbClr val="FFFFFF"/>
+                </a:highlight>
+                <a:latin typeface="Consolas" panose="020B0609020204030204" pitchFamily="49" charset="0"/>
+              </a:rPr>
+              <a:t>.</a:t>
+            </a:r>
+            <a:r>
+              <a:rPr lang="en-US" altLang="zh-CN" sz="1200" b="0" dirty="0" err="1">
+                <a:solidFill>
+                  <a:srgbClr val="795E26"/>
+                </a:solidFill>
+                <a:effectLst/>
+                <a:highlight>
+                  <a:srgbClr val="FFFFFF"/>
+                </a:highlight>
+                <a:latin typeface="Consolas" panose="020B0609020204030204" pitchFamily="49" charset="0"/>
+              </a:rPr>
+              <a:t>set_default_executor</a:t>
+            </a:r>
+            <a:r>
+              <a:rPr lang="en-US" altLang="zh-CN" sz="1200" b="0" dirty="0">
+                <a:solidFill>
+                  <a:srgbClr val="3B3B3B"/>
+                </a:solidFill>
+                <a:effectLst/>
+                <a:highlight>
+                  <a:srgbClr val="FFFFFF"/>
+                </a:highlight>
+                <a:latin typeface="Consolas" panose="020B0609020204030204" pitchFamily="49" charset="0"/>
+              </a:rPr>
+              <a:t>(</a:t>
+            </a:r>
+            <a:r>
+              <a:rPr lang="en-US" altLang="zh-CN" sz="1200" b="0" dirty="0" err="1">
+                <a:solidFill>
+                  <a:srgbClr val="267F99"/>
+                </a:solidFill>
+                <a:effectLst/>
+                <a:highlight>
+                  <a:srgbClr val="FFFFFF"/>
+                </a:highlight>
+                <a:latin typeface="Consolas" panose="020B0609020204030204" pitchFamily="49" charset="0"/>
+              </a:rPr>
+              <a:t>ThreadPoolExecutor</a:t>
+            </a:r>
+            <a:r>
+              <a:rPr lang="en-US" altLang="zh-CN" sz="1200" b="0" dirty="0">
+                <a:solidFill>
+                  <a:srgbClr val="3B3B3B"/>
+                </a:solidFill>
+                <a:effectLst/>
+                <a:highlight>
+                  <a:srgbClr val="FFFFFF"/>
+                </a:highlight>
+                <a:latin typeface="Consolas" panose="020B0609020204030204" pitchFamily="49" charset="0"/>
+              </a:rPr>
+              <a:t>())</a:t>
+            </a:r>
+            <a:r>
+              <a:rPr lang="ja-JP" altLang="en-US" sz="1200" b="0" dirty="0">
+                <a:solidFill>
+                  <a:srgbClr val="3B3B3B"/>
+                </a:solidFill>
+                <a:effectLst/>
+                <a:highlight>
+                  <a:srgbClr val="FFFFFF"/>
+                </a:highlight>
+                <a:latin typeface="Consolas" panose="020B0609020204030204" pitchFamily="49" charset="0"/>
+              </a:rPr>
+              <a:t>　</a:t>
+            </a:r>
+            <a:r>
+              <a:rPr lang="en-US" altLang="zh-CN" sz="1200" b="0" dirty="0">
+                <a:solidFill>
+                  <a:srgbClr val="008000"/>
+                </a:solidFill>
+                <a:effectLst/>
+                <a:highlight>
+                  <a:srgbClr val="FFFFFF"/>
+                </a:highlight>
+                <a:latin typeface="Consolas" panose="020B0609020204030204" pitchFamily="49" charset="0"/>
+              </a:rPr>
+              <a:t> #</a:t>
+            </a:r>
+            <a:r>
+              <a:rPr lang="ja-JP" altLang="en-US" sz="1200" dirty="0">
+                <a:solidFill>
+                  <a:srgbClr val="008000"/>
+                </a:solidFill>
+                <a:highlight>
+                  <a:srgbClr val="FFFFFF"/>
+                </a:highlight>
+                <a:latin typeface="Consolas" panose="020B0609020204030204" pitchFamily="49" charset="0"/>
+              </a:rPr>
+              <a:t>　</a:t>
+            </a:r>
+            <a:r>
+              <a:rPr lang="ja-JP" altLang="en-US" sz="1200" b="0" dirty="0">
+                <a:solidFill>
+                  <a:srgbClr val="008000"/>
+                </a:solidFill>
+                <a:effectLst/>
+                <a:highlight>
+                  <a:srgbClr val="FFFFFF"/>
+                </a:highlight>
+                <a:latin typeface="Consolas" panose="020B0609020204030204" pitchFamily="49" charset="0"/>
+              </a:rPr>
+              <a:t>デフォルトの</a:t>
+            </a:r>
+            <a:r>
+              <a:rPr lang="en-US" altLang="ja-JP" sz="1200" b="0" dirty="0">
+                <a:solidFill>
+                  <a:srgbClr val="008000"/>
+                </a:solidFill>
+                <a:effectLst/>
+                <a:highlight>
+                  <a:srgbClr val="FFFFFF"/>
+                </a:highlight>
+                <a:latin typeface="Consolas" panose="020B0609020204030204" pitchFamily="49" charset="0"/>
+              </a:rPr>
+              <a:t>Executors</a:t>
+            </a:r>
+            <a:r>
+              <a:rPr lang="ja-JP" altLang="en-US" sz="1200" b="0" dirty="0">
+                <a:solidFill>
+                  <a:srgbClr val="008000"/>
+                </a:solidFill>
+                <a:effectLst/>
+                <a:highlight>
+                  <a:srgbClr val="FFFFFF"/>
+                </a:highlight>
+                <a:latin typeface="Consolas" panose="020B0609020204030204" pitchFamily="49" charset="0"/>
+              </a:rPr>
+              <a:t>を設定</a:t>
+            </a:r>
+            <a:endParaRPr lang="en-US" altLang="zh-CN" sz="1200" b="0" dirty="0">
+              <a:solidFill>
+                <a:srgbClr val="3B3B3B"/>
+              </a:solidFill>
+              <a:effectLst/>
+              <a:highlight>
+                <a:srgbClr val="FFFFFF"/>
+              </a:highlight>
+              <a:latin typeface="Consolas" panose="020B0609020204030204" pitchFamily="49" charset="0"/>
+            </a:endParaRPr>
+          </a:p>
+          <a:p>
+            <a:br>
+              <a:rPr lang="en-US" altLang="zh-CN" sz="1200" b="0" dirty="0">
+                <a:solidFill>
+                  <a:srgbClr val="3B3B3B"/>
+                </a:solidFill>
+                <a:effectLst/>
+                <a:highlight>
+                  <a:srgbClr val="FFFFFF"/>
+                </a:highlight>
+                <a:latin typeface="Consolas" panose="020B0609020204030204" pitchFamily="49" charset="0"/>
+              </a:rPr>
+            </a:br>
+            <a:r>
+              <a:rPr lang="en-US" altLang="zh-CN" sz="1200" b="0" dirty="0">
+                <a:solidFill>
+                  <a:srgbClr val="3B3B3B"/>
+                </a:solidFill>
+                <a:effectLst/>
+                <a:highlight>
+                  <a:srgbClr val="FFFFFF"/>
+                </a:highlight>
+                <a:latin typeface="Consolas" panose="020B0609020204030204" pitchFamily="49" charset="0"/>
+              </a:rPr>
+              <a:t>    </a:t>
+            </a:r>
+            <a:r>
+              <a:rPr lang="en-US" altLang="zh-CN" sz="1200" b="0" dirty="0">
+                <a:solidFill>
+                  <a:srgbClr val="001080"/>
+                </a:solidFill>
+                <a:effectLst/>
+                <a:highlight>
+                  <a:srgbClr val="FFFFFF"/>
+                </a:highlight>
+                <a:latin typeface="Consolas" panose="020B0609020204030204" pitchFamily="49" charset="0"/>
+              </a:rPr>
+              <a:t>tasks</a:t>
+            </a:r>
+            <a:r>
+              <a:rPr lang="en-US" altLang="zh-CN" sz="1200" b="0" dirty="0">
+                <a:solidFill>
+                  <a:srgbClr val="3B3B3B"/>
+                </a:solidFill>
+                <a:effectLst/>
+                <a:highlight>
+                  <a:srgbClr val="FFFFFF"/>
+                </a:highlight>
+                <a:latin typeface="Consolas" panose="020B0609020204030204" pitchFamily="49" charset="0"/>
+              </a:rPr>
+              <a:t> </a:t>
+            </a:r>
+            <a:r>
+              <a:rPr lang="en-US" altLang="zh-CN" sz="1200" b="0" dirty="0">
+                <a:solidFill>
+                  <a:srgbClr val="000000"/>
+                </a:solidFill>
+                <a:effectLst/>
+                <a:highlight>
+                  <a:srgbClr val="FFFFFF"/>
+                </a:highlight>
+                <a:latin typeface="Consolas" panose="020B0609020204030204" pitchFamily="49" charset="0"/>
+              </a:rPr>
+              <a:t>=</a:t>
+            </a:r>
+            <a:r>
+              <a:rPr lang="en-US" altLang="zh-CN" sz="1200" b="0" dirty="0">
+                <a:solidFill>
+                  <a:srgbClr val="3B3B3B"/>
+                </a:solidFill>
+                <a:effectLst/>
+                <a:highlight>
+                  <a:srgbClr val="FFFFFF"/>
+                </a:highlight>
+                <a:latin typeface="Consolas" panose="020B0609020204030204" pitchFamily="49" charset="0"/>
+              </a:rPr>
+              <a:t> [</a:t>
+            </a:r>
+          </a:p>
+          <a:p>
+            <a:r>
+              <a:rPr lang="en-US" altLang="zh-CN" sz="1200" b="0" dirty="0">
+                <a:solidFill>
+                  <a:srgbClr val="3B3B3B"/>
+                </a:solidFill>
+                <a:effectLst/>
+                <a:highlight>
+                  <a:srgbClr val="FFFFFF"/>
+                </a:highlight>
+                <a:latin typeface="Consolas" panose="020B0609020204030204" pitchFamily="49" charset="0"/>
+              </a:rPr>
+              <a:t>        </a:t>
+            </a:r>
+            <a:r>
+              <a:rPr lang="en-US" altLang="zh-CN" sz="1200" b="0" dirty="0" err="1">
+                <a:solidFill>
+                  <a:srgbClr val="001080"/>
+                </a:solidFill>
+                <a:effectLst/>
+                <a:highlight>
+                  <a:srgbClr val="FFFFFF"/>
+                </a:highlight>
+                <a:latin typeface="Consolas" panose="020B0609020204030204" pitchFamily="49" charset="0"/>
+              </a:rPr>
+              <a:t>loop</a:t>
+            </a:r>
+            <a:r>
+              <a:rPr lang="en-US" altLang="zh-CN" sz="1200" b="0" dirty="0" err="1">
+                <a:solidFill>
+                  <a:srgbClr val="3B3B3B"/>
+                </a:solidFill>
+                <a:effectLst/>
+                <a:highlight>
+                  <a:srgbClr val="FFFFFF"/>
+                </a:highlight>
+                <a:latin typeface="Consolas" panose="020B0609020204030204" pitchFamily="49" charset="0"/>
+              </a:rPr>
+              <a:t>.</a:t>
+            </a:r>
+            <a:r>
+              <a:rPr lang="en-US" altLang="zh-CN" sz="1200" b="0" dirty="0" err="1">
+                <a:solidFill>
+                  <a:srgbClr val="795E26"/>
+                </a:solidFill>
+                <a:effectLst/>
+                <a:highlight>
+                  <a:srgbClr val="FFFFFF"/>
+                </a:highlight>
+                <a:latin typeface="Consolas" panose="020B0609020204030204" pitchFamily="49" charset="0"/>
+              </a:rPr>
+              <a:t>create_task</a:t>
+            </a:r>
+            <a:r>
+              <a:rPr lang="en-US" altLang="zh-CN" sz="1200" b="0" dirty="0">
+                <a:solidFill>
+                  <a:srgbClr val="3B3B3B"/>
+                </a:solidFill>
+                <a:effectLst/>
+                <a:highlight>
+                  <a:srgbClr val="FFFFFF"/>
+                </a:highlight>
+                <a:latin typeface="Consolas" panose="020B0609020204030204" pitchFamily="49" charset="0"/>
+              </a:rPr>
+              <a:t>(</a:t>
+            </a:r>
+            <a:r>
+              <a:rPr lang="en-US" altLang="zh-CN" sz="1200" b="0" dirty="0">
+                <a:solidFill>
+                  <a:srgbClr val="795E26"/>
+                </a:solidFill>
+                <a:effectLst/>
+                <a:highlight>
+                  <a:srgbClr val="FFFFFF"/>
+                </a:highlight>
+                <a:latin typeface="Consolas" panose="020B0609020204030204" pitchFamily="49" charset="0"/>
+              </a:rPr>
+              <a:t>main</a:t>
+            </a:r>
+            <a:r>
+              <a:rPr lang="en-US" altLang="zh-CN" sz="1200" b="0" dirty="0">
+                <a:solidFill>
+                  <a:srgbClr val="3B3B3B"/>
+                </a:solidFill>
+                <a:effectLst/>
+                <a:highlight>
+                  <a:srgbClr val="FFFFFF"/>
+                </a:highlight>
+                <a:latin typeface="Consolas" panose="020B0609020204030204" pitchFamily="49" charset="0"/>
+              </a:rPr>
+              <a:t>(</a:t>
+            </a:r>
+            <a:r>
+              <a:rPr lang="en-US" altLang="zh-CN" sz="1200" b="0" dirty="0">
+                <a:solidFill>
+                  <a:srgbClr val="001080"/>
+                </a:solidFill>
+                <a:effectLst/>
+                <a:highlight>
+                  <a:srgbClr val="FFFFFF"/>
+                </a:highlight>
+                <a:latin typeface="Consolas" panose="020B0609020204030204" pitchFamily="49" charset="0"/>
+              </a:rPr>
+              <a:t>loop</a:t>
+            </a:r>
+            <a:r>
+              <a:rPr lang="en-US" altLang="zh-CN" sz="1200" b="0" dirty="0">
+                <a:solidFill>
+                  <a:srgbClr val="3B3B3B"/>
+                </a:solidFill>
+                <a:effectLst/>
+                <a:highlight>
+                  <a:srgbClr val="FFFFFF"/>
+                </a:highlight>
+                <a:latin typeface="Consolas" panose="020B0609020204030204" pitchFamily="49" charset="0"/>
+              </a:rPr>
+              <a:t>, </a:t>
+            </a:r>
+            <a:r>
+              <a:rPr lang="en-US" altLang="zh-CN" sz="1200" b="0" dirty="0">
+                <a:solidFill>
+                  <a:srgbClr val="A31515"/>
+                </a:solidFill>
+                <a:effectLst/>
+                <a:highlight>
+                  <a:srgbClr val="FFFFFF"/>
+                </a:highlight>
+                <a:latin typeface="Consolas" panose="020B0609020204030204" pitchFamily="49" charset="0"/>
+              </a:rPr>
+              <a:t>'jack'</a:t>
+            </a:r>
+            <a:r>
+              <a:rPr lang="en-US" altLang="zh-CN" sz="1200" b="0" dirty="0">
+                <a:solidFill>
+                  <a:srgbClr val="3B3B3B"/>
+                </a:solidFill>
+                <a:effectLst/>
+                <a:highlight>
+                  <a:srgbClr val="FFFFFF"/>
+                </a:highlight>
+                <a:latin typeface="Consolas" panose="020B0609020204030204" pitchFamily="49" charset="0"/>
+              </a:rPr>
+              <a:t>)),</a:t>
+            </a:r>
+          </a:p>
+          <a:p>
+            <a:r>
+              <a:rPr lang="en-US" altLang="zh-CN" sz="1200" b="0" dirty="0">
+                <a:solidFill>
+                  <a:srgbClr val="3B3B3B"/>
+                </a:solidFill>
+                <a:effectLst/>
+                <a:highlight>
+                  <a:srgbClr val="FFFFFF"/>
+                </a:highlight>
+                <a:latin typeface="Consolas" panose="020B0609020204030204" pitchFamily="49" charset="0"/>
+              </a:rPr>
+              <a:t>        </a:t>
+            </a:r>
+            <a:r>
+              <a:rPr lang="en-US" altLang="zh-CN" sz="1200" b="0" dirty="0" err="1">
+                <a:solidFill>
+                  <a:srgbClr val="001080"/>
+                </a:solidFill>
+                <a:effectLst/>
+                <a:highlight>
+                  <a:srgbClr val="FFFFFF"/>
+                </a:highlight>
+                <a:latin typeface="Consolas" panose="020B0609020204030204" pitchFamily="49" charset="0"/>
+              </a:rPr>
+              <a:t>loop</a:t>
+            </a:r>
+            <a:r>
+              <a:rPr lang="en-US" altLang="zh-CN" sz="1200" b="0" dirty="0" err="1">
+                <a:solidFill>
+                  <a:srgbClr val="3B3B3B"/>
+                </a:solidFill>
+                <a:effectLst/>
+                <a:highlight>
+                  <a:srgbClr val="FFFFFF"/>
+                </a:highlight>
+                <a:latin typeface="Consolas" panose="020B0609020204030204" pitchFamily="49" charset="0"/>
+              </a:rPr>
+              <a:t>.</a:t>
+            </a:r>
+            <a:r>
+              <a:rPr lang="en-US" altLang="zh-CN" sz="1200" b="0" dirty="0" err="1">
+                <a:solidFill>
+                  <a:srgbClr val="795E26"/>
+                </a:solidFill>
+                <a:effectLst/>
+                <a:highlight>
+                  <a:srgbClr val="FFFFFF"/>
+                </a:highlight>
+                <a:latin typeface="Consolas" panose="020B0609020204030204" pitchFamily="49" charset="0"/>
+              </a:rPr>
+              <a:t>create_task</a:t>
+            </a:r>
+            <a:r>
+              <a:rPr lang="en-US" altLang="zh-CN" sz="1200" b="0" dirty="0">
+                <a:solidFill>
+                  <a:srgbClr val="3B3B3B"/>
+                </a:solidFill>
+                <a:effectLst/>
+                <a:highlight>
+                  <a:srgbClr val="FFFFFF"/>
+                </a:highlight>
+                <a:latin typeface="Consolas" panose="020B0609020204030204" pitchFamily="49" charset="0"/>
+              </a:rPr>
+              <a:t>(</a:t>
+            </a:r>
+            <a:r>
+              <a:rPr lang="en-US" altLang="zh-CN" sz="1200" b="0" dirty="0">
+                <a:solidFill>
+                  <a:srgbClr val="795E26"/>
+                </a:solidFill>
+                <a:effectLst/>
+                <a:highlight>
+                  <a:srgbClr val="FFFFFF"/>
+                </a:highlight>
+                <a:latin typeface="Consolas" panose="020B0609020204030204" pitchFamily="49" charset="0"/>
+              </a:rPr>
+              <a:t>main</a:t>
+            </a:r>
+            <a:r>
+              <a:rPr lang="en-US" altLang="zh-CN" sz="1200" b="0" dirty="0">
+                <a:solidFill>
+                  <a:srgbClr val="3B3B3B"/>
+                </a:solidFill>
+                <a:effectLst/>
+                <a:highlight>
+                  <a:srgbClr val="FFFFFF"/>
+                </a:highlight>
+                <a:latin typeface="Consolas" panose="020B0609020204030204" pitchFamily="49" charset="0"/>
+              </a:rPr>
+              <a:t>(</a:t>
+            </a:r>
+            <a:r>
+              <a:rPr lang="en-US" altLang="zh-CN" sz="1200" b="0" dirty="0">
+                <a:solidFill>
+                  <a:srgbClr val="001080"/>
+                </a:solidFill>
+                <a:effectLst/>
+                <a:highlight>
+                  <a:srgbClr val="FFFFFF"/>
+                </a:highlight>
+                <a:latin typeface="Consolas" panose="020B0609020204030204" pitchFamily="49" charset="0"/>
+              </a:rPr>
+              <a:t>loop</a:t>
+            </a:r>
+            <a:r>
+              <a:rPr lang="en-US" altLang="zh-CN" sz="1200" b="0" dirty="0">
+                <a:solidFill>
+                  <a:srgbClr val="3B3B3B"/>
+                </a:solidFill>
+                <a:effectLst/>
+                <a:highlight>
+                  <a:srgbClr val="FFFFFF"/>
+                </a:highlight>
+                <a:latin typeface="Consolas" panose="020B0609020204030204" pitchFamily="49" charset="0"/>
+              </a:rPr>
+              <a:t>, </a:t>
+            </a:r>
+            <a:r>
+              <a:rPr lang="en-US" altLang="zh-CN" sz="1200" b="0" dirty="0">
+                <a:solidFill>
+                  <a:srgbClr val="A31515"/>
+                </a:solidFill>
+                <a:effectLst/>
+                <a:highlight>
+                  <a:srgbClr val="FFFFFF"/>
+                </a:highlight>
+                <a:latin typeface="Consolas" panose="020B0609020204030204" pitchFamily="49" charset="0"/>
+              </a:rPr>
+              <a:t>'rose'</a:t>
+            </a:r>
+            <a:r>
+              <a:rPr lang="en-US" altLang="zh-CN" sz="1200" b="0" dirty="0">
+                <a:solidFill>
+                  <a:srgbClr val="3B3B3B"/>
+                </a:solidFill>
+                <a:effectLst/>
+                <a:highlight>
+                  <a:srgbClr val="FFFFFF"/>
+                </a:highlight>
+                <a:latin typeface="Consolas" panose="020B0609020204030204" pitchFamily="49" charset="0"/>
+              </a:rPr>
+              <a:t>))</a:t>
+            </a:r>
+          </a:p>
+          <a:p>
+            <a:r>
+              <a:rPr lang="en-US" altLang="zh-CN" sz="1200" b="0" dirty="0">
+                <a:solidFill>
+                  <a:srgbClr val="3B3B3B"/>
+                </a:solidFill>
+                <a:effectLst/>
+                <a:highlight>
+                  <a:srgbClr val="FFFFFF"/>
+                </a:highlight>
+                <a:latin typeface="Consolas" panose="020B0609020204030204" pitchFamily="49" charset="0"/>
+              </a:rPr>
+              <a:t>    ]</a:t>
+            </a:r>
+          </a:p>
+          <a:p>
+            <a:br>
+              <a:rPr lang="en-US" altLang="zh-CN" sz="1200" b="0" dirty="0">
+                <a:solidFill>
+                  <a:srgbClr val="3B3B3B"/>
+                </a:solidFill>
+                <a:effectLst/>
+                <a:highlight>
+                  <a:srgbClr val="FFFFFF"/>
+                </a:highlight>
+                <a:latin typeface="Consolas" panose="020B0609020204030204" pitchFamily="49" charset="0"/>
+              </a:rPr>
+            </a:br>
+            <a:br>
+              <a:rPr lang="en-US" altLang="zh-CN" sz="1200" b="0" dirty="0">
+                <a:solidFill>
+                  <a:srgbClr val="3B3B3B"/>
+                </a:solidFill>
+                <a:effectLst/>
+                <a:highlight>
+                  <a:srgbClr val="FFFFFF"/>
+                </a:highlight>
+                <a:latin typeface="Consolas" panose="020B0609020204030204" pitchFamily="49" charset="0"/>
+              </a:rPr>
+            </a:br>
+            <a:r>
+              <a:rPr lang="en-US" altLang="zh-CN" sz="1200" b="0" dirty="0">
+                <a:solidFill>
+                  <a:srgbClr val="3B3B3B"/>
+                </a:solidFill>
+                <a:effectLst/>
+                <a:highlight>
+                  <a:srgbClr val="FFFFFF"/>
+                </a:highlight>
+                <a:latin typeface="Consolas" panose="020B0609020204030204" pitchFamily="49" charset="0"/>
+              </a:rPr>
+              <a:t>    </a:t>
+            </a:r>
+            <a:r>
+              <a:rPr lang="en-US" altLang="zh-CN" sz="1200" b="0" dirty="0" err="1">
+                <a:solidFill>
+                  <a:srgbClr val="001080"/>
+                </a:solidFill>
+                <a:effectLst/>
+                <a:highlight>
+                  <a:srgbClr val="FFFFFF"/>
+                </a:highlight>
+                <a:latin typeface="Consolas" panose="020B0609020204030204" pitchFamily="49" charset="0"/>
+              </a:rPr>
+              <a:t>loop</a:t>
+            </a:r>
+            <a:r>
+              <a:rPr lang="en-US" altLang="zh-CN" sz="1200" b="0" dirty="0" err="1">
+                <a:solidFill>
+                  <a:srgbClr val="3B3B3B"/>
+                </a:solidFill>
+                <a:effectLst/>
+                <a:highlight>
+                  <a:srgbClr val="FFFFFF"/>
+                </a:highlight>
+                <a:latin typeface="Consolas" panose="020B0609020204030204" pitchFamily="49" charset="0"/>
+              </a:rPr>
+              <a:t>.</a:t>
+            </a:r>
+            <a:r>
+              <a:rPr lang="en-US" altLang="zh-CN" sz="1200" b="0" dirty="0" err="1">
+                <a:solidFill>
+                  <a:srgbClr val="795E26"/>
+                </a:solidFill>
+                <a:effectLst/>
+                <a:highlight>
+                  <a:srgbClr val="FFFFFF"/>
+                </a:highlight>
+                <a:latin typeface="Consolas" panose="020B0609020204030204" pitchFamily="49" charset="0"/>
+              </a:rPr>
+              <a:t>run_until_complete</a:t>
+            </a:r>
+            <a:r>
+              <a:rPr lang="en-US" altLang="zh-CN" sz="1200" b="0" dirty="0">
+                <a:solidFill>
+                  <a:srgbClr val="3B3B3B"/>
+                </a:solidFill>
+                <a:effectLst/>
+                <a:highlight>
+                  <a:srgbClr val="FFFFFF"/>
+                </a:highlight>
+                <a:latin typeface="Consolas" panose="020B0609020204030204" pitchFamily="49" charset="0"/>
+              </a:rPr>
+              <a:t>(</a:t>
+            </a:r>
+            <a:r>
+              <a:rPr lang="en-US" altLang="zh-CN" sz="1200" b="0" dirty="0" err="1">
+                <a:solidFill>
+                  <a:srgbClr val="267F99"/>
+                </a:solidFill>
+                <a:effectLst/>
+                <a:highlight>
+                  <a:srgbClr val="FFFFFF"/>
+                </a:highlight>
+                <a:latin typeface="Consolas" panose="020B0609020204030204" pitchFamily="49" charset="0"/>
+              </a:rPr>
+              <a:t>asyncio</a:t>
+            </a:r>
+            <a:r>
+              <a:rPr lang="en-US" altLang="zh-CN" sz="1200" b="0" dirty="0" err="1">
+                <a:solidFill>
+                  <a:srgbClr val="3B3B3B"/>
+                </a:solidFill>
+                <a:effectLst/>
+                <a:highlight>
+                  <a:srgbClr val="FFFFFF"/>
+                </a:highlight>
+                <a:latin typeface="Consolas" panose="020B0609020204030204" pitchFamily="49" charset="0"/>
+              </a:rPr>
+              <a:t>.</a:t>
+            </a:r>
+            <a:r>
+              <a:rPr lang="en-US" altLang="zh-CN" sz="1200" b="0" dirty="0" err="1">
+                <a:solidFill>
+                  <a:srgbClr val="795E26"/>
+                </a:solidFill>
+                <a:effectLst/>
+                <a:highlight>
+                  <a:srgbClr val="FFFFFF"/>
+                </a:highlight>
+                <a:latin typeface="Consolas" panose="020B0609020204030204" pitchFamily="49" charset="0"/>
+              </a:rPr>
+              <a:t>gather</a:t>
+            </a:r>
+            <a:r>
+              <a:rPr lang="en-US" altLang="zh-CN" sz="1200" b="0" dirty="0">
+                <a:solidFill>
+                  <a:srgbClr val="3B3B3B"/>
+                </a:solidFill>
+                <a:effectLst/>
+                <a:highlight>
+                  <a:srgbClr val="FFFFFF"/>
+                </a:highlight>
+                <a:latin typeface="Consolas" panose="020B0609020204030204" pitchFamily="49" charset="0"/>
+              </a:rPr>
+              <a:t>(</a:t>
+            </a:r>
+            <a:r>
+              <a:rPr lang="en-US" altLang="zh-CN" sz="1200" b="0" dirty="0">
+                <a:solidFill>
+                  <a:srgbClr val="000000"/>
+                </a:solidFill>
+                <a:effectLst/>
+                <a:highlight>
+                  <a:srgbClr val="FFFFFF"/>
+                </a:highlight>
+                <a:latin typeface="Consolas" panose="020B0609020204030204" pitchFamily="49" charset="0"/>
+              </a:rPr>
+              <a:t>*</a:t>
+            </a:r>
+            <a:r>
+              <a:rPr lang="en-US" altLang="zh-CN" sz="1200" b="0" dirty="0">
+                <a:solidFill>
+                  <a:srgbClr val="001080"/>
+                </a:solidFill>
+                <a:effectLst/>
+                <a:highlight>
+                  <a:srgbClr val="FFFFFF"/>
+                </a:highlight>
+                <a:latin typeface="Consolas" panose="020B0609020204030204" pitchFamily="49" charset="0"/>
+              </a:rPr>
+              <a:t>tasks</a:t>
+            </a:r>
+            <a:r>
+              <a:rPr lang="en-US" altLang="zh-CN" sz="1200" b="0" dirty="0">
+                <a:solidFill>
+                  <a:srgbClr val="3B3B3B"/>
+                </a:solidFill>
+                <a:effectLst/>
+                <a:highlight>
+                  <a:srgbClr val="FFFFFF"/>
+                </a:highlight>
+                <a:latin typeface="Consolas" panose="020B0609020204030204" pitchFamily="49" charset="0"/>
+              </a:rPr>
+              <a:t>))</a:t>
+            </a:r>
+          </a:p>
+          <a:p>
+            <a:br>
+              <a:rPr lang="en-US" altLang="zh-CN" sz="1200" b="0" dirty="0">
+                <a:solidFill>
+                  <a:srgbClr val="3B3B3B"/>
+                </a:solidFill>
+                <a:effectLst/>
+                <a:highlight>
+                  <a:srgbClr val="FFFFFF"/>
+                </a:highlight>
+                <a:latin typeface="Consolas" panose="020B0609020204030204" pitchFamily="49" charset="0"/>
+              </a:rPr>
+            </a:br>
+            <a:r>
+              <a:rPr lang="en-US" altLang="zh-CN" sz="1200" b="0" dirty="0">
+                <a:solidFill>
+                  <a:srgbClr val="3B3B3B"/>
+                </a:solidFill>
+                <a:effectLst/>
+                <a:highlight>
+                  <a:srgbClr val="FFFFFF"/>
+                </a:highlight>
+                <a:latin typeface="Consolas" panose="020B0609020204030204" pitchFamily="49" charset="0"/>
+              </a:rPr>
+              <a:t>    </a:t>
+            </a:r>
+            <a:r>
+              <a:rPr lang="en-US" altLang="zh-CN" sz="1200" b="0" dirty="0">
+                <a:solidFill>
+                  <a:srgbClr val="795E26"/>
+                </a:solidFill>
+                <a:effectLst/>
+                <a:highlight>
+                  <a:srgbClr val="FFFFFF"/>
+                </a:highlight>
+                <a:latin typeface="Consolas" panose="020B0609020204030204" pitchFamily="49" charset="0"/>
+              </a:rPr>
+              <a:t>print</a:t>
+            </a:r>
+            <a:r>
+              <a:rPr lang="en-US" altLang="zh-CN" sz="1200" b="0" dirty="0">
+                <a:solidFill>
+                  <a:srgbClr val="3B3B3B"/>
+                </a:solidFill>
+                <a:effectLst/>
+                <a:highlight>
+                  <a:srgbClr val="FFFFFF"/>
+                </a:highlight>
+                <a:latin typeface="Consolas" panose="020B0609020204030204" pitchFamily="49" charset="0"/>
+              </a:rPr>
+              <a:t>(</a:t>
+            </a:r>
+            <a:r>
+              <a:rPr lang="en-US" altLang="zh-CN" sz="1200" b="0" dirty="0">
+                <a:solidFill>
+                  <a:srgbClr val="A31515"/>
+                </a:solidFill>
+                <a:effectLst/>
+                <a:highlight>
+                  <a:srgbClr val="FFFFFF"/>
+                </a:highlight>
+                <a:latin typeface="Consolas" panose="020B0609020204030204" pitchFamily="49" charset="0"/>
+              </a:rPr>
+              <a:t>"program over!"</a:t>
+            </a:r>
+            <a:r>
+              <a:rPr lang="en-US" altLang="zh-CN" sz="1200" b="0" dirty="0">
+                <a:solidFill>
+                  <a:srgbClr val="3B3B3B"/>
+                </a:solidFill>
+                <a:effectLst/>
+                <a:highlight>
+                  <a:srgbClr val="FFFFFF"/>
+                </a:highlight>
+                <a:latin typeface="Consolas" panose="020B0609020204030204" pitchFamily="49" charset="0"/>
+              </a:rPr>
+              <a:t>)</a:t>
+            </a:r>
+          </a:p>
+          <a:p>
+            <a:r>
+              <a:rPr lang="en-US" altLang="zh-CN" sz="1200" b="0" dirty="0">
+                <a:solidFill>
+                  <a:srgbClr val="3B3B3B"/>
+                </a:solidFill>
+                <a:effectLst/>
+                <a:highlight>
+                  <a:srgbClr val="FFFFFF"/>
+                </a:highlight>
+                <a:latin typeface="Consolas" panose="020B0609020204030204" pitchFamily="49" charset="0"/>
+              </a:rPr>
+              <a:t>    </a:t>
+            </a:r>
+            <a:r>
+              <a:rPr lang="en-US" altLang="zh-CN" sz="1200" b="0" dirty="0">
+                <a:solidFill>
+                  <a:srgbClr val="795E26"/>
+                </a:solidFill>
+                <a:effectLst/>
+                <a:highlight>
+                  <a:srgbClr val="FFFFFF"/>
+                </a:highlight>
+                <a:latin typeface="Consolas" panose="020B0609020204030204" pitchFamily="49" charset="0"/>
+              </a:rPr>
+              <a:t>print</a:t>
+            </a:r>
+            <a:r>
+              <a:rPr lang="en-US" altLang="zh-CN" sz="1200" b="0" dirty="0">
+                <a:solidFill>
+                  <a:srgbClr val="3B3B3B"/>
+                </a:solidFill>
+                <a:effectLst/>
+                <a:highlight>
+                  <a:srgbClr val="FFFFFF"/>
+                </a:highlight>
+                <a:latin typeface="Consolas" panose="020B0609020204030204" pitchFamily="49" charset="0"/>
+              </a:rPr>
+              <a:t>(</a:t>
+            </a:r>
+            <a:r>
+              <a:rPr lang="en-US" altLang="zh-CN" sz="1200" b="0" dirty="0" err="1">
+                <a:solidFill>
+                  <a:srgbClr val="267F99"/>
+                </a:solidFill>
+                <a:effectLst/>
+                <a:highlight>
+                  <a:srgbClr val="FFFFFF"/>
+                </a:highlight>
+                <a:latin typeface="Consolas" panose="020B0609020204030204" pitchFamily="49" charset="0"/>
+              </a:rPr>
+              <a:t>time</a:t>
+            </a:r>
+            <a:r>
+              <a:rPr lang="en-US" altLang="zh-CN" sz="1200" b="0" dirty="0" err="1">
+                <a:solidFill>
+                  <a:srgbClr val="3B3B3B"/>
+                </a:solidFill>
+                <a:effectLst/>
+                <a:highlight>
+                  <a:srgbClr val="FFFFFF"/>
+                </a:highlight>
+                <a:latin typeface="Consolas" panose="020B0609020204030204" pitchFamily="49" charset="0"/>
+              </a:rPr>
+              <a:t>.</a:t>
+            </a:r>
+            <a:r>
+              <a:rPr lang="en-US" altLang="zh-CN" sz="1200" b="0" dirty="0" err="1">
+                <a:solidFill>
+                  <a:srgbClr val="795E26"/>
+                </a:solidFill>
+                <a:effectLst/>
+                <a:highlight>
+                  <a:srgbClr val="FFFFFF"/>
+                </a:highlight>
+                <a:latin typeface="Consolas" panose="020B0609020204030204" pitchFamily="49" charset="0"/>
+              </a:rPr>
+              <a:t>time</a:t>
+            </a:r>
+            <a:r>
+              <a:rPr lang="en-US" altLang="zh-CN" sz="1200" b="0" dirty="0">
+                <a:solidFill>
+                  <a:srgbClr val="3B3B3B"/>
+                </a:solidFill>
+                <a:effectLst/>
+                <a:highlight>
+                  <a:srgbClr val="FFFFFF"/>
+                </a:highlight>
+                <a:latin typeface="Consolas" panose="020B0609020204030204" pitchFamily="49" charset="0"/>
+              </a:rPr>
+              <a:t>() </a:t>
+            </a:r>
+            <a:r>
+              <a:rPr lang="en-US" altLang="zh-CN" sz="1200" b="0" dirty="0">
+                <a:solidFill>
+                  <a:srgbClr val="000000"/>
+                </a:solidFill>
+                <a:effectLst/>
+                <a:highlight>
+                  <a:srgbClr val="FFFFFF"/>
+                </a:highlight>
+                <a:latin typeface="Consolas" panose="020B0609020204030204" pitchFamily="49" charset="0"/>
+              </a:rPr>
+              <a:t>-</a:t>
+            </a:r>
+            <a:r>
+              <a:rPr lang="en-US" altLang="zh-CN" sz="1200" b="0" dirty="0">
+                <a:solidFill>
+                  <a:srgbClr val="3B3B3B"/>
+                </a:solidFill>
+                <a:effectLst/>
+                <a:highlight>
+                  <a:srgbClr val="FFFFFF"/>
+                </a:highlight>
+                <a:latin typeface="Consolas" panose="020B0609020204030204" pitchFamily="49" charset="0"/>
+              </a:rPr>
+              <a:t> </a:t>
+            </a:r>
+            <a:r>
+              <a:rPr lang="en-US" altLang="zh-CN" sz="1200" b="0" dirty="0">
+                <a:solidFill>
+                  <a:srgbClr val="001080"/>
+                </a:solidFill>
+                <a:effectLst/>
+                <a:highlight>
+                  <a:srgbClr val="FFFFFF"/>
+                </a:highlight>
+                <a:latin typeface="Consolas" panose="020B0609020204030204" pitchFamily="49" charset="0"/>
+              </a:rPr>
+              <a:t>start</a:t>
+            </a:r>
+            <a:r>
+              <a:rPr lang="en-US" altLang="zh-CN" sz="1200" b="0" dirty="0">
+                <a:solidFill>
+                  <a:srgbClr val="3B3B3B"/>
+                </a:solidFill>
+                <a:effectLst/>
+                <a:highlight>
+                  <a:srgbClr val="FFFFFF"/>
+                </a:highlight>
+                <a:latin typeface="Consolas" panose="020B0609020204030204" pitchFamily="49" charset="0"/>
+              </a:rPr>
+              <a:t>)    </a:t>
+            </a:r>
+            <a:r>
+              <a:rPr lang="en-US" altLang="zh-CN" sz="1200" b="0" dirty="0">
+                <a:solidFill>
+                  <a:srgbClr val="008000"/>
+                </a:solidFill>
+                <a:effectLst/>
+                <a:highlight>
+                  <a:srgbClr val="FFFFFF"/>
+                </a:highlight>
+                <a:latin typeface="Consolas" panose="020B0609020204030204" pitchFamily="49" charset="0"/>
+              </a:rPr>
+              <a:t>#</a:t>
+            </a:r>
+            <a:r>
+              <a:rPr lang="ja-JP" altLang="en-US" sz="1200" b="0" dirty="0">
+                <a:solidFill>
+                  <a:srgbClr val="008000"/>
+                </a:solidFill>
+                <a:effectLst/>
+                <a:highlight>
+                  <a:srgbClr val="FFFFFF"/>
+                </a:highlight>
+                <a:latin typeface="Consolas" panose="020B0609020204030204" pitchFamily="49" charset="0"/>
+              </a:rPr>
+              <a:t>　プログラムの実行時間</a:t>
+            </a:r>
+            <a:endParaRPr lang="en-US" altLang="ja-JP" sz="1200" b="0" dirty="0">
+              <a:solidFill>
+                <a:srgbClr val="008000"/>
+              </a:solidFill>
+              <a:effectLst/>
+              <a:highlight>
+                <a:srgbClr val="FFFFFF"/>
+              </a:highlight>
+              <a:latin typeface="Consolas" panose="020B0609020204030204" pitchFamily="49" charset="0"/>
+            </a:endParaRPr>
+          </a:p>
+        </p:txBody>
+      </p:sp>
+      <p:grpSp>
+        <p:nvGrpSpPr>
+          <p:cNvPr id="12" name="组合 11">
+            <a:extLst>
+              <a:ext uri="{FF2B5EF4-FFF2-40B4-BE49-F238E27FC236}">
+                <a16:creationId xmlns:a16="http://schemas.microsoft.com/office/drawing/2014/main" id="{AD38FDB6-507E-90AF-E8E9-8F189709FB5B}"/>
+              </a:ext>
+            </a:extLst>
+          </p:cNvPr>
+          <p:cNvGrpSpPr/>
+          <p:nvPr/>
+        </p:nvGrpSpPr>
+        <p:grpSpPr>
+          <a:xfrm>
+            <a:off x="9442623" y="910435"/>
+            <a:ext cx="2749377" cy="1600438"/>
+            <a:chOff x="9391137" y="981938"/>
+            <a:chExt cx="2749377" cy="1600438"/>
+          </a:xfrm>
+        </p:grpSpPr>
+        <p:sp>
+          <p:nvSpPr>
+            <p:cNvPr id="2" name="文本框 1">
+              <a:extLst>
+                <a:ext uri="{FF2B5EF4-FFF2-40B4-BE49-F238E27FC236}">
+                  <a16:creationId xmlns:a16="http://schemas.microsoft.com/office/drawing/2014/main" id="{3C15B4F5-86E5-739E-EB37-ED2DBA690B33}"/>
+                </a:ext>
+              </a:extLst>
+            </p:cNvPr>
+            <p:cNvSpPr txBox="1"/>
+            <p:nvPr/>
+          </p:nvSpPr>
+          <p:spPr>
+            <a:xfrm>
+              <a:off x="9391137" y="981938"/>
+              <a:ext cx="2749377" cy="1600438"/>
+            </a:xfrm>
+            <a:prstGeom prst="rect">
+              <a:avLst/>
+            </a:prstGeom>
+            <a:noFill/>
+            <a:ln>
+              <a:solidFill>
+                <a:schemeClr val="tx1"/>
+              </a:solidFill>
+            </a:ln>
+          </p:spPr>
+          <p:txBody>
+            <a:bodyPr wrap="square" rtlCol="0">
+              <a:spAutoFit/>
+            </a:bodyPr>
+            <a:lstStyle/>
+            <a:p>
+              <a:r>
+                <a:rPr lang="ja-JP" altLang="en-US" sz="1400" dirty="0"/>
+                <a:t>出力：</a:t>
+              </a:r>
+              <a:endParaRPr lang="en-US" altLang="zh-CN" sz="1400" dirty="0"/>
+            </a:p>
+            <a:p>
+              <a:r>
+                <a:rPr lang="en-US" altLang="zh-CN" sz="1400" dirty="0"/>
+                <a:t>task jack is now on!</a:t>
+              </a:r>
+            </a:p>
+            <a:p>
+              <a:r>
+                <a:rPr lang="en-US" altLang="zh-CN" sz="1400" dirty="0"/>
+                <a:t>task rose is now on!</a:t>
+              </a:r>
+            </a:p>
+            <a:p>
+              <a:r>
+                <a:rPr lang="en-US" altLang="zh-CN" sz="1400" dirty="0"/>
+                <a:t>Hello, rose</a:t>
+              </a:r>
+            </a:p>
+            <a:p>
+              <a:r>
+                <a:rPr lang="en-US" altLang="zh-CN" sz="1400" dirty="0"/>
+                <a:t>Hello, jack</a:t>
+              </a:r>
+            </a:p>
+            <a:p>
+              <a:r>
+                <a:rPr lang="en-US" altLang="zh-CN" sz="1400" dirty="0"/>
+                <a:t>program over!</a:t>
+              </a:r>
+            </a:p>
+            <a:p>
+              <a:r>
+                <a:rPr lang="en-US" altLang="zh-CN" sz="1400" dirty="0"/>
+                <a:t>3.016918182373047</a:t>
+              </a:r>
+              <a:endParaRPr lang="zh-CN" altLang="en-US" sz="1400" dirty="0"/>
+            </a:p>
+          </p:txBody>
+        </p:sp>
+        <p:sp>
+          <p:nvSpPr>
+            <p:cNvPr id="3" name="右大括号 2">
+              <a:extLst>
+                <a:ext uri="{FF2B5EF4-FFF2-40B4-BE49-F238E27FC236}">
+                  <a16:creationId xmlns:a16="http://schemas.microsoft.com/office/drawing/2014/main" id="{98A8F1CD-39F2-5861-0606-310DE211B039}"/>
+                </a:ext>
+              </a:extLst>
+            </p:cNvPr>
+            <p:cNvSpPr/>
+            <p:nvPr/>
+          </p:nvSpPr>
+          <p:spPr>
+            <a:xfrm>
+              <a:off x="11028175" y="1282814"/>
+              <a:ext cx="133065" cy="327569"/>
+            </a:xfrm>
+            <a:prstGeom prst="rightBrace">
+              <a:avLst/>
+            </a:prstGeom>
+          </p:spPr>
+          <p:style>
+            <a:lnRef idx="1">
+              <a:schemeClr val="accent1"/>
+            </a:lnRef>
+            <a:fillRef idx="0">
+              <a:schemeClr val="accent1"/>
+            </a:fillRef>
+            <a:effectRef idx="0">
+              <a:schemeClr val="accent1"/>
+            </a:effectRef>
+            <a:fontRef idx="minor">
+              <a:schemeClr val="tx1"/>
+            </a:fontRef>
+          </p:style>
+          <p:txBody>
+            <a:bodyPr rtlCol="0" anchor="ctr"/>
+            <a:lstStyle/>
+            <a:p>
+              <a:pPr algn="ctr"/>
+              <a:endParaRPr lang="zh-CN" altLang="en-US"/>
+            </a:p>
+          </p:txBody>
+        </p:sp>
+        <p:sp>
+          <p:nvSpPr>
+            <p:cNvPr id="7" name="文本框 6">
+              <a:extLst>
+                <a:ext uri="{FF2B5EF4-FFF2-40B4-BE49-F238E27FC236}">
+                  <a16:creationId xmlns:a16="http://schemas.microsoft.com/office/drawing/2014/main" id="{A7448E3F-D4C5-E01D-66E3-B0449BD9492B}"/>
+                </a:ext>
+              </a:extLst>
+            </p:cNvPr>
+            <p:cNvSpPr txBox="1"/>
+            <p:nvPr/>
+          </p:nvSpPr>
+          <p:spPr>
+            <a:xfrm>
+              <a:off x="11201401" y="1333384"/>
+              <a:ext cx="800219" cy="276999"/>
+            </a:xfrm>
+            <a:prstGeom prst="rect">
+              <a:avLst/>
+            </a:prstGeom>
+            <a:noFill/>
+          </p:spPr>
+          <p:txBody>
+            <a:bodyPr wrap="none" rtlCol="0">
+              <a:spAutoFit/>
+            </a:bodyPr>
+            <a:lstStyle/>
+            <a:p>
+              <a:r>
+                <a:rPr lang="ja-JP" altLang="en-US" sz="1200" dirty="0"/>
+                <a:t>ほぼ一瞬</a:t>
+              </a:r>
+              <a:endParaRPr lang="zh-CN" altLang="en-US" sz="1200" dirty="0"/>
+            </a:p>
+          </p:txBody>
+        </p:sp>
+        <p:sp>
+          <p:nvSpPr>
+            <p:cNvPr id="8" name="文本框 7">
+              <a:extLst>
+                <a:ext uri="{FF2B5EF4-FFF2-40B4-BE49-F238E27FC236}">
+                  <a16:creationId xmlns:a16="http://schemas.microsoft.com/office/drawing/2014/main" id="{C0A40AC3-A4B8-B856-EAD4-222BD04AC1ED}"/>
+                </a:ext>
+              </a:extLst>
+            </p:cNvPr>
+            <p:cNvSpPr txBox="1"/>
+            <p:nvPr/>
+          </p:nvSpPr>
+          <p:spPr>
+            <a:xfrm>
+              <a:off x="11370792" y="1610383"/>
+              <a:ext cx="728084" cy="276999"/>
+            </a:xfrm>
+            <a:prstGeom prst="rect">
+              <a:avLst/>
+            </a:prstGeom>
+            <a:noFill/>
+          </p:spPr>
+          <p:txBody>
+            <a:bodyPr wrap="none" rtlCol="0">
+              <a:spAutoFit/>
+            </a:bodyPr>
+            <a:lstStyle/>
+            <a:p>
+              <a:r>
+                <a:rPr lang="en-US" altLang="zh-CN" sz="1200" dirty="0"/>
+                <a:t>3</a:t>
+              </a:r>
+              <a:r>
+                <a:rPr lang="ja-JP" altLang="en-US" sz="1200" dirty="0"/>
+                <a:t>秒経過</a:t>
+              </a:r>
+              <a:endParaRPr lang="en-US" altLang="ja-JP" sz="1200" dirty="0"/>
+            </a:p>
+          </p:txBody>
+        </p:sp>
+        <p:cxnSp>
+          <p:nvCxnSpPr>
+            <p:cNvPr id="10" name="直接箭头连接符 9">
+              <a:extLst>
+                <a:ext uri="{FF2B5EF4-FFF2-40B4-BE49-F238E27FC236}">
+                  <a16:creationId xmlns:a16="http://schemas.microsoft.com/office/drawing/2014/main" id="{79F428CD-078C-F8E0-122E-89D347A1D45B}"/>
+                </a:ext>
+              </a:extLst>
+            </p:cNvPr>
+            <p:cNvCxnSpPr>
+              <a:cxnSpLocks/>
+            </p:cNvCxnSpPr>
+            <p:nvPr/>
+          </p:nvCxnSpPr>
+          <p:spPr>
+            <a:xfrm>
+              <a:off x="10350501" y="1719249"/>
+              <a:ext cx="982132" cy="0"/>
+            </a:xfrm>
+            <a:prstGeom prst="straightConnector1">
+              <a:avLst/>
+            </a:prstGeom>
+            <a:ln>
+              <a:tailEnd type="triangle"/>
+            </a:ln>
+          </p:spPr>
+          <p:style>
+            <a:lnRef idx="1">
+              <a:schemeClr val="accent1"/>
+            </a:lnRef>
+            <a:fillRef idx="0">
+              <a:schemeClr val="accent1"/>
+            </a:fillRef>
+            <a:effectRef idx="0">
+              <a:schemeClr val="accent1"/>
+            </a:effectRef>
+            <a:fontRef idx="minor">
+              <a:schemeClr val="tx1"/>
+            </a:fontRef>
+          </p:style>
+        </p:cxnSp>
+      </p:grpSp>
+      <p:sp>
+        <p:nvSpPr>
+          <p:cNvPr id="9" name="文本框 8">
+            <a:extLst>
+              <a:ext uri="{FF2B5EF4-FFF2-40B4-BE49-F238E27FC236}">
+                <a16:creationId xmlns:a16="http://schemas.microsoft.com/office/drawing/2014/main" id="{2B4AFDE4-5433-C883-B971-2C93B32B4B98}"/>
+              </a:ext>
+            </a:extLst>
+          </p:cNvPr>
+          <p:cNvSpPr txBox="1"/>
+          <p:nvPr/>
+        </p:nvSpPr>
+        <p:spPr>
+          <a:xfrm>
+            <a:off x="9254489" y="3562961"/>
+            <a:ext cx="3048922" cy="2123658"/>
+          </a:xfrm>
+          <a:prstGeom prst="rect">
+            <a:avLst/>
+          </a:prstGeom>
+          <a:noFill/>
+        </p:spPr>
+        <p:txBody>
+          <a:bodyPr wrap="square" rtlCol="0">
+            <a:spAutoFit/>
+          </a:bodyPr>
+          <a:lstStyle/>
+          <a:p>
+            <a:r>
+              <a:rPr lang="ja-JP" altLang="en-US" sz="1100" dirty="0"/>
+              <a:t>先に動くのは</a:t>
+            </a:r>
+            <a:r>
+              <a:rPr lang="en-US" altLang="ja-JP" sz="1100" dirty="0"/>
+              <a:t>j</a:t>
+            </a:r>
+            <a:r>
+              <a:rPr lang="en-US" altLang="zh-CN" sz="1100" dirty="0"/>
+              <a:t>ack</a:t>
+            </a:r>
+            <a:r>
+              <a:rPr lang="ja-JP" altLang="en-US" sz="1100" dirty="0"/>
+              <a:t>タスク</a:t>
+            </a:r>
+            <a:endParaRPr lang="en-US" altLang="ja-JP" sz="1100" dirty="0"/>
+          </a:p>
+          <a:p>
+            <a:r>
+              <a:rPr lang="ja-JP" altLang="en-US" sz="1100" dirty="0"/>
+              <a:t>でも先に結果を出るのは</a:t>
+            </a:r>
+            <a:r>
+              <a:rPr lang="en-US" altLang="ja-JP" sz="1100" dirty="0"/>
+              <a:t>rose</a:t>
+            </a:r>
+            <a:r>
+              <a:rPr lang="ja-JP" altLang="en-US" sz="1100" dirty="0"/>
+              <a:t>タスク</a:t>
+            </a:r>
+            <a:endParaRPr lang="en-US" altLang="ja-JP" sz="1100" dirty="0"/>
+          </a:p>
+          <a:p>
+            <a:endParaRPr lang="en-US" altLang="zh-CN" sz="1100" dirty="0"/>
+          </a:p>
+          <a:p>
+            <a:r>
+              <a:rPr lang="ja-JP" altLang="en-US" sz="1100" dirty="0"/>
+              <a:t>原因：</a:t>
+            </a:r>
+            <a:endParaRPr lang="en-US" altLang="ja-JP" sz="1100" dirty="0"/>
+          </a:p>
+          <a:p>
+            <a:r>
+              <a:rPr lang="ja-JP" altLang="en-US" sz="1100" dirty="0"/>
+              <a:t>タスク</a:t>
+            </a:r>
+            <a:r>
+              <a:rPr lang="en-US" altLang="ja-JP" sz="1100" dirty="0"/>
+              <a:t>jack</a:t>
+            </a:r>
+            <a:r>
+              <a:rPr lang="ja-JP" altLang="en-US" sz="1100" dirty="0"/>
+              <a:t>とタスク</a:t>
+            </a:r>
+            <a:r>
+              <a:rPr lang="en-US" altLang="ja-JP" sz="1100" dirty="0"/>
+              <a:t>rose</a:t>
+            </a:r>
+            <a:r>
+              <a:rPr lang="ja-JP" altLang="en-US" sz="1100" dirty="0"/>
+              <a:t>は二つのスレッド</a:t>
+            </a:r>
+            <a:endParaRPr lang="en-US" altLang="ja-JP" sz="1100" dirty="0"/>
+          </a:p>
+          <a:p>
+            <a:r>
+              <a:rPr lang="ja-JP" altLang="en-US" sz="1100" dirty="0"/>
+              <a:t>スレッドプールで関数を実行する場合</a:t>
+            </a:r>
+            <a:endParaRPr lang="en-US" altLang="ja-JP" sz="1100" dirty="0"/>
+          </a:p>
+          <a:p>
+            <a:r>
+              <a:rPr lang="ja-JP" altLang="en-US" sz="1100" dirty="0"/>
+              <a:t>どのスレッドが先にタスクを完了するかには、</a:t>
+            </a:r>
+            <a:endParaRPr lang="en-US" altLang="ja-JP" sz="1100" dirty="0"/>
+          </a:p>
+          <a:p>
+            <a:r>
+              <a:rPr lang="en-US" altLang="ja-JP" sz="1100" dirty="0"/>
+              <a:t>OS</a:t>
+            </a:r>
+            <a:r>
+              <a:rPr lang="ja-JP" altLang="en-US" sz="1100" dirty="0"/>
+              <a:t>のスレッドスケジューリングポリシーと</a:t>
+            </a:r>
+            <a:endParaRPr lang="en-US" altLang="ja-JP" sz="1100" dirty="0"/>
+          </a:p>
+          <a:p>
+            <a:r>
+              <a:rPr lang="ja-JP" altLang="en-US" sz="1100" dirty="0"/>
+              <a:t>現在のシステム負荷に依存する。</a:t>
+            </a:r>
+            <a:endParaRPr lang="en-US" altLang="ja-JP" sz="1100" dirty="0"/>
+          </a:p>
+          <a:p>
+            <a:endParaRPr lang="en-US" altLang="ja-JP" sz="1100" dirty="0"/>
+          </a:p>
+          <a:p>
+            <a:r>
+              <a:rPr lang="ja-JP" altLang="en-US" sz="1100" dirty="0"/>
+              <a:t>たとえ </a:t>
+            </a:r>
+            <a:r>
+              <a:rPr lang="en-US" altLang="ja-JP" sz="1100" dirty="0"/>
+              <a:t>jack </a:t>
+            </a:r>
+            <a:r>
+              <a:rPr lang="ja-JP" altLang="en-US" sz="1100" dirty="0"/>
+              <a:t>タスクが先に開始されたとしても</a:t>
+            </a:r>
+            <a:endParaRPr lang="en-US" altLang="ja-JP" sz="1100" dirty="0"/>
+          </a:p>
+          <a:p>
+            <a:r>
+              <a:rPr lang="en-US" altLang="ja-JP" sz="1100" dirty="0"/>
+              <a:t>rose </a:t>
+            </a:r>
+            <a:r>
+              <a:rPr lang="ja-JP" altLang="en-US" sz="1100" dirty="0"/>
+              <a:t>のタスクが先に完了する可能性がある</a:t>
+            </a:r>
+            <a:endParaRPr lang="zh-CN" altLang="en-US" sz="1100" dirty="0"/>
+          </a:p>
+        </p:txBody>
+      </p:sp>
+    </p:spTree>
+    <p:extLst>
+      <p:ext uri="{BB962C8B-B14F-4D97-AF65-F5344CB8AC3E}">
+        <p14:creationId xmlns:p14="http://schemas.microsoft.com/office/powerpoint/2010/main" val="2768421366"/>
+      </p:ext>
+    </p:extLst>
+  </p:cSld>
+  <p:clrMapOvr>
+    <a:masterClrMapping/>
+  </p:clrMapOvr>
+</p:sld>
+</file>
+
+<file path=ppt/slides/slide6.xml><?xml version="1.0" encoding="utf-8"?>
+<p:sld xmlns:a="http://schemas.openxmlformats.org/drawingml/2006/main" xmlns:r="http://schemas.openxmlformats.org/officeDocument/2006/relationships" xmlns:p="http://schemas.openxmlformats.org/presentationml/2006/main">
+  <p:cSld>
+    <p:spTree>
+      <p:nvGrpSpPr>
+        <p:cNvPr id="1" name=""/>
+        <p:cNvGrpSpPr/>
+        <p:nvPr/>
+      </p:nvGrpSpPr>
+      <p:grpSpPr>
+        <a:xfrm>
+          <a:off x="0" y="0"/>
+          <a:ext cx="0" cy="0"/>
+          <a:chOff x="0" y="0"/>
+          <a:chExt cx="0" cy="0"/>
+        </a:xfrm>
+      </p:grpSpPr>
+      <p:sp>
+        <p:nvSpPr>
           <p:cNvPr id="2" name="タイトル 1">
             <a:extLst>
               <a:ext uri="{FF2B5EF4-FFF2-40B4-BE49-F238E27FC236}">

--- a/lcj_zemi_python.pptx
+++ b/lcj_zemi_python.pptx
@@ -5,7 +5,7 @@
     <p:sldMasterId id="2147483648" r:id="rId1"/>
   </p:sldMasterIdLst>
   <p:notesMasterIdLst>
-    <p:notesMasterId r:id="rId8"/>
+    <p:notesMasterId r:id="rId10"/>
   </p:notesMasterIdLst>
   <p:sldIdLst>
     <p:sldId id="260" r:id="rId2"/>
@@ -13,7 +13,9 @@
     <p:sldId id="295" r:id="rId4"/>
     <p:sldId id="296" r:id="rId5"/>
     <p:sldId id="297" r:id="rId6"/>
-    <p:sldId id="293" r:id="rId7"/>
+    <p:sldId id="298" r:id="rId7"/>
+    <p:sldId id="299" r:id="rId8"/>
+    <p:sldId id="293" r:id="rId9"/>
   </p:sldIdLst>
   <p:sldSz cx="12192000" cy="6858000"/>
   <p:notesSz cx="6858000" cy="9144000"/>
@@ -202,7 +204,7 @@
           <a:p>
             <a:fld id="{2BC54830-42DA-4404-9F8C-DE9E00A18181}" type="datetimeFigureOut">
               <a:rPr lang="zh-CN" altLang="en-US" smtClean="0"/>
-              <a:t>2024/7/18</a:t>
+              <a:t>2024/7/22</a:t>
             </a:fld>
             <a:endParaRPr lang="zh-CN" altLang="en-US"/>
           </a:p>
@@ -616,7 +618,7 @@
           <a:p>
             <a:fld id="{F5930DB7-C5F0-4CA2-914A-8532991C33D9}" type="datetimeFigureOut">
               <a:rPr lang="zh-CN" altLang="en-US" smtClean="0"/>
-              <a:t>2024/7/18</a:t>
+              <a:t>2024/7/22</a:t>
             </a:fld>
             <a:endParaRPr lang="zh-CN" altLang="en-US"/>
           </a:p>
@@ -814,7 +816,7 @@
           <a:p>
             <a:fld id="{F5930DB7-C5F0-4CA2-914A-8532991C33D9}" type="datetimeFigureOut">
               <a:rPr lang="zh-CN" altLang="en-US" smtClean="0"/>
-              <a:t>2024/7/18</a:t>
+              <a:t>2024/7/22</a:t>
             </a:fld>
             <a:endParaRPr lang="zh-CN" altLang="en-US"/>
           </a:p>
@@ -1022,7 +1024,7 @@
           <a:p>
             <a:fld id="{F5930DB7-C5F0-4CA2-914A-8532991C33D9}" type="datetimeFigureOut">
               <a:rPr lang="zh-CN" altLang="en-US" smtClean="0"/>
-              <a:t>2024/7/18</a:t>
+              <a:t>2024/7/22</a:t>
             </a:fld>
             <a:endParaRPr lang="zh-CN" altLang="en-US"/>
           </a:p>
@@ -1220,7 +1222,7 @@
           <a:p>
             <a:fld id="{F5930DB7-C5F0-4CA2-914A-8532991C33D9}" type="datetimeFigureOut">
               <a:rPr lang="zh-CN" altLang="en-US" smtClean="0"/>
-              <a:t>2024/7/18</a:t>
+              <a:t>2024/7/22</a:t>
             </a:fld>
             <a:endParaRPr lang="zh-CN" altLang="en-US"/>
           </a:p>
@@ -1495,7 +1497,7 @@
           <a:p>
             <a:fld id="{F5930DB7-C5F0-4CA2-914A-8532991C33D9}" type="datetimeFigureOut">
               <a:rPr lang="zh-CN" altLang="en-US" smtClean="0"/>
-              <a:t>2024/7/18</a:t>
+              <a:t>2024/7/22</a:t>
             </a:fld>
             <a:endParaRPr lang="zh-CN" altLang="en-US"/>
           </a:p>
@@ -1760,7 +1762,7 @@
           <a:p>
             <a:fld id="{F5930DB7-C5F0-4CA2-914A-8532991C33D9}" type="datetimeFigureOut">
               <a:rPr lang="zh-CN" altLang="en-US" smtClean="0"/>
-              <a:t>2024/7/18</a:t>
+              <a:t>2024/7/22</a:t>
             </a:fld>
             <a:endParaRPr lang="zh-CN" altLang="en-US"/>
           </a:p>
@@ -2172,7 +2174,7 @@
           <a:p>
             <a:fld id="{F5930DB7-C5F0-4CA2-914A-8532991C33D9}" type="datetimeFigureOut">
               <a:rPr lang="zh-CN" altLang="en-US" smtClean="0"/>
-              <a:t>2024/7/18</a:t>
+              <a:t>2024/7/22</a:t>
             </a:fld>
             <a:endParaRPr lang="zh-CN" altLang="en-US"/>
           </a:p>
@@ -2313,7 +2315,7 @@
           <a:p>
             <a:fld id="{F5930DB7-C5F0-4CA2-914A-8532991C33D9}" type="datetimeFigureOut">
               <a:rPr lang="zh-CN" altLang="en-US" smtClean="0"/>
-              <a:t>2024/7/18</a:t>
+              <a:t>2024/7/22</a:t>
             </a:fld>
             <a:endParaRPr lang="zh-CN" altLang="en-US"/>
           </a:p>
@@ -2426,7 +2428,7 @@
           <a:p>
             <a:fld id="{F5930DB7-C5F0-4CA2-914A-8532991C33D9}" type="datetimeFigureOut">
               <a:rPr lang="zh-CN" altLang="en-US" smtClean="0"/>
-              <a:t>2024/7/18</a:t>
+              <a:t>2024/7/22</a:t>
             </a:fld>
             <a:endParaRPr lang="zh-CN" altLang="en-US"/>
           </a:p>
@@ -2737,7 +2739,7 @@
           <a:p>
             <a:fld id="{F5930DB7-C5F0-4CA2-914A-8532991C33D9}" type="datetimeFigureOut">
               <a:rPr lang="zh-CN" altLang="en-US" smtClean="0"/>
-              <a:t>2024/7/18</a:t>
+              <a:t>2024/7/22</a:t>
             </a:fld>
             <a:endParaRPr lang="zh-CN" altLang="en-US"/>
           </a:p>
@@ -3025,7 +3027,7 @@
           <a:p>
             <a:fld id="{F5930DB7-C5F0-4CA2-914A-8532991C33D9}" type="datetimeFigureOut">
               <a:rPr lang="zh-CN" altLang="en-US" smtClean="0"/>
-              <a:t>2024/7/18</a:t>
+              <a:t>2024/7/22</a:t>
             </a:fld>
             <a:endParaRPr lang="zh-CN" altLang="en-US"/>
           </a:p>
@@ -3266,7 +3268,7 @@
           <a:p>
             <a:fld id="{F5930DB7-C5F0-4CA2-914A-8532991C33D9}" type="datetimeFigureOut">
               <a:rPr lang="zh-CN" altLang="en-US" smtClean="0"/>
-              <a:t>2024/7/18</a:t>
+              <a:t>2024/7/22</a:t>
             </a:fld>
             <a:endParaRPr lang="zh-CN" altLang="en-US"/>
           </a:p>
@@ -13700,6 +13702,2590 @@
       </p:grpSpPr>
       <p:sp>
         <p:nvSpPr>
+          <p:cNvPr id="4" name="矩形: 圆角 3">
+            <a:extLst>
+              <a:ext uri="{FF2B5EF4-FFF2-40B4-BE49-F238E27FC236}">
+                <a16:creationId xmlns:a16="http://schemas.microsoft.com/office/drawing/2014/main" id="{866A1306-2120-2B30-7A6A-781A28385D6D}"/>
+              </a:ext>
+            </a:extLst>
+          </p:cNvPr>
+          <p:cNvSpPr/>
+          <p:nvPr/>
+        </p:nvSpPr>
+        <p:spPr>
+          <a:xfrm flipV="1">
+            <a:off x="305570" y="523220"/>
+            <a:ext cx="11377352" cy="64193"/>
+          </a:xfrm>
+          <a:prstGeom prst="roundRect">
+            <a:avLst/>
+          </a:prstGeom>
+        </p:spPr>
+        <p:style>
+          <a:lnRef idx="2">
+            <a:schemeClr val="accent1">
+              <a:shade val="50000"/>
+            </a:schemeClr>
+          </a:lnRef>
+          <a:fillRef idx="1">
+            <a:schemeClr val="accent1"/>
+          </a:fillRef>
+          <a:effectRef idx="0">
+            <a:schemeClr val="accent1"/>
+          </a:effectRef>
+          <a:fontRef idx="minor">
+            <a:schemeClr val="lt1"/>
+          </a:fontRef>
+        </p:style>
+        <p:txBody>
+          <a:bodyPr rtlCol="0" anchor="ctr"/>
+          <a:lstStyle/>
+          <a:p>
+            <a:pPr algn="ctr"/>
+            <a:endParaRPr lang="zh-CN" altLang="en-US"/>
+          </a:p>
+        </p:txBody>
+      </p:sp>
+      <p:sp>
+        <p:nvSpPr>
+          <p:cNvPr id="5" name="文本框 4">
+            <a:extLst>
+              <a:ext uri="{FF2B5EF4-FFF2-40B4-BE49-F238E27FC236}">
+                <a16:creationId xmlns:a16="http://schemas.microsoft.com/office/drawing/2014/main" id="{6FF74BA9-D2C8-5CBE-0585-F2F644B9AECB}"/>
+              </a:ext>
+            </a:extLst>
+          </p:cNvPr>
+          <p:cNvSpPr txBox="1"/>
+          <p:nvPr/>
+        </p:nvSpPr>
+        <p:spPr>
+          <a:xfrm>
+            <a:off x="305570" y="0"/>
+            <a:ext cx="5971507" cy="523220"/>
+          </a:xfrm>
+          <a:prstGeom prst="rect">
+            <a:avLst/>
+          </a:prstGeom>
+          <a:noFill/>
+        </p:spPr>
+        <p:txBody>
+          <a:bodyPr wrap="none" rtlCol="0">
+            <a:spAutoFit/>
+          </a:bodyPr>
+          <a:lstStyle/>
+          <a:p>
+            <a:r>
+              <a:rPr lang="en-US" altLang="zh-CN" sz="2800" dirty="0"/>
+              <a:t>Section 54.2: Asynchronous Executors</a:t>
+            </a:r>
+            <a:endParaRPr lang="zh-CN" altLang="en-US" sz="2800" b="1" dirty="0"/>
+          </a:p>
+        </p:txBody>
+      </p:sp>
+      <p:sp>
+        <p:nvSpPr>
+          <p:cNvPr id="6" name="文本框 5">
+            <a:extLst>
+              <a:ext uri="{FF2B5EF4-FFF2-40B4-BE49-F238E27FC236}">
+                <a16:creationId xmlns:a16="http://schemas.microsoft.com/office/drawing/2014/main" id="{C374DCC4-76B8-9C1A-2C51-6CDAB45C51C3}"/>
+              </a:ext>
+            </a:extLst>
+          </p:cNvPr>
+          <p:cNvSpPr txBox="1"/>
+          <p:nvPr/>
+        </p:nvSpPr>
+        <p:spPr>
+          <a:xfrm>
+            <a:off x="79044" y="562939"/>
+            <a:ext cx="11603878" cy="307777"/>
+          </a:xfrm>
+          <a:prstGeom prst="rect">
+            <a:avLst/>
+          </a:prstGeom>
+          <a:noFill/>
+        </p:spPr>
+        <p:txBody>
+          <a:bodyPr wrap="square">
+            <a:spAutoFit/>
+          </a:bodyPr>
+          <a:lstStyle/>
+          <a:p>
+            <a:r>
+              <a:rPr lang="en-US" altLang="zh-CN" sz="1400" b="0" dirty="0" err="1">
+                <a:solidFill>
+                  <a:srgbClr val="267F99"/>
+                </a:solidFill>
+                <a:effectLst/>
+                <a:highlight>
+                  <a:srgbClr val="FFFFFF"/>
+                </a:highlight>
+                <a:latin typeface="Consolas" panose="020B0609020204030204" pitchFamily="49" charset="0"/>
+              </a:rPr>
+              <a:t>concurrent</a:t>
+            </a:r>
+            <a:r>
+              <a:rPr lang="en-US" altLang="zh-CN" sz="1400" b="0" dirty="0" err="1">
+                <a:solidFill>
+                  <a:srgbClr val="3B3B3B"/>
+                </a:solidFill>
+                <a:effectLst/>
+                <a:highlight>
+                  <a:srgbClr val="FFFFFF"/>
+                </a:highlight>
+                <a:latin typeface="Consolas" panose="020B0609020204030204" pitchFamily="49" charset="0"/>
+              </a:rPr>
+              <a:t>.</a:t>
+            </a:r>
+            <a:r>
+              <a:rPr lang="en-US" altLang="zh-CN" sz="1400" b="0" dirty="0" err="1">
+                <a:solidFill>
+                  <a:srgbClr val="267F99"/>
+                </a:solidFill>
+                <a:effectLst/>
+                <a:highlight>
+                  <a:srgbClr val="FFFFFF"/>
+                </a:highlight>
+                <a:latin typeface="Consolas" panose="020B0609020204030204" pitchFamily="49" charset="0"/>
+              </a:rPr>
+              <a:t>futures</a:t>
+            </a:r>
+            <a:r>
+              <a:rPr lang="ja-JP" altLang="en-US" sz="1400" b="0" dirty="0">
+                <a:effectLst/>
+                <a:highlight>
+                  <a:srgbClr val="FFFFFF"/>
+                </a:highlight>
+                <a:latin typeface="Consolas" panose="020B0609020204030204" pitchFamily="49" charset="0"/>
+              </a:rPr>
+              <a:t>の中に二種類の</a:t>
+            </a:r>
+            <a:r>
+              <a:rPr lang="en-US" altLang="zh-CN" sz="1400" b="1" dirty="0"/>
+              <a:t>Executors</a:t>
+            </a:r>
+            <a:r>
+              <a:rPr lang="ja-JP" altLang="en-US" sz="1400" dirty="0"/>
+              <a:t>があって</a:t>
+            </a:r>
+            <a:r>
+              <a:rPr lang="en-US" altLang="zh-CN" sz="1400" b="0" dirty="0" err="1">
+                <a:solidFill>
+                  <a:srgbClr val="267F99"/>
+                </a:solidFill>
+                <a:effectLst/>
+                <a:highlight>
+                  <a:srgbClr val="FFFFFF"/>
+                </a:highlight>
+                <a:latin typeface="Consolas" panose="020B0609020204030204" pitchFamily="49" charset="0"/>
+              </a:rPr>
+              <a:t>ThreadPoolExecutor</a:t>
+            </a:r>
+            <a:r>
+              <a:rPr lang="en-US" altLang="zh-CN" sz="1400" dirty="0">
+                <a:solidFill>
+                  <a:srgbClr val="267F99"/>
+                </a:solidFill>
+                <a:highlight>
+                  <a:srgbClr val="FFFFFF"/>
+                </a:highlight>
+                <a:latin typeface="Consolas" panose="020B0609020204030204" pitchFamily="49" charset="0"/>
+              </a:rPr>
+              <a:t>(</a:t>
+            </a:r>
+            <a:r>
+              <a:rPr lang="ja-JP" altLang="en-US" sz="1400" dirty="0">
+                <a:solidFill>
+                  <a:srgbClr val="267F99"/>
+                </a:solidFill>
+                <a:highlight>
+                  <a:srgbClr val="FFFFFF"/>
+                </a:highlight>
+                <a:latin typeface="Consolas" panose="020B0609020204030204" pitchFamily="49" charset="0"/>
+              </a:rPr>
+              <a:t>スレッドプール</a:t>
+            </a:r>
+            <a:r>
+              <a:rPr lang="en-US" altLang="zh-CN" sz="1400" dirty="0">
+                <a:solidFill>
+                  <a:srgbClr val="267F99"/>
+                </a:solidFill>
+                <a:highlight>
+                  <a:srgbClr val="FFFFFF"/>
+                </a:highlight>
+                <a:latin typeface="Consolas" panose="020B0609020204030204" pitchFamily="49" charset="0"/>
+              </a:rPr>
+              <a:t>)</a:t>
+            </a:r>
+            <a:r>
+              <a:rPr lang="ja-JP" altLang="en-US" sz="1400" b="0" dirty="0">
+                <a:effectLst/>
+                <a:highlight>
+                  <a:srgbClr val="FFFFFF"/>
+                </a:highlight>
+                <a:latin typeface="Consolas" panose="020B0609020204030204" pitchFamily="49" charset="0"/>
+              </a:rPr>
+              <a:t>と</a:t>
+            </a:r>
+            <a:r>
+              <a:rPr lang="en-US" altLang="ja-JP" sz="1400" b="0" dirty="0" err="1">
+                <a:solidFill>
+                  <a:srgbClr val="267F99"/>
+                </a:solidFill>
+                <a:effectLst/>
+                <a:highlight>
+                  <a:srgbClr val="FFFFFF"/>
+                </a:highlight>
+                <a:latin typeface="Consolas" panose="020B0609020204030204" pitchFamily="49" charset="0"/>
+              </a:rPr>
+              <a:t>ProcessPoolExecutor</a:t>
+            </a:r>
+            <a:r>
+              <a:rPr lang="en-US" altLang="ja-JP" sz="1400" b="0" dirty="0">
+                <a:solidFill>
+                  <a:srgbClr val="267F99"/>
+                </a:solidFill>
+                <a:effectLst/>
+                <a:highlight>
+                  <a:srgbClr val="FFFFFF"/>
+                </a:highlight>
+                <a:latin typeface="Consolas" panose="020B0609020204030204" pitchFamily="49" charset="0"/>
+              </a:rPr>
+              <a:t>(</a:t>
+            </a:r>
+            <a:r>
+              <a:rPr lang="ja-JP" altLang="en-US" sz="1400" b="0" dirty="0">
+                <a:solidFill>
+                  <a:srgbClr val="267F99"/>
+                </a:solidFill>
+                <a:effectLst/>
+                <a:highlight>
+                  <a:srgbClr val="FFFFFF"/>
+                </a:highlight>
+                <a:latin typeface="Consolas" panose="020B0609020204030204" pitchFamily="49" charset="0"/>
+              </a:rPr>
+              <a:t>プロセスプール</a:t>
+            </a:r>
+            <a:r>
+              <a:rPr lang="en-US" altLang="ja-JP" sz="1400" b="0" dirty="0">
+                <a:solidFill>
+                  <a:srgbClr val="267F99"/>
+                </a:solidFill>
+                <a:effectLst/>
+                <a:highlight>
+                  <a:srgbClr val="FFFFFF"/>
+                </a:highlight>
+                <a:latin typeface="Consolas" panose="020B0609020204030204" pitchFamily="49" charset="0"/>
+              </a:rPr>
+              <a:t>)</a:t>
+            </a:r>
+            <a:endParaRPr lang="en-US" altLang="ja-JP" sz="1400" dirty="0"/>
+          </a:p>
+        </p:txBody>
+      </p:sp>
+      <p:sp>
+        <p:nvSpPr>
+          <p:cNvPr id="17" name="文本框 16">
+            <a:extLst>
+              <a:ext uri="{FF2B5EF4-FFF2-40B4-BE49-F238E27FC236}">
+                <a16:creationId xmlns:a16="http://schemas.microsoft.com/office/drawing/2014/main" id="{966C9768-D346-6623-3133-354003F5219D}"/>
+              </a:ext>
+            </a:extLst>
+          </p:cNvPr>
+          <p:cNvSpPr txBox="1"/>
+          <p:nvPr/>
+        </p:nvSpPr>
+        <p:spPr>
+          <a:xfrm>
+            <a:off x="153690" y="870716"/>
+            <a:ext cx="9262091" cy="276999"/>
+          </a:xfrm>
+          <a:prstGeom prst="rect">
+            <a:avLst/>
+          </a:prstGeom>
+          <a:noFill/>
+          <a:ln>
+            <a:solidFill>
+              <a:schemeClr val="tx1"/>
+            </a:solidFill>
+          </a:ln>
+        </p:spPr>
+        <p:txBody>
+          <a:bodyPr wrap="square">
+            <a:spAutoFit/>
+          </a:bodyPr>
+          <a:lstStyle/>
+          <a:p>
+            <a:r>
+              <a:rPr lang="en-US" altLang="zh-CN" sz="1200" b="0" dirty="0">
+                <a:solidFill>
+                  <a:srgbClr val="AF00DB"/>
+                </a:solidFill>
+                <a:effectLst/>
+                <a:highlight>
+                  <a:srgbClr val="FFFFFF"/>
+                </a:highlight>
+                <a:latin typeface="Consolas" panose="020B0609020204030204" pitchFamily="49" charset="0"/>
+              </a:rPr>
+              <a:t>from</a:t>
+            </a:r>
+            <a:r>
+              <a:rPr lang="en-US" altLang="zh-CN" sz="1200" b="0" dirty="0">
+                <a:solidFill>
+                  <a:srgbClr val="3B3B3B"/>
+                </a:solidFill>
+                <a:effectLst/>
+                <a:highlight>
+                  <a:srgbClr val="FFFFFF"/>
+                </a:highlight>
+                <a:latin typeface="Consolas" panose="020B0609020204030204" pitchFamily="49" charset="0"/>
+              </a:rPr>
+              <a:t> </a:t>
+            </a:r>
+            <a:r>
+              <a:rPr lang="en-US" altLang="zh-CN" sz="1200" b="0" dirty="0" err="1">
+                <a:solidFill>
+                  <a:srgbClr val="267F99"/>
+                </a:solidFill>
+                <a:effectLst/>
+                <a:highlight>
+                  <a:srgbClr val="FFFFFF"/>
+                </a:highlight>
+                <a:latin typeface="Consolas" panose="020B0609020204030204" pitchFamily="49" charset="0"/>
+              </a:rPr>
+              <a:t>concurrent</a:t>
+            </a:r>
+            <a:r>
+              <a:rPr lang="en-US" altLang="zh-CN" sz="1200" b="0" dirty="0" err="1">
+                <a:solidFill>
+                  <a:srgbClr val="3B3B3B"/>
+                </a:solidFill>
+                <a:effectLst/>
+                <a:highlight>
+                  <a:srgbClr val="FFFFFF"/>
+                </a:highlight>
+                <a:latin typeface="Consolas" panose="020B0609020204030204" pitchFamily="49" charset="0"/>
+              </a:rPr>
+              <a:t>.</a:t>
+            </a:r>
+            <a:r>
+              <a:rPr lang="en-US" altLang="zh-CN" sz="1200" b="0" dirty="0" err="1">
+                <a:solidFill>
+                  <a:srgbClr val="267F99"/>
+                </a:solidFill>
+                <a:effectLst/>
+                <a:highlight>
+                  <a:srgbClr val="FFFFFF"/>
+                </a:highlight>
+                <a:latin typeface="Consolas" panose="020B0609020204030204" pitchFamily="49" charset="0"/>
+              </a:rPr>
+              <a:t>futures</a:t>
+            </a:r>
+            <a:r>
+              <a:rPr lang="en-US" altLang="zh-CN" sz="1200" b="0" dirty="0">
+                <a:solidFill>
+                  <a:srgbClr val="3B3B3B"/>
+                </a:solidFill>
+                <a:effectLst/>
+                <a:highlight>
+                  <a:srgbClr val="FFFFFF"/>
+                </a:highlight>
+                <a:latin typeface="Consolas" panose="020B0609020204030204" pitchFamily="49" charset="0"/>
+              </a:rPr>
+              <a:t> </a:t>
+            </a:r>
+            <a:r>
+              <a:rPr lang="en-US" altLang="zh-CN" sz="1200" b="0" dirty="0">
+                <a:solidFill>
+                  <a:srgbClr val="AF00DB"/>
+                </a:solidFill>
+                <a:effectLst/>
+                <a:highlight>
+                  <a:srgbClr val="FFFFFF"/>
+                </a:highlight>
+                <a:latin typeface="Consolas" panose="020B0609020204030204" pitchFamily="49" charset="0"/>
+              </a:rPr>
+              <a:t>import</a:t>
+            </a:r>
+            <a:r>
+              <a:rPr lang="en-US" altLang="zh-CN" sz="1200" b="0" dirty="0">
+                <a:solidFill>
+                  <a:srgbClr val="3B3B3B"/>
+                </a:solidFill>
+                <a:effectLst/>
+                <a:highlight>
+                  <a:srgbClr val="FFFFFF"/>
+                </a:highlight>
+                <a:latin typeface="Consolas" panose="020B0609020204030204" pitchFamily="49" charset="0"/>
+              </a:rPr>
+              <a:t> </a:t>
+            </a:r>
+            <a:r>
+              <a:rPr lang="en-US" altLang="zh-CN" sz="1200" b="0" dirty="0" err="1">
+                <a:solidFill>
+                  <a:srgbClr val="267F99"/>
+                </a:solidFill>
+                <a:effectLst/>
+                <a:highlight>
+                  <a:srgbClr val="FFFFFF"/>
+                </a:highlight>
+                <a:latin typeface="Consolas" panose="020B0609020204030204" pitchFamily="49" charset="0"/>
+              </a:rPr>
+              <a:t>ThreadPoolExecutor</a:t>
+            </a:r>
+            <a:r>
+              <a:rPr lang="en-US" altLang="zh-CN" sz="1200" b="0" dirty="0">
+                <a:solidFill>
+                  <a:srgbClr val="3B3B3B"/>
+                </a:solidFill>
+                <a:effectLst/>
+                <a:highlight>
+                  <a:srgbClr val="FFFFFF"/>
+                </a:highlight>
+                <a:latin typeface="Consolas" panose="020B0609020204030204" pitchFamily="49" charset="0"/>
+              </a:rPr>
+              <a:t>, </a:t>
+            </a:r>
+            <a:r>
+              <a:rPr lang="en-US" altLang="zh-CN" sz="1200" b="0" dirty="0" err="1">
+                <a:solidFill>
+                  <a:srgbClr val="267F99"/>
+                </a:solidFill>
+                <a:effectLst/>
+                <a:highlight>
+                  <a:srgbClr val="FFFFFF"/>
+                </a:highlight>
+                <a:latin typeface="Consolas" panose="020B0609020204030204" pitchFamily="49" charset="0"/>
+              </a:rPr>
+              <a:t>ProcessPoolExecutor</a:t>
+            </a:r>
+            <a:endParaRPr lang="en-US" altLang="zh-CN" sz="1200" b="0" dirty="0">
+              <a:solidFill>
+                <a:srgbClr val="3B3B3B"/>
+              </a:solidFill>
+              <a:effectLst/>
+              <a:highlight>
+                <a:srgbClr val="FFFFFF"/>
+              </a:highlight>
+              <a:latin typeface="Consolas" panose="020B0609020204030204" pitchFamily="49" charset="0"/>
+            </a:endParaRPr>
+          </a:p>
+        </p:txBody>
+      </p:sp>
+      <p:sp>
+        <p:nvSpPr>
+          <p:cNvPr id="15" name="文本框 14">
+            <a:extLst>
+              <a:ext uri="{FF2B5EF4-FFF2-40B4-BE49-F238E27FC236}">
+                <a16:creationId xmlns:a16="http://schemas.microsoft.com/office/drawing/2014/main" id="{DB0B623D-D174-11F6-CFB0-CFB889C15F4C}"/>
+              </a:ext>
+            </a:extLst>
+          </p:cNvPr>
+          <p:cNvSpPr txBox="1"/>
+          <p:nvPr/>
+        </p:nvSpPr>
+        <p:spPr>
+          <a:xfrm>
+            <a:off x="79044" y="1330748"/>
+            <a:ext cx="5309323" cy="4339650"/>
+          </a:xfrm>
+          <a:prstGeom prst="rect">
+            <a:avLst/>
+          </a:prstGeom>
+          <a:noFill/>
+        </p:spPr>
+        <p:txBody>
+          <a:bodyPr wrap="square">
+            <a:spAutoFit/>
+          </a:bodyPr>
+          <a:lstStyle/>
+          <a:p>
+            <a:r>
+              <a:rPr lang="en-US" altLang="zh-CN" sz="1800" b="0" dirty="0" err="1">
+                <a:solidFill>
+                  <a:srgbClr val="267F99"/>
+                </a:solidFill>
+                <a:effectLst/>
+                <a:highlight>
+                  <a:srgbClr val="FFFFFF"/>
+                </a:highlight>
+                <a:latin typeface="Consolas" panose="020B0609020204030204" pitchFamily="49" charset="0"/>
+              </a:rPr>
+              <a:t>ThreadPoolExecutor</a:t>
+            </a:r>
+            <a:endParaRPr lang="en-US" altLang="zh-CN" sz="1800" b="0" dirty="0">
+              <a:solidFill>
+                <a:srgbClr val="267F99"/>
+              </a:solidFill>
+              <a:effectLst/>
+              <a:highlight>
+                <a:srgbClr val="FFFFFF"/>
+              </a:highlight>
+              <a:latin typeface="Consolas" panose="020B0609020204030204" pitchFamily="49" charset="0"/>
+            </a:endParaRPr>
+          </a:p>
+          <a:p>
+            <a:endParaRPr lang="en-US" altLang="zh-CN" dirty="0">
+              <a:solidFill>
+                <a:srgbClr val="267F99"/>
+              </a:solidFill>
+              <a:highlight>
+                <a:srgbClr val="FFFFFF"/>
+              </a:highlight>
+              <a:latin typeface="Consolas" panose="020B0609020204030204" pitchFamily="49" charset="0"/>
+            </a:endParaRPr>
+          </a:p>
+          <a:p>
+            <a:pPr marL="285750" indent="-285750">
+              <a:buFont typeface="Arial" panose="020B0604020202020204" pitchFamily="34" charset="0"/>
+              <a:buChar char="•"/>
+            </a:pPr>
+            <a:r>
+              <a:rPr lang="ja-JP" altLang="en-US" sz="1400" dirty="0">
+                <a:highlight>
+                  <a:srgbClr val="FFFFFF"/>
+                </a:highlight>
+                <a:latin typeface="Consolas" panose="020B0609020204030204" pitchFamily="49" charset="0"/>
+              </a:rPr>
+              <a:t>スレッドプールを使ってマルチスレッドを作ってタスクに割り当てる</a:t>
+            </a:r>
+            <a:endParaRPr lang="en-US" altLang="ja-JP" sz="1400" dirty="0">
+              <a:highlight>
+                <a:srgbClr val="FFFFFF"/>
+              </a:highlight>
+              <a:latin typeface="Consolas" panose="020B0609020204030204" pitchFamily="49" charset="0"/>
+            </a:endParaRPr>
+          </a:p>
+          <a:p>
+            <a:pPr marL="285750" indent="-285750">
+              <a:buFont typeface="Arial" panose="020B0604020202020204" pitchFamily="34" charset="0"/>
+              <a:buChar char="•"/>
+            </a:pPr>
+            <a:r>
+              <a:rPr lang="ja-JP" altLang="en-US" sz="1400" dirty="0">
+                <a:highlight>
+                  <a:srgbClr val="FFFFFF"/>
+                </a:highlight>
+                <a:latin typeface="Consolas" panose="020B0609020204030204" pitchFamily="49" charset="0"/>
+              </a:rPr>
+              <a:t>ネットワーク、ファイルの書き込み、読み込みなどの</a:t>
+            </a:r>
+            <a:r>
+              <a:rPr lang="en-US" altLang="ja-JP" sz="1400" dirty="0">
+                <a:highlight>
+                  <a:srgbClr val="FFFFFF"/>
+                </a:highlight>
+                <a:latin typeface="Consolas" panose="020B0609020204030204" pitchFamily="49" charset="0"/>
+              </a:rPr>
+              <a:t>IO</a:t>
+            </a:r>
+            <a:r>
+              <a:rPr lang="ja-JP" altLang="en-US" sz="1400" dirty="0">
+                <a:highlight>
+                  <a:srgbClr val="FFFFFF"/>
+                </a:highlight>
+                <a:latin typeface="Consolas" panose="020B0609020204030204" pitchFamily="49" charset="0"/>
+              </a:rPr>
+              <a:t>に負担にかかる作業に適する</a:t>
+            </a:r>
+            <a:endParaRPr lang="en-US" altLang="ja-JP" sz="1400" dirty="0">
+              <a:highlight>
+                <a:srgbClr val="FFFFFF"/>
+              </a:highlight>
+              <a:latin typeface="Consolas" panose="020B0609020204030204" pitchFamily="49" charset="0"/>
+            </a:endParaRPr>
+          </a:p>
+          <a:p>
+            <a:pPr marL="285750" indent="-285750">
+              <a:buFont typeface="Arial" panose="020B0604020202020204" pitchFamily="34" charset="0"/>
+              <a:buChar char="•"/>
+            </a:pPr>
+            <a:r>
+              <a:rPr lang="ja-JP" altLang="en-US" sz="1400" dirty="0">
+                <a:highlight>
+                  <a:srgbClr val="FFFFFF"/>
+                </a:highlight>
+                <a:latin typeface="Consolas" panose="020B0609020204030204" pitchFamily="49" charset="0"/>
+              </a:rPr>
+              <a:t>スレッドプールのスレッド数を指定できる</a:t>
+            </a:r>
+            <a:endParaRPr lang="en-US" altLang="ja-JP" sz="1400" dirty="0">
+              <a:highlight>
+                <a:srgbClr val="FFFFFF"/>
+              </a:highlight>
+              <a:latin typeface="Consolas" panose="020B0609020204030204" pitchFamily="49" charset="0"/>
+            </a:endParaRPr>
+          </a:p>
+          <a:p>
+            <a:endParaRPr lang="en-US" altLang="zh-CN" sz="1400" dirty="0">
+              <a:highlight>
+                <a:srgbClr val="FFFFFF"/>
+              </a:highlight>
+              <a:latin typeface="Consolas" panose="020B0609020204030204" pitchFamily="49" charset="0"/>
+            </a:endParaRPr>
+          </a:p>
+          <a:p>
+            <a:r>
+              <a:rPr lang="en-US" altLang="zh-CN" sz="1200" b="0" dirty="0">
+                <a:solidFill>
+                  <a:srgbClr val="008000"/>
+                </a:solidFill>
+                <a:effectLst/>
+                <a:highlight>
+                  <a:srgbClr val="FFFFFF"/>
+                </a:highlight>
+                <a:latin typeface="Consolas" panose="020B0609020204030204" pitchFamily="49" charset="0"/>
+              </a:rPr>
+              <a:t># </a:t>
+            </a:r>
+            <a:r>
+              <a:rPr lang="ja-JP" altLang="en-US" sz="1200" b="0" dirty="0">
+                <a:solidFill>
+                  <a:srgbClr val="008000"/>
+                </a:solidFill>
+                <a:effectLst/>
+                <a:highlight>
+                  <a:srgbClr val="FFFFFF"/>
+                </a:highlight>
+                <a:latin typeface="Consolas" panose="020B0609020204030204" pitchFamily="49" charset="0"/>
+              </a:rPr>
+              <a:t>引数　</a:t>
+            </a:r>
+            <a:r>
+              <a:rPr lang="en-US" altLang="ja-JP" sz="1200" b="0" dirty="0" err="1">
+                <a:solidFill>
+                  <a:srgbClr val="008000"/>
+                </a:solidFill>
+                <a:effectLst/>
+                <a:highlight>
+                  <a:srgbClr val="FFFFFF"/>
+                </a:highlight>
+                <a:latin typeface="Consolas" panose="020B0609020204030204" pitchFamily="49" charset="0"/>
+              </a:rPr>
+              <a:t>max_workers</a:t>
+            </a:r>
+            <a:r>
+              <a:rPr lang="en-US" altLang="ja-JP" sz="1200" b="0" dirty="0">
+                <a:solidFill>
+                  <a:srgbClr val="008000"/>
+                </a:solidFill>
+                <a:effectLst/>
+                <a:highlight>
+                  <a:srgbClr val="FFFFFF"/>
+                </a:highlight>
+                <a:latin typeface="Consolas" panose="020B0609020204030204" pitchFamily="49" charset="0"/>
+              </a:rPr>
+              <a:t> </a:t>
+            </a:r>
+            <a:r>
+              <a:rPr lang="ja-JP" altLang="en-US" sz="1200" b="0" dirty="0">
+                <a:solidFill>
+                  <a:srgbClr val="008000"/>
+                </a:solidFill>
+                <a:effectLst/>
+                <a:highlight>
+                  <a:srgbClr val="FFFFFF"/>
+                </a:highlight>
+                <a:latin typeface="Consolas" panose="020B0609020204030204" pitchFamily="49" charset="0"/>
+              </a:rPr>
+              <a:t>　デフォルト：</a:t>
+            </a:r>
+            <a:r>
+              <a:rPr lang="en-US" altLang="ja-JP" sz="1200" b="0" dirty="0">
+                <a:solidFill>
+                  <a:srgbClr val="008000"/>
+                </a:solidFill>
+                <a:effectLst/>
+                <a:highlight>
+                  <a:srgbClr val="FFFFFF"/>
+                </a:highlight>
+                <a:latin typeface="Consolas" panose="020B0609020204030204" pitchFamily="49" charset="0"/>
+              </a:rPr>
+              <a:t>None</a:t>
+            </a:r>
+            <a:endParaRPr lang="en-US" altLang="zh-CN" sz="1200" dirty="0">
+              <a:highlight>
+                <a:srgbClr val="FFFFFF"/>
+              </a:highlight>
+              <a:latin typeface="Consolas" panose="020B0609020204030204" pitchFamily="49" charset="0"/>
+            </a:endParaRPr>
+          </a:p>
+          <a:p>
+            <a:r>
+              <a:rPr lang="en-US" altLang="zh-CN" sz="1200" dirty="0">
+                <a:solidFill>
+                  <a:srgbClr val="008000"/>
+                </a:solidFill>
+                <a:highlight>
+                  <a:srgbClr val="FFFFFF"/>
+                </a:highlight>
+                <a:latin typeface="Consolas" panose="020B0609020204030204" pitchFamily="49" charset="0"/>
+              </a:rPr>
+              <a:t># </a:t>
+            </a:r>
+            <a:r>
+              <a:rPr lang="en-US" altLang="zh-CN" sz="1200" dirty="0" err="1">
+                <a:solidFill>
+                  <a:srgbClr val="008000"/>
+                </a:solidFill>
+                <a:highlight>
+                  <a:srgbClr val="FFFFFF"/>
+                </a:highlight>
+                <a:latin typeface="Consolas" panose="020B0609020204030204" pitchFamily="49" charset="0"/>
+              </a:rPr>
+              <a:t>max_workers</a:t>
+            </a:r>
+            <a:r>
+              <a:rPr lang="en-US" altLang="zh-CN" sz="1200" dirty="0">
+                <a:solidFill>
+                  <a:srgbClr val="008000"/>
+                </a:solidFill>
+                <a:highlight>
+                  <a:srgbClr val="FFFFFF"/>
+                </a:highlight>
+                <a:latin typeface="Consolas" panose="020B0609020204030204" pitchFamily="49" charset="0"/>
+              </a:rPr>
+              <a:t>: int | None = None</a:t>
+            </a:r>
+          </a:p>
+          <a:p>
+            <a:endParaRPr lang="en-US" altLang="zh-CN" sz="1200" b="0" dirty="0">
+              <a:solidFill>
+                <a:srgbClr val="3B3B3B"/>
+              </a:solidFill>
+              <a:effectLst/>
+              <a:highlight>
+                <a:srgbClr val="FFFFFF"/>
+              </a:highlight>
+              <a:latin typeface="Consolas" panose="020B0609020204030204" pitchFamily="49" charset="0"/>
+            </a:endParaRPr>
+          </a:p>
+          <a:p>
+            <a:r>
+              <a:rPr lang="en-US" altLang="zh-CN" sz="1200" dirty="0">
+                <a:solidFill>
+                  <a:srgbClr val="008000"/>
+                </a:solidFill>
+                <a:highlight>
+                  <a:srgbClr val="FFFFFF"/>
+                </a:highlight>
+                <a:latin typeface="Consolas" panose="020B0609020204030204" pitchFamily="49" charset="0"/>
+              </a:rPr>
+              <a:t># </a:t>
+            </a:r>
+            <a:r>
+              <a:rPr lang="ja-JP" altLang="en-US" sz="1200" dirty="0">
+                <a:solidFill>
+                  <a:srgbClr val="008000"/>
+                </a:solidFill>
+                <a:highlight>
+                  <a:srgbClr val="FFFFFF"/>
+                </a:highlight>
+                <a:latin typeface="Consolas" panose="020B0609020204030204" pitchFamily="49" charset="0"/>
+              </a:rPr>
+              <a:t>指定されたする</a:t>
+            </a:r>
+            <a:endParaRPr lang="en-US" altLang="zh-CN" sz="1200" dirty="0">
+              <a:solidFill>
+                <a:srgbClr val="008000"/>
+              </a:solidFill>
+              <a:highlight>
+                <a:srgbClr val="FFFFFF"/>
+              </a:highlight>
+              <a:latin typeface="Consolas" panose="020B0609020204030204" pitchFamily="49" charset="0"/>
+            </a:endParaRPr>
+          </a:p>
+          <a:p>
+            <a:r>
+              <a:rPr lang="en-US" altLang="zh-CN" sz="1200" b="0" dirty="0">
+                <a:solidFill>
+                  <a:srgbClr val="008000"/>
+                </a:solidFill>
+                <a:effectLst/>
+                <a:highlight>
+                  <a:srgbClr val="FFFFFF"/>
+                </a:highlight>
+                <a:latin typeface="Consolas" panose="020B0609020204030204" pitchFamily="49" charset="0"/>
+              </a:rPr>
+              <a:t># </a:t>
+            </a:r>
+            <a:r>
+              <a:rPr lang="ja-JP" altLang="en-US" sz="1200" b="0" dirty="0">
+                <a:solidFill>
+                  <a:srgbClr val="008000"/>
+                </a:solidFill>
+                <a:effectLst/>
+                <a:highlight>
+                  <a:srgbClr val="FFFFFF"/>
+                </a:highlight>
+                <a:latin typeface="Consolas" panose="020B0609020204030204" pitchFamily="49" charset="0"/>
+              </a:rPr>
+              <a:t>スレッド数は３</a:t>
+            </a:r>
+            <a:endParaRPr lang="en-US" altLang="zh-CN" sz="1200" b="0" dirty="0">
+              <a:solidFill>
+                <a:srgbClr val="3B3B3B"/>
+              </a:solidFill>
+              <a:effectLst/>
+              <a:highlight>
+                <a:srgbClr val="FFFFFF"/>
+              </a:highlight>
+              <a:latin typeface="Consolas" panose="020B0609020204030204" pitchFamily="49" charset="0"/>
+            </a:endParaRPr>
+          </a:p>
+          <a:p>
+            <a:r>
+              <a:rPr lang="en-US" altLang="zh-CN" sz="1200" b="0" dirty="0">
+                <a:solidFill>
+                  <a:srgbClr val="001080"/>
+                </a:solidFill>
+                <a:effectLst/>
+                <a:highlight>
+                  <a:srgbClr val="FFFFFF"/>
+                </a:highlight>
+                <a:latin typeface="Consolas" panose="020B0609020204030204" pitchFamily="49" charset="0"/>
+              </a:rPr>
+              <a:t>executor_1</a:t>
+            </a:r>
+            <a:r>
+              <a:rPr lang="en-US" altLang="zh-CN" sz="1200" b="0" dirty="0">
+                <a:solidFill>
+                  <a:srgbClr val="3B3B3B"/>
+                </a:solidFill>
+                <a:effectLst/>
+                <a:highlight>
+                  <a:srgbClr val="FFFFFF"/>
+                </a:highlight>
+                <a:latin typeface="Consolas" panose="020B0609020204030204" pitchFamily="49" charset="0"/>
+              </a:rPr>
+              <a:t> </a:t>
+            </a:r>
+            <a:r>
+              <a:rPr lang="en-US" altLang="zh-CN" sz="1200" b="0" dirty="0">
+                <a:solidFill>
+                  <a:srgbClr val="000000"/>
+                </a:solidFill>
+                <a:effectLst/>
+                <a:highlight>
+                  <a:srgbClr val="FFFFFF"/>
+                </a:highlight>
+                <a:latin typeface="Consolas" panose="020B0609020204030204" pitchFamily="49" charset="0"/>
+              </a:rPr>
+              <a:t>=</a:t>
+            </a:r>
+            <a:r>
+              <a:rPr lang="en-US" altLang="zh-CN" sz="1200" b="0" dirty="0">
+                <a:solidFill>
+                  <a:srgbClr val="3B3B3B"/>
+                </a:solidFill>
+                <a:effectLst/>
+                <a:highlight>
+                  <a:srgbClr val="FFFFFF"/>
+                </a:highlight>
+                <a:latin typeface="Consolas" panose="020B0609020204030204" pitchFamily="49" charset="0"/>
+              </a:rPr>
+              <a:t> </a:t>
+            </a:r>
+            <a:r>
+              <a:rPr lang="en-US" altLang="zh-CN" sz="1200" b="0" dirty="0" err="1">
+                <a:solidFill>
+                  <a:srgbClr val="267F99"/>
+                </a:solidFill>
+                <a:effectLst/>
+                <a:highlight>
+                  <a:srgbClr val="FFFFFF"/>
+                </a:highlight>
+                <a:latin typeface="Consolas" panose="020B0609020204030204" pitchFamily="49" charset="0"/>
+              </a:rPr>
+              <a:t>ThreadPoolExecutor</a:t>
+            </a:r>
+            <a:r>
+              <a:rPr lang="en-US" altLang="zh-CN" sz="1200" b="0" dirty="0">
+                <a:solidFill>
+                  <a:srgbClr val="3B3B3B"/>
+                </a:solidFill>
+                <a:effectLst/>
+                <a:highlight>
+                  <a:srgbClr val="FFFFFF"/>
+                </a:highlight>
+                <a:latin typeface="Consolas" panose="020B0609020204030204" pitchFamily="49" charset="0"/>
+              </a:rPr>
+              <a:t>(</a:t>
+            </a:r>
+            <a:r>
+              <a:rPr lang="en-US" altLang="zh-CN" sz="1200" b="0" dirty="0" err="1">
+                <a:solidFill>
+                  <a:srgbClr val="001080"/>
+                </a:solidFill>
+                <a:effectLst/>
+                <a:highlight>
+                  <a:srgbClr val="FFFFFF"/>
+                </a:highlight>
+                <a:latin typeface="Consolas" panose="020B0609020204030204" pitchFamily="49" charset="0"/>
+              </a:rPr>
+              <a:t>max_workers</a:t>
+            </a:r>
+            <a:r>
+              <a:rPr lang="en-US" altLang="zh-CN" sz="1200" b="0" dirty="0">
+                <a:solidFill>
+                  <a:srgbClr val="000000"/>
+                </a:solidFill>
+                <a:effectLst/>
+                <a:highlight>
+                  <a:srgbClr val="FFFFFF"/>
+                </a:highlight>
+                <a:latin typeface="Consolas" panose="020B0609020204030204" pitchFamily="49" charset="0"/>
+              </a:rPr>
+              <a:t>=</a:t>
+            </a:r>
+            <a:r>
+              <a:rPr lang="en-US" altLang="zh-CN" sz="1200" b="0" dirty="0">
+                <a:solidFill>
+                  <a:srgbClr val="098658"/>
+                </a:solidFill>
+                <a:effectLst/>
+                <a:highlight>
+                  <a:srgbClr val="FFFFFF"/>
+                </a:highlight>
+                <a:latin typeface="Consolas" panose="020B0609020204030204" pitchFamily="49" charset="0"/>
+              </a:rPr>
+              <a:t>3</a:t>
+            </a:r>
+            <a:r>
+              <a:rPr lang="en-US" altLang="zh-CN" sz="1200" b="0" dirty="0">
+                <a:solidFill>
+                  <a:srgbClr val="3B3B3B"/>
+                </a:solidFill>
+                <a:effectLst/>
+                <a:highlight>
+                  <a:srgbClr val="FFFFFF"/>
+                </a:highlight>
+                <a:latin typeface="Consolas" panose="020B0609020204030204" pitchFamily="49" charset="0"/>
+              </a:rPr>
+              <a:t>)</a:t>
+            </a:r>
+          </a:p>
+          <a:p>
+            <a:endParaRPr lang="en-US" altLang="zh-CN" sz="1200" dirty="0">
+              <a:solidFill>
+                <a:srgbClr val="3B3B3B"/>
+              </a:solidFill>
+              <a:highlight>
+                <a:srgbClr val="FFFFFF"/>
+              </a:highlight>
+              <a:latin typeface="Consolas" panose="020B0609020204030204" pitchFamily="49" charset="0"/>
+            </a:endParaRPr>
+          </a:p>
+          <a:p>
+            <a:r>
+              <a:rPr lang="en-US" altLang="zh-CN" sz="1200" dirty="0">
+                <a:solidFill>
+                  <a:srgbClr val="008000"/>
+                </a:solidFill>
+                <a:highlight>
+                  <a:srgbClr val="FFFFFF"/>
+                </a:highlight>
+                <a:latin typeface="Consolas" panose="020B0609020204030204" pitchFamily="49" charset="0"/>
+              </a:rPr>
+              <a:t>#</a:t>
+            </a:r>
+            <a:r>
+              <a:rPr lang="en-US" altLang="zh-CN" sz="1200" dirty="0">
+                <a:solidFill>
+                  <a:srgbClr val="3B3B3B"/>
+                </a:solidFill>
+                <a:highlight>
+                  <a:srgbClr val="FFFFFF"/>
+                </a:highlight>
+                <a:latin typeface="Consolas" panose="020B0609020204030204" pitchFamily="49" charset="0"/>
+              </a:rPr>
+              <a:t> </a:t>
+            </a:r>
+            <a:r>
+              <a:rPr lang="ja-JP" altLang="en-US" sz="1200" dirty="0">
+                <a:solidFill>
+                  <a:srgbClr val="008000"/>
+                </a:solidFill>
+                <a:highlight>
+                  <a:srgbClr val="FFFFFF"/>
+                </a:highlight>
+                <a:latin typeface="Consolas" panose="020B0609020204030204" pitchFamily="49" charset="0"/>
+              </a:rPr>
+              <a:t>指定しない</a:t>
+            </a:r>
+            <a:endParaRPr lang="en-US" altLang="zh-CN" sz="1200" dirty="0">
+              <a:solidFill>
+                <a:srgbClr val="008000"/>
+              </a:solidFill>
+              <a:highlight>
+                <a:srgbClr val="FFFFFF"/>
+              </a:highlight>
+              <a:latin typeface="Consolas" panose="020B0609020204030204" pitchFamily="49" charset="0"/>
+            </a:endParaRPr>
+          </a:p>
+          <a:p>
+            <a:r>
+              <a:rPr lang="en-US" altLang="zh-CN" sz="1200" b="0" dirty="0">
+                <a:solidFill>
+                  <a:srgbClr val="008000"/>
+                </a:solidFill>
+                <a:effectLst/>
+                <a:highlight>
+                  <a:srgbClr val="FFFFFF"/>
+                </a:highlight>
+                <a:latin typeface="Consolas" panose="020B0609020204030204" pitchFamily="49" charset="0"/>
+              </a:rPr>
+              <a:t>#</a:t>
+            </a:r>
+            <a:r>
+              <a:rPr lang="ja-JP" altLang="en-US" sz="1200" dirty="0">
+                <a:solidFill>
+                  <a:srgbClr val="3B3B3B"/>
+                </a:solidFill>
+                <a:highlight>
+                  <a:srgbClr val="FFFFFF"/>
+                </a:highlight>
+                <a:latin typeface="Consolas" panose="020B0609020204030204" pitchFamily="49" charset="0"/>
+              </a:rPr>
+              <a:t>　</a:t>
+            </a:r>
+            <a:r>
+              <a:rPr lang="ja-JP" altLang="en-US" sz="1200" dirty="0">
+                <a:solidFill>
+                  <a:srgbClr val="008000"/>
+                </a:solidFill>
+                <a:highlight>
+                  <a:srgbClr val="FFFFFF"/>
+                </a:highlight>
+                <a:latin typeface="Consolas" panose="020B0609020204030204" pitchFamily="49" charset="0"/>
+              </a:rPr>
+              <a:t>スレッド数は </a:t>
+            </a:r>
+            <a:r>
+              <a:rPr lang="en-US" altLang="ja-JP" sz="1200" dirty="0">
+                <a:solidFill>
+                  <a:srgbClr val="008000"/>
+                </a:solidFill>
+                <a:highlight>
+                  <a:srgbClr val="FFFFFF"/>
+                </a:highlight>
+                <a:latin typeface="Consolas" panose="020B0609020204030204" pitchFamily="49" charset="0"/>
+              </a:rPr>
+              <a:t>CPU</a:t>
+            </a:r>
+            <a:r>
+              <a:rPr lang="ja-JP" altLang="en-US" sz="1200" dirty="0">
+                <a:solidFill>
+                  <a:srgbClr val="008000"/>
+                </a:solidFill>
+                <a:highlight>
+                  <a:srgbClr val="FFFFFF"/>
+                </a:highlight>
+                <a:latin typeface="Consolas" panose="020B0609020204030204" pitchFamily="49" charset="0"/>
+              </a:rPr>
+              <a:t>のプロセッサ数 </a:t>
+            </a:r>
+            <a:r>
+              <a:rPr lang="en-US" altLang="ja-JP" sz="1200" dirty="0">
+                <a:solidFill>
+                  <a:srgbClr val="008000"/>
+                </a:solidFill>
+                <a:highlight>
+                  <a:srgbClr val="FFFFFF"/>
+                </a:highlight>
+                <a:latin typeface="Consolas" panose="020B0609020204030204" pitchFamily="49" charset="0"/>
+              </a:rPr>
+              <a:t>* 5</a:t>
+            </a:r>
+            <a:endParaRPr lang="en-US" altLang="zh-CN" sz="1200" dirty="0">
+              <a:solidFill>
+                <a:srgbClr val="008000"/>
+              </a:solidFill>
+              <a:highlight>
+                <a:srgbClr val="FFFFFF"/>
+              </a:highlight>
+              <a:latin typeface="Consolas" panose="020B0609020204030204" pitchFamily="49" charset="0"/>
+            </a:endParaRPr>
+          </a:p>
+          <a:p>
+            <a:r>
+              <a:rPr lang="en-US" altLang="zh-CN" sz="1200" b="0" dirty="0">
+                <a:solidFill>
+                  <a:srgbClr val="001080"/>
+                </a:solidFill>
+                <a:effectLst/>
+                <a:highlight>
+                  <a:srgbClr val="FFFFFF"/>
+                </a:highlight>
+                <a:latin typeface="Consolas" panose="020B0609020204030204" pitchFamily="49" charset="0"/>
+              </a:rPr>
+              <a:t>executor_2</a:t>
+            </a:r>
+            <a:r>
+              <a:rPr lang="en-US" altLang="zh-CN" sz="1200" b="0" dirty="0">
+                <a:solidFill>
+                  <a:srgbClr val="3B3B3B"/>
+                </a:solidFill>
+                <a:effectLst/>
+                <a:highlight>
+                  <a:srgbClr val="FFFFFF"/>
+                </a:highlight>
+                <a:latin typeface="Consolas" panose="020B0609020204030204" pitchFamily="49" charset="0"/>
+              </a:rPr>
+              <a:t> </a:t>
+            </a:r>
+            <a:r>
+              <a:rPr lang="en-US" altLang="zh-CN" sz="1200" b="0" dirty="0">
+                <a:solidFill>
+                  <a:srgbClr val="000000"/>
+                </a:solidFill>
+                <a:effectLst/>
+                <a:highlight>
+                  <a:srgbClr val="FFFFFF"/>
+                </a:highlight>
+                <a:latin typeface="Consolas" panose="020B0609020204030204" pitchFamily="49" charset="0"/>
+              </a:rPr>
+              <a:t>=</a:t>
+            </a:r>
+            <a:r>
+              <a:rPr lang="en-US" altLang="zh-CN" sz="1200" b="0" dirty="0">
+                <a:solidFill>
+                  <a:srgbClr val="3B3B3B"/>
+                </a:solidFill>
+                <a:effectLst/>
+                <a:highlight>
+                  <a:srgbClr val="FFFFFF"/>
+                </a:highlight>
+                <a:latin typeface="Consolas" panose="020B0609020204030204" pitchFamily="49" charset="0"/>
+              </a:rPr>
+              <a:t> </a:t>
+            </a:r>
+            <a:r>
+              <a:rPr lang="en-US" altLang="zh-CN" sz="1200" b="0" dirty="0" err="1">
+                <a:solidFill>
+                  <a:srgbClr val="267F99"/>
+                </a:solidFill>
+                <a:effectLst/>
+                <a:highlight>
+                  <a:srgbClr val="FFFFFF"/>
+                </a:highlight>
+                <a:latin typeface="Consolas" panose="020B0609020204030204" pitchFamily="49" charset="0"/>
+              </a:rPr>
+              <a:t>ThreadPoolExecutor</a:t>
+            </a:r>
+            <a:r>
+              <a:rPr lang="en-US" altLang="zh-CN" sz="1200" b="0" dirty="0">
+                <a:solidFill>
+                  <a:srgbClr val="3B3B3B"/>
+                </a:solidFill>
+                <a:effectLst/>
+                <a:highlight>
+                  <a:srgbClr val="FFFFFF"/>
+                </a:highlight>
+                <a:latin typeface="Consolas" panose="020B0609020204030204" pitchFamily="49" charset="0"/>
+              </a:rPr>
+              <a:t>()</a:t>
+            </a:r>
+          </a:p>
+          <a:p>
+            <a:endParaRPr lang="en-US" altLang="zh-CN" sz="1200" dirty="0">
+              <a:solidFill>
+                <a:srgbClr val="3B3B3B"/>
+              </a:solidFill>
+              <a:highlight>
+                <a:srgbClr val="FFFFFF"/>
+              </a:highlight>
+              <a:latin typeface="Consolas" panose="020B0609020204030204" pitchFamily="49" charset="0"/>
+            </a:endParaRPr>
+          </a:p>
+          <a:p>
+            <a:endParaRPr lang="en-US" altLang="zh-CN" sz="1200" dirty="0">
+              <a:solidFill>
+                <a:srgbClr val="3B3B3B"/>
+              </a:solidFill>
+              <a:highlight>
+                <a:srgbClr val="FFFFFF"/>
+              </a:highlight>
+              <a:latin typeface="Consolas" panose="020B0609020204030204" pitchFamily="49" charset="0"/>
+            </a:endParaRPr>
+          </a:p>
+          <a:p>
+            <a:endParaRPr lang="en-US" altLang="zh-CN" sz="1200" b="0" dirty="0">
+              <a:solidFill>
+                <a:srgbClr val="3B3B3B"/>
+              </a:solidFill>
+              <a:effectLst/>
+              <a:highlight>
+                <a:srgbClr val="FFFFFF"/>
+              </a:highlight>
+              <a:latin typeface="Consolas" panose="020B0609020204030204" pitchFamily="49" charset="0"/>
+            </a:endParaRPr>
+          </a:p>
+        </p:txBody>
+      </p:sp>
+      <p:sp>
+        <p:nvSpPr>
+          <p:cNvPr id="18" name="文本框 17">
+            <a:extLst>
+              <a:ext uri="{FF2B5EF4-FFF2-40B4-BE49-F238E27FC236}">
+                <a16:creationId xmlns:a16="http://schemas.microsoft.com/office/drawing/2014/main" id="{FD27B7E2-226E-1713-1CE3-049822BB90AC}"/>
+              </a:ext>
+            </a:extLst>
+          </p:cNvPr>
+          <p:cNvSpPr txBox="1"/>
+          <p:nvPr/>
+        </p:nvSpPr>
+        <p:spPr>
+          <a:xfrm>
+            <a:off x="5708002" y="1330748"/>
+            <a:ext cx="6095221" cy="4124206"/>
+          </a:xfrm>
+          <a:prstGeom prst="rect">
+            <a:avLst/>
+          </a:prstGeom>
+          <a:noFill/>
+        </p:spPr>
+        <p:txBody>
+          <a:bodyPr wrap="square">
+            <a:spAutoFit/>
+          </a:bodyPr>
+          <a:lstStyle/>
+          <a:p>
+            <a:r>
+              <a:rPr lang="en-US" altLang="ja-JP" sz="1800" b="0" dirty="0" err="1">
+                <a:solidFill>
+                  <a:srgbClr val="267F99"/>
+                </a:solidFill>
+                <a:effectLst/>
+                <a:highlight>
+                  <a:srgbClr val="FFFFFF"/>
+                </a:highlight>
+                <a:latin typeface="Consolas" panose="020B0609020204030204" pitchFamily="49" charset="0"/>
+              </a:rPr>
+              <a:t>ProcessPoolExecutor</a:t>
+            </a:r>
+            <a:endParaRPr lang="en-US" altLang="ja-JP" sz="1800" b="0" dirty="0">
+              <a:solidFill>
+                <a:srgbClr val="267F99"/>
+              </a:solidFill>
+              <a:effectLst/>
+              <a:highlight>
+                <a:srgbClr val="FFFFFF"/>
+              </a:highlight>
+              <a:latin typeface="Consolas" panose="020B0609020204030204" pitchFamily="49" charset="0"/>
+            </a:endParaRPr>
+          </a:p>
+          <a:p>
+            <a:endParaRPr lang="en-US" altLang="ja-JP" sz="1800" b="0" dirty="0">
+              <a:solidFill>
+                <a:srgbClr val="267F99"/>
+              </a:solidFill>
+              <a:effectLst/>
+              <a:highlight>
+                <a:srgbClr val="FFFFFF"/>
+              </a:highlight>
+              <a:latin typeface="Consolas" panose="020B0609020204030204" pitchFamily="49" charset="0"/>
+            </a:endParaRPr>
+          </a:p>
+          <a:p>
+            <a:pPr marL="285750" indent="-285750">
+              <a:buFont typeface="Arial" panose="020B0604020202020204" pitchFamily="34" charset="0"/>
+              <a:buChar char="•"/>
+            </a:pPr>
+            <a:r>
+              <a:rPr lang="ja-JP" altLang="en-US" sz="1400" dirty="0">
+                <a:highlight>
+                  <a:srgbClr val="FFFFFF"/>
+                </a:highlight>
+                <a:latin typeface="Consolas" panose="020B0609020204030204" pitchFamily="49" charset="0"/>
+              </a:rPr>
+              <a:t>プロセスプールを使ってマルチプロセスを作ってタスクに割り当てる</a:t>
+            </a:r>
+            <a:endParaRPr lang="en-US" altLang="ja-JP" sz="1400" dirty="0">
+              <a:highlight>
+                <a:srgbClr val="FFFFFF"/>
+              </a:highlight>
+              <a:latin typeface="Consolas" panose="020B0609020204030204" pitchFamily="49" charset="0"/>
+            </a:endParaRPr>
+          </a:p>
+          <a:p>
+            <a:pPr marL="285750" indent="-285750">
+              <a:buFont typeface="Arial" panose="020B0604020202020204" pitchFamily="34" charset="0"/>
+              <a:buChar char="•"/>
+            </a:pPr>
+            <a:r>
+              <a:rPr lang="ja-JP" altLang="en-US" sz="1400" dirty="0">
+                <a:highlight>
+                  <a:srgbClr val="FFFFFF"/>
+                </a:highlight>
+                <a:latin typeface="Consolas" panose="020B0609020204030204" pitchFamily="49" charset="0"/>
+              </a:rPr>
+              <a:t>計算処理などの</a:t>
+            </a:r>
+            <a:r>
+              <a:rPr lang="en-US" altLang="ja-JP" sz="1400" dirty="0">
+                <a:highlight>
+                  <a:srgbClr val="FFFFFF"/>
+                </a:highlight>
+                <a:latin typeface="Consolas" panose="020B0609020204030204" pitchFamily="49" charset="0"/>
+              </a:rPr>
+              <a:t>CPU</a:t>
+            </a:r>
+            <a:r>
+              <a:rPr lang="ja-JP" altLang="en-US" sz="1400" dirty="0">
+                <a:highlight>
+                  <a:srgbClr val="FFFFFF"/>
+                </a:highlight>
+                <a:latin typeface="Consolas" panose="020B0609020204030204" pitchFamily="49" charset="0"/>
+              </a:rPr>
+              <a:t>に負担にかかる作業に適する</a:t>
+            </a:r>
+            <a:endParaRPr lang="en-US" altLang="ja-JP" sz="1400" dirty="0">
+              <a:highlight>
+                <a:srgbClr val="FFFFFF"/>
+              </a:highlight>
+              <a:latin typeface="Consolas" panose="020B0609020204030204" pitchFamily="49" charset="0"/>
+            </a:endParaRPr>
+          </a:p>
+          <a:p>
+            <a:pPr marL="285750" indent="-285750">
+              <a:buFont typeface="Arial" panose="020B0604020202020204" pitchFamily="34" charset="0"/>
+              <a:buChar char="•"/>
+            </a:pPr>
+            <a:r>
+              <a:rPr lang="ja-JP" altLang="en-US" sz="1400" dirty="0">
+                <a:highlight>
+                  <a:srgbClr val="FFFFFF"/>
+                </a:highlight>
+                <a:latin typeface="Consolas" panose="020B0609020204030204" pitchFamily="49" charset="0"/>
+              </a:rPr>
+              <a:t>プロセスプールのプロセス数を指定できる</a:t>
+            </a:r>
+            <a:endParaRPr lang="en-US" altLang="ja-JP" sz="1400" dirty="0">
+              <a:highlight>
+                <a:srgbClr val="FFFFFF"/>
+              </a:highlight>
+              <a:latin typeface="Consolas" panose="020B0609020204030204" pitchFamily="49" charset="0"/>
+            </a:endParaRPr>
+          </a:p>
+          <a:p>
+            <a:pPr marL="285750" indent="-285750">
+              <a:buFont typeface="Arial" panose="020B0604020202020204" pitchFamily="34" charset="0"/>
+              <a:buChar char="•"/>
+            </a:pPr>
+            <a:endParaRPr lang="en-US" altLang="ja-JP" sz="1400" dirty="0">
+              <a:highlight>
+                <a:srgbClr val="FFFFFF"/>
+              </a:highlight>
+              <a:latin typeface="Consolas" panose="020B0609020204030204" pitchFamily="49" charset="0"/>
+            </a:endParaRPr>
+          </a:p>
+          <a:p>
+            <a:pPr marL="285750" indent="-285750">
+              <a:buFont typeface="Arial" panose="020B0604020202020204" pitchFamily="34" charset="0"/>
+              <a:buChar char="•"/>
+            </a:pPr>
+            <a:endParaRPr lang="en-US" altLang="ja-JP" sz="1400" dirty="0">
+              <a:highlight>
+                <a:srgbClr val="FFFFFF"/>
+              </a:highlight>
+              <a:latin typeface="Consolas" panose="020B0609020204030204" pitchFamily="49" charset="0"/>
+            </a:endParaRPr>
+          </a:p>
+          <a:p>
+            <a:r>
+              <a:rPr lang="en-US" altLang="zh-CN" sz="1200" b="0" dirty="0">
+                <a:solidFill>
+                  <a:srgbClr val="008000"/>
+                </a:solidFill>
+                <a:effectLst/>
+                <a:highlight>
+                  <a:srgbClr val="FFFFFF"/>
+                </a:highlight>
+                <a:latin typeface="Consolas" panose="020B0609020204030204" pitchFamily="49" charset="0"/>
+              </a:rPr>
+              <a:t># </a:t>
+            </a:r>
+            <a:r>
+              <a:rPr lang="ja-JP" altLang="en-US" sz="1200" b="0" dirty="0">
+                <a:solidFill>
+                  <a:srgbClr val="008000"/>
+                </a:solidFill>
+                <a:effectLst/>
+                <a:highlight>
+                  <a:srgbClr val="FFFFFF"/>
+                </a:highlight>
+                <a:latin typeface="Consolas" panose="020B0609020204030204" pitchFamily="49" charset="0"/>
+              </a:rPr>
+              <a:t>引数　</a:t>
+            </a:r>
+            <a:r>
+              <a:rPr lang="en-US" altLang="ja-JP" sz="1200" b="0" dirty="0" err="1">
+                <a:solidFill>
+                  <a:srgbClr val="008000"/>
+                </a:solidFill>
+                <a:effectLst/>
+                <a:highlight>
+                  <a:srgbClr val="FFFFFF"/>
+                </a:highlight>
+                <a:latin typeface="Consolas" panose="020B0609020204030204" pitchFamily="49" charset="0"/>
+              </a:rPr>
+              <a:t>max_workers</a:t>
+            </a:r>
+            <a:r>
+              <a:rPr lang="en-US" altLang="ja-JP" sz="1200" b="0" dirty="0">
+                <a:solidFill>
+                  <a:srgbClr val="008000"/>
+                </a:solidFill>
+                <a:effectLst/>
+                <a:highlight>
+                  <a:srgbClr val="FFFFFF"/>
+                </a:highlight>
+                <a:latin typeface="Consolas" panose="020B0609020204030204" pitchFamily="49" charset="0"/>
+              </a:rPr>
+              <a:t> </a:t>
+            </a:r>
+            <a:r>
+              <a:rPr lang="ja-JP" altLang="en-US" sz="1200" b="0" dirty="0">
+                <a:solidFill>
+                  <a:srgbClr val="008000"/>
+                </a:solidFill>
+                <a:effectLst/>
+                <a:highlight>
+                  <a:srgbClr val="FFFFFF"/>
+                </a:highlight>
+                <a:latin typeface="Consolas" panose="020B0609020204030204" pitchFamily="49" charset="0"/>
+              </a:rPr>
+              <a:t>　デフォルト：</a:t>
+            </a:r>
+            <a:r>
+              <a:rPr lang="en-US" altLang="ja-JP" sz="1200" b="0" dirty="0">
+                <a:solidFill>
+                  <a:srgbClr val="008000"/>
+                </a:solidFill>
+                <a:effectLst/>
+                <a:highlight>
+                  <a:srgbClr val="FFFFFF"/>
+                </a:highlight>
+                <a:latin typeface="Consolas" panose="020B0609020204030204" pitchFamily="49" charset="0"/>
+              </a:rPr>
+              <a:t>None</a:t>
+            </a:r>
+            <a:endParaRPr lang="en-US" altLang="zh-CN" sz="1200" dirty="0">
+              <a:highlight>
+                <a:srgbClr val="FFFFFF"/>
+              </a:highlight>
+              <a:latin typeface="Consolas" panose="020B0609020204030204" pitchFamily="49" charset="0"/>
+            </a:endParaRPr>
+          </a:p>
+          <a:p>
+            <a:r>
+              <a:rPr lang="en-US" altLang="zh-CN" sz="1200" dirty="0">
+                <a:solidFill>
+                  <a:srgbClr val="008000"/>
+                </a:solidFill>
+                <a:highlight>
+                  <a:srgbClr val="FFFFFF"/>
+                </a:highlight>
+                <a:latin typeface="Consolas" panose="020B0609020204030204" pitchFamily="49" charset="0"/>
+              </a:rPr>
+              <a:t># </a:t>
+            </a:r>
+            <a:r>
+              <a:rPr lang="en-US" altLang="zh-CN" sz="1200" dirty="0" err="1">
+                <a:solidFill>
+                  <a:srgbClr val="008000"/>
+                </a:solidFill>
+                <a:highlight>
+                  <a:srgbClr val="FFFFFF"/>
+                </a:highlight>
+                <a:latin typeface="Consolas" panose="020B0609020204030204" pitchFamily="49" charset="0"/>
+              </a:rPr>
+              <a:t>max_workers</a:t>
+            </a:r>
+            <a:r>
+              <a:rPr lang="en-US" altLang="zh-CN" sz="1200" dirty="0">
+                <a:solidFill>
+                  <a:srgbClr val="008000"/>
+                </a:solidFill>
+                <a:highlight>
+                  <a:srgbClr val="FFFFFF"/>
+                </a:highlight>
+                <a:latin typeface="Consolas" panose="020B0609020204030204" pitchFamily="49" charset="0"/>
+              </a:rPr>
+              <a:t>: int | None = None</a:t>
+            </a:r>
+          </a:p>
+          <a:p>
+            <a:endParaRPr lang="en-US" altLang="zh-CN" sz="1200" dirty="0">
+              <a:solidFill>
+                <a:srgbClr val="008000"/>
+              </a:solidFill>
+              <a:highlight>
+                <a:srgbClr val="FFFFFF"/>
+              </a:highlight>
+              <a:latin typeface="Consolas" panose="020B0609020204030204" pitchFamily="49" charset="0"/>
+            </a:endParaRPr>
+          </a:p>
+          <a:p>
+            <a:r>
+              <a:rPr lang="en-US" altLang="zh-CN" sz="1200" dirty="0">
+                <a:solidFill>
+                  <a:srgbClr val="008000"/>
+                </a:solidFill>
+                <a:highlight>
+                  <a:srgbClr val="FFFFFF"/>
+                </a:highlight>
+                <a:latin typeface="Consolas" panose="020B0609020204030204" pitchFamily="49" charset="0"/>
+              </a:rPr>
+              <a:t># </a:t>
+            </a:r>
+            <a:r>
+              <a:rPr lang="ja-JP" altLang="en-US" sz="1200" dirty="0">
+                <a:solidFill>
+                  <a:srgbClr val="008000"/>
+                </a:solidFill>
+                <a:highlight>
+                  <a:srgbClr val="FFFFFF"/>
+                </a:highlight>
+                <a:latin typeface="Consolas" panose="020B0609020204030204" pitchFamily="49" charset="0"/>
+              </a:rPr>
+              <a:t>指定されたする</a:t>
+            </a:r>
+            <a:endParaRPr lang="en-US" altLang="zh-CN" sz="1200" dirty="0">
+              <a:solidFill>
+                <a:srgbClr val="008000"/>
+              </a:solidFill>
+              <a:highlight>
+                <a:srgbClr val="FFFFFF"/>
+              </a:highlight>
+              <a:latin typeface="Consolas" panose="020B0609020204030204" pitchFamily="49" charset="0"/>
+            </a:endParaRPr>
+          </a:p>
+          <a:p>
+            <a:r>
+              <a:rPr lang="en-US" altLang="zh-CN" sz="1200" b="0" dirty="0">
+                <a:solidFill>
+                  <a:srgbClr val="008000"/>
+                </a:solidFill>
+                <a:effectLst/>
+                <a:highlight>
+                  <a:srgbClr val="FFFFFF"/>
+                </a:highlight>
+                <a:latin typeface="Consolas" panose="020B0609020204030204" pitchFamily="49" charset="0"/>
+              </a:rPr>
+              <a:t># </a:t>
+            </a:r>
+            <a:r>
+              <a:rPr lang="ja-JP" altLang="en-US" sz="1200" b="0" dirty="0">
+                <a:solidFill>
+                  <a:srgbClr val="008000"/>
+                </a:solidFill>
+                <a:effectLst/>
+                <a:highlight>
+                  <a:srgbClr val="FFFFFF"/>
+                </a:highlight>
+                <a:latin typeface="Consolas" panose="020B0609020204030204" pitchFamily="49" charset="0"/>
+              </a:rPr>
+              <a:t>プロセス数は３</a:t>
+            </a:r>
+            <a:endParaRPr lang="en-US" altLang="zh-CN" sz="1200" dirty="0">
+              <a:solidFill>
+                <a:srgbClr val="008000"/>
+              </a:solidFill>
+              <a:highlight>
+                <a:srgbClr val="FFFFFF"/>
+              </a:highlight>
+              <a:latin typeface="Consolas" panose="020B0609020204030204" pitchFamily="49" charset="0"/>
+            </a:endParaRPr>
+          </a:p>
+          <a:p>
+            <a:r>
+              <a:rPr lang="en-US" altLang="zh-CN" sz="1200" b="0" dirty="0">
+                <a:solidFill>
+                  <a:srgbClr val="001080"/>
+                </a:solidFill>
+                <a:effectLst/>
+                <a:highlight>
+                  <a:srgbClr val="FFFFFF"/>
+                </a:highlight>
+                <a:latin typeface="Consolas" panose="020B0609020204030204" pitchFamily="49" charset="0"/>
+              </a:rPr>
+              <a:t>executor_1</a:t>
+            </a:r>
+            <a:r>
+              <a:rPr lang="en-US" altLang="zh-CN" sz="1200" b="0" dirty="0">
+                <a:solidFill>
+                  <a:srgbClr val="3B3B3B"/>
+                </a:solidFill>
+                <a:effectLst/>
+                <a:highlight>
+                  <a:srgbClr val="FFFFFF"/>
+                </a:highlight>
+                <a:latin typeface="Consolas" panose="020B0609020204030204" pitchFamily="49" charset="0"/>
+              </a:rPr>
+              <a:t> </a:t>
+            </a:r>
+            <a:r>
+              <a:rPr lang="en-US" altLang="zh-CN" sz="1200" b="0" dirty="0">
+                <a:solidFill>
+                  <a:srgbClr val="000000"/>
+                </a:solidFill>
+                <a:effectLst/>
+                <a:highlight>
+                  <a:srgbClr val="FFFFFF"/>
+                </a:highlight>
+                <a:latin typeface="Consolas" panose="020B0609020204030204" pitchFamily="49" charset="0"/>
+              </a:rPr>
+              <a:t>=</a:t>
+            </a:r>
+            <a:r>
+              <a:rPr lang="en-US" altLang="zh-CN" sz="1200" b="0" dirty="0">
+                <a:solidFill>
+                  <a:srgbClr val="3B3B3B"/>
+                </a:solidFill>
+                <a:effectLst/>
+                <a:highlight>
+                  <a:srgbClr val="FFFFFF"/>
+                </a:highlight>
+                <a:latin typeface="Consolas" panose="020B0609020204030204" pitchFamily="49" charset="0"/>
+              </a:rPr>
+              <a:t> </a:t>
+            </a:r>
+            <a:r>
+              <a:rPr lang="en-US" altLang="zh-CN" sz="1200" b="0" dirty="0" err="1">
+                <a:solidFill>
+                  <a:srgbClr val="267F99"/>
+                </a:solidFill>
+                <a:effectLst/>
+                <a:highlight>
+                  <a:srgbClr val="FFFFFF"/>
+                </a:highlight>
+                <a:latin typeface="Consolas" panose="020B0609020204030204" pitchFamily="49" charset="0"/>
+              </a:rPr>
+              <a:t>ProcessPoolExecutor</a:t>
+            </a:r>
+            <a:r>
+              <a:rPr lang="en-US" altLang="zh-CN" sz="1200" b="0" dirty="0">
+                <a:solidFill>
+                  <a:srgbClr val="3B3B3B"/>
+                </a:solidFill>
+                <a:effectLst/>
+                <a:highlight>
+                  <a:srgbClr val="FFFFFF"/>
+                </a:highlight>
+                <a:latin typeface="Consolas" panose="020B0609020204030204" pitchFamily="49" charset="0"/>
+              </a:rPr>
+              <a:t>(</a:t>
+            </a:r>
+            <a:r>
+              <a:rPr lang="en-US" altLang="zh-CN" sz="1200" b="0" dirty="0" err="1">
+                <a:solidFill>
+                  <a:srgbClr val="001080"/>
+                </a:solidFill>
+                <a:effectLst/>
+                <a:highlight>
+                  <a:srgbClr val="FFFFFF"/>
+                </a:highlight>
+                <a:latin typeface="Consolas" panose="020B0609020204030204" pitchFamily="49" charset="0"/>
+              </a:rPr>
+              <a:t>max_workers</a:t>
+            </a:r>
+            <a:r>
+              <a:rPr lang="en-US" altLang="zh-CN" sz="1200" b="0" dirty="0">
+                <a:solidFill>
+                  <a:srgbClr val="000000"/>
+                </a:solidFill>
+                <a:effectLst/>
+                <a:highlight>
+                  <a:srgbClr val="FFFFFF"/>
+                </a:highlight>
+                <a:latin typeface="Consolas" panose="020B0609020204030204" pitchFamily="49" charset="0"/>
+              </a:rPr>
+              <a:t>=</a:t>
+            </a:r>
+            <a:r>
+              <a:rPr lang="en-US" altLang="zh-CN" sz="1200" b="0" dirty="0">
+                <a:solidFill>
+                  <a:srgbClr val="098658"/>
+                </a:solidFill>
+                <a:effectLst/>
+                <a:highlight>
+                  <a:srgbClr val="FFFFFF"/>
+                </a:highlight>
+                <a:latin typeface="Consolas" panose="020B0609020204030204" pitchFamily="49" charset="0"/>
+              </a:rPr>
+              <a:t>3</a:t>
+            </a:r>
+            <a:r>
+              <a:rPr lang="en-US" altLang="zh-CN" sz="1200" b="0" dirty="0">
+                <a:solidFill>
+                  <a:srgbClr val="3B3B3B"/>
+                </a:solidFill>
+                <a:effectLst/>
+                <a:highlight>
+                  <a:srgbClr val="FFFFFF"/>
+                </a:highlight>
+                <a:latin typeface="Consolas" panose="020B0609020204030204" pitchFamily="49" charset="0"/>
+              </a:rPr>
+              <a:t>)</a:t>
+            </a:r>
+          </a:p>
+          <a:p>
+            <a:endParaRPr lang="en-US" altLang="zh-CN" sz="1200" dirty="0">
+              <a:solidFill>
+                <a:srgbClr val="3B3B3B"/>
+              </a:solidFill>
+              <a:highlight>
+                <a:srgbClr val="FFFFFF"/>
+              </a:highlight>
+              <a:latin typeface="Consolas" panose="020B0609020204030204" pitchFamily="49" charset="0"/>
+            </a:endParaRPr>
+          </a:p>
+          <a:p>
+            <a:r>
+              <a:rPr lang="en-US" altLang="zh-CN" sz="1200" dirty="0">
+                <a:solidFill>
+                  <a:srgbClr val="008000"/>
+                </a:solidFill>
+                <a:highlight>
+                  <a:srgbClr val="FFFFFF"/>
+                </a:highlight>
+                <a:latin typeface="Consolas" panose="020B0609020204030204" pitchFamily="49" charset="0"/>
+              </a:rPr>
+              <a:t>#</a:t>
+            </a:r>
+            <a:r>
+              <a:rPr lang="en-US" altLang="zh-CN" sz="1200" dirty="0">
+                <a:solidFill>
+                  <a:srgbClr val="3B3B3B"/>
+                </a:solidFill>
+                <a:highlight>
+                  <a:srgbClr val="FFFFFF"/>
+                </a:highlight>
+                <a:latin typeface="Consolas" panose="020B0609020204030204" pitchFamily="49" charset="0"/>
+              </a:rPr>
+              <a:t> </a:t>
+            </a:r>
+            <a:r>
+              <a:rPr lang="ja-JP" altLang="en-US" sz="1200" dirty="0">
+                <a:solidFill>
+                  <a:srgbClr val="008000"/>
+                </a:solidFill>
+                <a:highlight>
+                  <a:srgbClr val="FFFFFF"/>
+                </a:highlight>
+                <a:latin typeface="Consolas" panose="020B0609020204030204" pitchFamily="49" charset="0"/>
+              </a:rPr>
+              <a:t>指定しない</a:t>
+            </a:r>
+            <a:endParaRPr lang="en-US" altLang="zh-CN" sz="1200" dirty="0">
+              <a:solidFill>
+                <a:srgbClr val="008000"/>
+              </a:solidFill>
+              <a:highlight>
+                <a:srgbClr val="FFFFFF"/>
+              </a:highlight>
+              <a:latin typeface="Consolas" panose="020B0609020204030204" pitchFamily="49" charset="0"/>
+            </a:endParaRPr>
+          </a:p>
+          <a:p>
+            <a:r>
+              <a:rPr lang="en-US" altLang="zh-CN" sz="1200" b="0" dirty="0">
+                <a:solidFill>
+                  <a:srgbClr val="008000"/>
+                </a:solidFill>
+                <a:effectLst/>
+                <a:highlight>
+                  <a:srgbClr val="FFFFFF"/>
+                </a:highlight>
+                <a:latin typeface="Consolas" panose="020B0609020204030204" pitchFamily="49" charset="0"/>
+              </a:rPr>
+              <a:t>#</a:t>
+            </a:r>
+            <a:r>
+              <a:rPr lang="ja-JP" altLang="en-US" sz="1200" dirty="0">
+                <a:solidFill>
+                  <a:srgbClr val="3B3B3B"/>
+                </a:solidFill>
+                <a:highlight>
+                  <a:srgbClr val="FFFFFF"/>
+                </a:highlight>
+                <a:latin typeface="Consolas" panose="020B0609020204030204" pitchFamily="49" charset="0"/>
+              </a:rPr>
+              <a:t>　</a:t>
+            </a:r>
+            <a:r>
+              <a:rPr lang="ja-JP" altLang="en-US" sz="1200" dirty="0">
+                <a:solidFill>
+                  <a:srgbClr val="008000"/>
+                </a:solidFill>
+                <a:highlight>
+                  <a:srgbClr val="FFFFFF"/>
+                </a:highlight>
+                <a:latin typeface="Consolas" panose="020B0609020204030204" pitchFamily="49" charset="0"/>
+              </a:rPr>
+              <a:t>プロセス数は </a:t>
+            </a:r>
+            <a:r>
+              <a:rPr lang="en-US" altLang="ja-JP" sz="1200" dirty="0">
+                <a:solidFill>
+                  <a:srgbClr val="008000"/>
+                </a:solidFill>
+                <a:highlight>
+                  <a:srgbClr val="FFFFFF"/>
+                </a:highlight>
+                <a:latin typeface="Consolas" panose="020B0609020204030204" pitchFamily="49" charset="0"/>
+              </a:rPr>
+              <a:t>CPU</a:t>
+            </a:r>
+            <a:r>
+              <a:rPr lang="ja-JP" altLang="en-US" sz="1200" dirty="0">
+                <a:solidFill>
+                  <a:srgbClr val="008000"/>
+                </a:solidFill>
+                <a:highlight>
+                  <a:srgbClr val="FFFFFF"/>
+                </a:highlight>
+                <a:latin typeface="Consolas" panose="020B0609020204030204" pitchFamily="49" charset="0"/>
+              </a:rPr>
+              <a:t>のプロセッサ数 </a:t>
+            </a:r>
+            <a:endParaRPr lang="en-US" altLang="zh-CN" sz="1200" b="0" dirty="0">
+              <a:solidFill>
+                <a:srgbClr val="3B3B3B"/>
+              </a:solidFill>
+              <a:effectLst/>
+              <a:highlight>
+                <a:srgbClr val="FFFFFF"/>
+              </a:highlight>
+              <a:latin typeface="Consolas" panose="020B0609020204030204" pitchFamily="49" charset="0"/>
+            </a:endParaRPr>
+          </a:p>
+          <a:p>
+            <a:r>
+              <a:rPr lang="en-US" altLang="zh-CN" sz="1200" b="0" dirty="0">
+                <a:solidFill>
+                  <a:srgbClr val="001080"/>
+                </a:solidFill>
+                <a:effectLst/>
+                <a:highlight>
+                  <a:srgbClr val="FFFFFF"/>
+                </a:highlight>
+                <a:latin typeface="Consolas" panose="020B0609020204030204" pitchFamily="49" charset="0"/>
+              </a:rPr>
+              <a:t>executor_2</a:t>
+            </a:r>
+            <a:r>
+              <a:rPr lang="en-US" altLang="zh-CN" sz="1200" b="0" dirty="0">
+                <a:solidFill>
+                  <a:srgbClr val="3B3B3B"/>
+                </a:solidFill>
+                <a:effectLst/>
+                <a:highlight>
+                  <a:srgbClr val="FFFFFF"/>
+                </a:highlight>
+                <a:latin typeface="Consolas" panose="020B0609020204030204" pitchFamily="49" charset="0"/>
+              </a:rPr>
+              <a:t> </a:t>
+            </a:r>
+            <a:r>
+              <a:rPr lang="en-US" altLang="zh-CN" sz="1200" b="0" dirty="0">
+                <a:solidFill>
+                  <a:srgbClr val="000000"/>
+                </a:solidFill>
+                <a:effectLst/>
+                <a:highlight>
+                  <a:srgbClr val="FFFFFF"/>
+                </a:highlight>
+                <a:latin typeface="Consolas" panose="020B0609020204030204" pitchFamily="49" charset="0"/>
+              </a:rPr>
+              <a:t>=</a:t>
+            </a:r>
+            <a:r>
+              <a:rPr lang="en-US" altLang="zh-CN" sz="1200" b="0" dirty="0">
+                <a:solidFill>
+                  <a:srgbClr val="3B3B3B"/>
+                </a:solidFill>
+                <a:effectLst/>
+                <a:highlight>
+                  <a:srgbClr val="FFFFFF"/>
+                </a:highlight>
+                <a:latin typeface="Consolas" panose="020B0609020204030204" pitchFamily="49" charset="0"/>
+              </a:rPr>
+              <a:t> </a:t>
+            </a:r>
+            <a:r>
+              <a:rPr lang="en-US" altLang="zh-CN" sz="1200" b="0" dirty="0" err="1">
+                <a:solidFill>
+                  <a:srgbClr val="267F99"/>
+                </a:solidFill>
+                <a:effectLst/>
+                <a:highlight>
+                  <a:srgbClr val="FFFFFF"/>
+                </a:highlight>
+                <a:latin typeface="Consolas" panose="020B0609020204030204" pitchFamily="49" charset="0"/>
+              </a:rPr>
+              <a:t>ProcessPoolExecutor</a:t>
+            </a:r>
+            <a:r>
+              <a:rPr lang="en-US" altLang="zh-CN" sz="1200" b="0" dirty="0">
+                <a:solidFill>
+                  <a:srgbClr val="3B3B3B"/>
+                </a:solidFill>
+                <a:effectLst/>
+                <a:highlight>
+                  <a:srgbClr val="FFFFFF"/>
+                </a:highlight>
+                <a:latin typeface="Consolas" panose="020B0609020204030204" pitchFamily="49" charset="0"/>
+              </a:rPr>
+              <a:t>()</a:t>
+            </a:r>
+          </a:p>
+          <a:p>
+            <a:pPr marL="285750" indent="-285750">
+              <a:buFont typeface="Arial" panose="020B0604020202020204" pitchFamily="34" charset="0"/>
+              <a:buChar char="•"/>
+            </a:pPr>
+            <a:endParaRPr lang="en-US" altLang="ja-JP" sz="1800" dirty="0">
+              <a:highlight>
+                <a:srgbClr val="FFFFFF"/>
+              </a:highlight>
+              <a:latin typeface="Consolas" panose="020B0609020204030204" pitchFamily="49" charset="0"/>
+            </a:endParaRPr>
+          </a:p>
+          <a:p>
+            <a:pPr marL="285750" indent="-285750">
+              <a:buFont typeface="Arial" panose="020B0604020202020204" pitchFamily="34" charset="0"/>
+              <a:buChar char="•"/>
+            </a:pPr>
+            <a:endParaRPr lang="zh-CN" altLang="en-US" dirty="0"/>
+          </a:p>
+        </p:txBody>
+      </p:sp>
+      <p:cxnSp>
+        <p:nvCxnSpPr>
+          <p:cNvPr id="19" name="直接连接符 18">
+            <a:extLst>
+              <a:ext uri="{FF2B5EF4-FFF2-40B4-BE49-F238E27FC236}">
+                <a16:creationId xmlns:a16="http://schemas.microsoft.com/office/drawing/2014/main" id="{F661CC57-3A08-ED4A-05EC-DED17CD1CC51}"/>
+              </a:ext>
+            </a:extLst>
+          </p:cNvPr>
+          <p:cNvCxnSpPr>
+            <a:cxnSpLocks/>
+          </p:cNvCxnSpPr>
+          <p:nvPr/>
+        </p:nvCxnSpPr>
+        <p:spPr>
+          <a:xfrm>
+            <a:off x="5548184" y="1330748"/>
+            <a:ext cx="0" cy="3847207"/>
+          </a:xfrm>
+          <a:prstGeom prst="line">
+            <a:avLst/>
+          </a:prstGeom>
+          <a:ln w="28575">
+            <a:prstDash val="sysDash"/>
+          </a:ln>
+        </p:spPr>
+        <p:style>
+          <a:lnRef idx="1">
+            <a:schemeClr val="accent1"/>
+          </a:lnRef>
+          <a:fillRef idx="0">
+            <a:schemeClr val="accent1"/>
+          </a:fillRef>
+          <a:effectRef idx="0">
+            <a:schemeClr val="accent1"/>
+          </a:effectRef>
+          <a:fontRef idx="minor">
+            <a:schemeClr val="tx1"/>
+          </a:fontRef>
+        </p:style>
+      </p:cxnSp>
+      <p:sp>
+        <p:nvSpPr>
+          <p:cNvPr id="22" name="文本框 21">
+            <a:extLst>
+              <a:ext uri="{FF2B5EF4-FFF2-40B4-BE49-F238E27FC236}">
+                <a16:creationId xmlns:a16="http://schemas.microsoft.com/office/drawing/2014/main" id="{518B04FB-5136-E4F4-3AEE-B727A0923D1B}"/>
+              </a:ext>
+            </a:extLst>
+          </p:cNvPr>
+          <p:cNvSpPr txBox="1"/>
+          <p:nvPr/>
+        </p:nvSpPr>
+        <p:spPr>
+          <a:xfrm>
+            <a:off x="4167254" y="5622598"/>
+            <a:ext cx="3334558" cy="1015663"/>
+          </a:xfrm>
+          <a:prstGeom prst="rect">
+            <a:avLst/>
+          </a:prstGeom>
+          <a:noFill/>
+        </p:spPr>
+        <p:txBody>
+          <a:bodyPr wrap="square">
+            <a:spAutoFit/>
+          </a:bodyPr>
+          <a:lstStyle/>
+          <a:p>
+            <a:r>
+              <a:rPr lang="en-US" altLang="zh-CN" sz="1200" b="0" dirty="0">
+                <a:solidFill>
+                  <a:srgbClr val="008000"/>
+                </a:solidFill>
+                <a:effectLst/>
+                <a:highlight>
+                  <a:srgbClr val="FFFFFF"/>
+                </a:highlight>
+                <a:latin typeface="Consolas" panose="020B0609020204030204" pitchFamily="49" charset="0"/>
+              </a:rPr>
+              <a:t>#</a:t>
+            </a:r>
+            <a:r>
+              <a:rPr lang="ja-JP" altLang="en-US" sz="1200" dirty="0">
+                <a:solidFill>
+                  <a:srgbClr val="3B3B3B"/>
+                </a:solidFill>
+                <a:highlight>
+                  <a:srgbClr val="FFFFFF"/>
+                </a:highlight>
+                <a:latin typeface="Consolas" panose="020B0609020204030204" pitchFamily="49" charset="0"/>
+              </a:rPr>
+              <a:t>　</a:t>
+            </a:r>
+            <a:r>
+              <a:rPr lang="en-US" altLang="ja-JP" sz="1200" dirty="0">
+                <a:solidFill>
+                  <a:srgbClr val="008000"/>
+                </a:solidFill>
+                <a:highlight>
+                  <a:srgbClr val="FFFFFF"/>
+                </a:highlight>
+                <a:latin typeface="Consolas" panose="020B0609020204030204" pitchFamily="49" charset="0"/>
+              </a:rPr>
+              <a:t>CPU</a:t>
+            </a:r>
+            <a:r>
+              <a:rPr lang="ja-JP" altLang="en-US" sz="1200" dirty="0">
+                <a:solidFill>
+                  <a:srgbClr val="008000"/>
+                </a:solidFill>
+                <a:highlight>
+                  <a:srgbClr val="FFFFFF"/>
+                </a:highlight>
+                <a:latin typeface="Consolas" panose="020B0609020204030204" pitchFamily="49" charset="0"/>
+              </a:rPr>
+              <a:t>のプロセッサ数を確認</a:t>
+            </a:r>
+            <a:endParaRPr lang="en-US" altLang="ja-JP" sz="1200" dirty="0">
+              <a:solidFill>
+                <a:srgbClr val="008000"/>
+              </a:solidFill>
+              <a:highlight>
+                <a:srgbClr val="FFFFFF"/>
+              </a:highlight>
+              <a:latin typeface="Consolas" panose="020B0609020204030204" pitchFamily="49" charset="0"/>
+            </a:endParaRPr>
+          </a:p>
+          <a:p>
+            <a:r>
+              <a:rPr lang="en-US" altLang="zh-CN" sz="1200" b="0" dirty="0" err="1">
+                <a:solidFill>
+                  <a:srgbClr val="001080"/>
+                </a:solidFill>
+                <a:effectLst/>
+                <a:highlight>
+                  <a:srgbClr val="FFFFFF"/>
+                </a:highlight>
+                <a:latin typeface="Consolas" panose="020B0609020204030204" pitchFamily="49" charset="0"/>
+              </a:rPr>
+              <a:t>cpu_count</a:t>
+            </a:r>
+            <a:r>
+              <a:rPr lang="en-US" altLang="zh-CN" sz="1200" b="0" dirty="0">
+                <a:solidFill>
+                  <a:srgbClr val="3B3B3B"/>
+                </a:solidFill>
+                <a:effectLst/>
+                <a:highlight>
+                  <a:srgbClr val="FFFFFF"/>
+                </a:highlight>
+                <a:latin typeface="Consolas" panose="020B0609020204030204" pitchFamily="49" charset="0"/>
+              </a:rPr>
+              <a:t> </a:t>
+            </a:r>
+            <a:r>
+              <a:rPr lang="en-US" altLang="zh-CN" sz="1200" b="0" dirty="0">
+                <a:solidFill>
+                  <a:srgbClr val="000000"/>
+                </a:solidFill>
+                <a:effectLst/>
+                <a:highlight>
+                  <a:srgbClr val="FFFFFF"/>
+                </a:highlight>
+                <a:latin typeface="Consolas" panose="020B0609020204030204" pitchFamily="49" charset="0"/>
+              </a:rPr>
+              <a:t>=</a:t>
+            </a:r>
+            <a:r>
+              <a:rPr lang="en-US" altLang="zh-CN" sz="1200" b="0" dirty="0">
+                <a:solidFill>
+                  <a:srgbClr val="3B3B3B"/>
+                </a:solidFill>
+                <a:effectLst/>
+                <a:highlight>
+                  <a:srgbClr val="FFFFFF"/>
+                </a:highlight>
+                <a:latin typeface="Consolas" panose="020B0609020204030204" pitchFamily="49" charset="0"/>
+              </a:rPr>
+              <a:t> </a:t>
+            </a:r>
+            <a:r>
+              <a:rPr lang="en-US" altLang="zh-CN" sz="1200" b="0" dirty="0" err="1">
+                <a:solidFill>
+                  <a:srgbClr val="267F99"/>
+                </a:solidFill>
+                <a:effectLst/>
+                <a:highlight>
+                  <a:srgbClr val="FFFFFF"/>
+                </a:highlight>
+                <a:latin typeface="Consolas" panose="020B0609020204030204" pitchFamily="49" charset="0"/>
+              </a:rPr>
+              <a:t>os</a:t>
+            </a:r>
+            <a:r>
+              <a:rPr lang="en-US" altLang="zh-CN" sz="1200" b="0" dirty="0" err="1">
+                <a:solidFill>
+                  <a:srgbClr val="3B3B3B"/>
+                </a:solidFill>
+                <a:effectLst/>
+                <a:highlight>
+                  <a:srgbClr val="FFFFFF"/>
+                </a:highlight>
+                <a:latin typeface="Consolas" panose="020B0609020204030204" pitchFamily="49" charset="0"/>
+              </a:rPr>
+              <a:t>.</a:t>
+            </a:r>
+            <a:r>
+              <a:rPr lang="en-US" altLang="zh-CN" sz="1200" b="0" dirty="0" err="1">
+                <a:solidFill>
+                  <a:srgbClr val="795E26"/>
+                </a:solidFill>
+                <a:effectLst/>
+                <a:highlight>
+                  <a:srgbClr val="FFFFFF"/>
+                </a:highlight>
+                <a:latin typeface="Consolas" panose="020B0609020204030204" pitchFamily="49" charset="0"/>
+              </a:rPr>
+              <a:t>cpu_count</a:t>
+            </a:r>
+            <a:r>
+              <a:rPr lang="en-US" altLang="zh-CN" sz="1200" b="0" dirty="0">
+                <a:solidFill>
+                  <a:srgbClr val="3B3B3B"/>
+                </a:solidFill>
+                <a:effectLst/>
+                <a:highlight>
+                  <a:srgbClr val="FFFFFF"/>
+                </a:highlight>
+                <a:latin typeface="Consolas" panose="020B0609020204030204" pitchFamily="49" charset="0"/>
+              </a:rPr>
+              <a:t>()</a:t>
+            </a:r>
+          </a:p>
+          <a:p>
+            <a:r>
+              <a:rPr lang="en-US" altLang="zh-CN" sz="1200" b="0" dirty="0">
+                <a:solidFill>
+                  <a:srgbClr val="795E26"/>
+                </a:solidFill>
+                <a:effectLst/>
+                <a:highlight>
+                  <a:srgbClr val="FFFFFF"/>
+                </a:highlight>
+                <a:latin typeface="Consolas" panose="020B0609020204030204" pitchFamily="49" charset="0"/>
+              </a:rPr>
+              <a:t>print</a:t>
+            </a:r>
+            <a:r>
+              <a:rPr lang="en-US" altLang="zh-CN" sz="1200" b="0" dirty="0">
+                <a:solidFill>
+                  <a:srgbClr val="3B3B3B"/>
+                </a:solidFill>
+                <a:effectLst/>
+                <a:highlight>
+                  <a:srgbClr val="FFFFFF"/>
+                </a:highlight>
+                <a:latin typeface="Consolas" panose="020B0609020204030204" pitchFamily="49" charset="0"/>
+              </a:rPr>
+              <a:t>(</a:t>
+            </a:r>
+            <a:r>
+              <a:rPr lang="en-US" altLang="zh-CN" sz="1200" b="0" dirty="0">
+                <a:solidFill>
+                  <a:srgbClr val="0000FF"/>
+                </a:solidFill>
+                <a:effectLst/>
+                <a:highlight>
+                  <a:srgbClr val="FFFFFF"/>
+                </a:highlight>
+                <a:latin typeface="Consolas" panose="020B0609020204030204" pitchFamily="49" charset="0"/>
+              </a:rPr>
+              <a:t>f</a:t>
+            </a:r>
+            <a:r>
+              <a:rPr lang="en-US" altLang="zh-CN" sz="1200" b="0" dirty="0">
+                <a:solidFill>
+                  <a:srgbClr val="A31515"/>
+                </a:solidFill>
+                <a:effectLst/>
+                <a:highlight>
+                  <a:srgbClr val="FFFFFF"/>
+                </a:highlight>
+                <a:latin typeface="Consolas" panose="020B0609020204030204" pitchFamily="49" charset="0"/>
+              </a:rPr>
+              <a:t>"</a:t>
+            </a:r>
+            <a:r>
+              <a:rPr lang="ja-JP" altLang="en-US" sz="1200" b="0" dirty="0">
+                <a:solidFill>
+                  <a:srgbClr val="A31515"/>
+                </a:solidFill>
+                <a:effectLst/>
+                <a:highlight>
+                  <a:srgbClr val="FFFFFF"/>
+                </a:highlight>
+                <a:latin typeface="Consolas" panose="020B0609020204030204" pitchFamily="49" charset="0"/>
+              </a:rPr>
+              <a:t>プロセッサ</a:t>
+            </a:r>
+            <a:r>
+              <a:rPr lang="zh-CN" altLang="en-US" sz="1200" b="0" dirty="0">
+                <a:solidFill>
+                  <a:srgbClr val="A31515"/>
+                </a:solidFill>
+                <a:effectLst/>
+                <a:highlight>
+                  <a:srgbClr val="FFFFFF"/>
+                </a:highlight>
+                <a:latin typeface="Consolas" panose="020B0609020204030204" pitchFamily="49" charset="0"/>
+              </a:rPr>
+              <a:t>数</a:t>
+            </a:r>
+            <a:r>
+              <a:rPr lang="en-US" altLang="zh-CN" sz="1200" b="0" dirty="0">
+                <a:solidFill>
+                  <a:srgbClr val="A31515"/>
+                </a:solidFill>
+                <a:effectLst/>
+                <a:highlight>
+                  <a:srgbClr val="FFFFFF"/>
+                </a:highlight>
+                <a:latin typeface="Consolas" panose="020B0609020204030204" pitchFamily="49" charset="0"/>
+              </a:rPr>
+              <a:t>: </a:t>
+            </a:r>
+            <a:r>
+              <a:rPr lang="en-US" altLang="zh-CN" sz="1200" b="0" dirty="0">
+                <a:solidFill>
+                  <a:srgbClr val="0000FF"/>
+                </a:solidFill>
+                <a:effectLst/>
+                <a:highlight>
+                  <a:srgbClr val="FFFFFF"/>
+                </a:highlight>
+                <a:latin typeface="Consolas" panose="020B0609020204030204" pitchFamily="49" charset="0"/>
+              </a:rPr>
+              <a:t>{</a:t>
+            </a:r>
+            <a:r>
+              <a:rPr lang="en-US" altLang="zh-CN" sz="1200" b="0" dirty="0" err="1">
+                <a:solidFill>
+                  <a:srgbClr val="001080"/>
+                </a:solidFill>
+                <a:effectLst/>
+                <a:highlight>
+                  <a:srgbClr val="FFFFFF"/>
+                </a:highlight>
+                <a:latin typeface="Consolas" panose="020B0609020204030204" pitchFamily="49" charset="0"/>
+              </a:rPr>
+              <a:t>cpu_count</a:t>
+            </a:r>
+            <a:r>
+              <a:rPr lang="en-US" altLang="zh-CN" sz="1200" b="0" dirty="0">
+                <a:solidFill>
+                  <a:srgbClr val="0000FF"/>
+                </a:solidFill>
+                <a:effectLst/>
+                <a:highlight>
+                  <a:srgbClr val="FFFFFF"/>
+                </a:highlight>
+                <a:latin typeface="Consolas" panose="020B0609020204030204" pitchFamily="49" charset="0"/>
+              </a:rPr>
+              <a:t>}</a:t>
+            </a:r>
+            <a:r>
+              <a:rPr lang="en-US" altLang="zh-CN" sz="1200" b="0" dirty="0">
+                <a:solidFill>
+                  <a:srgbClr val="A31515"/>
+                </a:solidFill>
+                <a:effectLst/>
+                <a:highlight>
+                  <a:srgbClr val="FFFFFF"/>
+                </a:highlight>
+                <a:latin typeface="Consolas" panose="020B0609020204030204" pitchFamily="49" charset="0"/>
+              </a:rPr>
+              <a:t>"</a:t>
+            </a:r>
+            <a:r>
+              <a:rPr lang="en-US" altLang="zh-CN" sz="1200" b="0" dirty="0">
+                <a:solidFill>
+                  <a:srgbClr val="3B3B3B"/>
+                </a:solidFill>
+                <a:effectLst/>
+                <a:highlight>
+                  <a:srgbClr val="FFFFFF"/>
+                </a:highlight>
+                <a:latin typeface="Consolas" panose="020B0609020204030204" pitchFamily="49" charset="0"/>
+              </a:rPr>
+              <a:t>)</a:t>
+            </a:r>
+          </a:p>
+          <a:p>
+            <a:endParaRPr lang="en-US" altLang="zh-CN" sz="1200" dirty="0">
+              <a:solidFill>
+                <a:srgbClr val="3B3B3B"/>
+              </a:solidFill>
+              <a:highlight>
+                <a:srgbClr val="FFFFFF"/>
+              </a:highlight>
+              <a:latin typeface="Consolas" panose="020B0609020204030204" pitchFamily="49" charset="0"/>
+            </a:endParaRPr>
+          </a:p>
+          <a:p>
+            <a:r>
+              <a:rPr lang="en-US" altLang="zh-CN" sz="1200" b="0" dirty="0">
+                <a:solidFill>
+                  <a:srgbClr val="008000"/>
+                </a:solidFill>
+                <a:effectLst/>
+                <a:highlight>
+                  <a:srgbClr val="FFFFFF"/>
+                </a:highlight>
+                <a:latin typeface="Consolas" panose="020B0609020204030204" pitchFamily="49" charset="0"/>
+              </a:rPr>
+              <a:t>#</a:t>
+            </a:r>
+            <a:r>
+              <a:rPr lang="ja-JP" altLang="en-US" sz="1200" b="0" dirty="0">
+                <a:solidFill>
+                  <a:srgbClr val="008000"/>
+                </a:solidFill>
+                <a:effectLst/>
+                <a:highlight>
+                  <a:srgbClr val="FFFFFF"/>
+                </a:highlight>
+                <a:latin typeface="Consolas" panose="020B0609020204030204" pitchFamily="49" charset="0"/>
+              </a:rPr>
+              <a:t>　</a:t>
+            </a:r>
+            <a:r>
+              <a:rPr lang="ja-JP" altLang="en-US" sz="1200" dirty="0">
+                <a:solidFill>
+                  <a:srgbClr val="008000"/>
+                </a:solidFill>
+                <a:highlight>
+                  <a:srgbClr val="FFFFFF"/>
+                </a:highlight>
+                <a:latin typeface="Consolas" panose="020B0609020204030204" pitchFamily="49" charset="0"/>
+              </a:rPr>
+              <a:t>タスクマネージャーでも確認できる</a:t>
+            </a:r>
+          </a:p>
+        </p:txBody>
+      </p:sp>
+    </p:spTree>
+    <p:extLst>
+      <p:ext uri="{BB962C8B-B14F-4D97-AF65-F5344CB8AC3E}">
+        <p14:creationId xmlns:p14="http://schemas.microsoft.com/office/powerpoint/2010/main" val="1854510825"/>
+      </p:ext>
+    </p:extLst>
+  </p:cSld>
+  <p:clrMapOvr>
+    <a:masterClrMapping/>
+  </p:clrMapOvr>
+</p:sld>
+</file>
+
+<file path=ppt/slides/slide7.xml><?xml version="1.0" encoding="utf-8"?>
+<p:sld xmlns:a="http://schemas.openxmlformats.org/drawingml/2006/main" xmlns:r="http://schemas.openxmlformats.org/officeDocument/2006/relationships" xmlns:p="http://schemas.openxmlformats.org/presentationml/2006/main">
+  <p:cSld>
+    <p:spTree>
+      <p:nvGrpSpPr>
+        <p:cNvPr id="1" name=""/>
+        <p:cNvGrpSpPr/>
+        <p:nvPr/>
+      </p:nvGrpSpPr>
+      <p:grpSpPr>
+        <a:xfrm>
+          <a:off x="0" y="0"/>
+          <a:ext cx="0" cy="0"/>
+          <a:chOff x="0" y="0"/>
+          <a:chExt cx="0" cy="0"/>
+        </a:xfrm>
+      </p:grpSpPr>
+      <p:sp>
+        <p:nvSpPr>
+          <p:cNvPr id="4" name="矩形: 圆角 3">
+            <a:extLst>
+              <a:ext uri="{FF2B5EF4-FFF2-40B4-BE49-F238E27FC236}">
+                <a16:creationId xmlns:a16="http://schemas.microsoft.com/office/drawing/2014/main" id="{866A1306-2120-2B30-7A6A-781A28385D6D}"/>
+              </a:ext>
+            </a:extLst>
+          </p:cNvPr>
+          <p:cNvSpPr/>
+          <p:nvPr/>
+        </p:nvSpPr>
+        <p:spPr>
+          <a:xfrm flipV="1">
+            <a:off x="305570" y="523220"/>
+            <a:ext cx="11377352" cy="64193"/>
+          </a:xfrm>
+          <a:prstGeom prst="roundRect">
+            <a:avLst/>
+          </a:prstGeom>
+        </p:spPr>
+        <p:style>
+          <a:lnRef idx="2">
+            <a:schemeClr val="accent1">
+              <a:shade val="50000"/>
+            </a:schemeClr>
+          </a:lnRef>
+          <a:fillRef idx="1">
+            <a:schemeClr val="accent1"/>
+          </a:fillRef>
+          <a:effectRef idx="0">
+            <a:schemeClr val="accent1"/>
+          </a:effectRef>
+          <a:fontRef idx="minor">
+            <a:schemeClr val="lt1"/>
+          </a:fontRef>
+        </p:style>
+        <p:txBody>
+          <a:bodyPr rtlCol="0" anchor="ctr"/>
+          <a:lstStyle/>
+          <a:p>
+            <a:pPr algn="ctr"/>
+            <a:endParaRPr lang="zh-CN" altLang="en-US"/>
+          </a:p>
+        </p:txBody>
+      </p:sp>
+      <p:sp>
+        <p:nvSpPr>
+          <p:cNvPr id="5" name="文本框 4">
+            <a:extLst>
+              <a:ext uri="{FF2B5EF4-FFF2-40B4-BE49-F238E27FC236}">
+                <a16:creationId xmlns:a16="http://schemas.microsoft.com/office/drawing/2014/main" id="{6FF74BA9-D2C8-5CBE-0585-F2F644B9AECB}"/>
+              </a:ext>
+            </a:extLst>
+          </p:cNvPr>
+          <p:cNvSpPr txBox="1"/>
+          <p:nvPr/>
+        </p:nvSpPr>
+        <p:spPr>
+          <a:xfrm>
+            <a:off x="305570" y="0"/>
+            <a:ext cx="5971507" cy="523220"/>
+          </a:xfrm>
+          <a:prstGeom prst="rect">
+            <a:avLst/>
+          </a:prstGeom>
+          <a:noFill/>
+        </p:spPr>
+        <p:txBody>
+          <a:bodyPr wrap="none" rtlCol="0">
+            <a:spAutoFit/>
+          </a:bodyPr>
+          <a:lstStyle/>
+          <a:p>
+            <a:r>
+              <a:rPr lang="en-US" altLang="zh-CN" sz="2800" dirty="0"/>
+              <a:t>Section 54.2: Asynchronous Executors</a:t>
+            </a:r>
+            <a:endParaRPr lang="zh-CN" altLang="en-US" sz="2800" b="1" dirty="0"/>
+          </a:p>
+        </p:txBody>
+      </p:sp>
+      <p:sp>
+        <p:nvSpPr>
+          <p:cNvPr id="2" name="文本框 1">
+            <a:extLst>
+              <a:ext uri="{FF2B5EF4-FFF2-40B4-BE49-F238E27FC236}">
+                <a16:creationId xmlns:a16="http://schemas.microsoft.com/office/drawing/2014/main" id="{C4CF3641-CDF4-A239-94D4-8058C1C254F1}"/>
+              </a:ext>
+            </a:extLst>
+          </p:cNvPr>
+          <p:cNvSpPr txBox="1"/>
+          <p:nvPr/>
+        </p:nvSpPr>
+        <p:spPr>
+          <a:xfrm>
+            <a:off x="4086808" y="1912776"/>
+            <a:ext cx="2156360" cy="369332"/>
+          </a:xfrm>
+          <a:prstGeom prst="rect">
+            <a:avLst/>
+          </a:prstGeom>
+          <a:noFill/>
+        </p:spPr>
+        <p:txBody>
+          <a:bodyPr wrap="none" rtlCol="0">
+            <a:spAutoFit/>
+          </a:bodyPr>
+          <a:lstStyle/>
+          <a:p>
+            <a:r>
+              <a:rPr lang="zh-CN" altLang="en-US" dirty="0"/>
+              <a:t>序列化 和 反序列化</a:t>
+            </a:r>
+          </a:p>
+        </p:txBody>
+      </p:sp>
+    </p:spTree>
+    <p:extLst>
+      <p:ext uri="{BB962C8B-B14F-4D97-AF65-F5344CB8AC3E}">
+        <p14:creationId xmlns:p14="http://schemas.microsoft.com/office/powerpoint/2010/main" val="2407230073"/>
+      </p:ext>
+    </p:extLst>
+  </p:cSld>
+  <p:clrMapOvr>
+    <a:masterClrMapping/>
+  </p:clrMapOvr>
+</p:sld>
+</file>
+
+<file path=ppt/slides/slide8.xml><?xml version="1.0" encoding="utf-8"?>
+<p:sld xmlns:a="http://schemas.openxmlformats.org/drawingml/2006/main" xmlns:r="http://schemas.openxmlformats.org/officeDocument/2006/relationships" xmlns:p="http://schemas.openxmlformats.org/presentationml/2006/main">
+  <p:cSld>
+    <p:spTree>
+      <p:nvGrpSpPr>
+        <p:cNvPr id="1" name=""/>
+        <p:cNvGrpSpPr/>
+        <p:nvPr/>
+      </p:nvGrpSpPr>
+      <p:grpSpPr>
+        <a:xfrm>
+          <a:off x="0" y="0"/>
+          <a:ext cx="0" cy="0"/>
+          <a:chOff x="0" y="0"/>
+          <a:chExt cx="0" cy="0"/>
+        </a:xfrm>
+      </p:grpSpPr>
+      <p:sp>
+        <p:nvSpPr>
           <p:cNvPr id="2" name="タイトル 1">
             <a:extLst>
               <a:ext uri="{FF2B5EF4-FFF2-40B4-BE49-F238E27FC236}">

--- a/lcj_zemi_python.pptx
+++ b/lcj_zemi_python.pptx
@@ -5,7 +5,7 @@
     <p:sldMasterId id="2147483648" r:id="rId1"/>
   </p:sldMasterIdLst>
   <p:notesMasterIdLst>
-    <p:notesMasterId r:id="rId10"/>
+    <p:notesMasterId r:id="rId11"/>
   </p:notesMasterIdLst>
   <p:sldIdLst>
     <p:sldId id="260" r:id="rId2"/>
@@ -15,7 +15,8 @@
     <p:sldId id="297" r:id="rId6"/>
     <p:sldId id="298" r:id="rId7"/>
     <p:sldId id="299" r:id="rId8"/>
-    <p:sldId id="293" r:id="rId9"/>
+    <p:sldId id="300" r:id="rId9"/>
+    <p:sldId id="293" r:id="rId10"/>
   </p:sldIdLst>
   <p:sldSz cx="12192000" cy="6858000"/>
   <p:notesSz cx="6858000" cy="9144000"/>
@@ -204,7 +205,7 @@
           <a:p>
             <a:fld id="{2BC54830-42DA-4404-9F8C-DE9E00A18181}" type="datetimeFigureOut">
               <a:rPr lang="zh-CN" altLang="en-US" smtClean="0"/>
-              <a:t>2024/7/22</a:t>
+              <a:t>2024/7/23</a:t>
             </a:fld>
             <a:endParaRPr lang="zh-CN" altLang="en-US"/>
           </a:p>
@@ -618,7 +619,7 @@
           <a:p>
             <a:fld id="{F5930DB7-C5F0-4CA2-914A-8532991C33D9}" type="datetimeFigureOut">
               <a:rPr lang="zh-CN" altLang="en-US" smtClean="0"/>
-              <a:t>2024/7/22</a:t>
+              <a:t>2024/7/23</a:t>
             </a:fld>
             <a:endParaRPr lang="zh-CN" altLang="en-US"/>
           </a:p>
@@ -816,7 +817,7 @@
           <a:p>
             <a:fld id="{F5930DB7-C5F0-4CA2-914A-8532991C33D9}" type="datetimeFigureOut">
               <a:rPr lang="zh-CN" altLang="en-US" smtClean="0"/>
-              <a:t>2024/7/22</a:t>
+              <a:t>2024/7/23</a:t>
             </a:fld>
             <a:endParaRPr lang="zh-CN" altLang="en-US"/>
           </a:p>
@@ -1024,7 +1025,7 @@
           <a:p>
             <a:fld id="{F5930DB7-C5F0-4CA2-914A-8532991C33D9}" type="datetimeFigureOut">
               <a:rPr lang="zh-CN" altLang="en-US" smtClean="0"/>
-              <a:t>2024/7/22</a:t>
+              <a:t>2024/7/23</a:t>
             </a:fld>
             <a:endParaRPr lang="zh-CN" altLang="en-US"/>
           </a:p>
@@ -1222,7 +1223,7 @@
           <a:p>
             <a:fld id="{F5930DB7-C5F0-4CA2-914A-8532991C33D9}" type="datetimeFigureOut">
               <a:rPr lang="zh-CN" altLang="en-US" smtClean="0"/>
-              <a:t>2024/7/22</a:t>
+              <a:t>2024/7/23</a:t>
             </a:fld>
             <a:endParaRPr lang="zh-CN" altLang="en-US"/>
           </a:p>
@@ -1497,7 +1498,7 @@
           <a:p>
             <a:fld id="{F5930DB7-C5F0-4CA2-914A-8532991C33D9}" type="datetimeFigureOut">
               <a:rPr lang="zh-CN" altLang="en-US" smtClean="0"/>
-              <a:t>2024/7/22</a:t>
+              <a:t>2024/7/23</a:t>
             </a:fld>
             <a:endParaRPr lang="zh-CN" altLang="en-US"/>
           </a:p>
@@ -1762,7 +1763,7 @@
           <a:p>
             <a:fld id="{F5930DB7-C5F0-4CA2-914A-8532991C33D9}" type="datetimeFigureOut">
               <a:rPr lang="zh-CN" altLang="en-US" smtClean="0"/>
-              <a:t>2024/7/22</a:t>
+              <a:t>2024/7/23</a:t>
             </a:fld>
             <a:endParaRPr lang="zh-CN" altLang="en-US"/>
           </a:p>
@@ -2174,7 +2175,7 @@
           <a:p>
             <a:fld id="{F5930DB7-C5F0-4CA2-914A-8532991C33D9}" type="datetimeFigureOut">
               <a:rPr lang="zh-CN" altLang="en-US" smtClean="0"/>
-              <a:t>2024/7/22</a:t>
+              <a:t>2024/7/23</a:t>
             </a:fld>
             <a:endParaRPr lang="zh-CN" altLang="en-US"/>
           </a:p>
@@ -2315,7 +2316,7 @@
           <a:p>
             <a:fld id="{F5930DB7-C5F0-4CA2-914A-8532991C33D9}" type="datetimeFigureOut">
               <a:rPr lang="zh-CN" altLang="en-US" smtClean="0"/>
-              <a:t>2024/7/22</a:t>
+              <a:t>2024/7/23</a:t>
             </a:fld>
             <a:endParaRPr lang="zh-CN" altLang="en-US"/>
           </a:p>
@@ -2428,7 +2429,7 @@
           <a:p>
             <a:fld id="{F5930DB7-C5F0-4CA2-914A-8532991C33D9}" type="datetimeFigureOut">
               <a:rPr lang="zh-CN" altLang="en-US" smtClean="0"/>
-              <a:t>2024/7/22</a:t>
+              <a:t>2024/7/23</a:t>
             </a:fld>
             <a:endParaRPr lang="zh-CN" altLang="en-US"/>
           </a:p>
@@ -2739,7 +2740,7 @@
           <a:p>
             <a:fld id="{F5930DB7-C5F0-4CA2-914A-8532991C33D9}" type="datetimeFigureOut">
               <a:rPr lang="zh-CN" altLang="en-US" smtClean="0"/>
-              <a:t>2024/7/22</a:t>
+              <a:t>2024/7/23</a:t>
             </a:fld>
             <a:endParaRPr lang="zh-CN" altLang="en-US"/>
           </a:p>
@@ -3027,7 +3028,7 @@
           <a:p>
             <a:fld id="{F5930DB7-C5F0-4CA2-914A-8532991C33D9}" type="datetimeFigureOut">
               <a:rPr lang="zh-CN" altLang="en-US" smtClean="0"/>
-              <a:t>2024/7/22</a:t>
+              <a:t>2024/7/23</a:t>
             </a:fld>
             <a:endParaRPr lang="zh-CN" altLang="en-US"/>
           </a:p>
@@ -3268,7 +3269,7 @@
           <a:p>
             <a:fld id="{F5930DB7-C5F0-4CA2-914A-8532991C33D9}" type="datetimeFigureOut">
               <a:rPr lang="zh-CN" altLang="en-US" smtClean="0"/>
-              <a:t>2024/7/22</a:t>
+              <a:t>2024/7/23</a:t>
             </a:fld>
             <a:endParaRPr lang="zh-CN" altLang="en-US"/>
           </a:p>
@@ -16286,6 +16287,2070 @@
       </p:grpSpPr>
       <p:sp>
         <p:nvSpPr>
+          <p:cNvPr id="4" name="矩形: 圆角 3">
+            <a:extLst>
+              <a:ext uri="{FF2B5EF4-FFF2-40B4-BE49-F238E27FC236}">
+                <a16:creationId xmlns:a16="http://schemas.microsoft.com/office/drawing/2014/main" id="{866A1306-2120-2B30-7A6A-781A28385D6D}"/>
+              </a:ext>
+            </a:extLst>
+          </p:cNvPr>
+          <p:cNvSpPr/>
+          <p:nvPr/>
+        </p:nvSpPr>
+        <p:spPr>
+          <a:xfrm flipV="1">
+            <a:off x="305570" y="523220"/>
+            <a:ext cx="11377352" cy="64193"/>
+          </a:xfrm>
+          <a:prstGeom prst="roundRect">
+            <a:avLst/>
+          </a:prstGeom>
+        </p:spPr>
+        <p:style>
+          <a:lnRef idx="2">
+            <a:schemeClr val="accent1">
+              <a:shade val="50000"/>
+            </a:schemeClr>
+          </a:lnRef>
+          <a:fillRef idx="1">
+            <a:schemeClr val="accent1"/>
+          </a:fillRef>
+          <a:effectRef idx="0">
+            <a:schemeClr val="accent1"/>
+          </a:effectRef>
+          <a:fontRef idx="minor">
+            <a:schemeClr val="lt1"/>
+          </a:fontRef>
+        </p:style>
+        <p:txBody>
+          <a:bodyPr rtlCol="0" anchor="ctr"/>
+          <a:lstStyle/>
+          <a:p>
+            <a:pPr algn="ctr"/>
+            <a:endParaRPr lang="zh-CN" altLang="en-US"/>
+          </a:p>
+        </p:txBody>
+      </p:sp>
+      <p:sp>
+        <p:nvSpPr>
+          <p:cNvPr id="5" name="文本框 4">
+            <a:extLst>
+              <a:ext uri="{FF2B5EF4-FFF2-40B4-BE49-F238E27FC236}">
+                <a16:creationId xmlns:a16="http://schemas.microsoft.com/office/drawing/2014/main" id="{6FF74BA9-D2C8-5CBE-0585-F2F644B9AECB}"/>
+              </a:ext>
+            </a:extLst>
+          </p:cNvPr>
+          <p:cNvSpPr txBox="1"/>
+          <p:nvPr/>
+        </p:nvSpPr>
+        <p:spPr>
+          <a:xfrm>
+            <a:off x="305570" y="0"/>
+            <a:ext cx="4443845" cy="523220"/>
+          </a:xfrm>
+          <a:prstGeom prst="rect">
+            <a:avLst/>
+          </a:prstGeom>
+          <a:noFill/>
+        </p:spPr>
+        <p:txBody>
+          <a:bodyPr wrap="none" rtlCol="0">
+            <a:spAutoFit/>
+          </a:bodyPr>
+          <a:lstStyle/>
+          <a:p>
+            <a:r>
+              <a:rPr lang="en-US" altLang="zh-CN" sz="2800" dirty="0"/>
+              <a:t>Section 54.3: Using </a:t>
+            </a:r>
+            <a:r>
+              <a:rPr lang="en-US" altLang="zh-CN" sz="2800" dirty="0" err="1"/>
+              <a:t>UVLoop</a:t>
+            </a:r>
+            <a:endParaRPr lang="en-US" altLang="zh-CN" sz="2800" dirty="0"/>
+          </a:p>
+        </p:txBody>
+      </p:sp>
+      <p:sp>
+        <p:nvSpPr>
+          <p:cNvPr id="6" name="文本框 5">
+            <a:extLst>
+              <a:ext uri="{FF2B5EF4-FFF2-40B4-BE49-F238E27FC236}">
+                <a16:creationId xmlns:a16="http://schemas.microsoft.com/office/drawing/2014/main" id="{37CBCFDB-E083-1E51-5A49-EC01EE73AEC5}"/>
+              </a:ext>
+            </a:extLst>
+          </p:cNvPr>
+          <p:cNvSpPr txBox="1"/>
+          <p:nvPr/>
+        </p:nvSpPr>
+        <p:spPr>
+          <a:xfrm>
+            <a:off x="305570" y="696790"/>
+            <a:ext cx="11208406" cy="307777"/>
+          </a:xfrm>
+          <a:prstGeom prst="rect">
+            <a:avLst/>
+          </a:prstGeom>
+          <a:noFill/>
+        </p:spPr>
+        <p:txBody>
+          <a:bodyPr wrap="square">
+            <a:spAutoFit/>
+          </a:bodyPr>
+          <a:lstStyle/>
+          <a:p>
+            <a:r>
+              <a:rPr lang="zh-CN" altLang="en-US" sz="1400" dirty="0"/>
+              <a:t>uvloopは、Python 標準ライブラリのasyncioイベントループを置き換えるモジュールで、非常に高速な処理ができることが特徴</a:t>
+            </a:r>
+            <a:endParaRPr lang="en-US" altLang="zh-CN" sz="1400" dirty="0"/>
+          </a:p>
+        </p:txBody>
+      </p:sp>
+      <p:grpSp>
+        <p:nvGrpSpPr>
+          <p:cNvPr id="14" name="组合 13">
+            <a:extLst>
+              <a:ext uri="{FF2B5EF4-FFF2-40B4-BE49-F238E27FC236}">
+                <a16:creationId xmlns:a16="http://schemas.microsoft.com/office/drawing/2014/main" id="{5FA826F8-C85C-0DD1-02AE-9CD6CABE3951}"/>
+              </a:ext>
+            </a:extLst>
+          </p:cNvPr>
+          <p:cNvGrpSpPr/>
+          <p:nvPr/>
+        </p:nvGrpSpPr>
+        <p:grpSpPr>
+          <a:xfrm>
+            <a:off x="2957805" y="1422917"/>
+            <a:ext cx="4954688" cy="793891"/>
+            <a:chOff x="419878" y="1609529"/>
+            <a:chExt cx="4954688" cy="793891"/>
+          </a:xfrm>
+        </p:grpSpPr>
+        <p:sp>
+          <p:nvSpPr>
+            <p:cNvPr id="7" name="矩形 6">
+              <a:extLst>
+                <a:ext uri="{FF2B5EF4-FFF2-40B4-BE49-F238E27FC236}">
+                  <a16:creationId xmlns:a16="http://schemas.microsoft.com/office/drawing/2014/main" id="{E1509324-51F5-FA13-45DD-30DCB04843FA}"/>
+                </a:ext>
+              </a:extLst>
+            </p:cNvPr>
+            <p:cNvSpPr/>
+            <p:nvPr/>
+          </p:nvSpPr>
+          <p:spPr>
+            <a:xfrm>
+              <a:off x="419878" y="1609530"/>
+              <a:ext cx="1399592" cy="774441"/>
+            </a:xfrm>
+            <a:prstGeom prst="rect">
+              <a:avLst/>
+            </a:prstGeom>
+          </p:spPr>
+          <p:style>
+            <a:lnRef idx="2">
+              <a:schemeClr val="accent1">
+                <a:shade val="15000"/>
+              </a:schemeClr>
+            </a:lnRef>
+            <a:fillRef idx="1">
+              <a:schemeClr val="accent1"/>
+            </a:fillRef>
+            <a:effectRef idx="0">
+              <a:schemeClr val="accent1"/>
+            </a:effectRef>
+            <a:fontRef idx="minor">
+              <a:schemeClr val="lt1"/>
+            </a:fontRef>
+          </p:style>
+          <p:txBody>
+            <a:bodyPr rtlCol="0" anchor="ctr"/>
+            <a:lstStyle/>
+            <a:p>
+              <a:pPr algn="ctr"/>
+              <a:r>
+                <a:rPr lang="en-US" altLang="zh-CN" dirty="0" err="1"/>
+                <a:t>Asyncio</a:t>
+              </a:r>
+              <a:endParaRPr lang="en-US" altLang="zh-CN" dirty="0"/>
+            </a:p>
+            <a:p>
+              <a:pPr algn="ctr"/>
+              <a:r>
+                <a:rPr lang="en-US" altLang="zh-CN" dirty="0" err="1"/>
+                <a:t>Enent</a:t>
+              </a:r>
+              <a:r>
+                <a:rPr lang="en-US" altLang="zh-CN" dirty="0"/>
+                <a:t> loop</a:t>
+              </a:r>
+              <a:endParaRPr lang="zh-CN" altLang="en-US" dirty="0"/>
+            </a:p>
+          </p:txBody>
+        </p:sp>
+        <p:sp>
+          <p:nvSpPr>
+            <p:cNvPr id="8" name="矩形 7">
+              <a:extLst>
+                <a:ext uri="{FF2B5EF4-FFF2-40B4-BE49-F238E27FC236}">
+                  <a16:creationId xmlns:a16="http://schemas.microsoft.com/office/drawing/2014/main" id="{EF14B51F-2059-5D93-5245-7F9B96FA2F3D}"/>
+                </a:ext>
+              </a:extLst>
+            </p:cNvPr>
+            <p:cNvSpPr/>
+            <p:nvPr/>
+          </p:nvSpPr>
+          <p:spPr>
+            <a:xfrm>
+              <a:off x="3974974" y="1609529"/>
+              <a:ext cx="1399592" cy="774441"/>
+            </a:xfrm>
+            <a:prstGeom prst="rect">
+              <a:avLst/>
+            </a:prstGeom>
+          </p:spPr>
+          <p:style>
+            <a:lnRef idx="2">
+              <a:schemeClr val="accent1">
+                <a:shade val="15000"/>
+              </a:schemeClr>
+            </a:lnRef>
+            <a:fillRef idx="1">
+              <a:schemeClr val="accent1"/>
+            </a:fillRef>
+            <a:effectRef idx="0">
+              <a:schemeClr val="accent1"/>
+            </a:effectRef>
+            <a:fontRef idx="minor">
+              <a:schemeClr val="lt1"/>
+            </a:fontRef>
+          </p:style>
+          <p:txBody>
+            <a:bodyPr rtlCol="0" anchor="ctr"/>
+            <a:lstStyle/>
+            <a:p>
+              <a:pPr algn="ctr"/>
+              <a:r>
+                <a:rPr lang="en-US" altLang="zh-CN" dirty="0" err="1"/>
+                <a:t>uvloop</a:t>
+              </a:r>
+              <a:endParaRPr lang="zh-CN" altLang="en-US" dirty="0"/>
+            </a:p>
+          </p:txBody>
+        </p:sp>
+        <p:cxnSp>
+          <p:nvCxnSpPr>
+            <p:cNvPr id="10" name="直接箭头连接符 9">
+              <a:extLst>
+                <a:ext uri="{FF2B5EF4-FFF2-40B4-BE49-F238E27FC236}">
+                  <a16:creationId xmlns:a16="http://schemas.microsoft.com/office/drawing/2014/main" id="{3B9755F8-4CAD-0176-E856-997E003CD53C}"/>
+                </a:ext>
+              </a:extLst>
+            </p:cNvPr>
+            <p:cNvCxnSpPr>
+              <a:stCxn id="7" idx="3"/>
+              <a:endCxn id="8" idx="1"/>
+            </p:cNvCxnSpPr>
+            <p:nvPr/>
+          </p:nvCxnSpPr>
+          <p:spPr>
+            <a:xfrm flipV="1">
+              <a:off x="1819470" y="1996750"/>
+              <a:ext cx="2155504" cy="1"/>
+            </a:xfrm>
+            <a:prstGeom prst="straightConnector1">
+              <a:avLst/>
+            </a:prstGeom>
+            <a:ln>
+              <a:tailEnd type="triangle"/>
+            </a:ln>
+          </p:spPr>
+          <p:style>
+            <a:lnRef idx="1">
+              <a:schemeClr val="accent1"/>
+            </a:lnRef>
+            <a:fillRef idx="0">
+              <a:schemeClr val="accent1"/>
+            </a:fillRef>
+            <a:effectRef idx="0">
+              <a:schemeClr val="accent1"/>
+            </a:effectRef>
+            <a:fontRef idx="minor">
+              <a:schemeClr val="tx1"/>
+            </a:fontRef>
+          </p:style>
+        </p:cxnSp>
+        <p:sp>
+          <p:nvSpPr>
+            <p:cNvPr id="12" name="文本框 11">
+              <a:extLst>
+                <a:ext uri="{FF2B5EF4-FFF2-40B4-BE49-F238E27FC236}">
+                  <a16:creationId xmlns:a16="http://schemas.microsoft.com/office/drawing/2014/main" id="{FA6E3CE8-1898-1010-2368-EFB9EC14A12C}"/>
+                </a:ext>
+              </a:extLst>
+            </p:cNvPr>
+            <p:cNvSpPr txBox="1"/>
+            <p:nvPr/>
+          </p:nvSpPr>
+          <p:spPr>
+            <a:xfrm>
+              <a:off x="2308019" y="1627417"/>
+              <a:ext cx="1107996" cy="369332"/>
+            </a:xfrm>
+            <a:prstGeom prst="rect">
+              <a:avLst/>
+            </a:prstGeom>
+            <a:noFill/>
+          </p:spPr>
+          <p:txBody>
+            <a:bodyPr wrap="none" rtlCol="0">
+              <a:spAutoFit/>
+            </a:bodyPr>
+            <a:lstStyle/>
+            <a:p>
+              <a:r>
+                <a:rPr lang="ja-JP" altLang="en-US" dirty="0"/>
+                <a:t>入れ替え</a:t>
+              </a:r>
+              <a:endParaRPr lang="zh-CN" altLang="en-US" dirty="0"/>
+            </a:p>
+          </p:txBody>
+        </p:sp>
+        <p:sp>
+          <p:nvSpPr>
+            <p:cNvPr id="13" name="文本框 12">
+              <a:extLst>
+                <a:ext uri="{FF2B5EF4-FFF2-40B4-BE49-F238E27FC236}">
+                  <a16:creationId xmlns:a16="http://schemas.microsoft.com/office/drawing/2014/main" id="{52B29A2C-2DC9-A851-2FF4-3F37165B727C}"/>
+                </a:ext>
+              </a:extLst>
+            </p:cNvPr>
+            <p:cNvSpPr txBox="1"/>
+            <p:nvPr/>
+          </p:nvSpPr>
+          <p:spPr>
+            <a:xfrm>
+              <a:off x="2394479" y="2034088"/>
+              <a:ext cx="877163" cy="369332"/>
+            </a:xfrm>
+            <a:prstGeom prst="rect">
+              <a:avLst/>
+            </a:prstGeom>
+            <a:noFill/>
+          </p:spPr>
+          <p:txBody>
+            <a:bodyPr wrap="none" rtlCol="0">
+              <a:spAutoFit/>
+            </a:bodyPr>
+            <a:lstStyle/>
+            <a:p>
+              <a:r>
+                <a:rPr lang="ja-JP" altLang="en-US" dirty="0"/>
+                <a:t>高速化</a:t>
+              </a:r>
+              <a:endParaRPr lang="zh-CN" altLang="en-US" dirty="0"/>
+            </a:p>
+          </p:txBody>
+        </p:sp>
+      </p:grpSp>
+      <p:sp>
+        <p:nvSpPr>
+          <p:cNvPr id="15" name="文本框 14">
+            <a:extLst>
+              <a:ext uri="{FF2B5EF4-FFF2-40B4-BE49-F238E27FC236}">
+                <a16:creationId xmlns:a16="http://schemas.microsoft.com/office/drawing/2014/main" id="{5CEDFF16-892C-35FB-4CE5-246B8C110228}"/>
+              </a:ext>
+            </a:extLst>
+          </p:cNvPr>
+          <p:cNvSpPr txBox="1"/>
+          <p:nvPr/>
+        </p:nvSpPr>
+        <p:spPr>
+          <a:xfrm>
+            <a:off x="305570" y="2695153"/>
+            <a:ext cx="5601213" cy="307777"/>
+          </a:xfrm>
+          <a:prstGeom prst="rect">
+            <a:avLst/>
+          </a:prstGeom>
+          <a:noFill/>
+        </p:spPr>
+        <p:txBody>
+          <a:bodyPr wrap="none" rtlCol="0">
+            <a:spAutoFit/>
+          </a:bodyPr>
+          <a:lstStyle/>
+          <a:p>
+            <a:pPr marL="285750" indent="-285750">
+              <a:buFont typeface="Wingdings" panose="05000000000000000000" pitchFamily="2" charset="2"/>
+              <a:buChar char="u"/>
+            </a:pPr>
+            <a:r>
+              <a:rPr lang="en-US" altLang="ja-JP" sz="1400" dirty="0"/>
+              <a:t>Linux</a:t>
+            </a:r>
+            <a:r>
+              <a:rPr lang="ja-JP" altLang="en-US" sz="1400" dirty="0"/>
+              <a:t>の環境でしか使えない　　</a:t>
+            </a:r>
+            <a:r>
+              <a:rPr lang="en-US" altLang="ja-JP" sz="1400" dirty="0"/>
+              <a:t>pip install </a:t>
+            </a:r>
+            <a:r>
+              <a:rPr lang="en-US" altLang="ja-JP" sz="1400" dirty="0" err="1"/>
+              <a:t>uvloop</a:t>
+            </a:r>
+            <a:r>
+              <a:rPr lang="ja-JP" altLang="en-US" sz="1400" dirty="0"/>
+              <a:t>でインストール</a:t>
+            </a:r>
+            <a:endParaRPr lang="zh-CN" altLang="en-US" sz="1400" dirty="0"/>
+          </a:p>
+        </p:txBody>
+      </p:sp>
+      <p:sp>
+        <p:nvSpPr>
+          <p:cNvPr id="17" name="文本框 16">
+            <a:extLst>
+              <a:ext uri="{FF2B5EF4-FFF2-40B4-BE49-F238E27FC236}">
+                <a16:creationId xmlns:a16="http://schemas.microsoft.com/office/drawing/2014/main" id="{33F592B3-13A4-F7F5-F9CC-5BB377B58C9A}"/>
+              </a:ext>
+            </a:extLst>
+          </p:cNvPr>
+          <p:cNvSpPr txBox="1"/>
+          <p:nvPr/>
+        </p:nvSpPr>
+        <p:spPr>
+          <a:xfrm>
+            <a:off x="202933" y="3429000"/>
+            <a:ext cx="5367442" cy="2893100"/>
+          </a:xfrm>
+          <a:prstGeom prst="rect">
+            <a:avLst/>
+          </a:prstGeom>
+          <a:noFill/>
+          <a:ln>
+            <a:solidFill>
+              <a:schemeClr val="tx1"/>
+            </a:solidFill>
+          </a:ln>
+        </p:spPr>
+        <p:txBody>
+          <a:bodyPr wrap="square">
+            <a:spAutoFit/>
+          </a:bodyPr>
+          <a:lstStyle/>
+          <a:p>
+            <a:r>
+              <a:rPr lang="en-US" altLang="zh-CN" sz="1400" b="0" dirty="0">
+                <a:solidFill>
+                  <a:srgbClr val="AF00DB"/>
+                </a:solidFill>
+                <a:effectLst/>
+                <a:highlight>
+                  <a:srgbClr val="FFFFFF"/>
+                </a:highlight>
+                <a:latin typeface="Consolas" panose="020B0609020204030204" pitchFamily="49" charset="0"/>
+              </a:rPr>
+              <a:t>import</a:t>
+            </a:r>
+            <a:r>
+              <a:rPr lang="en-US" altLang="zh-CN" sz="1400" b="0" dirty="0">
+                <a:solidFill>
+                  <a:srgbClr val="3B3B3B"/>
+                </a:solidFill>
+                <a:effectLst/>
+                <a:highlight>
+                  <a:srgbClr val="FFFFFF"/>
+                </a:highlight>
+                <a:latin typeface="Consolas" panose="020B0609020204030204" pitchFamily="49" charset="0"/>
+              </a:rPr>
+              <a:t> </a:t>
+            </a:r>
+            <a:r>
+              <a:rPr lang="en-US" altLang="zh-CN" sz="1400" b="0" dirty="0" err="1">
+                <a:solidFill>
+                  <a:srgbClr val="267F99"/>
+                </a:solidFill>
+                <a:effectLst/>
+                <a:highlight>
+                  <a:srgbClr val="FFFFFF"/>
+                </a:highlight>
+                <a:latin typeface="Consolas" panose="020B0609020204030204" pitchFamily="49" charset="0"/>
+              </a:rPr>
+              <a:t>uvloop</a:t>
+            </a:r>
+            <a:endParaRPr lang="en-US" altLang="zh-CN" sz="1400" b="0" dirty="0">
+              <a:solidFill>
+                <a:srgbClr val="3B3B3B"/>
+              </a:solidFill>
+              <a:effectLst/>
+              <a:highlight>
+                <a:srgbClr val="FFFFFF"/>
+              </a:highlight>
+              <a:latin typeface="Consolas" panose="020B0609020204030204" pitchFamily="49" charset="0"/>
+            </a:endParaRPr>
+          </a:p>
+          <a:p>
+            <a:r>
+              <a:rPr lang="en-US" altLang="zh-CN" sz="1400" b="0" dirty="0">
+                <a:solidFill>
+                  <a:srgbClr val="AF00DB"/>
+                </a:solidFill>
+                <a:effectLst/>
+                <a:highlight>
+                  <a:srgbClr val="FFFFFF"/>
+                </a:highlight>
+                <a:latin typeface="Consolas" panose="020B0609020204030204" pitchFamily="49" charset="0"/>
+              </a:rPr>
+              <a:t>import</a:t>
+            </a:r>
+            <a:r>
+              <a:rPr lang="en-US" altLang="zh-CN" sz="1400" b="0" dirty="0">
+                <a:solidFill>
+                  <a:srgbClr val="3B3B3B"/>
+                </a:solidFill>
+                <a:effectLst/>
+                <a:highlight>
+                  <a:srgbClr val="FFFFFF"/>
+                </a:highlight>
+                <a:latin typeface="Consolas" panose="020B0609020204030204" pitchFamily="49" charset="0"/>
+              </a:rPr>
+              <a:t> </a:t>
+            </a:r>
+            <a:r>
+              <a:rPr lang="en-US" altLang="zh-CN" sz="1400" b="0" dirty="0" err="1">
+                <a:solidFill>
+                  <a:srgbClr val="267F99"/>
+                </a:solidFill>
+                <a:effectLst/>
+                <a:highlight>
+                  <a:srgbClr val="FFFFFF"/>
+                </a:highlight>
+                <a:latin typeface="Consolas" panose="020B0609020204030204" pitchFamily="49" charset="0"/>
+              </a:rPr>
+              <a:t>asyncio</a:t>
+            </a:r>
+            <a:endParaRPr lang="en-US" altLang="zh-CN" sz="1400" b="0" dirty="0">
+              <a:solidFill>
+                <a:srgbClr val="3B3B3B"/>
+              </a:solidFill>
+              <a:effectLst/>
+              <a:highlight>
+                <a:srgbClr val="FFFFFF"/>
+              </a:highlight>
+              <a:latin typeface="Consolas" panose="020B0609020204030204" pitchFamily="49" charset="0"/>
+            </a:endParaRPr>
+          </a:p>
+          <a:p>
+            <a:br>
+              <a:rPr lang="en-US" altLang="zh-CN" sz="1400" b="0" dirty="0">
+                <a:solidFill>
+                  <a:srgbClr val="3B3B3B"/>
+                </a:solidFill>
+                <a:effectLst/>
+                <a:highlight>
+                  <a:srgbClr val="FFFFFF"/>
+                </a:highlight>
+                <a:latin typeface="Consolas" panose="020B0609020204030204" pitchFamily="49" charset="0"/>
+              </a:rPr>
+            </a:br>
+            <a:r>
+              <a:rPr lang="en-US" altLang="zh-CN" sz="1400" b="0" dirty="0">
+                <a:solidFill>
+                  <a:srgbClr val="AF00DB"/>
+                </a:solidFill>
+                <a:effectLst/>
+                <a:highlight>
+                  <a:srgbClr val="FFFFFF"/>
+                </a:highlight>
+                <a:latin typeface="Consolas" panose="020B0609020204030204" pitchFamily="49" charset="0"/>
+              </a:rPr>
+              <a:t>if</a:t>
+            </a:r>
+            <a:r>
+              <a:rPr lang="en-US" altLang="zh-CN" sz="1400" b="0" dirty="0">
+                <a:solidFill>
+                  <a:srgbClr val="3B3B3B"/>
+                </a:solidFill>
+                <a:effectLst/>
+                <a:highlight>
+                  <a:srgbClr val="FFFFFF"/>
+                </a:highlight>
+                <a:latin typeface="Consolas" panose="020B0609020204030204" pitchFamily="49" charset="0"/>
+              </a:rPr>
+              <a:t> </a:t>
+            </a:r>
+            <a:r>
+              <a:rPr lang="en-US" altLang="zh-CN" sz="1400" b="0" dirty="0">
+                <a:solidFill>
+                  <a:srgbClr val="001080"/>
+                </a:solidFill>
+                <a:effectLst/>
+                <a:highlight>
+                  <a:srgbClr val="FFFFFF"/>
+                </a:highlight>
+                <a:latin typeface="Consolas" panose="020B0609020204030204" pitchFamily="49" charset="0"/>
+              </a:rPr>
+              <a:t>__name__</a:t>
+            </a:r>
+            <a:r>
+              <a:rPr lang="en-US" altLang="zh-CN" sz="1400" b="0" dirty="0">
+                <a:solidFill>
+                  <a:srgbClr val="3B3B3B"/>
+                </a:solidFill>
+                <a:effectLst/>
+                <a:highlight>
+                  <a:srgbClr val="FFFFFF"/>
+                </a:highlight>
+                <a:latin typeface="Consolas" panose="020B0609020204030204" pitchFamily="49" charset="0"/>
+              </a:rPr>
+              <a:t> </a:t>
+            </a:r>
+            <a:r>
+              <a:rPr lang="en-US" altLang="zh-CN" sz="1400" b="0" dirty="0">
+                <a:solidFill>
+                  <a:srgbClr val="000000"/>
+                </a:solidFill>
+                <a:effectLst/>
+                <a:highlight>
+                  <a:srgbClr val="FFFFFF"/>
+                </a:highlight>
+                <a:latin typeface="Consolas" panose="020B0609020204030204" pitchFamily="49" charset="0"/>
+              </a:rPr>
+              <a:t>==</a:t>
+            </a:r>
+            <a:r>
+              <a:rPr lang="en-US" altLang="zh-CN" sz="1400" b="0" dirty="0">
+                <a:solidFill>
+                  <a:srgbClr val="3B3B3B"/>
+                </a:solidFill>
+                <a:effectLst/>
+                <a:highlight>
+                  <a:srgbClr val="FFFFFF"/>
+                </a:highlight>
+                <a:latin typeface="Consolas" panose="020B0609020204030204" pitchFamily="49" charset="0"/>
+              </a:rPr>
+              <a:t> </a:t>
+            </a:r>
+            <a:r>
+              <a:rPr lang="en-US" altLang="zh-CN" sz="1400" b="0" dirty="0">
+                <a:solidFill>
+                  <a:srgbClr val="A31515"/>
+                </a:solidFill>
+                <a:effectLst/>
+                <a:highlight>
+                  <a:srgbClr val="FFFFFF"/>
+                </a:highlight>
+                <a:latin typeface="Consolas" panose="020B0609020204030204" pitchFamily="49" charset="0"/>
+              </a:rPr>
+              <a:t>"__main__"</a:t>
+            </a:r>
+            <a:r>
+              <a:rPr lang="en-US" altLang="zh-CN" sz="1400" b="0" dirty="0">
+                <a:solidFill>
+                  <a:srgbClr val="3B3B3B"/>
+                </a:solidFill>
+                <a:effectLst/>
+                <a:highlight>
+                  <a:srgbClr val="FFFFFF"/>
+                </a:highlight>
+                <a:latin typeface="Consolas" panose="020B0609020204030204" pitchFamily="49" charset="0"/>
+              </a:rPr>
+              <a:t>:</a:t>
+            </a:r>
+          </a:p>
+          <a:p>
+            <a:r>
+              <a:rPr lang="en-US" altLang="zh-CN" sz="1400" dirty="0">
+                <a:solidFill>
+                  <a:srgbClr val="3B3B3B"/>
+                </a:solidFill>
+                <a:highlight>
+                  <a:srgbClr val="FFFFFF"/>
+                </a:highlight>
+                <a:latin typeface="Consolas" panose="020B0609020204030204" pitchFamily="49" charset="0"/>
+              </a:rPr>
+              <a:t>    </a:t>
+            </a:r>
+            <a:r>
+              <a:rPr lang="en-US" altLang="zh-CN" sz="1400" dirty="0">
+                <a:solidFill>
+                  <a:srgbClr val="008000"/>
+                </a:solidFill>
+                <a:highlight>
+                  <a:srgbClr val="FFFFFF"/>
+                </a:highlight>
+                <a:latin typeface="Consolas" panose="020B0609020204030204" pitchFamily="49" charset="0"/>
+              </a:rPr>
+              <a:t># </a:t>
+            </a:r>
+            <a:r>
+              <a:rPr lang="en-US" altLang="zh-CN" sz="1400" dirty="0" err="1">
+                <a:solidFill>
+                  <a:srgbClr val="008000"/>
+                </a:solidFill>
+                <a:highlight>
+                  <a:srgbClr val="FFFFFF"/>
+                </a:highlight>
+                <a:latin typeface="Consolas" panose="020B0609020204030204" pitchFamily="49" charset="0"/>
+              </a:rPr>
+              <a:t>asyncio</a:t>
+            </a:r>
+            <a:r>
+              <a:rPr lang="ja-JP" altLang="en-US" sz="1400" dirty="0">
+                <a:solidFill>
+                  <a:srgbClr val="008000"/>
+                </a:solidFill>
+                <a:highlight>
+                  <a:srgbClr val="FFFFFF"/>
+                </a:highlight>
+                <a:latin typeface="Consolas" panose="020B0609020204030204" pitchFamily="49" charset="0"/>
+              </a:rPr>
+              <a:t>の</a:t>
+            </a:r>
+            <a:r>
+              <a:rPr lang="en-US" altLang="ja-JP" sz="1400" dirty="0">
+                <a:solidFill>
+                  <a:srgbClr val="008000"/>
+                </a:solidFill>
+                <a:highlight>
+                  <a:srgbClr val="FFFFFF"/>
+                </a:highlight>
+                <a:latin typeface="Consolas" panose="020B0609020204030204" pitchFamily="49" charset="0"/>
+              </a:rPr>
+              <a:t>event loop</a:t>
+            </a:r>
+            <a:r>
+              <a:rPr lang="zh-CN" altLang="en-US" sz="1400" dirty="0">
+                <a:solidFill>
+                  <a:srgbClr val="008000"/>
+                </a:solidFill>
+                <a:highlight>
+                  <a:srgbClr val="FFFFFF"/>
+                </a:highlight>
+                <a:latin typeface="Consolas" panose="020B0609020204030204" pitchFamily="49" charset="0"/>
+              </a:rPr>
+              <a:t>を</a:t>
+            </a:r>
+            <a:r>
+              <a:rPr lang="en-US" altLang="zh-CN" sz="1400" dirty="0" err="1">
+                <a:solidFill>
+                  <a:srgbClr val="008000"/>
+                </a:solidFill>
+                <a:highlight>
+                  <a:srgbClr val="FFFFFF"/>
+                </a:highlight>
+                <a:latin typeface="Consolas" panose="020B0609020204030204" pitchFamily="49" charset="0"/>
+              </a:rPr>
+              <a:t>uvloop</a:t>
+            </a:r>
+            <a:r>
+              <a:rPr lang="ja-JP" altLang="en-US" sz="1400" dirty="0">
+                <a:solidFill>
+                  <a:srgbClr val="008000"/>
+                </a:solidFill>
+                <a:highlight>
+                  <a:srgbClr val="FFFFFF"/>
+                </a:highlight>
+                <a:latin typeface="Consolas" panose="020B0609020204030204" pitchFamily="49" charset="0"/>
+              </a:rPr>
+              <a:t>に設定</a:t>
+            </a:r>
+            <a:endParaRPr lang="en-US" altLang="zh-CN" sz="1200" dirty="0">
+              <a:solidFill>
+                <a:srgbClr val="008000"/>
+              </a:solidFill>
+              <a:highlight>
+                <a:srgbClr val="FFFFFF"/>
+              </a:highlight>
+              <a:latin typeface="Consolas" panose="020B0609020204030204" pitchFamily="49" charset="0"/>
+            </a:endParaRPr>
+          </a:p>
+          <a:p>
+            <a:r>
+              <a:rPr lang="en-US" altLang="zh-CN" sz="1400" b="0" dirty="0">
+                <a:solidFill>
+                  <a:srgbClr val="3B3B3B"/>
+                </a:solidFill>
+                <a:effectLst/>
+                <a:highlight>
+                  <a:srgbClr val="FFFFFF"/>
+                </a:highlight>
+                <a:latin typeface="Consolas" panose="020B0609020204030204" pitchFamily="49" charset="0"/>
+              </a:rPr>
+              <a:t>    </a:t>
+            </a:r>
+            <a:r>
+              <a:rPr lang="en-US" altLang="zh-CN" sz="1400" b="0" dirty="0" err="1">
+                <a:solidFill>
+                  <a:srgbClr val="267F99"/>
+                </a:solidFill>
+                <a:effectLst/>
+                <a:highlight>
+                  <a:srgbClr val="FFFFFF"/>
+                </a:highlight>
+                <a:latin typeface="Consolas" panose="020B0609020204030204" pitchFamily="49" charset="0"/>
+              </a:rPr>
+              <a:t>asyncio</a:t>
+            </a:r>
+            <a:r>
+              <a:rPr lang="en-US" altLang="zh-CN" sz="1400" b="0" dirty="0" err="1">
+                <a:solidFill>
+                  <a:srgbClr val="3B3B3B"/>
+                </a:solidFill>
+                <a:effectLst/>
+                <a:highlight>
+                  <a:srgbClr val="FFFFFF"/>
+                </a:highlight>
+                <a:latin typeface="Consolas" panose="020B0609020204030204" pitchFamily="49" charset="0"/>
+              </a:rPr>
+              <a:t>.</a:t>
+            </a:r>
+            <a:r>
+              <a:rPr lang="en-US" altLang="zh-CN" sz="1400" b="0" dirty="0" err="1">
+                <a:solidFill>
+                  <a:srgbClr val="795E26"/>
+                </a:solidFill>
+                <a:effectLst/>
+                <a:highlight>
+                  <a:srgbClr val="FFFFFF"/>
+                </a:highlight>
+                <a:latin typeface="Consolas" panose="020B0609020204030204" pitchFamily="49" charset="0"/>
+              </a:rPr>
+              <a:t>set_event_loop</a:t>
+            </a:r>
+            <a:r>
+              <a:rPr lang="en-US" altLang="zh-CN" sz="1400" b="0" dirty="0">
+                <a:solidFill>
+                  <a:srgbClr val="3B3B3B"/>
+                </a:solidFill>
+                <a:effectLst/>
+                <a:highlight>
+                  <a:srgbClr val="FFFFFF"/>
+                </a:highlight>
+                <a:latin typeface="Consolas" panose="020B0609020204030204" pitchFamily="49" charset="0"/>
+              </a:rPr>
+              <a:t>(</a:t>
+            </a:r>
+            <a:r>
+              <a:rPr lang="en-US" altLang="zh-CN" sz="1400" b="0" dirty="0" err="1">
+                <a:solidFill>
+                  <a:srgbClr val="267F99"/>
+                </a:solidFill>
+                <a:effectLst/>
+                <a:highlight>
+                  <a:srgbClr val="FFFFFF"/>
+                </a:highlight>
+                <a:latin typeface="Consolas" panose="020B0609020204030204" pitchFamily="49" charset="0"/>
+              </a:rPr>
+              <a:t>uvloop</a:t>
+            </a:r>
+            <a:r>
+              <a:rPr lang="en-US" altLang="zh-CN" sz="1400" b="0" dirty="0" err="1">
+                <a:solidFill>
+                  <a:srgbClr val="3B3B3B"/>
+                </a:solidFill>
+                <a:effectLst/>
+                <a:highlight>
+                  <a:srgbClr val="FFFFFF"/>
+                </a:highlight>
+                <a:latin typeface="Consolas" panose="020B0609020204030204" pitchFamily="49" charset="0"/>
+              </a:rPr>
+              <a:t>.</a:t>
+            </a:r>
+            <a:r>
+              <a:rPr lang="en-US" altLang="zh-CN" sz="1400" b="0" dirty="0" err="1">
+                <a:solidFill>
+                  <a:srgbClr val="795E26"/>
+                </a:solidFill>
+                <a:effectLst/>
+                <a:highlight>
+                  <a:srgbClr val="FFFFFF"/>
+                </a:highlight>
+                <a:latin typeface="Consolas" panose="020B0609020204030204" pitchFamily="49" charset="0"/>
+              </a:rPr>
+              <a:t>new_event_loop</a:t>
+            </a:r>
+            <a:r>
+              <a:rPr lang="en-US" altLang="zh-CN" sz="1400" b="0" dirty="0">
+                <a:solidFill>
+                  <a:srgbClr val="3B3B3B"/>
+                </a:solidFill>
+                <a:effectLst/>
+                <a:highlight>
+                  <a:srgbClr val="FFFFFF"/>
+                </a:highlight>
+                <a:latin typeface="Consolas" panose="020B0609020204030204" pitchFamily="49" charset="0"/>
+              </a:rPr>
+              <a:t>())</a:t>
+            </a:r>
+          </a:p>
+          <a:p>
+            <a:endParaRPr lang="en-US" altLang="zh-CN" sz="1400" dirty="0">
+              <a:solidFill>
+                <a:srgbClr val="3B3B3B"/>
+              </a:solidFill>
+              <a:highlight>
+                <a:srgbClr val="FFFFFF"/>
+              </a:highlight>
+              <a:latin typeface="Consolas" panose="020B0609020204030204" pitchFamily="49" charset="0"/>
+            </a:endParaRPr>
+          </a:p>
+          <a:p>
+            <a:r>
+              <a:rPr lang="ja-JP" altLang="en-US" sz="1400" dirty="0">
+                <a:solidFill>
+                  <a:srgbClr val="3B3B3B"/>
+                </a:solidFill>
+                <a:highlight>
+                  <a:srgbClr val="FFFFFF"/>
+                </a:highlight>
+                <a:latin typeface="Consolas" panose="020B0609020204030204" pitchFamily="49" charset="0"/>
+              </a:rPr>
+              <a:t>　　</a:t>
+            </a:r>
+            <a:r>
+              <a:rPr lang="en-US" altLang="zh-CN" sz="1400" dirty="0">
+                <a:solidFill>
+                  <a:srgbClr val="008000"/>
+                </a:solidFill>
+                <a:highlight>
+                  <a:srgbClr val="FFFFFF"/>
+                </a:highlight>
+                <a:latin typeface="Consolas" panose="020B0609020204030204" pitchFamily="49" charset="0"/>
+              </a:rPr>
+              <a:t> #</a:t>
+            </a:r>
+            <a:r>
+              <a:rPr lang="ja-JP" altLang="en-US" sz="1400" dirty="0">
+                <a:solidFill>
+                  <a:srgbClr val="008000"/>
+                </a:solidFill>
+                <a:highlight>
+                  <a:srgbClr val="FFFFFF"/>
+                </a:highlight>
+                <a:latin typeface="Consolas" panose="020B0609020204030204" pitchFamily="49" charset="0"/>
+              </a:rPr>
+              <a:t>　イベントループを取得</a:t>
+            </a:r>
+            <a:endParaRPr lang="en-US" altLang="zh-CN" sz="1400" b="0" dirty="0">
+              <a:solidFill>
+                <a:srgbClr val="3B3B3B"/>
+              </a:solidFill>
+              <a:effectLst/>
+              <a:highlight>
+                <a:srgbClr val="FFFFFF"/>
+              </a:highlight>
+              <a:latin typeface="Consolas" panose="020B0609020204030204" pitchFamily="49" charset="0"/>
+            </a:endParaRPr>
+          </a:p>
+          <a:p>
+            <a:r>
+              <a:rPr lang="en-US" altLang="zh-CN" sz="1400" b="0" dirty="0">
+                <a:solidFill>
+                  <a:srgbClr val="3B3B3B"/>
+                </a:solidFill>
+                <a:effectLst/>
+                <a:highlight>
+                  <a:srgbClr val="FFFFFF"/>
+                </a:highlight>
+                <a:latin typeface="Consolas" panose="020B0609020204030204" pitchFamily="49" charset="0"/>
+              </a:rPr>
+              <a:t>    </a:t>
+            </a:r>
+            <a:r>
+              <a:rPr lang="en-US" altLang="zh-CN" sz="1400" b="0" dirty="0">
+                <a:solidFill>
+                  <a:srgbClr val="001080"/>
+                </a:solidFill>
+                <a:effectLst/>
+                <a:highlight>
+                  <a:srgbClr val="FFFFFF"/>
+                </a:highlight>
+                <a:latin typeface="Consolas" panose="020B0609020204030204" pitchFamily="49" charset="0"/>
+              </a:rPr>
+              <a:t>loop</a:t>
+            </a:r>
+            <a:r>
+              <a:rPr lang="en-US" altLang="zh-CN" sz="1400" b="0" dirty="0">
+                <a:solidFill>
+                  <a:srgbClr val="3B3B3B"/>
+                </a:solidFill>
+                <a:effectLst/>
+                <a:highlight>
+                  <a:srgbClr val="FFFFFF"/>
+                </a:highlight>
+                <a:latin typeface="Consolas" panose="020B0609020204030204" pitchFamily="49" charset="0"/>
+              </a:rPr>
+              <a:t> </a:t>
+            </a:r>
+            <a:r>
+              <a:rPr lang="en-US" altLang="zh-CN" sz="1400" b="0" dirty="0">
+                <a:solidFill>
+                  <a:srgbClr val="000000"/>
+                </a:solidFill>
+                <a:effectLst/>
+                <a:highlight>
+                  <a:srgbClr val="FFFFFF"/>
+                </a:highlight>
+                <a:latin typeface="Consolas" panose="020B0609020204030204" pitchFamily="49" charset="0"/>
+              </a:rPr>
+              <a:t>=</a:t>
+            </a:r>
+            <a:r>
+              <a:rPr lang="en-US" altLang="zh-CN" sz="1400" b="0" dirty="0">
+                <a:solidFill>
+                  <a:srgbClr val="3B3B3B"/>
+                </a:solidFill>
+                <a:effectLst/>
+                <a:highlight>
+                  <a:srgbClr val="FFFFFF"/>
+                </a:highlight>
+                <a:latin typeface="Consolas" panose="020B0609020204030204" pitchFamily="49" charset="0"/>
+              </a:rPr>
+              <a:t> </a:t>
+            </a:r>
+            <a:r>
+              <a:rPr lang="en-US" altLang="zh-CN" sz="1400" b="0" dirty="0" err="1">
+                <a:solidFill>
+                  <a:srgbClr val="267F99"/>
+                </a:solidFill>
+                <a:effectLst/>
+                <a:highlight>
+                  <a:srgbClr val="FFFFFF"/>
+                </a:highlight>
+                <a:latin typeface="Consolas" panose="020B0609020204030204" pitchFamily="49" charset="0"/>
+              </a:rPr>
+              <a:t>asyncio</a:t>
+            </a:r>
+            <a:r>
+              <a:rPr lang="en-US" altLang="zh-CN" sz="1400" b="0" dirty="0" err="1">
+                <a:solidFill>
+                  <a:srgbClr val="3B3B3B"/>
+                </a:solidFill>
+                <a:effectLst/>
+                <a:highlight>
+                  <a:srgbClr val="FFFFFF"/>
+                </a:highlight>
+                <a:latin typeface="Consolas" panose="020B0609020204030204" pitchFamily="49" charset="0"/>
+              </a:rPr>
+              <a:t>.</a:t>
+            </a:r>
+            <a:r>
+              <a:rPr lang="en-US" altLang="zh-CN" sz="1400" b="0" dirty="0" err="1">
+                <a:solidFill>
+                  <a:srgbClr val="795E26"/>
+                </a:solidFill>
+                <a:effectLst/>
+                <a:highlight>
+                  <a:srgbClr val="FFFFFF"/>
+                </a:highlight>
+                <a:latin typeface="Consolas" panose="020B0609020204030204" pitchFamily="49" charset="0"/>
+              </a:rPr>
+              <a:t>get_event_loop</a:t>
+            </a:r>
+            <a:r>
+              <a:rPr lang="en-US" altLang="zh-CN" sz="1400" b="0" dirty="0">
+                <a:solidFill>
+                  <a:srgbClr val="3B3B3B"/>
+                </a:solidFill>
+                <a:effectLst/>
+                <a:highlight>
+                  <a:srgbClr val="FFFFFF"/>
+                </a:highlight>
+                <a:latin typeface="Consolas" panose="020B0609020204030204" pitchFamily="49" charset="0"/>
+              </a:rPr>
+              <a:t>()</a:t>
+            </a:r>
+          </a:p>
+          <a:p>
+            <a:r>
+              <a:rPr lang="en-US" altLang="zh-CN" sz="1400" b="0" dirty="0">
+                <a:solidFill>
+                  <a:srgbClr val="3B3B3B"/>
+                </a:solidFill>
+                <a:effectLst/>
+                <a:highlight>
+                  <a:srgbClr val="FFFFFF"/>
+                </a:highlight>
+                <a:latin typeface="Consolas" panose="020B0609020204030204" pitchFamily="49" charset="0"/>
+              </a:rPr>
+              <a:t>    </a:t>
+            </a:r>
+            <a:r>
+              <a:rPr lang="en-US" altLang="zh-CN" sz="1400" b="0" dirty="0">
+                <a:solidFill>
+                  <a:srgbClr val="795E26"/>
+                </a:solidFill>
+                <a:effectLst/>
+                <a:highlight>
+                  <a:srgbClr val="FFFFFF"/>
+                </a:highlight>
+                <a:latin typeface="Consolas" panose="020B0609020204030204" pitchFamily="49" charset="0"/>
+              </a:rPr>
+              <a:t>print</a:t>
+            </a:r>
+            <a:r>
+              <a:rPr lang="en-US" altLang="zh-CN" sz="1400" b="0" dirty="0">
+                <a:solidFill>
+                  <a:srgbClr val="3B3B3B"/>
+                </a:solidFill>
+                <a:effectLst/>
+                <a:highlight>
+                  <a:srgbClr val="FFFFFF"/>
+                </a:highlight>
+                <a:latin typeface="Consolas" panose="020B0609020204030204" pitchFamily="49" charset="0"/>
+              </a:rPr>
+              <a:t>(</a:t>
+            </a:r>
+            <a:r>
+              <a:rPr lang="en-US" altLang="zh-CN" sz="1400" b="0" dirty="0">
+                <a:solidFill>
+                  <a:srgbClr val="267F99"/>
+                </a:solidFill>
+                <a:effectLst/>
+                <a:highlight>
+                  <a:srgbClr val="FFFFFF"/>
+                </a:highlight>
+                <a:latin typeface="Consolas" panose="020B0609020204030204" pitchFamily="49" charset="0"/>
+              </a:rPr>
+              <a:t>type</a:t>
+            </a:r>
+            <a:r>
+              <a:rPr lang="en-US" altLang="zh-CN" sz="1400" b="0" dirty="0">
+                <a:solidFill>
+                  <a:srgbClr val="3B3B3B"/>
+                </a:solidFill>
+                <a:effectLst/>
+                <a:highlight>
+                  <a:srgbClr val="FFFFFF"/>
+                </a:highlight>
+                <a:latin typeface="Consolas" panose="020B0609020204030204" pitchFamily="49" charset="0"/>
+              </a:rPr>
+              <a:t>(</a:t>
+            </a:r>
+            <a:r>
+              <a:rPr lang="en-US" altLang="zh-CN" sz="1400" b="0" dirty="0">
+                <a:solidFill>
+                  <a:srgbClr val="001080"/>
+                </a:solidFill>
+                <a:effectLst/>
+                <a:highlight>
+                  <a:srgbClr val="FFFFFF"/>
+                </a:highlight>
+                <a:latin typeface="Consolas" panose="020B0609020204030204" pitchFamily="49" charset="0"/>
+              </a:rPr>
+              <a:t>loop</a:t>
+            </a:r>
+            <a:r>
+              <a:rPr lang="en-US" altLang="zh-CN" sz="1400" b="0" dirty="0">
+                <a:solidFill>
+                  <a:srgbClr val="3B3B3B"/>
+                </a:solidFill>
+                <a:effectLst/>
+                <a:highlight>
+                  <a:srgbClr val="FFFFFF"/>
+                </a:highlight>
+                <a:latin typeface="Consolas" panose="020B0609020204030204" pitchFamily="49" charset="0"/>
+              </a:rPr>
+              <a:t>))</a:t>
+            </a:r>
+            <a:endParaRPr lang="en-US" altLang="ja-JP" sz="1400" b="0" dirty="0">
+              <a:solidFill>
+                <a:srgbClr val="3B3B3B"/>
+              </a:solidFill>
+              <a:effectLst/>
+              <a:highlight>
+                <a:srgbClr val="FFFFFF"/>
+              </a:highlight>
+              <a:latin typeface="Consolas" panose="020B0609020204030204" pitchFamily="49" charset="0"/>
+            </a:endParaRPr>
+          </a:p>
+          <a:p>
+            <a:r>
+              <a:rPr lang="en-US" altLang="ja-JP" sz="1400" b="0" dirty="0">
+                <a:solidFill>
+                  <a:srgbClr val="3B3B3B"/>
+                </a:solidFill>
+                <a:effectLst/>
+                <a:highlight>
+                  <a:srgbClr val="FFFFFF"/>
+                </a:highlight>
+                <a:latin typeface="Consolas" panose="020B0609020204030204" pitchFamily="49" charset="0"/>
+              </a:rPr>
+              <a:t> </a:t>
+            </a:r>
+          </a:p>
+          <a:p>
+            <a:r>
+              <a:rPr lang="ja-JP" altLang="en-US" sz="1400" dirty="0">
+                <a:solidFill>
+                  <a:srgbClr val="3B3B3B"/>
+                </a:solidFill>
+                <a:highlight>
+                  <a:srgbClr val="FFFFFF"/>
+                </a:highlight>
+                <a:latin typeface="Consolas" panose="020B0609020204030204" pitchFamily="49" charset="0"/>
+              </a:rPr>
+              <a:t>出力：</a:t>
+            </a:r>
+            <a:endParaRPr lang="en-US" altLang="ja-JP" sz="1400" dirty="0">
+              <a:solidFill>
+                <a:srgbClr val="3B3B3B"/>
+              </a:solidFill>
+              <a:highlight>
+                <a:srgbClr val="FFFFFF"/>
+              </a:highlight>
+              <a:latin typeface="Consolas" panose="020B0609020204030204" pitchFamily="49" charset="0"/>
+            </a:endParaRPr>
+          </a:p>
+          <a:p>
+            <a:r>
+              <a:rPr lang="en-US" altLang="zh-CN" sz="1400" b="0" dirty="0">
+                <a:solidFill>
+                  <a:srgbClr val="3B3B3B"/>
+                </a:solidFill>
+                <a:effectLst/>
+                <a:highlight>
+                  <a:srgbClr val="FFFFFF"/>
+                </a:highlight>
+                <a:latin typeface="Consolas" panose="020B0609020204030204" pitchFamily="49" charset="0"/>
+              </a:rPr>
+              <a:t>&lt;class '</a:t>
+            </a:r>
+            <a:r>
+              <a:rPr lang="en-US" altLang="zh-CN" sz="1400" b="0" dirty="0" err="1">
+                <a:solidFill>
+                  <a:srgbClr val="3B3B3B"/>
+                </a:solidFill>
+                <a:effectLst/>
+                <a:highlight>
+                  <a:srgbClr val="FFFFFF"/>
+                </a:highlight>
+                <a:latin typeface="Consolas" panose="020B0609020204030204" pitchFamily="49" charset="0"/>
+              </a:rPr>
+              <a:t>uvloop.Loop</a:t>
+            </a:r>
+            <a:r>
+              <a:rPr lang="en-US" altLang="zh-CN" sz="1400" b="0" dirty="0">
+                <a:solidFill>
+                  <a:srgbClr val="3B3B3B"/>
+                </a:solidFill>
+                <a:effectLst/>
+                <a:highlight>
+                  <a:srgbClr val="FFFFFF"/>
+                </a:highlight>
+                <a:latin typeface="Consolas" panose="020B0609020204030204" pitchFamily="49" charset="0"/>
+              </a:rPr>
+              <a:t>'&gt;</a:t>
+            </a:r>
+          </a:p>
+        </p:txBody>
+      </p:sp>
+      <p:sp>
+        <p:nvSpPr>
+          <p:cNvPr id="19" name="文本框 18">
+            <a:extLst>
+              <a:ext uri="{FF2B5EF4-FFF2-40B4-BE49-F238E27FC236}">
+                <a16:creationId xmlns:a16="http://schemas.microsoft.com/office/drawing/2014/main" id="{DAF1A638-2DCD-DE6C-1545-369FB8FD2FEC}"/>
+              </a:ext>
+            </a:extLst>
+          </p:cNvPr>
+          <p:cNvSpPr txBox="1"/>
+          <p:nvPr/>
+        </p:nvSpPr>
+        <p:spPr>
+          <a:xfrm>
+            <a:off x="5725593" y="3429000"/>
+            <a:ext cx="6097554" cy="2893100"/>
+          </a:xfrm>
+          <a:prstGeom prst="rect">
+            <a:avLst/>
+          </a:prstGeom>
+          <a:noFill/>
+          <a:ln>
+            <a:solidFill>
+              <a:schemeClr val="tx1"/>
+            </a:solidFill>
+          </a:ln>
+        </p:spPr>
+        <p:txBody>
+          <a:bodyPr wrap="square">
+            <a:spAutoFit/>
+          </a:bodyPr>
+          <a:lstStyle/>
+          <a:p>
+            <a:r>
+              <a:rPr lang="en-US" altLang="zh-CN" sz="1400" b="0" dirty="0">
+                <a:solidFill>
+                  <a:srgbClr val="AF00DB"/>
+                </a:solidFill>
+                <a:effectLst/>
+                <a:highlight>
+                  <a:srgbClr val="FFFFFF"/>
+                </a:highlight>
+                <a:latin typeface="Consolas" panose="020B0609020204030204" pitchFamily="49" charset="0"/>
+              </a:rPr>
+              <a:t>import</a:t>
+            </a:r>
+            <a:r>
+              <a:rPr lang="en-US" altLang="zh-CN" sz="1400" b="0" dirty="0">
+                <a:solidFill>
+                  <a:srgbClr val="3B3B3B"/>
+                </a:solidFill>
+                <a:effectLst/>
+                <a:highlight>
+                  <a:srgbClr val="FFFFFF"/>
+                </a:highlight>
+                <a:latin typeface="Consolas" panose="020B0609020204030204" pitchFamily="49" charset="0"/>
+              </a:rPr>
+              <a:t> </a:t>
+            </a:r>
+            <a:r>
+              <a:rPr lang="en-US" altLang="zh-CN" sz="1400" b="0" dirty="0" err="1">
+                <a:solidFill>
+                  <a:srgbClr val="267F99"/>
+                </a:solidFill>
+                <a:effectLst/>
+                <a:highlight>
+                  <a:srgbClr val="FFFFFF"/>
+                </a:highlight>
+                <a:latin typeface="Consolas" panose="020B0609020204030204" pitchFamily="49" charset="0"/>
+              </a:rPr>
+              <a:t>uvloop</a:t>
+            </a:r>
+            <a:endParaRPr lang="en-US" altLang="zh-CN" sz="1400" b="0" dirty="0">
+              <a:solidFill>
+                <a:srgbClr val="3B3B3B"/>
+              </a:solidFill>
+              <a:effectLst/>
+              <a:highlight>
+                <a:srgbClr val="FFFFFF"/>
+              </a:highlight>
+              <a:latin typeface="Consolas" panose="020B0609020204030204" pitchFamily="49" charset="0"/>
+            </a:endParaRPr>
+          </a:p>
+          <a:p>
+            <a:r>
+              <a:rPr lang="en-US" altLang="zh-CN" sz="1400" b="0" dirty="0">
+                <a:solidFill>
+                  <a:srgbClr val="AF00DB"/>
+                </a:solidFill>
+                <a:effectLst/>
+                <a:highlight>
+                  <a:srgbClr val="FFFFFF"/>
+                </a:highlight>
+                <a:latin typeface="Consolas" panose="020B0609020204030204" pitchFamily="49" charset="0"/>
+              </a:rPr>
+              <a:t>import</a:t>
+            </a:r>
+            <a:r>
+              <a:rPr lang="en-US" altLang="zh-CN" sz="1400" b="0" dirty="0">
+                <a:solidFill>
+                  <a:srgbClr val="3B3B3B"/>
+                </a:solidFill>
+                <a:effectLst/>
+                <a:highlight>
+                  <a:srgbClr val="FFFFFF"/>
+                </a:highlight>
+                <a:latin typeface="Consolas" panose="020B0609020204030204" pitchFamily="49" charset="0"/>
+              </a:rPr>
+              <a:t> </a:t>
+            </a:r>
+            <a:r>
+              <a:rPr lang="en-US" altLang="zh-CN" sz="1400" b="0" dirty="0" err="1">
+                <a:solidFill>
+                  <a:srgbClr val="267F99"/>
+                </a:solidFill>
+                <a:effectLst/>
+                <a:highlight>
+                  <a:srgbClr val="FFFFFF"/>
+                </a:highlight>
+                <a:latin typeface="Consolas" panose="020B0609020204030204" pitchFamily="49" charset="0"/>
+              </a:rPr>
+              <a:t>asyncio</a:t>
+            </a:r>
+            <a:endParaRPr lang="en-US" altLang="zh-CN" sz="1400" b="0" dirty="0">
+              <a:solidFill>
+                <a:srgbClr val="3B3B3B"/>
+              </a:solidFill>
+              <a:effectLst/>
+              <a:highlight>
+                <a:srgbClr val="FFFFFF"/>
+              </a:highlight>
+              <a:latin typeface="Consolas" panose="020B0609020204030204" pitchFamily="49" charset="0"/>
+            </a:endParaRPr>
+          </a:p>
+          <a:p>
+            <a:br>
+              <a:rPr lang="en-US" altLang="zh-CN" sz="1400" b="0" dirty="0">
+                <a:solidFill>
+                  <a:srgbClr val="3B3B3B"/>
+                </a:solidFill>
+                <a:effectLst/>
+                <a:highlight>
+                  <a:srgbClr val="FFFFFF"/>
+                </a:highlight>
+                <a:latin typeface="Consolas" panose="020B0609020204030204" pitchFamily="49" charset="0"/>
+              </a:rPr>
+            </a:br>
+            <a:r>
+              <a:rPr lang="en-US" altLang="zh-CN" sz="1400" b="0" dirty="0">
+                <a:solidFill>
+                  <a:srgbClr val="AF00DB"/>
+                </a:solidFill>
+                <a:effectLst/>
+                <a:highlight>
+                  <a:srgbClr val="FFFFFF"/>
+                </a:highlight>
+                <a:latin typeface="Consolas" panose="020B0609020204030204" pitchFamily="49" charset="0"/>
+              </a:rPr>
+              <a:t>if</a:t>
+            </a:r>
+            <a:r>
+              <a:rPr lang="en-US" altLang="zh-CN" sz="1400" b="0" dirty="0">
+                <a:solidFill>
+                  <a:srgbClr val="3B3B3B"/>
+                </a:solidFill>
+                <a:effectLst/>
+                <a:highlight>
+                  <a:srgbClr val="FFFFFF"/>
+                </a:highlight>
+                <a:latin typeface="Consolas" panose="020B0609020204030204" pitchFamily="49" charset="0"/>
+              </a:rPr>
+              <a:t> </a:t>
+            </a:r>
+            <a:r>
+              <a:rPr lang="en-US" altLang="zh-CN" sz="1400" b="0" dirty="0">
+                <a:solidFill>
+                  <a:srgbClr val="001080"/>
+                </a:solidFill>
+                <a:effectLst/>
+                <a:highlight>
+                  <a:srgbClr val="FFFFFF"/>
+                </a:highlight>
+                <a:latin typeface="Consolas" panose="020B0609020204030204" pitchFamily="49" charset="0"/>
+              </a:rPr>
+              <a:t>__name__</a:t>
+            </a:r>
+            <a:r>
+              <a:rPr lang="en-US" altLang="zh-CN" sz="1400" b="0" dirty="0">
+                <a:solidFill>
+                  <a:srgbClr val="3B3B3B"/>
+                </a:solidFill>
+                <a:effectLst/>
+                <a:highlight>
+                  <a:srgbClr val="FFFFFF"/>
+                </a:highlight>
+                <a:latin typeface="Consolas" panose="020B0609020204030204" pitchFamily="49" charset="0"/>
+              </a:rPr>
+              <a:t> </a:t>
+            </a:r>
+            <a:r>
+              <a:rPr lang="en-US" altLang="zh-CN" sz="1400" b="0" dirty="0">
+                <a:solidFill>
+                  <a:srgbClr val="000000"/>
+                </a:solidFill>
+                <a:effectLst/>
+                <a:highlight>
+                  <a:srgbClr val="FFFFFF"/>
+                </a:highlight>
+                <a:latin typeface="Consolas" panose="020B0609020204030204" pitchFamily="49" charset="0"/>
+              </a:rPr>
+              <a:t>==</a:t>
+            </a:r>
+            <a:r>
+              <a:rPr lang="en-US" altLang="zh-CN" sz="1400" b="0" dirty="0">
+                <a:solidFill>
+                  <a:srgbClr val="3B3B3B"/>
+                </a:solidFill>
+                <a:effectLst/>
+                <a:highlight>
+                  <a:srgbClr val="FFFFFF"/>
+                </a:highlight>
+                <a:latin typeface="Consolas" panose="020B0609020204030204" pitchFamily="49" charset="0"/>
+              </a:rPr>
+              <a:t> </a:t>
+            </a:r>
+            <a:r>
+              <a:rPr lang="en-US" altLang="zh-CN" sz="1400" b="0" dirty="0">
+                <a:solidFill>
+                  <a:srgbClr val="A31515"/>
+                </a:solidFill>
+                <a:effectLst/>
+                <a:highlight>
+                  <a:srgbClr val="FFFFFF"/>
+                </a:highlight>
+                <a:latin typeface="Consolas" panose="020B0609020204030204" pitchFamily="49" charset="0"/>
+              </a:rPr>
+              <a:t>"__main__"</a:t>
+            </a:r>
+            <a:r>
+              <a:rPr lang="en-US" altLang="zh-CN" sz="1400" b="0" dirty="0">
+                <a:solidFill>
+                  <a:srgbClr val="3B3B3B"/>
+                </a:solidFill>
+                <a:effectLst/>
+                <a:highlight>
+                  <a:srgbClr val="FFFFFF"/>
+                </a:highlight>
+                <a:latin typeface="Consolas" panose="020B0609020204030204" pitchFamily="49" charset="0"/>
+              </a:rPr>
+              <a:t>:</a:t>
+            </a:r>
+          </a:p>
+          <a:p>
+            <a:r>
+              <a:rPr lang="en-US" altLang="zh-CN" sz="1400" dirty="0">
+                <a:solidFill>
+                  <a:srgbClr val="3B3B3B"/>
+                </a:solidFill>
+                <a:highlight>
+                  <a:srgbClr val="FFFFFF"/>
+                </a:highlight>
+                <a:latin typeface="Consolas" panose="020B0609020204030204" pitchFamily="49" charset="0"/>
+              </a:rPr>
+              <a:t>    </a:t>
+            </a:r>
+            <a:r>
+              <a:rPr lang="en-US" altLang="zh-CN" sz="1400" dirty="0">
+                <a:solidFill>
+                  <a:srgbClr val="008000"/>
+                </a:solidFill>
+                <a:highlight>
+                  <a:srgbClr val="FFFFFF"/>
+                </a:highlight>
+                <a:latin typeface="Consolas" panose="020B0609020204030204" pitchFamily="49" charset="0"/>
+              </a:rPr>
+              <a:t># </a:t>
+            </a:r>
+            <a:r>
+              <a:rPr lang="ja-JP" altLang="en-US" sz="1400" dirty="0">
+                <a:solidFill>
+                  <a:srgbClr val="008000"/>
+                </a:solidFill>
+                <a:highlight>
+                  <a:srgbClr val="FFFFFF"/>
+                </a:highlight>
+                <a:latin typeface="Consolas" panose="020B0609020204030204" pitchFamily="49" charset="0"/>
+              </a:rPr>
+              <a:t>イベントループのポリシーを変更</a:t>
+            </a:r>
+            <a:endParaRPr lang="en-US" altLang="zh-CN" sz="1400" b="0" dirty="0">
+              <a:solidFill>
+                <a:srgbClr val="3B3B3B"/>
+              </a:solidFill>
+              <a:effectLst/>
+              <a:highlight>
+                <a:srgbClr val="FFFFFF"/>
+              </a:highlight>
+              <a:latin typeface="Consolas" panose="020B0609020204030204" pitchFamily="49" charset="0"/>
+            </a:endParaRPr>
+          </a:p>
+          <a:p>
+            <a:r>
+              <a:rPr lang="en-US" altLang="zh-CN" sz="1400" b="0" dirty="0">
+                <a:solidFill>
+                  <a:srgbClr val="3B3B3B"/>
+                </a:solidFill>
+                <a:effectLst/>
+                <a:highlight>
+                  <a:srgbClr val="FFFFFF"/>
+                </a:highlight>
+                <a:latin typeface="Consolas" panose="020B0609020204030204" pitchFamily="49" charset="0"/>
+              </a:rPr>
+              <a:t>    </a:t>
+            </a:r>
+            <a:r>
+              <a:rPr lang="en-US" altLang="zh-CN" sz="1400" b="0" dirty="0" err="1">
+                <a:solidFill>
+                  <a:srgbClr val="267F99"/>
+                </a:solidFill>
+                <a:effectLst/>
+                <a:highlight>
+                  <a:srgbClr val="FFFFFF"/>
+                </a:highlight>
+                <a:latin typeface="Consolas" panose="020B0609020204030204" pitchFamily="49" charset="0"/>
+              </a:rPr>
+              <a:t>asyncio</a:t>
+            </a:r>
+            <a:r>
+              <a:rPr lang="en-US" altLang="zh-CN" sz="1400" b="0" dirty="0" err="1">
+                <a:solidFill>
+                  <a:srgbClr val="3B3B3B"/>
+                </a:solidFill>
+                <a:effectLst/>
+                <a:highlight>
+                  <a:srgbClr val="FFFFFF"/>
+                </a:highlight>
+                <a:latin typeface="Consolas" panose="020B0609020204030204" pitchFamily="49" charset="0"/>
+              </a:rPr>
+              <a:t>.</a:t>
+            </a:r>
+            <a:r>
+              <a:rPr lang="en-US" altLang="zh-CN" sz="1400" b="0" dirty="0" err="1">
+                <a:solidFill>
+                  <a:srgbClr val="795E26"/>
+                </a:solidFill>
+                <a:effectLst/>
+                <a:highlight>
+                  <a:srgbClr val="FFFFFF"/>
+                </a:highlight>
+                <a:latin typeface="Consolas" panose="020B0609020204030204" pitchFamily="49" charset="0"/>
+              </a:rPr>
+              <a:t>set_event_loop_policy</a:t>
+            </a:r>
+            <a:r>
+              <a:rPr lang="en-US" altLang="zh-CN" sz="1400" b="0" dirty="0">
+                <a:solidFill>
+                  <a:srgbClr val="3B3B3B"/>
+                </a:solidFill>
+                <a:effectLst/>
+                <a:highlight>
+                  <a:srgbClr val="FFFFFF"/>
+                </a:highlight>
+                <a:latin typeface="Consolas" panose="020B0609020204030204" pitchFamily="49" charset="0"/>
+              </a:rPr>
+              <a:t>(</a:t>
+            </a:r>
+            <a:r>
+              <a:rPr lang="en-US" altLang="zh-CN" sz="1400" b="0" dirty="0" err="1">
+                <a:solidFill>
+                  <a:srgbClr val="267F99"/>
+                </a:solidFill>
+                <a:effectLst/>
+                <a:highlight>
+                  <a:srgbClr val="FFFFFF"/>
+                </a:highlight>
+                <a:latin typeface="Consolas" panose="020B0609020204030204" pitchFamily="49" charset="0"/>
+              </a:rPr>
+              <a:t>uvloop</a:t>
+            </a:r>
+            <a:r>
+              <a:rPr lang="en-US" altLang="zh-CN" sz="1400" b="0" dirty="0" err="1">
+                <a:solidFill>
+                  <a:srgbClr val="3B3B3B"/>
+                </a:solidFill>
+                <a:effectLst/>
+                <a:highlight>
+                  <a:srgbClr val="FFFFFF"/>
+                </a:highlight>
+                <a:latin typeface="Consolas" panose="020B0609020204030204" pitchFamily="49" charset="0"/>
+              </a:rPr>
+              <a:t>.</a:t>
+            </a:r>
+            <a:r>
+              <a:rPr lang="en-US" altLang="zh-CN" sz="1400" b="0" dirty="0" err="1">
+                <a:solidFill>
+                  <a:srgbClr val="267F99"/>
+                </a:solidFill>
+                <a:effectLst/>
+                <a:highlight>
+                  <a:srgbClr val="FFFFFF"/>
+                </a:highlight>
+                <a:latin typeface="Consolas" panose="020B0609020204030204" pitchFamily="49" charset="0"/>
+              </a:rPr>
+              <a:t>EventLoopPolicy</a:t>
+            </a:r>
+            <a:r>
+              <a:rPr lang="en-US" altLang="zh-CN" sz="1400" b="0" dirty="0">
+                <a:solidFill>
+                  <a:srgbClr val="3B3B3B"/>
+                </a:solidFill>
+                <a:effectLst/>
+                <a:highlight>
+                  <a:srgbClr val="FFFFFF"/>
+                </a:highlight>
+                <a:latin typeface="Consolas" panose="020B0609020204030204" pitchFamily="49" charset="0"/>
+              </a:rPr>
+              <a:t>())</a:t>
+            </a:r>
+          </a:p>
+          <a:p>
+            <a:endParaRPr lang="en-US" altLang="zh-CN" sz="1400" dirty="0">
+              <a:solidFill>
+                <a:srgbClr val="3B3B3B"/>
+              </a:solidFill>
+              <a:highlight>
+                <a:srgbClr val="FFFFFF"/>
+              </a:highlight>
+              <a:latin typeface="Consolas" panose="020B0609020204030204" pitchFamily="49" charset="0"/>
+            </a:endParaRPr>
+          </a:p>
+          <a:p>
+            <a:r>
+              <a:rPr lang="ja-JP" altLang="en-US" sz="1400" dirty="0">
+                <a:solidFill>
+                  <a:srgbClr val="008000"/>
+                </a:solidFill>
+                <a:highlight>
+                  <a:srgbClr val="FFFFFF"/>
+                </a:highlight>
+                <a:latin typeface="Consolas" panose="020B0609020204030204" pitchFamily="49" charset="0"/>
+              </a:rPr>
+              <a:t>　　</a:t>
+            </a:r>
+            <a:r>
+              <a:rPr lang="en-US" altLang="zh-CN" sz="1400" dirty="0">
+                <a:solidFill>
+                  <a:srgbClr val="008000"/>
+                </a:solidFill>
+                <a:highlight>
+                  <a:srgbClr val="FFFFFF"/>
+                </a:highlight>
+                <a:latin typeface="Consolas" panose="020B0609020204030204" pitchFamily="49" charset="0"/>
+              </a:rPr>
+              <a:t>#</a:t>
+            </a:r>
+            <a:r>
+              <a:rPr lang="ja-JP" altLang="en-US" sz="1400" dirty="0">
+                <a:solidFill>
+                  <a:srgbClr val="008000"/>
+                </a:solidFill>
+                <a:highlight>
+                  <a:srgbClr val="FFFFFF"/>
+                </a:highlight>
+                <a:latin typeface="Consolas" panose="020B0609020204030204" pitchFamily="49" charset="0"/>
+              </a:rPr>
+              <a:t>　新しいイベントループを作る</a:t>
+            </a:r>
+            <a:endParaRPr lang="en-US" altLang="zh-CN" sz="1400" b="0" dirty="0">
+              <a:solidFill>
+                <a:srgbClr val="3B3B3B"/>
+              </a:solidFill>
+              <a:effectLst/>
+              <a:highlight>
+                <a:srgbClr val="FFFFFF"/>
+              </a:highlight>
+              <a:latin typeface="Consolas" panose="020B0609020204030204" pitchFamily="49" charset="0"/>
+            </a:endParaRPr>
+          </a:p>
+          <a:p>
+            <a:r>
+              <a:rPr lang="en-US" altLang="zh-CN" sz="1400" b="0" dirty="0">
+                <a:solidFill>
+                  <a:srgbClr val="3B3B3B"/>
+                </a:solidFill>
+                <a:effectLst/>
+                <a:highlight>
+                  <a:srgbClr val="FFFFFF"/>
+                </a:highlight>
+                <a:latin typeface="Consolas" panose="020B0609020204030204" pitchFamily="49" charset="0"/>
+              </a:rPr>
+              <a:t>    </a:t>
+            </a:r>
+            <a:r>
+              <a:rPr lang="en-US" altLang="zh-CN" sz="1400" b="0" dirty="0">
+                <a:solidFill>
+                  <a:srgbClr val="001080"/>
+                </a:solidFill>
+                <a:effectLst/>
+                <a:highlight>
+                  <a:srgbClr val="FFFFFF"/>
+                </a:highlight>
+                <a:latin typeface="Consolas" panose="020B0609020204030204" pitchFamily="49" charset="0"/>
+              </a:rPr>
+              <a:t>loop</a:t>
+            </a:r>
+            <a:r>
+              <a:rPr lang="en-US" altLang="zh-CN" sz="1400" b="0" dirty="0">
+                <a:solidFill>
+                  <a:srgbClr val="3B3B3B"/>
+                </a:solidFill>
+                <a:effectLst/>
+                <a:highlight>
+                  <a:srgbClr val="FFFFFF"/>
+                </a:highlight>
+                <a:latin typeface="Consolas" panose="020B0609020204030204" pitchFamily="49" charset="0"/>
+              </a:rPr>
+              <a:t> </a:t>
+            </a:r>
+            <a:r>
+              <a:rPr lang="en-US" altLang="zh-CN" sz="1400" b="0" dirty="0">
+                <a:solidFill>
+                  <a:srgbClr val="000000"/>
+                </a:solidFill>
+                <a:effectLst/>
+                <a:highlight>
+                  <a:srgbClr val="FFFFFF"/>
+                </a:highlight>
+                <a:latin typeface="Consolas" panose="020B0609020204030204" pitchFamily="49" charset="0"/>
+              </a:rPr>
+              <a:t>=</a:t>
+            </a:r>
+            <a:r>
+              <a:rPr lang="en-US" altLang="zh-CN" sz="1400" b="0" dirty="0">
+                <a:solidFill>
+                  <a:srgbClr val="3B3B3B"/>
+                </a:solidFill>
+                <a:effectLst/>
+                <a:highlight>
+                  <a:srgbClr val="FFFFFF"/>
+                </a:highlight>
+                <a:latin typeface="Consolas" panose="020B0609020204030204" pitchFamily="49" charset="0"/>
+              </a:rPr>
+              <a:t> </a:t>
+            </a:r>
+            <a:r>
+              <a:rPr lang="en-US" altLang="zh-CN" sz="1400" b="0" dirty="0" err="1">
+                <a:solidFill>
+                  <a:srgbClr val="267F99"/>
+                </a:solidFill>
+                <a:effectLst/>
+                <a:highlight>
+                  <a:srgbClr val="FFFFFF"/>
+                </a:highlight>
+                <a:latin typeface="Consolas" panose="020B0609020204030204" pitchFamily="49" charset="0"/>
+              </a:rPr>
+              <a:t>asyncio</a:t>
+            </a:r>
+            <a:r>
+              <a:rPr lang="en-US" altLang="zh-CN" sz="1400" b="0" dirty="0" err="1">
+                <a:solidFill>
+                  <a:srgbClr val="3B3B3B"/>
+                </a:solidFill>
+                <a:effectLst/>
+                <a:highlight>
+                  <a:srgbClr val="FFFFFF"/>
+                </a:highlight>
+                <a:latin typeface="Consolas" panose="020B0609020204030204" pitchFamily="49" charset="0"/>
+              </a:rPr>
+              <a:t>.</a:t>
+            </a:r>
+            <a:r>
+              <a:rPr lang="en-US" altLang="zh-CN" sz="1400" b="0" dirty="0" err="1">
+                <a:solidFill>
+                  <a:srgbClr val="795E26"/>
+                </a:solidFill>
+                <a:effectLst/>
+                <a:highlight>
+                  <a:srgbClr val="FFFFFF"/>
+                </a:highlight>
+                <a:latin typeface="Consolas" panose="020B0609020204030204" pitchFamily="49" charset="0"/>
+              </a:rPr>
+              <a:t>new_event_loop</a:t>
+            </a:r>
+            <a:r>
+              <a:rPr lang="en-US" altLang="zh-CN" sz="1400" b="0" dirty="0">
+                <a:solidFill>
+                  <a:srgbClr val="3B3B3B"/>
+                </a:solidFill>
+                <a:effectLst/>
+                <a:highlight>
+                  <a:srgbClr val="FFFFFF"/>
+                </a:highlight>
+                <a:latin typeface="Consolas" panose="020B0609020204030204" pitchFamily="49" charset="0"/>
+              </a:rPr>
+              <a:t>()</a:t>
+            </a:r>
+          </a:p>
+          <a:p>
+            <a:r>
+              <a:rPr lang="en-US" altLang="zh-CN" sz="1400" b="0" dirty="0">
+                <a:solidFill>
+                  <a:srgbClr val="3B3B3B"/>
+                </a:solidFill>
+                <a:effectLst/>
+                <a:highlight>
+                  <a:srgbClr val="FFFFFF"/>
+                </a:highlight>
+                <a:latin typeface="Consolas" panose="020B0609020204030204" pitchFamily="49" charset="0"/>
+              </a:rPr>
+              <a:t>    </a:t>
+            </a:r>
+            <a:r>
+              <a:rPr lang="en-US" altLang="zh-CN" sz="1400" b="0" dirty="0">
+                <a:solidFill>
+                  <a:srgbClr val="795E26"/>
+                </a:solidFill>
+                <a:effectLst/>
+                <a:highlight>
+                  <a:srgbClr val="FFFFFF"/>
+                </a:highlight>
+                <a:latin typeface="Consolas" panose="020B0609020204030204" pitchFamily="49" charset="0"/>
+              </a:rPr>
+              <a:t>print</a:t>
+            </a:r>
+            <a:r>
+              <a:rPr lang="en-US" altLang="zh-CN" sz="1400" b="0" dirty="0">
+                <a:solidFill>
+                  <a:srgbClr val="3B3B3B"/>
+                </a:solidFill>
+                <a:effectLst/>
+                <a:highlight>
+                  <a:srgbClr val="FFFFFF"/>
+                </a:highlight>
+                <a:latin typeface="Consolas" panose="020B0609020204030204" pitchFamily="49" charset="0"/>
+              </a:rPr>
+              <a:t>(</a:t>
+            </a:r>
+            <a:r>
+              <a:rPr lang="en-US" altLang="zh-CN" sz="1400" b="0" dirty="0">
+                <a:solidFill>
+                  <a:srgbClr val="267F99"/>
+                </a:solidFill>
+                <a:effectLst/>
+                <a:highlight>
+                  <a:srgbClr val="FFFFFF"/>
+                </a:highlight>
+                <a:latin typeface="Consolas" panose="020B0609020204030204" pitchFamily="49" charset="0"/>
+              </a:rPr>
+              <a:t>type</a:t>
+            </a:r>
+            <a:r>
+              <a:rPr lang="en-US" altLang="zh-CN" sz="1400" b="0" dirty="0">
+                <a:solidFill>
+                  <a:srgbClr val="3B3B3B"/>
+                </a:solidFill>
+                <a:effectLst/>
+                <a:highlight>
+                  <a:srgbClr val="FFFFFF"/>
+                </a:highlight>
+                <a:latin typeface="Consolas" panose="020B0609020204030204" pitchFamily="49" charset="0"/>
+              </a:rPr>
+              <a:t>(</a:t>
+            </a:r>
+            <a:r>
+              <a:rPr lang="en-US" altLang="zh-CN" sz="1400" b="0" dirty="0">
+                <a:solidFill>
+                  <a:srgbClr val="001080"/>
+                </a:solidFill>
+                <a:effectLst/>
+                <a:highlight>
+                  <a:srgbClr val="FFFFFF"/>
+                </a:highlight>
+                <a:latin typeface="Consolas" panose="020B0609020204030204" pitchFamily="49" charset="0"/>
+              </a:rPr>
+              <a:t>loop</a:t>
+            </a:r>
+            <a:r>
+              <a:rPr lang="en-US" altLang="zh-CN" sz="1400" b="0" dirty="0">
+                <a:solidFill>
+                  <a:srgbClr val="3B3B3B"/>
+                </a:solidFill>
+                <a:effectLst/>
+                <a:highlight>
+                  <a:srgbClr val="FFFFFF"/>
+                </a:highlight>
+                <a:latin typeface="Consolas" panose="020B0609020204030204" pitchFamily="49" charset="0"/>
+              </a:rPr>
+              <a:t>))</a:t>
+            </a:r>
+          </a:p>
+          <a:p>
+            <a:endParaRPr lang="en-US" altLang="zh-CN" sz="1400" dirty="0">
+              <a:solidFill>
+                <a:srgbClr val="3B3B3B"/>
+              </a:solidFill>
+              <a:highlight>
+                <a:srgbClr val="FFFFFF"/>
+              </a:highlight>
+              <a:latin typeface="Consolas" panose="020B0609020204030204" pitchFamily="49" charset="0"/>
+            </a:endParaRPr>
+          </a:p>
+          <a:p>
+            <a:r>
+              <a:rPr lang="ja-JP" altLang="en-US" sz="1400" b="0" dirty="0">
+                <a:solidFill>
+                  <a:srgbClr val="3B3B3B"/>
+                </a:solidFill>
+                <a:effectLst/>
+                <a:highlight>
+                  <a:srgbClr val="FFFFFF"/>
+                </a:highlight>
+                <a:latin typeface="Consolas" panose="020B0609020204030204" pitchFamily="49" charset="0"/>
+              </a:rPr>
+              <a:t>出力：</a:t>
+            </a:r>
+            <a:endParaRPr lang="en-US" altLang="ja-JP" sz="1400" b="0" dirty="0">
+              <a:solidFill>
+                <a:srgbClr val="3B3B3B"/>
+              </a:solidFill>
+              <a:effectLst/>
+              <a:highlight>
+                <a:srgbClr val="FFFFFF"/>
+              </a:highlight>
+              <a:latin typeface="Consolas" panose="020B0609020204030204" pitchFamily="49" charset="0"/>
+            </a:endParaRPr>
+          </a:p>
+          <a:p>
+            <a:r>
+              <a:rPr lang="en-US" altLang="zh-CN" sz="1400" b="0" dirty="0">
+                <a:solidFill>
+                  <a:srgbClr val="3B3B3B"/>
+                </a:solidFill>
+                <a:effectLst/>
+                <a:highlight>
+                  <a:srgbClr val="FFFFFF"/>
+                </a:highlight>
+                <a:latin typeface="Consolas" panose="020B0609020204030204" pitchFamily="49" charset="0"/>
+              </a:rPr>
+              <a:t>&lt;class '</a:t>
+            </a:r>
+            <a:r>
+              <a:rPr lang="en-US" altLang="zh-CN" sz="1400" b="0" dirty="0" err="1">
+                <a:solidFill>
+                  <a:srgbClr val="3B3B3B"/>
+                </a:solidFill>
+                <a:effectLst/>
+                <a:highlight>
+                  <a:srgbClr val="FFFFFF"/>
+                </a:highlight>
+                <a:latin typeface="Consolas" panose="020B0609020204030204" pitchFamily="49" charset="0"/>
+              </a:rPr>
+              <a:t>uvloop.Loop</a:t>
+            </a:r>
+            <a:r>
+              <a:rPr lang="en-US" altLang="zh-CN" sz="1400" b="0" dirty="0">
+                <a:solidFill>
+                  <a:srgbClr val="3B3B3B"/>
+                </a:solidFill>
+                <a:effectLst/>
+                <a:highlight>
+                  <a:srgbClr val="FFFFFF"/>
+                </a:highlight>
+                <a:latin typeface="Consolas" panose="020B0609020204030204" pitchFamily="49" charset="0"/>
+              </a:rPr>
+              <a:t>'&gt;</a:t>
+            </a:r>
+          </a:p>
+        </p:txBody>
+      </p:sp>
+    </p:spTree>
+    <p:extLst>
+      <p:ext uri="{BB962C8B-B14F-4D97-AF65-F5344CB8AC3E}">
+        <p14:creationId xmlns:p14="http://schemas.microsoft.com/office/powerpoint/2010/main" val="1580396884"/>
+      </p:ext>
+    </p:extLst>
+  </p:cSld>
+  <p:clrMapOvr>
+    <a:masterClrMapping/>
+  </p:clrMapOvr>
+</p:sld>
+</file>
+
+<file path=ppt/slides/slide9.xml><?xml version="1.0" encoding="utf-8"?>
+<p:sld xmlns:a="http://schemas.openxmlformats.org/drawingml/2006/main" xmlns:r="http://schemas.openxmlformats.org/officeDocument/2006/relationships" xmlns:p="http://schemas.openxmlformats.org/presentationml/2006/main">
+  <p:cSld>
+    <p:spTree>
+      <p:nvGrpSpPr>
+        <p:cNvPr id="1" name=""/>
+        <p:cNvGrpSpPr/>
+        <p:nvPr/>
+      </p:nvGrpSpPr>
+      <p:grpSpPr>
+        <a:xfrm>
+          <a:off x="0" y="0"/>
+          <a:ext cx="0" cy="0"/>
+          <a:chOff x="0" y="0"/>
+          <a:chExt cx="0" cy="0"/>
+        </a:xfrm>
+      </p:grpSpPr>
+      <p:sp>
+        <p:nvSpPr>
           <p:cNvPr id="2" name="タイトル 1">
             <a:extLst>
               <a:ext uri="{FF2B5EF4-FFF2-40B4-BE49-F238E27FC236}">

--- a/lcj_zemi_python.pptx
+++ b/lcj_zemi_python.pptx
@@ -5,7 +5,7 @@
     <p:sldMasterId id="2147483648" r:id="rId1"/>
   </p:sldMasterIdLst>
   <p:notesMasterIdLst>
-    <p:notesMasterId r:id="rId11"/>
+    <p:notesMasterId r:id="rId12"/>
   </p:notesMasterIdLst>
   <p:sldIdLst>
     <p:sldId id="260" r:id="rId2"/>
@@ -16,7 +16,8 @@
     <p:sldId id="298" r:id="rId7"/>
     <p:sldId id="299" r:id="rId8"/>
     <p:sldId id="300" r:id="rId9"/>
-    <p:sldId id="293" r:id="rId10"/>
+    <p:sldId id="301" r:id="rId10"/>
+    <p:sldId id="293" r:id="rId11"/>
   </p:sldIdLst>
   <p:sldSz cx="12192000" cy="6858000"/>
   <p:notesSz cx="6858000" cy="9144000"/>
@@ -205,7 +206,7 @@
           <a:p>
             <a:fld id="{2BC54830-42DA-4404-9F8C-DE9E00A18181}" type="datetimeFigureOut">
               <a:rPr lang="zh-CN" altLang="en-US" smtClean="0"/>
-              <a:t>2024/7/23</a:t>
+              <a:t>2024/7/25</a:t>
             </a:fld>
             <a:endParaRPr lang="zh-CN" altLang="en-US"/>
           </a:p>
@@ -619,7 +620,7 @@
           <a:p>
             <a:fld id="{F5930DB7-C5F0-4CA2-914A-8532991C33D9}" type="datetimeFigureOut">
               <a:rPr lang="zh-CN" altLang="en-US" smtClean="0"/>
-              <a:t>2024/7/23</a:t>
+              <a:t>2024/7/25</a:t>
             </a:fld>
             <a:endParaRPr lang="zh-CN" altLang="en-US"/>
           </a:p>
@@ -817,7 +818,7 @@
           <a:p>
             <a:fld id="{F5930DB7-C5F0-4CA2-914A-8532991C33D9}" type="datetimeFigureOut">
               <a:rPr lang="zh-CN" altLang="en-US" smtClean="0"/>
-              <a:t>2024/7/23</a:t>
+              <a:t>2024/7/25</a:t>
             </a:fld>
             <a:endParaRPr lang="zh-CN" altLang="en-US"/>
           </a:p>
@@ -1025,7 +1026,7 @@
           <a:p>
             <a:fld id="{F5930DB7-C5F0-4CA2-914A-8532991C33D9}" type="datetimeFigureOut">
               <a:rPr lang="zh-CN" altLang="en-US" smtClean="0"/>
-              <a:t>2024/7/23</a:t>
+              <a:t>2024/7/25</a:t>
             </a:fld>
             <a:endParaRPr lang="zh-CN" altLang="en-US"/>
           </a:p>
@@ -1223,7 +1224,7 @@
           <a:p>
             <a:fld id="{F5930DB7-C5F0-4CA2-914A-8532991C33D9}" type="datetimeFigureOut">
               <a:rPr lang="zh-CN" altLang="en-US" smtClean="0"/>
-              <a:t>2024/7/23</a:t>
+              <a:t>2024/7/25</a:t>
             </a:fld>
             <a:endParaRPr lang="zh-CN" altLang="en-US"/>
           </a:p>
@@ -1498,7 +1499,7 @@
           <a:p>
             <a:fld id="{F5930DB7-C5F0-4CA2-914A-8532991C33D9}" type="datetimeFigureOut">
               <a:rPr lang="zh-CN" altLang="en-US" smtClean="0"/>
-              <a:t>2024/7/23</a:t>
+              <a:t>2024/7/25</a:t>
             </a:fld>
             <a:endParaRPr lang="zh-CN" altLang="en-US"/>
           </a:p>
@@ -1763,7 +1764,7 @@
           <a:p>
             <a:fld id="{F5930DB7-C5F0-4CA2-914A-8532991C33D9}" type="datetimeFigureOut">
               <a:rPr lang="zh-CN" altLang="en-US" smtClean="0"/>
-              <a:t>2024/7/23</a:t>
+              <a:t>2024/7/25</a:t>
             </a:fld>
             <a:endParaRPr lang="zh-CN" altLang="en-US"/>
           </a:p>
@@ -2175,7 +2176,7 @@
           <a:p>
             <a:fld id="{F5930DB7-C5F0-4CA2-914A-8532991C33D9}" type="datetimeFigureOut">
               <a:rPr lang="zh-CN" altLang="en-US" smtClean="0"/>
-              <a:t>2024/7/23</a:t>
+              <a:t>2024/7/25</a:t>
             </a:fld>
             <a:endParaRPr lang="zh-CN" altLang="en-US"/>
           </a:p>
@@ -2316,7 +2317,7 @@
           <a:p>
             <a:fld id="{F5930DB7-C5F0-4CA2-914A-8532991C33D9}" type="datetimeFigureOut">
               <a:rPr lang="zh-CN" altLang="en-US" smtClean="0"/>
-              <a:t>2024/7/23</a:t>
+              <a:t>2024/7/25</a:t>
             </a:fld>
             <a:endParaRPr lang="zh-CN" altLang="en-US"/>
           </a:p>
@@ -2429,7 +2430,7 @@
           <a:p>
             <a:fld id="{F5930DB7-C5F0-4CA2-914A-8532991C33D9}" type="datetimeFigureOut">
               <a:rPr lang="zh-CN" altLang="en-US" smtClean="0"/>
-              <a:t>2024/7/23</a:t>
+              <a:t>2024/7/25</a:t>
             </a:fld>
             <a:endParaRPr lang="zh-CN" altLang="en-US"/>
           </a:p>
@@ -2740,7 +2741,7 @@
           <a:p>
             <a:fld id="{F5930DB7-C5F0-4CA2-914A-8532991C33D9}" type="datetimeFigureOut">
               <a:rPr lang="zh-CN" altLang="en-US" smtClean="0"/>
-              <a:t>2024/7/23</a:t>
+              <a:t>2024/7/25</a:t>
             </a:fld>
             <a:endParaRPr lang="zh-CN" altLang="en-US"/>
           </a:p>
@@ -3028,7 +3029,7 @@
           <a:p>
             <a:fld id="{F5930DB7-C5F0-4CA2-914A-8532991C33D9}" type="datetimeFigureOut">
               <a:rPr lang="zh-CN" altLang="en-US" smtClean="0"/>
-              <a:t>2024/7/23</a:t>
+              <a:t>2024/7/25</a:t>
             </a:fld>
             <a:endParaRPr lang="zh-CN" altLang="en-US"/>
           </a:p>
@@ -3269,7 +3270,7 @@
           <a:p>
             <a:fld id="{F5930DB7-C5F0-4CA2-914A-8532991C33D9}" type="datetimeFigureOut">
               <a:rPr lang="zh-CN" altLang="en-US" smtClean="0"/>
-              <a:t>2024/7/23</a:t>
+              <a:t>2024/7/25</a:t>
             </a:fld>
             <a:endParaRPr lang="zh-CN" altLang="en-US"/>
           </a:p>
@@ -3813,6 +3814,159 @@
     <p:extLst>
       <p:ext uri="{BB962C8B-B14F-4D97-AF65-F5344CB8AC3E}">
         <p14:creationId xmlns:p14="http://schemas.microsoft.com/office/powerpoint/2010/main" val="2568012831"/>
+      </p:ext>
+    </p:extLst>
+  </p:cSld>
+  <p:clrMapOvr>
+    <a:masterClrMapping/>
+  </p:clrMapOvr>
+</p:sld>
+</file>
+
+<file path=ppt/slides/slide10.xml><?xml version="1.0" encoding="utf-8"?>
+<p:sld xmlns:a="http://schemas.openxmlformats.org/drawingml/2006/main" xmlns:r="http://schemas.openxmlformats.org/officeDocument/2006/relationships" xmlns:p="http://schemas.openxmlformats.org/presentationml/2006/main">
+  <p:cSld>
+    <p:spTree>
+      <p:nvGrpSpPr>
+        <p:cNvPr id="1" name=""/>
+        <p:cNvGrpSpPr/>
+        <p:nvPr/>
+      </p:nvGrpSpPr>
+      <p:grpSpPr>
+        <a:xfrm>
+          <a:off x="0" y="0"/>
+          <a:ext cx="0" cy="0"/>
+          <a:chOff x="0" y="0"/>
+          <a:chExt cx="0" cy="0"/>
+        </a:xfrm>
+      </p:grpSpPr>
+      <p:sp>
+        <p:nvSpPr>
+          <p:cNvPr id="2" name="タイトル 1">
+            <a:extLst>
+              <a:ext uri="{FF2B5EF4-FFF2-40B4-BE49-F238E27FC236}">
+                <a16:creationId xmlns:a16="http://schemas.microsoft.com/office/drawing/2014/main" id="{B8C3F505-9741-574E-9738-17282F80B4C0}"/>
+              </a:ext>
+            </a:extLst>
+          </p:cNvPr>
+          <p:cNvSpPr>
+            <a:spLocks noGrp="1"/>
+          </p:cNvSpPr>
+          <p:nvPr>
+            <p:ph type="ctrTitle"/>
+          </p:nvPr>
+        </p:nvSpPr>
+        <p:spPr>
+          <a:xfrm>
+            <a:off x="1524000" y="1468582"/>
+            <a:ext cx="9144000" cy="1514908"/>
+          </a:xfrm>
+        </p:spPr>
+        <p:txBody>
+          <a:bodyPr>
+            <a:normAutofit/>
+          </a:bodyPr>
+          <a:lstStyle/>
+          <a:p>
+            <a:r>
+              <a:rPr kumimoji="1" lang="en-US" altLang="zh-CN" dirty="0"/>
+              <a:t>Thanks</a:t>
+            </a:r>
+            <a:endParaRPr kumimoji="1" lang="ja-JP" altLang="en-US" dirty="0"/>
+          </a:p>
+        </p:txBody>
+      </p:sp>
+      <p:sp>
+        <p:nvSpPr>
+          <p:cNvPr id="3" name="字幕 2">
+            <a:extLst>
+              <a:ext uri="{FF2B5EF4-FFF2-40B4-BE49-F238E27FC236}">
+                <a16:creationId xmlns:a16="http://schemas.microsoft.com/office/drawing/2014/main" id="{3EA3BA17-AE87-314A-9817-A038BCA7C7E0}"/>
+              </a:ext>
+            </a:extLst>
+          </p:cNvPr>
+          <p:cNvSpPr>
+            <a:spLocks noGrp="1"/>
+          </p:cNvSpPr>
+          <p:nvPr>
+            <p:ph type="subTitle" idx="1"/>
+          </p:nvPr>
+        </p:nvSpPr>
+        <p:spPr>
+          <a:xfrm>
+            <a:off x="1524000" y="4105275"/>
+            <a:ext cx="9144000" cy="1655762"/>
+          </a:xfrm>
+        </p:spPr>
+        <p:txBody>
+          <a:bodyPr/>
+          <a:lstStyle/>
+          <a:p>
+            <a:r>
+              <a:rPr lang="en-US" altLang="ja-JP" dirty="0"/>
+              <a:t>M230641</a:t>
+            </a:r>
+            <a:r>
+              <a:rPr kumimoji="1" lang="en-US" altLang="ja-JP" dirty="0"/>
+              <a:t>	</a:t>
+            </a:r>
+            <a:r>
+              <a:rPr kumimoji="1" lang="ja-JP" altLang="en-US" dirty="0"/>
+              <a:t>劉　崇玖</a:t>
+            </a:r>
+          </a:p>
+        </p:txBody>
+      </p:sp>
+      <p:sp>
+        <p:nvSpPr>
+          <p:cNvPr id="4" name="矩形: 圆角 3">
+            <a:extLst>
+              <a:ext uri="{FF2B5EF4-FFF2-40B4-BE49-F238E27FC236}">
+                <a16:creationId xmlns:a16="http://schemas.microsoft.com/office/drawing/2014/main" id="{619D484C-F25C-8FE4-9801-8F43039125C7}"/>
+              </a:ext>
+            </a:extLst>
+          </p:cNvPr>
+          <p:cNvSpPr/>
+          <p:nvPr/>
+        </p:nvSpPr>
+        <p:spPr>
+          <a:xfrm>
+            <a:off x="1911928" y="3396673"/>
+            <a:ext cx="8525164" cy="64654"/>
+          </a:xfrm>
+          <a:prstGeom prst="roundRect">
+            <a:avLst/>
+          </a:prstGeom>
+        </p:spPr>
+        <p:style>
+          <a:lnRef idx="2">
+            <a:schemeClr val="accent1">
+              <a:shade val="50000"/>
+            </a:schemeClr>
+          </a:lnRef>
+          <a:fillRef idx="1">
+            <a:schemeClr val="accent1"/>
+          </a:fillRef>
+          <a:effectRef idx="0">
+            <a:schemeClr val="accent1"/>
+          </a:effectRef>
+          <a:fontRef idx="minor">
+            <a:schemeClr val="lt1"/>
+          </a:fontRef>
+        </p:style>
+        <p:txBody>
+          <a:bodyPr rtlCol="0" anchor="ctr"/>
+          <a:lstStyle/>
+          <a:p>
+            <a:pPr algn="ctr"/>
+            <a:endParaRPr lang="zh-CN" altLang="en-US"/>
+          </a:p>
+        </p:txBody>
+      </p:sp>
+    </p:spTree>
+    <p:extLst>
+      <p:ext uri="{BB962C8B-B14F-4D97-AF65-F5344CB8AC3E}">
+        <p14:creationId xmlns:p14="http://schemas.microsoft.com/office/powerpoint/2010/main" val="1137212918"/>
       </p:ext>
     </p:extLst>
   </p:cSld>
@@ -5725,6 +5879,9 @@
             <a:avLst/>
           </a:prstGeom>
           <a:ln w="38100">
+            <a:solidFill>
+              <a:schemeClr val="accent6"/>
+            </a:solidFill>
             <a:tailEnd type="triangle"/>
           </a:ln>
         </p:spPr>
@@ -18351,87 +18508,10 @@
       </p:grpSpPr>
       <p:sp>
         <p:nvSpPr>
-          <p:cNvPr id="2" name="タイトル 1">
-            <a:extLst>
-              <a:ext uri="{FF2B5EF4-FFF2-40B4-BE49-F238E27FC236}">
-                <a16:creationId xmlns:a16="http://schemas.microsoft.com/office/drawing/2014/main" id="{B8C3F505-9741-574E-9738-17282F80B4C0}"/>
-              </a:ext>
-            </a:extLst>
-          </p:cNvPr>
-          <p:cNvSpPr>
-            <a:spLocks noGrp="1"/>
-          </p:cNvSpPr>
-          <p:nvPr>
-            <p:ph type="ctrTitle"/>
-          </p:nvPr>
-        </p:nvSpPr>
-        <p:spPr>
-          <a:xfrm>
-            <a:off x="1524000" y="1468582"/>
-            <a:ext cx="9144000" cy="1514908"/>
-          </a:xfrm>
-        </p:spPr>
-        <p:txBody>
-          <a:bodyPr>
-            <a:normAutofit/>
-          </a:bodyPr>
-          <a:lstStyle/>
-          <a:p>
-            <a:r>
-              <a:rPr kumimoji="1" lang="en-US" altLang="zh-CN" dirty="0"/>
-              <a:t>Thanks</a:t>
-            </a:r>
-            <a:endParaRPr kumimoji="1" lang="ja-JP" altLang="en-US" dirty="0"/>
-          </a:p>
-        </p:txBody>
-      </p:sp>
-      <p:sp>
-        <p:nvSpPr>
-          <p:cNvPr id="3" name="字幕 2">
-            <a:extLst>
-              <a:ext uri="{FF2B5EF4-FFF2-40B4-BE49-F238E27FC236}">
-                <a16:creationId xmlns:a16="http://schemas.microsoft.com/office/drawing/2014/main" id="{3EA3BA17-AE87-314A-9817-A038BCA7C7E0}"/>
-              </a:ext>
-            </a:extLst>
-          </p:cNvPr>
-          <p:cNvSpPr>
-            <a:spLocks noGrp="1"/>
-          </p:cNvSpPr>
-          <p:nvPr>
-            <p:ph type="subTitle" idx="1"/>
-          </p:nvPr>
-        </p:nvSpPr>
-        <p:spPr>
-          <a:xfrm>
-            <a:off x="1524000" y="4105275"/>
-            <a:ext cx="9144000" cy="1655762"/>
-          </a:xfrm>
-        </p:spPr>
-        <p:txBody>
-          <a:bodyPr/>
-          <a:lstStyle/>
-          <a:p>
-            <a:r>
-              <a:rPr lang="en-US" altLang="ja-JP" dirty="0"/>
-              <a:t>M230641</a:t>
-            </a:r>
-            <a:r>
-              <a:rPr kumimoji="1" lang="en-US" altLang="ja-JP" dirty="0"/>
-              <a:t>	</a:t>
-            </a:r>
-            <a:r>
-              <a:rPr kumimoji="1" lang="ja-JP" altLang="en-US" dirty="0"/>
-              <a:t>劉　崇玖</a:t>
-            </a:r>
-          </a:p>
-        </p:txBody>
-      </p:sp>
-      <p:sp>
-        <p:nvSpPr>
           <p:cNvPr id="4" name="矩形: 圆角 3">
             <a:extLst>
               <a:ext uri="{FF2B5EF4-FFF2-40B4-BE49-F238E27FC236}">
-                <a16:creationId xmlns:a16="http://schemas.microsoft.com/office/drawing/2014/main" id="{619D484C-F25C-8FE4-9801-8F43039125C7}"/>
+                <a16:creationId xmlns:a16="http://schemas.microsoft.com/office/drawing/2014/main" id="{866A1306-2120-2B30-7A6A-781A28385D6D}"/>
               </a:ext>
             </a:extLst>
           </p:cNvPr>
@@ -18439,9 +18519,9 @@
           <p:nvPr/>
         </p:nvSpPr>
         <p:spPr>
-          <a:xfrm>
-            <a:off x="1911928" y="3396673"/>
-            <a:ext cx="8525164" cy="64654"/>
+          <a:xfrm flipV="1">
+            <a:off x="305570" y="523220"/>
+            <a:ext cx="11377352" cy="64193"/>
           </a:xfrm>
           <a:prstGeom prst="roundRect">
             <a:avLst/>
@@ -18472,10 +18552,2987 @@
           </a:p>
         </p:txBody>
       </p:sp>
+      <p:sp>
+        <p:nvSpPr>
+          <p:cNvPr id="5" name="文本框 4">
+            <a:extLst>
+              <a:ext uri="{FF2B5EF4-FFF2-40B4-BE49-F238E27FC236}">
+                <a16:creationId xmlns:a16="http://schemas.microsoft.com/office/drawing/2014/main" id="{6FF74BA9-D2C8-5CBE-0585-F2F644B9AECB}"/>
+              </a:ext>
+            </a:extLst>
+          </p:cNvPr>
+          <p:cNvSpPr txBox="1"/>
+          <p:nvPr/>
+        </p:nvSpPr>
+        <p:spPr>
+          <a:xfrm>
+            <a:off x="305570" y="0"/>
+            <a:ext cx="7130478" cy="523220"/>
+          </a:xfrm>
+          <a:prstGeom prst="rect">
+            <a:avLst/>
+          </a:prstGeom>
+          <a:noFill/>
+        </p:spPr>
+        <p:txBody>
+          <a:bodyPr wrap="none" rtlCol="0">
+            <a:spAutoFit/>
+          </a:bodyPr>
+          <a:lstStyle/>
+          <a:p>
+            <a:r>
+              <a:rPr lang="en-US" altLang="zh-CN" sz="2800" dirty="0"/>
+              <a:t>Section 54.3: Synchronization Primitive: Event</a:t>
+            </a:r>
+            <a:endParaRPr lang="zh-CN" altLang="en-US" sz="2800" b="1" dirty="0"/>
+          </a:p>
+        </p:txBody>
+      </p:sp>
+      <p:sp>
+        <p:nvSpPr>
+          <p:cNvPr id="8" name="文本框 7">
+            <a:extLst>
+              <a:ext uri="{FF2B5EF4-FFF2-40B4-BE49-F238E27FC236}">
+                <a16:creationId xmlns:a16="http://schemas.microsoft.com/office/drawing/2014/main" id="{0EC38098-1999-01E9-F4F4-5960F80F0A37}"/>
+              </a:ext>
+            </a:extLst>
+          </p:cNvPr>
+          <p:cNvSpPr txBox="1"/>
+          <p:nvPr/>
+        </p:nvSpPr>
+        <p:spPr>
+          <a:xfrm>
+            <a:off x="100297" y="663179"/>
+            <a:ext cx="4779613" cy="4339650"/>
+          </a:xfrm>
+          <a:prstGeom prst="rect">
+            <a:avLst/>
+          </a:prstGeom>
+          <a:noFill/>
+          <a:ln>
+            <a:solidFill>
+              <a:schemeClr val="tx1"/>
+            </a:solidFill>
+          </a:ln>
+        </p:spPr>
+        <p:txBody>
+          <a:bodyPr wrap="square">
+            <a:spAutoFit/>
+          </a:bodyPr>
+          <a:lstStyle/>
+          <a:p>
+            <a:r>
+              <a:rPr lang="en-US" altLang="zh-CN" sz="1200" b="0" dirty="0">
+                <a:solidFill>
+                  <a:srgbClr val="AF00DB"/>
+                </a:solidFill>
+                <a:effectLst/>
+                <a:highlight>
+                  <a:srgbClr val="FFFFFF"/>
+                </a:highlight>
+                <a:latin typeface="Consolas" panose="020B0609020204030204" pitchFamily="49" charset="0"/>
+              </a:rPr>
+              <a:t>import</a:t>
+            </a:r>
+            <a:r>
+              <a:rPr lang="en-US" altLang="zh-CN" sz="1200" b="0" dirty="0">
+                <a:solidFill>
+                  <a:srgbClr val="3B3B3B"/>
+                </a:solidFill>
+                <a:effectLst/>
+                <a:highlight>
+                  <a:srgbClr val="FFFFFF"/>
+                </a:highlight>
+                <a:latin typeface="Consolas" panose="020B0609020204030204" pitchFamily="49" charset="0"/>
+              </a:rPr>
+              <a:t> </a:t>
+            </a:r>
+            <a:r>
+              <a:rPr lang="en-US" altLang="zh-CN" sz="1200" b="0" dirty="0" err="1">
+                <a:solidFill>
+                  <a:srgbClr val="267F99"/>
+                </a:solidFill>
+                <a:effectLst/>
+                <a:highlight>
+                  <a:srgbClr val="FFFFFF"/>
+                </a:highlight>
+                <a:latin typeface="Consolas" panose="020B0609020204030204" pitchFamily="49" charset="0"/>
+              </a:rPr>
+              <a:t>asyncio</a:t>
+            </a:r>
+            <a:endParaRPr lang="en-US" altLang="zh-CN" sz="1200" b="0" dirty="0">
+              <a:solidFill>
+                <a:srgbClr val="267F99"/>
+              </a:solidFill>
+              <a:effectLst/>
+              <a:highlight>
+                <a:srgbClr val="FFFFFF"/>
+              </a:highlight>
+              <a:latin typeface="Consolas" panose="020B0609020204030204" pitchFamily="49" charset="0"/>
+            </a:endParaRPr>
+          </a:p>
+          <a:p>
+            <a:r>
+              <a:rPr lang="en-US" altLang="zh-CN" sz="1200" b="0" dirty="0">
+                <a:solidFill>
+                  <a:srgbClr val="AF00DB"/>
+                </a:solidFill>
+                <a:effectLst/>
+                <a:highlight>
+                  <a:srgbClr val="FFFFFF"/>
+                </a:highlight>
+                <a:latin typeface="Consolas" panose="020B0609020204030204" pitchFamily="49" charset="0"/>
+              </a:rPr>
+              <a:t>import</a:t>
+            </a:r>
+            <a:r>
+              <a:rPr lang="en-US" altLang="zh-CN" sz="1200" b="0" dirty="0">
+                <a:solidFill>
+                  <a:srgbClr val="3B3B3B"/>
+                </a:solidFill>
+                <a:effectLst/>
+                <a:highlight>
+                  <a:srgbClr val="FFFFFF"/>
+                </a:highlight>
+                <a:latin typeface="Consolas" panose="020B0609020204030204" pitchFamily="49" charset="0"/>
+              </a:rPr>
+              <a:t> </a:t>
+            </a:r>
+            <a:r>
+              <a:rPr lang="en-US" altLang="zh-CN" sz="1200" b="0" dirty="0" err="1">
+                <a:solidFill>
+                  <a:srgbClr val="267F99"/>
+                </a:solidFill>
+                <a:effectLst/>
+                <a:highlight>
+                  <a:srgbClr val="FFFFFF"/>
+                </a:highlight>
+                <a:latin typeface="Consolas" panose="020B0609020204030204" pitchFamily="49" charset="0"/>
+              </a:rPr>
+              <a:t>functools</a:t>
+            </a:r>
+            <a:endParaRPr lang="en-US" altLang="zh-CN" sz="1200" b="0" dirty="0">
+              <a:solidFill>
+                <a:srgbClr val="3B3B3B"/>
+              </a:solidFill>
+              <a:effectLst/>
+              <a:highlight>
+                <a:srgbClr val="FFFFFF"/>
+              </a:highlight>
+              <a:latin typeface="Consolas" panose="020B0609020204030204" pitchFamily="49" charset="0"/>
+            </a:endParaRPr>
+          </a:p>
+          <a:p>
+            <a:endParaRPr lang="en-US" altLang="zh-CN" sz="1200" b="0" dirty="0">
+              <a:solidFill>
+                <a:srgbClr val="008000"/>
+              </a:solidFill>
+              <a:effectLst/>
+              <a:highlight>
+                <a:srgbClr val="FFFFFF"/>
+              </a:highlight>
+              <a:latin typeface="Consolas" panose="020B0609020204030204" pitchFamily="49" charset="0"/>
+            </a:endParaRPr>
+          </a:p>
+          <a:p>
+            <a:r>
+              <a:rPr lang="en-US" altLang="zh-CN" sz="1200" b="0" dirty="0">
+                <a:solidFill>
+                  <a:srgbClr val="008000"/>
+                </a:solidFill>
+                <a:effectLst/>
+                <a:highlight>
+                  <a:srgbClr val="FFFFFF"/>
+                </a:highlight>
+                <a:latin typeface="Consolas" panose="020B0609020204030204" pitchFamily="49" charset="0"/>
+              </a:rPr>
+              <a:t># trigger function</a:t>
+            </a:r>
+            <a:endParaRPr lang="en-US" altLang="zh-CN" sz="1200" b="0" dirty="0">
+              <a:solidFill>
+                <a:srgbClr val="3B3B3B"/>
+              </a:solidFill>
+              <a:effectLst/>
+              <a:highlight>
+                <a:srgbClr val="FFFFFF"/>
+              </a:highlight>
+              <a:latin typeface="Consolas" panose="020B0609020204030204" pitchFamily="49" charset="0"/>
+            </a:endParaRPr>
+          </a:p>
+          <a:p>
+            <a:r>
+              <a:rPr lang="en-US" altLang="zh-CN" sz="1200" b="0" dirty="0">
+                <a:solidFill>
+                  <a:srgbClr val="0000FF"/>
+                </a:solidFill>
+                <a:effectLst/>
+                <a:highlight>
+                  <a:srgbClr val="FFFFFF"/>
+                </a:highlight>
+                <a:latin typeface="Consolas" panose="020B0609020204030204" pitchFamily="49" charset="0"/>
+              </a:rPr>
+              <a:t>def</a:t>
+            </a:r>
+            <a:r>
+              <a:rPr lang="en-US" altLang="zh-CN" sz="1200" b="0" dirty="0">
+                <a:solidFill>
+                  <a:srgbClr val="3B3B3B"/>
+                </a:solidFill>
+                <a:effectLst/>
+                <a:highlight>
+                  <a:srgbClr val="FFFFFF"/>
+                </a:highlight>
+                <a:latin typeface="Consolas" panose="020B0609020204030204" pitchFamily="49" charset="0"/>
+              </a:rPr>
+              <a:t> </a:t>
+            </a:r>
+            <a:r>
+              <a:rPr lang="en-US" altLang="zh-CN" sz="1200" b="0" dirty="0">
+                <a:solidFill>
+                  <a:srgbClr val="795E26"/>
+                </a:solidFill>
+                <a:effectLst/>
+                <a:highlight>
+                  <a:srgbClr val="FFFFFF"/>
+                </a:highlight>
+                <a:latin typeface="Consolas" panose="020B0609020204030204" pitchFamily="49" charset="0"/>
+              </a:rPr>
+              <a:t>trigger</a:t>
+            </a:r>
+            <a:r>
+              <a:rPr lang="en-US" altLang="zh-CN" sz="1200" b="0" dirty="0">
+                <a:solidFill>
+                  <a:srgbClr val="3B3B3B"/>
+                </a:solidFill>
+                <a:effectLst/>
+                <a:highlight>
+                  <a:srgbClr val="FFFFFF"/>
+                </a:highlight>
+                <a:latin typeface="Consolas" panose="020B0609020204030204" pitchFamily="49" charset="0"/>
+              </a:rPr>
+              <a:t>(</a:t>
+            </a:r>
+            <a:r>
+              <a:rPr lang="en-US" altLang="zh-CN" sz="1200" b="0" dirty="0">
+                <a:solidFill>
+                  <a:srgbClr val="001080"/>
+                </a:solidFill>
+                <a:effectLst/>
+                <a:highlight>
+                  <a:srgbClr val="FFFFFF"/>
+                </a:highlight>
+                <a:latin typeface="Consolas" panose="020B0609020204030204" pitchFamily="49" charset="0"/>
+              </a:rPr>
+              <a:t>event</a:t>
+            </a:r>
+            <a:r>
+              <a:rPr lang="en-US" altLang="zh-CN" sz="1200" b="0" dirty="0">
+                <a:solidFill>
+                  <a:srgbClr val="3B3B3B"/>
+                </a:solidFill>
+                <a:effectLst/>
+                <a:highlight>
+                  <a:srgbClr val="FFFFFF"/>
+                </a:highlight>
+                <a:latin typeface="Consolas" panose="020B0609020204030204" pitchFamily="49" charset="0"/>
+              </a:rPr>
+              <a:t>):</a:t>
+            </a:r>
+          </a:p>
+          <a:p>
+            <a:r>
+              <a:rPr lang="en-US" altLang="zh-CN" sz="1200" b="0" dirty="0">
+                <a:solidFill>
+                  <a:srgbClr val="3B3B3B"/>
+                </a:solidFill>
+                <a:effectLst/>
+                <a:highlight>
+                  <a:srgbClr val="FFFFFF"/>
+                </a:highlight>
+                <a:latin typeface="Consolas" panose="020B0609020204030204" pitchFamily="49" charset="0"/>
+              </a:rPr>
+              <a:t>    </a:t>
+            </a:r>
+            <a:r>
+              <a:rPr lang="en-US" altLang="zh-CN" sz="1200" b="0" dirty="0">
+                <a:solidFill>
+                  <a:srgbClr val="795E26"/>
+                </a:solidFill>
+                <a:effectLst/>
+                <a:highlight>
+                  <a:srgbClr val="FFFFFF"/>
+                </a:highlight>
+                <a:latin typeface="Consolas" panose="020B0609020204030204" pitchFamily="49" charset="0"/>
+              </a:rPr>
+              <a:t>print</a:t>
+            </a:r>
+            <a:r>
+              <a:rPr lang="en-US" altLang="zh-CN" sz="1200" b="0" dirty="0">
+                <a:solidFill>
+                  <a:srgbClr val="3B3B3B"/>
+                </a:solidFill>
+                <a:effectLst/>
+                <a:highlight>
+                  <a:srgbClr val="FFFFFF"/>
+                </a:highlight>
+                <a:latin typeface="Consolas" panose="020B0609020204030204" pitchFamily="49" charset="0"/>
+              </a:rPr>
+              <a:t>(</a:t>
+            </a:r>
+            <a:r>
+              <a:rPr lang="en-US" altLang="zh-CN" sz="1200" b="0" dirty="0">
+                <a:solidFill>
+                  <a:srgbClr val="A31515"/>
+                </a:solidFill>
+                <a:effectLst/>
+                <a:highlight>
+                  <a:srgbClr val="FFFFFF"/>
+                </a:highlight>
+                <a:latin typeface="Consolas" panose="020B0609020204030204" pitchFamily="49" charset="0"/>
+              </a:rPr>
+              <a:t>'EVENT SET'</a:t>
+            </a:r>
+            <a:r>
+              <a:rPr lang="en-US" altLang="zh-CN" sz="1200" b="0" dirty="0">
+                <a:solidFill>
+                  <a:srgbClr val="3B3B3B"/>
+                </a:solidFill>
+                <a:effectLst/>
+                <a:highlight>
+                  <a:srgbClr val="FFFFFF"/>
+                </a:highlight>
+                <a:latin typeface="Consolas" panose="020B0609020204030204" pitchFamily="49" charset="0"/>
+              </a:rPr>
+              <a:t>)</a:t>
+            </a:r>
+          </a:p>
+          <a:p>
+            <a:r>
+              <a:rPr lang="en-US" altLang="zh-CN" sz="1200" b="0" dirty="0">
+                <a:solidFill>
+                  <a:srgbClr val="3B3B3B"/>
+                </a:solidFill>
+                <a:effectLst/>
+                <a:highlight>
+                  <a:srgbClr val="FFFFFF"/>
+                </a:highlight>
+                <a:latin typeface="Consolas" panose="020B0609020204030204" pitchFamily="49" charset="0"/>
+              </a:rPr>
+              <a:t>    </a:t>
+            </a:r>
+            <a:r>
+              <a:rPr lang="en-US" altLang="zh-CN" sz="1200" b="0" dirty="0" err="1">
+                <a:solidFill>
+                  <a:srgbClr val="001080"/>
+                </a:solidFill>
+                <a:effectLst/>
+                <a:highlight>
+                  <a:srgbClr val="FFFFFF"/>
+                </a:highlight>
+                <a:latin typeface="Consolas" panose="020B0609020204030204" pitchFamily="49" charset="0"/>
+              </a:rPr>
+              <a:t>event</a:t>
+            </a:r>
+            <a:r>
+              <a:rPr lang="en-US" altLang="zh-CN" sz="1200" b="0" dirty="0" err="1">
+                <a:solidFill>
+                  <a:srgbClr val="3B3B3B"/>
+                </a:solidFill>
+                <a:effectLst/>
+                <a:highlight>
+                  <a:srgbClr val="FFFFFF"/>
+                </a:highlight>
+                <a:latin typeface="Consolas" panose="020B0609020204030204" pitchFamily="49" charset="0"/>
+              </a:rPr>
+              <a:t>.set</a:t>
+            </a:r>
+            <a:r>
+              <a:rPr lang="en-US" altLang="zh-CN" sz="1200" b="0" dirty="0">
+                <a:solidFill>
+                  <a:srgbClr val="3B3B3B"/>
+                </a:solidFill>
+                <a:effectLst/>
+                <a:highlight>
+                  <a:srgbClr val="FFFFFF"/>
+                </a:highlight>
+                <a:latin typeface="Consolas" panose="020B0609020204030204" pitchFamily="49" charset="0"/>
+              </a:rPr>
+              <a:t>() </a:t>
+            </a:r>
+            <a:r>
+              <a:rPr lang="en-US" altLang="zh-CN" sz="1200" b="0" dirty="0">
+                <a:solidFill>
+                  <a:srgbClr val="008000"/>
+                </a:solidFill>
+                <a:effectLst/>
+                <a:highlight>
+                  <a:srgbClr val="FFFFFF"/>
+                </a:highlight>
+                <a:latin typeface="Consolas" panose="020B0609020204030204" pitchFamily="49" charset="0"/>
+              </a:rPr>
+              <a:t># </a:t>
+            </a:r>
+            <a:r>
+              <a:rPr lang="ja-JP" altLang="en-US" sz="1200" b="0" dirty="0">
+                <a:solidFill>
+                  <a:srgbClr val="008000"/>
+                </a:solidFill>
+                <a:effectLst/>
+                <a:highlight>
+                  <a:srgbClr val="FFFFFF"/>
+                </a:highlight>
+                <a:latin typeface="Consolas" panose="020B0609020204030204" pitchFamily="49" charset="0"/>
+              </a:rPr>
+              <a:t>タスクが再開する</a:t>
+            </a:r>
+            <a:endParaRPr lang="en-US" altLang="ja-JP" sz="1200" b="0" dirty="0">
+              <a:solidFill>
+                <a:srgbClr val="008000"/>
+              </a:solidFill>
+              <a:effectLst/>
+              <a:highlight>
+                <a:srgbClr val="FFFFFF"/>
+              </a:highlight>
+              <a:latin typeface="Consolas" panose="020B0609020204030204" pitchFamily="49" charset="0"/>
+            </a:endParaRPr>
+          </a:p>
+          <a:p>
+            <a:br>
+              <a:rPr lang="en-US" altLang="zh-CN" sz="1200" b="0" dirty="0">
+                <a:solidFill>
+                  <a:srgbClr val="3B3B3B"/>
+                </a:solidFill>
+                <a:effectLst/>
+                <a:highlight>
+                  <a:srgbClr val="FFFFFF"/>
+                </a:highlight>
+                <a:latin typeface="Consolas" panose="020B0609020204030204" pitchFamily="49" charset="0"/>
+              </a:rPr>
+            </a:br>
+            <a:r>
+              <a:rPr lang="en-US" altLang="zh-CN" sz="1200" b="0" dirty="0">
+                <a:solidFill>
+                  <a:srgbClr val="008000"/>
+                </a:solidFill>
+                <a:effectLst/>
+                <a:highlight>
+                  <a:srgbClr val="FFFFFF"/>
+                </a:highlight>
+                <a:latin typeface="Consolas" panose="020B0609020204030204" pitchFamily="49" charset="0"/>
+              </a:rPr>
+              <a:t># </a:t>
+            </a:r>
+            <a:r>
+              <a:rPr lang="en-US" altLang="zh-CN" sz="1200" dirty="0">
+                <a:solidFill>
+                  <a:srgbClr val="008000"/>
+                </a:solidFill>
+                <a:highlight>
+                  <a:srgbClr val="FFFFFF"/>
+                </a:highlight>
+                <a:latin typeface="Consolas" panose="020B0609020204030204" pitchFamily="49" charset="0"/>
+              </a:rPr>
+              <a:t>coroutine</a:t>
+            </a:r>
+            <a:r>
+              <a:rPr lang="en-US" altLang="zh-CN" sz="1200" b="0" dirty="0">
+                <a:solidFill>
+                  <a:srgbClr val="008000"/>
+                </a:solidFill>
+                <a:effectLst/>
+                <a:highlight>
+                  <a:srgbClr val="FFFFFF"/>
+                </a:highlight>
+                <a:latin typeface="Consolas" panose="020B0609020204030204" pitchFamily="49" charset="0"/>
+              </a:rPr>
+              <a:t> </a:t>
+            </a:r>
+            <a:r>
+              <a:rPr lang="en-US" altLang="zh-CN" sz="1200" b="0" dirty="0" err="1">
+                <a:solidFill>
+                  <a:srgbClr val="008000"/>
+                </a:solidFill>
+                <a:effectLst/>
+                <a:highlight>
+                  <a:srgbClr val="FFFFFF"/>
+                </a:highlight>
+                <a:latin typeface="Consolas" panose="020B0609020204030204" pitchFamily="49" charset="0"/>
+              </a:rPr>
+              <a:t>consumer_a</a:t>
+            </a:r>
+            <a:endParaRPr lang="en-US" altLang="zh-CN" sz="1200" b="0" dirty="0">
+              <a:solidFill>
+                <a:srgbClr val="3B3B3B"/>
+              </a:solidFill>
+              <a:effectLst/>
+              <a:highlight>
+                <a:srgbClr val="FFFFFF"/>
+              </a:highlight>
+              <a:latin typeface="Consolas" panose="020B0609020204030204" pitchFamily="49" charset="0"/>
+            </a:endParaRPr>
+          </a:p>
+          <a:p>
+            <a:r>
+              <a:rPr lang="en-US" altLang="zh-CN" sz="1200" b="0" dirty="0">
+                <a:solidFill>
+                  <a:srgbClr val="0000FF"/>
+                </a:solidFill>
+                <a:effectLst/>
+                <a:highlight>
+                  <a:srgbClr val="FFFFFF"/>
+                </a:highlight>
+                <a:latin typeface="Consolas" panose="020B0609020204030204" pitchFamily="49" charset="0"/>
+              </a:rPr>
+              <a:t>async</a:t>
+            </a:r>
+            <a:r>
+              <a:rPr lang="en-US" altLang="zh-CN" sz="1200" b="0" dirty="0">
+                <a:solidFill>
+                  <a:srgbClr val="3B3B3B"/>
+                </a:solidFill>
+                <a:effectLst/>
+                <a:highlight>
+                  <a:srgbClr val="FFFFFF"/>
+                </a:highlight>
+                <a:latin typeface="Consolas" panose="020B0609020204030204" pitchFamily="49" charset="0"/>
+              </a:rPr>
+              <a:t> </a:t>
+            </a:r>
+            <a:r>
+              <a:rPr lang="en-US" altLang="zh-CN" sz="1200" b="0" dirty="0">
+                <a:solidFill>
+                  <a:srgbClr val="0000FF"/>
+                </a:solidFill>
+                <a:effectLst/>
+                <a:highlight>
+                  <a:srgbClr val="FFFFFF"/>
+                </a:highlight>
+                <a:latin typeface="Consolas" panose="020B0609020204030204" pitchFamily="49" charset="0"/>
+              </a:rPr>
+              <a:t>def</a:t>
+            </a:r>
+            <a:r>
+              <a:rPr lang="en-US" altLang="zh-CN" sz="1200" b="0" dirty="0">
+                <a:solidFill>
+                  <a:srgbClr val="3B3B3B"/>
+                </a:solidFill>
+                <a:effectLst/>
+                <a:highlight>
+                  <a:srgbClr val="FFFFFF"/>
+                </a:highlight>
+                <a:latin typeface="Consolas" panose="020B0609020204030204" pitchFamily="49" charset="0"/>
+              </a:rPr>
+              <a:t> </a:t>
+            </a:r>
+            <a:r>
+              <a:rPr lang="en-US" altLang="zh-CN" sz="1200" b="0" dirty="0" err="1">
+                <a:solidFill>
+                  <a:srgbClr val="795E26"/>
+                </a:solidFill>
+                <a:effectLst/>
+                <a:highlight>
+                  <a:srgbClr val="FFFFFF"/>
+                </a:highlight>
+                <a:latin typeface="Consolas" panose="020B0609020204030204" pitchFamily="49" charset="0"/>
+              </a:rPr>
+              <a:t>consumer_a</a:t>
+            </a:r>
+            <a:r>
+              <a:rPr lang="en-US" altLang="zh-CN" sz="1200" b="0" dirty="0">
+                <a:solidFill>
+                  <a:srgbClr val="3B3B3B"/>
+                </a:solidFill>
+                <a:effectLst/>
+                <a:highlight>
+                  <a:srgbClr val="FFFFFF"/>
+                </a:highlight>
+                <a:latin typeface="Consolas" panose="020B0609020204030204" pitchFamily="49" charset="0"/>
+              </a:rPr>
+              <a:t>(</a:t>
+            </a:r>
+            <a:r>
+              <a:rPr lang="en-US" altLang="zh-CN" sz="1200" b="0" dirty="0">
+                <a:solidFill>
+                  <a:srgbClr val="001080"/>
+                </a:solidFill>
+                <a:effectLst/>
+                <a:highlight>
+                  <a:srgbClr val="FFFFFF"/>
+                </a:highlight>
+                <a:latin typeface="Consolas" panose="020B0609020204030204" pitchFamily="49" charset="0"/>
+              </a:rPr>
+              <a:t>event</a:t>
+            </a:r>
+            <a:r>
+              <a:rPr lang="en-US" altLang="zh-CN" sz="1200" b="0" dirty="0">
+                <a:solidFill>
+                  <a:srgbClr val="3B3B3B"/>
+                </a:solidFill>
+                <a:effectLst/>
+                <a:highlight>
+                  <a:srgbClr val="FFFFFF"/>
+                </a:highlight>
+                <a:latin typeface="Consolas" panose="020B0609020204030204" pitchFamily="49" charset="0"/>
+              </a:rPr>
+              <a:t>):</a:t>
+            </a:r>
+          </a:p>
+          <a:p>
+            <a:r>
+              <a:rPr lang="en-US" altLang="zh-CN" sz="1200" b="0" dirty="0">
+                <a:solidFill>
+                  <a:srgbClr val="3B3B3B"/>
+                </a:solidFill>
+                <a:effectLst/>
+                <a:highlight>
+                  <a:srgbClr val="FFFFFF"/>
+                </a:highlight>
+                <a:latin typeface="Consolas" panose="020B0609020204030204" pitchFamily="49" charset="0"/>
+              </a:rPr>
+              <a:t>    </a:t>
+            </a:r>
+            <a:r>
+              <a:rPr lang="en-US" altLang="zh-CN" sz="1200" b="0" dirty="0" err="1">
+                <a:solidFill>
+                  <a:srgbClr val="001080"/>
+                </a:solidFill>
+                <a:effectLst/>
+                <a:highlight>
+                  <a:srgbClr val="FFFFFF"/>
+                </a:highlight>
+                <a:latin typeface="Consolas" panose="020B0609020204030204" pitchFamily="49" charset="0"/>
+              </a:rPr>
+              <a:t>consumer_name</a:t>
+            </a:r>
+            <a:r>
+              <a:rPr lang="en-US" altLang="zh-CN" sz="1200" b="0" dirty="0">
+                <a:solidFill>
+                  <a:srgbClr val="3B3B3B"/>
+                </a:solidFill>
+                <a:effectLst/>
+                <a:highlight>
+                  <a:srgbClr val="FFFFFF"/>
+                </a:highlight>
+                <a:latin typeface="Consolas" panose="020B0609020204030204" pitchFamily="49" charset="0"/>
+              </a:rPr>
+              <a:t> </a:t>
+            </a:r>
+            <a:r>
+              <a:rPr lang="en-US" altLang="zh-CN" sz="1200" b="0" dirty="0">
+                <a:solidFill>
+                  <a:srgbClr val="000000"/>
+                </a:solidFill>
+                <a:effectLst/>
+                <a:highlight>
+                  <a:srgbClr val="FFFFFF"/>
+                </a:highlight>
+                <a:latin typeface="Consolas" panose="020B0609020204030204" pitchFamily="49" charset="0"/>
+              </a:rPr>
+              <a:t>=</a:t>
+            </a:r>
+            <a:r>
+              <a:rPr lang="en-US" altLang="zh-CN" sz="1200" b="0" dirty="0">
+                <a:solidFill>
+                  <a:srgbClr val="3B3B3B"/>
+                </a:solidFill>
+                <a:effectLst/>
+                <a:highlight>
+                  <a:srgbClr val="FFFFFF"/>
+                </a:highlight>
+                <a:latin typeface="Consolas" panose="020B0609020204030204" pitchFamily="49" charset="0"/>
+              </a:rPr>
+              <a:t> </a:t>
+            </a:r>
+            <a:r>
+              <a:rPr lang="en-US" altLang="zh-CN" sz="1200" b="0" dirty="0">
+                <a:solidFill>
+                  <a:srgbClr val="A31515"/>
+                </a:solidFill>
+                <a:effectLst/>
+                <a:highlight>
+                  <a:srgbClr val="FFFFFF"/>
+                </a:highlight>
+                <a:latin typeface="Consolas" panose="020B0609020204030204" pitchFamily="49" charset="0"/>
+              </a:rPr>
+              <a:t>'Consumer A'</a:t>
+            </a:r>
+            <a:endParaRPr lang="en-US" altLang="zh-CN" sz="1200" b="0" dirty="0">
+              <a:solidFill>
+                <a:srgbClr val="3B3B3B"/>
+              </a:solidFill>
+              <a:effectLst/>
+              <a:highlight>
+                <a:srgbClr val="FFFFFF"/>
+              </a:highlight>
+              <a:latin typeface="Consolas" panose="020B0609020204030204" pitchFamily="49" charset="0"/>
+            </a:endParaRPr>
+          </a:p>
+          <a:p>
+            <a:r>
+              <a:rPr lang="en-US" altLang="zh-CN" sz="1200" b="0" dirty="0">
+                <a:solidFill>
+                  <a:srgbClr val="3B3B3B"/>
+                </a:solidFill>
+                <a:effectLst/>
+                <a:highlight>
+                  <a:srgbClr val="FFFFFF"/>
+                </a:highlight>
+                <a:latin typeface="Consolas" panose="020B0609020204030204" pitchFamily="49" charset="0"/>
+              </a:rPr>
+              <a:t>    </a:t>
+            </a:r>
+            <a:r>
+              <a:rPr lang="en-US" altLang="zh-CN" sz="1200" b="0" dirty="0">
+                <a:solidFill>
+                  <a:srgbClr val="795E26"/>
+                </a:solidFill>
+                <a:effectLst/>
+                <a:highlight>
+                  <a:srgbClr val="FFFFFF"/>
+                </a:highlight>
+                <a:latin typeface="Consolas" panose="020B0609020204030204" pitchFamily="49" charset="0"/>
+              </a:rPr>
+              <a:t>print</a:t>
+            </a:r>
+            <a:r>
+              <a:rPr lang="en-US" altLang="zh-CN" sz="1200" b="0" dirty="0">
+                <a:solidFill>
+                  <a:srgbClr val="3B3B3B"/>
+                </a:solidFill>
+                <a:effectLst/>
+                <a:highlight>
+                  <a:srgbClr val="FFFFFF"/>
+                </a:highlight>
+                <a:latin typeface="Consolas" panose="020B0609020204030204" pitchFamily="49" charset="0"/>
+              </a:rPr>
+              <a:t>(</a:t>
+            </a:r>
+            <a:r>
+              <a:rPr lang="en-US" altLang="zh-CN" sz="1200" b="0" dirty="0">
+                <a:solidFill>
+                  <a:srgbClr val="A31515"/>
+                </a:solidFill>
+                <a:effectLst/>
+                <a:highlight>
+                  <a:srgbClr val="FFFFFF"/>
+                </a:highlight>
+                <a:latin typeface="Consolas" panose="020B0609020204030204" pitchFamily="49" charset="0"/>
+              </a:rPr>
+              <a:t>'</a:t>
+            </a:r>
+            <a:r>
+              <a:rPr lang="en-US" altLang="zh-CN" sz="1200" b="0" dirty="0">
+                <a:solidFill>
+                  <a:srgbClr val="0000FF"/>
+                </a:solidFill>
+                <a:effectLst/>
+                <a:highlight>
+                  <a:srgbClr val="FFFFFF"/>
+                </a:highlight>
+                <a:latin typeface="Consolas" panose="020B0609020204030204" pitchFamily="49" charset="0"/>
+              </a:rPr>
+              <a:t>{}</a:t>
+            </a:r>
+            <a:r>
+              <a:rPr lang="en-US" altLang="zh-CN" sz="1200" b="0" dirty="0">
+                <a:solidFill>
+                  <a:srgbClr val="A31515"/>
+                </a:solidFill>
+                <a:effectLst/>
+                <a:highlight>
+                  <a:srgbClr val="FFFFFF"/>
+                </a:highlight>
+                <a:latin typeface="Consolas" panose="020B0609020204030204" pitchFamily="49" charset="0"/>
+              </a:rPr>
+              <a:t> </a:t>
+            </a:r>
+            <a:r>
+              <a:rPr lang="en-US" altLang="zh-CN" sz="1200" b="0" dirty="0" err="1">
+                <a:solidFill>
+                  <a:srgbClr val="A31515"/>
+                </a:solidFill>
+                <a:effectLst/>
+                <a:highlight>
+                  <a:srgbClr val="FFFFFF"/>
+                </a:highlight>
+                <a:latin typeface="Consolas" panose="020B0609020204030204" pitchFamily="49" charset="0"/>
+              </a:rPr>
+              <a:t>waiting'</a:t>
+            </a:r>
+            <a:r>
+              <a:rPr lang="en-US" altLang="zh-CN" sz="1200" b="0" dirty="0" err="1">
+                <a:solidFill>
+                  <a:srgbClr val="3B3B3B"/>
+                </a:solidFill>
+                <a:effectLst/>
+                <a:highlight>
+                  <a:srgbClr val="FFFFFF"/>
+                </a:highlight>
+                <a:latin typeface="Consolas" panose="020B0609020204030204" pitchFamily="49" charset="0"/>
+              </a:rPr>
+              <a:t>.</a:t>
+            </a:r>
+            <a:r>
+              <a:rPr lang="en-US" altLang="zh-CN" sz="1200" b="0" dirty="0" err="1">
+                <a:solidFill>
+                  <a:srgbClr val="795E26"/>
+                </a:solidFill>
+                <a:effectLst/>
+                <a:highlight>
+                  <a:srgbClr val="FFFFFF"/>
+                </a:highlight>
+                <a:latin typeface="Consolas" panose="020B0609020204030204" pitchFamily="49" charset="0"/>
+              </a:rPr>
+              <a:t>format</a:t>
+            </a:r>
+            <a:r>
+              <a:rPr lang="en-US" altLang="zh-CN" sz="1200" b="0" dirty="0">
+                <a:solidFill>
+                  <a:srgbClr val="3B3B3B"/>
+                </a:solidFill>
+                <a:effectLst/>
+                <a:highlight>
+                  <a:srgbClr val="FFFFFF"/>
+                </a:highlight>
+                <a:latin typeface="Consolas" panose="020B0609020204030204" pitchFamily="49" charset="0"/>
+              </a:rPr>
+              <a:t>(</a:t>
+            </a:r>
+            <a:r>
+              <a:rPr lang="en-US" altLang="zh-CN" sz="1200" b="0" dirty="0" err="1">
+                <a:solidFill>
+                  <a:srgbClr val="001080"/>
+                </a:solidFill>
+                <a:effectLst/>
+                <a:highlight>
+                  <a:srgbClr val="FFFFFF"/>
+                </a:highlight>
+                <a:latin typeface="Consolas" panose="020B0609020204030204" pitchFamily="49" charset="0"/>
+              </a:rPr>
+              <a:t>consumer_name</a:t>
+            </a:r>
+            <a:r>
+              <a:rPr lang="en-US" altLang="zh-CN" sz="1200" b="0" dirty="0">
+                <a:solidFill>
+                  <a:srgbClr val="3B3B3B"/>
+                </a:solidFill>
+                <a:effectLst/>
+                <a:highlight>
+                  <a:srgbClr val="FFFFFF"/>
+                </a:highlight>
+                <a:latin typeface="Consolas" panose="020B0609020204030204" pitchFamily="49" charset="0"/>
+              </a:rPr>
+              <a:t>))</a:t>
+            </a:r>
+          </a:p>
+          <a:p>
+            <a:r>
+              <a:rPr lang="ja-JP" altLang="en-US" sz="1200" dirty="0">
+                <a:solidFill>
+                  <a:srgbClr val="3B3B3B"/>
+                </a:solidFill>
+                <a:highlight>
+                  <a:srgbClr val="FFFFFF"/>
+                </a:highlight>
+                <a:latin typeface="Consolas" panose="020B0609020204030204" pitchFamily="49" charset="0"/>
+              </a:rPr>
+              <a:t>　　</a:t>
+            </a:r>
+            <a:r>
+              <a:rPr lang="en-US" altLang="zh-CN" sz="1200" b="0" dirty="0">
+                <a:solidFill>
+                  <a:srgbClr val="008000"/>
+                </a:solidFill>
+                <a:effectLst/>
+                <a:highlight>
+                  <a:srgbClr val="FFFFFF"/>
+                </a:highlight>
+                <a:latin typeface="Consolas" panose="020B0609020204030204" pitchFamily="49" charset="0"/>
+              </a:rPr>
+              <a:t> #</a:t>
+            </a:r>
+            <a:r>
+              <a:rPr lang="ja-JP" altLang="en-US" sz="1200" b="0" dirty="0">
+                <a:solidFill>
+                  <a:srgbClr val="008000"/>
+                </a:solidFill>
+                <a:effectLst/>
+                <a:highlight>
+                  <a:srgbClr val="FFFFFF"/>
+                </a:highlight>
+                <a:latin typeface="Consolas" panose="020B0609020204030204" pitchFamily="49" charset="0"/>
+              </a:rPr>
+              <a:t>　</a:t>
+            </a:r>
+            <a:r>
+              <a:rPr lang="en-US" altLang="ja-JP" sz="1200" b="0" dirty="0">
+                <a:solidFill>
+                  <a:srgbClr val="008000"/>
+                </a:solidFill>
+                <a:effectLst/>
+                <a:highlight>
+                  <a:srgbClr val="FFFFFF"/>
+                </a:highlight>
+                <a:latin typeface="Consolas" panose="020B0609020204030204" pitchFamily="49" charset="0"/>
+              </a:rPr>
+              <a:t>event</a:t>
+            </a:r>
+            <a:r>
+              <a:rPr lang="ja-JP" altLang="en-US" sz="1200" b="0" dirty="0">
+                <a:solidFill>
+                  <a:srgbClr val="008000"/>
+                </a:solidFill>
+                <a:effectLst/>
+                <a:highlight>
+                  <a:srgbClr val="FFFFFF"/>
+                </a:highlight>
+                <a:latin typeface="Consolas" panose="020B0609020204030204" pitchFamily="49" charset="0"/>
+              </a:rPr>
+              <a:t>がセットされるまで待機</a:t>
+            </a:r>
+            <a:endParaRPr lang="en-US" altLang="ja-JP" sz="1200" b="0" dirty="0">
+              <a:solidFill>
+                <a:srgbClr val="008000"/>
+              </a:solidFill>
+              <a:effectLst/>
+              <a:highlight>
+                <a:srgbClr val="FFFFFF"/>
+              </a:highlight>
+              <a:latin typeface="Consolas" panose="020B0609020204030204" pitchFamily="49" charset="0"/>
+            </a:endParaRPr>
+          </a:p>
+          <a:p>
+            <a:r>
+              <a:rPr lang="en-US" altLang="zh-CN" sz="1200" b="0" dirty="0">
+                <a:solidFill>
+                  <a:srgbClr val="3B3B3B"/>
+                </a:solidFill>
+                <a:effectLst/>
+                <a:highlight>
+                  <a:srgbClr val="FFFFFF"/>
+                </a:highlight>
+                <a:latin typeface="Consolas" panose="020B0609020204030204" pitchFamily="49" charset="0"/>
+              </a:rPr>
+              <a:t>    </a:t>
+            </a:r>
+            <a:r>
+              <a:rPr lang="en-US" altLang="zh-CN" sz="1200" b="0" dirty="0">
+                <a:solidFill>
+                  <a:srgbClr val="AF00DB"/>
+                </a:solidFill>
+                <a:effectLst/>
+                <a:highlight>
+                  <a:srgbClr val="FFFFFF"/>
+                </a:highlight>
+                <a:latin typeface="Consolas" panose="020B0609020204030204" pitchFamily="49" charset="0"/>
+              </a:rPr>
+              <a:t>await</a:t>
+            </a:r>
+            <a:r>
+              <a:rPr lang="en-US" altLang="zh-CN" sz="1200" b="0" dirty="0">
+                <a:solidFill>
+                  <a:srgbClr val="3B3B3B"/>
+                </a:solidFill>
+                <a:effectLst/>
+                <a:highlight>
+                  <a:srgbClr val="FFFFFF"/>
+                </a:highlight>
+                <a:latin typeface="Consolas" panose="020B0609020204030204" pitchFamily="49" charset="0"/>
+              </a:rPr>
+              <a:t> </a:t>
+            </a:r>
+            <a:r>
+              <a:rPr lang="en-US" altLang="zh-CN" sz="1200" b="0" dirty="0" err="1">
+                <a:solidFill>
+                  <a:srgbClr val="001080"/>
+                </a:solidFill>
+                <a:effectLst/>
+                <a:highlight>
+                  <a:srgbClr val="FFFFFF"/>
+                </a:highlight>
+                <a:latin typeface="Consolas" panose="020B0609020204030204" pitchFamily="49" charset="0"/>
+              </a:rPr>
+              <a:t>event</a:t>
+            </a:r>
+            <a:r>
+              <a:rPr lang="en-US" altLang="zh-CN" sz="1200" b="0" dirty="0" err="1">
+                <a:solidFill>
+                  <a:srgbClr val="3B3B3B"/>
+                </a:solidFill>
+                <a:effectLst/>
+                <a:highlight>
+                  <a:srgbClr val="FFFFFF"/>
+                </a:highlight>
+                <a:latin typeface="Consolas" panose="020B0609020204030204" pitchFamily="49" charset="0"/>
+              </a:rPr>
+              <a:t>.wait</a:t>
+            </a:r>
+            <a:r>
+              <a:rPr lang="en-US" altLang="zh-CN" sz="1200" b="0" dirty="0">
+                <a:solidFill>
+                  <a:srgbClr val="3B3B3B"/>
+                </a:solidFill>
+                <a:effectLst/>
+                <a:highlight>
+                  <a:srgbClr val="FFFFFF"/>
+                </a:highlight>
+                <a:latin typeface="Consolas" panose="020B0609020204030204" pitchFamily="49" charset="0"/>
+              </a:rPr>
+              <a:t>()</a:t>
+            </a:r>
+          </a:p>
+          <a:p>
+            <a:r>
+              <a:rPr lang="en-US" altLang="zh-CN" sz="1200" b="0" dirty="0">
+                <a:solidFill>
+                  <a:srgbClr val="3B3B3B"/>
+                </a:solidFill>
+                <a:effectLst/>
+                <a:highlight>
+                  <a:srgbClr val="FFFFFF"/>
+                </a:highlight>
+                <a:latin typeface="Consolas" panose="020B0609020204030204" pitchFamily="49" charset="0"/>
+              </a:rPr>
+              <a:t>    </a:t>
+            </a:r>
+            <a:r>
+              <a:rPr lang="en-US" altLang="zh-CN" sz="1200" b="0" dirty="0">
+                <a:solidFill>
+                  <a:srgbClr val="795E26"/>
+                </a:solidFill>
+                <a:effectLst/>
+                <a:highlight>
+                  <a:srgbClr val="FFFFFF"/>
+                </a:highlight>
+                <a:latin typeface="Consolas" panose="020B0609020204030204" pitchFamily="49" charset="0"/>
+              </a:rPr>
+              <a:t>print</a:t>
+            </a:r>
+            <a:r>
+              <a:rPr lang="en-US" altLang="zh-CN" sz="1200" b="0" dirty="0">
+                <a:solidFill>
+                  <a:srgbClr val="3B3B3B"/>
+                </a:solidFill>
+                <a:effectLst/>
+                <a:highlight>
+                  <a:srgbClr val="FFFFFF"/>
+                </a:highlight>
+                <a:latin typeface="Consolas" panose="020B0609020204030204" pitchFamily="49" charset="0"/>
+              </a:rPr>
+              <a:t>(</a:t>
+            </a:r>
+            <a:r>
+              <a:rPr lang="en-US" altLang="zh-CN" sz="1200" b="0" dirty="0">
+                <a:solidFill>
+                  <a:srgbClr val="A31515"/>
+                </a:solidFill>
+                <a:effectLst/>
+                <a:highlight>
+                  <a:srgbClr val="FFFFFF"/>
+                </a:highlight>
+                <a:latin typeface="Consolas" panose="020B0609020204030204" pitchFamily="49" charset="0"/>
+              </a:rPr>
+              <a:t>'</a:t>
+            </a:r>
+            <a:r>
+              <a:rPr lang="en-US" altLang="zh-CN" sz="1200" b="0" dirty="0">
+                <a:solidFill>
+                  <a:srgbClr val="0000FF"/>
+                </a:solidFill>
+                <a:effectLst/>
+                <a:highlight>
+                  <a:srgbClr val="FFFFFF"/>
+                </a:highlight>
+                <a:latin typeface="Consolas" panose="020B0609020204030204" pitchFamily="49" charset="0"/>
+              </a:rPr>
+              <a:t>{}</a:t>
+            </a:r>
+            <a:r>
+              <a:rPr lang="en-US" altLang="zh-CN" sz="1200" b="0" dirty="0">
+                <a:solidFill>
+                  <a:srgbClr val="A31515"/>
+                </a:solidFill>
+                <a:effectLst/>
+                <a:highlight>
+                  <a:srgbClr val="FFFFFF"/>
+                </a:highlight>
+                <a:latin typeface="Consolas" panose="020B0609020204030204" pitchFamily="49" charset="0"/>
+              </a:rPr>
+              <a:t> </a:t>
+            </a:r>
+            <a:r>
+              <a:rPr lang="en-US" altLang="zh-CN" sz="1200" b="0" dirty="0" err="1">
+                <a:solidFill>
+                  <a:srgbClr val="A31515"/>
+                </a:solidFill>
+                <a:effectLst/>
+                <a:highlight>
+                  <a:srgbClr val="FFFFFF"/>
+                </a:highlight>
+                <a:latin typeface="Consolas" panose="020B0609020204030204" pitchFamily="49" charset="0"/>
+              </a:rPr>
+              <a:t>triggered'</a:t>
+            </a:r>
+            <a:r>
+              <a:rPr lang="en-US" altLang="zh-CN" sz="1200" b="0" dirty="0" err="1">
+                <a:solidFill>
+                  <a:srgbClr val="3B3B3B"/>
+                </a:solidFill>
+                <a:effectLst/>
+                <a:highlight>
+                  <a:srgbClr val="FFFFFF"/>
+                </a:highlight>
+                <a:latin typeface="Consolas" panose="020B0609020204030204" pitchFamily="49" charset="0"/>
+              </a:rPr>
+              <a:t>.</a:t>
+            </a:r>
+            <a:r>
+              <a:rPr lang="en-US" altLang="zh-CN" sz="1200" b="0" dirty="0" err="1">
+                <a:solidFill>
+                  <a:srgbClr val="795E26"/>
+                </a:solidFill>
+                <a:effectLst/>
+                <a:highlight>
+                  <a:srgbClr val="FFFFFF"/>
+                </a:highlight>
+                <a:latin typeface="Consolas" panose="020B0609020204030204" pitchFamily="49" charset="0"/>
+              </a:rPr>
+              <a:t>format</a:t>
+            </a:r>
+            <a:r>
+              <a:rPr lang="en-US" altLang="zh-CN" sz="1200" b="0" dirty="0">
+                <a:solidFill>
+                  <a:srgbClr val="3B3B3B"/>
+                </a:solidFill>
+                <a:effectLst/>
+                <a:highlight>
+                  <a:srgbClr val="FFFFFF"/>
+                </a:highlight>
+                <a:latin typeface="Consolas" panose="020B0609020204030204" pitchFamily="49" charset="0"/>
+              </a:rPr>
+              <a:t>(</a:t>
+            </a:r>
+            <a:r>
+              <a:rPr lang="en-US" altLang="zh-CN" sz="1200" b="0" dirty="0" err="1">
+                <a:solidFill>
+                  <a:srgbClr val="001080"/>
+                </a:solidFill>
+                <a:effectLst/>
+                <a:highlight>
+                  <a:srgbClr val="FFFFFF"/>
+                </a:highlight>
+                <a:latin typeface="Consolas" panose="020B0609020204030204" pitchFamily="49" charset="0"/>
+              </a:rPr>
+              <a:t>consumer_name</a:t>
+            </a:r>
+            <a:r>
+              <a:rPr lang="en-US" altLang="zh-CN" sz="1200" b="0" dirty="0">
+                <a:solidFill>
+                  <a:srgbClr val="3B3B3B"/>
+                </a:solidFill>
+                <a:effectLst/>
+                <a:highlight>
+                  <a:srgbClr val="FFFFFF"/>
+                </a:highlight>
+                <a:latin typeface="Consolas" panose="020B0609020204030204" pitchFamily="49" charset="0"/>
+              </a:rPr>
+              <a:t>))</a:t>
+            </a:r>
+          </a:p>
+          <a:p>
+            <a:br>
+              <a:rPr lang="en-US" altLang="zh-CN" sz="1200" b="0" dirty="0">
+                <a:solidFill>
+                  <a:srgbClr val="3B3B3B"/>
+                </a:solidFill>
+                <a:effectLst/>
+                <a:highlight>
+                  <a:srgbClr val="FFFFFF"/>
+                </a:highlight>
+                <a:latin typeface="Consolas" panose="020B0609020204030204" pitchFamily="49" charset="0"/>
+              </a:rPr>
+            </a:br>
+            <a:r>
+              <a:rPr lang="en-US" altLang="zh-CN" sz="1200" b="0" dirty="0">
+                <a:solidFill>
+                  <a:srgbClr val="008000"/>
+                </a:solidFill>
+                <a:effectLst/>
+                <a:highlight>
+                  <a:srgbClr val="FFFFFF"/>
+                </a:highlight>
+                <a:latin typeface="Consolas" panose="020B0609020204030204" pitchFamily="49" charset="0"/>
+              </a:rPr>
+              <a:t># </a:t>
+            </a:r>
+            <a:r>
+              <a:rPr lang="en-US" altLang="zh-CN" sz="1200" dirty="0">
+                <a:solidFill>
+                  <a:srgbClr val="008000"/>
+                </a:solidFill>
+                <a:highlight>
+                  <a:srgbClr val="FFFFFF"/>
+                </a:highlight>
+                <a:latin typeface="Consolas" panose="020B0609020204030204" pitchFamily="49" charset="0"/>
+              </a:rPr>
+              <a:t>coroutine</a:t>
+            </a:r>
+            <a:r>
+              <a:rPr lang="en-US" altLang="zh-CN" sz="1200" b="0" dirty="0">
+                <a:solidFill>
+                  <a:srgbClr val="008000"/>
+                </a:solidFill>
+                <a:effectLst/>
+                <a:highlight>
+                  <a:srgbClr val="FFFFFF"/>
+                </a:highlight>
+                <a:latin typeface="Consolas" panose="020B0609020204030204" pitchFamily="49" charset="0"/>
+              </a:rPr>
+              <a:t> </a:t>
+            </a:r>
+            <a:r>
+              <a:rPr lang="en-US" altLang="zh-CN" sz="1200" b="0" dirty="0" err="1">
+                <a:solidFill>
+                  <a:srgbClr val="008000"/>
+                </a:solidFill>
+                <a:effectLst/>
+                <a:highlight>
+                  <a:srgbClr val="FFFFFF"/>
+                </a:highlight>
+                <a:latin typeface="Consolas" panose="020B0609020204030204" pitchFamily="49" charset="0"/>
+              </a:rPr>
+              <a:t>consumer_b</a:t>
+            </a:r>
+            <a:endParaRPr lang="en-US" altLang="zh-CN" sz="1200" b="0" dirty="0">
+              <a:solidFill>
+                <a:srgbClr val="3B3B3B"/>
+              </a:solidFill>
+              <a:effectLst/>
+              <a:highlight>
+                <a:srgbClr val="FFFFFF"/>
+              </a:highlight>
+              <a:latin typeface="Consolas" panose="020B0609020204030204" pitchFamily="49" charset="0"/>
+            </a:endParaRPr>
+          </a:p>
+          <a:p>
+            <a:r>
+              <a:rPr lang="en-US" altLang="zh-CN" sz="1200" b="0" dirty="0">
+                <a:solidFill>
+                  <a:srgbClr val="0000FF"/>
+                </a:solidFill>
+                <a:effectLst/>
+                <a:highlight>
+                  <a:srgbClr val="FFFFFF"/>
+                </a:highlight>
+                <a:latin typeface="Consolas" panose="020B0609020204030204" pitchFamily="49" charset="0"/>
+              </a:rPr>
+              <a:t>async</a:t>
+            </a:r>
+            <a:r>
+              <a:rPr lang="en-US" altLang="zh-CN" sz="1200" b="0" dirty="0">
+                <a:solidFill>
+                  <a:srgbClr val="3B3B3B"/>
+                </a:solidFill>
+                <a:effectLst/>
+                <a:highlight>
+                  <a:srgbClr val="FFFFFF"/>
+                </a:highlight>
+                <a:latin typeface="Consolas" panose="020B0609020204030204" pitchFamily="49" charset="0"/>
+              </a:rPr>
+              <a:t> </a:t>
+            </a:r>
+            <a:r>
+              <a:rPr lang="en-US" altLang="zh-CN" sz="1200" b="0" dirty="0">
+                <a:solidFill>
+                  <a:srgbClr val="0000FF"/>
+                </a:solidFill>
+                <a:effectLst/>
+                <a:highlight>
+                  <a:srgbClr val="FFFFFF"/>
+                </a:highlight>
+                <a:latin typeface="Consolas" panose="020B0609020204030204" pitchFamily="49" charset="0"/>
+              </a:rPr>
+              <a:t>def</a:t>
+            </a:r>
+            <a:r>
+              <a:rPr lang="en-US" altLang="zh-CN" sz="1200" b="0" dirty="0">
+                <a:solidFill>
+                  <a:srgbClr val="3B3B3B"/>
+                </a:solidFill>
+                <a:effectLst/>
+                <a:highlight>
+                  <a:srgbClr val="FFFFFF"/>
+                </a:highlight>
+                <a:latin typeface="Consolas" panose="020B0609020204030204" pitchFamily="49" charset="0"/>
+              </a:rPr>
+              <a:t> </a:t>
+            </a:r>
+            <a:r>
+              <a:rPr lang="en-US" altLang="zh-CN" sz="1200" b="0" dirty="0" err="1">
+                <a:solidFill>
+                  <a:srgbClr val="795E26"/>
+                </a:solidFill>
+                <a:effectLst/>
+                <a:highlight>
+                  <a:srgbClr val="FFFFFF"/>
+                </a:highlight>
+                <a:latin typeface="Consolas" panose="020B0609020204030204" pitchFamily="49" charset="0"/>
+              </a:rPr>
+              <a:t>consumer_b</a:t>
+            </a:r>
+            <a:r>
+              <a:rPr lang="en-US" altLang="zh-CN" sz="1200" b="0" dirty="0">
+                <a:solidFill>
+                  <a:srgbClr val="3B3B3B"/>
+                </a:solidFill>
+                <a:effectLst/>
+                <a:highlight>
+                  <a:srgbClr val="FFFFFF"/>
+                </a:highlight>
+                <a:latin typeface="Consolas" panose="020B0609020204030204" pitchFamily="49" charset="0"/>
+              </a:rPr>
+              <a:t>(</a:t>
+            </a:r>
+            <a:r>
+              <a:rPr lang="en-US" altLang="zh-CN" sz="1200" b="0" dirty="0">
+                <a:solidFill>
+                  <a:srgbClr val="001080"/>
+                </a:solidFill>
+                <a:effectLst/>
+                <a:highlight>
+                  <a:srgbClr val="FFFFFF"/>
+                </a:highlight>
+                <a:latin typeface="Consolas" panose="020B0609020204030204" pitchFamily="49" charset="0"/>
+              </a:rPr>
+              <a:t>event</a:t>
+            </a:r>
+            <a:r>
+              <a:rPr lang="en-US" altLang="zh-CN" sz="1200" b="0" dirty="0">
+                <a:solidFill>
+                  <a:srgbClr val="3B3B3B"/>
+                </a:solidFill>
+                <a:effectLst/>
+                <a:highlight>
+                  <a:srgbClr val="FFFFFF"/>
+                </a:highlight>
+                <a:latin typeface="Consolas" panose="020B0609020204030204" pitchFamily="49" charset="0"/>
+              </a:rPr>
+              <a:t>):</a:t>
+            </a:r>
+          </a:p>
+          <a:p>
+            <a:r>
+              <a:rPr lang="en-US" altLang="zh-CN" sz="1200" b="0" dirty="0">
+                <a:solidFill>
+                  <a:srgbClr val="3B3B3B"/>
+                </a:solidFill>
+                <a:effectLst/>
+                <a:highlight>
+                  <a:srgbClr val="FFFFFF"/>
+                </a:highlight>
+                <a:latin typeface="Consolas" panose="020B0609020204030204" pitchFamily="49" charset="0"/>
+              </a:rPr>
+              <a:t>    </a:t>
+            </a:r>
+            <a:r>
+              <a:rPr lang="en-US" altLang="zh-CN" sz="1200" b="0" dirty="0" err="1">
+                <a:solidFill>
+                  <a:srgbClr val="001080"/>
+                </a:solidFill>
+                <a:effectLst/>
+                <a:highlight>
+                  <a:srgbClr val="FFFFFF"/>
+                </a:highlight>
+                <a:latin typeface="Consolas" panose="020B0609020204030204" pitchFamily="49" charset="0"/>
+              </a:rPr>
+              <a:t>consumer_name</a:t>
+            </a:r>
+            <a:r>
+              <a:rPr lang="en-US" altLang="zh-CN" sz="1200" b="0" dirty="0">
+                <a:solidFill>
+                  <a:srgbClr val="3B3B3B"/>
+                </a:solidFill>
+                <a:effectLst/>
+                <a:highlight>
+                  <a:srgbClr val="FFFFFF"/>
+                </a:highlight>
+                <a:latin typeface="Consolas" panose="020B0609020204030204" pitchFamily="49" charset="0"/>
+              </a:rPr>
+              <a:t> </a:t>
+            </a:r>
+            <a:r>
+              <a:rPr lang="en-US" altLang="zh-CN" sz="1200" b="0" dirty="0">
+                <a:solidFill>
+                  <a:srgbClr val="000000"/>
+                </a:solidFill>
+                <a:effectLst/>
+                <a:highlight>
+                  <a:srgbClr val="FFFFFF"/>
+                </a:highlight>
+                <a:latin typeface="Consolas" panose="020B0609020204030204" pitchFamily="49" charset="0"/>
+              </a:rPr>
+              <a:t>=</a:t>
+            </a:r>
+            <a:r>
+              <a:rPr lang="en-US" altLang="zh-CN" sz="1200" b="0" dirty="0">
+                <a:solidFill>
+                  <a:srgbClr val="3B3B3B"/>
+                </a:solidFill>
+                <a:effectLst/>
+                <a:highlight>
+                  <a:srgbClr val="FFFFFF"/>
+                </a:highlight>
+                <a:latin typeface="Consolas" panose="020B0609020204030204" pitchFamily="49" charset="0"/>
+              </a:rPr>
+              <a:t> </a:t>
+            </a:r>
+            <a:r>
+              <a:rPr lang="en-US" altLang="zh-CN" sz="1200" b="0" dirty="0">
+                <a:solidFill>
+                  <a:srgbClr val="A31515"/>
+                </a:solidFill>
+                <a:effectLst/>
+                <a:highlight>
+                  <a:srgbClr val="FFFFFF"/>
+                </a:highlight>
+                <a:latin typeface="Consolas" panose="020B0609020204030204" pitchFamily="49" charset="0"/>
+              </a:rPr>
+              <a:t>'Consumer B'</a:t>
+            </a:r>
+            <a:endParaRPr lang="en-US" altLang="zh-CN" sz="1200" b="0" dirty="0">
+              <a:solidFill>
+                <a:srgbClr val="3B3B3B"/>
+              </a:solidFill>
+              <a:effectLst/>
+              <a:highlight>
+                <a:srgbClr val="FFFFFF"/>
+              </a:highlight>
+              <a:latin typeface="Consolas" panose="020B0609020204030204" pitchFamily="49" charset="0"/>
+            </a:endParaRPr>
+          </a:p>
+          <a:p>
+            <a:r>
+              <a:rPr lang="en-US" altLang="zh-CN" sz="1200" b="0" dirty="0">
+                <a:solidFill>
+                  <a:srgbClr val="3B3B3B"/>
+                </a:solidFill>
+                <a:effectLst/>
+                <a:highlight>
+                  <a:srgbClr val="FFFFFF"/>
+                </a:highlight>
+                <a:latin typeface="Consolas" panose="020B0609020204030204" pitchFamily="49" charset="0"/>
+              </a:rPr>
+              <a:t>    </a:t>
+            </a:r>
+            <a:r>
+              <a:rPr lang="en-US" altLang="zh-CN" sz="1200" b="0" dirty="0">
+                <a:solidFill>
+                  <a:srgbClr val="795E26"/>
+                </a:solidFill>
+                <a:effectLst/>
+                <a:highlight>
+                  <a:srgbClr val="FFFFFF"/>
+                </a:highlight>
+                <a:latin typeface="Consolas" panose="020B0609020204030204" pitchFamily="49" charset="0"/>
+              </a:rPr>
+              <a:t>print</a:t>
+            </a:r>
+            <a:r>
+              <a:rPr lang="en-US" altLang="zh-CN" sz="1200" b="0" dirty="0">
+                <a:solidFill>
+                  <a:srgbClr val="3B3B3B"/>
+                </a:solidFill>
+                <a:effectLst/>
+                <a:highlight>
+                  <a:srgbClr val="FFFFFF"/>
+                </a:highlight>
+                <a:latin typeface="Consolas" panose="020B0609020204030204" pitchFamily="49" charset="0"/>
+              </a:rPr>
+              <a:t>(</a:t>
+            </a:r>
+            <a:r>
+              <a:rPr lang="en-US" altLang="zh-CN" sz="1200" b="0" dirty="0">
+                <a:solidFill>
+                  <a:srgbClr val="A31515"/>
+                </a:solidFill>
+                <a:effectLst/>
+                <a:highlight>
+                  <a:srgbClr val="FFFFFF"/>
+                </a:highlight>
+                <a:latin typeface="Consolas" panose="020B0609020204030204" pitchFamily="49" charset="0"/>
+              </a:rPr>
+              <a:t>'</a:t>
+            </a:r>
+            <a:r>
+              <a:rPr lang="en-US" altLang="zh-CN" sz="1200" b="0" dirty="0">
+                <a:solidFill>
+                  <a:srgbClr val="0000FF"/>
+                </a:solidFill>
+                <a:effectLst/>
+                <a:highlight>
+                  <a:srgbClr val="FFFFFF"/>
+                </a:highlight>
+                <a:latin typeface="Consolas" panose="020B0609020204030204" pitchFamily="49" charset="0"/>
+              </a:rPr>
+              <a:t>{}</a:t>
+            </a:r>
+            <a:r>
+              <a:rPr lang="en-US" altLang="zh-CN" sz="1200" b="0" dirty="0">
+                <a:solidFill>
+                  <a:srgbClr val="A31515"/>
+                </a:solidFill>
+                <a:effectLst/>
+                <a:highlight>
+                  <a:srgbClr val="FFFFFF"/>
+                </a:highlight>
+                <a:latin typeface="Consolas" panose="020B0609020204030204" pitchFamily="49" charset="0"/>
+              </a:rPr>
+              <a:t> </a:t>
+            </a:r>
+            <a:r>
+              <a:rPr lang="en-US" altLang="zh-CN" sz="1200" b="0" dirty="0" err="1">
+                <a:solidFill>
+                  <a:srgbClr val="A31515"/>
+                </a:solidFill>
+                <a:effectLst/>
+                <a:highlight>
+                  <a:srgbClr val="FFFFFF"/>
+                </a:highlight>
+                <a:latin typeface="Consolas" panose="020B0609020204030204" pitchFamily="49" charset="0"/>
+              </a:rPr>
+              <a:t>waiting'</a:t>
+            </a:r>
+            <a:r>
+              <a:rPr lang="en-US" altLang="zh-CN" sz="1200" b="0" dirty="0" err="1">
+                <a:solidFill>
+                  <a:srgbClr val="3B3B3B"/>
+                </a:solidFill>
+                <a:effectLst/>
+                <a:highlight>
+                  <a:srgbClr val="FFFFFF"/>
+                </a:highlight>
+                <a:latin typeface="Consolas" panose="020B0609020204030204" pitchFamily="49" charset="0"/>
+              </a:rPr>
+              <a:t>.</a:t>
+            </a:r>
+            <a:r>
+              <a:rPr lang="en-US" altLang="zh-CN" sz="1200" b="0" dirty="0" err="1">
+                <a:solidFill>
+                  <a:srgbClr val="795E26"/>
+                </a:solidFill>
+                <a:effectLst/>
+                <a:highlight>
+                  <a:srgbClr val="FFFFFF"/>
+                </a:highlight>
+                <a:latin typeface="Consolas" panose="020B0609020204030204" pitchFamily="49" charset="0"/>
+              </a:rPr>
+              <a:t>format</a:t>
+            </a:r>
+            <a:r>
+              <a:rPr lang="en-US" altLang="zh-CN" sz="1200" b="0" dirty="0">
+                <a:solidFill>
+                  <a:srgbClr val="3B3B3B"/>
+                </a:solidFill>
+                <a:effectLst/>
+                <a:highlight>
+                  <a:srgbClr val="FFFFFF"/>
+                </a:highlight>
+                <a:latin typeface="Consolas" panose="020B0609020204030204" pitchFamily="49" charset="0"/>
+              </a:rPr>
+              <a:t>(</a:t>
+            </a:r>
+            <a:r>
+              <a:rPr lang="en-US" altLang="zh-CN" sz="1200" b="0" dirty="0" err="1">
+                <a:solidFill>
+                  <a:srgbClr val="001080"/>
+                </a:solidFill>
+                <a:effectLst/>
+                <a:highlight>
+                  <a:srgbClr val="FFFFFF"/>
+                </a:highlight>
+                <a:latin typeface="Consolas" panose="020B0609020204030204" pitchFamily="49" charset="0"/>
+              </a:rPr>
+              <a:t>consumer_name</a:t>
+            </a:r>
+            <a:r>
+              <a:rPr lang="en-US" altLang="zh-CN" sz="1200" b="0" dirty="0">
+                <a:solidFill>
+                  <a:srgbClr val="3B3B3B"/>
+                </a:solidFill>
+                <a:effectLst/>
+                <a:highlight>
+                  <a:srgbClr val="FFFFFF"/>
+                </a:highlight>
+                <a:latin typeface="Consolas" panose="020B0609020204030204" pitchFamily="49" charset="0"/>
+              </a:rPr>
+              <a:t>))</a:t>
+            </a:r>
+          </a:p>
+          <a:p>
+            <a:r>
+              <a:rPr lang="en-US" altLang="zh-CN" sz="1200" dirty="0">
+                <a:solidFill>
+                  <a:srgbClr val="008000"/>
+                </a:solidFill>
+                <a:highlight>
+                  <a:srgbClr val="FFFFFF"/>
+                </a:highlight>
+                <a:latin typeface="Consolas" panose="020B0609020204030204" pitchFamily="49" charset="0"/>
+              </a:rPr>
+              <a:t>    </a:t>
+            </a:r>
+            <a:r>
+              <a:rPr lang="en-US" altLang="zh-CN" sz="1200" b="0" dirty="0">
+                <a:solidFill>
+                  <a:srgbClr val="008000"/>
+                </a:solidFill>
+                <a:effectLst/>
+                <a:highlight>
+                  <a:srgbClr val="FFFFFF"/>
+                </a:highlight>
+                <a:latin typeface="Consolas" panose="020B0609020204030204" pitchFamily="49" charset="0"/>
+              </a:rPr>
+              <a:t>#</a:t>
+            </a:r>
+            <a:r>
+              <a:rPr lang="ja-JP" altLang="en-US" sz="1200" b="0" dirty="0">
+                <a:solidFill>
+                  <a:srgbClr val="008000"/>
+                </a:solidFill>
+                <a:effectLst/>
+                <a:highlight>
+                  <a:srgbClr val="FFFFFF"/>
+                </a:highlight>
+                <a:latin typeface="Consolas" panose="020B0609020204030204" pitchFamily="49" charset="0"/>
+              </a:rPr>
+              <a:t>　</a:t>
+            </a:r>
+            <a:r>
+              <a:rPr lang="en-US" altLang="ja-JP" sz="1200" b="0" dirty="0">
+                <a:solidFill>
+                  <a:srgbClr val="008000"/>
+                </a:solidFill>
+                <a:effectLst/>
+                <a:highlight>
+                  <a:srgbClr val="FFFFFF"/>
+                </a:highlight>
+                <a:latin typeface="Consolas" panose="020B0609020204030204" pitchFamily="49" charset="0"/>
+              </a:rPr>
+              <a:t>event</a:t>
+            </a:r>
+            <a:r>
+              <a:rPr lang="ja-JP" altLang="en-US" sz="1200" b="0" dirty="0">
+                <a:solidFill>
+                  <a:srgbClr val="008000"/>
+                </a:solidFill>
+                <a:effectLst/>
+                <a:highlight>
+                  <a:srgbClr val="FFFFFF"/>
+                </a:highlight>
+                <a:latin typeface="Consolas" panose="020B0609020204030204" pitchFamily="49" charset="0"/>
+              </a:rPr>
+              <a:t>がセットされるまで待機</a:t>
+            </a:r>
+            <a:endParaRPr lang="en-US" altLang="zh-CN" sz="1200" b="0" dirty="0">
+              <a:solidFill>
+                <a:srgbClr val="3B3B3B"/>
+              </a:solidFill>
+              <a:effectLst/>
+              <a:highlight>
+                <a:srgbClr val="FFFFFF"/>
+              </a:highlight>
+              <a:latin typeface="Consolas" panose="020B0609020204030204" pitchFamily="49" charset="0"/>
+            </a:endParaRPr>
+          </a:p>
+          <a:p>
+            <a:r>
+              <a:rPr lang="en-US" altLang="zh-CN" sz="1200" b="0" dirty="0">
+                <a:solidFill>
+                  <a:srgbClr val="3B3B3B"/>
+                </a:solidFill>
+                <a:effectLst/>
+                <a:highlight>
+                  <a:srgbClr val="FFFFFF"/>
+                </a:highlight>
+                <a:latin typeface="Consolas" panose="020B0609020204030204" pitchFamily="49" charset="0"/>
+              </a:rPr>
+              <a:t>    </a:t>
+            </a:r>
+            <a:r>
+              <a:rPr lang="en-US" altLang="zh-CN" sz="1200" b="0" dirty="0">
+                <a:solidFill>
+                  <a:srgbClr val="AF00DB"/>
+                </a:solidFill>
+                <a:effectLst/>
+                <a:highlight>
+                  <a:srgbClr val="FFFFFF"/>
+                </a:highlight>
+                <a:latin typeface="Consolas" panose="020B0609020204030204" pitchFamily="49" charset="0"/>
+              </a:rPr>
+              <a:t>await</a:t>
+            </a:r>
+            <a:r>
+              <a:rPr lang="en-US" altLang="zh-CN" sz="1200" b="0" dirty="0">
+                <a:solidFill>
+                  <a:srgbClr val="3B3B3B"/>
+                </a:solidFill>
+                <a:effectLst/>
+                <a:highlight>
+                  <a:srgbClr val="FFFFFF"/>
+                </a:highlight>
+                <a:latin typeface="Consolas" panose="020B0609020204030204" pitchFamily="49" charset="0"/>
+              </a:rPr>
+              <a:t> </a:t>
+            </a:r>
+            <a:r>
+              <a:rPr lang="en-US" altLang="zh-CN" sz="1200" b="0" dirty="0" err="1">
+                <a:solidFill>
+                  <a:srgbClr val="001080"/>
+                </a:solidFill>
+                <a:effectLst/>
+                <a:highlight>
+                  <a:srgbClr val="FFFFFF"/>
+                </a:highlight>
+                <a:latin typeface="Consolas" panose="020B0609020204030204" pitchFamily="49" charset="0"/>
+              </a:rPr>
+              <a:t>event</a:t>
+            </a:r>
+            <a:r>
+              <a:rPr lang="en-US" altLang="zh-CN" sz="1200" b="0" dirty="0" err="1">
+                <a:solidFill>
+                  <a:srgbClr val="3B3B3B"/>
+                </a:solidFill>
+                <a:effectLst/>
+                <a:highlight>
+                  <a:srgbClr val="FFFFFF"/>
+                </a:highlight>
+                <a:latin typeface="Consolas" panose="020B0609020204030204" pitchFamily="49" charset="0"/>
+              </a:rPr>
+              <a:t>.wait</a:t>
+            </a:r>
+            <a:r>
+              <a:rPr lang="en-US" altLang="zh-CN" sz="1200" b="0" dirty="0">
+                <a:solidFill>
+                  <a:srgbClr val="3B3B3B"/>
+                </a:solidFill>
+                <a:effectLst/>
+                <a:highlight>
+                  <a:srgbClr val="FFFFFF"/>
+                </a:highlight>
+                <a:latin typeface="Consolas" panose="020B0609020204030204" pitchFamily="49" charset="0"/>
+              </a:rPr>
+              <a:t>()</a:t>
+            </a:r>
+          </a:p>
+          <a:p>
+            <a:r>
+              <a:rPr lang="en-US" altLang="zh-CN" sz="1200" b="0" dirty="0">
+                <a:solidFill>
+                  <a:srgbClr val="3B3B3B"/>
+                </a:solidFill>
+                <a:effectLst/>
+                <a:highlight>
+                  <a:srgbClr val="FFFFFF"/>
+                </a:highlight>
+                <a:latin typeface="Consolas" panose="020B0609020204030204" pitchFamily="49" charset="0"/>
+              </a:rPr>
+              <a:t>    </a:t>
+            </a:r>
+            <a:r>
+              <a:rPr lang="en-US" altLang="zh-CN" sz="1200" b="0" dirty="0">
+                <a:solidFill>
+                  <a:srgbClr val="795E26"/>
+                </a:solidFill>
+                <a:effectLst/>
+                <a:highlight>
+                  <a:srgbClr val="FFFFFF"/>
+                </a:highlight>
+                <a:latin typeface="Consolas" panose="020B0609020204030204" pitchFamily="49" charset="0"/>
+              </a:rPr>
+              <a:t>print</a:t>
+            </a:r>
+            <a:r>
+              <a:rPr lang="en-US" altLang="zh-CN" sz="1200" b="0" dirty="0">
+                <a:solidFill>
+                  <a:srgbClr val="3B3B3B"/>
+                </a:solidFill>
+                <a:effectLst/>
+                <a:highlight>
+                  <a:srgbClr val="FFFFFF"/>
+                </a:highlight>
+                <a:latin typeface="Consolas" panose="020B0609020204030204" pitchFamily="49" charset="0"/>
+              </a:rPr>
+              <a:t>(</a:t>
+            </a:r>
+            <a:r>
+              <a:rPr lang="en-US" altLang="zh-CN" sz="1200" b="0" dirty="0">
+                <a:solidFill>
+                  <a:srgbClr val="A31515"/>
+                </a:solidFill>
+                <a:effectLst/>
+                <a:highlight>
+                  <a:srgbClr val="FFFFFF"/>
+                </a:highlight>
+                <a:latin typeface="Consolas" panose="020B0609020204030204" pitchFamily="49" charset="0"/>
+              </a:rPr>
+              <a:t>'</a:t>
+            </a:r>
+            <a:r>
+              <a:rPr lang="en-US" altLang="zh-CN" sz="1200" b="0" dirty="0">
+                <a:solidFill>
+                  <a:srgbClr val="0000FF"/>
+                </a:solidFill>
+                <a:effectLst/>
+                <a:highlight>
+                  <a:srgbClr val="FFFFFF"/>
+                </a:highlight>
+                <a:latin typeface="Consolas" panose="020B0609020204030204" pitchFamily="49" charset="0"/>
+              </a:rPr>
+              <a:t>{}</a:t>
+            </a:r>
+            <a:r>
+              <a:rPr lang="en-US" altLang="zh-CN" sz="1200" b="0" dirty="0">
+                <a:solidFill>
+                  <a:srgbClr val="A31515"/>
+                </a:solidFill>
+                <a:effectLst/>
+                <a:highlight>
+                  <a:srgbClr val="FFFFFF"/>
+                </a:highlight>
+                <a:latin typeface="Consolas" panose="020B0609020204030204" pitchFamily="49" charset="0"/>
+              </a:rPr>
+              <a:t> </a:t>
+            </a:r>
+            <a:r>
+              <a:rPr lang="en-US" altLang="zh-CN" sz="1200" b="0" dirty="0" err="1">
+                <a:solidFill>
+                  <a:srgbClr val="A31515"/>
+                </a:solidFill>
+                <a:effectLst/>
+                <a:highlight>
+                  <a:srgbClr val="FFFFFF"/>
+                </a:highlight>
+                <a:latin typeface="Consolas" panose="020B0609020204030204" pitchFamily="49" charset="0"/>
+              </a:rPr>
+              <a:t>triggered'</a:t>
+            </a:r>
+            <a:r>
+              <a:rPr lang="en-US" altLang="zh-CN" sz="1200" b="0" dirty="0" err="1">
+                <a:solidFill>
+                  <a:srgbClr val="3B3B3B"/>
+                </a:solidFill>
+                <a:effectLst/>
+                <a:highlight>
+                  <a:srgbClr val="FFFFFF"/>
+                </a:highlight>
+                <a:latin typeface="Consolas" panose="020B0609020204030204" pitchFamily="49" charset="0"/>
+              </a:rPr>
+              <a:t>.</a:t>
+            </a:r>
+            <a:r>
+              <a:rPr lang="en-US" altLang="zh-CN" sz="1200" b="0" dirty="0" err="1">
+                <a:solidFill>
+                  <a:srgbClr val="795E26"/>
+                </a:solidFill>
+                <a:effectLst/>
+                <a:highlight>
+                  <a:srgbClr val="FFFFFF"/>
+                </a:highlight>
+                <a:latin typeface="Consolas" panose="020B0609020204030204" pitchFamily="49" charset="0"/>
+              </a:rPr>
+              <a:t>format</a:t>
+            </a:r>
+            <a:r>
+              <a:rPr lang="en-US" altLang="zh-CN" sz="1200" b="0" dirty="0">
+                <a:solidFill>
+                  <a:srgbClr val="3B3B3B"/>
+                </a:solidFill>
+                <a:effectLst/>
+                <a:highlight>
+                  <a:srgbClr val="FFFFFF"/>
+                </a:highlight>
+                <a:latin typeface="Consolas" panose="020B0609020204030204" pitchFamily="49" charset="0"/>
+              </a:rPr>
+              <a:t>(</a:t>
+            </a:r>
+            <a:r>
+              <a:rPr lang="en-US" altLang="zh-CN" sz="1200" b="0" dirty="0" err="1">
+                <a:solidFill>
+                  <a:srgbClr val="001080"/>
+                </a:solidFill>
+                <a:effectLst/>
+                <a:highlight>
+                  <a:srgbClr val="FFFFFF"/>
+                </a:highlight>
+                <a:latin typeface="Consolas" panose="020B0609020204030204" pitchFamily="49" charset="0"/>
+              </a:rPr>
+              <a:t>consumer_name</a:t>
+            </a:r>
+            <a:r>
+              <a:rPr lang="en-US" altLang="zh-CN" sz="1200" b="0" dirty="0">
+                <a:solidFill>
+                  <a:srgbClr val="3B3B3B"/>
+                </a:solidFill>
+                <a:effectLst/>
+                <a:highlight>
+                  <a:srgbClr val="FFFFFF"/>
+                </a:highlight>
+                <a:latin typeface="Consolas" panose="020B0609020204030204" pitchFamily="49" charset="0"/>
+              </a:rPr>
+              <a:t>))</a:t>
+            </a:r>
+          </a:p>
+        </p:txBody>
+      </p:sp>
+      <p:sp>
+        <p:nvSpPr>
+          <p:cNvPr id="10" name="文本框 9">
+            <a:extLst>
+              <a:ext uri="{FF2B5EF4-FFF2-40B4-BE49-F238E27FC236}">
+                <a16:creationId xmlns:a16="http://schemas.microsoft.com/office/drawing/2014/main" id="{5DBF25E9-AA65-C3EB-8127-EA59B92E5983}"/>
+              </a:ext>
+            </a:extLst>
+          </p:cNvPr>
+          <p:cNvSpPr txBox="1"/>
+          <p:nvPr/>
+        </p:nvSpPr>
+        <p:spPr>
+          <a:xfrm>
+            <a:off x="5929162" y="663179"/>
+            <a:ext cx="6097554" cy="2492990"/>
+          </a:xfrm>
+          <a:prstGeom prst="rect">
+            <a:avLst/>
+          </a:prstGeom>
+          <a:noFill/>
+          <a:ln>
+            <a:solidFill>
+              <a:schemeClr val="tx1"/>
+            </a:solidFill>
+          </a:ln>
+        </p:spPr>
+        <p:txBody>
+          <a:bodyPr wrap="square">
+            <a:spAutoFit/>
+          </a:bodyPr>
+          <a:lstStyle/>
+          <a:p>
+            <a:r>
+              <a:rPr lang="en-US" altLang="zh-CN" sz="1200" b="0" dirty="0">
+                <a:solidFill>
+                  <a:srgbClr val="008000"/>
+                </a:solidFill>
+                <a:effectLst/>
+                <a:highlight>
+                  <a:srgbClr val="FFFFFF"/>
+                </a:highlight>
+                <a:latin typeface="Consolas" panose="020B0609020204030204" pitchFamily="49" charset="0"/>
+              </a:rPr>
+              <a:t># event</a:t>
+            </a:r>
+            <a:endParaRPr lang="en-US" altLang="zh-CN" sz="1200" b="0" dirty="0">
+              <a:solidFill>
+                <a:srgbClr val="3B3B3B"/>
+              </a:solidFill>
+              <a:effectLst/>
+              <a:highlight>
+                <a:srgbClr val="FFFFFF"/>
+              </a:highlight>
+              <a:latin typeface="Consolas" panose="020B0609020204030204" pitchFamily="49" charset="0"/>
+            </a:endParaRPr>
+          </a:p>
+          <a:p>
+            <a:r>
+              <a:rPr lang="en-US" altLang="zh-CN" sz="1200" b="0" dirty="0">
+                <a:solidFill>
+                  <a:srgbClr val="001080"/>
+                </a:solidFill>
+                <a:effectLst/>
+                <a:highlight>
+                  <a:srgbClr val="FFFFFF"/>
+                </a:highlight>
+                <a:latin typeface="Consolas" panose="020B0609020204030204" pitchFamily="49" charset="0"/>
+              </a:rPr>
+              <a:t>event</a:t>
+            </a:r>
+            <a:r>
+              <a:rPr lang="en-US" altLang="zh-CN" sz="1200" b="0" dirty="0">
+                <a:solidFill>
+                  <a:srgbClr val="3B3B3B"/>
+                </a:solidFill>
+                <a:effectLst/>
+                <a:highlight>
+                  <a:srgbClr val="FFFFFF"/>
+                </a:highlight>
+                <a:latin typeface="Consolas" panose="020B0609020204030204" pitchFamily="49" charset="0"/>
+              </a:rPr>
+              <a:t> </a:t>
+            </a:r>
+            <a:r>
+              <a:rPr lang="en-US" altLang="zh-CN" sz="1200" b="0" dirty="0">
+                <a:solidFill>
+                  <a:srgbClr val="000000"/>
+                </a:solidFill>
+                <a:effectLst/>
+                <a:highlight>
+                  <a:srgbClr val="FFFFFF"/>
+                </a:highlight>
+                <a:latin typeface="Consolas" panose="020B0609020204030204" pitchFamily="49" charset="0"/>
+              </a:rPr>
+              <a:t>=</a:t>
+            </a:r>
+            <a:r>
+              <a:rPr lang="en-US" altLang="zh-CN" sz="1200" b="0" dirty="0">
+                <a:solidFill>
+                  <a:srgbClr val="3B3B3B"/>
+                </a:solidFill>
+                <a:effectLst/>
+                <a:highlight>
+                  <a:srgbClr val="FFFFFF"/>
+                </a:highlight>
+                <a:latin typeface="Consolas" panose="020B0609020204030204" pitchFamily="49" charset="0"/>
+              </a:rPr>
+              <a:t> </a:t>
+            </a:r>
+            <a:r>
+              <a:rPr lang="en-US" altLang="zh-CN" sz="1200" b="0" dirty="0" err="1">
+                <a:solidFill>
+                  <a:srgbClr val="267F99"/>
+                </a:solidFill>
+                <a:effectLst/>
+                <a:highlight>
+                  <a:srgbClr val="FFFFFF"/>
+                </a:highlight>
+                <a:latin typeface="Consolas" panose="020B0609020204030204" pitchFamily="49" charset="0"/>
+              </a:rPr>
+              <a:t>asyncio</a:t>
+            </a:r>
+            <a:r>
+              <a:rPr lang="en-US" altLang="zh-CN" sz="1200" b="0" dirty="0" err="1">
+                <a:solidFill>
+                  <a:srgbClr val="3B3B3B"/>
+                </a:solidFill>
+                <a:effectLst/>
+                <a:highlight>
+                  <a:srgbClr val="FFFFFF"/>
+                </a:highlight>
+                <a:latin typeface="Consolas" panose="020B0609020204030204" pitchFamily="49" charset="0"/>
+              </a:rPr>
+              <a:t>.</a:t>
+            </a:r>
+            <a:r>
+              <a:rPr lang="en-US" altLang="zh-CN" sz="1200" b="0" dirty="0" err="1">
+                <a:solidFill>
+                  <a:srgbClr val="267F99"/>
+                </a:solidFill>
+                <a:effectLst/>
+                <a:highlight>
+                  <a:srgbClr val="FFFFFF"/>
+                </a:highlight>
+                <a:latin typeface="Consolas" panose="020B0609020204030204" pitchFamily="49" charset="0"/>
+              </a:rPr>
+              <a:t>Event</a:t>
+            </a:r>
+            <a:r>
+              <a:rPr lang="en-US" altLang="zh-CN" sz="1200" b="0" dirty="0">
+                <a:solidFill>
+                  <a:srgbClr val="3B3B3B"/>
+                </a:solidFill>
+                <a:effectLst/>
+                <a:highlight>
+                  <a:srgbClr val="FFFFFF"/>
+                </a:highlight>
+                <a:latin typeface="Consolas" panose="020B0609020204030204" pitchFamily="49" charset="0"/>
+              </a:rPr>
+              <a:t>()</a:t>
+            </a:r>
+          </a:p>
+          <a:p>
+            <a:br>
+              <a:rPr lang="en-US" altLang="zh-CN" sz="1200" b="0" dirty="0">
+                <a:solidFill>
+                  <a:srgbClr val="3B3B3B"/>
+                </a:solidFill>
+                <a:effectLst/>
+                <a:highlight>
+                  <a:srgbClr val="FFFFFF"/>
+                </a:highlight>
+                <a:latin typeface="Consolas" panose="020B0609020204030204" pitchFamily="49" charset="0"/>
+              </a:rPr>
+            </a:br>
+            <a:r>
+              <a:rPr lang="en-US" altLang="zh-CN" sz="1200" b="0" dirty="0">
+                <a:solidFill>
+                  <a:srgbClr val="008000"/>
+                </a:solidFill>
+                <a:effectLst/>
+                <a:highlight>
+                  <a:srgbClr val="FFFFFF"/>
+                </a:highlight>
+                <a:latin typeface="Consolas" panose="020B0609020204030204" pitchFamily="49" charset="0"/>
+              </a:rPr>
+              <a:t># wrap coroutines in one future</a:t>
+            </a:r>
+            <a:endParaRPr lang="en-US" altLang="zh-CN" sz="1200" b="0" dirty="0">
+              <a:solidFill>
+                <a:srgbClr val="3B3B3B"/>
+              </a:solidFill>
+              <a:effectLst/>
+              <a:highlight>
+                <a:srgbClr val="FFFFFF"/>
+              </a:highlight>
+              <a:latin typeface="Consolas" panose="020B0609020204030204" pitchFamily="49" charset="0"/>
+            </a:endParaRPr>
+          </a:p>
+          <a:p>
+            <a:r>
+              <a:rPr lang="en-US" altLang="zh-CN" sz="1200" b="0" dirty="0" err="1">
+                <a:solidFill>
+                  <a:srgbClr val="001080"/>
+                </a:solidFill>
+                <a:effectLst/>
+                <a:highlight>
+                  <a:srgbClr val="FFFFFF"/>
+                </a:highlight>
+                <a:latin typeface="Consolas" panose="020B0609020204030204" pitchFamily="49" charset="0"/>
+              </a:rPr>
+              <a:t>main_future</a:t>
+            </a:r>
+            <a:r>
+              <a:rPr lang="en-US" altLang="zh-CN" sz="1200" b="0" dirty="0">
+                <a:solidFill>
+                  <a:srgbClr val="3B3B3B"/>
+                </a:solidFill>
+                <a:effectLst/>
+                <a:highlight>
+                  <a:srgbClr val="FFFFFF"/>
+                </a:highlight>
+                <a:latin typeface="Consolas" panose="020B0609020204030204" pitchFamily="49" charset="0"/>
+              </a:rPr>
+              <a:t> </a:t>
+            </a:r>
+            <a:r>
+              <a:rPr lang="en-US" altLang="zh-CN" sz="1200" b="0" dirty="0">
+                <a:solidFill>
+                  <a:srgbClr val="000000"/>
+                </a:solidFill>
+                <a:effectLst/>
+                <a:highlight>
+                  <a:srgbClr val="FFFFFF"/>
+                </a:highlight>
+                <a:latin typeface="Consolas" panose="020B0609020204030204" pitchFamily="49" charset="0"/>
+              </a:rPr>
+              <a:t>=</a:t>
+            </a:r>
+            <a:r>
+              <a:rPr lang="en-US" altLang="zh-CN" sz="1200" b="0" dirty="0">
+                <a:solidFill>
+                  <a:srgbClr val="3B3B3B"/>
+                </a:solidFill>
+                <a:effectLst/>
+                <a:highlight>
+                  <a:srgbClr val="FFFFFF"/>
+                </a:highlight>
+                <a:latin typeface="Consolas" panose="020B0609020204030204" pitchFamily="49" charset="0"/>
+              </a:rPr>
+              <a:t> </a:t>
+            </a:r>
+            <a:r>
+              <a:rPr lang="en-US" altLang="zh-CN" sz="1200" b="0" dirty="0" err="1">
+                <a:solidFill>
+                  <a:srgbClr val="267F99"/>
+                </a:solidFill>
+                <a:effectLst/>
+                <a:highlight>
+                  <a:srgbClr val="FFFFFF"/>
+                </a:highlight>
+                <a:latin typeface="Consolas" panose="020B0609020204030204" pitchFamily="49" charset="0"/>
+              </a:rPr>
+              <a:t>asyncio</a:t>
+            </a:r>
+            <a:r>
+              <a:rPr lang="en-US" altLang="zh-CN" sz="1200" b="0" dirty="0" err="1">
+                <a:solidFill>
+                  <a:srgbClr val="3B3B3B"/>
+                </a:solidFill>
+                <a:effectLst/>
+                <a:highlight>
+                  <a:srgbClr val="FFFFFF"/>
+                </a:highlight>
+                <a:latin typeface="Consolas" panose="020B0609020204030204" pitchFamily="49" charset="0"/>
+              </a:rPr>
+              <a:t>.</a:t>
+            </a:r>
+            <a:r>
+              <a:rPr lang="en-US" altLang="zh-CN" sz="1200" b="0" dirty="0" err="1">
+                <a:solidFill>
+                  <a:srgbClr val="795E26"/>
+                </a:solidFill>
+                <a:effectLst/>
+                <a:highlight>
+                  <a:srgbClr val="FFFFFF"/>
+                </a:highlight>
+                <a:latin typeface="Consolas" panose="020B0609020204030204" pitchFamily="49" charset="0"/>
+              </a:rPr>
+              <a:t>wait</a:t>
+            </a:r>
+            <a:r>
+              <a:rPr lang="en-US" altLang="zh-CN" sz="1200" b="0" dirty="0">
+                <a:solidFill>
+                  <a:srgbClr val="3B3B3B"/>
+                </a:solidFill>
+                <a:effectLst/>
+                <a:highlight>
+                  <a:srgbClr val="FFFFFF"/>
+                </a:highlight>
+                <a:latin typeface="Consolas" panose="020B0609020204030204" pitchFamily="49" charset="0"/>
+              </a:rPr>
+              <a:t>([</a:t>
+            </a:r>
+            <a:r>
+              <a:rPr lang="en-US" altLang="zh-CN" sz="1200" b="0" dirty="0" err="1">
+                <a:solidFill>
+                  <a:srgbClr val="795E26"/>
+                </a:solidFill>
+                <a:effectLst/>
+                <a:highlight>
+                  <a:srgbClr val="FFFFFF"/>
+                </a:highlight>
+                <a:latin typeface="Consolas" panose="020B0609020204030204" pitchFamily="49" charset="0"/>
+              </a:rPr>
+              <a:t>consumer_a</a:t>
+            </a:r>
+            <a:r>
+              <a:rPr lang="en-US" altLang="zh-CN" sz="1200" b="0" dirty="0">
+                <a:solidFill>
+                  <a:srgbClr val="3B3B3B"/>
+                </a:solidFill>
+                <a:effectLst/>
+                <a:highlight>
+                  <a:srgbClr val="FFFFFF"/>
+                </a:highlight>
+                <a:latin typeface="Consolas" panose="020B0609020204030204" pitchFamily="49" charset="0"/>
+              </a:rPr>
+              <a:t>(</a:t>
+            </a:r>
+            <a:r>
+              <a:rPr lang="en-US" altLang="zh-CN" sz="1200" b="0" dirty="0">
+                <a:solidFill>
+                  <a:srgbClr val="001080"/>
+                </a:solidFill>
+                <a:effectLst/>
+                <a:highlight>
+                  <a:srgbClr val="FFFFFF"/>
+                </a:highlight>
+                <a:latin typeface="Consolas" panose="020B0609020204030204" pitchFamily="49" charset="0"/>
+              </a:rPr>
+              <a:t>event</a:t>
+            </a:r>
+            <a:r>
+              <a:rPr lang="en-US" altLang="zh-CN" sz="1200" b="0" dirty="0">
+                <a:solidFill>
+                  <a:srgbClr val="3B3B3B"/>
+                </a:solidFill>
+                <a:effectLst/>
+                <a:highlight>
+                  <a:srgbClr val="FFFFFF"/>
+                </a:highlight>
+                <a:latin typeface="Consolas" panose="020B0609020204030204" pitchFamily="49" charset="0"/>
+              </a:rPr>
+              <a:t>), </a:t>
+            </a:r>
+            <a:r>
+              <a:rPr lang="en-US" altLang="zh-CN" sz="1200" b="0" dirty="0" err="1">
+                <a:solidFill>
+                  <a:srgbClr val="795E26"/>
+                </a:solidFill>
+                <a:effectLst/>
+                <a:highlight>
+                  <a:srgbClr val="FFFFFF"/>
+                </a:highlight>
+                <a:latin typeface="Consolas" panose="020B0609020204030204" pitchFamily="49" charset="0"/>
+              </a:rPr>
+              <a:t>consumer_b</a:t>
+            </a:r>
+            <a:r>
+              <a:rPr lang="en-US" altLang="zh-CN" sz="1200" b="0" dirty="0">
+                <a:solidFill>
+                  <a:srgbClr val="3B3B3B"/>
+                </a:solidFill>
+                <a:effectLst/>
+                <a:highlight>
+                  <a:srgbClr val="FFFFFF"/>
+                </a:highlight>
+                <a:latin typeface="Consolas" panose="020B0609020204030204" pitchFamily="49" charset="0"/>
+              </a:rPr>
+              <a:t>(</a:t>
+            </a:r>
+            <a:r>
+              <a:rPr lang="en-US" altLang="zh-CN" sz="1200" b="0" dirty="0">
+                <a:solidFill>
+                  <a:srgbClr val="001080"/>
+                </a:solidFill>
+                <a:effectLst/>
+                <a:highlight>
+                  <a:srgbClr val="FFFFFF"/>
+                </a:highlight>
+                <a:latin typeface="Consolas" panose="020B0609020204030204" pitchFamily="49" charset="0"/>
+              </a:rPr>
+              <a:t>event</a:t>
+            </a:r>
+            <a:r>
+              <a:rPr lang="en-US" altLang="zh-CN" sz="1200" b="0" dirty="0">
+                <a:solidFill>
+                  <a:srgbClr val="3B3B3B"/>
+                </a:solidFill>
+                <a:effectLst/>
+                <a:highlight>
+                  <a:srgbClr val="FFFFFF"/>
+                </a:highlight>
+                <a:latin typeface="Consolas" panose="020B0609020204030204" pitchFamily="49" charset="0"/>
+              </a:rPr>
+              <a:t>)])</a:t>
+            </a:r>
+          </a:p>
+          <a:p>
+            <a:br>
+              <a:rPr lang="en-US" altLang="zh-CN" sz="1200" b="0" dirty="0">
+                <a:solidFill>
+                  <a:srgbClr val="3B3B3B"/>
+                </a:solidFill>
+                <a:effectLst/>
+                <a:highlight>
+                  <a:srgbClr val="FFFFFF"/>
+                </a:highlight>
+                <a:latin typeface="Consolas" panose="020B0609020204030204" pitchFamily="49" charset="0"/>
+              </a:rPr>
+            </a:br>
+            <a:r>
+              <a:rPr lang="en-US" altLang="zh-CN" sz="1200" b="0" dirty="0">
+                <a:solidFill>
+                  <a:srgbClr val="008000"/>
+                </a:solidFill>
+                <a:effectLst/>
+                <a:highlight>
+                  <a:srgbClr val="FFFFFF"/>
+                </a:highlight>
+                <a:latin typeface="Consolas" panose="020B0609020204030204" pitchFamily="49" charset="0"/>
+              </a:rPr>
+              <a:t># event loop</a:t>
+            </a:r>
+            <a:endParaRPr lang="en-US" altLang="zh-CN" sz="1200" b="0" dirty="0">
+              <a:solidFill>
+                <a:srgbClr val="3B3B3B"/>
+              </a:solidFill>
+              <a:effectLst/>
+              <a:highlight>
+                <a:srgbClr val="FFFFFF"/>
+              </a:highlight>
+              <a:latin typeface="Consolas" panose="020B0609020204030204" pitchFamily="49" charset="0"/>
+            </a:endParaRPr>
+          </a:p>
+          <a:p>
+            <a:r>
+              <a:rPr lang="en-US" altLang="zh-CN" sz="1200" b="0" dirty="0" err="1">
+                <a:solidFill>
+                  <a:srgbClr val="001080"/>
+                </a:solidFill>
+                <a:effectLst/>
+                <a:highlight>
+                  <a:srgbClr val="FFFFFF"/>
+                </a:highlight>
+                <a:latin typeface="Consolas" panose="020B0609020204030204" pitchFamily="49" charset="0"/>
+              </a:rPr>
+              <a:t>event_loop</a:t>
+            </a:r>
+            <a:r>
+              <a:rPr lang="en-US" altLang="zh-CN" sz="1200" b="0" dirty="0">
+                <a:solidFill>
+                  <a:srgbClr val="3B3B3B"/>
+                </a:solidFill>
+                <a:effectLst/>
+                <a:highlight>
+                  <a:srgbClr val="FFFFFF"/>
+                </a:highlight>
+                <a:latin typeface="Consolas" panose="020B0609020204030204" pitchFamily="49" charset="0"/>
+              </a:rPr>
+              <a:t> </a:t>
+            </a:r>
+            <a:r>
+              <a:rPr lang="en-US" altLang="zh-CN" sz="1200" b="0" dirty="0">
+                <a:solidFill>
+                  <a:srgbClr val="000000"/>
+                </a:solidFill>
+                <a:effectLst/>
+                <a:highlight>
+                  <a:srgbClr val="FFFFFF"/>
+                </a:highlight>
+                <a:latin typeface="Consolas" panose="020B0609020204030204" pitchFamily="49" charset="0"/>
+              </a:rPr>
+              <a:t>=</a:t>
+            </a:r>
+            <a:r>
+              <a:rPr lang="en-US" altLang="zh-CN" sz="1200" b="0" dirty="0">
+                <a:solidFill>
+                  <a:srgbClr val="3B3B3B"/>
+                </a:solidFill>
+                <a:effectLst/>
+                <a:highlight>
+                  <a:srgbClr val="FFFFFF"/>
+                </a:highlight>
+                <a:latin typeface="Consolas" panose="020B0609020204030204" pitchFamily="49" charset="0"/>
+              </a:rPr>
+              <a:t> </a:t>
+            </a:r>
+            <a:r>
+              <a:rPr lang="en-US" altLang="zh-CN" sz="1200" b="0" dirty="0" err="1">
+                <a:solidFill>
+                  <a:srgbClr val="267F99"/>
+                </a:solidFill>
+                <a:effectLst/>
+                <a:highlight>
+                  <a:srgbClr val="FFFFFF"/>
+                </a:highlight>
+                <a:latin typeface="Consolas" panose="020B0609020204030204" pitchFamily="49" charset="0"/>
+              </a:rPr>
+              <a:t>asyncio</a:t>
+            </a:r>
+            <a:r>
+              <a:rPr lang="en-US" altLang="zh-CN" sz="1200" b="0" dirty="0" err="1">
+                <a:solidFill>
+                  <a:srgbClr val="3B3B3B"/>
+                </a:solidFill>
+                <a:effectLst/>
+                <a:highlight>
+                  <a:srgbClr val="FFFFFF"/>
+                </a:highlight>
+                <a:latin typeface="Consolas" panose="020B0609020204030204" pitchFamily="49" charset="0"/>
+              </a:rPr>
+              <a:t>.</a:t>
+            </a:r>
+            <a:r>
+              <a:rPr lang="en-US" altLang="zh-CN" sz="1200" b="0" dirty="0" err="1">
+                <a:solidFill>
+                  <a:srgbClr val="795E26"/>
+                </a:solidFill>
+                <a:effectLst/>
+                <a:highlight>
+                  <a:srgbClr val="FFFFFF"/>
+                </a:highlight>
+                <a:latin typeface="Consolas" panose="020B0609020204030204" pitchFamily="49" charset="0"/>
+              </a:rPr>
+              <a:t>get_event_loop</a:t>
+            </a:r>
+            <a:r>
+              <a:rPr lang="en-US" altLang="zh-CN" sz="1200" b="0" dirty="0">
+                <a:solidFill>
+                  <a:srgbClr val="3B3B3B"/>
+                </a:solidFill>
+                <a:effectLst/>
+                <a:highlight>
+                  <a:srgbClr val="FFFFFF"/>
+                </a:highlight>
+                <a:latin typeface="Consolas" panose="020B0609020204030204" pitchFamily="49" charset="0"/>
+              </a:rPr>
+              <a:t>()</a:t>
+            </a:r>
+          </a:p>
+          <a:p>
+            <a:r>
+              <a:rPr lang="en-US" altLang="zh-CN" sz="1200" b="0" dirty="0" err="1">
+                <a:solidFill>
+                  <a:srgbClr val="001080"/>
+                </a:solidFill>
+                <a:effectLst/>
+                <a:highlight>
+                  <a:srgbClr val="FFFFFF"/>
+                </a:highlight>
+                <a:latin typeface="Consolas" panose="020B0609020204030204" pitchFamily="49" charset="0"/>
+              </a:rPr>
+              <a:t>event_loop</a:t>
+            </a:r>
+            <a:r>
+              <a:rPr lang="en-US" altLang="zh-CN" sz="1200" b="0" dirty="0" err="1">
+                <a:solidFill>
+                  <a:srgbClr val="3B3B3B"/>
+                </a:solidFill>
+                <a:effectLst/>
+                <a:highlight>
+                  <a:srgbClr val="FFFFFF"/>
+                </a:highlight>
+                <a:latin typeface="Consolas" panose="020B0609020204030204" pitchFamily="49" charset="0"/>
+              </a:rPr>
+              <a:t>.</a:t>
+            </a:r>
+            <a:r>
+              <a:rPr lang="en-US" altLang="zh-CN" sz="1200" b="0" dirty="0" err="1">
+                <a:solidFill>
+                  <a:srgbClr val="795E26"/>
+                </a:solidFill>
+                <a:effectLst/>
+                <a:highlight>
+                  <a:srgbClr val="FFFFFF"/>
+                </a:highlight>
+                <a:latin typeface="Consolas" panose="020B0609020204030204" pitchFamily="49" charset="0"/>
+              </a:rPr>
+              <a:t>call_later</a:t>
+            </a:r>
+            <a:r>
+              <a:rPr lang="en-US" altLang="zh-CN" sz="1200" b="0" dirty="0">
+                <a:solidFill>
+                  <a:srgbClr val="3B3B3B"/>
+                </a:solidFill>
+                <a:effectLst/>
+                <a:highlight>
+                  <a:srgbClr val="FFFFFF"/>
+                </a:highlight>
+                <a:latin typeface="Consolas" panose="020B0609020204030204" pitchFamily="49" charset="0"/>
+              </a:rPr>
+              <a:t>(</a:t>
+            </a:r>
+            <a:r>
+              <a:rPr lang="en-US" altLang="zh-CN" sz="1200" b="0" dirty="0">
+                <a:solidFill>
+                  <a:srgbClr val="098658"/>
+                </a:solidFill>
+                <a:effectLst/>
+                <a:highlight>
+                  <a:srgbClr val="FFFFFF"/>
+                </a:highlight>
+                <a:latin typeface="Consolas" panose="020B0609020204030204" pitchFamily="49" charset="0"/>
+              </a:rPr>
+              <a:t>2</a:t>
+            </a:r>
+            <a:r>
+              <a:rPr lang="en-US" altLang="zh-CN" sz="1200" b="0" dirty="0">
+                <a:solidFill>
+                  <a:srgbClr val="3B3B3B"/>
+                </a:solidFill>
+                <a:effectLst/>
+                <a:highlight>
+                  <a:srgbClr val="FFFFFF"/>
+                </a:highlight>
+                <a:latin typeface="Consolas" panose="020B0609020204030204" pitchFamily="49" charset="0"/>
+              </a:rPr>
+              <a:t>, </a:t>
+            </a:r>
+            <a:r>
+              <a:rPr lang="en-US" altLang="zh-CN" sz="1200" b="0" dirty="0" err="1">
+                <a:solidFill>
+                  <a:srgbClr val="267F99"/>
+                </a:solidFill>
+                <a:effectLst/>
+                <a:highlight>
+                  <a:srgbClr val="FFFFFF"/>
+                </a:highlight>
+                <a:latin typeface="Consolas" panose="020B0609020204030204" pitchFamily="49" charset="0"/>
+              </a:rPr>
+              <a:t>functools</a:t>
+            </a:r>
+            <a:r>
+              <a:rPr lang="en-US" altLang="zh-CN" sz="1200" b="0" dirty="0" err="1">
+                <a:solidFill>
+                  <a:srgbClr val="3B3B3B"/>
+                </a:solidFill>
+                <a:effectLst/>
+                <a:highlight>
+                  <a:srgbClr val="FFFFFF"/>
+                </a:highlight>
+                <a:latin typeface="Consolas" panose="020B0609020204030204" pitchFamily="49" charset="0"/>
+              </a:rPr>
+              <a:t>.</a:t>
+            </a:r>
+            <a:r>
+              <a:rPr lang="en-US" altLang="zh-CN" sz="1200" b="0" dirty="0" err="1">
+                <a:solidFill>
+                  <a:srgbClr val="267F99"/>
+                </a:solidFill>
+                <a:effectLst/>
+                <a:highlight>
+                  <a:srgbClr val="FFFFFF"/>
+                </a:highlight>
+                <a:latin typeface="Consolas" panose="020B0609020204030204" pitchFamily="49" charset="0"/>
+              </a:rPr>
+              <a:t>partial</a:t>
+            </a:r>
+            <a:r>
+              <a:rPr lang="en-US" altLang="zh-CN" sz="1200" b="0" dirty="0">
+                <a:solidFill>
+                  <a:srgbClr val="3B3B3B"/>
+                </a:solidFill>
+                <a:effectLst/>
+                <a:highlight>
+                  <a:srgbClr val="FFFFFF"/>
+                </a:highlight>
+                <a:latin typeface="Consolas" panose="020B0609020204030204" pitchFamily="49" charset="0"/>
+              </a:rPr>
+              <a:t>(</a:t>
+            </a:r>
+            <a:r>
+              <a:rPr lang="en-US" altLang="zh-CN" sz="1200" b="0" dirty="0">
+                <a:solidFill>
+                  <a:srgbClr val="795E26"/>
+                </a:solidFill>
+                <a:effectLst/>
+                <a:highlight>
+                  <a:srgbClr val="FFFFFF"/>
+                </a:highlight>
+                <a:latin typeface="Consolas" panose="020B0609020204030204" pitchFamily="49" charset="0"/>
+              </a:rPr>
+              <a:t>trigger</a:t>
+            </a:r>
+            <a:r>
+              <a:rPr lang="en-US" altLang="zh-CN" sz="1200" b="0" dirty="0">
+                <a:solidFill>
+                  <a:srgbClr val="3B3B3B"/>
+                </a:solidFill>
+                <a:effectLst/>
+                <a:highlight>
+                  <a:srgbClr val="FFFFFF"/>
+                </a:highlight>
+                <a:latin typeface="Consolas" panose="020B0609020204030204" pitchFamily="49" charset="0"/>
+              </a:rPr>
+              <a:t>, </a:t>
+            </a:r>
+            <a:r>
+              <a:rPr lang="en-US" altLang="zh-CN" sz="1200" b="0" dirty="0">
+                <a:solidFill>
+                  <a:srgbClr val="001080"/>
+                </a:solidFill>
+                <a:effectLst/>
+                <a:highlight>
+                  <a:srgbClr val="FFFFFF"/>
+                </a:highlight>
+                <a:latin typeface="Consolas" panose="020B0609020204030204" pitchFamily="49" charset="0"/>
+              </a:rPr>
+              <a:t>event</a:t>
+            </a:r>
+            <a:r>
+              <a:rPr lang="en-US" altLang="zh-CN" sz="1200" b="0" dirty="0">
+                <a:solidFill>
+                  <a:srgbClr val="3B3B3B"/>
+                </a:solidFill>
+                <a:effectLst/>
+                <a:highlight>
+                  <a:srgbClr val="FFFFFF"/>
+                </a:highlight>
+                <a:latin typeface="Consolas" panose="020B0609020204030204" pitchFamily="49" charset="0"/>
+              </a:rPr>
+              <a:t>)) </a:t>
+            </a:r>
+            <a:r>
+              <a:rPr lang="en-US" altLang="zh-CN" sz="1200" b="0" dirty="0">
+                <a:solidFill>
+                  <a:srgbClr val="008000"/>
+                </a:solidFill>
+                <a:effectLst/>
+                <a:highlight>
+                  <a:srgbClr val="FFFFFF"/>
+                </a:highlight>
+                <a:latin typeface="Consolas" panose="020B0609020204030204" pitchFamily="49" charset="0"/>
+              </a:rPr>
+              <a:t># trigger event in 0.1 sec</a:t>
+            </a:r>
+            <a:endParaRPr lang="en-US" altLang="zh-CN" sz="1200" b="0" dirty="0">
+              <a:solidFill>
+                <a:srgbClr val="3B3B3B"/>
+              </a:solidFill>
+              <a:effectLst/>
+              <a:highlight>
+                <a:srgbClr val="FFFFFF"/>
+              </a:highlight>
+              <a:latin typeface="Consolas" panose="020B0609020204030204" pitchFamily="49" charset="0"/>
+            </a:endParaRPr>
+          </a:p>
+          <a:p>
+            <a:br>
+              <a:rPr lang="en-US" altLang="zh-CN" sz="1200" b="0" dirty="0">
+                <a:solidFill>
+                  <a:srgbClr val="3B3B3B"/>
+                </a:solidFill>
+                <a:effectLst/>
+                <a:highlight>
+                  <a:srgbClr val="FFFFFF"/>
+                </a:highlight>
+                <a:latin typeface="Consolas" panose="020B0609020204030204" pitchFamily="49" charset="0"/>
+              </a:rPr>
+            </a:br>
+            <a:r>
+              <a:rPr lang="en-US" altLang="zh-CN" sz="1200" b="0" dirty="0">
+                <a:solidFill>
+                  <a:srgbClr val="008000"/>
+                </a:solidFill>
+                <a:effectLst/>
+                <a:highlight>
+                  <a:srgbClr val="FFFFFF"/>
+                </a:highlight>
+                <a:latin typeface="Consolas" panose="020B0609020204030204" pitchFamily="49" charset="0"/>
+              </a:rPr>
+              <a:t># complete </a:t>
+            </a:r>
+            <a:r>
+              <a:rPr lang="en-US" altLang="zh-CN" sz="1200" b="0" dirty="0" err="1">
+                <a:solidFill>
+                  <a:srgbClr val="008000"/>
+                </a:solidFill>
+                <a:effectLst/>
+                <a:highlight>
+                  <a:srgbClr val="FFFFFF"/>
+                </a:highlight>
+                <a:latin typeface="Consolas" panose="020B0609020204030204" pitchFamily="49" charset="0"/>
+              </a:rPr>
+              <a:t>main_future</a:t>
+            </a:r>
+            <a:endParaRPr lang="en-US" altLang="zh-CN" sz="1200" b="0" dirty="0">
+              <a:solidFill>
+                <a:srgbClr val="3B3B3B"/>
+              </a:solidFill>
+              <a:effectLst/>
+              <a:highlight>
+                <a:srgbClr val="FFFFFF"/>
+              </a:highlight>
+              <a:latin typeface="Consolas" panose="020B0609020204030204" pitchFamily="49" charset="0"/>
+            </a:endParaRPr>
+          </a:p>
+          <a:p>
+            <a:r>
+              <a:rPr lang="en-US" altLang="zh-CN" sz="1200" b="0" dirty="0">
+                <a:solidFill>
+                  <a:srgbClr val="001080"/>
+                </a:solidFill>
+                <a:effectLst/>
+                <a:highlight>
+                  <a:srgbClr val="FFFFFF"/>
+                </a:highlight>
+                <a:latin typeface="Consolas" panose="020B0609020204030204" pitchFamily="49" charset="0"/>
+              </a:rPr>
+              <a:t>done</a:t>
+            </a:r>
+            <a:r>
+              <a:rPr lang="en-US" altLang="zh-CN" sz="1200" b="0" dirty="0">
+                <a:solidFill>
+                  <a:srgbClr val="3B3B3B"/>
+                </a:solidFill>
+                <a:effectLst/>
+                <a:highlight>
+                  <a:srgbClr val="FFFFFF"/>
+                </a:highlight>
+                <a:latin typeface="Consolas" panose="020B0609020204030204" pitchFamily="49" charset="0"/>
+              </a:rPr>
+              <a:t>, </a:t>
+            </a:r>
+            <a:r>
+              <a:rPr lang="en-US" altLang="zh-CN" sz="1200" b="0" dirty="0">
+                <a:solidFill>
+                  <a:srgbClr val="001080"/>
+                </a:solidFill>
+                <a:effectLst/>
+                <a:highlight>
+                  <a:srgbClr val="FFFFFF"/>
+                </a:highlight>
+                <a:latin typeface="Consolas" panose="020B0609020204030204" pitchFamily="49" charset="0"/>
+              </a:rPr>
+              <a:t>pending</a:t>
+            </a:r>
+            <a:r>
+              <a:rPr lang="en-US" altLang="zh-CN" sz="1200" b="0" dirty="0">
+                <a:solidFill>
+                  <a:srgbClr val="3B3B3B"/>
+                </a:solidFill>
+                <a:effectLst/>
+                <a:highlight>
+                  <a:srgbClr val="FFFFFF"/>
+                </a:highlight>
+                <a:latin typeface="Consolas" panose="020B0609020204030204" pitchFamily="49" charset="0"/>
+              </a:rPr>
+              <a:t> </a:t>
+            </a:r>
+            <a:r>
+              <a:rPr lang="en-US" altLang="zh-CN" sz="1200" b="0" dirty="0">
+                <a:solidFill>
+                  <a:srgbClr val="000000"/>
+                </a:solidFill>
+                <a:effectLst/>
+                <a:highlight>
+                  <a:srgbClr val="FFFFFF"/>
+                </a:highlight>
+                <a:latin typeface="Consolas" panose="020B0609020204030204" pitchFamily="49" charset="0"/>
+              </a:rPr>
+              <a:t>=</a:t>
+            </a:r>
+            <a:r>
+              <a:rPr lang="en-US" altLang="zh-CN" sz="1200" b="0" dirty="0">
+                <a:solidFill>
+                  <a:srgbClr val="3B3B3B"/>
+                </a:solidFill>
+                <a:effectLst/>
+                <a:highlight>
+                  <a:srgbClr val="FFFFFF"/>
+                </a:highlight>
+                <a:latin typeface="Consolas" panose="020B0609020204030204" pitchFamily="49" charset="0"/>
+              </a:rPr>
+              <a:t> </a:t>
+            </a:r>
+            <a:r>
+              <a:rPr lang="en-US" altLang="zh-CN" sz="1200" b="0" dirty="0" err="1">
+                <a:solidFill>
+                  <a:srgbClr val="001080"/>
+                </a:solidFill>
+                <a:effectLst/>
+                <a:highlight>
+                  <a:srgbClr val="FFFFFF"/>
+                </a:highlight>
+                <a:latin typeface="Consolas" panose="020B0609020204030204" pitchFamily="49" charset="0"/>
+              </a:rPr>
+              <a:t>event_loop</a:t>
+            </a:r>
+            <a:r>
+              <a:rPr lang="en-US" altLang="zh-CN" sz="1200" b="0" dirty="0" err="1">
+                <a:solidFill>
+                  <a:srgbClr val="3B3B3B"/>
+                </a:solidFill>
+                <a:effectLst/>
+                <a:highlight>
+                  <a:srgbClr val="FFFFFF"/>
+                </a:highlight>
+                <a:latin typeface="Consolas" panose="020B0609020204030204" pitchFamily="49" charset="0"/>
+              </a:rPr>
+              <a:t>.</a:t>
+            </a:r>
+            <a:r>
+              <a:rPr lang="en-US" altLang="zh-CN" sz="1200" b="0" dirty="0" err="1">
+                <a:solidFill>
+                  <a:srgbClr val="795E26"/>
+                </a:solidFill>
+                <a:effectLst/>
+                <a:highlight>
+                  <a:srgbClr val="FFFFFF"/>
+                </a:highlight>
+                <a:latin typeface="Consolas" panose="020B0609020204030204" pitchFamily="49" charset="0"/>
+              </a:rPr>
+              <a:t>run_until_complete</a:t>
+            </a:r>
+            <a:r>
+              <a:rPr lang="en-US" altLang="zh-CN" sz="1200" b="0" dirty="0">
+                <a:solidFill>
+                  <a:srgbClr val="3B3B3B"/>
+                </a:solidFill>
+                <a:effectLst/>
+                <a:highlight>
+                  <a:srgbClr val="FFFFFF"/>
+                </a:highlight>
+                <a:latin typeface="Consolas" panose="020B0609020204030204" pitchFamily="49" charset="0"/>
+              </a:rPr>
+              <a:t>(</a:t>
+            </a:r>
+            <a:r>
+              <a:rPr lang="en-US" altLang="zh-CN" sz="1200" b="0" dirty="0" err="1">
+                <a:solidFill>
+                  <a:srgbClr val="001080"/>
+                </a:solidFill>
+                <a:effectLst/>
+                <a:highlight>
+                  <a:srgbClr val="FFFFFF"/>
+                </a:highlight>
+                <a:latin typeface="Consolas" panose="020B0609020204030204" pitchFamily="49" charset="0"/>
+              </a:rPr>
+              <a:t>main_future</a:t>
+            </a:r>
+            <a:r>
+              <a:rPr lang="en-US" altLang="zh-CN" sz="1200" b="0" dirty="0">
+                <a:solidFill>
+                  <a:srgbClr val="3B3B3B"/>
+                </a:solidFill>
+                <a:effectLst/>
+                <a:highlight>
+                  <a:srgbClr val="FFFFFF"/>
+                </a:highlight>
+                <a:latin typeface="Consolas" panose="020B0609020204030204" pitchFamily="49" charset="0"/>
+              </a:rPr>
+              <a:t>)</a:t>
+            </a:r>
+          </a:p>
+        </p:txBody>
+      </p:sp>
+      <p:cxnSp>
+        <p:nvCxnSpPr>
+          <p:cNvPr id="33" name="直接箭头连接符 32">
+            <a:extLst>
+              <a:ext uri="{FF2B5EF4-FFF2-40B4-BE49-F238E27FC236}">
+                <a16:creationId xmlns:a16="http://schemas.microsoft.com/office/drawing/2014/main" id="{A4EB4DBB-25A2-EB28-549A-B5A23304E93B}"/>
+              </a:ext>
+            </a:extLst>
+          </p:cNvPr>
+          <p:cNvCxnSpPr/>
+          <p:nvPr/>
+        </p:nvCxnSpPr>
+        <p:spPr>
+          <a:xfrm>
+            <a:off x="4981575" y="1114425"/>
+            <a:ext cx="876300" cy="0"/>
+          </a:xfrm>
+          <a:prstGeom prst="straightConnector1">
+            <a:avLst/>
+          </a:prstGeom>
+          <a:ln>
+            <a:tailEnd type="triangle"/>
+          </a:ln>
+        </p:spPr>
+        <p:style>
+          <a:lnRef idx="1">
+            <a:schemeClr val="accent1"/>
+          </a:lnRef>
+          <a:fillRef idx="0">
+            <a:schemeClr val="accent1"/>
+          </a:fillRef>
+          <a:effectRef idx="0">
+            <a:schemeClr val="accent1"/>
+          </a:effectRef>
+          <a:fontRef idx="minor">
+            <a:schemeClr val="tx1"/>
+          </a:fontRef>
+        </p:style>
+      </p:cxnSp>
+      <p:sp>
+        <p:nvSpPr>
+          <p:cNvPr id="34" name="文本框 33">
+            <a:extLst>
+              <a:ext uri="{FF2B5EF4-FFF2-40B4-BE49-F238E27FC236}">
+                <a16:creationId xmlns:a16="http://schemas.microsoft.com/office/drawing/2014/main" id="{AB7B8696-23D8-7962-1687-A513C44919F9}"/>
+              </a:ext>
+            </a:extLst>
+          </p:cNvPr>
+          <p:cNvSpPr txBox="1"/>
+          <p:nvPr/>
+        </p:nvSpPr>
+        <p:spPr>
+          <a:xfrm>
+            <a:off x="5158314" y="833634"/>
+            <a:ext cx="492443" cy="276999"/>
+          </a:xfrm>
+          <a:prstGeom prst="rect">
+            <a:avLst/>
+          </a:prstGeom>
+          <a:noFill/>
+        </p:spPr>
+        <p:txBody>
+          <a:bodyPr wrap="none" rtlCol="0">
+            <a:spAutoFit/>
+          </a:bodyPr>
+          <a:lstStyle/>
+          <a:p>
+            <a:r>
+              <a:rPr lang="ja-JP" altLang="en-US" sz="1200" dirty="0"/>
+              <a:t>続き</a:t>
+            </a:r>
+            <a:endParaRPr lang="zh-CN" altLang="en-US" sz="1200" dirty="0"/>
+          </a:p>
+        </p:txBody>
+      </p:sp>
     </p:spTree>
     <p:extLst>
       <p:ext uri="{BB962C8B-B14F-4D97-AF65-F5344CB8AC3E}">
-        <p14:creationId xmlns:p14="http://schemas.microsoft.com/office/powerpoint/2010/main" val="1137212918"/>
+        <p14:creationId xmlns:p14="http://schemas.microsoft.com/office/powerpoint/2010/main" val="1446438494"/>
       </p:ext>
     </p:extLst>
   </p:cSld>

--- a/lcj_zemi_python.pptx
+++ b/lcj_zemi_python.pptx
@@ -206,7 +206,7 @@
           <a:p>
             <a:fld id="{2BC54830-42DA-4404-9F8C-DE9E00A18181}" type="datetimeFigureOut">
               <a:rPr lang="zh-CN" altLang="en-US" smtClean="0"/>
-              <a:t>2024/7/25</a:t>
+              <a:t>2024/7/26</a:t>
             </a:fld>
             <a:endParaRPr lang="zh-CN" altLang="en-US"/>
           </a:p>
@@ -620,7 +620,7 @@
           <a:p>
             <a:fld id="{F5930DB7-C5F0-4CA2-914A-8532991C33D9}" type="datetimeFigureOut">
               <a:rPr lang="zh-CN" altLang="en-US" smtClean="0"/>
-              <a:t>2024/7/25</a:t>
+              <a:t>2024/7/26</a:t>
             </a:fld>
             <a:endParaRPr lang="zh-CN" altLang="en-US"/>
           </a:p>
@@ -818,7 +818,7 @@
           <a:p>
             <a:fld id="{F5930DB7-C5F0-4CA2-914A-8532991C33D9}" type="datetimeFigureOut">
               <a:rPr lang="zh-CN" altLang="en-US" smtClean="0"/>
-              <a:t>2024/7/25</a:t>
+              <a:t>2024/7/26</a:t>
             </a:fld>
             <a:endParaRPr lang="zh-CN" altLang="en-US"/>
           </a:p>
@@ -1026,7 +1026,7 @@
           <a:p>
             <a:fld id="{F5930DB7-C5F0-4CA2-914A-8532991C33D9}" type="datetimeFigureOut">
               <a:rPr lang="zh-CN" altLang="en-US" smtClean="0"/>
-              <a:t>2024/7/25</a:t>
+              <a:t>2024/7/26</a:t>
             </a:fld>
             <a:endParaRPr lang="zh-CN" altLang="en-US"/>
           </a:p>
@@ -1224,7 +1224,7 @@
           <a:p>
             <a:fld id="{F5930DB7-C5F0-4CA2-914A-8532991C33D9}" type="datetimeFigureOut">
               <a:rPr lang="zh-CN" altLang="en-US" smtClean="0"/>
-              <a:t>2024/7/25</a:t>
+              <a:t>2024/7/26</a:t>
             </a:fld>
             <a:endParaRPr lang="zh-CN" altLang="en-US"/>
           </a:p>
@@ -1499,7 +1499,7 @@
           <a:p>
             <a:fld id="{F5930DB7-C5F0-4CA2-914A-8532991C33D9}" type="datetimeFigureOut">
               <a:rPr lang="zh-CN" altLang="en-US" smtClean="0"/>
-              <a:t>2024/7/25</a:t>
+              <a:t>2024/7/26</a:t>
             </a:fld>
             <a:endParaRPr lang="zh-CN" altLang="en-US"/>
           </a:p>
@@ -1764,7 +1764,7 @@
           <a:p>
             <a:fld id="{F5930DB7-C5F0-4CA2-914A-8532991C33D9}" type="datetimeFigureOut">
               <a:rPr lang="zh-CN" altLang="en-US" smtClean="0"/>
-              <a:t>2024/7/25</a:t>
+              <a:t>2024/7/26</a:t>
             </a:fld>
             <a:endParaRPr lang="zh-CN" altLang="en-US"/>
           </a:p>
@@ -2176,7 +2176,7 @@
           <a:p>
             <a:fld id="{F5930DB7-C5F0-4CA2-914A-8532991C33D9}" type="datetimeFigureOut">
               <a:rPr lang="zh-CN" altLang="en-US" smtClean="0"/>
-              <a:t>2024/7/25</a:t>
+              <a:t>2024/7/26</a:t>
             </a:fld>
             <a:endParaRPr lang="zh-CN" altLang="en-US"/>
           </a:p>
@@ -2317,7 +2317,7 @@
           <a:p>
             <a:fld id="{F5930DB7-C5F0-4CA2-914A-8532991C33D9}" type="datetimeFigureOut">
               <a:rPr lang="zh-CN" altLang="en-US" smtClean="0"/>
-              <a:t>2024/7/25</a:t>
+              <a:t>2024/7/26</a:t>
             </a:fld>
             <a:endParaRPr lang="zh-CN" altLang="en-US"/>
           </a:p>
@@ -2430,7 +2430,7 @@
           <a:p>
             <a:fld id="{F5930DB7-C5F0-4CA2-914A-8532991C33D9}" type="datetimeFigureOut">
               <a:rPr lang="zh-CN" altLang="en-US" smtClean="0"/>
-              <a:t>2024/7/25</a:t>
+              <a:t>2024/7/26</a:t>
             </a:fld>
             <a:endParaRPr lang="zh-CN" altLang="en-US"/>
           </a:p>
@@ -2741,7 +2741,7 @@
           <a:p>
             <a:fld id="{F5930DB7-C5F0-4CA2-914A-8532991C33D9}" type="datetimeFigureOut">
               <a:rPr lang="zh-CN" altLang="en-US" smtClean="0"/>
-              <a:t>2024/7/25</a:t>
+              <a:t>2024/7/26</a:t>
             </a:fld>
             <a:endParaRPr lang="zh-CN" altLang="en-US"/>
           </a:p>
@@ -3029,7 +3029,7 @@
           <a:p>
             <a:fld id="{F5930DB7-C5F0-4CA2-914A-8532991C33D9}" type="datetimeFigureOut">
               <a:rPr lang="zh-CN" altLang="en-US" smtClean="0"/>
-              <a:t>2024/7/25</a:t>
+              <a:t>2024/7/26</a:t>
             </a:fld>
             <a:endParaRPr lang="zh-CN" altLang="en-US"/>
           </a:p>
@@ -3270,7 +3270,7 @@
           <a:p>
             <a:fld id="{F5930DB7-C5F0-4CA2-914A-8532991C33D9}" type="datetimeFigureOut">
               <a:rPr lang="zh-CN" altLang="en-US" smtClean="0"/>
-              <a:t>2024/7/25</a:t>
+              <a:t>2024/7/26</a:t>
             </a:fld>
             <a:endParaRPr lang="zh-CN" altLang="en-US"/>
           </a:p>
@@ -18602,7 +18602,7 @@
         </p:nvSpPr>
         <p:spPr>
           <a:xfrm>
-            <a:off x="100297" y="663179"/>
+            <a:off x="65926" y="970528"/>
             <a:ext cx="4779613" cy="4339650"/>
           </a:xfrm>
           <a:prstGeom prst="rect">
@@ -20498,8 +20498,8 @@
         </p:nvSpPr>
         <p:spPr>
           <a:xfrm>
-            <a:off x="5929162" y="663179"/>
-            <a:ext cx="6097554" cy="2492990"/>
+            <a:off x="5910836" y="673136"/>
+            <a:ext cx="6097554" cy="2677656"/>
           </a:xfrm>
           <a:prstGeom prst="rect">
             <a:avLst/>
@@ -21038,201 +21038,6 @@
             </a:r>
           </a:p>
           <a:p>
-            <a:r>
-              <a:rPr lang="en-US" altLang="zh-CN" sz="1200" b="0" dirty="0" err="1">
-                <a:solidFill>
-                  <a:srgbClr val="001080"/>
-                </a:solidFill>
-                <a:effectLst/>
-                <a:highlight>
-                  <a:srgbClr val="FFFFFF"/>
-                </a:highlight>
-                <a:latin typeface="Consolas" panose="020B0609020204030204" pitchFamily="49" charset="0"/>
-              </a:rPr>
-              <a:t>event_loop</a:t>
-            </a:r>
-            <a:r>
-              <a:rPr lang="en-US" altLang="zh-CN" sz="1200" b="0" dirty="0" err="1">
-                <a:solidFill>
-                  <a:srgbClr val="3B3B3B"/>
-                </a:solidFill>
-                <a:effectLst/>
-                <a:highlight>
-                  <a:srgbClr val="FFFFFF"/>
-                </a:highlight>
-                <a:latin typeface="Consolas" panose="020B0609020204030204" pitchFamily="49" charset="0"/>
-              </a:rPr>
-              <a:t>.</a:t>
-            </a:r>
-            <a:r>
-              <a:rPr lang="en-US" altLang="zh-CN" sz="1200" b="0" dirty="0" err="1">
-                <a:solidFill>
-                  <a:srgbClr val="795E26"/>
-                </a:solidFill>
-                <a:effectLst/>
-                <a:highlight>
-                  <a:srgbClr val="FFFFFF"/>
-                </a:highlight>
-                <a:latin typeface="Consolas" panose="020B0609020204030204" pitchFamily="49" charset="0"/>
-              </a:rPr>
-              <a:t>call_later</a:t>
-            </a:r>
-            <a:r>
-              <a:rPr lang="en-US" altLang="zh-CN" sz="1200" b="0" dirty="0">
-                <a:solidFill>
-                  <a:srgbClr val="3B3B3B"/>
-                </a:solidFill>
-                <a:effectLst/>
-                <a:highlight>
-                  <a:srgbClr val="FFFFFF"/>
-                </a:highlight>
-                <a:latin typeface="Consolas" panose="020B0609020204030204" pitchFamily="49" charset="0"/>
-              </a:rPr>
-              <a:t>(</a:t>
-            </a:r>
-            <a:r>
-              <a:rPr lang="en-US" altLang="zh-CN" sz="1200" b="0" dirty="0">
-                <a:solidFill>
-                  <a:srgbClr val="098658"/>
-                </a:solidFill>
-                <a:effectLst/>
-                <a:highlight>
-                  <a:srgbClr val="FFFFFF"/>
-                </a:highlight>
-                <a:latin typeface="Consolas" panose="020B0609020204030204" pitchFamily="49" charset="0"/>
-              </a:rPr>
-              <a:t>2</a:t>
-            </a:r>
-            <a:r>
-              <a:rPr lang="en-US" altLang="zh-CN" sz="1200" b="0" dirty="0">
-                <a:solidFill>
-                  <a:srgbClr val="3B3B3B"/>
-                </a:solidFill>
-                <a:effectLst/>
-                <a:highlight>
-                  <a:srgbClr val="FFFFFF"/>
-                </a:highlight>
-                <a:latin typeface="Consolas" panose="020B0609020204030204" pitchFamily="49" charset="0"/>
-              </a:rPr>
-              <a:t>, </a:t>
-            </a:r>
-            <a:r>
-              <a:rPr lang="en-US" altLang="zh-CN" sz="1200" b="0" dirty="0" err="1">
-                <a:solidFill>
-                  <a:srgbClr val="267F99"/>
-                </a:solidFill>
-                <a:effectLst/>
-                <a:highlight>
-                  <a:srgbClr val="FFFFFF"/>
-                </a:highlight>
-                <a:latin typeface="Consolas" panose="020B0609020204030204" pitchFamily="49" charset="0"/>
-              </a:rPr>
-              <a:t>functools</a:t>
-            </a:r>
-            <a:r>
-              <a:rPr lang="en-US" altLang="zh-CN" sz="1200" b="0" dirty="0" err="1">
-                <a:solidFill>
-                  <a:srgbClr val="3B3B3B"/>
-                </a:solidFill>
-                <a:effectLst/>
-                <a:highlight>
-                  <a:srgbClr val="FFFFFF"/>
-                </a:highlight>
-                <a:latin typeface="Consolas" panose="020B0609020204030204" pitchFamily="49" charset="0"/>
-              </a:rPr>
-              <a:t>.</a:t>
-            </a:r>
-            <a:r>
-              <a:rPr lang="en-US" altLang="zh-CN" sz="1200" b="0" dirty="0" err="1">
-                <a:solidFill>
-                  <a:srgbClr val="267F99"/>
-                </a:solidFill>
-                <a:effectLst/>
-                <a:highlight>
-                  <a:srgbClr val="FFFFFF"/>
-                </a:highlight>
-                <a:latin typeface="Consolas" panose="020B0609020204030204" pitchFamily="49" charset="0"/>
-              </a:rPr>
-              <a:t>partial</a:t>
-            </a:r>
-            <a:r>
-              <a:rPr lang="en-US" altLang="zh-CN" sz="1200" b="0" dirty="0">
-                <a:solidFill>
-                  <a:srgbClr val="3B3B3B"/>
-                </a:solidFill>
-                <a:effectLst/>
-                <a:highlight>
-                  <a:srgbClr val="FFFFFF"/>
-                </a:highlight>
-                <a:latin typeface="Consolas" panose="020B0609020204030204" pitchFamily="49" charset="0"/>
-              </a:rPr>
-              <a:t>(</a:t>
-            </a:r>
-            <a:r>
-              <a:rPr lang="en-US" altLang="zh-CN" sz="1200" b="0" dirty="0">
-                <a:solidFill>
-                  <a:srgbClr val="795E26"/>
-                </a:solidFill>
-                <a:effectLst/>
-                <a:highlight>
-                  <a:srgbClr val="FFFFFF"/>
-                </a:highlight>
-                <a:latin typeface="Consolas" panose="020B0609020204030204" pitchFamily="49" charset="0"/>
-              </a:rPr>
-              <a:t>trigger</a:t>
-            </a:r>
-            <a:r>
-              <a:rPr lang="en-US" altLang="zh-CN" sz="1200" b="0" dirty="0">
-                <a:solidFill>
-                  <a:srgbClr val="3B3B3B"/>
-                </a:solidFill>
-                <a:effectLst/>
-                <a:highlight>
-                  <a:srgbClr val="FFFFFF"/>
-                </a:highlight>
-                <a:latin typeface="Consolas" panose="020B0609020204030204" pitchFamily="49" charset="0"/>
-              </a:rPr>
-              <a:t>, </a:t>
-            </a:r>
-            <a:r>
-              <a:rPr lang="en-US" altLang="zh-CN" sz="1200" b="0" dirty="0">
-                <a:solidFill>
-                  <a:srgbClr val="001080"/>
-                </a:solidFill>
-                <a:effectLst/>
-                <a:highlight>
-                  <a:srgbClr val="FFFFFF"/>
-                </a:highlight>
-                <a:latin typeface="Consolas" panose="020B0609020204030204" pitchFamily="49" charset="0"/>
-              </a:rPr>
-              <a:t>event</a:t>
-            </a:r>
-            <a:r>
-              <a:rPr lang="en-US" altLang="zh-CN" sz="1200" b="0" dirty="0">
-                <a:solidFill>
-                  <a:srgbClr val="3B3B3B"/>
-                </a:solidFill>
-                <a:effectLst/>
-                <a:highlight>
-                  <a:srgbClr val="FFFFFF"/>
-                </a:highlight>
-                <a:latin typeface="Consolas" panose="020B0609020204030204" pitchFamily="49" charset="0"/>
-              </a:rPr>
-              <a:t>)) </a:t>
-            </a:r>
-            <a:r>
-              <a:rPr lang="en-US" altLang="zh-CN" sz="1200" b="0" dirty="0">
-                <a:solidFill>
-                  <a:srgbClr val="008000"/>
-                </a:solidFill>
-                <a:effectLst/>
-                <a:highlight>
-                  <a:srgbClr val="FFFFFF"/>
-                </a:highlight>
-                <a:latin typeface="Consolas" panose="020B0609020204030204" pitchFamily="49" charset="0"/>
-              </a:rPr>
-              <a:t># trigger event in 0.1 sec</a:t>
-            </a:r>
             <a:endParaRPr lang="en-US" altLang="zh-CN" sz="1200" b="0" dirty="0">
               <a:solidFill>
                 <a:srgbClr val="3B3B3B"/>
@@ -21245,18 +21050,6 @@
             </a:endParaRPr>
           </a:p>
           <a:p>
-            <a:br>
-              <a:rPr lang="en-US" altLang="zh-CN" sz="1200" b="0" dirty="0">
-                <a:solidFill>
-                  <a:srgbClr val="3B3B3B"/>
-                </a:solidFill>
-                <a:effectLst/>
-                <a:highlight>
-                  <a:srgbClr val="FFFFFF"/>
-                </a:highlight>
-                <a:latin typeface="Consolas" panose="020B0609020204030204" pitchFamily="49" charset="0"/>
-              </a:rPr>
-            </a:br>
             <a:r>
               <a:rPr lang="en-US" altLang="zh-CN" sz="1200" b="0" dirty="0">
                 <a:solidFill>
@@ -21268,20 +21061,7 @@
                 </a:highlight>
                 <a:latin typeface="Consolas" panose="020B0609020204030204" pitchFamily="49" charset="0"/>
               </a:rPr>
-              <a:t># complete </a:t>
-            </a:r>
-            <a:r>
-              <a:rPr lang="en-US" altLang="zh-CN" sz="1200" b="0" dirty="0" err="1">
-                <a:solidFill>
-                  <a:srgbClr val="008000"/>
-                </a:solidFill>
-                <a:effectLst/>
-                <a:highlight>
-                  <a:srgbClr val="FFFFFF"/>
-                </a:highlight>
-                <a:latin typeface="Consolas" panose="020B0609020204030204" pitchFamily="49" charset="0"/>
-              </a:rPr>
-              <a:t>main_future</a:t>
+              <a:t># trigger event in 2 sec</a:t>
             </a:r>
             <a:endParaRPr lang="en-US" altLang="zh-CN" sz="1200" b="0" dirty="0">
               <a:solidFill>
@@ -21296,7 +21076,7 @@
           </a:p>
           <a:p>
             <a:r>
-              <a:rPr lang="en-US" altLang="zh-CN" sz="1200" b="0" dirty="0">
+              <a:rPr lang="en-US" altLang="zh-CN" sz="1200" b="0" dirty="0" err="1">
                 <a:solidFill>
                   <a:srgbClr val="001080"/>
                 </a:solidFill>
@@ -21306,7 +21086,59 @@
                 </a:highlight>
                 <a:latin typeface="Consolas" panose="020B0609020204030204" pitchFamily="49" charset="0"/>
               </a:rPr>
-              <a:t>done</a:t>
+              <a:t>event_loop</a:t>
+            </a:r>
+            <a:r>
+              <a:rPr lang="en-US" altLang="zh-CN" sz="1200" b="0" dirty="0" err="1">
+                <a:solidFill>
+                  <a:srgbClr val="3B3B3B"/>
+                </a:solidFill>
+                <a:effectLst/>
+                <a:highlight>
+                  <a:srgbClr val="FFFFFF"/>
+                </a:highlight>
+                <a:latin typeface="Consolas" panose="020B0609020204030204" pitchFamily="49" charset="0"/>
+              </a:rPr>
+              <a:t>.</a:t>
+            </a:r>
+            <a:r>
+              <a:rPr lang="en-US" altLang="zh-CN" sz="1200" b="0" dirty="0" err="1">
+                <a:solidFill>
+                  <a:srgbClr val="795E26"/>
+                </a:solidFill>
+                <a:effectLst/>
+                <a:highlight>
+                  <a:srgbClr val="FFFFFF"/>
+                </a:highlight>
+                <a:latin typeface="Consolas" panose="020B0609020204030204" pitchFamily="49" charset="0"/>
+              </a:rPr>
+              <a:t>call_later</a:t>
+            </a:r>
+            <a:r>
+              <a:rPr lang="en-US" altLang="zh-CN" sz="1200" b="0" dirty="0">
+                <a:solidFill>
+                  <a:srgbClr val="3B3B3B"/>
+                </a:solidFill>
+                <a:effectLst/>
+                <a:highlight>
+                  <a:srgbClr val="FFFFFF"/>
+                </a:highlight>
+                <a:latin typeface="Consolas" panose="020B0609020204030204" pitchFamily="49" charset="0"/>
+              </a:rPr>
+              <a:t>(</a:t>
+            </a:r>
+            <a:r>
+              <a:rPr lang="en-US" altLang="zh-CN" sz="1200" b="0" dirty="0">
+                <a:solidFill>
+                  <a:srgbClr val="098658"/>
+                </a:solidFill>
+                <a:effectLst/>
+                <a:highlight>
+                  <a:srgbClr val="FFFFFF"/>
+                </a:highlight>
+                <a:latin typeface="Consolas" panose="020B0609020204030204" pitchFamily="49" charset="0"/>
+              </a:rPr>
+              <a:t>2</a:t>
             </a:r>
             <a:r>
               <a:rPr lang="en-US" altLang="zh-CN" sz="1200" b="0" dirty="0">
@@ -21322,6 +21154,84 @@
               <a:t>, </a:t>
             </a:r>
             <a:r>
+              <a:rPr lang="en-US" altLang="zh-CN" sz="1200" b="0" dirty="0" err="1">
+                <a:solidFill>
+                  <a:srgbClr val="267F99"/>
+                </a:solidFill>
+                <a:effectLst/>
+                <a:highlight>
+                  <a:srgbClr val="FFFFFF"/>
+                </a:highlight>
+                <a:latin typeface="Consolas" panose="020B0609020204030204" pitchFamily="49" charset="0"/>
+              </a:rPr>
+              <a:t>functools</a:t>
+            </a:r>
+            <a:r>
+              <a:rPr lang="en-US" altLang="zh-CN" sz="1200" b="0" dirty="0" err="1">
+                <a:solidFill>
+                  <a:srgbClr val="3B3B3B"/>
+                </a:solidFill>
+                <a:effectLst/>
+                <a:highlight>
+                  <a:srgbClr val="FFFFFF"/>
+                </a:highlight>
+                <a:latin typeface="Consolas" panose="020B0609020204030204" pitchFamily="49" charset="0"/>
+              </a:rPr>
+              <a:t>.</a:t>
+            </a:r>
+            <a:r>
+              <a:rPr lang="en-US" altLang="zh-CN" sz="1200" b="0" dirty="0" err="1">
+                <a:solidFill>
+                  <a:srgbClr val="267F99"/>
+                </a:solidFill>
+                <a:effectLst/>
+                <a:highlight>
+                  <a:srgbClr val="FFFFFF"/>
+                </a:highlight>
+                <a:latin typeface="Consolas" panose="020B0609020204030204" pitchFamily="49" charset="0"/>
+              </a:rPr>
+              <a:t>partial</a:t>
+            </a:r>
+            <a:r>
+              <a:rPr lang="en-US" altLang="zh-CN" sz="1200" b="0" dirty="0">
+                <a:solidFill>
+                  <a:srgbClr val="3B3B3B"/>
+                </a:solidFill>
+                <a:effectLst/>
+                <a:highlight>
+                  <a:srgbClr val="FFFFFF"/>
+                </a:highlight>
+                <a:latin typeface="Consolas" panose="020B0609020204030204" pitchFamily="49" charset="0"/>
+              </a:rPr>
+              <a:t>(</a:t>
+            </a:r>
+            <a:r>
+              <a:rPr lang="en-US" altLang="zh-CN" sz="1200" b="0" dirty="0">
+                <a:solidFill>
+                  <a:srgbClr val="795E26"/>
+                </a:solidFill>
+                <a:effectLst/>
+                <a:highlight>
+                  <a:srgbClr val="FFFFFF"/>
+                </a:highlight>
+                <a:latin typeface="Consolas" panose="020B0609020204030204" pitchFamily="49" charset="0"/>
+              </a:rPr>
+              <a:t>trigger</a:t>
+            </a:r>
+            <a:r>
+              <a:rPr lang="en-US" altLang="zh-CN" sz="1200" b="0" dirty="0">
+                <a:solidFill>
+                  <a:srgbClr val="3B3B3B"/>
+                </a:solidFill>
+                <a:effectLst/>
+                <a:highlight>
+                  <a:srgbClr val="FFFFFF"/>
+                </a:highlight>
+                <a:latin typeface="Consolas" panose="020B0609020204030204" pitchFamily="49" charset="0"/>
+              </a:rPr>
+              <a:t>, </a:t>
+            </a:r>
+            <a:r>
               <a:rPr lang="en-US" altLang="zh-CN" sz="1200" b="0" dirty="0">
                 <a:solidFill>
                   <a:srgbClr val="001080"/>
@@ -21332,47 +21242,73 @@
                 </a:highlight>
                 <a:latin typeface="Consolas" panose="020B0609020204030204" pitchFamily="49" charset="0"/>
               </a:rPr>
-              <a:t>pending</a:t>
-            </a:r>
-            <a:r>
-              <a:rPr lang="en-US" altLang="zh-CN" sz="1200" b="0" dirty="0">
-                <a:solidFill>
-                  <a:srgbClr val="3B3B3B"/>
-                </a:solidFill>
-                <a:effectLst/>
-                <a:highlight>
-                  <a:srgbClr val="FFFFFF"/>
-                </a:highlight>
-                <a:latin typeface="Consolas" panose="020B0609020204030204" pitchFamily="49" charset="0"/>
-              </a:rPr>
-              <a:t> </a:t>
-            </a:r>
-            <a:r>
-              <a:rPr lang="en-US" altLang="zh-CN" sz="1200" b="0" dirty="0">
-                <a:solidFill>
-                  <a:srgbClr val="000000"/>
-                </a:solidFill>
-                <a:effectLst/>
-                <a:highlight>
-                  <a:srgbClr val="FFFFFF"/>
-                </a:highlight>
-                <a:latin typeface="Consolas" panose="020B0609020204030204" pitchFamily="49" charset="0"/>
-              </a:rPr>
-              <a:t>=</a:t>
-            </a:r>
-            <a:r>
-              <a:rPr lang="en-US" altLang="zh-CN" sz="1200" b="0" dirty="0">
-                <a:solidFill>
-                  <a:srgbClr val="3B3B3B"/>
-                </a:solidFill>
-                <a:effectLst/>
-                <a:highlight>
-                  <a:srgbClr val="FFFFFF"/>
-                </a:highlight>
-                <a:latin typeface="Consolas" panose="020B0609020204030204" pitchFamily="49" charset="0"/>
-              </a:rPr>
-              <a:t> </a:t>
-            </a:r>
+              <a:t>event</a:t>
+            </a:r>
+            <a:r>
+              <a:rPr lang="en-US" altLang="zh-CN" sz="1200" b="0" dirty="0">
+                <a:solidFill>
+                  <a:srgbClr val="3B3B3B"/>
+                </a:solidFill>
+                <a:effectLst/>
+                <a:highlight>
+                  <a:srgbClr val="FFFFFF"/>
+                </a:highlight>
+                <a:latin typeface="Consolas" panose="020B0609020204030204" pitchFamily="49" charset="0"/>
+              </a:rPr>
+              <a:t>))</a:t>
+            </a:r>
+          </a:p>
+          <a:p>
+            <a:br>
+              <a:rPr lang="en-US" altLang="zh-CN" sz="1200" b="0" dirty="0">
+                <a:solidFill>
+                  <a:srgbClr val="3B3B3B"/>
+                </a:solidFill>
+                <a:effectLst/>
+                <a:highlight>
+                  <a:srgbClr val="FFFFFF"/>
+                </a:highlight>
+                <a:latin typeface="Consolas" panose="020B0609020204030204" pitchFamily="49" charset="0"/>
+              </a:rPr>
+            </a:br>
+            <a:r>
+              <a:rPr lang="en-US" altLang="zh-CN" sz="1200" b="0" dirty="0">
+                <a:solidFill>
+                  <a:srgbClr val="008000"/>
+                </a:solidFill>
+                <a:effectLst/>
+                <a:highlight>
+                  <a:srgbClr val="FFFFFF"/>
+                </a:highlight>
+                <a:latin typeface="Consolas" panose="020B0609020204030204" pitchFamily="49" charset="0"/>
+              </a:rPr>
+              <a:t># complete </a:t>
+            </a:r>
+            <a:r>
+              <a:rPr lang="en-US" altLang="zh-CN" sz="1200" b="0" dirty="0" err="1">
+                <a:solidFill>
+                  <a:srgbClr val="008000"/>
+                </a:solidFill>
+                <a:effectLst/>
+                <a:highlight>
+                  <a:srgbClr val="FFFFFF"/>
+                </a:highlight>
+                <a:latin typeface="Consolas" panose="020B0609020204030204" pitchFamily="49" charset="0"/>
+              </a:rPr>
+              <a:t>main_future</a:t>
+            </a:r>
+            <a:endParaRPr lang="en-US" altLang="zh-CN" sz="1200" b="0" dirty="0">
+              <a:solidFill>
+                <a:srgbClr val="3B3B3B"/>
+              </a:solidFill>
+              <a:effectLst/>
+              <a:highlight>
+                <a:srgbClr val="FFFFFF"/>
+              </a:highlight>
+              <a:latin typeface="Consolas" panose="020B0609020204030204" pitchFamily="49" charset="0"/>
+            </a:endParaRPr>
+          </a:p>
+          <a:p>
             <a:r>
               <a:rPr lang="en-US" altLang="zh-CN" sz="1200" b="0" dirty="0" err="1">
                 <a:solidFill>
@@ -21454,51 +21390,108 @@
           </a:p>
         </p:txBody>
       </p:sp>
-      <p:cxnSp>
-        <p:nvCxnSpPr>
-          <p:cNvPr id="33" name="直接箭头连接符 32">
+      <p:grpSp>
+        <p:nvGrpSpPr>
+          <p:cNvPr id="2" name="组合 1">
             <a:extLst>
               <a:ext uri="{FF2B5EF4-FFF2-40B4-BE49-F238E27FC236}">
-                <a16:creationId xmlns:a16="http://schemas.microsoft.com/office/drawing/2014/main" id="{A4EB4DBB-25A2-EB28-549A-B5A23304E93B}"/>
+                <a16:creationId xmlns:a16="http://schemas.microsoft.com/office/drawing/2014/main" id="{CAE42E2B-6A70-3D37-27F1-91601A2062B5}"/>
               </a:ext>
             </a:extLst>
           </p:cNvPr>
-          <p:cNvCxnSpPr/>
+          <p:cNvGrpSpPr/>
           <p:nvPr/>
-        </p:nvCxnSpPr>
-        <p:spPr>
+        </p:nvGrpSpPr>
+        <p:grpSpPr>
           <a:xfrm>
-            <a:off x="4981575" y="1114425"/>
-            <a:ext cx="876300" cy="0"/>
+            <a:off x="4963223" y="1057294"/>
+            <a:ext cx="876300" cy="280791"/>
+            <a:chOff x="4981575" y="833634"/>
+            <a:chExt cx="876300" cy="280791"/>
           </a:xfrm>
-          <a:prstGeom prst="straightConnector1">
-            <a:avLst/>
-          </a:prstGeom>
-          <a:ln>
-            <a:tailEnd type="triangle"/>
-          </a:ln>
-        </p:spPr>
-        <p:style>
-          <a:lnRef idx="1">
-            <a:schemeClr val="accent1"/>
-          </a:lnRef>
-          <a:fillRef idx="0">
-            <a:schemeClr val="accent1"/>
-          </a:fillRef>
-          <a:effectRef idx="0">
-            <a:schemeClr val="accent1"/>
-          </a:effectRef>
-          <a:fontRef idx="minor">
-            <a:schemeClr val="tx1"/>
-          </a:fontRef>
-        </p:style>
-      </p:cxnSp>
+        </p:grpSpPr>
+        <p:cxnSp>
+          <p:nvCxnSpPr>
+            <p:cNvPr id="33" name="直接箭头连接符 32">
+              <a:extLst>
+                <a:ext uri="{FF2B5EF4-FFF2-40B4-BE49-F238E27FC236}">
+                  <a16:creationId xmlns:a16="http://schemas.microsoft.com/office/drawing/2014/main" id="{A4EB4DBB-25A2-EB28-549A-B5A23304E93B}"/>
+                </a:ext>
+              </a:extLst>
+            </p:cNvPr>
+            <p:cNvCxnSpPr/>
+            <p:nvPr/>
+          </p:nvCxnSpPr>
+          <p:spPr>
+            <a:xfrm>
+              <a:off x="4981575" y="1114425"/>
+              <a:ext cx="876300" cy="0"/>
+            </a:xfrm>
+            <a:prstGeom prst="straightConnector1">
+              <a:avLst/>
+            </a:prstGeom>
+            <a:ln>
+              <a:tailEnd type="triangle"/>
+            </a:ln>
+          </p:spPr>
+          <p:style>
+            <a:lnRef idx="1">
+              <a:schemeClr val="accent1"/>
+            </a:lnRef>
+            <a:fillRef idx="0">
+              <a:schemeClr val="accent1"/>
+            </a:fillRef>
+            <a:effectRef idx="0">
+              <a:schemeClr val="accent1"/>
+            </a:effectRef>
+            <a:fontRef idx="minor">
+              <a:schemeClr val="tx1"/>
+            </a:fontRef>
+          </p:style>
+        </p:cxnSp>
+        <p:sp>
+          <p:nvSpPr>
+            <p:cNvPr id="34" name="文本框 33">
+              <a:extLst>
+                <a:ext uri="{FF2B5EF4-FFF2-40B4-BE49-F238E27FC236}">
+                  <a16:creationId xmlns:a16="http://schemas.microsoft.com/office/drawing/2014/main" id="{AB7B8696-23D8-7962-1687-A513C44919F9}"/>
+                </a:ext>
+              </a:extLst>
+            </p:cNvPr>
+            <p:cNvSpPr txBox="1"/>
+            <p:nvPr/>
+          </p:nvSpPr>
+          <p:spPr>
+            <a:xfrm>
+              <a:off x="5158314" y="833634"/>
+              <a:ext cx="492443" cy="276999"/>
+            </a:xfrm>
+            <a:prstGeom prst="rect">
+              <a:avLst/>
+            </a:prstGeom>
+            <a:noFill/>
+          </p:spPr>
+          <p:txBody>
+            <a:bodyPr wrap="none" rtlCol="0">
+              <a:spAutoFit/>
+            </a:bodyPr>
+            <a:lstStyle/>
+            <a:p>
+              <a:r>
+                <a:rPr lang="ja-JP" altLang="en-US" sz="1200" dirty="0"/>
+                <a:t>続き</a:t>
+              </a:r>
+              <a:endParaRPr lang="zh-CN" altLang="en-US" sz="1200" dirty="0"/>
+            </a:p>
+          </p:txBody>
+        </p:sp>
+      </p:grpSp>
       <p:sp>
         <p:nvSpPr>
-          <p:cNvPr id="34" name="文本框 33">
+          <p:cNvPr id="3" name="文本框 2">
             <a:extLst>
               <a:ext uri="{FF2B5EF4-FFF2-40B4-BE49-F238E27FC236}">
-                <a16:creationId xmlns:a16="http://schemas.microsoft.com/office/drawing/2014/main" id="{AB7B8696-23D8-7962-1687-A513C44919F9}"/>
+                <a16:creationId xmlns:a16="http://schemas.microsoft.com/office/drawing/2014/main" id="{2D1D1C3B-3424-4798-D98E-A075CFFF3A6C}"/>
               </a:ext>
             </a:extLst>
           </p:cNvPr>
@@ -21507,8 +21500,8 @@
         </p:nvSpPr>
         <p:spPr>
           <a:xfrm>
-            <a:off x="5158314" y="833634"/>
-            <a:ext cx="492443" cy="276999"/>
+            <a:off x="96219" y="615014"/>
+            <a:ext cx="3858749" cy="307777"/>
           </a:xfrm>
           <a:prstGeom prst="rect">
             <a:avLst/>
@@ -21522,10 +21515,876 @@
           <a:lstStyle/>
           <a:p>
             <a:r>
-              <a:rPr lang="ja-JP" altLang="en-US" sz="1200" dirty="0"/>
-              <a:t>続き</a:t>
-            </a:r>
-            <a:endParaRPr lang="zh-CN" altLang="en-US" sz="1200" dirty="0"/>
+              <a:rPr lang="en-US" altLang="zh-CN" sz="1400" dirty="0"/>
+              <a:t>Event</a:t>
+            </a:r>
+            <a:r>
+              <a:rPr lang="ja-JP" altLang="en-US" sz="1400" dirty="0"/>
+              <a:t>を利用して複数の</a:t>
+            </a:r>
+            <a:r>
+              <a:rPr lang="en-US" altLang="ja-JP" sz="1400" dirty="0"/>
+              <a:t>coroutine</a:t>
+            </a:r>
+            <a:r>
+              <a:rPr lang="ja-JP" altLang="en-US" sz="1400" dirty="0"/>
+              <a:t>を同期させる</a:t>
+            </a:r>
+            <a:endParaRPr lang="zh-CN" altLang="en-US" sz="1400" dirty="0"/>
+          </a:p>
+        </p:txBody>
+      </p:sp>
+      <p:grpSp>
+        <p:nvGrpSpPr>
+          <p:cNvPr id="28" name="组合 27">
+            <a:extLst>
+              <a:ext uri="{FF2B5EF4-FFF2-40B4-BE49-F238E27FC236}">
+                <a16:creationId xmlns:a16="http://schemas.microsoft.com/office/drawing/2014/main" id="{DCD2DEEA-77B9-82D2-6E98-A61592C06987}"/>
+              </a:ext>
+            </a:extLst>
+          </p:cNvPr>
+          <p:cNvGrpSpPr/>
+          <p:nvPr/>
+        </p:nvGrpSpPr>
+        <p:grpSpPr>
+          <a:xfrm>
+            <a:off x="5139962" y="3649294"/>
+            <a:ext cx="6881535" cy="1782994"/>
+            <a:chOff x="5139962" y="3736921"/>
+            <a:chExt cx="6881535" cy="1782994"/>
+          </a:xfrm>
+        </p:grpSpPr>
+        <p:grpSp>
+          <p:nvGrpSpPr>
+            <p:cNvPr id="11" name="组合 10">
+              <a:extLst>
+                <a:ext uri="{FF2B5EF4-FFF2-40B4-BE49-F238E27FC236}">
+                  <a16:creationId xmlns:a16="http://schemas.microsoft.com/office/drawing/2014/main" id="{EC20BC1B-0B0B-2AF6-3BD3-FFEFA5361747}"/>
+                </a:ext>
+              </a:extLst>
+            </p:cNvPr>
+            <p:cNvGrpSpPr/>
+            <p:nvPr/>
+          </p:nvGrpSpPr>
+          <p:grpSpPr>
+            <a:xfrm>
+              <a:off x="5139962" y="4211643"/>
+              <a:ext cx="1510350" cy="1185981"/>
+              <a:chOff x="5014286" y="4324673"/>
+              <a:chExt cx="1510350" cy="1185981"/>
+            </a:xfrm>
+          </p:grpSpPr>
+          <p:sp>
+            <p:nvSpPr>
+              <p:cNvPr id="6" name="文本框 5">
+                <a:extLst>
+                  <a:ext uri="{FF2B5EF4-FFF2-40B4-BE49-F238E27FC236}">
+                    <a16:creationId xmlns:a16="http://schemas.microsoft.com/office/drawing/2014/main" id="{B1230A4E-543A-4D17-7815-623D5874B571}"/>
+                  </a:ext>
+                </a:extLst>
+              </p:cNvPr>
+              <p:cNvSpPr txBox="1"/>
+              <p:nvPr/>
+            </p:nvSpPr>
+            <p:spPr>
+              <a:xfrm>
+                <a:off x="5014286" y="4324673"/>
+                <a:ext cx="1510350" cy="307777"/>
+              </a:xfrm>
+              <a:prstGeom prst="rect">
+                <a:avLst/>
+              </a:prstGeom>
+              <a:noFill/>
+              <a:ln>
+                <a:solidFill>
+                  <a:schemeClr val="tx1"/>
+                </a:solidFill>
+              </a:ln>
+            </p:spPr>
+            <p:txBody>
+              <a:bodyPr wrap="none" rtlCol="0">
+                <a:spAutoFit/>
+              </a:bodyPr>
+              <a:lstStyle/>
+              <a:p>
+                <a:r>
+                  <a:rPr lang="en-US" altLang="zh-CN" sz="1400" dirty="0"/>
+                  <a:t>trigger(</a:t>
+                </a:r>
+                <a:r>
+                  <a:rPr lang="en-US" altLang="zh-CN" sz="1400" dirty="0" err="1"/>
+                  <a:t>call_later</a:t>
+                </a:r>
+                <a:r>
+                  <a:rPr lang="en-US" altLang="zh-CN" sz="1400" dirty="0"/>
+                  <a:t>)</a:t>
+                </a:r>
+                <a:endParaRPr lang="zh-CN" altLang="en-US" sz="1400" dirty="0"/>
+              </a:p>
+            </p:txBody>
+          </p:sp>
+          <p:sp>
+            <p:nvSpPr>
+              <p:cNvPr id="7" name="文本框 6">
+                <a:extLst>
+                  <a:ext uri="{FF2B5EF4-FFF2-40B4-BE49-F238E27FC236}">
+                    <a16:creationId xmlns:a16="http://schemas.microsoft.com/office/drawing/2014/main" id="{49C59E2A-40C3-DAD8-5BA3-68BA68FDD7B3}"/>
+                  </a:ext>
+                </a:extLst>
+              </p:cNvPr>
+              <p:cNvSpPr txBox="1"/>
+              <p:nvPr/>
+            </p:nvSpPr>
+            <p:spPr>
+              <a:xfrm>
+                <a:off x="5386183" y="4763775"/>
+                <a:ext cx="1138453" cy="307777"/>
+              </a:xfrm>
+              <a:prstGeom prst="rect">
+                <a:avLst/>
+              </a:prstGeom>
+              <a:noFill/>
+              <a:ln>
+                <a:solidFill>
+                  <a:schemeClr val="tx1"/>
+                </a:solidFill>
+              </a:ln>
+            </p:spPr>
+            <p:txBody>
+              <a:bodyPr wrap="none" rtlCol="0">
+                <a:spAutoFit/>
+              </a:bodyPr>
+              <a:lstStyle/>
+              <a:p>
+                <a:r>
+                  <a:rPr lang="en-US" altLang="zh-CN" sz="1400" dirty="0" err="1"/>
+                  <a:t>consumer_a</a:t>
+                </a:r>
+                <a:endParaRPr lang="zh-CN" altLang="en-US" sz="1400" dirty="0"/>
+              </a:p>
+            </p:txBody>
+          </p:sp>
+          <p:sp>
+            <p:nvSpPr>
+              <p:cNvPr id="9" name="文本框 8">
+                <a:extLst>
+                  <a:ext uri="{FF2B5EF4-FFF2-40B4-BE49-F238E27FC236}">
+                    <a16:creationId xmlns:a16="http://schemas.microsoft.com/office/drawing/2014/main" id="{02907861-C7D3-345B-3CD6-063F5CCC0913}"/>
+                  </a:ext>
+                </a:extLst>
+              </p:cNvPr>
+              <p:cNvSpPr txBox="1"/>
+              <p:nvPr/>
+            </p:nvSpPr>
+            <p:spPr>
+              <a:xfrm>
+                <a:off x="5402213" y="5202877"/>
+                <a:ext cx="1122423" cy="307777"/>
+              </a:xfrm>
+              <a:prstGeom prst="rect">
+                <a:avLst/>
+              </a:prstGeom>
+              <a:noFill/>
+              <a:ln>
+                <a:solidFill>
+                  <a:schemeClr val="tx1"/>
+                </a:solidFill>
+              </a:ln>
+            </p:spPr>
+            <p:txBody>
+              <a:bodyPr wrap="none" rtlCol="0">
+                <a:spAutoFit/>
+              </a:bodyPr>
+              <a:lstStyle/>
+              <a:p>
+                <a:r>
+                  <a:rPr lang="en-US" altLang="zh-CN" sz="1400" dirty="0" err="1"/>
+                  <a:t>consumer_b</a:t>
+                </a:r>
+                <a:endParaRPr lang="zh-CN" altLang="en-US" sz="1400" dirty="0"/>
+              </a:p>
+            </p:txBody>
+          </p:sp>
+        </p:grpSp>
+        <p:sp>
+          <p:nvSpPr>
+            <p:cNvPr id="12" name="文本框 11">
+              <a:extLst>
+                <a:ext uri="{FF2B5EF4-FFF2-40B4-BE49-F238E27FC236}">
+                  <a16:creationId xmlns:a16="http://schemas.microsoft.com/office/drawing/2014/main" id="{E91C79CA-448A-66CD-B010-A17AEF0563B3}"/>
+                </a:ext>
+              </a:extLst>
+            </p:cNvPr>
+            <p:cNvSpPr txBox="1"/>
+            <p:nvPr/>
+          </p:nvSpPr>
+          <p:spPr>
+            <a:xfrm>
+              <a:off x="6656504" y="3736921"/>
+              <a:ext cx="4546205" cy="276999"/>
+            </a:xfrm>
+            <a:prstGeom prst="rect">
+              <a:avLst/>
+            </a:prstGeom>
+            <a:noFill/>
+          </p:spPr>
+          <p:txBody>
+            <a:bodyPr wrap="square" rtlCol="0">
+              <a:spAutoFit/>
+            </a:bodyPr>
+            <a:lstStyle/>
+            <a:p>
+              <a:r>
+                <a:rPr lang="en-US" altLang="ja-JP" sz="1200" dirty="0"/>
+                <a:t>0</a:t>
+              </a:r>
+              <a:r>
+                <a:rPr lang="en-US" altLang="zh-CN" sz="1200" dirty="0"/>
+                <a:t>s                         </a:t>
+              </a:r>
+              <a:r>
+                <a:rPr lang="ja-JP" altLang="en-US" sz="1200" dirty="0"/>
+                <a:t>　</a:t>
+              </a:r>
+              <a:r>
+                <a:rPr lang="en-US" altLang="zh-CN" sz="1200" dirty="0"/>
+                <a:t>         </a:t>
+              </a:r>
+              <a:r>
+                <a:rPr lang="ja-JP" altLang="en-US" sz="1200" dirty="0"/>
+                <a:t>時間                                       </a:t>
+              </a:r>
+              <a:r>
+                <a:rPr lang="en-US" altLang="ja-JP" sz="1200" dirty="0"/>
+                <a:t>2</a:t>
+              </a:r>
+              <a:r>
+                <a:rPr lang="en-US" altLang="zh-CN" sz="1200" dirty="0"/>
+                <a:t>s</a:t>
+              </a:r>
+              <a:endParaRPr lang="zh-CN" altLang="en-US" sz="1200" dirty="0"/>
+            </a:p>
+          </p:txBody>
+        </p:sp>
+        <p:sp>
+          <p:nvSpPr>
+            <p:cNvPr id="15" name="文本框 14">
+              <a:extLst>
+                <a:ext uri="{FF2B5EF4-FFF2-40B4-BE49-F238E27FC236}">
+                  <a16:creationId xmlns:a16="http://schemas.microsoft.com/office/drawing/2014/main" id="{53B24E48-CEC3-CDFF-40FB-5CCB8C05A903}"/>
+                </a:ext>
+              </a:extLst>
+            </p:cNvPr>
+            <p:cNvSpPr txBox="1"/>
+            <p:nvPr/>
+          </p:nvSpPr>
+          <p:spPr>
+            <a:xfrm>
+              <a:off x="6833538" y="4655774"/>
+              <a:ext cx="590025" cy="307777"/>
+            </a:xfrm>
+            <a:prstGeom prst="rect">
+              <a:avLst/>
+            </a:prstGeom>
+            <a:solidFill>
+              <a:schemeClr val="accent2"/>
+            </a:solidFill>
+            <a:ln>
+              <a:solidFill>
+                <a:schemeClr val="tx1"/>
+              </a:solidFill>
+            </a:ln>
+          </p:spPr>
+          <p:txBody>
+            <a:bodyPr wrap="square" rtlCol="0">
+              <a:spAutoFit/>
+            </a:bodyPr>
+            <a:lstStyle/>
+            <a:p>
+              <a:pPr algn="ctr"/>
+              <a:r>
+                <a:rPr lang="en-US" altLang="zh-CN" sz="1400" dirty="0"/>
+                <a:t>print</a:t>
+              </a:r>
+            </a:p>
+          </p:txBody>
+        </p:sp>
+        <p:sp>
+          <p:nvSpPr>
+            <p:cNvPr id="16" name="文本框 15">
+              <a:extLst>
+                <a:ext uri="{FF2B5EF4-FFF2-40B4-BE49-F238E27FC236}">
+                  <a16:creationId xmlns:a16="http://schemas.microsoft.com/office/drawing/2014/main" id="{46843482-8335-2C02-DDE7-DEBEF95C03D5}"/>
+                </a:ext>
+              </a:extLst>
+            </p:cNvPr>
+            <p:cNvSpPr txBox="1"/>
+            <p:nvPr/>
+          </p:nvSpPr>
+          <p:spPr>
+            <a:xfrm>
+              <a:off x="7423563" y="5095574"/>
+              <a:ext cx="590025" cy="307777"/>
+            </a:xfrm>
+            <a:prstGeom prst="rect">
+              <a:avLst/>
+            </a:prstGeom>
+            <a:solidFill>
+              <a:schemeClr val="accent6"/>
+            </a:solidFill>
+            <a:ln>
+              <a:solidFill>
+                <a:schemeClr val="tx1"/>
+              </a:solidFill>
+            </a:ln>
+          </p:spPr>
+          <p:txBody>
+            <a:bodyPr wrap="square" rtlCol="0">
+              <a:spAutoFit/>
+            </a:bodyPr>
+            <a:lstStyle/>
+            <a:p>
+              <a:pPr algn="ctr"/>
+              <a:r>
+                <a:rPr lang="en-US" altLang="zh-CN" sz="1400" dirty="0"/>
+                <a:t>print</a:t>
+              </a:r>
+            </a:p>
+          </p:txBody>
+        </p:sp>
+        <p:cxnSp>
+          <p:nvCxnSpPr>
+            <p:cNvPr id="17" name="直接连接符 16">
+              <a:extLst>
+                <a:ext uri="{FF2B5EF4-FFF2-40B4-BE49-F238E27FC236}">
+                  <a16:creationId xmlns:a16="http://schemas.microsoft.com/office/drawing/2014/main" id="{FC5E1218-7DF3-3FB0-1BF9-41D164DA1653}"/>
+                </a:ext>
+              </a:extLst>
+            </p:cNvPr>
+            <p:cNvCxnSpPr>
+              <a:cxnSpLocks/>
+            </p:cNvCxnSpPr>
+            <p:nvPr/>
+          </p:nvCxnSpPr>
+          <p:spPr>
+            <a:xfrm flipH="1">
+              <a:off x="6833538" y="4089353"/>
+              <a:ext cx="1179" cy="1430562"/>
+            </a:xfrm>
+            <a:prstGeom prst="line">
+              <a:avLst/>
+            </a:prstGeom>
+            <a:ln>
+              <a:prstDash val="sysDot"/>
+            </a:ln>
+          </p:spPr>
+          <p:style>
+            <a:lnRef idx="1">
+              <a:schemeClr val="accent1"/>
+            </a:lnRef>
+            <a:fillRef idx="0">
+              <a:schemeClr val="accent1"/>
+            </a:fillRef>
+            <a:effectRef idx="0">
+              <a:schemeClr val="accent1"/>
+            </a:effectRef>
+            <a:fontRef idx="minor">
+              <a:schemeClr val="tx1"/>
+            </a:fontRef>
+          </p:style>
+        </p:cxnSp>
+        <p:cxnSp>
+          <p:nvCxnSpPr>
+            <p:cNvPr id="18" name="直接连接符 17">
+              <a:extLst>
+                <a:ext uri="{FF2B5EF4-FFF2-40B4-BE49-F238E27FC236}">
+                  <a16:creationId xmlns:a16="http://schemas.microsoft.com/office/drawing/2014/main" id="{8DC23CD9-D225-6DA4-1962-EE16F84A44D1}"/>
+                </a:ext>
+              </a:extLst>
+            </p:cNvPr>
+            <p:cNvCxnSpPr>
+              <a:cxnSpLocks/>
+            </p:cNvCxnSpPr>
+            <p:nvPr/>
+          </p:nvCxnSpPr>
+          <p:spPr>
+            <a:xfrm flipH="1">
+              <a:off x="7423563" y="4089353"/>
+              <a:ext cx="1179" cy="1430562"/>
+            </a:xfrm>
+            <a:prstGeom prst="line">
+              <a:avLst/>
+            </a:prstGeom>
+            <a:ln>
+              <a:prstDash val="sysDot"/>
+            </a:ln>
+          </p:spPr>
+          <p:style>
+            <a:lnRef idx="1">
+              <a:schemeClr val="accent1"/>
+            </a:lnRef>
+            <a:fillRef idx="0">
+              <a:schemeClr val="accent1"/>
+            </a:fillRef>
+            <a:effectRef idx="0">
+              <a:schemeClr val="accent1"/>
+            </a:effectRef>
+            <a:fontRef idx="minor">
+              <a:schemeClr val="tx1"/>
+            </a:fontRef>
+          </p:style>
+        </p:cxnSp>
+        <p:sp>
+          <p:nvSpPr>
+            <p:cNvPr id="19" name="文本框 18">
+              <a:extLst>
+                <a:ext uri="{FF2B5EF4-FFF2-40B4-BE49-F238E27FC236}">
+                  <a16:creationId xmlns:a16="http://schemas.microsoft.com/office/drawing/2014/main" id="{0A6AAEBB-395C-4F3D-5F8B-BC2FDD555A26}"/>
+                </a:ext>
+              </a:extLst>
+            </p:cNvPr>
+            <p:cNvSpPr txBox="1"/>
+            <p:nvPr/>
+          </p:nvSpPr>
+          <p:spPr>
+            <a:xfrm>
+              <a:off x="7423562" y="4655509"/>
+              <a:ext cx="3014038" cy="307777"/>
+            </a:xfrm>
+            <a:prstGeom prst="rect">
+              <a:avLst/>
+            </a:prstGeom>
+            <a:solidFill>
+              <a:schemeClr val="accent2"/>
+            </a:solidFill>
+            <a:ln>
+              <a:solidFill>
+                <a:schemeClr val="tx1"/>
+              </a:solidFill>
+            </a:ln>
+          </p:spPr>
+          <p:txBody>
+            <a:bodyPr wrap="square" rtlCol="0">
+              <a:spAutoFit/>
+            </a:bodyPr>
+            <a:lstStyle/>
+            <a:p>
+              <a:pPr algn="ctr"/>
+              <a:r>
+                <a:rPr lang="ja-JP" altLang="en-US" sz="1400" dirty="0"/>
+                <a:t>待機</a:t>
+              </a:r>
+              <a:endParaRPr lang="en-US" altLang="zh-CN" sz="1400" dirty="0"/>
+            </a:p>
+          </p:txBody>
+        </p:sp>
+        <p:cxnSp>
+          <p:nvCxnSpPr>
+            <p:cNvPr id="20" name="直接连接符 19">
+              <a:extLst>
+                <a:ext uri="{FF2B5EF4-FFF2-40B4-BE49-F238E27FC236}">
+                  <a16:creationId xmlns:a16="http://schemas.microsoft.com/office/drawing/2014/main" id="{B794F21F-E212-9B16-64B0-80C6CA8496CC}"/>
+                </a:ext>
+              </a:extLst>
+            </p:cNvPr>
+            <p:cNvCxnSpPr>
+              <a:cxnSpLocks/>
+            </p:cNvCxnSpPr>
+            <p:nvPr/>
+          </p:nvCxnSpPr>
+          <p:spPr>
+            <a:xfrm flipH="1">
+              <a:off x="10435832" y="4089353"/>
+              <a:ext cx="1179" cy="1430562"/>
+            </a:xfrm>
+            <a:prstGeom prst="line">
+              <a:avLst/>
+            </a:prstGeom>
+            <a:ln>
+              <a:prstDash val="sysDot"/>
+            </a:ln>
+          </p:spPr>
+          <p:style>
+            <a:lnRef idx="1">
+              <a:schemeClr val="accent1"/>
+            </a:lnRef>
+            <a:fillRef idx="0">
+              <a:schemeClr val="accent1"/>
+            </a:fillRef>
+            <a:effectRef idx="0">
+              <a:schemeClr val="accent1"/>
+            </a:effectRef>
+            <a:fontRef idx="minor">
+              <a:schemeClr val="tx1"/>
+            </a:fontRef>
+          </p:style>
+        </p:cxnSp>
+        <p:sp>
+          <p:nvSpPr>
+            <p:cNvPr id="21" name="文本框 20">
+              <a:extLst>
+                <a:ext uri="{FF2B5EF4-FFF2-40B4-BE49-F238E27FC236}">
+                  <a16:creationId xmlns:a16="http://schemas.microsoft.com/office/drawing/2014/main" id="{633CBC6B-E86E-90C8-A2CE-A539B8DF84BA}"/>
+                </a:ext>
+              </a:extLst>
+            </p:cNvPr>
+            <p:cNvSpPr txBox="1"/>
+            <p:nvPr/>
+          </p:nvSpPr>
+          <p:spPr>
+            <a:xfrm>
+              <a:off x="8012409" y="5097021"/>
+              <a:ext cx="2424602" cy="307777"/>
+            </a:xfrm>
+            <a:prstGeom prst="rect">
+              <a:avLst/>
+            </a:prstGeom>
+            <a:solidFill>
+              <a:schemeClr val="accent6"/>
+            </a:solidFill>
+            <a:ln>
+              <a:solidFill>
+                <a:schemeClr val="tx1"/>
+              </a:solidFill>
+            </a:ln>
+          </p:spPr>
+          <p:txBody>
+            <a:bodyPr wrap="square" rtlCol="0">
+              <a:spAutoFit/>
+            </a:bodyPr>
+            <a:lstStyle/>
+            <a:p>
+              <a:pPr algn="ctr"/>
+              <a:r>
+                <a:rPr lang="ja-JP" altLang="en-US" sz="1400" dirty="0"/>
+                <a:t>待機</a:t>
+              </a:r>
+              <a:endParaRPr lang="en-US" altLang="zh-CN" sz="1400" dirty="0"/>
+            </a:p>
+          </p:txBody>
+        </p:sp>
+        <p:cxnSp>
+          <p:nvCxnSpPr>
+            <p:cNvPr id="22" name="直接连接符 21">
+              <a:extLst>
+                <a:ext uri="{FF2B5EF4-FFF2-40B4-BE49-F238E27FC236}">
+                  <a16:creationId xmlns:a16="http://schemas.microsoft.com/office/drawing/2014/main" id="{F64D0872-1EEE-32EC-8496-45C88C324A79}"/>
+                </a:ext>
+              </a:extLst>
+            </p:cNvPr>
+            <p:cNvCxnSpPr>
+              <a:cxnSpLocks/>
+            </p:cNvCxnSpPr>
+            <p:nvPr/>
+          </p:nvCxnSpPr>
+          <p:spPr>
+            <a:xfrm flipH="1">
+              <a:off x="8006432" y="4089353"/>
+              <a:ext cx="1179" cy="1430562"/>
+            </a:xfrm>
+            <a:prstGeom prst="line">
+              <a:avLst/>
+            </a:prstGeom>
+            <a:ln>
+              <a:prstDash val="sysDot"/>
+            </a:ln>
+          </p:spPr>
+          <p:style>
+            <a:lnRef idx="1">
+              <a:schemeClr val="accent1"/>
+            </a:lnRef>
+            <a:fillRef idx="0">
+              <a:schemeClr val="accent1"/>
+            </a:fillRef>
+            <a:effectRef idx="0">
+              <a:schemeClr val="accent1"/>
+            </a:effectRef>
+            <a:fontRef idx="minor">
+              <a:schemeClr val="tx1"/>
+            </a:fontRef>
+          </p:style>
+        </p:cxnSp>
+        <p:sp>
+          <p:nvSpPr>
+            <p:cNvPr id="23" name="文本框 22">
+              <a:extLst>
+                <a:ext uri="{FF2B5EF4-FFF2-40B4-BE49-F238E27FC236}">
+                  <a16:creationId xmlns:a16="http://schemas.microsoft.com/office/drawing/2014/main" id="{9E313B32-B98A-F901-CC57-2EC13E4407DA}"/>
+                </a:ext>
+              </a:extLst>
+            </p:cNvPr>
+            <p:cNvSpPr txBox="1"/>
+            <p:nvPr/>
+          </p:nvSpPr>
+          <p:spPr>
+            <a:xfrm>
+              <a:off x="10435833" y="4211643"/>
+              <a:ext cx="405614" cy="307777"/>
+            </a:xfrm>
+            <a:prstGeom prst="rect">
+              <a:avLst/>
+            </a:prstGeom>
+            <a:solidFill>
+              <a:schemeClr val="accent1"/>
+            </a:solidFill>
+            <a:ln>
+              <a:solidFill>
+                <a:schemeClr val="tx1"/>
+              </a:solidFill>
+            </a:ln>
+          </p:spPr>
+          <p:txBody>
+            <a:bodyPr wrap="square" rtlCol="0">
+              <a:spAutoFit/>
+            </a:bodyPr>
+            <a:lstStyle/>
+            <a:p>
+              <a:pPr algn="ctr"/>
+              <a:r>
+                <a:rPr lang="en-US" altLang="zh-CN" sz="1400" dirty="0"/>
+                <a:t>set</a:t>
+              </a:r>
+            </a:p>
+          </p:txBody>
+        </p:sp>
+        <p:sp>
+          <p:nvSpPr>
+            <p:cNvPr id="24" name="文本框 23">
+              <a:extLst>
+                <a:ext uri="{FF2B5EF4-FFF2-40B4-BE49-F238E27FC236}">
+                  <a16:creationId xmlns:a16="http://schemas.microsoft.com/office/drawing/2014/main" id="{DADE1204-CC98-2B27-F81B-4E363935E634}"/>
+                </a:ext>
+              </a:extLst>
+            </p:cNvPr>
+            <p:cNvSpPr txBox="1"/>
+            <p:nvPr/>
+          </p:nvSpPr>
+          <p:spPr>
+            <a:xfrm>
+              <a:off x="10841447" y="4650745"/>
+              <a:ext cx="590025" cy="307777"/>
+            </a:xfrm>
+            <a:prstGeom prst="rect">
+              <a:avLst/>
+            </a:prstGeom>
+            <a:solidFill>
+              <a:schemeClr val="accent2"/>
+            </a:solidFill>
+            <a:ln>
+              <a:solidFill>
+                <a:schemeClr val="tx1"/>
+              </a:solidFill>
+            </a:ln>
+          </p:spPr>
+          <p:txBody>
+            <a:bodyPr wrap="square" rtlCol="0">
+              <a:spAutoFit/>
+            </a:bodyPr>
+            <a:lstStyle/>
+            <a:p>
+              <a:pPr algn="ctr"/>
+              <a:r>
+                <a:rPr lang="en-US" altLang="zh-CN" sz="1400" dirty="0"/>
+                <a:t>print</a:t>
+              </a:r>
+            </a:p>
+          </p:txBody>
+        </p:sp>
+        <p:sp>
+          <p:nvSpPr>
+            <p:cNvPr id="25" name="文本框 24">
+              <a:extLst>
+                <a:ext uri="{FF2B5EF4-FFF2-40B4-BE49-F238E27FC236}">
+                  <a16:creationId xmlns:a16="http://schemas.microsoft.com/office/drawing/2014/main" id="{FF84CF88-A838-18FB-DD75-DF8B18859C99}"/>
+                </a:ext>
+              </a:extLst>
+            </p:cNvPr>
+            <p:cNvSpPr txBox="1"/>
+            <p:nvPr/>
+          </p:nvSpPr>
+          <p:spPr>
+            <a:xfrm>
+              <a:off x="11431472" y="5097021"/>
+              <a:ext cx="590025" cy="307777"/>
+            </a:xfrm>
+            <a:prstGeom prst="rect">
+              <a:avLst/>
+            </a:prstGeom>
+            <a:solidFill>
+              <a:schemeClr val="accent6"/>
+            </a:solidFill>
+            <a:ln>
+              <a:solidFill>
+                <a:schemeClr val="tx1"/>
+              </a:solidFill>
+            </a:ln>
+          </p:spPr>
+          <p:txBody>
+            <a:bodyPr wrap="square" rtlCol="0">
+              <a:spAutoFit/>
+            </a:bodyPr>
+            <a:lstStyle/>
+            <a:p>
+              <a:pPr algn="ctr"/>
+              <a:r>
+                <a:rPr lang="en-US" altLang="zh-CN" sz="1400" dirty="0"/>
+                <a:t>print</a:t>
+              </a:r>
+            </a:p>
+          </p:txBody>
+        </p:sp>
+        <p:cxnSp>
+          <p:nvCxnSpPr>
+            <p:cNvPr id="26" name="直接连接符 25">
+              <a:extLst>
+                <a:ext uri="{FF2B5EF4-FFF2-40B4-BE49-F238E27FC236}">
+                  <a16:creationId xmlns:a16="http://schemas.microsoft.com/office/drawing/2014/main" id="{A9B65770-FE03-5BA8-F064-9004F78BC473}"/>
+                </a:ext>
+              </a:extLst>
+            </p:cNvPr>
+            <p:cNvCxnSpPr>
+              <a:cxnSpLocks/>
+            </p:cNvCxnSpPr>
+            <p:nvPr/>
+          </p:nvCxnSpPr>
+          <p:spPr>
+            <a:xfrm flipH="1">
+              <a:off x="10840858" y="4089352"/>
+              <a:ext cx="1179" cy="1430562"/>
+            </a:xfrm>
+            <a:prstGeom prst="line">
+              <a:avLst/>
+            </a:prstGeom>
+            <a:ln>
+              <a:prstDash val="sysDot"/>
+            </a:ln>
+          </p:spPr>
+          <p:style>
+            <a:lnRef idx="1">
+              <a:schemeClr val="accent1"/>
+            </a:lnRef>
+            <a:fillRef idx="0">
+              <a:schemeClr val="accent1"/>
+            </a:fillRef>
+            <a:effectRef idx="0">
+              <a:schemeClr val="accent1"/>
+            </a:effectRef>
+            <a:fontRef idx="minor">
+              <a:schemeClr val="tx1"/>
+            </a:fontRef>
+          </p:style>
+        </p:cxnSp>
+        <p:cxnSp>
+          <p:nvCxnSpPr>
+            <p:cNvPr id="27" name="直接连接符 26">
+              <a:extLst>
+                <a:ext uri="{FF2B5EF4-FFF2-40B4-BE49-F238E27FC236}">
+                  <a16:creationId xmlns:a16="http://schemas.microsoft.com/office/drawing/2014/main" id="{326CE8CD-102C-104E-CF50-6D3BEF63302F}"/>
+                </a:ext>
+              </a:extLst>
+            </p:cNvPr>
+            <p:cNvCxnSpPr>
+              <a:cxnSpLocks/>
+            </p:cNvCxnSpPr>
+            <p:nvPr/>
+          </p:nvCxnSpPr>
+          <p:spPr>
+            <a:xfrm flipH="1">
+              <a:off x="11430882" y="4089352"/>
+              <a:ext cx="1179" cy="1430562"/>
+            </a:xfrm>
+            <a:prstGeom prst="line">
+              <a:avLst/>
+            </a:prstGeom>
+            <a:ln>
+              <a:prstDash val="sysDot"/>
+            </a:ln>
+          </p:spPr>
+          <p:style>
+            <a:lnRef idx="1">
+              <a:schemeClr val="accent1"/>
+            </a:lnRef>
+            <a:fillRef idx="0">
+              <a:schemeClr val="accent1"/>
+            </a:fillRef>
+            <a:effectRef idx="0">
+              <a:schemeClr val="accent1"/>
+            </a:effectRef>
+            <a:fontRef idx="minor">
+              <a:schemeClr val="tx1"/>
+            </a:fontRef>
+          </p:style>
+        </p:cxnSp>
+      </p:grpSp>
+      <p:sp>
+        <p:nvSpPr>
+          <p:cNvPr id="29" name="文本框 28">
+            <a:extLst>
+              <a:ext uri="{FF2B5EF4-FFF2-40B4-BE49-F238E27FC236}">
+                <a16:creationId xmlns:a16="http://schemas.microsoft.com/office/drawing/2014/main" id="{F6AE39F1-C034-AA79-A489-111A183452E0}"/>
+              </a:ext>
+            </a:extLst>
+          </p:cNvPr>
+          <p:cNvSpPr txBox="1"/>
+          <p:nvPr/>
+        </p:nvSpPr>
+        <p:spPr>
+          <a:xfrm>
+            <a:off x="233266" y="5412567"/>
+            <a:ext cx="1901483" cy="1384995"/>
+          </a:xfrm>
+          <a:prstGeom prst="rect">
+            <a:avLst/>
+          </a:prstGeom>
+          <a:noFill/>
+          <a:ln>
+            <a:solidFill>
+              <a:schemeClr val="tx1"/>
+            </a:solidFill>
+          </a:ln>
+        </p:spPr>
+        <p:txBody>
+          <a:bodyPr wrap="none" rtlCol="0">
+            <a:spAutoFit/>
+          </a:bodyPr>
+          <a:lstStyle/>
+          <a:p>
+            <a:r>
+              <a:rPr lang="ja-JP" altLang="en-US" sz="1400" dirty="0"/>
+              <a:t>出力：</a:t>
+            </a:r>
+            <a:endParaRPr lang="en-US" altLang="ja-JP" sz="1400" dirty="0"/>
+          </a:p>
+          <a:p>
+            <a:r>
+              <a:rPr lang="en-US" altLang="zh-CN" sz="1400" dirty="0"/>
+              <a:t>Consumer A waiting</a:t>
+            </a:r>
+          </a:p>
+          <a:p>
+            <a:r>
+              <a:rPr lang="en-US" altLang="zh-CN" sz="1400" dirty="0"/>
+              <a:t>Consumer B waiting</a:t>
+            </a:r>
+          </a:p>
+          <a:p>
+            <a:r>
+              <a:rPr lang="en-US" altLang="zh-CN" sz="1400" dirty="0"/>
+              <a:t>EVENT SET</a:t>
+            </a:r>
+          </a:p>
+          <a:p>
+            <a:r>
+              <a:rPr lang="en-US" altLang="zh-CN" sz="1400" dirty="0"/>
+              <a:t>Consumer A triggered</a:t>
+            </a:r>
+          </a:p>
+          <a:p>
+            <a:r>
+              <a:rPr lang="en-US" altLang="zh-CN" sz="1400" dirty="0"/>
+              <a:t>Consumer B triggered</a:t>
+            </a:r>
+            <a:endParaRPr lang="zh-CN" altLang="en-US" sz="1400" dirty="0"/>
           </a:p>
         </p:txBody>
       </p:sp>

--- a/lcj_zemi_python.pptx
+++ b/lcj_zemi_python.pptx
@@ -5,7 +5,7 @@
     <p:sldMasterId id="2147483648" r:id="rId1"/>
   </p:sldMasterIdLst>
   <p:notesMasterIdLst>
-    <p:notesMasterId r:id="rId12"/>
+    <p:notesMasterId r:id="rId13"/>
   </p:notesMasterIdLst>
   <p:sldIdLst>
     <p:sldId id="260" r:id="rId2"/>
@@ -17,7 +17,8 @@
     <p:sldId id="299" r:id="rId8"/>
     <p:sldId id="300" r:id="rId9"/>
     <p:sldId id="301" r:id="rId10"/>
-    <p:sldId id="293" r:id="rId11"/>
+    <p:sldId id="302" r:id="rId11"/>
+    <p:sldId id="293" r:id="rId12"/>
   </p:sldIdLst>
   <p:sldSz cx="12192000" cy="6858000"/>
   <p:notesSz cx="6858000" cy="9144000"/>
@@ -206,7 +207,7 @@
           <a:p>
             <a:fld id="{2BC54830-42DA-4404-9F8C-DE9E00A18181}" type="datetimeFigureOut">
               <a:rPr lang="zh-CN" altLang="en-US" smtClean="0"/>
-              <a:t>2024/7/26</a:t>
+              <a:t>2024/7/30</a:t>
             </a:fld>
             <a:endParaRPr lang="zh-CN" altLang="en-US"/>
           </a:p>
@@ -620,7 +621,7 @@
           <a:p>
             <a:fld id="{F5930DB7-C5F0-4CA2-914A-8532991C33D9}" type="datetimeFigureOut">
               <a:rPr lang="zh-CN" altLang="en-US" smtClean="0"/>
-              <a:t>2024/7/26</a:t>
+              <a:t>2024/7/30</a:t>
             </a:fld>
             <a:endParaRPr lang="zh-CN" altLang="en-US"/>
           </a:p>
@@ -818,7 +819,7 @@
           <a:p>
             <a:fld id="{F5930DB7-C5F0-4CA2-914A-8532991C33D9}" type="datetimeFigureOut">
               <a:rPr lang="zh-CN" altLang="en-US" smtClean="0"/>
-              <a:t>2024/7/26</a:t>
+              <a:t>2024/7/30</a:t>
             </a:fld>
             <a:endParaRPr lang="zh-CN" altLang="en-US"/>
           </a:p>
@@ -1026,7 +1027,7 @@
           <a:p>
             <a:fld id="{F5930DB7-C5F0-4CA2-914A-8532991C33D9}" type="datetimeFigureOut">
               <a:rPr lang="zh-CN" altLang="en-US" smtClean="0"/>
-              <a:t>2024/7/26</a:t>
+              <a:t>2024/7/30</a:t>
             </a:fld>
             <a:endParaRPr lang="zh-CN" altLang="en-US"/>
           </a:p>
@@ -1224,7 +1225,7 @@
           <a:p>
             <a:fld id="{F5930DB7-C5F0-4CA2-914A-8532991C33D9}" type="datetimeFigureOut">
               <a:rPr lang="zh-CN" altLang="en-US" smtClean="0"/>
-              <a:t>2024/7/26</a:t>
+              <a:t>2024/7/30</a:t>
             </a:fld>
             <a:endParaRPr lang="zh-CN" altLang="en-US"/>
           </a:p>
@@ -1499,7 +1500,7 @@
           <a:p>
             <a:fld id="{F5930DB7-C5F0-4CA2-914A-8532991C33D9}" type="datetimeFigureOut">
               <a:rPr lang="zh-CN" altLang="en-US" smtClean="0"/>
-              <a:t>2024/7/26</a:t>
+              <a:t>2024/7/30</a:t>
             </a:fld>
             <a:endParaRPr lang="zh-CN" altLang="en-US"/>
           </a:p>
@@ -1764,7 +1765,7 @@
           <a:p>
             <a:fld id="{F5930DB7-C5F0-4CA2-914A-8532991C33D9}" type="datetimeFigureOut">
               <a:rPr lang="zh-CN" altLang="en-US" smtClean="0"/>
-              <a:t>2024/7/26</a:t>
+              <a:t>2024/7/30</a:t>
             </a:fld>
             <a:endParaRPr lang="zh-CN" altLang="en-US"/>
           </a:p>
@@ -2176,7 +2177,7 @@
           <a:p>
             <a:fld id="{F5930DB7-C5F0-4CA2-914A-8532991C33D9}" type="datetimeFigureOut">
               <a:rPr lang="zh-CN" altLang="en-US" smtClean="0"/>
-              <a:t>2024/7/26</a:t>
+              <a:t>2024/7/30</a:t>
             </a:fld>
             <a:endParaRPr lang="zh-CN" altLang="en-US"/>
           </a:p>
@@ -2317,7 +2318,7 @@
           <a:p>
             <a:fld id="{F5930DB7-C5F0-4CA2-914A-8532991C33D9}" type="datetimeFigureOut">
               <a:rPr lang="zh-CN" altLang="en-US" smtClean="0"/>
-              <a:t>2024/7/26</a:t>
+              <a:t>2024/7/30</a:t>
             </a:fld>
             <a:endParaRPr lang="zh-CN" altLang="en-US"/>
           </a:p>
@@ -2430,7 +2431,7 @@
           <a:p>
             <a:fld id="{F5930DB7-C5F0-4CA2-914A-8532991C33D9}" type="datetimeFigureOut">
               <a:rPr lang="zh-CN" altLang="en-US" smtClean="0"/>
-              <a:t>2024/7/26</a:t>
+              <a:t>2024/7/30</a:t>
             </a:fld>
             <a:endParaRPr lang="zh-CN" altLang="en-US"/>
           </a:p>
@@ -2741,7 +2742,7 @@
           <a:p>
             <a:fld id="{F5930DB7-C5F0-4CA2-914A-8532991C33D9}" type="datetimeFigureOut">
               <a:rPr lang="zh-CN" altLang="en-US" smtClean="0"/>
-              <a:t>2024/7/26</a:t>
+              <a:t>2024/7/30</a:t>
             </a:fld>
             <a:endParaRPr lang="zh-CN" altLang="en-US"/>
           </a:p>
@@ -3029,7 +3030,7 @@
           <a:p>
             <a:fld id="{F5930DB7-C5F0-4CA2-914A-8532991C33D9}" type="datetimeFigureOut">
               <a:rPr lang="zh-CN" altLang="en-US" smtClean="0"/>
-              <a:t>2024/7/26</a:t>
+              <a:t>2024/7/30</a:t>
             </a:fld>
             <a:endParaRPr lang="zh-CN" altLang="en-US"/>
           </a:p>
@@ -3270,7 +3271,7 @@
           <a:p>
             <a:fld id="{F5930DB7-C5F0-4CA2-914A-8532991C33D9}" type="datetimeFigureOut">
               <a:rPr lang="zh-CN" altLang="en-US" smtClean="0"/>
-              <a:t>2024/7/26</a:t>
+              <a:t>2024/7/30</a:t>
             </a:fld>
             <a:endParaRPr lang="zh-CN" altLang="en-US"/>
           </a:p>
@@ -3824,6 +3825,174 @@
 </file>
 
 <file path=ppt/slides/slide10.xml><?xml version="1.0" encoding="utf-8"?>
+<p:sld xmlns:a="http://schemas.openxmlformats.org/drawingml/2006/main" xmlns:r="http://schemas.openxmlformats.org/officeDocument/2006/relationships" xmlns:p="http://schemas.openxmlformats.org/presentationml/2006/main">
+  <p:cSld>
+    <p:spTree>
+      <p:nvGrpSpPr>
+        <p:cNvPr id="1" name=""/>
+        <p:cNvGrpSpPr/>
+        <p:nvPr/>
+      </p:nvGrpSpPr>
+      <p:grpSpPr>
+        <a:xfrm>
+          <a:off x="0" y="0"/>
+          <a:ext cx="0" cy="0"/>
+          <a:chOff x="0" y="0"/>
+          <a:chExt cx="0" cy="0"/>
+        </a:xfrm>
+      </p:grpSpPr>
+      <p:sp>
+        <p:nvSpPr>
+          <p:cNvPr id="4" name="矩形: 圆角 3">
+            <a:extLst>
+              <a:ext uri="{FF2B5EF4-FFF2-40B4-BE49-F238E27FC236}">
+                <a16:creationId xmlns:a16="http://schemas.microsoft.com/office/drawing/2014/main" id="{866A1306-2120-2B30-7A6A-781A28385D6D}"/>
+              </a:ext>
+            </a:extLst>
+          </p:cNvPr>
+          <p:cNvSpPr/>
+          <p:nvPr/>
+        </p:nvSpPr>
+        <p:spPr>
+          <a:xfrm flipV="1">
+            <a:off x="305570" y="523220"/>
+            <a:ext cx="11377352" cy="64193"/>
+          </a:xfrm>
+          <a:prstGeom prst="roundRect">
+            <a:avLst/>
+          </a:prstGeom>
+        </p:spPr>
+        <p:style>
+          <a:lnRef idx="2">
+            <a:schemeClr val="accent1">
+              <a:shade val="50000"/>
+            </a:schemeClr>
+          </a:lnRef>
+          <a:fillRef idx="1">
+            <a:schemeClr val="accent1"/>
+          </a:fillRef>
+          <a:effectRef idx="0">
+            <a:schemeClr val="accent1"/>
+          </a:effectRef>
+          <a:fontRef idx="minor">
+            <a:schemeClr val="lt1"/>
+          </a:fontRef>
+        </p:style>
+        <p:txBody>
+          <a:bodyPr rtlCol="0" anchor="ctr"/>
+          <a:lstStyle/>
+          <a:p>
+            <a:pPr algn="ctr"/>
+            <a:endParaRPr lang="zh-CN" altLang="en-US"/>
+          </a:p>
+        </p:txBody>
+      </p:sp>
+      <p:sp>
+        <p:nvSpPr>
+          <p:cNvPr id="5" name="文本框 4">
+            <a:extLst>
+              <a:ext uri="{FF2B5EF4-FFF2-40B4-BE49-F238E27FC236}">
+                <a16:creationId xmlns:a16="http://schemas.microsoft.com/office/drawing/2014/main" id="{6FF74BA9-D2C8-5CBE-0585-F2F644B9AECB}"/>
+              </a:ext>
+            </a:extLst>
+          </p:cNvPr>
+          <p:cNvSpPr txBox="1"/>
+          <p:nvPr/>
+        </p:nvSpPr>
+        <p:spPr>
+          <a:xfrm>
+            <a:off x="305570" y="0"/>
+            <a:ext cx="5392823" cy="523220"/>
+          </a:xfrm>
+          <a:prstGeom prst="rect">
+            <a:avLst/>
+          </a:prstGeom>
+          <a:noFill/>
+        </p:spPr>
+        <p:txBody>
+          <a:bodyPr wrap="none" rtlCol="0">
+            <a:spAutoFit/>
+          </a:bodyPr>
+          <a:lstStyle/>
+          <a:p>
+            <a:r>
+              <a:rPr lang="en-US" altLang="zh-CN" sz="2800" dirty="0"/>
+              <a:t>Section 54.4: A Simple </a:t>
+            </a:r>
+            <a:r>
+              <a:rPr lang="en-US" altLang="zh-CN" sz="2800" dirty="0" err="1"/>
+              <a:t>Websocket</a:t>
+            </a:r>
+            <a:endParaRPr lang="zh-CN" altLang="en-US" sz="2800" b="1" dirty="0"/>
+          </a:p>
+        </p:txBody>
+      </p:sp>
+      <p:sp>
+        <p:nvSpPr>
+          <p:cNvPr id="3" name="文本框 2">
+            <a:extLst>
+              <a:ext uri="{FF2B5EF4-FFF2-40B4-BE49-F238E27FC236}">
+                <a16:creationId xmlns:a16="http://schemas.microsoft.com/office/drawing/2014/main" id="{200A5E5F-473A-66C1-B742-74E6A3064428}"/>
+              </a:ext>
+            </a:extLst>
+          </p:cNvPr>
+          <p:cNvSpPr txBox="1"/>
+          <p:nvPr/>
+        </p:nvSpPr>
+        <p:spPr>
+          <a:xfrm>
+            <a:off x="305570" y="849086"/>
+            <a:ext cx="3276859" cy="369332"/>
+          </a:xfrm>
+          <a:prstGeom prst="rect">
+            <a:avLst/>
+          </a:prstGeom>
+          <a:noFill/>
+        </p:spPr>
+        <p:txBody>
+          <a:bodyPr wrap="none" rtlCol="0">
+            <a:spAutoFit/>
+          </a:bodyPr>
+          <a:lstStyle/>
+          <a:p>
+            <a:r>
+              <a:rPr lang="en-US" altLang="zh-CN" dirty="0" err="1"/>
+              <a:t>Websockets</a:t>
+            </a:r>
+            <a:r>
+              <a:rPr lang="ja-JP" altLang="en-US" dirty="0"/>
+              <a:t>、</a:t>
+            </a:r>
+            <a:r>
+              <a:rPr lang="en-US" altLang="ja-JP" dirty="0" err="1"/>
+              <a:t>asyncio</a:t>
+            </a:r>
+            <a:r>
+              <a:rPr lang="ja-JP" altLang="en-US" dirty="0"/>
+              <a:t>と</a:t>
+            </a:r>
+            <a:r>
+              <a:rPr lang="en-US" altLang="ja-JP" dirty="0" err="1"/>
+              <a:t>aiohttp</a:t>
+            </a:r>
+            <a:endParaRPr lang="zh-CN" altLang="en-US" dirty="0"/>
+          </a:p>
+        </p:txBody>
+      </p:sp>
+    </p:spTree>
+    <p:extLst>
+      <p:ext uri="{BB962C8B-B14F-4D97-AF65-F5344CB8AC3E}">
+        <p14:creationId xmlns:p14="http://schemas.microsoft.com/office/powerpoint/2010/main" val="1502073692"/>
+      </p:ext>
+    </p:extLst>
+  </p:cSld>
+  <p:clrMapOvr>
+    <a:masterClrMapping/>
+  </p:clrMapOvr>
+</p:sld>
+</file>
+
+<file path=ppt/slides/slide11.xml><?xml version="1.0" encoding="utf-8"?>
 <p:sld xmlns:a="http://schemas.openxmlformats.org/drawingml/2006/main" xmlns:r="http://schemas.openxmlformats.org/officeDocument/2006/relationships" xmlns:p="http://schemas.openxmlformats.org/presentationml/2006/main">
   <p:cSld>
     <p:spTree>

--- a/lcj_zemi_python.pptx
+++ b/lcj_zemi_python.pptx
@@ -3941,8 +3941,8 @@
         </p:nvSpPr>
         <p:spPr>
           <a:xfrm>
-            <a:off x="305570" y="849086"/>
-            <a:ext cx="3276859" cy="369332"/>
+            <a:off x="254749" y="587413"/>
+            <a:ext cx="11478993" cy="2246769"/>
           </a:xfrm>
           <a:prstGeom prst="rect">
             <a:avLst/>
@@ -3950,32 +3950,1829 @@
           <a:noFill/>
         </p:spPr>
         <p:txBody>
-          <a:bodyPr wrap="none" rtlCol="0">
+          <a:bodyPr wrap="square" rtlCol="0">
             <a:spAutoFit/>
           </a:bodyPr>
           <a:lstStyle/>
           <a:p>
             <a:r>
-              <a:rPr lang="en-US" altLang="zh-CN" dirty="0" err="1"/>
-              <a:t>Websockets</a:t>
-            </a:r>
-            <a:r>
-              <a:rPr lang="ja-JP" altLang="en-US" dirty="0"/>
+              <a:rPr lang="en-US" altLang="zh-CN" sz="1400" b="0" dirty="0" err="1">
+                <a:solidFill>
+                  <a:srgbClr val="267F99"/>
+                </a:solidFill>
+                <a:effectLst/>
+                <a:highlight>
+                  <a:srgbClr val="FFFFFF"/>
+                </a:highlight>
+                <a:latin typeface="Consolas" panose="020B0609020204030204" pitchFamily="49" charset="0"/>
+              </a:rPr>
+              <a:t>websockets</a:t>
+            </a:r>
+            <a:r>
+              <a:rPr lang="ja-JP" altLang="en-US" sz="1400" dirty="0"/>
               <a:t>、</a:t>
             </a:r>
             <a:r>
-              <a:rPr lang="en-US" altLang="ja-JP" dirty="0" err="1"/>
+              <a:rPr lang="en-US" altLang="zh-CN" sz="1400" b="0" dirty="0" err="1">
+                <a:solidFill>
+                  <a:srgbClr val="267F99"/>
+                </a:solidFill>
+                <a:effectLst/>
+                <a:highlight>
+                  <a:srgbClr val="FFFFFF"/>
+                </a:highlight>
+                <a:latin typeface="Consolas" panose="020B0609020204030204" pitchFamily="49" charset="0"/>
+              </a:rPr>
               <a:t>asyncio</a:t>
             </a:r>
             <a:r>
-              <a:rPr lang="ja-JP" altLang="en-US" dirty="0"/>
-              <a:t>と</a:t>
-            </a:r>
-            <a:r>
-              <a:rPr lang="en-US" altLang="ja-JP" dirty="0" err="1"/>
+              <a:rPr lang="zh-CN" altLang="en-US" sz="1400" dirty="0">
+                <a:solidFill>
+                  <a:srgbClr val="267F99"/>
+                </a:solidFill>
+                <a:highlight>
+                  <a:srgbClr val="FFFFFF"/>
+                </a:highlight>
+                <a:latin typeface="Consolas" panose="020B0609020204030204" pitchFamily="49" charset="0"/>
+              </a:rPr>
+              <a:t> </a:t>
+            </a:r>
+            <a:r>
+              <a:rPr lang="ja-JP" altLang="en-US" sz="1400" dirty="0"/>
+              <a:t>と </a:t>
+            </a:r>
+            <a:r>
+              <a:rPr lang="en-US" altLang="zh-CN" sz="1400" b="0" dirty="0" err="1">
+                <a:solidFill>
+                  <a:srgbClr val="267F99"/>
+                </a:solidFill>
+                <a:effectLst/>
+                <a:highlight>
+                  <a:srgbClr val="FFFFFF"/>
+                </a:highlight>
+                <a:latin typeface="Consolas" panose="020B0609020204030204" pitchFamily="49" charset="0"/>
+              </a:rPr>
               <a:t>aiohttp</a:t>
             </a:r>
-            <a:endParaRPr lang="zh-CN" altLang="en-US" dirty="0"/>
+            <a:endParaRPr lang="en-US" altLang="zh-CN" sz="1400" b="0" dirty="0">
+              <a:solidFill>
+                <a:srgbClr val="267F99"/>
+              </a:solidFill>
+              <a:effectLst/>
+              <a:highlight>
+                <a:srgbClr val="FFFFFF"/>
+              </a:highlight>
+              <a:latin typeface="Consolas" panose="020B0609020204030204" pitchFamily="49" charset="0"/>
+            </a:endParaRPr>
+          </a:p>
+          <a:p>
+            <a:r>
+              <a:rPr lang="ja-JP" altLang="en-US" sz="1400" dirty="0"/>
+              <a:t>三つのパッケージを導入することで簡単な</a:t>
+            </a:r>
+            <a:r>
+              <a:rPr lang="zh-CN" altLang="en-US" sz="1400" dirty="0"/>
+              <a:t> </a:t>
+            </a:r>
+            <a:r>
+              <a:rPr lang="en-US" altLang="zh-CN" sz="1400" dirty="0"/>
+              <a:t>echo </a:t>
+            </a:r>
+            <a:r>
+              <a:rPr lang="en-US" altLang="zh-CN" sz="1400" dirty="0" err="1"/>
+              <a:t>websocket</a:t>
+            </a:r>
+            <a:r>
+              <a:rPr lang="en-US" altLang="zh-CN" sz="1400" dirty="0"/>
+              <a:t> server</a:t>
+            </a:r>
+            <a:r>
+              <a:rPr lang="ja-JP" altLang="en-US" sz="1400" dirty="0"/>
+              <a:t>を作ることができる</a:t>
+            </a:r>
+            <a:endParaRPr lang="en-US" altLang="ja-JP" sz="1400" dirty="0"/>
+          </a:p>
+          <a:p>
+            <a:endParaRPr lang="en-US" altLang="zh-CN" sz="1400" dirty="0"/>
+          </a:p>
+          <a:p>
+            <a:r>
+              <a:rPr lang="en-US" altLang="zh-CN" sz="1400" dirty="0"/>
+              <a:t>echo </a:t>
+            </a:r>
+            <a:r>
+              <a:rPr lang="en-US" altLang="zh-CN" sz="1400" dirty="0" err="1"/>
+              <a:t>websocket</a:t>
+            </a:r>
+            <a:r>
+              <a:rPr lang="en-US" altLang="zh-CN" sz="1400" dirty="0"/>
+              <a:t> server</a:t>
+            </a:r>
+            <a:r>
+              <a:rPr lang="ja-JP" altLang="en-US" sz="1400" dirty="0"/>
+              <a:t>：ユーザー側から送るメッセージをそのままユーザーに返すサーバー。</a:t>
+            </a:r>
+            <a:endParaRPr lang="en-US" altLang="ja-JP" sz="1400" dirty="0"/>
+          </a:p>
+          <a:p>
+            <a:endParaRPr lang="en-US" altLang="ja-JP" sz="1400" dirty="0"/>
+          </a:p>
+          <a:p>
+            <a:r>
+              <a:rPr lang="ja-JP" altLang="en-US" sz="1400" dirty="0"/>
+              <a:t>教科書で提供する</a:t>
+            </a:r>
+            <a:r>
+              <a:rPr lang="en-US" altLang="zh-CN" sz="1400" dirty="0"/>
+              <a:t>echo </a:t>
+            </a:r>
+            <a:r>
+              <a:rPr lang="en-US" altLang="zh-CN" sz="1400" dirty="0" err="1"/>
+              <a:t>websocket</a:t>
+            </a:r>
+            <a:r>
+              <a:rPr lang="en-US" altLang="zh-CN" sz="1400" dirty="0"/>
+              <a:t> server </a:t>
+            </a:r>
+            <a:r>
+              <a:rPr lang="ja-JP" altLang="en-US" sz="1400" dirty="0"/>
+              <a:t>：</a:t>
+            </a:r>
+            <a:r>
+              <a:rPr lang="en-US" altLang="zh-CN" sz="1400" b="0" i="0" dirty="0">
+                <a:solidFill>
+                  <a:srgbClr val="483D8B"/>
+                </a:solidFill>
+                <a:effectLst/>
+                <a:latin typeface="RobotoMono-Regular"/>
+              </a:rPr>
+              <a:t>wss://echo.websocket.org</a:t>
+            </a:r>
+            <a:r>
+              <a:rPr lang="en-US" altLang="zh-CN" sz="1400" dirty="0"/>
+              <a:t> </a:t>
+            </a:r>
+            <a:r>
+              <a:rPr lang="ja-JP" altLang="en-US" sz="1400" dirty="0"/>
+              <a:t>（サービスが終了らしい）</a:t>
+            </a:r>
+            <a:endParaRPr lang="en-US" altLang="ja-JP" sz="1400" dirty="0"/>
+          </a:p>
+          <a:p>
+            <a:endParaRPr lang="en-US" altLang="zh-CN" sz="1400" dirty="0"/>
+          </a:p>
+          <a:p>
+            <a:r>
+              <a:rPr lang="ja-JP" altLang="en-US" sz="1400" dirty="0"/>
+              <a:t>自分のパソコンで簡単な</a:t>
+            </a:r>
+            <a:r>
+              <a:rPr lang="en-US" altLang="zh-CN" sz="1400" dirty="0"/>
+              <a:t>echo </a:t>
+            </a:r>
+            <a:r>
+              <a:rPr lang="en-US" altLang="zh-CN" sz="1400" dirty="0" err="1"/>
+              <a:t>websocket</a:t>
+            </a:r>
+            <a:r>
+              <a:rPr lang="en-US" altLang="zh-CN" sz="1400" dirty="0"/>
+              <a:t> server </a:t>
+            </a:r>
+            <a:r>
+              <a:rPr lang="ja-JP" altLang="en-US" sz="1400" dirty="0"/>
+              <a:t>を一つの</a:t>
+            </a:r>
+            <a:r>
+              <a:rPr lang="en-US" altLang="ja-JP" sz="1400" dirty="0"/>
+              <a:t>python</a:t>
+            </a:r>
+            <a:r>
+              <a:rPr lang="ja-JP" altLang="en-US" sz="1400" dirty="0"/>
+              <a:t>ファイルで作って</a:t>
+            </a:r>
+            <a:endParaRPr lang="en-US" altLang="ja-JP" sz="1400" dirty="0"/>
+          </a:p>
+          <a:p>
+            <a:r>
+              <a:rPr lang="ja-JP" altLang="en-US" sz="1400" dirty="0"/>
+              <a:t>もう一つの</a:t>
+            </a:r>
+            <a:r>
+              <a:rPr lang="en-US" altLang="ja-JP" sz="1400" dirty="0"/>
+              <a:t>python</a:t>
+            </a:r>
+            <a:r>
+              <a:rPr lang="ja-JP" altLang="en-US" sz="1400" dirty="0"/>
+              <a:t>ファイルでユーザー側のプログラムを書いてサーバーにアクセスしてメッセージを送る</a:t>
+            </a:r>
+            <a:endParaRPr lang="en-US" altLang="ja-JP" sz="1400" dirty="0"/>
+          </a:p>
+          <a:p>
+            <a:r>
+              <a:rPr lang="ja-JP" altLang="en-US" sz="1400" dirty="0"/>
+              <a:t>サーバーにメッセージを届いた後そのままメッセージをユーザー側に返す</a:t>
+            </a:r>
+            <a:endParaRPr lang="zh-CN" altLang="en-US" sz="1400" dirty="0"/>
+          </a:p>
+        </p:txBody>
+      </p:sp>
+      <p:sp>
+        <p:nvSpPr>
+          <p:cNvPr id="6" name="文本框 5">
+            <a:extLst>
+              <a:ext uri="{FF2B5EF4-FFF2-40B4-BE49-F238E27FC236}">
+                <a16:creationId xmlns:a16="http://schemas.microsoft.com/office/drawing/2014/main" id="{224EF1CA-A60E-FA88-782E-80EF07242DFB}"/>
+              </a:ext>
+            </a:extLst>
+          </p:cNvPr>
+          <p:cNvSpPr txBox="1"/>
+          <p:nvPr/>
+        </p:nvSpPr>
+        <p:spPr>
+          <a:xfrm>
+            <a:off x="874737" y="2898375"/>
+            <a:ext cx="8735793" cy="3754874"/>
+          </a:xfrm>
+          <a:prstGeom prst="rect">
+            <a:avLst/>
+          </a:prstGeom>
+          <a:noFill/>
+          <a:ln>
+            <a:solidFill>
+              <a:schemeClr val="tx1"/>
+            </a:solidFill>
+          </a:ln>
+        </p:spPr>
+        <p:txBody>
+          <a:bodyPr wrap="square" rtlCol="0">
+            <a:spAutoFit/>
+          </a:bodyPr>
+          <a:lstStyle/>
+          <a:p>
+            <a:r>
+              <a:rPr lang="en-US" altLang="zh-CN" sz="1400" b="0" dirty="0">
+                <a:solidFill>
+                  <a:srgbClr val="008000"/>
+                </a:solidFill>
+                <a:effectLst/>
+                <a:highlight>
+                  <a:srgbClr val="FFFFFF"/>
+                </a:highlight>
+                <a:latin typeface="Consolas" panose="020B0609020204030204" pitchFamily="49" charset="0"/>
+              </a:rPr>
+              <a:t>#</a:t>
+            </a:r>
+            <a:r>
+              <a:rPr lang="ja-JP" altLang="en-US" sz="1400" dirty="0">
+                <a:solidFill>
+                  <a:srgbClr val="008000"/>
+                </a:solidFill>
+                <a:highlight>
+                  <a:srgbClr val="FFFFFF"/>
+                </a:highlight>
+                <a:latin typeface="Consolas" panose="020B0609020204030204" pitchFamily="49" charset="0"/>
+              </a:rPr>
+              <a:t> サーバー側</a:t>
+            </a:r>
+            <a:endParaRPr lang="en-US" altLang="zh-CN" sz="1400" b="0" dirty="0">
+              <a:solidFill>
+                <a:srgbClr val="AF00DB"/>
+              </a:solidFill>
+              <a:effectLst/>
+              <a:highlight>
+                <a:srgbClr val="FFFFFF"/>
+              </a:highlight>
+              <a:latin typeface="Consolas" panose="020B0609020204030204" pitchFamily="49" charset="0"/>
+            </a:endParaRPr>
+          </a:p>
+          <a:p>
+            <a:r>
+              <a:rPr lang="en-US" altLang="zh-CN" sz="1400" b="0" dirty="0">
+                <a:solidFill>
+                  <a:srgbClr val="AF00DB"/>
+                </a:solidFill>
+                <a:effectLst/>
+                <a:highlight>
+                  <a:srgbClr val="FFFFFF"/>
+                </a:highlight>
+                <a:latin typeface="Consolas" panose="020B0609020204030204" pitchFamily="49" charset="0"/>
+              </a:rPr>
+              <a:t>import</a:t>
+            </a:r>
+            <a:r>
+              <a:rPr lang="en-US" altLang="zh-CN" sz="1400" b="0" dirty="0">
+                <a:solidFill>
+                  <a:srgbClr val="3B3B3B"/>
+                </a:solidFill>
+                <a:effectLst/>
+                <a:highlight>
+                  <a:srgbClr val="FFFFFF"/>
+                </a:highlight>
+                <a:latin typeface="Consolas" panose="020B0609020204030204" pitchFamily="49" charset="0"/>
+              </a:rPr>
+              <a:t> </a:t>
+            </a:r>
+            <a:r>
+              <a:rPr lang="en-US" altLang="zh-CN" sz="1400" b="0" dirty="0" err="1">
+                <a:solidFill>
+                  <a:srgbClr val="267F99"/>
+                </a:solidFill>
+                <a:effectLst/>
+                <a:highlight>
+                  <a:srgbClr val="FFFFFF"/>
+                </a:highlight>
+                <a:latin typeface="Consolas" panose="020B0609020204030204" pitchFamily="49" charset="0"/>
+              </a:rPr>
+              <a:t>asyncio</a:t>
+            </a:r>
+            <a:endParaRPr lang="en-US" altLang="zh-CN" sz="1400" b="0" dirty="0">
+              <a:solidFill>
+                <a:srgbClr val="3B3B3B"/>
+              </a:solidFill>
+              <a:effectLst/>
+              <a:highlight>
+                <a:srgbClr val="FFFFFF"/>
+              </a:highlight>
+              <a:latin typeface="Consolas" panose="020B0609020204030204" pitchFamily="49" charset="0"/>
+            </a:endParaRPr>
+          </a:p>
+          <a:p>
+            <a:r>
+              <a:rPr lang="en-US" altLang="zh-CN" sz="1400" b="0" dirty="0">
+                <a:solidFill>
+                  <a:srgbClr val="AF00DB"/>
+                </a:solidFill>
+                <a:effectLst/>
+                <a:highlight>
+                  <a:srgbClr val="FFFFFF"/>
+                </a:highlight>
+                <a:latin typeface="Consolas" panose="020B0609020204030204" pitchFamily="49" charset="0"/>
+              </a:rPr>
+              <a:t>import</a:t>
+            </a:r>
+            <a:r>
+              <a:rPr lang="en-US" altLang="zh-CN" sz="1400" b="0" dirty="0">
+                <a:solidFill>
+                  <a:srgbClr val="3B3B3B"/>
+                </a:solidFill>
+                <a:effectLst/>
+                <a:highlight>
+                  <a:srgbClr val="FFFFFF"/>
+                </a:highlight>
+                <a:latin typeface="Consolas" panose="020B0609020204030204" pitchFamily="49" charset="0"/>
+              </a:rPr>
+              <a:t> </a:t>
+            </a:r>
+            <a:r>
+              <a:rPr lang="en-US" altLang="zh-CN" sz="1400" b="0" dirty="0" err="1">
+                <a:solidFill>
+                  <a:srgbClr val="267F99"/>
+                </a:solidFill>
+                <a:effectLst/>
+                <a:highlight>
+                  <a:srgbClr val="FFFFFF"/>
+                </a:highlight>
+                <a:latin typeface="Consolas" panose="020B0609020204030204" pitchFamily="49" charset="0"/>
+              </a:rPr>
+              <a:t>websockets</a:t>
+            </a:r>
+            <a:endParaRPr lang="en-US" altLang="zh-CN" sz="1400" b="0" dirty="0">
+              <a:solidFill>
+                <a:srgbClr val="3B3B3B"/>
+              </a:solidFill>
+              <a:effectLst/>
+              <a:highlight>
+                <a:srgbClr val="FFFFFF"/>
+              </a:highlight>
+              <a:latin typeface="Consolas" panose="020B0609020204030204" pitchFamily="49" charset="0"/>
+            </a:endParaRPr>
+          </a:p>
+          <a:p>
+            <a:endParaRPr lang="en-US" altLang="zh-CN" sz="1400" b="0" dirty="0">
+              <a:solidFill>
+                <a:srgbClr val="3B3B3B"/>
+              </a:solidFill>
+              <a:effectLst/>
+              <a:highlight>
+                <a:srgbClr val="FFFFFF"/>
+              </a:highlight>
+              <a:latin typeface="Consolas" panose="020B0609020204030204" pitchFamily="49" charset="0"/>
+            </a:endParaRPr>
+          </a:p>
+          <a:p>
+            <a:r>
+              <a:rPr lang="en-US" altLang="zh-CN" sz="1400" b="0" dirty="0">
+                <a:solidFill>
+                  <a:srgbClr val="008000"/>
+                </a:solidFill>
+                <a:effectLst/>
+                <a:highlight>
+                  <a:srgbClr val="FFFFFF"/>
+                </a:highlight>
+                <a:latin typeface="Consolas" panose="020B0609020204030204" pitchFamily="49" charset="0"/>
+              </a:rPr>
+              <a:t>#</a:t>
+            </a:r>
+            <a:r>
+              <a:rPr lang="ja-JP" altLang="en-US" sz="1400" dirty="0">
+                <a:solidFill>
+                  <a:srgbClr val="008000"/>
+                </a:solidFill>
+                <a:highlight>
+                  <a:srgbClr val="FFFFFF"/>
+                </a:highlight>
+                <a:latin typeface="Consolas" panose="020B0609020204030204" pitchFamily="49" charset="0"/>
+              </a:rPr>
+              <a:t> </a:t>
+            </a:r>
+            <a:r>
+              <a:rPr lang="en-US" altLang="ja-JP" sz="1400" dirty="0">
+                <a:solidFill>
+                  <a:srgbClr val="008000"/>
+                </a:solidFill>
+                <a:highlight>
+                  <a:srgbClr val="FFFFFF"/>
+                </a:highlight>
+                <a:latin typeface="Consolas" panose="020B0609020204030204" pitchFamily="49" charset="0"/>
+              </a:rPr>
+              <a:t>echo coroutine</a:t>
+            </a:r>
+            <a:br>
+              <a:rPr lang="en-US" altLang="zh-CN" sz="1400" b="0" dirty="0">
+                <a:solidFill>
+                  <a:srgbClr val="3B3B3B"/>
+                </a:solidFill>
+                <a:effectLst/>
+                <a:highlight>
+                  <a:srgbClr val="FFFFFF"/>
+                </a:highlight>
+                <a:latin typeface="Consolas" panose="020B0609020204030204" pitchFamily="49" charset="0"/>
+              </a:rPr>
+            </a:br>
+            <a:r>
+              <a:rPr lang="en-US" altLang="zh-CN" sz="1400" b="0" dirty="0">
+                <a:solidFill>
+                  <a:srgbClr val="0000FF"/>
+                </a:solidFill>
+                <a:effectLst/>
+                <a:highlight>
+                  <a:srgbClr val="FFFFFF"/>
+                </a:highlight>
+                <a:latin typeface="Consolas" panose="020B0609020204030204" pitchFamily="49" charset="0"/>
+              </a:rPr>
+              <a:t>async</a:t>
+            </a:r>
+            <a:r>
+              <a:rPr lang="en-US" altLang="zh-CN" sz="1400" b="0" dirty="0">
+                <a:solidFill>
+                  <a:srgbClr val="3B3B3B"/>
+                </a:solidFill>
+                <a:effectLst/>
+                <a:highlight>
+                  <a:srgbClr val="FFFFFF"/>
+                </a:highlight>
+                <a:latin typeface="Consolas" panose="020B0609020204030204" pitchFamily="49" charset="0"/>
+              </a:rPr>
+              <a:t> </a:t>
+            </a:r>
+            <a:r>
+              <a:rPr lang="en-US" altLang="zh-CN" sz="1400" b="0" dirty="0">
+                <a:solidFill>
+                  <a:srgbClr val="0000FF"/>
+                </a:solidFill>
+                <a:effectLst/>
+                <a:highlight>
+                  <a:srgbClr val="FFFFFF"/>
+                </a:highlight>
+                <a:latin typeface="Consolas" panose="020B0609020204030204" pitchFamily="49" charset="0"/>
+              </a:rPr>
+              <a:t>def</a:t>
+            </a:r>
+            <a:r>
+              <a:rPr lang="en-US" altLang="zh-CN" sz="1400" b="0" dirty="0">
+                <a:solidFill>
+                  <a:srgbClr val="3B3B3B"/>
+                </a:solidFill>
+                <a:effectLst/>
+                <a:highlight>
+                  <a:srgbClr val="FFFFFF"/>
+                </a:highlight>
+                <a:latin typeface="Consolas" panose="020B0609020204030204" pitchFamily="49" charset="0"/>
+              </a:rPr>
+              <a:t> </a:t>
+            </a:r>
+            <a:r>
+              <a:rPr lang="en-US" altLang="zh-CN" sz="1400" b="0" dirty="0">
+                <a:solidFill>
+                  <a:srgbClr val="795E26"/>
+                </a:solidFill>
+                <a:effectLst/>
+                <a:highlight>
+                  <a:srgbClr val="FFFFFF"/>
+                </a:highlight>
+                <a:latin typeface="Consolas" panose="020B0609020204030204" pitchFamily="49" charset="0"/>
+              </a:rPr>
+              <a:t>echo</a:t>
+            </a:r>
+            <a:r>
+              <a:rPr lang="en-US" altLang="zh-CN" sz="1400" b="0" dirty="0">
+                <a:solidFill>
+                  <a:srgbClr val="3B3B3B"/>
+                </a:solidFill>
+                <a:effectLst/>
+                <a:highlight>
+                  <a:srgbClr val="FFFFFF"/>
+                </a:highlight>
+                <a:latin typeface="Consolas" panose="020B0609020204030204" pitchFamily="49" charset="0"/>
+              </a:rPr>
+              <a:t>(</a:t>
+            </a:r>
+            <a:r>
+              <a:rPr lang="en-US" altLang="zh-CN" sz="1400" b="0" dirty="0" err="1">
+                <a:solidFill>
+                  <a:srgbClr val="001080"/>
+                </a:solidFill>
+                <a:effectLst/>
+                <a:highlight>
+                  <a:srgbClr val="FFFFFF"/>
+                </a:highlight>
+                <a:latin typeface="Consolas" panose="020B0609020204030204" pitchFamily="49" charset="0"/>
+              </a:rPr>
+              <a:t>websocket</a:t>
+            </a:r>
+            <a:r>
+              <a:rPr lang="en-US" altLang="zh-CN" sz="1400" b="0" dirty="0">
+                <a:solidFill>
+                  <a:srgbClr val="3B3B3B"/>
+                </a:solidFill>
+                <a:effectLst/>
+                <a:highlight>
+                  <a:srgbClr val="FFFFFF"/>
+                </a:highlight>
+                <a:latin typeface="Consolas" panose="020B0609020204030204" pitchFamily="49" charset="0"/>
+              </a:rPr>
+              <a:t>):</a:t>
+            </a:r>
+          </a:p>
+          <a:p>
+            <a:r>
+              <a:rPr lang="en-US" altLang="zh-CN" sz="1400" b="0" dirty="0">
+                <a:solidFill>
+                  <a:srgbClr val="3B3B3B"/>
+                </a:solidFill>
+                <a:effectLst/>
+                <a:highlight>
+                  <a:srgbClr val="FFFFFF"/>
+                </a:highlight>
+                <a:latin typeface="Consolas" panose="020B0609020204030204" pitchFamily="49" charset="0"/>
+              </a:rPr>
+              <a:t>    </a:t>
+            </a:r>
+            <a:r>
+              <a:rPr lang="en-US" altLang="zh-CN" sz="1400" b="0" dirty="0">
+                <a:solidFill>
+                  <a:srgbClr val="AF00DB"/>
+                </a:solidFill>
+                <a:effectLst/>
+                <a:highlight>
+                  <a:srgbClr val="FFFFFF"/>
+                </a:highlight>
+                <a:latin typeface="Consolas" panose="020B0609020204030204" pitchFamily="49" charset="0"/>
+              </a:rPr>
+              <a:t>async</a:t>
+            </a:r>
+            <a:r>
+              <a:rPr lang="en-US" altLang="zh-CN" sz="1400" b="0" dirty="0">
+                <a:solidFill>
+                  <a:srgbClr val="3B3B3B"/>
+                </a:solidFill>
+                <a:effectLst/>
+                <a:highlight>
+                  <a:srgbClr val="FFFFFF"/>
+                </a:highlight>
+                <a:latin typeface="Consolas" panose="020B0609020204030204" pitchFamily="49" charset="0"/>
+              </a:rPr>
+              <a:t> </a:t>
+            </a:r>
+            <a:r>
+              <a:rPr lang="en-US" altLang="zh-CN" sz="1400" b="0" dirty="0">
+                <a:solidFill>
+                  <a:srgbClr val="AF00DB"/>
+                </a:solidFill>
+                <a:effectLst/>
+                <a:highlight>
+                  <a:srgbClr val="FFFFFF"/>
+                </a:highlight>
+                <a:latin typeface="Consolas" panose="020B0609020204030204" pitchFamily="49" charset="0"/>
+              </a:rPr>
+              <a:t>for</a:t>
+            </a:r>
+            <a:r>
+              <a:rPr lang="en-US" altLang="zh-CN" sz="1400" b="0" dirty="0">
+                <a:solidFill>
+                  <a:srgbClr val="3B3B3B"/>
+                </a:solidFill>
+                <a:effectLst/>
+                <a:highlight>
+                  <a:srgbClr val="FFFFFF"/>
+                </a:highlight>
+                <a:latin typeface="Consolas" panose="020B0609020204030204" pitchFamily="49" charset="0"/>
+              </a:rPr>
+              <a:t> </a:t>
+            </a:r>
+            <a:r>
+              <a:rPr lang="en-US" altLang="zh-CN" sz="1400" b="0" dirty="0">
+                <a:solidFill>
+                  <a:srgbClr val="001080"/>
+                </a:solidFill>
+                <a:effectLst/>
+                <a:highlight>
+                  <a:srgbClr val="FFFFFF"/>
+                </a:highlight>
+                <a:latin typeface="Consolas" panose="020B0609020204030204" pitchFamily="49" charset="0"/>
+              </a:rPr>
+              <a:t>message</a:t>
+            </a:r>
+            <a:r>
+              <a:rPr lang="en-US" altLang="zh-CN" sz="1400" b="0" dirty="0">
+                <a:solidFill>
+                  <a:srgbClr val="3B3B3B"/>
+                </a:solidFill>
+                <a:effectLst/>
+                <a:highlight>
+                  <a:srgbClr val="FFFFFF"/>
+                </a:highlight>
+                <a:latin typeface="Consolas" panose="020B0609020204030204" pitchFamily="49" charset="0"/>
+              </a:rPr>
+              <a:t> </a:t>
+            </a:r>
+            <a:r>
+              <a:rPr lang="en-US" altLang="zh-CN" sz="1400" b="0" dirty="0">
+                <a:solidFill>
+                  <a:srgbClr val="AF00DB"/>
+                </a:solidFill>
+                <a:effectLst/>
+                <a:highlight>
+                  <a:srgbClr val="FFFFFF"/>
+                </a:highlight>
+                <a:latin typeface="Consolas" panose="020B0609020204030204" pitchFamily="49" charset="0"/>
+              </a:rPr>
+              <a:t>in</a:t>
+            </a:r>
+            <a:r>
+              <a:rPr lang="en-US" altLang="zh-CN" sz="1400" b="0" dirty="0">
+                <a:solidFill>
+                  <a:srgbClr val="3B3B3B"/>
+                </a:solidFill>
+                <a:effectLst/>
+                <a:highlight>
+                  <a:srgbClr val="FFFFFF"/>
+                </a:highlight>
+                <a:latin typeface="Consolas" panose="020B0609020204030204" pitchFamily="49" charset="0"/>
+              </a:rPr>
+              <a:t> </a:t>
+            </a:r>
+            <a:r>
+              <a:rPr lang="en-US" altLang="zh-CN" sz="1400" b="0" dirty="0" err="1">
+                <a:solidFill>
+                  <a:srgbClr val="001080"/>
+                </a:solidFill>
+                <a:effectLst/>
+                <a:highlight>
+                  <a:srgbClr val="FFFFFF"/>
+                </a:highlight>
+                <a:latin typeface="Consolas" panose="020B0609020204030204" pitchFamily="49" charset="0"/>
+              </a:rPr>
+              <a:t>websocket</a:t>
+            </a:r>
+            <a:r>
+              <a:rPr lang="en-US" altLang="zh-CN" sz="1400" b="0" dirty="0">
+                <a:solidFill>
+                  <a:srgbClr val="3B3B3B"/>
+                </a:solidFill>
+                <a:effectLst/>
+                <a:highlight>
+                  <a:srgbClr val="FFFFFF"/>
+                </a:highlight>
+                <a:latin typeface="Consolas" panose="020B0609020204030204" pitchFamily="49" charset="0"/>
+              </a:rPr>
+              <a:t>: </a:t>
+            </a:r>
+            <a:r>
+              <a:rPr lang="en-US" altLang="zh-CN" sz="1400" b="0" dirty="0">
+                <a:solidFill>
+                  <a:srgbClr val="008000"/>
+                </a:solidFill>
+                <a:effectLst/>
+                <a:highlight>
+                  <a:srgbClr val="FFFFFF"/>
+                </a:highlight>
+                <a:latin typeface="Consolas" panose="020B0609020204030204" pitchFamily="49" charset="0"/>
+              </a:rPr>
+              <a:t># </a:t>
+            </a:r>
+            <a:r>
+              <a:rPr lang="ja-JP" altLang="en-US" sz="1400" b="0" dirty="0">
+                <a:solidFill>
+                  <a:srgbClr val="008000"/>
+                </a:solidFill>
+                <a:effectLst/>
+                <a:highlight>
+                  <a:srgbClr val="FFFFFF"/>
+                </a:highlight>
+                <a:latin typeface="Consolas" panose="020B0609020204030204" pitchFamily="49" charset="0"/>
+              </a:rPr>
+              <a:t>非同期に</a:t>
+            </a:r>
+            <a:r>
+              <a:rPr lang="en-US" altLang="ja-JP" sz="1400" b="0" dirty="0">
+                <a:solidFill>
+                  <a:srgbClr val="008000"/>
+                </a:solidFill>
+                <a:effectLst/>
+                <a:highlight>
+                  <a:srgbClr val="FFFFFF"/>
+                </a:highlight>
+                <a:latin typeface="Consolas" panose="020B0609020204030204" pitchFamily="49" charset="0"/>
+              </a:rPr>
+              <a:t>for</a:t>
+            </a:r>
+            <a:r>
+              <a:rPr lang="ja-JP" altLang="en-US" sz="1400" b="0" dirty="0">
+                <a:solidFill>
+                  <a:srgbClr val="008000"/>
+                </a:solidFill>
+                <a:effectLst/>
+                <a:highlight>
+                  <a:srgbClr val="FFFFFF"/>
+                </a:highlight>
+                <a:latin typeface="Consolas" panose="020B0609020204030204" pitchFamily="49" charset="0"/>
+              </a:rPr>
+              <a:t>分を回す</a:t>
+            </a:r>
+            <a:endParaRPr lang="en-US" altLang="zh-CN" sz="1400" b="0" dirty="0">
+              <a:solidFill>
+                <a:srgbClr val="3B3B3B"/>
+              </a:solidFill>
+              <a:effectLst/>
+              <a:highlight>
+                <a:srgbClr val="FFFFFF"/>
+              </a:highlight>
+              <a:latin typeface="Consolas" panose="020B0609020204030204" pitchFamily="49" charset="0"/>
+            </a:endParaRPr>
+          </a:p>
+          <a:p>
+            <a:r>
+              <a:rPr lang="en-US" altLang="zh-CN" sz="1400" b="0" dirty="0">
+                <a:solidFill>
+                  <a:srgbClr val="3B3B3B"/>
+                </a:solidFill>
+                <a:effectLst/>
+                <a:highlight>
+                  <a:srgbClr val="FFFFFF"/>
+                </a:highlight>
+                <a:latin typeface="Consolas" panose="020B0609020204030204" pitchFamily="49" charset="0"/>
+              </a:rPr>
+              <a:t>        </a:t>
+            </a:r>
+            <a:r>
+              <a:rPr lang="en-US" altLang="zh-CN" sz="1400" b="0" dirty="0">
+                <a:solidFill>
+                  <a:srgbClr val="795E26"/>
+                </a:solidFill>
+                <a:effectLst/>
+                <a:highlight>
+                  <a:srgbClr val="FFFFFF"/>
+                </a:highlight>
+                <a:latin typeface="Consolas" panose="020B0609020204030204" pitchFamily="49" charset="0"/>
+              </a:rPr>
+              <a:t>print</a:t>
+            </a:r>
+            <a:r>
+              <a:rPr lang="en-US" altLang="zh-CN" sz="1400" b="0" dirty="0">
+                <a:solidFill>
+                  <a:srgbClr val="3B3B3B"/>
+                </a:solidFill>
+                <a:effectLst/>
+                <a:highlight>
+                  <a:srgbClr val="FFFFFF"/>
+                </a:highlight>
+                <a:latin typeface="Consolas" panose="020B0609020204030204" pitchFamily="49" charset="0"/>
+              </a:rPr>
+              <a:t>(</a:t>
+            </a:r>
+            <a:r>
+              <a:rPr lang="en-US" altLang="zh-CN" sz="1400" b="0" dirty="0" err="1">
+                <a:solidFill>
+                  <a:srgbClr val="0000FF"/>
+                </a:solidFill>
+                <a:effectLst/>
+                <a:highlight>
+                  <a:srgbClr val="FFFFFF"/>
+                </a:highlight>
+                <a:latin typeface="Consolas" panose="020B0609020204030204" pitchFamily="49" charset="0"/>
+              </a:rPr>
+              <a:t>f</a:t>
+            </a:r>
+            <a:r>
+              <a:rPr lang="en-US" altLang="zh-CN" sz="1400" b="0" dirty="0" err="1">
+                <a:solidFill>
+                  <a:srgbClr val="A31515"/>
+                </a:solidFill>
+                <a:effectLst/>
+                <a:highlight>
+                  <a:srgbClr val="FFFFFF"/>
+                </a:highlight>
+                <a:latin typeface="Consolas" panose="020B0609020204030204" pitchFamily="49" charset="0"/>
+              </a:rPr>
+              <a:t>“Received</a:t>
+            </a:r>
+            <a:r>
+              <a:rPr lang="en-US" altLang="zh-CN" sz="1400" b="0" dirty="0">
+                <a:solidFill>
+                  <a:srgbClr val="A31515"/>
+                </a:solidFill>
+                <a:effectLst/>
+                <a:highlight>
+                  <a:srgbClr val="FFFFFF"/>
+                </a:highlight>
+                <a:latin typeface="Consolas" panose="020B0609020204030204" pitchFamily="49" charset="0"/>
+              </a:rPr>
+              <a:t> message: </a:t>
+            </a:r>
+            <a:r>
+              <a:rPr lang="en-US" altLang="zh-CN" sz="1400" b="0" dirty="0">
+                <a:solidFill>
+                  <a:srgbClr val="0000FF"/>
+                </a:solidFill>
+                <a:effectLst/>
+                <a:highlight>
+                  <a:srgbClr val="FFFFFF"/>
+                </a:highlight>
+                <a:latin typeface="Consolas" panose="020B0609020204030204" pitchFamily="49" charset="0"/>
+              </a:rPr>
+              <a:t>{</a:t>
+            </a:r>
+            <a:r>
+              <a:rPr lang="en-US" altLang="zh-CN" sz="1400" b="0" dirty="0">
+                <a:solidFill>
+                  <a:srgbClr val="001080"/>
+                </a:solidFill>
+                <a:effectLst/>
+                <a:highlight>
+                  <a:srgbClr val="FFFFFF"/>
+                </a:highlight>
+                <a:latin typeface="Consolas" panose="020B0609020204030204" pitchFamily="49" charset="0"/>
+              </a:rPr>
+              <a:t>message</a:t>
+            </a:r>
+            <a:r>
+              <a:rPr lang="en-US" altLang="zh-CN" sz="1400" b="0" dirty="0">
+                <a:solidFill>
+                  <a:srgbClr val="0000FF"/>
+                </a:solidFill>
+                <a:effectLst/>
+                <a:highlight>
+                  <a:srgbClr val="FFFFFF"/>
+                </a:highlight>
+                <a:latin typeface="Consolas" panose="020B0609020204030204" pitchFamily="49" charset="0"/>
+              </a:rPr>
+              <a:t>}</a:t>
+            </a:r>
+            <a:r>
+              <a:rPr lang="en-US" altLang="zh-CN" sz="1400" b="0" dirty="0">
+                <a:solidFill>
+                  <a:srgbClr val="A31515"/>
+                </a:solidFill>
+                <a:effectLst/>
+                <a:highlight>
+                  <a:srgbClr val="FFFFFF"/>
+                </a:highlight>
+                <a:latin typeface="Consolas" panose="020B0609020204030204" pitchFamily="49" charset="0"/>
+              </a:rPr>
+              <a:t>”</a:t>
+            </a:r>
+            <a:r>
+              <a:rPr lang="en-US" altLang="zh-CN" sz="1400" b="0" dirty="0">
+                <a:solidFill>
+                  <a:srgbClr val="3B3B3B"/>
+                </a:solidFill>
+                <a:effectLst/>
+                <a:highlight>
+                  <a:srgbClr val="FFFFFF"/>
+                </a:highlight>
+                <a:latin typeface="Consolas" panose="020B0609020204030204" pitchFamily="49" charset="0"/>
+              </a:rPr>
+              <a:t>)</a:t>
+            </a:r>
+            <a:r>
+              <a:rPr lang="ja-JP" altLang="en-US" sz="1400" b="0" dirty="0">
+                <a:solidFill>
+                  <a:srgbClr val="3B3B3B"/>
+                </a:solidFill>
+                <a:effectLst/>
+                <a:highlight>
+                  <a:srgbClr val="FFFFFF"/>
+                </a:highlight>
+                <a:latin typeface="Consolas" panose="020B0609020204030204" pitchFamily="49" charset="0"/>
+              </a:rPr>
+              <a:t>　</a:t>
+            </a:r>
+            <a:r>
+              <a:rPr lang="en-US" altLang="zh-CN" sz="1400" b="0" dirty="0">
+                <a:solidFill>
+                  <a:srgbClr val="008000"/>
+                </a:solidFill>
+                <a:effectLst/>
+                <a:highlight>
+                  <a:srgbClr val="FFFFFF"/>
+                </a:highlight>
+                <a:latin typeface="Consolas" panose="020B0609020204030204" pitchFamily="49" charset="0"/>
+              </a:rPr>
+              <a:t> #</a:t>
+            </a:r>
+            <a:r>
+              <a:rPr lang="zh-CN" altLang="en-US" sz="1400" dirty="0">
+                <a:solidFill>
+                  <a:srgbClr val="008000"/>
+                </a:solidFill>
+                <a:highlight>
+                  <a:srgbClr val="FFFFFF"/>
+                </a:highlight>
+                <a:latin typeface="Consolas" panose="020B0609020204030204" pitchFamily="49" charset="0"/>
+              </a:rPr>
+              <a:t> </a:t>
+            </a:r>
+            <a:r>
+              <a:rPr lang="ja-JP" altLang="en-US" sz="1400" dirty="0">
+                <a:solidFill>
+                  <a:srgbClr val="008000"/>
+                </a:solidFill>
+                <a:highlight>
+                  <a:srgbClr val="FFFFFF"/>
+                </a:highlight>
+                <a:latin typeface="Consolas" panose="020B0609020204030204" pitchFamily="49" charset="0"/>
+              </a:rPr>
+              <a:t>届いたメッセージを出力</a:t>
+            </a:r>
+            <a:endParaRPr lang="en-US" altLang="zh-CN" sz="1400" b="0" dirty="0">
+              <a:solidFill>
+                <a:srgbClr val="3B3B3B"/>
+              </a:solidFill>
+              <a:effectLst/>
+              <a:highlight>
+                <a:srgbClr val="FFFFFF"/>
+              </a:highlight>
+              <a:latin typeface="Consolas" panose="020B0609020204030204" pitchFamily="49" charset="0"/>
+            </a:endParaRPr>
+          </a:p>
+          <a:p>
+            <a:r>
+              <a:rPr lang="en-US" altLang="zh-CN" sz="1400" b="0" dirty="0">
+                <a:solidFill>
+                  <a:srgbClr val="3B3B3B"/>
+                </a:solidFill>
+                <a:effectLst/>
+                <a:highlight>
+                  <a:srgbClr val="FFFFFF"/>
+                </a:highlight>
+                <a:latin typeface="Consolas" panose="020B0609020204030204" pitchFamily="49" charset="0"/>
+              </a:rPr>
+              <a:t>        </a:t>
+            </a:r>
+            <a:r>
+              <a:rPr lang="en-US" altLang="zh-CN" sz="1400" b="0" dirty="0">
+                <a:solidFill>
+                  <a:srgbClr val="AF00DB"/>
+                </a:solidFill>
+                <a:effectLst/>
+                <a:highlight>
+                  <a:srgbClr val="FFFFFF"/>
+                </a:highlight>
+                <a:latin typeface="Consolas" panose="020B0609020204030204" pitchFamily="49" charset="0"/>
+              </a:rPr>
+              <a:t>await</a:t>
+            </a:r>
+            <a:r>
+              <a:rPr lang="en-US" altLang="zh-CN" sz="1400" b="0" dirty="0">
+                <a:solidFill>
+                  <a:srgbClr val="3B3B3B"/>
+                </a:solidFill>
+                <a:effectLst/>
+                <a:highlight>
+                  <a:srgbClr val="FFFFFF"/>
+                </a:highlight>
+                <a:latin typeface="Consolas" panose="020B0609020204030204" pitchFamily="49" charset="0"/>
+              </a:rPr>
+              <a:t> </a:t>
+            </a:r>
+            <a:r>
+              <a:rPr lang="en-US" altLang="zh-CN" sz="1400" b="0" dirty="0" err="1">
+                <a:solidFill>
+                  <a:srgbClr val="001080"/>
+                </a:solidFill>
+                <a:effectLst/>
+                <a:highlight>
+                  <a:srgbClr val="FFFFFF"/>
+                </a:highlight>
+                <a:latin typeface="Consolas" panose="020B0609020204030204" pitchFamily="49" charset="0"/>
+              </a:rPr>
+              <a:t>websocket</a:t>
+            </a:r>
+            <a:r>
+              <a:rPr lang="en-US" altLang="zh-CN" sz="1400" b="0" dirty="0" err="1">
+                <a:solidFill>
+                  <a:srgbClr val="3B3B3B"/>
+                </a:solidFill>
+                <a:effectLst/>
+                <a:highlight>
+                  <a:srgbClr val="FFFFFF"/>
+                </a:highlight>
+                <a:latin typeface="Consolas" panose="020B0609020204030204" pitchFamily="49" charset="0"/>
+              </a:rPr>
+              <a:t>.send</a:t>
+            </a:r>
+            <a:r>
+              <a:rPr lang="en-US" altLang="zh-CN" sz="1400" b="0" dirty="0">
+                <a:solidFill>
+                  <a:srgbClr val="3B3B3B"/>
+                </a:solidFill>
+                <a:effectLst/>
+                <a:highlight>
+                  <a:srgbClr val="FFFFFF"/>
+                </a:highlight>
+                <a:latin typeface="Consolas" panose="020B0609020204030204" pitchFamily="49" charset="0"/>
+              </a:rPr>
+              <a:t>(</a:t>
+            </a:r>
+            <a:r>
+              <a:rPr lang="en-US" altLang="zh-CN" sz="1400" b="0" dirty="0">
+                <a:solidFill>
+                  <a:srgbClr val="001080"/>
+                </a:solidFill>
+                <a:effectLst/>
+                <a:highlight>
+                  <a:srgbClr val="FFFFFF"/>
+                </a:highlight>
+                <a:latin typeface="Consolas" panose="020B0609020204030204" pitchFamily="49" charset="0"/>
+              </a:rPr>
+              <a:t>message</a:t>
+            </a:r>
+            <a:r>
+              <a:rPr lang="en-US" altLang="zh-CN" sz="1400" b="0" dirty="0">
+                <a:solidFill>
+                  <a:srgbClr val="3B3B3B"/>
+                </a:solidFill>
+                <a:effectLst/>
+                <a:highlight>
+                  <a:srgbClr val="FFFFFF"/>
+                </a:highlight>
+                <a:latin typeface="Consolas" panose="020B0609020204030204" pitchFamily="49" charset="0"/>
+              </a:rPr>
+              <a:t>)</a:t>
+            </a:r>
+            <a:r>
+              <a:rPr lang="ja-JP" altLang="en-US" sz="1400" b="0" dirty="0">
+                <a:solidFill>
+                  <a:srgbClr val="3B3B3B"/>
+                </a:solidFill>
+                <a:effectLst/>
+                <a:highlight>
+                  <a:srgbClr val="FFFFFF"/>
+                </a:highlight>
+                <a:latin typeface="Consolas" panose="020B0609020204030204" pitchFamily="49" charset="0"/>
+              </a:rPr>
+              <a:t>　　　　　　</a:t>
+            </a:r>
+            <a:r>
+              <a:rPr lang="en-US" altLang="zh-CN" sz="1400" b="0" dirty="0">
+                <a:solidFill>
+                  <a:srgbClr val="008000"/>
+                </a:solidFill>
+                <a:effectLst/>
+                <a:highlight>
+                  <a:srgbClr val="FFFFFF"/>
+                </a:highlight>
+                <a:latin typeface="Consolas" panose="020B0609020204030204" pitchFamily="49" charset="0"/>
+              </a:rPr>
+              <a:t>#</a:t>
+            </a:r>
+            <a:r>
+              <a:rPr lang="zh-CN" altLang="en-US" sz="1400" dirty="0">
+                <a:solidFill>
+                  <a:srgbClr val="008000"/>
+                </a:solidFill>
+                <a:highlight>
+                  <a:srgbClr val="FFFFFF"/>
+                </a:highlight>
+                <a:latin typeface="Consolas" panose="020B0609020204030204" pitchFamily="49" charset="0"/>
+              </a:rPr>
+              <a:t> </a:t>
+            </a:r>
+            <a:r>
+              <a:rPr lang="ja-JP" altLang="en-US" sz="1400" dirty="0">
+                <a:solidFill>
+                  <a:srgbClr val="008000"/>
+                </a:solidFill>
+                <a:highlight>
+                  <a:srgbClr val="FFFFFF"/>
+                </a:highlight>
+                <a:latin typeface="Consolas" panose="020B0609020204030204" pitchFamily="49" charset="0"/>
+              </a:rPr>
+              <a:t>届いたメッセージをそのままユーザーに返す</a:t>
+            </a:r>
+            <a:endParaRPr lang="en-US" altLang="zh-CN" sz="1400" b="0" dirty="0">
+              <a:solidFill>
+                <a:srgbClr val="3B3B3B"/>
+              </a:solidFill>
+              <a:effectLst/>
+              <a:highlight>
+                <a:srgbClr val="FFFFFF"/>
+              </a:highlight>
+              <a:latin typeface="Consolas" panose="020B0609020204030204" pitchFamily="49" charset="0"/>
+            </a:endParaRPr>
+          </a:p>
+          <a:p>
+            <a:endParaRPr lang="en-US" altLang="zh-CN" sz="1400" b="0" dirty="0">
+              <a:solidFill>
+                <a:srgbClr val="3B3B3B"/>
+              </a:solidFill>
+              <a:effectLst/>
+              <a:highlight>
+                <a:srgbClr val="FFFFFF"/>
+              </a:highlight>
+              <a:latin typeface="Consolas" panose="020B0609020204030204" pitchFamily="49" charset="0"/>
+            </a:endParaRPr>
+          </a:p>
+          <a:p>
+            <a:r>
+              <a:rPr lang="en-US" altLang="zh-CN" sz="1400" b="0" dirty="0">
+                <a:solidFill>
+                  <a:srgbClr val="008000"/>
+                </a:solidFill>
+                <a:effectLst/>
+                <a:highlight>
+                  <a:srgbClr val="FFFFFF"/>
+                </a:highlight>
+                <a:latin typeface="Consolas" panose="020B0609020204030204" pitchFamily="49" charset="0"/>
+              </a:rPr>
+              <a:t>#</a:t>
+            </a:r>
+            <a:r>
+              <a:rPr lang="ja-JP" altLang="en-US" sz="1400" dirty="0">
+                <a:solidFill>
+                  <a:srgbClr val="008000"/>
+                </a:solidFill>
+                <a:highlight>
+                  <a:srgbClr val="FFFFFF"/>
+                </a:highlight>
+                <a:latin typeface="Consolas" panose="020B0609020204030204" pitchFamily="49" charset="0"/>
+              </a:rPr>
+              <a:t> </a:t>
+            </a:r>
+            <a:r>
+              <a:rPr lang="en-US" altLang="ja-JP" sz="1400" dirty="0">
+                <a:solidFill>
+                  <a:srgbClr val="008000"/>
+                </a:solidFill>
+                <a:highlight>
+                  <a:srgbClr val="FFFFFF"/>
+                </a:highlight>
+                <a:latin typeface="Consolas" panose="020B0609020204030204" pitchFamily="49" charset="0"/>
+              </a:rPr>
+              <a:t>WebSocket </a:t>
+            </a:r>
+            <a:r>
+              <a:rPr lang="ja-JP" altLang="en-US" sz="1400" dirty="0">
+                <a:solidFill>
+                  <a:srgbClr val="008000"/>
+                </a:solidFill>
+                <a:highlight>
+                  <a:srgbClr val="FFFFFF"/>
+                </a:highlight>
+                <a:latin typeface="Consolas" panose="020B0609020204030204" pitchFamily="49" charset="0"/>
+              </a:rPr>
+              <a:t>サーバーを作成</a:t>
+            </a:r>
+            <a:endParaRPr lang="en-US" altLang="ja-JP" sz="1400" dirty="0">
+              <a:solidFill>
+                <a:srgbClr val="008000"/>
+              </a:solidFill>
+              <a:highlight>
+                <a:srgbClr val="FFFFFF"/>
+              </a:highlight>
+              <a:latin typeface="Consolas" panose="020B0609020204030204" pitchFamily="49" charset="0"/>
+            </a:endParaRPr>
+          </a:p>
+          <a:p>
+            <a:r>
+              <a:rPr lang="en-US" altLang="zh-CN" sz="1400" b="0" dirty="0">
+                <a:solidFill>
+                  <a:srgbClr val="008000"/>
+                </a:solidFill>
+                <a:effectLst/>
+                <a:highlight>
+                  <a:srgbClr val="FFFFFF"/>
+                </a:highlight>
+                <a:latin typeface="Consolas" panose="020B0609020204030204" pitchFamily="49" charset="0"/>
+              </a:rPr>
+              <a:t>#</a:t>
+            </a:r>
+            <a:r>
+              <a:rPr lang="ja-JP" altLang="en-US" sz="1400" dirty="0">
+                <a:solidFill>
+                  <a:srgbClr val="008000"/>
+                </a:solidFill>
+                <a:highlight>
+                  <a:srgbClr val="FFFFFF"/>
+                </a:highlight>
+                <a:latin typeface="Consolas" panose="020B0609020204030204" pitchFamily="49" charset="0"/>
+              </a:rPr>
+              <a:t> </a:t>
+            </a:r>
+            <a:r>
+              <a:rPr lang="en-US" altLang="ja-JP" sz="1400" b="0" dirty="0">
+                <a:solidFill>
+                  <a:srgbClr val="008000"/>
+                </a:solidFill>
+                <a:effectLst/>
+                <a:highlight>
+                  <a:srgbClr val="FFFFFF"/>
+                </a:highlight>
+                <a:latin typeface="Consolas" panose="020B0609020204030204" pitchFamily="49" charset="0"/>
+              </a:rPr>
+              <a:t>127.0.0.1</a:t>
+            </a:r>
+            <a:r>
+              <a:rPr lang="ja-JP" altLang="en-US" sz="1400" b="0" dirty="0">
+                <a:solidFill>
+                  <a:srgbClr val="008000"/>
+                </a:solidFill>
+                <a:effectLst/>
+                <a:highlight>
+                  <a:srgbClr val="FFFFFF"/>
+                </a:highlight>
+                <a:latin typeface="Consolas" panose="020B0609020204030204" pitchFamily="49" charset="0"/>
+              </a:rPr>
+              <a:t>（</a:t>
+            </a:r>
+            <a:r>
+              <a:rPr lang="en-US" altLang="ja-JP" sz="1400" b="0" dirty="0">
+                <a:solidFill>
+                  <a:srgbClr val="008000"/>
+                </a:solidFill>
+                <a:effectLst/>
+                <a:highlight>
+                  <a:srgbClr val="FFFFFF"/>
+                </a:highlight>
+                <a:latin typeface="Consolas" panose="020B0609020204030204" pitchFamily="49" charset="0"/>
+              </a:rPr>
+              <a:t>localhost</a:t>
+            </a:r>
+            <a:r>
+              <a:rPr lang="ja-JP" altLang="en-US" sz="1400" b="0" dirty="0">
+                <a:solidFill>
+                  <a:srgbClr val="008000"/>
+                </a:solidFill>
+                <a:effectLst/>
+                <a:highlight>
+                  <a:srgbClr val="FFFFFF"/>
+                </a:highlight>
+                <a:latin typeface="Consolas" panose="020B0609020204030204" pitchFamily="49" charset="0"/>
+              </a:rPr>
+              <a:t>）上の </a:t>
+            </a:r>
+            <a:r>
+              <a:rPr lang="en-US" altLang="ja-JP" sz="1400" b="0" dirty="0">
+                <a:solidFill>
+                  <a:srgbClr val="008000"/>
+                </a:solidFill>
+                <a:effectLst/>
+                <a:highlight>
+                  <a:srgbClr val="FFFFFF"/>
+                </a:highlight>
+                <a:latin typeface="Consolas" panose="020B0609020204030204" pitchFamily="49" charset="0"/>
+              </a:rPr>
+              <a:t>8888 </a:t>
+            </a:r>
+            <a:r>
+              <a:rPr lang="ja-JP" altLang="en-US" sz="1400" b="0" dirty="0">
+                <a:solidFill>
+                  <a:srgbClr val="008000"/>
+                </a:solidFill>
+                <a:effectLst/>
+                <a:highlight>
+                  <a:srgbClr val="FFFFFF"/>
+                </a:highlight>
+                <a:latin typeface="Consolas" panose="020B0609020204030204" pitchFamily="49" charset="0"/>
+              </a:rPr>
+              <a:t>ポートでリッスン</a:t>
+            </a:r>
+            <a:r>
+              <a:rPr lang="en-US" altLang="ja-JP" sz="1400" dirty="0">
+                <a:solidFill>
+                  <a:srgbClr val="008000"/>
+                </a:solidFill>
+                <a:highlight>
+                  <a:srgbClr val="FFFFFF"/>
+                </a:highlight>
+                <a:latin typeface="Consolas" panose="020B0609020204030204" pitchFamily="49" charset="0"/>
+              </a:rPr>
+              <a:t>(listen)</a:t>
+            </a:r>
+          </a:p>
+          <a:p>
+            <a:r>
+              <a:rPr lang="en-US" altLang="zh-CN" sz="1400" b="0" dirty="0">
+                <a:solidFill>
+                  <a:srgbClr val="008000"/>
+                </a:solidFill>
+                <a:effectLst/>
+                <a:highlight>
+                  <a:srgbClr val="FFFFFF"/>
+                </a:highlight>
+                <a:latin typeface="Consolas" panose="020B0609020204030204" pitchFamily="49" charset="0"/>
+              </a:rPr>
+              <a:t># </a:t>
+            </a:r>
+            <a:r>
+              <a:rPr lang="ja-JP" altLang="en-US" sz="1400" b="0" dirty="0">
+                <a:solidFill>
+                  <a:srgbClr val="008000"/>
+                </a:solidFill>
+                <a:effectLst/>
+                <a:highlight>
+                  <a:srgbClr val="FFFFFF"/>
+                </a:highlight>
+                <a:latin typeface="Consolas" panose="020B0609020204030204" pitchFamily="49" charset="0"/>
+              </a:rPr>
+              <a:t>新しい接続があるたびに </a:t>
+            </a:r>
+            <a:r>
+              <a:rPr lang="en-US" altLang="ja-JP" sz="1400" b="0" dirty="0">
+                <a:solidFill>
+                  <a:srgbClr val="008000"/>
+                </a:solidFill>
+                <a:effectLst/>
+                <a:highlight>
+                  <a:srgbClr val="FFFFFF"/>
+                </a:highlight>
+                <a:latin typeface="Consolas" panose="020B0609020204030204" pitchFamily="49" charset="0"/>
+              </a:rPr>
+              <a:t>echo </a:t>
+            </a:r>
+            <a:r>
+              <a:rPr lang="ja-JP" altLang="en-US" sz="1400" b="0" dirty="0">
+                <a:solidFill>
+                  <a:srgbClr val="008000"/>
+                </a:solidFill>
+                <a:effectLst/>
+                <a:highlight>
+                  <a:srgbClr val="FFFFFF"/>
+                </a:highlight>
+                <a:latin typeface="Consolas" panose="020B0609020204030204" pitchFamily="49" charset="0"/>
+              </a:rPr>
+              <a:t>関数を呼び出して接続を処理する </a:t>
+            </a:r>
+            <a:br>
+              <a:rPr lang="en-US" altLang="zh-CN" sz="1400" b="0" dirty="0">
+                <a:solidFill>
+                  <a:srgbClr val="3B3B3B"/>
+                </a:solidFill>
+                <a:effectLst/>
+                <a:highlight>
+                  <a:srgbClr val="FFFFFF"/>
+                </a:highlight>
+                <a:latin typeface="Consolas" panose="020B0609020204030204" pitchFamily="49" charset="0"/>
+              </a:rPr>
+            </a:br>
+            <a:r>
+              <a:rPr lang="en-US" altLang="zh-CN" sz="1400" b="0" dirty="0" err="1">
+                <a:solidFill>
+                  <a:srgbClr val="001080"/>
+                </a:solidFill>
+                <a:effectLst/>
+                <a:highlight>
+                  <a:srgbClr val="FFFFFF"/>
+                </a:highlight>
+                <a:latin typeface="Consolas" panose="020B0609020204030204" pitchFamily="49" charset="0"/>
+              </a:rPr>
+              <a:t>start_server</a:t>
+            </a:r>
+            <a:r>
+              <a:rPr lang="en-US" altLang="zh-CN" sz="1400" b="0" dirty="0">
+                <a:solidFill>
+                  <a:srgbClr val="3B3B3B"/>
+                </a:solidFill>
+                <a:effectLst/>
+                <a:highlight>
+                  <a:srgbClr val="FFFFFF"/>
+                </a:highlight>
+                <a:latin typeface="Consolas" panose="020B0609020204030204" pitchFamily="49" charset="0"/>
+              </a:rPr>
+              <a:t> </a:t>
+            </a:r>
+            <a:r>
+              <a:rPr lang="en-US" altLang="zh-CN" sz="1400" b="0" dirty="0">
+                <a:solidFill>
+                  <a:srgbClr val="000000"/>
+                </a:solidFill>
+                <a:effectLst/>
+                <a:highlight>
+                  <a:srgbClr val="FFFFFF"/>
+                </a:highlight>
+                <a:latin typeface="Consolas" panose="020B0609020204030204" pitchFamily="49" charset="0"/>
+              </a:rPr>
+              <a:t>=</a:t>
+            </a:r>
+            <a:r>
+              <a:rPr lang="en-US" altLang="zh-CN" sz="1400" b="0" dirty="0">
+                <a:solidFill>
+                  <a:srgbClr val="3B3B3B"/>
+                </a:solidFill>
+                <a:effectLst/>
+                <a:highlight>
+                  <a:srgbClr val="FFFFFF"/>
+                </a:highlight>
+                <a:latin typeface="Consolas" panose="020B0609020204030204" pitchFamily="49" charset="0"/>
+              </a:rPr>
+              <a:t> </a:t>
+            </a:r>
+            <a:r>
+              <a:rPr lang="en-US" altLang="zh-CN" sz="1400" b="0" dirty="0" err="1">
+                <a:solidFill>
+                  <a:srgbClr val="267F99"/>
+                </a:solidFill>
+                <a:effectLst/>
+                <a:highlight>
+                  <a:srgbClr val="FFFFFF"/>
+                </a:highlight>
+                <a:latin typeface="Consolas" panose="020B0609020204030204" pitchFamily="49" charset="0"/>
+              </a:rPr>
+              <a:t>websockets</a:t>
+            </a:r>
+            <a:r>
+              <a:rPr lang="en-US" altLang="zh-CN" sz="1400" b="0" dirty="0" err="1">
+                <a:solidFill>
+                  <a:srgbClr val="3B3B3B"/>
+                </a:solidFill>
+                <a:effectLst/>
+                <a:highlight>
+                  <a:srgbClr val="FFFFFF"/>
+                </a:highlight>
+                <a:latin typeface="Consolas" panose="020B0609020204030204" pitchFamily="49" charset="0"/>
+              </a:rPr>
+              <a:t>.</a:t>
+            </a:r>
+            <a:r>
+              <a:rPr lang="en-US" altLang="zh-CN" sz="1400" b="0" dirty="0" err="1">
+                <a:solidFill>
+                  <a:srgbClr val="001080"/>
+                </a:solidFill>
+                <a:effectLst/>
+                <a:highlight>
+                  <a:srgbClr val="FFFFFF"/>
+                </a:highlight>
+                <a:latin typeface="Consolas" panose="020B0609020204030204" pitchFamily="49" charset="0"/>
+              </a:rPr>
+              <a:t>serve</a:t>
+            </a:r>
+            <a:r>
+              <a:rPr lang="en-US" altLang="zh-CN" sz="1400" b="0" dirty="0">
+                <a:solidFill>
+                  <a:srgbClr val="3B3B3B"/>
+                </a:solidFill>
+                <a:effectLst/>
+                <a:highlight>
+                  <a:srgbClr val="FFFFFF"/>
+                </a:highlight>
+                <a:latin typeface="Consolas" panose="020B0609020204030204" pitchFamily="49" charset="0"/>
+              </a:rPr>
+              <a:t>(</a:t>
+            </a:r>
+            <a:r>
+              <a:rPr lang="en-US" altLang="zh-CN" sz="1400" b="0" dirty="0">
+                <a:solidFill>
+                  <a:srgbClr val="795E26"/>
+                </a:solidFill>
+                <a:effectLst/>
+                <a:highlight>
+                  <a:srgbClr val="FFFFFF"/>
+                </a:highlight>
+                <a:latin typeface="Consolas" panose="020B0609020204030204" pitchFamily="49" charset="0"/>
+              </a:rPr>
+              <a:t>echo</a:t>
+            </a:r>
+            <a:r>
+              <a:rPr lang="en-US" altLang="zh-CN" sz="1400" b="0" dirty="0">
+                <a:solidFill>
+                  <a:srgbClr val="3B3B3B"/>
+                </a:solidFill>
+                <a:effectLst/>
+                <a:highlight>
+                  <a:srgbClr val="FFFFFF"/>
+                </a:highlight>
+                <a:latin typeface="Consolas" panose="020B0609020204030204" pitchFamily="49" charset="0"/>
+              </a:rPr>
+              <a:t>, </a:t>
+            </a:r>
+            <a:r>
+              <a:rPr lang="en-US" altLang="zh-CN" sz="1400" b="0" dirty="0">
+                <a:solidFill>
+                  <a:srgbClr val="A31515"/>
+                </a:solidFill>
+                <a:effectLst/>
+                <a:highlight>
+                  <a:srgbClr val="FFFFFF"/>
+                </a:highlight>
+                <a:latin typeface="Consolas" panose="020B0609020204030204" pitchFamily="49" charset="0"/>
+              </a:rPr>
+              <a:t>“127.0.0.1”</a:t>
+            </a:r>
+            <a:r>
+              <a:rPr lang="en-US" altLang="zh-CN" sz="1400" b="0" dirty="0">
+                <a:solidFill>
+                  <a:srgbClr val="3B3B3B"/>
+                </a:solidFill>
+                <a:effectLst/>
+                <a:highlight>
+                  <a:srgbClr val="FFFFFF"/>
+                </a:highlight>
+                <a:latin typeface="Consolas" panose="020B0609020204030204" pitchFamily="49" charset="0"/>
+              </a:rPr>
+              <a:t>, </a:t>
+            </a:r>
+            <a:r>
+              <a:rPr lang="en-US" altLang="zh-CN" sz="1400" b="0" dirty="0">
+                <a:solidFill>
+                  <a:srgbClr val="098658"/>
+                </a:solidFill>
+                <a:effectLst/>
+                <a:highlight>
+                  <a:srgbClr val="FFFFFF"/>
+                </a:highlight>
+                <a:latin typeface="Consolas" panose="020B0609020204030204" pitchFamily="49" charset="0"/>
+              </a:rPr>
+              <a:t>8888</a:t>
+            </a:r>
+            <a:r>
+              <a:rPr lang="en-US" altLang="zh-CN" sz="1400" b="0" dirty="0">
+                <a:solidFill>
+                  <a:srgbClr val="3B3B3B"/>
+                </a:solidFill>
+                <a:effectLst/>
+                <a:highlight>
+                  <a:srgbClr val="FFFFFF"/>
+                </a:highlight>
+                <a:latin typeface="Consolas" panose="020B0609020204030204" pitchFamily="49" charset="0"/>
+              </a:rPr>
+              <a:t>)</a:t>
+            </a:r>
+          </a:p>
+          <a:p>
+            <a:br>
+              <a:rPr lang="en-US" altLang="zh-CN" sz="1400" b="0" dirty="0">
+                <a:solidFill>
+                  <a:srgbClr val="3B3B3B"/>
+                </a:solidFill>
+                <a:effectLst/>
+                <a:highlight>
+                  <a:srgbClr val="FFFFFF"/>
+                </a:highlight>
+                <a:latin typeface="Consolas" panose="020B0609020204030204" pitchFamily="49" charset="0"/>
+              </a:rPr>
+            </a:br>
+            <a:r>
+              <a:rPr lang="en-US" altLang="zh-CN" sz="1400" b="0" dirty="0" err="1">
+                <a:solidFill>
+                  <a:srgbClr val="267F99"/>
+                </a:solidFill>
+                <a:effectLst/>
+                <a:highlight>
+                  <a:srgbClr val="FFFFFF"/>
+                </a:highlight>
+                <a:latin typeface="Consolas" panose="020B0609020204030204" pitchFamily="49" charset="0"/>
+              </a:rPr>
+              <a:t>asyncio</a:t>
+            </a:r>
+            <a:r>
+              <a:rPr lang="en-US" altLang="zh-CN" sz="1400" b="0" dirty="0" err="1">
+                <a:solidFill>
+                  <a:srgbClr val="3B3B3B"/>
+                </a:solidFill>
+                <a:effectLst/>
+                <a:highlight>
+                  <a:srgbClr val="FFFFFF"/>
+                </a:highlight>
+                <a:latin typeface="Consolas" panose="020B0609020204030204" pitchFamily="49" charset="0"/>
+              </a:rPr>
+              <a:t>.</a:t>
+            </a:r>
+            <a:r>
+              <a:rPr lang="en-US" altLang="zh-CN" sz="1400" b="0" dirty="0" err="1">
+                <a:solidFill>
+                  <a:srgbClr val="795E26"/>
+                </a:solidFill>
+                <a:effectLst/>
+                <a:highlight>
+                  <a:srgbClr val="FFFFFF"/>
+                </a:highlight>
+                <a:latin typeface="Consolas" panose="020B0609020204030204" pitchFamily="49" charset="0"/>
+              </a:rPr>
+              <a:t>get_event_loop</a:t>
+            </a:r>
+            <a:r>
+              <a:rPr lang="en-US" altLang="zh-CN" sz="1400" b="0" dirty="0">
+                <a:solidFill>
+                  <a:srgbClr val="3B3B3B"/>
+                </a:solidFill>
+                <a:effectLst/>
+                <a:highlight>
+                  <a:srgbClr val="FFFFFF"/>
+                </a:highlight>
+                <a:latin typeface="Consolas" panose="020B0609020204030204" pitchFamily="49" charset="0"/>
+              </a:rPr>
+              <a:t>().</a:t>
+            </a:r>
+            <a:r>
+              <a:rPr lang="en-US" altLang="zh-CN" sz="1400" b="0" dirty="0" err="1">
+                <a:solidFill>
+                  <a:srgbClr val="795E26"/>
+                </a:solidFill>
+                <a:effectLst/>
+                <a:highlight>
+                  <a:srgbClr val="FFFFFF"/>
+                </a:highlight>
+                <a:latin typeface="Consolas" panose="020B0609020204030204" pitchFamily="49" charset="0"/>
+              </a:rPr>
+              <a:t>run_until_complete</a:t>
+            </a:r>
+            <a:r>
+              <a:rPr lang="en-US" altLang="zh-CN" sz="1400" b="0" dirty="0">
+                <a:solidFill>
+                  <a:srgbClr val="3B3B3B"/>
+                </a:solidFill>
+                <a:effectLst/>
+                <a:highlight>
+                  <a:srgbClr val="FFFFFF"/>
+                </a:highlight>
+                <a:latin typeface="Consolas" panose="020B0609020204030204" pitchFamily="49" charset="0"/>
+              </a:rPr>
+              <a:t>(</a:t>
+            </a:r>
+            <a:r>
+              <a:rPr lang="en-US" altLang="zh-CN" sz="1400" b="0" dirty="0" err="1">
+                <a:solidFill>
+                  <a:srgbClr val="001080"/>
+                </a:solidFill>
+                <a:effectLst/>
+                <a:highlight>
+                  <a:srgbClr val="FFFFFF"/>
+                </a:highlight>
+                <a:latin typeface="Consolas" panose="020B0609020204030204" pitchFamily="49" charset="0"/>
+              </a:rPr>
+              <a:t>start_server</a:t>
+            </a:r>
+            <a:r>
+              <a:rPr lang="en-US" altLang="zh-CN" sz="1400" b="0" dirty="0">
+                <a:solidFill>
+                  <a:srgbClr val="3B3B3B"/>
+                </a:solidFill>
+                <a:effectLst/>
+                <a:highlight>
+                  <a:srgbClr val="FFFFFF"/>
+                </a:highlight>
+                <a:latin typeface="Consolas" panose="020B0609020204030204" pitchFamily="49" charset="0"/>
+              </a:rPr>
+              <a:t>)</a:t>
+            </a:r>
+          </a:p>
+          <a:p>
+            <a:r>
+              <a:rPr lang="en-US" altLang="zh-CN" sz="1400" b="0" dirty="0" err="1">
+                <a:solidFill>
+                  <a:srgbClr val="267F99"/>
+                </a:solidFill>
+                <a:effectLst/>
+                <a:highlight>
+                  <a:srgbClr val="FFFFFF"/>
+                </a:highlight>
+                <a:latin typeface="Consolas" panose="020B0609020204030204" pitchFamily="49" charset="0"/>
+              </a:rPr>
+              <a:t>asyncio</a:t>
+            </a:r>
+            <a:r>
+              <a:rPr lang="en-US" altLang="zh-CN" sz="1400" b="0" dirty="0" err="1">
+                <a:solidFill>
+                  <a:srgbClr val="3B3B3B"/>
+                </a:solidFill>
+                <a:effectLst/>
+                <a:highlight>
+                  <a:srgbClr val="FFFFFF"/>
+                </a:highlight>
+                <a:latin typeface="Consolas" panose="020B0609020204030204" pitchFamily="49" charset="0"/>
+              </a:rPr>
+              <a:t>.</a:t>
+            </a:r>
+            <a:r>
+              <a:rPr lang="en-US" altLang="zh-CN" sz="1400" b="0" dirty="0" err="1">
+                <a:solidFill>
+                  <a:srgbClr val="795E26"/>
+                </a:solidFill>
+                <a:effectLst/>
+                <a:highlight>
+                  <a:srgbClr val="FFFFFF"/>
+                </a:highlight>
+                <a:latin typeface="Consolas" panose="020B0609020204030204" pitchFamily="49" charset="0"/>
+              </a:rPr>
+              <a:t>get_event_loop</a:t>
+            </a:r>
+            <a:r>
+              <a:rPr lang="en-US" altLang="zh-CN" sz="1400" b="0" dirty="0">
+                <a:solidFill>
+                  <a:srgbClr val="3B3B3B"/>
+                </a:solidFill>
+                <a:effectLst/>
+                <a:highlight>
+                  <a:srgbClr val="FFFFFF"/>
+                </a:highlight>
+                <a:latin typeface="Consolas" panose="020B0609020204030204" pitchFamily="49" charset="0"/>
+              </a:rPr>
+              <a:t>().</a:t>
+            </a:r>
+            <a:r>
+              <a:rPr lang="en-US" altLang="zh-CN" sz="1400" b="0" dirty="0" err="1">
+                <a:solidFill>
+                  <a:srgbClr val="795E26"/>
+                </a:solidFill>
+                <a:effectLst/>
+                <a:highlight>
+                  <a:srgbClr val="FFFFFF"/>
+                </a:highlight>
+                <a:latin typeface="Consolas" panose="020B0609020204030204" pitchFamily="49" charset="0"/>
+              </a:rPr>
+              <a:t>run_forever</a:t>
+            </a:r>
+            <a:r>
+              <a:rPr lang="en-US" altLang="zh-CN" sz="1400" b="0" dirty="0">
+                <a:solidFill>
+                  <a:srgbClr val="3B3B3B"/>
+                </a:solidFill>
+                <a:effectLst/>
+                <a:highlight>
+                  <a:srgbClr val="FFFFFF"/>
+                </a:highlight>
+                <a:latin typeface="Consolas" panose="020B0609020204030204" pitchFamily="49" charset="0"/>
+              </a:rPr>
+              <a:t>()</a:t>
+            </a:r>
+            <a:r>
+              <a:rPr lang="ja-JP" altLang="en-US" sz="1400" b="0" dirty="0">
+                <a:solidFill>
+                  <a:srgbClr val="3B3B3B"/>
+                </a:solidFill>
+                <a:effectLst/>
+                <a:highlight>
+                  <a:srgbClr val="FFFFFF"/>
+                </a:highlight>
+                <a:latin typeface="Consolas" panose="020B0609020204030204" pitchFamily="49" charset="0"/>
+              </a:rPr>
+              <a:t>　　</a:t>
+            </a:r>
+            <a:r>
+              <a:rPr lang="en-US" altLang="zh-CN" sz="1400" b="0" dirty="0">
+                <a:solidFill>
+                  <a:srgbClr val="008000"/>
+                </a:solidFill>
+                <a:effectLst/>
+                <a:highlight>
+                  <a:srgbClr val="FFFFFF"/>
+                </a:highlight>
+                <a:latin typeface="Consolas" panose="020B0609020204030204" pitchFamily="49" charset="0"/>
+              </a:rPr>
+              <a:t> # </a:t>
+            </a:r>
+            <a:r>
+              <a:rPr lang="ja-JP" altLang="en-US" sz="1400" dirty="0">
+                <a:solidFill>
+                  <a:srgbClr val="008000"/>
+                </a:solidFill>
+                <a:highlight>
+                  <a:srgbClr val="FFFFFF"/>
+                </a:highlight>
+                <a:latin typeface="Consolas" panose="020B0609020204030204" pitchFamily="49" charset="0"/>
+              </a:rPr>
+              <a:t>イベントループを持続的に実行させる</a:t>
+            </a:r>
+            <a:endParaRPr lang="en-US" altLang="zh-CN" sz="1400" dirty="0">
+              <a:solidFill>
+                <a:srgbClr val="008000"/>
+              </a:solidFill>
+              <a:highlight>
+                <a:srgbClr val="FFFFFF"/>
+              </a:highlight>
+              <a:latin typeface="Consolas" panose="020B0609020204030204" pitchFamily="49" charset="0"/>
+            </a:endParaRPr>
           </a:p>
         </p:txBody>
       </p:sp>

--- a/lcj_zemi_python.pptx
+++ b/lcj_zemi_python.pptx
@@ -5,7 +5,7 @@
     <p:sldMasterId id="2147483648" r:id="rId1"/>
   </p:sldMasterIdLst>
   <p:notesMasterIdLst>
-    <p:notesMasterId r:id="rId13"/>
+    <p:notesMasterId r:id="rId15"/>
   </p:notesMasterIdLst>
   <p:sldIdLst>
     <p:sldId id="260" r:id="rId2"/>
@@ -18,7 +18,9 @@
     <p:sldId id="300" r:id="rId9"/>
     <p:sldId id="301" r:id="rId10"/>
     <p:sldId id="302" r:id="rId11"/>
-    <p:sldId id="293" r:id="rId12"/>
+    <p:sldId id="303" r:id="rId12"/>
+    <p:sldId id="304" r:id="rId13"/>
+    <p:sldId id="293" r:id="rId14"/>
   </p:sldIdLst>
   <p:sldSz cx="12192000" cy="6858000"/>
   <p:notesSz cx="6858000" cy="9144000"/>
@@ -207,7 +209,7 @@
           <a:p>
             <a:fld id="{2BC54830-42DA-4404-9F8C-DE9E00A18181}" type="datetimeFigureOut">
               <a:rPr lang="zh-CN" altLang="en-US" smtClean="0"/>
-              <a:t>2024/7/30</a:t>
+              <a:t>2024/8/1</a:t>
             </a:fld>
             <a:endParaRPr lang="zh-CN" altLang="en-US"/>
           </a:p>
@@ -621,7 +623,7 @@
           <a:p>
             <a:fld id="{F5930DB7-C5F0-4CA2-914A-8532991C33D9}" type="datetimeFigureOut">
               <a:rPr lang="zh-CN" altLang="en-US" smtClean="0"/>
-              <a:t>2024/7/30</a:t>
+              <a:t>2024/8/1</a:t>
             </a:fld>
             <a:endParaRPr lang="zh-CN" altLang="en-US"/>
           </a:p>
@@ -819,7 +821,7 @@
           <a:p>
             <a:fld id="{F5930DB7-C5F0-4CA2-914A-8532991C33D9}" type="datetimeFigureOut">
               <a:rPr lang="zh-CN" altLang="en-US" smtClean="0"/>
-              <a:t>2024/7/30</a:t>
+              <a:t>2024/8/1</a:t>
             </a:fld>
             <a:endParaRPr lang="zh-CN" altLang="en-US"/>
           </a:p>
@@ -1027,7 +1029,7 @@
           <a:p>
             <a:fld id="{F5930DB7-C5F0-4CA2-914A-8532991C33D9}" type="datetimeFigureOut">
               <a:rPr lang="zh-CN" altLang="en-US" smtClean="0"/>
-              <a:t>2024/7/30</a:t>
+              <a:t>2024/8/1</a:t>
             </a:fld>
             <a:endParaRPr lang="zh-CN" altLang="en-US"/>
           </a:p>
@@ -1225,7 +1227,7 @@
           <a:p>
             <a:fld id="{F5930DB7-C5F0-4CA2-914A-8532991C33D9}" type="datetimeFigureOut">
               <a:rPr lang="zh-CN" altLang="en-US" smtClean="0"/>
-              <a:t>2024/7/30</a:t>
+              <a:t>2024/8/1</a:t>
             </a:fld>
             <a:endParaRPr lang="zh-CN" altLang="en-US"/>
           </a:p>
@@ -1500,7 +1502,7 @@
           <a:p>
             <a:fld id="{F5930DB7-C5F0-4CA2-914A-8532991C33D9}" type="datetimeFigureOut">
               <a:rPr lang="zh-CN" altLang="en-US" smtClean="0"/>
-              <a:t>2024/7/30</a:t>
+              <a:t>2024/8/1</a:t>
             </a:fld>
             <a:endParaRPr lang="zh-CN" altLang="en-US"/>
           </a:p>
@@ -1765,7 +1767,7 @@
           <a:p>
             <a:fld id="{F5930DB7-C5F0-4CA2-914A-8532991C33D9}" type="datetimeFigureOut">
               <a:rPr lang="zh-CN" altLang="en-US" smtClean="0"/>
-              <a:t>2024/7/30</a:t>
+              <a:t>2024/8/1</a:t>
             </a:fld>
             <a:endParaRPr lang="zh-CN" altLang="en-US"/>
           </a:p>
@@ -2177,7 +2179,7 @@
           <a:p>
             <a:fld id="{F5930DB7-C5F0-4CA2-914A-8532991C33D9}" type="datetimeFigureOut">
               <a:rPr lang="zh-CN" altLang="en-US" smtClean="0"/>
-              <a:t>2024/7/30</a:t>
+              <a:t>2024/8/1</a:t>
             </a:fld>
             <a:endParaRPr lang="zh-CN" altLang="en-US"/>
           </a:p>
@@ -2318,7 +2320,7 @@
           <a:p>
             <a:fld id="{F5930DB7-C5F0-4CA2-914A-8532991C33D9}" type="datetimeFigureOut">
               <a:rPr lang="zh-CN" altLang="en-US" smtClean="0"/>
-              <a:t>2024/7/30</a:t>
+              <a:t>2024/8/1</a:t>
             </a:fld>
             <a:endParaRPr lang="zh-CN" altLang="en-US"/>
           </a:p>
@@ -2431,7 +2433,7 @@
           <a:p>
             <a:fld id="{F5930DB7-C5F0-4CA2-914A-8532991C33D9}" type="datetimeFigureOut">
               <a:rPr lang="zh-CN" altLang="en-US" smtClean="0"/>
-              <a:t>2024/7/30</a:t>
+              <a:t>2024/8/1</a:t>
             </a:fld>
             <a:endParaRPr lang="zh-CN" altLang="en-US"/>
           </a:p>
@@ -2742,7 +2744,7 @@
           <a:p>
             <a:fld id="{F5930DB7-C5F0-4CA2-914A-8532991C33D9}" type="datetimeFigureOut">
               <a:rPr lang="zh-CN" altLang="en-US" smtClean="0"/>
-              <a:t>2024/7/30</a:t>
+              <a:t>2024/8/1</a:t>
             </a:fld>
             <a:endParaRPr lang="zh-CN" altLang="en-US"/>
           </a:p>
@@ -3030,7 +3032,7 @@
           <a:p>
             <a:fld id="{F5930DB7-C5F0-4CA2-914A-8532991C33D9}" type="datetimeFigureOut">
               <a:rPr lang="zh-CN" altLang="en-US" smtClean="0"/>
-              <a:t>2024/7/30</a:t>
+              <a:t>2024/8/1</a:t>
             </a:fld>
             <a:endParaRPr lang="zh-CN" altLang="en-US"/>
           </a:p>
@@ -3271,7 +3273,7 @@
           <a:p>
             <a:fld id="{F5930DB7-C5F0-4CA2-914A-8532991C33D9}" type="datetimeFigureOut">
               <a:rPr lang="zh-CN" altLang="en-US" smtClean="0"/>
-              <a:t>2024/7/30</a:t>
+              <a:t>2024/8/1</a:t>
             </a:fld>
             <a:endParaRPr lang="zh-CN" altLang="en-US"/>
           </a:p>
@@ -4028,7 +4030,7 @@
           <a:p>
             <a:r>
               <a:rPr lang="ja-JP" altLang="en-US" sz="1400" dirty="0"/>
-              <a:t>三つのパッケージを導入することで簡単な</a:t>
+              <a:t>三つのモジュールを導入することで簡単な</a:t>
             </a:r>
             <a:r>
               <a:rPr lang="zh-CN" altLang="en-US" sz="1400" dirty="0"/>
@@ -4114,7 +4116,7 @@
             </a:r>
             <a:r>
               <a:rPr lang="ja-JP" altLang="en-US" sz="1400" dirty="0"/>
-              <a:t>（サービスが終了らしい）</a:t>
+              <a:t>（サービスが終了するらしい）</a:t>
             </a:r>
             <a:endParaRPr lang="en-US" altLang="ja-JP" sz="1400" dirty="0"/>
           </a:p>
@@ -4190,7 +4192,7 @@
         </p:nvSpPr>
         <p:spPr>
           <a:xfrm>
-            <a:off x="874737" y="2898375"/>
+            <a:off x="305570" y="2834182"/>
             <a:ext cx="8735793" cy="3754874"/>
           </a:xfrm>
           <a:prstGeom prst="rect">
@@ -4232,7 +4234,31 @@
                 </a:highlight>
                 <a:latin typeface="Consolas" panose="020B0609020204030204" pitchFamily="49" charset="0"/>
               </a:rPr>
-              <a:t> サーバー側</a:t>
+              <a:t> </a:t>
+            </a:r>
+            <a:r>
+              <a:rPr lang="en-US" altLang="ja-JP" sz="1400" dirty="0">
+                <a:solidFill>
+                  <a:srgbClr val="008000"/>
+                </a:solidFill>
+                <a:highlight>
+                  <a:srgbClr val="FFFFFF"/>
+                </a:highlight>
+                <a:latin typeface="Consolas" panose="020B0609020204030204" pitchFamily="49" charset="0"/>
+              </a:rPr>
+              <a:t>server.py  </a:t>
+            </a:r>
+            <a:r>
+              <a:rPr lang="ja-JP" altLang="en-US" sz="1400" dirty="0">
+                <a:solidFill>
+                  <a:srgbClr val="008000"/>
+                </a:solidFill>
+                <a:highlight>
+                  <a:srgbClr val="FFFFFF"/>
+                </a:highlight>
+                <a:latin typeface="Consolas" panose="020B0609020204030204" pitchFamily="49" charset="0"/>
+              </a:rPr>
+              <a:t>サーバー側</a:t>
             </a:r>
             <a:endParaRPr lang="en-US" altLang="zh-CN" sz="1400" b="0" dirty="0">
               <a:solidFill>
@@ -4698,6 +4724,18 @@
               <a:t>for</a:t>
             </a:r>
             <a:r>
+              <a:rPr lang="ja-JP" altLang="en-US" sz="1400" dirty="0">
+                <a:solidFill>
+                  <a:srgbClr val="008000"/>
+                </a:solidFill>
+                <a:highlight>
+                  <a:srgbClr val="FFFFFF"/>
+                </a:highlight>
+                <a:latin typeface="Consolas" panose="020B0609020204030204" pitchFamily="49" charset="0"/>
+              </a:rPr>
+              <a:t>文</a:t>
+            </a:r>
+            <a:r>
               <a:rPr lang="ja-JP" altLang="en-US" sz="1400" b="0" dirty="0">
                 <a:solidFill>
                   <a:srgbClr val="008000"/>
@@ -4708,7 +4746,7 @@
                 </a:highlight>
                 <a:latin typeface="Consolas" panose="020B0609020204030204" pitchFamily="49" charset="0"/>
               </a:rPr>
-              <a:t>分を回す</a:t>
+              <a:t>を回す</a:t>
             </a:r>
             <a:endParaRPr lang="en-US" altLang="zh-CN" sz="1400" b="0" dirty="0">
               <a:solidFill>
@@ -5790,6 +5828,5987 @@
 </file>
 
 <file path=ppt/slides/slide11.xml><?xml version="1.0" encoding="utf-8"?>
+<p:sld xmlns:a="http://schemas.openxmlformats.org/drawingml/2006/main" xmlns:r="http://schemas.openxmlformats.org/officeDocument/2006/relationships" xmlns:p="http://schemas.openxmlformats.org/presentationml/2006/main">
+  <p:cSld>
+    <p:spTree>
+      <p:nvGrpSpPr>
+        <p:cNvPr id="1" name=""/>
+        <p:cNvGrpSpPr/>
+        <p:nvPr/>
+      </p:nvGrpSpPr>
+      <p:grpSpPr>
+        <a:xfrm>
+          <a:off x="0" y="0"/>
+          <a:ext cx="0" cy="0"/>
+          <a:chOff x="0" y="0"/>
+          <a:chExt cx="0" cy="0"/>
+        </a:xfrm>
+      </p:grpSpPr>
+      <p:sp>
+        <p:nvSpPr>
+          <p:cNvPr id="4" name="矩形: 圆角 3">
+            <a:extLst>
+              <a:ext uri="{FF2B5EF4-FFF2-40B4-BE49-F238E27FC236}">
+                <a16:creationId xmlns:a16="http://schemas.microsoft.com/office/drawing/2014/main" id="{866A1306-2120-2B30-7A6A-781A28385D6D}"/>
+              </a:ext>
+            </a:extLst>
+          </p:cNvPr>
+          <p:cNvSpPr/>
+          <p:nvPr/>
+        </p:nvSpPr>
+        <p:spPr>
+          <a:xfrm flipV="1">
+            <a:off x="305570" y="523220"/>
+            <a:ext cx="11377352" cy="64193"/>
+          </a:xfrm>
+          <a:prstGeom prst="roundRect">
+            <a:avLst/>
+          </a:prstGeom>
+        </p:spPr>
+        <p:style>
+          <a:lnRef idx="2">
+            <a:schemeClr val="accent1">
+              <a:shade val="50000"/>
+            </a:schemeClr>
+          </a:lnRef>
+          <a:fillRef idx="1">
+            <a:schemeClr val="accent1"/>
+          </a:fillRef>
+          <a:effectRef idx="0">
+            <a:schemeClr val="accent1"/>
+          </a:effectRef>
+          <a:fontRef idx="minor">
+            <a:schemeClr val="lt1"/>
+          </a:fontRef>
+        </p:style>
+        <p:txBody>
+          <a:bodyPr rtlCol="0" anchor="ctr"/>
+          <a:lstStyle/>
+          <a:p>
+            <a:pPr algn="ctr"/>
+            <a:endParaRPr lang="zh-CN" altLang="en-US"/>
+          </a:p>
+        </p:txBody>
+      </p:sp>
+      <p:sp>
+        <p:nvSpPr>
+          <p:cNvPr id="5" name="文本框 4">
+            <a:extLst>
+              <a:ext uri="{FF2B5EF4-FFF2-40B4-BE49-F238E27FC236}">
+                <a16:creationId xmlns:a16="http://schemas.microsoft.com/office/drawing/2014/main" id="{6FF74BA9-D2C8-5CBE-0585-F2F644B9AECB}"/>
+              </a:ext>
+            </a:extLst>
+          </p:cNvPr>
+          <p:cNvSpPr txBox="1"/>
+          <p:nvPr/>
+        </p:nvSpPr>
+        <p:spPr>
+          <a:xfrm>
+            <a:off x="305570" y="0"/>
+            <a:ext cx="5392823" cy="523220"/>
+          </a:xfrm>
+          <a:prstGeom prst="rect">
+            <a:avLst/>
+          </a:prstGeom>
+          <a:noFill/>
+        </p:spPr>
+        <p:txBody>
+          <a:bodyPr wrap="none" rtlCol="0">
+            <a:spAutoFit/>
+          </a:bodyPr>
+          <a:lstStyle/>
+          <a:p>
+            <a:r>
+              <a:rPr lang="en-US" altLang="zh-CN" sz="2800" dirty="0"/>
+              <a:t>Section 54.4: A Simple </a:t>
+            </a:r>
+            <a:r>
+              <a:rPr lang="en-US" altLang="zh-CN" sz="2800" dirty="0" err="1"/>
+              <a:t>Websocket</a:t>
+            </a:r>
+            <a:endParaRPr lang="zh-CN" altLang="en-US" sz="2800" b="1" dirty="0"/>
+          </a:p>
+        </p:txBody>
+      </p:sp>
+      <p:sp>
+        <p:nvSpPr>
+          <p:cNvPr id="7" name="文本框 6">
+            <a:extLst>
+              <a:ext uri="{FF2B5EF4-FFF2-40B4-BE49-F238E27FC236}">
+                <a16:creationId xmlns:a16="http://schemas.microsoft.com/office/drawing/2014/main" id="{7202AF9E-F86E-2B25-7F74-F3EDA92AEF19}"/>
+              </a:ext>
+            </a:extLst>
+          </p:cNvPr>
+          <p:cNvSpPr txBox="1"/>
+          <p:nvPr/>
+        </p:nvSpPr>
+        <p:spPr>
+          <a:xfrm>
+            <a:off x="305570" y="690049"/>
+            <a:ext cx="6767035" cy="4893647"/>
+          </a:xfrm>
+          <a:prstGeom prst="rect">
+            <a:avLst/>
+          </a:prstGeom>
+          <a:noFill/>
+          <a:ln>
+            <a:solidFill>
+              <a:schemeClr val="tx1"/>
+            </a:solidFill>
+          </a:ln>
+        </p:spPr>
+        <p:txBody>
+          <a:bodyPr wrap="square">
+            <a:spAutoFit/>
+          </a:bodyPr>
+          <a:lstStyle/>
+          <a:p>
+            <a:r>
+              <a:rPr lang="en-US" altLang="zh-CN" sz="1200" b="0" dirty="0">
+                <a:solidFill>
+                  <a:srgbClr val="008000"/>
+                </a:solidFill>
+                <a:effectLst/>
+                <a:highlight>
+                  <a:srgbClr val="FFFFFF"/>
+                </a:highlight>
+                <a:latin typeface="Consolas" panose="020B0609020204030204" pitchFamily="49" charset="0"/>
+              </a:rPr>
+              <a:t># client.py  </a:t>
+            </a:r>
+            <a:r>
+              <a:rPr lang="ja-JP" altLang="en-US" sz="1200" b="0" dirty="0">
+                <a:solidFill>
+                  <a:srgbClr val="008000"/>
+                </a:solidFill>
+                <a:effectLst/>
+                <a:highlight>
+                  <a:srgbClr val="FFFFFF"/>
+                </a:highlight>
+                <a:latin typeface="Consolas" panose="020B0609020204030204" pitchFamily="49" charset="0"/>
+              </a:rPr>
+              <a:t>ユーザー側</a:t>
+            </a:r>
+            <a:endParaRPr lang="en-US" altLang="zh-CN" sz="1200" b="0" dirty="0">
+              <a:solidFill>
+                <a:srgbClr val="AF00DB"/>
+              </a:solidFill>
+              <a:effectLst/>
+              <a:highlight>
+                <a:srgbClr val="FFFFFF"/>
+              </a:highlight>
+              <a:latin typeface="Consolas" panose="020B0609020204030204" pitchFamily="49" charset="0"/>
+            </a:endParaRPr>
+          </a:p>
+          <a:p>
+            <a:r>
+              <a:rPr lang="en-US" altLang="zh-CN" sz="1200" b="0" dirty="0">
+                <a:solidFill>
+                  <a:srgbClr val="AF00DB"/>
+                </a:solidFill>
+                <a:effectLst/>
+                <a:highlight>
+                  <a:srgbClr val="FFFFFF"/>
+                </a:highlight>
+                <a:latin typeface="Consolas" panose="020B0609020204030204" pitchFamily="49" charset="0"/>
+              </a:rPr>
+              <a:t>import</a:t>
+            </a:r>
+            <a:r>
+              <a:rPr lang="en-US" altLang="zh-CN" sz="1200" b="0" dirty="0">
+                <a:solidFill>
+                  <a:srgbClr val="3B3B3B"/>
+                </a:solidFill>
+                <a:effectLst/>
+                <a:highlight>
+                  <a:srgbClr val="FFFFFF"/>
+                </a:highlight>
+                <a:latin typeface="Consolas" panose="020B0609020204030204" pitchFamily="49" charset="0"/>
+              </a:rPr>
+              <a:t> </a:t>
+            </a:r>
+            <a:r>
+              <a:rPr lang="en-US" altLang="zh-CN" sz="1200" b="0" dirty="0" err="1">
+                <a:solidFill>
+                  <a:srgbClr val="267F99"/>
+                </a:solidFill>
+                <a:effectLst/>
+                <a:highlight>
+                  <a:srgbClr val="FFFFFF"/>
+                </a:highlight>
+                <a:latin typeface="Consolas" panose="020B0609020204030204" pitchFamily="49" charset="0"/>
+              </a:rPr>
+              <a:t>asyncio</a:t>
+            </a:r>
+            <a:endParaRPr lang="en-US" altLang="zh-CN" sz="1200" b="0" dirty="0">
+              <a:solidFill>
+                <a:srgbClr val="3B3B3B"/>
+              </a:solidFill>
+              <a:effectLst/>
+              <a:highlight>
+                <a:srgbClr val="FFFFFF"/>
+              </a:highlight>
+              <a:latin typeface="Consolas" panose="020B0609020204030204" pitchFamily="49" charset="0"/>
+            </a:endParaRPr>
+          </a:p>
+          <a:p>
+            <a:r>
+              <a:rPr lang="en-US" altLang="zh-CN" sz="1200" b="0" dirty="0">
+                <a:solidFill>
+                  <a:srgbClr val="AF00DB"/>
+                </a:solidFill>
+                <a:effectLst/>
+                <a:highlight>
+                  <a:srgbClr val="FFFFFF"/>
+                </a:highlight>
+                <a:latin typeface="Consolas" panose="020B0609020204030204" pitchFamily="49" charset="0"/>
+              </a:rPr>
+              <a:t>from</a:t>
+            </a:r>
+            <a:r>
+              <a:rPr lang="en-US" altLang="zh-CN" sz="1200" b="0" dirty="0">
+                <a:solidFill>
+                  <a:srgbClr val="3B3B3B"/>
+                </a:solidFill>
+                <a:effectLst/>
+                <a:highlight>
+                  <a:srgbClr val="FFFFFF"/>
+                </a:highlight>
+                <a:latin typeface="Consolas" panose="020B0609020204030204" pitchFamily="49" charset="0"/>
+              </a:rPr>
+              <a:t> </a:t>
+            </a:r>
+            <a:r>
+              <a:rPr lang="en-US" altLang="zh-CN" sz="1200" b="0" dirty="0" err="1">
+                <a:solidFill>
+                  <a:srgbClr val="267F99"/>
+                </a:solidFill>
+                <a:effectLst/>
+                <a:highlight>
+                  <a:srgbClr val="FFFFFF"/>
+                </a:highlight>
+                <a:latin typeface="Consolas" panose="020B0609020204030204" pitchFamily="49" charset="0"/>
+              </a:rPr>
+              <a:t>aiohttp</a:t>
+            </a:r>
+            <a:r>
+              <a:rPr lang="en-US" altLang="zh-CN" sz="1200" b="0" dirty="0">
+                <a:solidFill>
+                  <a:srgbClr val="3B3B3B"/>
+                </a:solidFill>
+                <a:effectLst/>
+                <a:highlight>
+                  <a:srgbClr val="FFFFFF"/>
+                </a:highlight>
+                <a:latin typeface="Consolas" panose="020B0609020204030204" pitchFamily="49" charset="0"/>
+              </a:rPr>
+              <a:t> </a:t>
+            </a:r>
+            <a:r>
+              <a:rPr lang="en-US" altLang="zh-CN" sz="1200" b="0" dirty="0">
+                <a:solidFill>
+                  <a:srgbClr val="AF00DB"/>
+                </a:solidFill>
+                <a:effectLst/>
+                <a:highlight>
+                  <a:srgbClr val="FFFFFF"/>
+                </a:highlight>
+                <a:latin typeface="Consolas" panose="020B0609020204030204" pitchFamily="49" charset="0"/>
+              </a:rPr>
+              <a:t>import</a:t>
+            </a:r>
+            <a:r>
+              <a:rPr lang="en-US" altLang="zh-CN" sz="1200" b="0" dirty="0">
+                <a:solidFill>
+                  <a:srgbClr val="3B3B3B"/>
+                </a:solidFill>
+                <a:effectLst/>
+                <a:highlight>
+                  <a:srgbClr val="FFFFFF"/>
+                </a:highlight>
+                <a:latin typeface="Consolas" panose="020B0609020204030204" pitchFamily="49" charset="0"/>
+              </a:rPr>
+              <a:t> </a:t>
+            </a:r>
+            <a:r>
+              <a:rPr lang="en-US" altLang="zh-CN" sz="1200" b="0" dirty="0" err="1">
+                <a:solidFill>
+                  <a:srgbClr val="267F99"/>
+                </a:solidFill>
+                <a:effectLst/>
+                <a:highlight>
+                  <a:srgbClr val="FFFFFF"/>
+                </a:highlight>
+                <a:latin typeface="Consolas" panose="020B0609020204030204" pitchFamily="49" charset="0"/>
+              </a:rPr>
+              <a:t>ClientSession</a:t>
+            </a:r>
+            <a:endParaRPr lang="en-US" altLang="zh-CN" sz="1200" b="0" dirty="0">
+              <a:solidFill>
+                <a:srgbClr val="3B3B3B"/>
+              </a:solidFill>
+              <a:effectLst/>
+              <a:highlight>
+                <a:srgbClr val="FFFFFF"/>
+              </a:highlight>
+              <a:latin typeface="Consolas" panose="020B0609020204030204" pitchFamily="49" charset="0"/>
+            </a:endParaRPr>
+          </a:p>
+          <a:p>
+            <a:br>
+              <a:rPr lang="en-US" altLang="zh-CN" sz="1200" b="0" dirty="0">
+                <a:solidFill>
+                  <a:srgbClr val="3B3B3B"/>
+                </a:solidFill>
+                <a:effectLst/>
+                <a:highlight>
+                  <a:srgbClr val="FFFFFF"/>
+                </a:highlight>
+                <a:latin typeface="Consolas" panose="020B0609020204030204" pitchFamily="49" charset="0"/>
+              </a:rPr>
+            </a:br>
+            <a:r>
+              <a:rPr lang="en-US" altLang="zh-CN" sz="1200" b="0" dirty="0">
+                <a:solidFill>
+                  <a:srgbClr val="0000FF"/>
+                </a:solidFill>
+                <a:effectLst/>
+                <a:highlight>
+                  <a:srgbClr val="FFFFFF"/>
+                </a:highlight>
+                <a:latin typeface="Consolas" panose="020B0609020204030204" pitchFamily="49" charset="0"/>
+              </a:rPr>
+              <a:t>class</a:t>
+            </a:r>
+            <a:r>
+              <a:rPr lang="en-US" altLang="zh-CN" sz="1200" b="0" dirty="0">
+                <a:solidFill>
+                  <a:srgbClr val="3B3B3B"/>
+                </a:solidFill>
+                <a:effectLst/>
+                <a:highlight>
+                  <a:srgbClr val="FFFFFF"/>
+                </a:highlight>
+                <a:latin typeface="Consolas" panose="020B0609020204030204" pitchFamily="49" charset="0"/>
+              </a:rPr>
+              <a:t> </a:t>
+            </a:r>
+            <a:r>
+              <a:rPr lang="en-US" altLang="zh-CN" sz="1200" b="0" dirty="0" err="1">
+                <a:solidFill>
+                  <a:srgbClr val="267F99"/>
+                </a:solidFill>
+                <a:effectLst/>
+                <a:highlight>
+                  <a:srgbClr val="FFFFFF"/>
+                </a:highlight>
+                <a:latin typeface="Consolas" panose="020B0609020204030204" pitchFamily="49" charset="0"/>
+              </a:rPr>
+              <a:t>EchoWebsocket</a:t>
+            </a:r>
+            <a:r>
+              <a:rPr lang="en-US" altLang="zh-CN" sz="1200" b="0" dirty="0">
+                <a:solidFill>
+                  <a:srgbClr val="3B3B3B"/>
+                </a:solidFill>
+                <a:effectLst/>
+                <a:highlight>
+                  <a:srgbClr val="FFFFFF"/>
+                </a:highlight>
+                <a:latin typeface="Consolas" panose="020B0609020204030204" pitchFamily="49" charset="0"/>
+              </a:rPr>
+              <a:t>:</a:t>
+            </a:r>
+          </a:p>
+          <a:p>
+            <a:r>
+              <a:rPr lang="en-US" altLang="zh-CN" sz="1200" b="0" dirty="0">
+                <a:solidFill>
+                  <a:srgbClr val="008000"/>
+                </a:solidFill>
+                <a:effectLst/>
+                <a:highlight>
+                  <a:srgbClr val="FFFFFF"/>
+                </a:highlight>
+                <a:latin typeface="Consolas" panose="020B0609020204030204" pitchFamily="49" charset="0"/>
+              </a:rPr>
+              <a:t>    # </a:t>
+            </a:r>
+            <a:r>
+              <a:rPr lang="ja-JP" altLang="en-US" sz="1200" dirty="0">
+                <a:solidFill>
+                  <a:srgbClr val="008000"/>
+                </a:solidFill>
+                <a:highlight>
+                  <a:srgbClr val="FFFFFF"/>
+                </a:highlight>
+                <a:latin typeface="Consolas" panose="020B0609020204030204" pitchFamily="49" charset="0"/>
+              </a:rPr>
+              <a:t>初期化</a:t>
+            </a:r>
+            <a:endParaRPr lang="en-US" altLang="ja-JP" sz="1200" dirty="0">
+              <a:solidFill>
+                <a:srgbClr val="008000"/>
+              </a:solidFill>
+              <a:highlight>
+                <a:srgbClr val="FFFFFF"/>
+              </a:highlight>
+              <a:latin typeface="Consolas" panose="020B0609020204030204" pitchFamily="49" charset="0"/>
+            </a:endParaRPr>
+          </a:p>
+          <a:p>
+            <a:r>
+              <a:rPr lang="en-US" altLang="zh-CN" sz="1200" b="0" dirty="0">
+                <a:solidFill>
+                  <a:srgbClr val="3B3B3B"/>
+                </a:solidFill>
+                <a:effectLst/>
+                <a:highlight>
+                  <a:srgbClr val="FFFFFF"/>
+                </a:highlight>
+                <a:latin typeface="Consolas" panose="020B0609020204030204" pitchFamily="49" charset="0"/>
+              </a:rPr>
+              <a:t>    </a:t>
+            </a:r>
+            <a:r>
+              <a:rPr lang="en-US" altLang="zh-CN" sz="1200" b="0" dirty="0">
+                <a:solidFill>
+                  <a:srgbClr val="0000FF"/>
+                </a:solidFill>
+                <a:effectLst/>
+                <a:highlight>
+                  <a:srgbClr val="FFFFFF"/>
+                </a:highlight>
+                <a:latin typeface="Consolas" panose="020B0609020204030204" pitchFamily="49" charset="0"/>
+              </a:rPr>
+              <a:t>def</a:t>
+            </a:r>
+            <a:r>
+              <a:rPr lang="en-US" altLang="zh-CN" sz="1200" b="0" dirty="0">
+                <a:solidFill>
+                  <a:srgbClr val="3B3B3B"/>
+                </a:solidFill>
+                <a:effectLst/>
+                <a:highlight>
+                  <a:srgbClr val="FFFFFF"/>
+                </a:highlight>
+                <a:latin typeface="Consolas" panose="020B0609020204030204" pitchFamily="49" charset="0"/>
+              </a:rPr>
+              <a:t> </a:t>
+            </a:r>
+            <a:r>
+              <a:rPr lang="en-US" altLang="zh-CN" sz="1200" b="0" dirty="0">
+                <a:solidFill>
+                  <a:srgbClr val="795E26"/>
+                </a:solidFill>
+                <a:effectLst/>
+                <a:highlight>
+                  <a:srgbClr val="FFFFFF"/>
+                </a:highlight>
+                <a:latin typeface="Consolas" panose="020B0609020204030204" pitchFamily="49" charset="0"/>
+              </a:rPr>
+              <a:t>__</a:t>
+            </a:r>
+            <a:r>
+              <a:rPr lang="en-US" altLang="zh-CN" sz="1200" b="0" dirty="0" err="1">
+                <a:solidFill>
+                  <a:srgbClr val="795E26"/>
+                </a:solidFill>
+                <a:effectLst/>
+                <a:highlight>
+                  <a:srgbClr val="FFFFFF"/>
+                </a:highlight>
+                <a:latin typeface="Consolas" panose="020B0609020204030204" pitchFamily="49" charset="0"/>
+              </a:rPr>
+              <a:t>init</a:t>
+            </a:r>
+            <a:r>
+              <a:rPr lang="en-US" altLang="zh-CN" sz="1200" b="0" dirty="0">
+                <a:solidFill>
+                  <a:srgbClr val="795E26"/>
+                </a:solidFill>
+                <a:effectLst/>
+                <a:highlight>
+                  <a:srgbClr val="FFFFFF"/>
+                </a:highlight>
+                <a:latin typeface="Consolas" panose="020B0609020204030204" pitchFamily="49" charset="0"/>
+              </a:rPr>
+              <a:t>__</a:t>
+            </a:r>
+            <a:r>
+              <a:rPr lang="en-US" altLang="zh-CN" sz="1200" b="0" dirty="0">
+                <a:solidFill>
+                  <a:srgbClr val="3B3B3B"/>
+                </a:solidFill>
+                <a:effectLst/>
+                <a:highlight>
+                  <a:srgbClr val="FFFFFF"/>
+                </a:highlight>
+                <a:latin typeface="Consolas" panose="020B0609020204030204" pitchFamily="49" charset="0"/>
+              </a:rPr>
+              <a:t>(</a:t>
+            </a:r>
+            <a:r>
+              <a:rPr lang="en-US" altLang="zh-CN" sz="1200" b="0" dirty="0">
+                <a:solidFill>
+                  <a:srgbClr val="001080"/>
+                </a:solidFill>
+                <a:effectLst/>
+                <a:highlight>
+                  <a:srgbClr val="FFFFFF"/>
+                </a:highlight>
+                <a:latin typeface="Consolas" panose="020B0609020204030204" pitchFamily="49" charset="0"/>
+              </a:rPr>
+              <a:t>self</a:t>
+            </a:r>
+            <a:r>
+              <a:rPr lang="en-US" altLang="zh-CN" sz="1200" b="0" dirty="0">
+                <a:solidFill>
+                  <a:srgbClr val="3B3B3B"/>
+                </a:solidFill>
+                <a:effectLst/>
+                <a:highlight>
+                  <a:srgbClr val="FFFFFF"/>
+                </a:highlight>
+                <a:latin typeface="Consolas" panose="020B0609020204030204" pitchFamily="49" charset="0"/>
+              </a:rPr>
+              <a:t>):</a:t>
+            </a:r>
+          </a:p>
+          <a:p>
+            <a:r>
+              <a:rPr lang="en-US" altLang="zh-CN" sz="1200" b="0" dirty="0">
+                <a:solidFill>
+                  <a:srgbClr val="3B3B3B"/>
+                </a:solidFill>
+                <a:effectLst/>
+                <a:highlight>
+                  <a:srgbClr val="FFFFFF"/>
+                </a:highlight>
+                <a:latin typeface="Consolas" panose="020B0609020204030204" pitchFamily="49" charset="0"/>
+              </a:rPr>
+              <a:t>        </a:t>
+            </a:r>
+            <a:r>
+              <a:rPr lang="en-US" altLang="zh-CN" sz="1200" b="0" dirty="0" err="1">
+                <a:solidFill>
+                  <a:srgbClr val="001080"/>
+                </a:solidFill>
+                <a:effectLst/>
+                <a:highlight>
+                  <a:srgbClr val="FFFFFF"/>
+                </a:highlight>
+                <a:latin typeface="Consolas" panose="020B0609020204030204" pitchFamily="49" charset="0"/>
+              </a:rPr>
+              <a:t>self</a:t>
+            </a:r>
+            <a:r>
+              <a:rPr lang="en-US" altLang="zh-CN" sz="1200" b="0" dirty="0" err="1">
+                <a:solidFill>
+                  <a:srgbClr val="3B3B3B"/>
+                </a:solidFill>
+                <a:effectLst/>
+                <a:highlight>
+                  <a:srgbClr val="FFFFFF"/>
+                </a:highlight>
+                <a:latin typeface="Consolas" panose="020B0609020204030204" pitchFamily="49" charset="0"/>
+              </a:rPr>
+              <a:t>.</a:t>
+            </a:r>
+            <a:r>
+              <a:rPr lang="en-US" altLang="zh-CN" sz="1200" b="0" dirty="0" err="1">
+                <a:solidFill>
+                  <a:srgbClr val="001080"/>
+                </a:solidFill>
+                <a:effectLst/>
+                <a:highlight>
+                  <a:srgbClr val="FFFFFF"/>
+                </a:highlight>
+                <a:latin typeface="Consolas" panose="020B0609020204030204" pitchFamily="49" charset="0"/>
+              </a:rPr>
+              <a:t>websocket</a:t>
+            </a:r>
+            <a:r>
+              <a:rPr lang="en-US" altLang="zh-CN" sz="1200" b="0" dirty="0">
+                <a:solidFill>
+                  <a:srgbClr val="3B3B3B"/>
+                </a:solidFill>
+                <a:effectLst/>
+                <a:highlight>
+                  <a:srgbClr val="FFFFFF"/>
+                </a:highlight>
+                <a:latin typeface="Consolas" panose="020B0609020204030204" pitchFamily="49" charset="0"/>
+              </a:rPr>
+              <a:t> </a:t>
+            </a:r>
+            <a:r>
+              <a:rPr lang="en-US" altLang="zh-CN" sz="1200" b="0" dirty="0">
+                <a:solidFill>
+                  <a:srgbClr val="000000"/>
+                </a:solidFill>
+                <a:effectLst/>
+                <a:highlight>
+                  <a:srgbClr val="FFFFFF"/>
+                </a:highlight>
+                <a:latin typeface="Consolas" panose="020B0609020204030204" pitchFamily="49" charset="0"/>
+              </a:rPr>
+              <a:t>=</a:t>
+            </a:r>
+            <a:r>
+              <a:rPr lang="en-US" altLang="zh-CN" sz="1200" b="0" dirty="0">
+                <a:solidFill>
+                  <a:srgbClr val="3B3B3B"/>
+                </a:solidFill>
+                <a:effectLst/>
+                <a:highlight>
+                  <a:srgbClr val="FFFFFF"/>
+                </a:highlight>
+                <a:latin typeface="Consolas" panose="020B0609020204030204" pitchFamily="49" charset="0"/>
+              </a:rPr>
+              <a:t> </a:t>
+            </a:r>
+            <a:r>
+              <a:rPr lang="en-US" altLang="zh-CN" sz="1200" b="0" dirty="0">
+                <a:solidFill>
+                  <a:srgbClr val="0000FF"/>
+                </a:solidFill>
+                <a:effectLst/>
+                <a:highlight>
+                  <a:srgbClr val="FFFFFF"/>
+                </a:highlight>
+                <a:latin typeface="Consolas" panose="020B0609020204030204" pitchFamily="49" charset="0"/>
+              </a:rPr>
+              <a:t>None</a:t>
+            </a:r>
+            <a:endParaRPr lang="en-US" altLang="zh-CN" sz="1200" b="0" dirty="0">
+              <a:solidFill>
+                <a:srgbClr val="3B3B3B"/>
+              </a:solidFill>
+              <a:effectLst/>
+              <a:highlight>
+                <a:srgbClr val="FFFFFF"/>
+              </a:highlight>
+              <a:latin typeface="Consolas" panose="020B0609020204030204" pitchFamily="49" charset="0"/>
+            </a:endParaRPr>
+          </a:p>
+          <a:p>
+            <a:r>
+              <a:rPr lang="en-US" altLang="zh-CN" sz="1200" b="0" dirty="0">
+                <a:solidFill>
+                  <a:srgbClr val="3B3B3B"/>
+                </a:solidFill>
+                <a:effectLst/>
+                <a:highlight>
+                  <a:srgbClr val="FFFFFF"/>
+                </a:highlight>
+                <a:latin typeface="Consolas" panose="020B0609020204030204" pitchFamily="49" charset="0"/>
+              </a:rPr>
+              <a:t>        </a:t>
+            </a:r>
+            <a:r>
+              <a:rPr lang="en-US" altLang="zh-CN" sz="1200" b="0" dirty="0" err="1">
+                <a:solidFill>
+                  <a:srgbClr val="001080"/>
+                </a:solidFill>
+                <a:effectLst/>
+                <a:highlight>
+                  <a:srgbClr val="FFFFFF"/>
+                </a:highlight>
+                <a:latin typeface="Consolas" panose="020B0609020204030204" pitchFamily="49" charset="0"/>
+              </a:rPr>
+              <a:t>self</a:t>
+            </a:r>
+            <a:r>
+              <a:rPr lang="en-US" altLang="zh-CN" sz="1200" b="0" dirty="0" err="1">
+                <a:solidFill>
+                  <a:srgbClr val="3B3B3B"/>
+                </a:solidFill>
+                <a:effectLst/>
+                <a:highlight>
+                  <a:srgbClr val="FFFFFF"/>
+                </a:highlight>
+                <a:latin typeface="Consolas" panose="020B0609020204030204" pitchFamily="49" charset="0"/>
+              </a:rPr>
+              <a:t>.</a:t>
+            </a:r>
+            <a:r>
+              <a:rPr lang="en-US" altLang="zh-CN" sz="1200" b="0" dirty="0" err="1">
+                <a:solidFill>
+                  <a:srgbClr val="001080"/>
+                </a:solidFill>
+                <a:effectLst/>
+                <a:highlight>
+                  <a:srgbClr val="FFFFFF"/>
+                </a:highlight>
+                <a:latin typeface="Consolas" panose="020B0609020204030204" pitchFamily="49" charset="0"/>
+              </a:rPr>
+              <a:t>session</a:t>
+            </a:r>
+            <a:r>
+              <a:rPr lang="en-US" altLang="zh-CN" sz="1200" b="0" dirty="0">
+                <a:solidFill>
+                  <a:srgbClr val="3B3B3B"/>
+                </a:solidFill>
+                <a:effectLst/>
+                <a:highlight>
+                  <a:srgbClr val="FFFFFF"/>
+                </a:highlight>
+                <a:latin typeface="Consolas" panose="020B0609020204030204" pitchFamily="49" charset="0"/>
+              </a:rPr>
+              <a:t> </a:t>
+            </a:r>
+            <a:r>
+              <a:rPr lang="en-US" altLang="zh-CN" sz="1200" b="0" dirty="0">
+                <a:solidFill>
+                  <a:srgbClr val="000000"/>
+                </a:solidFill>
+                <a:effectLst/>
+                <a:highlight>
+                  <a:srgbClr val="FFFFFF"/>
+                </a:highlight>
+                <a:latin typeface="Consolas" panose="020B0609020204030204" pitchFamily="49" charset="0"/>
+              </a:rPr>
+              <a:t>=</a:t>
+            </a:r>
+            <a:r>
+              <a:rPr lang="en-US" altLang="zh-CN" sz="1200" b="0" dirty="0">
+                <a:solidFill>
+                  <a:srgbClr val="3B3B3B"/>
+                </a:solidFill>
+                <a:effectLst/>
+                <a:highlight>
+                  <a:srgbClr val="FFFFFF"/>
+                </a:highlight>
+                <a:latin typeface="Consolas" panose="020B0609020204030204" pitchFamily="49" charset="0"/>
+              </a:rPr>
+              <a:t> </a:t>
+            </a:r>
+            <a:r>
+              <a:rPr lang="en-US" altLang="zh-CN" sz="1200" b="0" dirty="0">
+                <a:solidFill>
+                  <a:srgbClr val="0000FF"/>
+                </a:solidFill>
+                <a:effectLst/>
+                <a:highlight>
+                  <a:srgbClr val="FFFFFF"/>
+                </a:highlight>
+                <a:latin typeface="Consolas" panose="020B0609020204030204" pitchFamily="49" charset="0"/>
+              </a:rPr>
+              <a:t>None</a:t>
+            </a:r>
+            <a:endParaRPr lang="en-US" altLang="zh-CN" sz="1200" b="0" dirty="0">
+              <a:solidFill>
+                <a:srgbClr val="3B3B3B"/>
+              </a:solidFill>
+              <a:effectLst/>
+              <a:highlight>
+                <a:srgbClr val="FFFFFF"/>
+              </a:highlight>
+              <a:latin typeface="Consolas" panose="020B0609020204030204" pitchFamily="49" charset="0"/>
+            </a:endParaRPr>
+          </a:p>
+          <a:p>
+            <a:br>
+              <a:rPr lang="en-US" altLang="zh-CN" sz="1200" b="0" dirty="0">
+                <a:solidFill>
+                  <a:srgbClr val="3B3B3B"/>
+                </a:solidFill>
+                <a:effectLst/>
+                <a:highlight>
+                  <a:srgbClr val="FFFFFF"/>
+                </a:highlight>
+                <a:latin typeface="Consolas" panose="020B0609020204030204" pitchFamily="49" charset="0"/>
+              </a:rPr>
+            </a:br>
+            <a:r>
+              <a:rPr lang="en-US" altLang="zh-CN" sz="1200" b="0" dirty="0">
+                <a:solidFill>
+                  <a:srgbClr val="3B3B3B"/>
+                </a:solidFill>
+                <a:effectLst/>
+                <a:highlight>
+                  <a:srgbClr val="FFFFFF"/>
+                </a:highlight>
+                <a:latin typeface="Consolas" panose="020B0609020204030204" pitchFamily="49" charset="0"/>
+              </a:rPr>
+              <a:t>    </a:t>
+            </a:r>
+            <a:r>
+              <a:rPr lang="en-US" altLang="zh-CN" sz="1200" b="0" dirty="0">
+                <a:solidFill>
+                  <a:srgbClr val="0000FF"/>
+                </a:solidFill>
+                <a:effectLst/>
+                <a:highlight>
+                  <a:srgbClr val="FFFFFF"/>
+                </a:highlight>
+                <a:latin typeface="Consolas" panose="020B0609020204030204" pitchFamily="49" charset="0"/>
+              </a:rPr>
+              <a:t>async</a:t>
+            </a:r>
+            <a:r>
+              <a:rPr lang="en-US" altLang="zh-CN" sz="1200" b="0" dirty="0">
+                <a:solidFill>
+                  <a:srgbClr val="3B3B3B"/>
+                </a:solidFill>
+                <a:effectLst/>
+                <a:highlight>
+                  <a:srgbClr val="FFFFFF"/>
+                </a:highlight>
+                <a:latin typeface="Consolas" panose="020B0609020204030204" pitchFamily="49" charset="0"/>
+              </a:rPr>
+              <a:t> </a:t>
+            </a:r>
+            <a:r>
+              <a:rPr lang="en-US" altLang="zh-CN" sz="1200" b="0" dirty="0">
+                <a:solidFill>
+                  <a:srgbClr val="0000FF"/>
+                </a:solidFill>
+                <a:effectLst/>
+                <a:highlight>
+                  <a:srgbClr val="FFFFFF"/>
+                </a:highlight>
+                <a:latin typeface="Consolas" panose="020B0609020204030204" pitchFamily="49" charset="0"/>
+              </a:rPr>
+              <a:t>def</a:t>
+            </a:r>
+            <a:r>
+              <a:rPr lang="en-US" altLang="zh-CN" sz="1200" b="0" dirty="0">
+                <a:solidFill>
+                  <a:srgbClr val="3B3B3B"/>
+                </a:solidFill>
+                <a:effectLst/>
+                <a:highlight>
+                  <a:srgbClr val="FFFFFF"/>
+                </a:highlight>
+                <a:latin typeface="Consolas" panose="020B0609020204030204" pitchFamily="49" charset="0"/>
+              </a:rPr>
+              <a:t> </a:t>
+            </a:r>
+            <a:r>
+              <a:rPr lang="en-US" altLang="zh-CN" sz="1200" b="0" dirty="0">
+                <a:solidFill>
+                  <a:srgbClr val="795E26"/>
+                </a:solidFill>
+                <a:effectLst/>
+                <a:highlight>
+                  <a:srgbClr val="FFFFFF"/>
+                </a:highlight>
+                <a:latin typeface="Consolas" panose="020B0609020204030204" pitchFamily="49" charset="0"/>
+              </a:rPr>
+              <a:t>connect</a:t>
+            </a:r>
+            <a:r>
+              <a:rPr lang="en-US" altLang="zh-CN" sz="1200" b="0" dirty="0">
+                <a:solidFill>
+                  <a:srgbClr val="3B3B3B"/>
+                </a:solidFill>
+                <a:effectLst/>
+                <a:highlight>
+                  <a:srgbClr val="FFFFFF"/>
+                </a:highlight>
+                <a:latin typeface="Consolas" panose="020B0609020204030204" pitchFamily="49" charset="0"/>
+              </a:rPr>
+              <a:t>(</a:t>
+            </a:r>
+            <a:r>
+              <a:rPr lang="en-US" altLang="zh-CN" sz="1200" b="0" dirty="0">
+                <a:solidFill>
+                  <a:srgbClr val="001080"/>
+                </a:solidFill>
+                <a:effectLst/>
+                <a:highlight>
+                  <a:srgbClr val="FFFFFF"/>
+                </a:highlight>
+                <a:latin typeface="Consolas" panose="020B0609020204030204" pitchFamily="49" charset="0"/>
+              </a:rPr>
+              <a:t>self</a:t>
+            </a:r>
+            <a:r>
+              <a:rPr lang="en-US" altLang="zh-CN" sz="1200" b="0" dirty="0">
+                <a:solidFill>
+                  <a:srgbClr val="3B3B3B"/>
+                </a:solidFill>
+                <a:effectLst/>
+                <a:highlight>
+                  <a:srgbClr val="FFFFFF"/>
+                </a:highlight>
+                <a:latin typeface="Consolas" panose="020B0609020204030204" pitchFamily="49" charset="0"/>
+              </a:rPr>
+              <a:t>):</a:t>
+            </a:r>
+          </a:p>
+          <a:p>
+            <a:r>
+              <a:rPr lang="en-US" altLang="zh-CN" sz="1200" b="0" dirty="0">
+                <a:solidFill>
+                  <a:srgbClr val="3B3B3B"/>
+                </a:solidFill>
+                <a:effectLst/>
+                <a:highlight>
+                  <a:srgbClr val="FFFFFF"/>
+                </a:highlight>
+                <a:latin typeface="Consolas" panose="020B0609020204030204" pitchFamily="49" charset="0"/>
+              </a:rPr>
+              <a:t>        </a:t>
+            </a:r>
+            <a:r>
+              <a:rPr lang="en-US" altLang="zh-CN" sz="1200" b="0" dirty="0" err="1">
+                <a:solidFill>
+                  <a:srgbClr val="001080"/>
+                </a:solidFill>
+                <a:effectLst/>
+                <a:highlight>
+                  <a:srgbClr val="FFFFFF"/>
+                </a:highlight>
+                <a:latin typeface="Consolas" panose="020B0609020204030204" pitchFamily="49" charset="0"/>
+              </a:rPr>
+              <a:t>self</a:t>
+            </a:r>
+            <a:r>
+              <a:rPr lang="en-US" altLang="zh-CN" sz="1200" b="0" dirty="0" err="1">
+                <a:solidFill>
+                  <a:srgbClr val="3B3B3B"/>
+                </a:solidFill>
+                <a:effectLst/>
+                <a:highlight>
+                  <a:srgbClr val="FFFFFF"/>
+                </a:highlight>
+                <a:latin typeface="Consolas" panose="020B0609020204030204" pitchFamily="49" charset="0"/>
+              </a:rPr>
+              <a:t>.</a:t>
+            </a:r>
+            <a:r>
+              <a:rPr lang="en-US" altLang="zh-CN" sz="1200" b="0" dirty="0" err="1">
+                <a:solidFill>
+                  <a:srgbClr val="001080"/>
+                </a:solidFill>
+                <a:effectLst/>
+                <a:highlight>
+                  <a:srgbClr val="FFFFFF"/>
+                </a:highlight>
+                <a:latin typeface="Consolas" panose="020B0609020204030204" pitchFamily="49" charset="0"/>
+              </a:rPr>
+              <a:t>session</a:t>
+            </a:r>
+            <a:r>
+              <a:rPr lang="en-US" altLang="zh-CN" sz="1200" b="0" dirty="0">
+                <a:solidFill>
+                  <a:srgbClr val="3B3B3B"/>
+                </a:solidFill>
+                <a:effectLst/>
+                <a:highlight>
+                  <a:srgbClr val="FFFFFF"/>
+                </a:highlight>
+                <a:latin typeface="Consolas" panose="020B0609020204030204" pitchFamily="49" charset="0"/>
+              </a:rPr>
+              <a:t> </a:t>
+            </a:r>
+            <a:r>
+              <a:rPr lang="en-US" altLang="zh-CN" sz="1200" b="0" dirty="0">
+                <a:solidFill>
+                  <a:srgbClr val="000000"/>
+                </a:solidFill>
+                <a:effectLst/>
+                <a:highlight>
+                  <a:srgbClr val="FFFFFF"/>
+                </a:highlight>
+                <a:latin typeface="Consolas" panose="020B0609020204030204" pitchFamily="49" charset="0"/>
+              </a:rPr>
+              <a:t>=</a:t>
+            </a:r>
+            <a:r>
+              <a:rPr lang="en-US" altLang="zh-CN" sz="1200" b="0" dirty="0">
+                <a:solidFill>
+                  <a:srgbClr val="3B3B3B"/>
+                </a:solidFill>
+                <a:effectLst/>
+                <a:highlight>
+                  <a:srgbClr val="FFFFFF"/>
+                </a:highlight>
+                <a:latin typeface="Consolas" panose="020B0609020204030204" pitchFamily="49" charset="0"/>
+              </a:rPr>
+              <a:t> </a:t>
+            </a:r>
+            <a:r>
+              <a:rPr lang="en-US" altLang="zh-CN" sz="1200" b="0" dirty="0" err="1">
+                <a:solidFill>
+                  <a:srgbClr val="267F99"/>
+                </a:solidFill>
+                <a:effectLst/>
+                <a:highlight>
+                  <a:srgbClr val="FFFFFF"/>
+                </a:highlight>
+                <a:latin typeface="Consolas" panose="020B0609020204030204" pitchFamily="49" charset="0"/>
+              </a:rPr>
+              <a:t>ClientSession</a:t>
+            </a:r>
+            <a:r>
+              <a:rPr lang="en-US" altLang="zh-CN" sz="1200" b="0" dirty="0">
+                <a:solidFill>
+                  <a:srgbClr val="3B3B3B"/>
+                </a:solidFill>
+                <a:effectLst/>
+                <a:highlight>
+                  <a:srgbClr val="FFFFFF"/>
+                </a:highlight>
+                <a:latin typeface="Consolas" panose="020B0609020204030204" pitchFamily="49" charset="0"/>
+              </a:rPr>
+              <a:t>()</a:t>
+            </a:r>
+          </a:p>
+          <a:p>
+            <a:r>
+              <a:rPr lang="en-US" altLang="zh-CN" sz="1200" b="0" dirty="0">
+                <a:solidFill>
+                  <a:srgbClr val="008000"/>
+                </a:solidFill>
+                <a:effectLst/>
+                <a:highlight>
+                  <a:srgbClr val="FFFFFF"/>
+                </a:highlight>
+                <a:latin typeface="Consolas" panose="020B0609020204030204" pitchFamily="49" charset="0"/>
+              </a:rPr>
+              <a:t>        # </a:t>
+            </a:r>
+            <a:r>
+              <a:rPr lang="en-US" altLang="zh-CN" sz="1200" b="0" dirty="0" err="1">
+                <a:solidFill>
+                  <a:srgbClr val="008000"/>
+                </a:solidFill>
+                <a:effectLst/>
+                <a:highlight>
+                  <a:srgbClr val="FFFFFF"/>
+                </a:highlight>
+                <a:latin typeface="Consolas" panose="020B0609020204030204" pitchFamily="49" charset="0"/>
+              </a:rPr>
+              <a:t>ws</a:t>
+            </a:r>
+            <a:r>
+              <a:rPr lang="ja-JP" altLang="en-US" sz="1200" b="0" dirty="0">
+                <a:solidFill>
+                  <a:srgbClr val="008000"/>
+                </a:solidFill>
+                <a:effectLst/>
+                <a:highlight>
+                  <a:srgbClr val="FFFFFF"/>
+                </a:highlight>
+                <a:latin typeface="Consolas" panose="020B0609020204030204" pitchFamily="49" charset="0"/>
+              </a:rPr>
+              <a:t>のプロトコールで</a:t>
+            </a:r>
+            <a:r>
+              <a:rPr lang="en-US" altLang="ja-JP" sz="1200" b="0" dirty="0">
+                <a:solidFill>
+                  <a:srgbClr val="008000"/>
+                </a:solidFill>
+                <a:effectLst/>
+                <a:highlight>
+                  <a:srgbClr val="FFFFFF"/>
+                </a:highlight>
+                <a:latin typeface="Consolas" panose="020B0609020204030204" pitchFamily="49" charset="0"/>
+              </a:rPr>
+              <a:t>IP</a:t>
+            </a:r>
+            <a:r>
+              <a:rPr lang="ja-JP" altLang="en-US" sz="1200" b="0" dirty="0">
+                <a:solidFill>
+                  <a:srgbClr val="008000"/>
+                </a:solidFill>
+                <a:effectLst/>
+                <a:highlight>
+                  <a:srgbClr val="FFFFFF"/>
+                </a:highlight>
+                <a:latin typeface="Consolas" panose="020B0609020204030204" pitchFamily="49" charset="0"/>
+              </a:rPr>
+              <a:t>アドレスが</a:t>
+            </a:r>
+            <a:r>
+              <a:rPr lang="en-US" altLang="ja-JP" sz="1200" b="0" dirty="0">
+                <a:solidFill>
+                  <a:srgbClr val="008000"/>
+                </a:solidFill>
+                <a:effectLst/>
+                <a:highlight>
+                  <a:srgbClr val="FFFFFF"/>
+                </a:highlight>
+                <a:latin typeface="Consolas" panose="020B0609020204030204" pitchFamily="49" charset="0"/>
+              </a:rPr>
+              <a:t>127.0.0.1</a:t>
+            </a:r>
+            <a:r>
+              <a:rPr lang="ja-JP" altLang="en-US" sz="1200" b="0" dirty="0">
+                <a:solidFill>
+                  <a:srgbClr val="008000"/>
+                </a:solidFill>
+                <a:effectLst/>
+                <a:highlight>
+                  <a:srgbClr val="FFFFFF"/>
+                </a:highlight>
+                <a:latin typeface="Consolas" panose="020B0609020204030204" pitchFamily="49" charset="0"/>
+              </a:rPr>
+              <a:t>の</a:t>
+            </a:r>
+            <a:r>
+              <a:rPr lang="en-US" altLang="ja-JP" sz="1200" b="0" dirty="0">
+                <a:solidFill>
+                  <a:srgbClr val="008000"/>
+                </a:solidFill>
+                <a:effectLst/>
+                <a:highlight>
+                  <a:srgbClr val="FFFFFF"/>
+                </a:highlight>
+                <a:latin typeface="Consolas" panose="020B0609020204030204" pitchFamily="49" charset="0"/>
+              </a:rPr>
+              <a:t>8888</a:t>
+            </a:r>
+            <a:r>
+              <a:rPr lang="ja-JP" altLang="en-US" sz="1200" b="0" dirty="0">
+                <a:solidFill>
+                  <a:srgbClr val="008000"/>
+                </a:solidFill>
+                <a:effectLst/>
+                <a:highlight>
+                  <a:srgbClr val="FFFFFF"/>
+                </a:highlight>
+                <a:latin typeface="Consolas" panose="020B0609020204030204" pitchFamily="49" charset="0"/>
+              </a:rPr>
+              <a:t>ポートに接続</a:t>
+            </a:r>
+            <a:r>
+              <a:rPr lang="en-US" altLang="zh-CN" sz="1200" b="0" dirty="0">
+                <a:solidFill>
+                  <a:srgbClr val="008000"/>
+                </a:solidFill>
+                <a:effectLst/>
+                <a:highlight>
+                  <a:srgbClr val="FFFFFF"/>
+                </a:highlight>
+                <a:latin typeface="Consolas" panose="020B0609020204030204" pitchFamily="49" charset="0"/>
+              </a:rPr>
+              <a:t> </a:t>
+            </a:r>
+            <a:r>
+              <a:rPr lang="en-US" altLang="zh-CN" sz="1200" dirty="0">
+                <a:solidFill>
+                  <a:srgbClr val="3B3B3B"/>
+                </a:solidFill>
+                <a:highlight>
+                  <a:srgbClr val="FFFFFF"/>
+                </a:highlight>
+                <a:latin typeface="Consolas" panose="020B0609020204030204" pitchFamily="49" charset="0"/>
+              </a:rPr>
+              <a:t>	             </a:t>
+            </a:r>
+          </a:p>
+          <a:p>
+            <a:r>
+              <a:rPr lang="en-US" altLang="zh-CN" sz="1200" dirty="0">
+                <a:solidFill>
+                  <a:srgbClr val="3B3B3B"/>
+                </a:solidFill>
+                <a:highlight>
+                  <a:srgbClr val="FFFFFF"/>
+                </a:highlight>
+                <a:latin typeface="Consolas" panose="020B0609020204030204" pitchFamily="49" charset="0"/>
+              </a:rPr>
+              <a:t>        </a:t>
+            </a:r>
+            <a:r>
+              <a:rPr lang="en-US" altLang="zh-CN" sz="1200" b="0" dirty="0" err="1">
+                <a:solidFill>
+                  <a:srgbClr val="001080"/>
+                </a:solidFill>
+                <a:effectLst/>
+                <a:highlight>
+                  <a:srgbClr val="FFFFFF"/>
+                </a:highlight>
+                <a:latin typeface="Consolas" panose="020B0609020204030204" pitchFamily="49" charset="0"/>
+              </a:rPr>
+              <a:t>self</a:t>
+            </a:r>
+            <a:r>
+              <a:rPr lang="en-US" altLang="zh-CN" sz="1200" b="0" dirty="0" err="1">
+                <a:solidFill>
+                  <a:srgbClr val="3B3B3B"/>
+                </a:solidFill>
+                <a:effectLst/>
+                <a:highlight>
+                  <a:srgbClr val="FFFFFF"/>
+                </a:highlight>
+                <a:latin typeface="Consolas" panose="020B0609020204030204" pitchFamily="49" charset="0"/>
+              </a:rPr>
+              <a:t>.</a:t>
+            </a:r>
+            <a:r>
+              <a:rPr lang="en-US" altLang="zh-CN" sz="1200" b="0" dirty="0" err="1">
+                <a:solidFill>
+                  <a:srgbClr val="001080"/>
+                </a:solidFill>
+                <a:effectLst/>
+                <a:highlight>
+                  <a:srgbClr val="FFFFFF"/>
+                </a:highlight>
+                <a:latin typeface="Consolas" panose="020B0609020204030204" pitchFamily="49" charset="0"/>
+              </a:rPr>
+              <a:t>websocket</a:t>
+            </a:r>
+            <a:r>
+              <a:rPr lang="en-US" altLang="zh-CN" sz="1200" b="0" dirty="0">
+                <a:solidFill>
+                  <a:srgbClr val="3B3B3B"/>
+                </a:solidFill>
+                <a:effectLst/>
+                <a:highlight>
+                  <a:srgbClr val="FFFFFF"/>
+                </a:highlight>
+                <a:latin typeface="Consolas" panose="020B0609020204030204" pitchFamily="49" charset="0"/>
+              </a:rPr>
+              <a:t> </a:t>
+            </a:r>
+            <a:r>
+              <a:rPr lang="en-US" altLang="zh-CN" sz="1200" b="0" dirty="0">
+                <a:solidFill>
+                  <a:srgbClr val="000000"/>
+                </a:solidFill>
+                <a:effectLst/>
+                <a:highlight>
+                  <a:srgbClr val="FFFFFF"/>
+                </a:highlight>
+                <a:latin typeface="Consolas" panose="020B0609020204030204" pitchFamily="49" charset="0"/>
+              </a:rPr>
+              <a:t>=</a:t>
+            </a:r>
+            <a:r>
+              <a:rPr lang="en-US" altLang="zh-CN" sz="1200" b="0" dirty="0">
+                <a:solidFill>
+                  <a:srgbClr val="3B3B3B"/>
+                </a:solidFill>
+                <a:effectLst/>
+                <a:highlight>
+                  <a:srgbClr val="FFFFFF"/>
+                </a:highlight>
+                <a:latin typeface="Consolas" panose="020B0609020204030204" pitchFamily="49" charset="0"/>
+              </a:rPr>
+              <a:t> </a:t>
+            </a:r>
+            <a:r>
+              <a:rPr lang="en-US" altLang="zh-CN" sz="1200" b="0" dirty="0">
+                <a:solidFill>
+                  <a:srgbClr val="AF00DB"/>
+                </a:solidFill>
+                <a:effectLst/>
+                <a:highlight>
+                  <a:srgbClr val="FFFFFF"/>
+                </a:highlight>
+                <a:latin typeface="Consolas" panose="020B0609020204030204" pitchFamily="49" charset="0"/>
+              </a:rPr>
+              <a:t>await</a:t>
+            </a:r>
+            <a:r>
+              <a:rPr lang="en-US" altLang="zh-CN" sz="1200" b="0" dirty="0">
+                <a:solidFill>
+                  <a:srgbClr val="3B3B3B"/>
+                </a:solidFill>
+                <a:effectLst/>
+                <a:highlight>
+                  <a:srgbClr val="FFFFFF"/>
+                </a:highlight>
+                <a:latin typeface="Consolas" panose="020B0609020204030204" pitchFamily="49" charset="0"/>
+              </a:rPr>
+              <a:t> </a:t>
+            </a:r>
+            <a:r>
+              <a:rPr lang="en-US" altLang="zh-CN" sz="1200" b="0" dirty="0" err="1">
+                <a:solidFill>
+                  <a:srgbClr val="001080"/>
+                </a:solidFill>
+                <a:effectLst/>
+                <a:highlight>
+                  <a:srgbClr val="FFFFFF"/>
+                </a:highlight>
+                <a:latin typeface="Consolas" panose="020B0609020204030204" pitchFamily="49" charset="0"/>
+              </a:rPr>
+              <a:t>self</a:t>
+            </a:r>
+            <a:r>
+              <a:rPr lang="en-US" altLang="zh-CN" sz="1200" b="0" dirty="0" err="1">
+                <a:solidFill>
+                  <a:srgbClr val="3B3B3B"/>
+                </a:solidFill>
+                <a:effectLst/>
+                <a:highlight>
+                  <a:srgbClr val="FFFFFF"/>
+                </a:highlight>
+                <a:latin typeface="Consolas" panose="020B0609020204030204" pitchFamily="49" charset="0"/>
+              </a:rPr>
+              <a:t>.</a:t>
+            </a:r>
+            <a:r>
+              <a:rPr lang="en-US" altLang="zh-CN" sz="1200" b="0" dirty="0" err="1">
+                <a:solidFill>
+                  <a:srgbClr val="001080"/>
+                </a:solidFill>
+                <a:effectLst/>
+                <a:highlight>
+                  <a:srgbClr val="FFFFFF"/>
+                </a:highlight>
+                <a:latin typeface="Consolas" panose="020B0609020204030204" pitchFamily="49" charset="0"/>
+              </a:rPr>
+              <a:t>session</a:t>
+            </a:r>
+            <a:r>
+              <a:rPr lang="en-US" altLang="zh-CN" sz="1200" b="0" dirty="0" err="1">
+                <a:solidFill>
+                  <a:srgbClr val="3B3B3B"/>
+                </a:solidFill>
+                <a:effectLst/>
+                <a:highlight>
+                  <a:srgbClr val="FFFFFF"/>
+                </a:highlight>
+                <a:latin typeface="Consolas" panose="020B0609020204030204" pitchFamily="49" charset="0"/>
+              </a:rPr>
+              <a:t>.</a:t>
+            </a:r>
+            <a:r>
+              <a:rPr lang="en-US" altLang="zh-CN" sz="1200" b="0" dirty="0" err="1">
+                <a:solidFill>
+                  <a:srgbClr val="795E26"/>
+                </a:solidFill>
+                <a:effectLst/>
+                <a:highlight>
+                  <a:srgbClr val="FFFFFF"/>
+                </a:highlight>
+                <a:latin typeface="Consolas" panose="020B0609020204030204" pitchFamily="49" charset="0"/>
+              </a:rPr>
+              <a:t>ws_connect</a:t>
+            </a:r>
+            <a:r>
+              <a:rPr lang="en-US" altLang="zh-CN" sz="1200" b="0" dirty="0">
+                <a:solidFill>
+                  <a:srgbClr val="3B3B3B"/>
+                </a:solidFill>
+                <a:effectLst/>
+                <a:highlight>
+                  <a:srgbClr val="FFFFFF"/>
+                </a:highlight>
+                <a:latin typeface="Consolas" panose="020B0609020204030204" pitchFamily="49" charset="0"/>
+              </a:rPr>
+              <a:t>(</a:t>
+            </a:r>
+            <a:r>
+              <a:rPr lang="en-US" altLang="zh-CN" sz="1200" b="0" dirty="0">
+                <a:solidFill>
+                  <a:srgbClr val="A31515"/>
+                </a:solidFill>
+                <a:effectLst/>
+                <a:highlight>
+                  <a:srgbClr val="FFFFFF"/>
+                </a:highlight>
+                <a:latin typeface="Consolas" panose="020B0609020204030204" pitchFamily="49" charset="0"/>
+              </a:rPr>
+              <a:t>"</a:t>
+            </a:r>
+            <a:r>
+              <a:rPr lang="en-US" altLang="zh-CN" sz="1200" b="0" dirty="0" err="1">
+                <a:solidFill>
+                  <a:srgbClr val="A31515"/>
+                </a:solidFill>
+                <a:effectLst/>
+                <a:highlight>
+                  <a:srgbClr val="FFFFFF"/>
+                </a:highlight>
+                <a:latin typeface="Consolas" panose="020B0609020204030204" pitchFamily="49" charset="0"/>
+              </a:rPr>
+              <a:t>ws</a:t>
+            </a:r>
+            <a:r>
+              <a:rPr lang="en-US" altLang="zh-CN" sz="1200" b="0" dirty="0">
+                <a:solidFill>
+                  <a:srgbClr val="A31515"/>
+                </a:solidFill>
+                <a:effectLst/>
+                <a:highlight>
+                  <a:srgbClr val="FFFFFF"/>
+                </a:highlight>
+                <a:latin typeface="Consolas" panose="020B0609020204030204" pitchFamily="49" charset="0"/>
+              </a:rPr>
+              <a:t>://127.0.0.1:8888"</a:t>
+            </a:r>
+            <a:r>
+              <a:rPr lang="en-US" altLang="zh-CN" sz="1200" b="0" dirty="0">
+                <a:solidFill>
+                  <a:srgbClr val="3B3B3B"/>
+                </a:solidFill>
+                <a:effectLst/>
+                <a:highlight>
+                  <a:srgbClr val="FFFFFF"/>
+                </a:highlight>
+                <a:latin typeface="Consolas" panose="020B0609020204030204" pitchFamily="49" charset="0"/>
+              </a:rPr>
+              <a:t>)</a:t>
+            </a:r>
+          </a:p>
+          <a:p>
+            <a:endParaRPr lang="en-US" altLang="zh-CN" sz="1200" b="0" dirty="0">
+              <a:solidFill>
+                <a:srgbClr val="3B3B3B"/>
+              </a:solidFill>
+              <a:effectLst/>
+              <a:highlight>
+                <a:srgbClr val="FFFFFF"/>
+              </a:highlight>
+              <a:latin typeface="Consolas" panose="020B0609020204030204" pitchFamily="49" charset="0"/>
+            </a:endParaRPr>
+          </a:p>
+          <a:p>
+            <a:r>
+              <a:rPr lang="en-US" altLang="zh-CN" sz="1200" b="0" dirty="0">
+                <a:solidFill>
+                  <a:srgbClr val="3B3B3B"/>
+                </a:solidFill>
+                <a:effectLst/>
+                <a:highlight>
+                  <a:srgbClr val="FFFFFF"/>
+                </a:highlight>
+                <a:latin typeface="Consolas" panose="020B0609020204030204" pitchFamily="49" charset="0"/>
+              </a:rPr>
+              <a:t>    </a:t>
+            </a:r>
+            <a:r>
+              <a:rPr lang="en-US" altLang="zh-CN" sz="1200" b="0" dirty="0">
+                <a:solidFill>
+                  <a:srgbClr val="0000FF"/>
+                </a:solidFill>
+                <a:effectLst/>
+                <a:highlight>
+                  <a:srgbClr val="FFFFFF"/>
+                </a:highlight>
+                <a:latin typeface="Consolas" panose="020B0609020204030204" pitchFamily="49" charset="0"/>
+              </a:rPr>
+              <a:t>async</a:t>
+            </a:r>
+            <a:r>
+              <a:rPr lang="en-US" altLang="zh-CN" sz="1200" b="0" dirty="0">
+                <a:solidFill>
+                  <a:srgbClr val="3B3B3B"/>
+                </a:solidFill>
+                <a:effectLst/>
+                <a:highlight>
+                  <a:srgbClr val="FFFFFF"/>
+                </a:highlight>
+                <a:latin typeface="Consolas" panose="020B0609020204030204" pitchFamily="49" charset="0"/>
+              </a:rPr>
+              <a:t> </a:t>
+            </a:r>
+            <a:r>
+              <a:rPr lang="en-US" altLang="zh-CN" sz="1200" b="0" dirty="0">
+                <a:solidFill>
+                  <a:srgbClr val="0000FF"/>
+                </a:solidFill>
+                <a:effectLst/>
+                <a:highlight>
+                  <a:srgbClr val="FFFFFF"/>
+                </a:highlight>
+                <a:latin typeface="Consolas" panose="020B0609020204030204" pitchFamily="49" charset="0"/>
+              </a:rPr>
+              <a:t>def</a:t>
+            </a:r>
+            <a:r>
+              <a:rPr lang="en-US" altLang="zh-CN" sz="1200" b="0" dirty="0">
+                <a:solidFill>
+                  <a:srgbClr val="3B3B3B"/>
+                </a:solidFill>
+                <a:effectLst/>
+                <a:highlight>
+                  <a:srgbClr val="FFFFFF"/>
+                </a:highlight>
+                <a:latin typeface="Consolas" panose="020B0609020204030204" pitchFamily="49" charset="0"/>
+              </a:rPr>
+              <a:t> </a:t>
+            </a:r>
+            <a:r>
+              <a:rPr lang="en-US" altLang="zh-CN" sz="1200" b="0" dirty="0">
+                <a:solidFill>
+                  <a:srgbClr val="795E26"/>
+                </a:solidFill>
+                <a:effectLst/>
+                <a:highlight>
+                  <a:srgbClr val="FFFFFF"/>
+                </a:highlight>
+                <a:latin typeface="Consolas" panose="020B0609020204030204" pitchFamily="49" charset="0"/>
+              </a:rPr>
+              <a:t>send</a:t>
+            </a:r>
+            <a:r>
+              <a:rPr lang="en-US" altLang="zh-CN" sz="1200" b="0" dirty="0">
+                <a:solidFill>
+                  <a:srgbClr val="3B3B3B"/>
+                </a:solidFill>
+                <a:effectLst/>
+                <a:highlight>
+                  <a:srgbClr val="FFFFFF"/>
+                </a:highlight>
+                <a:latin typeface="Consolas" panose="020B0609020204030204" pitchFamily="49" charset="0"/>
+              </a:rPr>
+              <a:t>(</a:t>
+            </a:r>
+            <a:r>
+              <a:rPr lang="en-US" altLang="zh-CN" sz="1200" b="0" dirty="0">
+                <a:solidFill>
+                  <a:srgbClr val="001080"/>
+                </a:solidFill>
+                <a:effectLst/>
+                <a:highlight>
+                  <a:srgbClr val="FFFFFF"/>
+                </a:highlight>
+                <a:latin typeface="Consolas" panose="020B0609020204030204" pitchFamily="49" charset="0"/>
+              </a:rPr>
+              <a:t>self</a:t>
+            </a:r>
+            <a:r>
+              <a:rPr lang="en-US" altLang="zh-CN" sz="1200" b="0" dirty="0">
+                <a:solidFill>
+                  <a:srgbClr val="3B3B3B"/>
+                </a:solidFill>
+                <a:effectLst/>
+                <a:highlight>
+                  <a:srgbClr val="FFFFFF"/>
+                </a:highlight>
+                <a:latin typeface="Consolas" panose="020B0609020204030204" pitchFamily="49" charset="0"/>
+              </a:rPr>
+              <a:t>, </a:t>
+            </a:r>
+            <a:r>
+              <a:rPr lang="en-US" altLang="zh-CN" sz="1200" b="0" dirty="0">
+                <a:solidFill>
+                  <a:srgbClr val="001080"/>
+                </a:solidFill>
+                <a:effectLst/>
+                <a:highlight>
+                  <a:srgbClr val="FFFFFF"/>
+                </a:highlight>
+                <a:latin typeface="Consolas" panose="020B0609020204030204" pitchFamily="49" charset="0"/>
+              </a:rPr>
+              <a:t>message</a:t>
+            </a:r>
+            <a:r>
+              <a:rPr lang="en-US" altLang="zh-CN" sz="1200" b="0" dirty="0">
+                <a:solidFill>
+                  <a:srgbClr val="3B3B3B"/>
+                </a:solidFill>
+                <a:effectLst/>
+                <a:highlight>
+                  <a:srgbClr val="FFFFFF"/>
+                </a:highlight>
+                <a:latin typeface="Consolas" panose="020B0609020204030204" pitchFamily="49" charset="0"/>
+              </a:rPr>
+              <a:t>):</a:t>
+            </a:r>
+          </a:p>
+          <a:p>
+            <a:r>
+              <a:rPr lang="en-US" altLang="zh-CN" sz="1200" b="0" dirty="0">
+                <a:solidFill>
+                  <a:srgbClr val="3B3B3B"/>
+                </a:solidFill>
+                <a:effectLst/>
+                <a:highlight>
+                  <a:srgbClr val="FFFFFF"/>
+                </a:highlight>
+                <a:latin typeface="Consolas" panose="020B0609020204030204" pitchFamily="49" charset="0"/>
+              </a:rPr>
+              <a:t>        </a:t>
+            </a:r>
+            <a:r>
+              <a:rPr lang="en-US" altLang="zh-CN" sz="1200" b="0" dirty="0">
+                <a:solidFill>
+                  <a:srgbClr val="AF00DB"/>
+                </a:solidFill>
+                <a:effectLst/>
+                <a:highlight>
+                  <a:srgbClr val="FFFFFF"/>
+                </a:highlight>
+                <a:latin typeface="Consolas" panose="020B0609020204030204" pitchFamily="49" charset="0"/>
+              </a:rPr>
+              <a:t>await</a:t>
+            </a:r>
+            <a:r>
+              <a:rPr lang="en-US" altLang="zh-CN" sz="1200" b="0" dirty="0">
+                <a:solidFill>
+                  <a:srgbClr val="3B3B3B"/>
+                </a:solidFill>
+                <a:effectLst/>
+                <a:highlight>
+                  <a:srgbClr val="FFFFFF"/>
+                </a:highlight>
+                <a:latin typeface="Consolas" panose="020B0609020204030204" pitchFamily="49" charset="0"/>
+              </a:rPr>
+              <a:t> </a:t>
+            </a:r>
+            <a:r>
+              <a:rPr lang="en-US" altLang="zh-CN" sz="1200" b="0" dirty="0" err="1">
+                <a:solidFill>
+                  <a:srgbClr val="001080"/>
+                </a:solidFill>
+                <a:effectLst/>
+                <a:highlight>
+                  <a:srgbClr val="FFFFFF"/>
+                </a:highlight>
+                <a:latin typeface="Consolas" panose="020B0609020204030204" pitchFamily="49" charset="0"/>
+              </a:rPr>
+              <a:t>self</a:t>
+            </a:r>
+            <a:r>
+              <a:rPr lang="en-US" altLang="zh-CN" sz="1200" b="0" dirty="0" err="1">
+                <a:solidFill>
+                  <a:srgbClr val="3B3B3B"/>
+                </a:solidFill>
+                <a:effectLst/>
+                <a:highlight>
+                  <a:srgbClr val="FFFFFF"/>
+                </a:highlight>
+                <a:latin typeface="Consolas" panose="020B0609020204030204" pitchFamily="49" charset="0"/>
+              </a:rPr>
+              <a:t>.</a:t>
+            </a:r>
+            <a:r>
+              <a:rPr lang="en-US" altLang="zh-CN" sz="1200" b="0" dirty="0" err="1">
+                <a:solidFill>
+                  <a:srgbClr val="001080"/>
+                </a:solidFill>
+                <a:effectLst/>
+                <a:highlight>
+                  <a:srgbClr val="FFFFFF"/>
+                </a:highlight>
+                <a:latin typeface="Consolas" panose="020B0609020204030204" pitchFamily="49" charset="0"/>
+              </a:rPr>
+              <a:t>websocket</a:t>
+            </a:r>
+            <a:r>
+              <a:rPr lang="en-US" altLang="zh-CN" sz="1200" b="0" dirty="0" err="1">
+                <a:solidFill>
+                  <a:srgbClr val="3B3B3B"/>
+                </a:solidFill>
+                <a:effectLst/>
+                <a:highlight>
+                  <a:srgbClr val="FFFFFF"/>
+                </a:highlight>
+                <a:latin typeface="Consolas" panose="020B0609020204030204" pitchFamily="49" charset="0"/>
+              </a:rPr>
+              <a:t>.</a:t>
+            </a:r>
+            <a:r>
+              <a:rPr lang="en-US" altLang="zh-CN" sz="1200" b="0" dirty="0" err="1">
+                <a:solidFill>
+                  <a:srgbClr val="795E26"/>
+                </a:solidFill>
+                <a:effectLst/>
+                <a:highlight>
+                  <a:srgbClr val="FFFFFF"/>
+                </a:highlight>
+                <a:latin typeface="Consolas" panose="020B0609020204030204" pitchFamily="49" charset="0"/>
+              </a:rPr>
+              <a:t>send_str</a:t>
+            </a:r>
+            <a:r>
+              <a:rPr lang="en-US" altLang="zh-CN" sz="1200" b="0" dirty="0">
+                <a:solidFill>
+                  <a:srgbClr val="3B3B3B"/>
+                </a:solidFill>
+                <a:effectLst/>
+                <a:highlight>
+                  <a:srgbClr val="FFFFFF"/>
+                </a:highlight>
+                <a:latin typeface="Consolas" panose="020B0609020204030204" pitchFamily="49" charset="0"/>
+              </a:rPr>
+              <a:t>(</a:t>
+            </a:r>
+            <a:r>
+              <a:rPr lang="en-US" altLang="zh-CN" sz="1200" b="0" dirty="0">
+                <a:solidFill>
+                  <a:srgbClr val="001080"/>
+                </a:solidFill>
+                <a:effectLst/>
+                <a:highlight>
+                  <a:srgbClr val="FFFFFF"/>
+                </a:highlight>
+                <a:latin typeface="Consolas" panose="020B0609020204030204" pitchFamily="49" charset="0"/>
+              </a:rPr>
+              <a:t>message</a:t>
+            </a:r>
+            <a:r>
+              <a:rPr lang="en-US" altLang="zh-CN" sz="1200" b="0" dirty="0">
+                <a:solidFill>
+                  <a:srgbClr val="3B3B3B"/>
+                </a:solidFill>
+                <a:effectLst/>
+                <a:highlight>
+                  <a:srgbClr val="FFFFFF"/>
+                </a:highlight>
+                <a:latin typeface="Consolas" panose="020B0609020204030204" pitchFamily="49" charset="0"/>
+              </a:rPr>
+              <a:t>)  </a:t>
+            </a:r>
+          </a:p>
+          <a:p>
+            <a:r>
+              <a:rPr lang="en-US" altLang="zh-CN" sz="1200" b="0" dirty="0">
+                <a:solidFill>
+                  <a:srgbClr val="3B3B3B"/>
+                </a:solidFill>
+                <a:effectLst/>
+                <a:highlight>
+                  <a:srgbClr val="FFFFFF"/>
+                </a:highlight>
+                <a:latin typeface="Consolas" panose="020B0609020204030204" pitchFamily="49" charset="0"/>
+              </a:rPr>
+              <a:t>    </a:t>
+            </a:r>
+          </a:p>
+          <a:p>
+            <a:r>
+              <a:rPr lang="en-US" altLang="zh-CN" sz="1200" b="0" dirty="0">
+                <a:solidFill>
+                  <a:srgbClr val="008000"/>
+                </a:solidFill>
+                <a:effectLst/>
+                <a:highlight>
+                  <a:srgbClr val="FFFFFF"/>
+                </a:highlight>
+                <a:latin typeface="Consolas" panose="020B0609020204030204" pitchFamily="49" charset="0"/>
+              </a:rPr>
+              <a:t>    # </a:t>
+            </a:r>
+            <a:r>
+              <a:rPr lang="ja-JP" altLang="en-US" sz="1200" b="0" dirty="0">
+                <a:solidFill>
+                  <a:srgbClr val="008000"/>
+                </a:solidFill>
+                <a:effectLst/>
+                <a:highlight>
+                  <a:srgbClr val="FFFFFF"/>
+                </a:highlight>
+                <a:latin typeface="Consolas" panose="020B0609020204030204" pitchFamily="49" charset="0"/>
+              </a:rPr>
+              <a:t>サーバーからのメッセージを受け取る</a:t>
+            </a:r>
+            <a:endParaRPr lang="en-US" altLang="zh-CN" sz="1200" b="0" dirty="0">
+              <a:solidFill>
+                <a:srgbClr val="3B3B3B"/>
+              </a:solidFill>
+              <a:effectLst/>
+              <a:highlight>
+                <a:srgbClr val="FFFFFF"/>
+              </a:highlight>
+              <a:latin typeface="Consolas" panose="020B0609020204030204" pitchFamily="49" charset="0"/>
+            </a:endParaRPr>
+          </a:p>
+          <a:p>
+            <a:r>
+              <a:rPr lang="en-US" altLang="zh-CN" sz="1200" b="0" dirty="0">
+                <a:solidFill>
+                  <a:srgbClr val="3B3B3B"/>
+                </a:solidFill>
+                <a:effectLst/>
+                <a:highlight>
+                  <a:srgbClr val="FFFFFF"/>
+                </a:highlight>
+                <a:latin typeface="Consolas" panose="020B0609020204030204" pitchFamily="49" charset="0"/>
+              </a:rPr>
+              <a:t>    </a:t>
+            </a:r>
+            <a:r>
+              <a:rPr lang="en-US" altLang="zh-CN" sz="1200" b="0" dirty="0">
+                <a:solidFill>
+                  <a:srgbClr val="0000FF"/>
+                </a:solidFill>
+                <a:effectLst/>
+                <a:highlight>
+                  <a:srgbClr val="FFFFFF"/>
+                </a:highlight>
+                <a:latin typeface="Consolas" panose="020B0609020204030204" pitchFamily="49" charset="0"/>
+              </a:rPr>
+              <a:t>async</a:t>
+            </a:r>
+            <a:r>
+              <a:rPr lang="en-US" altLang="zh-CN" sz="1200" b="0" dirty="0">
+                <a:solidFill>
+                  <a:srgbClr val="3B3B3B"/>
+                </a:solidFill>
+                <a:effectLst/>
+                <a:highlight>
+                  <a:srgbClr val="FFFFFF"/>
+                </a:highlight>
+                <a:latin typeface="Consolas" panose="020B0609020204030204" pitchFamily="49" charset="0"/>
+              </a:rPr>
+              <a:t> </a:t>
+            </a:r>
+            <a:r>
+              <a:rPr lang="en-US" altLang="zh-CN" sz="1200" b="0" dirty="0">
+                <a:solidFill>
+                  <a:srgbClr val="0000FF"/>
+                </a:solidFill>
+                <a:effectLst/>
+                <a:highlight>
+                  <a:srgbClr val="FFFFFF"/>
+                </a:highlight>
+                <a:latin typeface="Consolas" panose="020B0609020204030204" pitchFamily="49" charset="0"/>
+              </a:rPr>
+              <a:t>def</a:t>
+            </a:r>
+            <a:r>
+              <a:rPr lang="en-US" altLang="zh-CN" sz="1200" b="0" dirty="0">
+                <a:solidFill>
+                  <a:srgbClr val="3B3B3B"/>
+                </a:solidFill>
+                <a:effectLst/>
+                <a:highlight>
+                  <a:srgbClr val="FFFFFF"/>
+                </a:highlight>
+                <a:latin typeface="Consolas" panose="020B0609020204030204" pitchFamily="49" charset="0"/>
+              </a:rPr>
+              <a:t> </a:t>
+            </a:r>
+            <a:r>
+              <a:rPr lang="en-US" altLang="zh-CN" sz="1200" b="0" dirty="0">
+                <a:solidFill>
+                  <a:srgbClr val="795E26"/>
+                </a:solidFill>
+                <a:effectLst/>
+                <a:highlight>
+                  <a:srgbClr val="FFFFFF"/>
+                </a:highlight>
+                <a:latin typeface="Consolas" panose="020B0609020204030204" pitchFamily="49" charset="0"/>
+              </a:rPr>
+              <a:t>receive</a:t>
+            </a:r>
+            <a:r>
+              <a:rPr lang="en-US" altLang="zh-CN" sz="1200" b="0" dirty="0">
+                <a:solidFill>
+                  <a:srgbClr val="3B3B3B"/>
+                </a:solidFill>
+                <a:effectLst/>
+                <a:highlight>
+                  <a:srgbClr val="FFFFFF"/>
+                </a:highlight>
+                <a:latin typeface="Consolas" panose="020B0609020204030204" pitchFamily="49" charset="0"/>
+              </a:rPr>
+              <a:t>(</a:t>
+            </a:r>
+            <a:r>
+              <a:rPr lang="en-US" altLang="zh-CN" sz="1200" b="0" dirty="0">
+                <a:solidFill>
+                  <a:srgbClr val="001080"/>
+                </a:solidFill>
+                <a:effectLst/>
+                <a:highlight>
+                  <a:srgbClr val="FFFFFF"/>
+                </a:highlight>
+                <a:latin typeface="Consolas" panose="020B0609020204030204" pitchFamily="49" charset="0"/>
+              </a:rPr>
+              <a:t>self</a:t>
+            </a:r>
+            <a:r>
+              <a:rPr lang="en-US" altLang="zh-CN" sz="1200" b="0" dirty="0">
+                <a:solidFill>
+                  <a:srgbClr val="3B3B3B"/>
+                </a:solidFill>
+                <a:effectLst/>
+                <a:highlight>
+                  <a:srgbClr val="FFFFFF"/>
+                </a:highlight>
+                <a:latin typeface="Consolas" panose="020B0609020204030204" pitchFamily="49" charset="0"/>
+              </a:rPr>
+              <a:t>):</a:t>
+            </a:r>
+          </a:p>
+          <a:p>
+            <a:r>
+              <a:rPr lang="en-US" altLang="zh-CN" sz="1200" b="0" dirty="0">
+                <a:solidFill>
+                  <a:srgbClr val="3B3B3B"/>
+                </a:solidFill>
+                <a:effectLst/>
+                <a:highlight>
+                  <a:srgbClr val="FFFFFF"/>
+                </a:highlight>
+                <a:latin typeface="Consolas" panose="020B0609020204030204" pitchFamily="49" charset="0"/>
+              </a:rPr>
+              <a:t>        </a:t>
+            </a:r>
+            <a:r>
+              <a:rPr lang="en-US" altLang="zh-CN" sz="1200" b="0" dirty="0">
+                <a:solidFill>
+                  <a:srgbClr val="001080"/>
+                </a:solidFill>
+                <a:effectLst/>
+                <a:highlight>
+                  <a:srgbClr val="FFFFFF"/>
+                </a:highlight>
+                <a:latin typeface="Consolas" panose="020B0609020204030204" pitchFamily="49" charset="0"/>
+              </a:rPr>
+              <a:t>result</a:t>
+            </a:r>
+            <a:r>
+              <a:rPr lang="en-US" altLang="zh-CN" sz="1200" b="0" dirty="0">
+                <a:solidFill>
+                  <a:srgbClr val="3B3B3B"/>
+                </a:solidFill>
+                <a:effectLst/>
+                <a:highlight>
+                  <a:srgbClr val="FFFFFF"/>
+                </a:highlight>
+                <a:latin typeface="Consolas" panose="020B0609020204030204" pitchFamily="49" charset="0"/>
+              </a:rPr>
+              <a:t> </a:t>
+            </a:r>
+            <a:r>
+              <a:rPr lang="en-US" altLang="zh-CN" sz="1200" b="0" dirty="0">
+                <a:solidFill>
+                  <a:srgbClr val="000000"/>
+                </a:solidFill>
+                <a:effectLst/>
+                <a:highlight>
+                  <a:srgbClr val="FFFFFF"/>
+                </a:highlight>
+                <a:latin typeface="Consolas" panose="020B0609020204030204" pitchFamily="49" charset="0"/>
+              </a:rPr>
+              <a:t>=</a:t>
+            </a:r>
+            <a:r>
+              <a:rPr lang="en-US" altLang="zh-CN" sz="1200" b="0" dirty="0">
+                <a:solidFill>
+                  <a:srgbClr val="3B3B3B"/>
+                </a:solidFill>
+                <a:effectLst/>
+                <a:highlight>
+                  <a:srgbClr val="FFFFFF"/>
+                </a:highlight>
+                <a:latin typeface="Consolas" panose="020B0609020204030204" pitchFamily="49" charset="0"/>
+              </a:rPr>
+              <a:t> </a:t>
+            </a:r>
+            <a:r>
+              <a:rPr lang="en-US" altLang="zh-CN" sz="1200" b="0" dirty="0">
+                <a:solidFill>
+                  <a:srgbClr val="AF00DB"/>
+                </a:solidFill>
+                <a:effectLst/>
+                <a:highlight>
+                  <a:srgbClr val="FFFFFF"/>
+                </a:highlight>
+                <a:latin typeface="Consolas" panose="020B0609020204030204" pitchFamily="49" charset="0"/>
+              </a:rPr>
+              <a:t>await</a:t>
+            </a:r>
+            <a:r>
+              <a:rPr lang="en-US" altLang="zh-CN" sz="1200" b="0" dirty="0">
+                <a:solidFill>
+                  <a:srgbClr val="3B3B3B"/>
+                </a:solidFill>
+                <a:effectLst/>
+                <a:highlight>
+                  <a:srgbClr val="FFFFFF"/>
+                </a:highlight>
+                <a:latin typeface="Consolas" panose="020B0609020204030204" pitchFamily="49" charset="0"/>
+              </a:rPr>
+              <a:t> </a:t>
+            </a:r>
+            <a:r>
+              <a:rPr lang="en-US" altLang="zh-CN" sz="1200" b="0" dirty="0" err="1">
+                <a:solidFill>
+                  <a:srgbClr val="001080"/>
+                </a:solidFill>
+                <a:effectLst/>
+                <a:highlight>
+                  <a:srgbClr val="FFFFFF"/>
+                </a:highlight>
+                <a:latin typeface="Consolas" panose="020B0609020204030204" pitchFamily="49" charset="0"/>
+              </a:rPr>
+              <a:t>self</a:t>
+            </a:r>
+            <a:r>
+              <a:rPr lang="en-US" altLang="zh-CN" sz="1200" b="0" dirty="0" err="1">
+                <a:solidFill>
+                  <a:srgbClr val="3B3B3B"/>
+                </a:solidFill>
+                <a:effectLst/>
+                <a:highlight>
+                  <a:srgbClr val="FFFFFF"/>
+                </a:highlight>
+                <a:latin typeface="Consolas" panose="020B0609020204030204" pitchFamily="49" charset="0"/>
+              </a:rPr>
+              <a:t>.</a:t>
+            </a:r>
+            <a:r>
+              <a:rPr lang="en-US" altLang="zh-CN" sz="1200" b="0" dirty="0" err="1">
+                <a:solidFill>
+                  <a:srgbClr val="001080"/>
+                </a:solidFill>
+                <a:effectLst/>
+                <a:highlight>
+                  <a:srgbClr val="FFFFFF"/>
+                </a:highlight>
+                <a:latin typeface="Consolas" panose="020B0609020204030204" pitchFamily="49" charset="0"/>
+              </a:rPr>
+              <a:t>websocket</a:t>
+            </a:r>
+            <a:r>
+              <a:rPr lang="en-US" altLang="zh-CN" sz="1200" b="0" dirty="0" err="1">
+                <a:solidFill>
+                  <a:srgbClr val="3B3B3B"/>
+                </a:solidFill>
+                <a:effectLst/>
+                <a:highlight>
+                  <a:srgbClr val="FFFFFF"/>
+                </a:highlight>
+                <a:latin typeface="Consolas" panose="020B0609020204030204" pitchFamily="49" charset="0"/>
+              </a:rPr>
+              <a:t>.</a:t>
+            </a:r>
+            <a:r>
+              <a:rPr lang="en-US" altLang="zh-CN" sz="1200" b="0" dirty="0" err="1">
+                <a:solidFill>
+                  <a:srgbClr val="795E26"/>
+                </a:solidFill>
+                <a:effectLst/>
+                <a:highlight>
+                  <a:srgbClr val="FFFFFF"/>
+                </a:highlight>
+                <a:latin typeface="Consolas" panose="020B0609020204030204" pitchFamily="49" charset="0"/>
+              </a:rPr>
+              <a:t>receive</a:t>
+            </a:r>
+            <a:r>
+              <a:rPr lang="en-US" altLang="zh-CN" sz="1200" b="0" dirty="0">
+                <a:solidFill>
+                  <a:srgbClr val="3B3B3B"/>
+                </a:solidFill>
+                <a:effectLst/>
+                <a:highlight>
+                  <a:srgbClr val="FFFFFF"/>
+                </a:highlight>
+                <a:latin typeface="Consolas" panose="020B0609020204030204" pitchFamily="49" charset="0"/>
+              </a:rPr>
+              <a:t>()</a:t>
+            </a:r>
+          </a:p>
+          <a:p>
+            <a:r>
+              <a:rPr lang="en-US" altLang="zh-CN" sz="1200" b="0" dirty="0">
+                <a:solidFill>
+                  <a:srgbClr val="3B3B3B"/>
+                </a:solidFill>
+                <a:effectLst/>
+                <a:highlight>
+                  <a:srgbClr val="FFFFFF"/>
+                </a:highlight>
+                <a:latin typeface="Consolas" panose="020B0609020204030204" pitchFamily="49" charset="0"/>
+              </a:rPr>
+              <a:t>        </a:t>
+            </a:r>
+            <a:r>
+              <a:rPr lang="en-US" altLang="zh-CN" sz="1200" b="0" dirty="0">
+                <a:solidFill>
+                  <a:srgbClr val="AF00DB"/>
+                </a:solidFill>
+                <a:effectLst/>
+                <a:highlight>
+                  <a:srgbClr val="FFFFFF"/>
+                </a:highlight>
+                <a:latin typeface="Consolas" panose="020B0609020204030204" pitchFamily="49" charset="0"/>
+              </a:rPr>
+              <a:t>return</a:t>
+            </a:r>
+            <a:r>
+              <a:rPr lang="en-US" altLang="zh-CN" sz="1200" b="0" dirty="0">
+                <a:solidFill>
+                  <a:srgbClr val="3B3B3B"/>
+                </a:solidFill>
+                <a:effectLst/>
+                <a:highlight>
+                  <a:srgbClr val="FFFFFF"/>
+                </a:highlight>
+                <a:latin typeface="Consolas" panose="020B0609020204030204" pitchFamily="49" charset="0"/>
+              </a:rPr>
+              <a:t> </a:t>
+            </a:r>
+            <a:r>
+              <a:rPr lang="en-US" altLang="zh-CN" sz="1200" b="0" dirty="0" err="1">
+                <a:solidFill>
+                  <a:srgbClr val="001080"/>
+                </a:solidFill>
+                <a:effectLst/>
+                <a:highlight>
+                  <a:srgbClr val="FFFFFF"/>
+                </a:highlight>
+                <a:latin typeface="Consolas" panose="020B0609020204030204" pitchFamily="49" charset="0"/>
+              </a:rPr>
+              <a:t>result</a:t>
+            </a:r>
+            <a:r>
+              <a:rPr lang="en-US" altLang="zh-CN" sz="1200" b="0" dirty="0" err="1">
+                <a:solidFill>
+                  <a:srgbClr val="3B3B3B"/>
+                </a:solidFill>
+                <a:effectLst/>
+                <a:highlight>
+                  <a:srgbClr val="FFFFFF"/>
+                </a:highlight>
+                <a:latin typeface="Consolas" panose="020B0609020204030204" pitchFamily="49" charset="0"/>
+              </a:rPr>
+              <a:t>.</a:t>
+            </a:r>
+            <a:r>
+              <a:rPr lang="en-US" altLang="zh-CN" sz="1200" b="0" dirty="0" err="1">
+                <a:solidFill>
+                  <a:srgbClr val="001080"/>
+                </a:solidFill>
+                <a:effectLst/>
+                <a:highlight>
+                  <a:srgbClr val="FFFFFF"/>
+                </a:highlight>
+                <a:latin typeface="Consolas" panose="020B0609020204030204" pitchFamily="49" charset="0"/>
+              </a:rPr>
+              <a:t>data</a:t>
+            </a:r>
+            <a:endParaRPr lang="en-US" altLang="zh-CN" sz="1200" b="0" dirty="0">
+              <a:solidFill>
+                <a:srgbClr val="3B3B3B"/>
+              </a:solidFill>
+              <a:effectLst/>
+              <a:highlight>
+                <a:srgbClr val="FFFFFF"/>
+              </a:highlight>
+              <a:latin typeface="Consolas" panose="020B0609020204030204" pitchFamily="49" charset="0"/>
+            </a:endParaRPr>
+          </a:p>
+          <a:p>
+            <a:br>
+              <a:rPr lang="en-US" altLang="zh-CN" sz="1200" b="0" dirty="0">
+                <a:solidFill>
+                  <a:srgbClr val="3B3B3B"/>
+                </a:solidFill>
+                <a:effectLst/>
+                <a:highlight>
+                  <a:srgbClr val="FFFFFF"/>
+                </a:highlight>
+                <a:latin typeface="Consolas" panose="020B0609020204030204" pitchFamily="49" charset="0"/>
+              </a:rPr>
+            </a:br>
+            <a:r>
+              <a:rPr lang="en-US" altLang="zh-CN" sz="1200" b="0" dirty="0">
+                <a:solidFill>
+                  <a:srgbClr val="3B3B3B"/>
+                </a:solidFill>
+                <a:effectLst/>
+                <a:highlight>
+                  <a:srgbClr val="FFFFFF"/>
+                </a:highlight>
+                <a:latin typeface="Consolas" panose="020B0609020204030204" pitchFamily="49" charset="0"/>
+              </a:rPr>
+              <a:t>    </a:t>
+            </a:r>
+            <a:r>
+              <a:rPr lang="en-US" altLang="zh-CN" sz="1200" b="0" dirty="0">
+                <a:solidFill>
+                  <a:srgbClr val="0000FF"/>
+                </a:solidFill>
+                <a:effectLst/>
+                <a:highlight>
+                  <a:srgbClr val="FFFFFF"/>
+                </a:highlight>
+                <a:latin typeface="Consolas" panose="020B0609020204030204" pitchFamily="49" charset="0"/>
+              </a:rPr>
+              <a:t>async</a:t>
+            </a:r>
+            <a:r>
+              <a:rPr lang="en-US" altLang="zh-CN" sz="1200" b="0" dirty="0">
+                <a:solidFill>
+                  <a:srgbClr val="3B3B3B"/>
+                </a:solidFill>
+                <a:effectLst/>
+                <a:highlight>
+                  <a:srgbClr val="FFFFFF"/>
+                </a:highlight>
+                <a:latin typeface="Consolas" panose="020B0609020204030204" pitchFamily="49" charset="0"/>
+              </a:rPr>
+              <a:t> </a:t>
+            </a:r>
+            <a:r>
+              <a:rPr lang="en-US" altLang="zh-CN" sz="1200" b="0" dirty="0">
+                <a:solidFill>
+                  <a:srgbClr val="0000FF"/>
+                </a:solidFill>
+                <a:effectLst/>
+                <a:highlight>
+                  <a:srgbClr val="FFFFFF"/>
+                </a:highlight>
+                <a:latin typeface="Consolas" panose="020B0609020204030204" pitchFamily="49" charset="0"/>
+              </a:rPr>
+              <a:t>def</a:t>
+            </a:r>
+            <a:r>
+              <a:rPr lang="en-US" altLang="zh-CN" sz="1200" b="0" dirty="0">
+                <a:solidFill>
+                  <a:srgbClr val="3B3B3B"/>
+                </a:solidFill>
+                <a:effectLst/>
+                <a:highlight>
+                  <a:srgbClr val="FFFFFF"/>
+                </a:highlight>
+                <a:latin typeface="Consolas" panose="020B0609020204030204" pitchFamily="49" charset="0"/>
+              </a:rPr>
+              <a:t> </a:t>
+            </a:r>
+            <a:r>
+              <a:rPr lang="en-US" altLang="zh-CN" sz="1200" b="0" dirty="0">
+                <a:solidFill>
+                  <a:srgbClr val="795E26"/>
+                </a:solidFill>
+                <a:effectLst/>
+                <a:highlight>
+                  <a:srgbClr val="FFFFFF"/>
+                </a:highlight>
+                <a:latin typeface="Consolas" panose="020B0609020204030204" pitchFamily="49" charset="0"/>
+              </a:rPr>
+              <a:t>close</a:t>
+            </a:r>
+            <a:r>
+              <a:rPr lang="en-US" altLang="zh-CN" sz="1200" b="0" dirty="0">
+                <a:solidFill>
+                  <a:srgbClr val="3B3B3B"/>
+                </a:solidFill>
+                <a:effectLst/>
+                <a:highlight>
+                  <a:srgbClr val="FFFFFF"/>
+                </a:highlight>
+                <a:latin typeface="Consolas" panose="020B0609020204030204" pitchFamily="49" charset="0"/>
+              </a:rPr>
+              <a:t>(</a:t>
+            </a:r>
+            <a:r>
+              <a:rPr lang="en-US" altLang="zh-CN" sz="1200" b="0" dirty="0">
+                <a:solidFill>
+                  <a:srgbClr val="001080"/>
+                </a:solidFill>
+                <a:effectLst/>
+                <a:highlight>
+                  <a:srgbClr val="FFFFFF"/>
+                </a:highlight>
+                <a:latin typeface="Consolas" panose="020B0609020204030204" pitchFamily="49" charset="0"/>
+              </a:rPr>
+              <a:t>self</a:t>
+            </a:r>
+            <a:r>
+              <a:rPr lang="en-US" altLang="zh-CN" sz="1200" b="0" dirty="0">
+                <a:solidFill>
+                  <a:srgbClr val="3B3B3B"/>
+                </a:solidFill>
+                <a:effectLst/>
+                <a:highlight>
+                  <a:srgbClr val="FFFFFF"/>
+                </a:highlight>
+                <a:latin typeface="Consolas" panose="020B0609020204030204" pitchFamily="49" charset="0"/>
+              </a:rPr>
+              <a:t>):</a:t>
+            </a:r>
+          </a:p>
+          <a:p>
+            <a:r>
+              <a:rPr lang="en-US" altLang="zh-CN" sz="1200" b="0" dirty="0">
+                <a:solidFill>
+                  <a:srgbClr val="3B3B3B"/>
+                </a:solidFill>
+                <a:effectLst/>
+                <a:highlight>
+                  <a:srgbClr val="FFFFFF"/>
+                </a:highlight>
+                <a:latin typeface="Consolas" panose="020B0609020204030204" pitchFamily="49" charset="0"/>
+              </a:rPr>
+              <a:t>        </a:t>
+            </a:r>
+            <a:r>
+              <a:rPr lang="en-US" altLang="zh-CN" sz="1200" b="0" dirty="0">
+                <a:solidFill>
+                  <a:srgbClr val="AF00DB"/>
+                </a:solidFill>
+                <a:effectLst/>
+                <a:highlight>
+                  <a:srgbClr val="FFFFFF"/>
+                </a:highlight>
+                <a:latin typeface="Consolas" panose="020B0609020204030204" pitchFamily="49" charset="0"/>
+              </a:rPr>
+              <a:t>await</a:t>
+            </a:r>
+            <a:r>
+              <a:rPr lang="en-US" altLang="zh-CN" sz="1200" b="0" dirty="0">
+                <a:solidFill>
+                  <a:srgbClr val="3B3B3B"/>
+                </a:solidFill>
+                <a:effectLst/>
+                <a:highlight>
+                  <a:srgbClr val="FFFFFF"/>
+                </a:highlight>
+                <a:latin typeface="Consolas" panose="020B0609020204030204" pitchFamily="49" charset="0"/>
+              </a:rPr>
+              <a:t> </a:t>
+            </a:r>
+            <a:r>
+              <a:rPr lang="en-US" altLang="zh-CN" sz="1200" b="0" dirty="0" err="1">
+                <a:solidFill>
+                  <a:srgbClr val="001080"/>
+                </a:solidFill>
+                <a:effectLst/>
+                <a:highlight>
+                  <a:srgbClr val="FFFFFF"/>
+                </a:highlight>
+                <a:latin typeface="Consolas" panose="020B0609020204030204" pitchFamily="49" charset="0"/>
+              </a:rPr>
+              <a:t>self</a:t>
+            </a:r>
+            <a:r>
+              <a:rPr lang="en-US" altLang="zh-CN" sz="1200" b="0" dirty="0" err="1">
+                <a:solidFill>
+                  <a:srgbClr val="3B3B3B"/>
+                </a:solidFill>
+                <a:effectLst/>
+                <a:highlight>
+                  <a:srgbClr val="FFFFFF"/>
+                </a:highlight>
+                <a:latin typeface="Consolas" panose="020B0609020204030204" pitchFamily="49" charset="0"/>
+              </a:rPr>
+              <a:t>.</a:t>
+            </a:r>
+            <a:r>
+              <a:rPr lang="en-US" altLang="zh-CN" sz="1200" b="0" dirty="0" err="1">
+                <a:solidFill>
+                  <a:srgbClr val="001080"/>
+                </a:solidFill>
+                <a:effectLst/>
+                <a:highlight>
+                  <a:srgbClr val="FFFFFF"/>
+                </a:highlight>
+                <a:latin typeface="Consolas" panose="020B0609020204030204" pitchFamily="49" charset="0"/>
+              </a:rPr>
+              <a:t>websocket</a:t>
+            </a:r>
+            <a:r>
+              <a:rPr lang="en-US" altLang="zh-CN" sz="1200" b="0" dirty="0" err="1">
+                <a:solidFill>
+                  <a:srgbClr val="3B3B3B"/>
+                </a:solidFill>
+                <a:effectLst/>
+                <a:highlight>
+                  <a:srgbClr val="FFFFFF"/>
+                </a:highlight>
+                <a:latin typeface="Consolas" panose="020B0609020204030204" pitchFamily="49" charset="0"/>
+              </a:rPr>
+              <a:t>.</a:t>
+            </a:r>
+            <a:r>
+              <a:rPr lang="en-US" altLang="zh-CN" sz="1200" b="0" dirty="0" err="1">
+                <a:solidFill>
+                  <a:srgbClr val="795E26"/>
+                </a:solidFill>
+                <a:effectLst/>
+                <a:highlight>
+                  <a:srgbClr val="FFFFFF"/>
+                </a:highlight>
+                <a:latin typeface="Consolas" panose="020B0609020204030204" pitchFamily="49" charset="0"/>
+              </a:rPr>
+              <a:t>close</a:t>
+            </a:r>
+            <a:r>
+              <a:rPr lang="en-US" altLang="zh-CN" sz="1200" b="0" dirty="0">
+                <a:solidFill>
+                  <a:srgbClr val="3B3B3B"/>
+                </a:solidFill>
+                <a:effectLst/>
+                <a:highlight>
+                  <a:srgbClr val="FFFFFF"/>
+                </a:highlight>
+                <a:latin typeface="Consolas" panose="020B0609020204030204" pitchFamily="49" charset="0"/>
+              </a:rPr>
+              <a:t>()</a:t>
+            </a:r>
+          </a:p>
+          <a:p>
+            <a:r>
+              <a:rPr lang="en-US" altLang="zh-CN" sz="1200" b="0" dirty="0">
+                <a:solidFill>
+                  <a:srgbClr val="3B3B3B"/>
+                </a:solidFill>
+                <a:effectLst/>
+                <a:highlight>
+                  <a:srgbClr val="FFFFFF"/>
+                </a:highlight>
+                <a:latin typeface="Consolas" panose="020B0609020204030204" pitchFamily="49" charset="0"/>
+              </a:rPr>
+              <a:t>        </a:t>
+            </a:r>
+            <a:r>
+              <a:rPr lang="en-US" altLang="zh-CN" sz="1200" b="0" dirty="0">
+                <a:solidFill>
+                  <a:srgbClr val="AF00DB"/>
+                </a:solidFill>
+                <a:effectLst/>
+                <a:highlight>
+                  <a:srgbClr val="FFFFFF"/>
+                </a:highlight>
+                <a:latin typeface="Consolas" panose="020B0609020204030204" pitchFamily="49" charset="0"/>
+              </a:rPr>
+              <a:t>await</a:t>
+            </a:r>
+            <a:r>
+              <a:rPr lang="en-US" altLang="zh-CN" sz="1200" b="0" dirty="0">
+                <a:solidFill>
+                  <a:srgbClr val="3B3B3B"/>
+                </a:solidFill>
+                <a:effectLst/>
+                <a:highlight>
+                  <a:srgbClr val="FFFFFF"/>
+                </a:highlight>
+                <a:latin typeface="Consolas" panose="020B0609020204030204" pitchFamily="49" charset="0"/>
+              </a:rPr>
+              <a:t> </a:t>
+            </a:r>
+            <a:r>
+              <a:rPr lang="en-US" altLang="zh-CN" sz="1200" b="0" dirty="0" err="1">
+                <a:solidFill>
+                  <a:srgbClr val="001080"/>
+                </a:solidFill>
+                <a:effectLst/>
+                <a:highlight>
+                  <a:srgbClr val="FFFFFF"/>
+                </a:highlight>
+                <a:latin typeface="Consolas" panose="020B0609020204030204" pitchFamily="49" charset="0"/>
+              </a:rPr>
+              <a:t>self</a:t>
+            </a:r>
+            <a:r>
+              <a:rPr lang="en-US" altLang="zh-CN" sz="1200" b="0" dirty="0" err="1">
+                <a:solidFill>
+                  <a:srgbClr val="3B3B3B"/>
+                </a:solidFill>
+                <a:effectLst/>
+                <a:highlight>
+                  <a:srgbClr val="FFFFFF"/>
+                </a:highlight>
+                <a:latin typeface="Consolas" panose="020B0609020204030204" pitchFamily="49" charset="0"/>
+              </a:rPr>
+              <a:t>.</a:t>
+            </a:r>
+            <a:r>
+              <a:rPr lang="en-US" altLang="zh-CN" sz="1200" b="0" dirty="0" err="1">
+                <a:solidFill>
+                  <a:srgbClr val="001080"/>
+                </a:solidFill>
+                <a:effectLst/>
+                <a:highlight>
+                  <a:srgbClr val="FFFFFF"/>
+                </a:highlight>
+                <a:latin typeface="Consolas" panose="020B0609020204030204" pitchFamily="49" charset="0"/>
+              </a:rPr>
+              <a:t>session</a:t>
+            </a:r>
+            <a:r>
+              <a:rPr lang="en-US" altLang="zh-CN" sz="1200" b="0" dirty="0" err="1">
+                <a:solidFill>
+                  <a:srgbClr val="3B3B3B"/>
+                </a:solidFill>
+                <a:effectLst/>
+                <a:highlight>
+                  <a:srgbClr val="FFFFFF"/>
+                </a:highlight>
+                <a:latin typeface="Consolas" panose="020B0609020204030204" pitchFamily="49" charset="0"/>
+              </a:rPr>
+              <a:t>.</a:t>
+            </a:r>
+            <a:r>
+              <a:rPr lang="en-US" altLang="zh-CN" sz="1200" b="0" dirty="0" err="1">
+                <a:solidFill>
+                  <a:srgbClr val="795E26"/>
+                </a:solidFill>
+                <a:effectLst/>
+                <a:highlight>
+                  <a:srgbClr val="FFFFFF"/>
+                </a:highlight>
+                <a:latin typeface="Consolas" panose="020B0609020204030204" pitchFamily="49" charset="0"/>
+              </a:rPr>
+              <a:t>close</a:t>
+            </a:r>
+            <a:r>
+              <a:rPr lang="en-US" altLang="zh-CN" sz="1200" b="0" dirty="0">
+                <a:solidFill>
+                  <a:srgbClr val="3B3B3B"/>
+                </a:solidFill>
+                <a:effectLst/>
+                <a:highlight>
+                  <a:srgbClr val="FFFFFF"/>
+                </a:highlight>
+                <a:latin typeface="Consolas" panose="020B0609020204030204" pitchFamily="49" charset="0"/>
+              </a:rPr>
+              <a:t>()</a:t>
+            </a:r>
+          </a:p>
+        </p:txBody>
+      </p:sp>
+      <p:sp>
+        <p:nvSpPr>
+          <p:cNvPr id="9" name="文本框 8">
+            <a:extLst>
+              <a:ext uri="{FF2B5EF4-FFF2-40B4-BE49-F238E27FC236}">
+                <a16:creationId xmlns:a16="http://schemas.microsoft.com/office/drawing/2014/main" id="{A0739617-D8B9-ED64-A32B-AC34F57D4336}"/>
+              </a:ext>
+            </a:extLst>
+          </p:cNvPr>
+          <p:cNvSpPr txBox="1"/>
+          <p:nvPr/>
+        </p:nvSpPr>
+        <p:spPr>
+          <a:xfrm>
+            <a:off x="8112023" y="690049"/>
+            <a:ext cx="3974833" cy="3970318"/>
+          </a:xfrm>
+          <a:prstGeom prst="rect">
+            <a:avLst/>
+          </a:prstGeom>
+          <a:noFill/>
+          <a:ln>
+            <a:solidFill>
+              <a:schemeClr val="tx1"/>
+            </a:solidFill>
+          </a:ln>
+        </p:spPr>
+        <p:txBody>
+          <a:bodyPr wrap="square">
+            <a:spAutoFit/>
+          </a:bodyPr>
+          <a:lstStyle/>
+          <a:p>
+            <a:r>
+              <a:rPr lang="en-US" altLang="zh-CN" sz="1200" b="0" dirty="0">
+                <a:solidFill>
+                  <a:srgbClr val="008000"/>
+                </a:solidFill>
+                <a:effectLst/>
+                <a:highlight>
+                  <a:srgbClr val="FFFFFF"/>
+                </a:highlight>
+                <a:latin typeface="Consolas" panose="020B0609020204030204" pitchFamily="49" charset="0"/>
+              </a:rPr>
+              <a:t># main coroutine</a:t>
+            </a:r>
+            <a:endParaRPr lang="en-US" altLang="zh-CN" sz="1200" b="0" dirty="0">
+              <a:solidFill>
+                <a:srgbClr val="0000FF"/>
+              </a:solidFill>
+              <a:effectLst/>
+              <a:highlight>
+                <a:srgbClr val="FFFFFF"/>
+              </a:highlight>
+              <a:latin typeface="Consolas" panose="020B0609020204030204" pitchFamily="49" charset="0"/>
+            </a:endParaRPr>
+          </a:p>
+          <a:p>
+            <a:r>
+              <a:rPr lang="en-US" altLang="zh-CN" sz="1200" b="0" dirty="0">
+                <a:solidFill>
+                  <a:srgbClr val="0000FF"/>
+                </a:solidFill>
+                <a:effectLst/>
+                <a:highlight>
+                  <a:srgbClr val="FFFFFF"/>
+                </a:highlight>
+                <a:latin typeface="Consolas" panose="020B0609020204030204" pitchFamily="49" charset="0"/>
+              </a:rPr>
+              <a:t>async</a:t>
+            </a:r>
+            <a:r>
+              <a:rPr lang="en-US" altLang="zh-CN" sz="1200" b="0" dirty="0">
+                <a:solidFill>
+                  <a:srgbClr val="3B3B3B"/>
+                </a:solidFill>
+                <a:effectLst/>
+                <a:highlight>
+                  <a:srgbClr val="FFFFFF"/>
+                </a:highlight>
+                <a:latin typeface="Consolas" panose="020B0609020204030204" pitchFamily="49" charset="0"/>
+              </a:rPr>
+              <a:t> </a:t>
+            </a:r>
+            <a:r>
+              <a:rPr lang="en-US" altLang="zh-CN" sz="1200" b="0" dirty="0">
+                <a:solidFill>
+                  <a:srgbClr val="0000FF"/>
+                </a:solidFill>
+                <a:effectLst/>
+                <a:highlight>
+                  <a:srgbClr val="FFFFFF"/>
+                </a:highlight>
+                <a:latin typeface="Consolas" panose="020B0609020204030204" pitchFamily="49" charset="0"/>
+              </a:rPr>
+              <a:t>def</a:t>
+            </a:r>
+            <a:r>
+              <a:rPr lang="en-US" altLang="zh-CN" sz="1200" b="0" dirty="0">
+                <a:solidFill>
+                  <a:srgbClr val="3B3B3B"/>
+                </a:solidFill>
+                <a:effectLst/>
+                <a:highlight>
+                  <a:srgbClr val="FFFFFF"/>
+                </a:highlight>
+                <a:latin typeface="Consolas" panose="020B0609020204030204" pitchFamily="49" charset="0"/>
+              </a:rPr>
+              <a:t> </a:t>
+            </a:r>
+            <a:r>
+              <a:rPr lang="en-US" altLang="zh-CN" sz="1200" b="0" dirty="0">
+                <a:solidFill>
+                  <a:srgbClr val="795E26"/>
+                </a:solidFill>
+                <a:effectLst/>
+                <a:highlight>
+                  <a:srgbClr val="FFFFFF"/>
+                </a:highlight>
+                <a:latin typeface="Consolas" panose="020B0609020204030204" pitchFamily="49" charset="0"/>
+              </a:rPr>
+              <a:t>main</a:t>
+            </a:r>
+            <a:r>
+              <a:rPr lang="en-US" altLang="zh-CN" sz="1200" b="0" dirty="0">
+                <a:solidFill>
+                  <a:srgbClr val="3B3B3B"/>
+                </a:solidFill>
+                <a:effectLst/>
+                <a:highlight>
+                  <a:srgbClr val="FFFFFF"/>
+                </a:highlight>
+                <a:latin typeface="Consolas" panose="020B0609020204030204" pitchFamily="49" charset="0"/>
+              </a:rPr>
+              <a:t>():</a:t>
+            </a:r>
+          </a:p>
+          <a:p>
+            <a:r>
+              <a:rPr lang="en-US" altLang="zh-CN" sz="1200" b="0" dirty="0">
+                <a:solidFill>
+                  <a:srgbClr val="3B3B3B"/>
+                </a:solidFill>
+                <a:effectLst/>
+                <a:highlight>
+                  <a:srgbClr val="FFFFFF"/>
+                </a:highlight>
+                <a:latin typeface="Consolas" panose="020B0609020204030204" pitchFamily="49" charset="0"/>
+              </a:rPr>
+              <a:t>    </a:t>
+            </a:r>
+            <a:r>
+              <a:rPr lang="en-US" altLang="zh-CN" sz="1200" b="0" dirty="0">
+                <a:solidFill>
+                  <a:srgbClr val="001080"/>
+                </a:solidFill>
+                <a:effectLst/>
+                <a:highlight>
+                  <a:srgbClr val="FFFFFF"/>
+                </a:highlight>
+                <a:latin typeface="Consolas" panose="020B0609020204030204" pitchFamily="49" charset="0"/>
+              </a:rPr>
+              <a:t>echo</a:t>
+            </a:r>
+            <a:r>
+              <a:rPr lang="en-US" altLang="zh-CN" sz="1200" b="0" dirty="0">
+                <a:solidFill>
+                  <a:srgbClr val="3B3B3B"/>
+                </a:solidFill>
+                <a:effectLst/>
+                <a:highlight>
+                  <a:srgbClr val="FFFFFF"/>
+                </a:highlight>
+                <a:latin typeface="Consolas" panose="020B0609020204030204" pitchFamily="49" charset="0"/>
+              </a:rPr>
+              <a:t> </a:t>
+            </a:r>
+            <a:r>
+              <a:rPr lang="en-US" altLang="zh-CN" sz="1200" b="0" dirty="0">
+                <a:solidFill>
+                  <a:srgbClr val="000000"/>
+                </a:solidFill>
+                <a:effectLst/>
+                <a:highlight>
+                  <a:srgbClr val="FFFFFF"/>
+                </a:highlight>
+                <a:latin typeface="Consolas" panose="020B0609020204030204" pitchFamily="49" charset="0"/>
+              </a:rPr>
+              <a:t>=</a:t>
+            </a:r>
+            <a:r>
+              <a:rPr lang="en-US" altLang="zh-CN" sz="1200" b="0" dirty="0">
+                <a:solidFill>
+                  <a:srgbClr val="3B3B3B"/>
+                </a:solidFill>
+                <a:effectLst/>
+                <a:highlight>
+                  <a:srgbClr val="FFFFFF"/>
+                </a:highlight>
+                <a:latin typeface="Consolas" panose="020B0609020204030204" pitchFamily="49" charset="0"/>
+              </a:rPr>
+              <a:t> </a:t>
+            </a:r>
+            <a:r>
+              <a:rPr lang="en-US" altLang="zh-CN" sz="1200" b="0" dirty="0" err="1">
+                <a:solidFill>
+                  <a:srgbClr val="267F99"/>
+                </a:solidFill>
+                <a:effectLst/>
+                <a:highlight>
+                  <a:srgbClr val="FFFFFF"/>
+                </a:highlight>
+                <a:latin typeface="Consolas" panose="020B0609020204030204" pitchFamily="49" charset="0"/>
+              </a:rPr>
+              <a:t>EchoWebsocket</a:t>
+            </a:r>
+            <a:r>
+              <a:rPr lang="en-US" altLang="zh-CN" sz="1200" b="0" dirty="0">
+                <a:solidFill>
+                  <a:srgbClr val="3B3B3B"/>
+                </a:solidFill>
+                <a:effectLst/>
+                <a:highlight>
+                  <a:srgbClr val="FFFFFF"/>
+                </a:highlight>
+                <a:latin typeface="Consolas" panose="020B0609020204030204" pitchFamily="49" charset="0"/>
+              </a:rPr>
+              <a:t>() </a:t>
+            </a:r>
+            <a:r>
+              <a:rPr lang="en-US" altLang="zh-CN" sz="1200" b="0" dirty="0">
+                <a:solidFill>
+                  <a:srgbClr val="008000"/>
+                </a:solidFill>
+                <a:effectLst/>
+                <a:highlight>
+                  <a:srgbClr val="FFFFFF"/>
+                </a:highlight>
+                <a:latin typeface="Consolas" panose="020B0609020204030204" pitchFamily="49" charset="0"/>
+              </a:rPr>
+              <a:t># </a:t>
+            </a:r>
+            <a:r>
+              <a:rPr lang="ja-JP" altLang="en-US" sz="1200" b="0" dirty="0">
+                <a:solidFill>
+                  <a:srgbClr val="008000"/>
+                </a:solidFill>
+                <a:effectLst/>
+                <a:highlight>
+                  <a:srgbClr val="FFFFFF"/>
+                </a:highlight>
+                <a:latin typeface="Consolas" panose="020B0609020204030204" pitchFamily="49" charset="0"/>
+              </a:rPr>
+              <a:t>インスタンス化</a:t>
+            </a:r>
+            <a:endParaRPr lang="en-US" altLang="ja-JP" sz="1200" b="0" dirty="0">
+              <a:solidFill>
+                <a:srgbClr val="008000"/>
+              </a:solidFill>
+              <a:effectLst/>
+              <a:highlight>
+                <a:srgbClr val="FFFFFF"/>
+              </a:highlight>
+              <a:latin typeface="Consolas" panose="020B0609020204030204" pitchFamily="49" charset="0"/>
+            </a:endParaRPr>
+          </a:p>
+          <a:p>
+            <a:endParaRPr lang="en-US" altLang="zh-CN" sz="1200" dirty="0">
+              <a:solidFill>
+                <a:srgbClr val="008000"/>
+              </a:solidFill>
+              <a:highlight>
+                <a:srgbClr val="FFFFFF"/>
+              </a:highlight>
+              <a:latin typeface="Consolas" panose="020B0609020204030204" pitchFamily="49" charset="0"/>
+            </a:endParaRPr>
+          </a:p>
+          <a:p>
+            <a:r>
+              <a:rPr lang="en-US" altLang="zh-CN" sz="1200" b="0" dirty="0">
+                <a:solidFill>
+                  <a:srgbClr val="008000"/>
+                </a:solidFill>
+                <a:effectLst/>
+                <a:highlight>
+                  <a:srgbClr val="FFFFFF"/>
+                </a:highlight>
+                <a:latin typeface="Consolas" panose="020B0609020204030204" pitchFamily="49" charset="0"/>
+              </a:rPr>
+              <a:t>    # </a:t>
+            </a:r>
+            <a:r>
+              <a:rPr lang="ja-JP" altLang="en-US" sz="1200" b="0" dirty="0">
+                <a:solidFill>
+                  <a:srgbClr val="008000"/>
+                </a:solidFill>
+                <a:effectLst/>
+                <a:highlight>
+                  <a:srgbClr val="FFFFFF"/>
+                </a:highlight>
+                <a:latin typeface="Consolas" panose="020B0609020204030204" pitchFamily="49" charset="0"/>
+              </a:rPr>
+              <a:t>サーバーに</a:t>
+            </a:r>
+            <a:r>
+              <a:rPr lang="en-US" altLang="zh-CN" sz="1200" b="0" dirty="0">
+                <a:solidFill>
+                  <a:srgbClr val="008000"/>
+                </a:solidFill>
+                <a:effectLst/>
+                <a:highlight>
+                  <a:srgbClr val="FFFFFF"/>
+                </a:highlight>
+                <a:latin typeface="Consolas" panose="020B0609020204030204" pitchFamily="49" charset="0"/>
+              </a:rPr>
+              <a:t>connect</a:t>
+            </a:r>
+            <a:endParaRPr lang="en-US" altLang="zh-CN" sz="1200" b="0" dirty="0">
+              <a:solidFill>
+                <a:srgbClr val="3B3B3B"/>
+              </a:solidFill>
+              <a:effectLst/>
+              <a:highlight>
+                <a:srgbClr val="FFFFFF"/>
+              </a:highlight>
+              <a:latin typeface="Consolas" panose="020B0609020204030204" pitchFamily="49" charset="0"/>
+            </a:endParaRPr>
+          </a:p>
+          <a:p>
+            <a:r>
+              <a:rPr lang="en-US" altLang="zh-CN" sz="1200" b="0" dirty="0">
+                <a:solidFill>
+                  <a:srgbClr val="3B3B3B"/>
+                </a:solidFill>
+                <a:effectLst/>
+                <a:highlight>
+                  <a:srgbClr val="FFFFFF"/>
+                </a:highlight>
+                <a:latin typeface="Consolas" panose="020B0609020204030204" pitchFamily="49" charset="0"/>
+              </a:rPr>
+              <a:t>    </a:t>
+            </a:r>
+            <a:r>
+              <a:rPr lang="en-US" altLang="zh-CN" sz="1200" b="0" dirty="0">
+                <a:solidFill>
+                  <a:srgbClr val="AF00DB"/>
+                </a:solidFill>
+                <a:effectLst/>
+                <a:highlight>
+                  <a:srgbClr val="FFFFFF"/>
+                </a:highlight>
+                <a:latin typeface="Consolas" panose="020B0609020204030204" pitchFamily="49" charset="0"/>
+              </a:rPr>
+              <a:t>await</a:t>
+            </a:r>
+            <a:r>
+              <a:rPr lang="en-US" altLang="zh-CN" sz="1200" b="0" dirty="0">
+                <a:solidFill>
+                  <a:srgbClr val="3B3B3B"/>
+                </a:solidFill>
+                <a:effectLst/>
+                <a:highlight>
+                  <a:srgbClr val="FFFFFF"/>
+                </a:highlight>
+                <a:latin typeface="Consolas" panose="020B0609020204030204" pitchFamily="49" charset="0"/>
+              </a:rPr>
+              <a:t> </a:t>
+            </a:r>
+            <a:r>
+              <a:rPr lang="en-US" altLang="zh-CN" sz="1200" b="0" dirty="0" err="1">
+                <a:solidFill>
+                  <a:srgbClr val="001080"/>
+                </a:solidFill>
+                <a:effectLst/>
+                <a:highlight>
+                  <a:srgbClr val="FFFFFF"/>
+                </a:highlight>
+                <a:latin typeface="Consolas" panose="020B0609020204030204" pitchFamily="49" charset="0"/>
+              </a:rPr>
+              <a:t>echo</a:t>
+            </a:r>
+            <a:r>
+              <a:rPr lang="en-US" altLang="zh-CN" sz="1200" b="0" dirty="0" err="1">
+                <a:solidFill>
+                  <a:srgbClr val="3B3B3B"/>
+                </a:solidFill>
+                <a:effectLst/>
+                <a:highlight>
+                  <a:srgbClr val="FFFFFF"/>
+                </a:highlight>
+                <a:latin typeface="Consolas" panose="020B0609020204030204" pitchFamily="49" charset="0"/>
+              </a:rPr>
+              <a:t>.</a:t>
+            </a:r>
+            <a:r>
+              <a:rPr lang="en-US" altLang="zh-CN" sz="1200" b="0" dirty="0" err="1">
+                <a:solidFill>
+                  <a:srgbClr val="795E26"/>
+                </a:solidFill>
+                <a:effectLst/>
+                <a:highlight>
+                  <a:srgbClr val="FFFFFF"/>
+                </a:highlight>
+                <a:latin typeface="Consolas" panose="020B0609020204030204" pitchFamily="49" charset="0"/>
+              </a:rPr>
+              <a:t>connect</a:t>
+            </a:r>
+            <a:r>
+              <a:rPr lang="en-US" altLang="zh-CN" sz="1200" b="0" dirty="0">
+                <a:solidFill>
+                  <a:srgbClr val="3B3B3B"/>
+                </a:solidFill>
+                <a:effectLst/>
+                <a:highlight>
+                  <a:srgbClr val="FFFFFF"/>
+                </a:highlight>
+                <a:latin typeface="Consolas" panose="020B0609020204030204" pitchFamily="49" charset="0"/>
+              </a:rPr>
+              <a:t>()</a:t>
+            </a:r>
+            <a:endParaRPr lang="en-US" altLang="zh-CN" sz="1200" b="0" dirty="0">
+              <a:solidFill>
+                <a:srgbClr val="008000"/>
+              </a:solidFill>
+              <a:effectLst/>
+              <a:highlight>
+                <a:srgbClr val="FFFFFF"/>
+              </a:highlight>
+              <a:latin typeface="Consolas" panose="020B0609020204030204" pitchFamily="49" charset="0"/>
+            </a:endParaRPr>
+          </a:p>
+          <a:p>
+            <a:endParaRPr lang="en-US" altLang="zh-CN" sz="1200" dirty="0">
+              <a:solidFill>
+                <a:srgbClr val="008000"/>
+              </a:solidFill>
+              <a:highlight>
+                <a:srgbClr val="FFFFFF"/>
+              </a:highlight>
+              <a:latin typeface="Consolas" panose="020B0609020204030204" pitchFamily="49" charset="0"/>
+            </a:endParaRPr>
+          </a:p>
+          <a:p>
+            <a:r>
+              <a:rPr lang="en-US" altLang="zh-CN" sz="1200" dirty="0">
+                <a:solidFill>
+                  <a:srgbClr val="008000"/>
+                </a:solidFill>
+                <a:highlight>
+                  <a:srgbClr val="FFFFFF"/>
+                </a:highlight>
+                <a:latin typeface="Consolas" panose="020B0609020204030204" pitchFamily="49" charset="0"/>
+              </a:rPr>
+              <a:t>    </a:t>
+            </a:r>
+            <a:r>
+              <a:rPr lang="en-US" altLang="zh-CN" sz="1200" b="0" dirty="0">
+                <a:solidFill>
+                  <a:srgbClr val="008000"/>
+                </a:solidFill>
+                <a:effectLst/>
+                <a:highlight>
+                  <a:srgbClr val="FFFFFF"/>
+                </a:highlight>
+                <a:latin typeface="Consolas" panose="020B0609020204030204" pitchFamily="49" charset="0"/>
+              </a:rPr>
+              <a:t># </a:t>
+            </a:r>
+            <a:r>
+              <a:rPr lang="ja-JP" altLang="en-US" sz="1200" dirty="0">
+                <a:solidFill>
+                  <a:srgbClr val="008000"/>
+                </a:solidFill>
+                <a:highlight>
+                  <a:srgbClr val="FFFFFF"/>
+                </a:highlight>
+                <a:latin typeface="Consolas" panose="020B0609020204030204" pitchFamily="49" charset="0"/>
+              </a:rPr>
+              <a:t>サーバーにメッセージを送る</a:t>
+            </a:r>
+            <a:endParaRPr lang="en-US" altLang="zh-CN" sz="1200" b="0" dirty="0">
+              <a:solidFill>
+                <a:srgbClr val="3B3B3B"/>
+              </a:solidFill>
+              <a:effectLst/>
+              <a:highlight>
+                <a:srgbClr val="FFFFFF"/>
+              </a:highlight>
+              <a:latin typeface="Consolas" panose="020B0609020204030204" pitchFamily="49" charset="0"/>
+            </a:endParaRPr>
+          </a:p>
+          <a:p>
+            <a:r>
+              <a:rPr lang="en-US" altLang="zh-CN" sz="1200" b="0" dirty="0">
+                <a:solidFill>
+                  <a:srgbClr val="3B3B3B"/>
+                </a:solidFill>
+                <a:effectLst/>
+                <a:highlight>
+                  <a:srgbClr val="FFFFFF"/>
+                </a:highlight>
+                <a:latin typeface="Consolas" panose="020B0609020204030204" pitchFamily="49" charset="0"/>
+              </a:rPr>
+              <a:t>    </a:t>
+            </a:r>
+            <a:r>
+              <a:rPr lang="en-US" altLang="zh-CN" sz="1200" b="0" dirty="0">
+                <a:solidFill>
+                  <a:srgbClr val="AF00DB"/>
+                </a:solidFill>
+                <a:effectLst/>
+                <a:highlight>
+                  <a:srgbClr val="FFFFFF"/>
+                </a:highlight>
+                <a:latin typeface="Consolas" panose="020B0609020204030204" pitchFamily="49" charset="0"/>
+              </a:rPr>
+              <a:t>await</a:t>
+            </a:r>
+            <a:r>
+              <a:rPr lang="en-US" altLang="zh-CN" sz="1200" b="0" dirty="0">
+                <a:solidFill>
+                  <a:srgbClr val="3B3B3B"/>
+                </a:solidFill>
+                <a:effectLst/>
+                <a:highlight>
+                  <a:srgbClr val="FFFFFF"/>
+                </a:highlight>
+                <a:latin typeface="Consolas" panose="020B0609020204030204" pitchFamily="49" charset="0"/>
+              </a:rPr>
+              <a:t> </a:t>
+            </a:r>
+            <a:r>
+              <a:rPr lang="en-US" altLang="zh-CN" sz="1200" b="0" dirty="0" err="1">
+                <a:solidFill>
+                  <a:srgbClr val="001080"/>
+                </a:solidFill>
+                <a:effectLst/>
+                <a:highlight>
+                  <a:srgbClr val="FFFFFF"/>
+                </a:highlight>
+                <a:latin typeface="Consolas" panose="020B0609020204030204" pitchFamily="49" charset="0"/>
+              </a:rPr>
+              <a:t>echo</a:t>
+            </a:r>
+            <a:r>
+              <a:rPr lang="en-US" altLang="zh-CN" sz="1200" b="0" dirty="0" err="1">
+                <a:solidFill>
+                  <a:srgbClr val="3B3B3B"/>
+                </a:solidFill>
+                <a:effectLst/>
+                <a:highlight>
+                  <a:srgbClr val="FFFFFF"/>
+                </a:highlight>
+                <a:latin typeface="Consolas" panose="020B0609020204030204" pitchFamily="49" charset="0"/>
+              </a:rPr>
+              <a:t>.</a:t>
+            </a:r>
+            <a:r>
+              <a:rPr lang="en-US" altLang="zh-CN" sz="1200" b="0" dirty="0" err="1">
+                <a:solidFill>
+                  <a:srgbClr val="795E26"/>
+                </a:solidFill>
+                <a:effectLst/>
+                <a:highlight>
+                  <a:srgbClr val="FFFFFF"/>
+                </a:highlight>
+                <a:latin typeface="Consolas" panose="020B0609020204030204" pitchFamily="49" charset="0"/>
+              </a:rPr>
+              <a:t>send</a:t>
+            </a:r>
+            <a:r>
+              <a:rPr lang="en-US" altLang="zh-CN" sz="1200" b="0" dirty="0">
+                <a:solidFill>
+                  <a:srgbClr val="3B3B3B"/>
+                </a:solidFill>
+                <a:effectLst/>
+                <a:highlight>
+                  <a:srgbClr val="FFFFFF"/>
+                </a:highlight>
+                <a:latin typeface="Consolas" panose="020B0609020204030204" pitchFamily="49" charset="0"/>
+              </a:rPr>
+              <a:t>(</a:t>
+            </a:r>
+            <a:r>
+              <a:rPr lang="en-US" altLang="zh-CN" sz="1200" b="0" dirty="0">
+                <a:solidFill>
+                  <a:srgbClr val="A31515"/>
+                </a:solidFill>
+                <a:effectLst/>
+                <a:highlight>
+                  <a:srgbClr val="FFFFFF"/>
+                </a:highlight>
+                <a:latin typeface="Consolas" panose="020B0609020204030204" pitchFamily="49" charset="0"/>
+              </a:rPr>
+              <a:t>"Hello World!"</a:t>
+            </a:r>
+            <a:r>
+              <a:rPr lang="en-US" altLang="zh-CN" sz="1200" b="0" dirty="0">
+                <a:solidFill>
+                  <a:srgbClr val="3B3B3B"/>
+                </a:solidFill>
+                <a:effectLst/>
+                <a:highlight>
+                  <a:srgbClr val="FFFFFF"/>
+                </a:highlight>
+                <a:latin typeface="Consolas" panose="020B0609020204030204" pitchFamily="49" charset="0"/>
+              </a:rPr>
+              <a:t>)</a:t>
+            </a:r>
+            <a:r>
+              <a:rPr lang="en-US" altLang="zh-CN" sz="1200" b="0" dirty="0">
+                <a:solidFill>
+                  <a:srgbClr val="008000"/>
+                </a:solidFill>
+                <a:effectLst/>
+                <a:highlight>
+                  <a:srgbClr val="FFFFFF"/>
+                </a:highlight>
+                <a:latin typeface="Consolas" panose="020B0609020204030204" pitchFamily="49" charset="0"/>
+              </a:rPr>
+              <a:t> </a:t>
+            </a:r>
+          </a:p>
+          <a:p>
+            <a:endParaRPr lang="en-US" altLang="zh-CN" sz="1200" dirty="0">
+              <a:solidFill>
+                <a:srgbClr val="008000"/>
+              </a:solidFill>
+              <a:highlight>
+                <a:srgbClr val="FFFFFF"/>
+              </a:highlight>
+              <a:latin typeface="Consolas" panose="020B0609020204030204" pitchFamily="49" charset="0"/>
+            </a:endParaRPr>
+          </a:p>
+          <a:p>
+            <a:r>
+              <a:rPr lang="en-US" altLang="zh-CN" sz="1200" b="0" dirty="0">
+                <a:solidFill>
+                  <a:srgbClr val="3B3B3B"/>
+                </a:solidFill>
+                <a:effectLst/>
+                <a:highlight>
+                  <a:srgbClr val="FFFFFF"/>
+                </a:highlight>
+                <a:latin typeface="Consolas" panose="020B0609020204030204" pitchFamily="49" charset="0"/>
+              </a:rPr>
+              <a:t>    </a:t>
+            </a:r>
+            <a:r>
+              <a:rPr lang="en-US" altLang="zh-CN" sz="1200" b="0" dirty="0">
+                <a:solidFill>
+                  <a:srgbClr val="008000"/>
+                </a:solidFill>
+                <a:effectLst/>
+                <a:highlight>
+                  <a:srgbClr val="FFFFFF"/>
+                </a:highlight>
+                <a:latin typeface="Consolas" panose="020B0609020204030204" pitchFamily="49" charset="0"/>
+              </a:rPr>
+              <a:t># </a:t>
+            </a:r>
+            <a:r>
+              <a:rPr lang="ja-JP" altLang="en-US" sz="1200" dirty="0">
+                <a:solidFill>
+                  <a:srgbClr val="008000"/>
+                </a:solidFill>
+                <a:highlight>
+                  <a:srgbClr val="FFFFFF"/>
+                </a:highlight>
+                <a:latin typeface="Consolas" panose="020B0609020204030204" pitchFamily="49" charset="0"/>
+              </a:rPr>
+              <a:t>サーバーからの確認メッセージを受け取る</a:t>
+            </a:r>
+            <a:endParaRPr lang="en-US" altLang="zh-CN" sz="1200" b="0" dirty="0">
+              <a:solidFill>
+                <a:srgbClr val="3B3B3B"/>
+              </a:solidFill>
+              <a:effectLst/>
+              <a:highlight>
+                <a:srgbClr val="FFFFFF"/>
+              </a:highlight>
+              <a:latin typeface="Consolas" panose="020B0609020204030204" pitchFamily="49" charset="0"/>
+            </a:endParaRPr>
+          </a:p>
+          <a:p>
+            <a:r>
+              <a:rPr lang="en-US" altLang="zh-CN" sz="1200" b="0" dirty="0">
+                <a:solidFill>
+                  <a:srgbClr val="3B3B3B"/>
+                </a:solidFill>
+                <a:effectLst/>
+                <a:highlight>
+                  <a:srgbClr val="FFFFFF"/>
+                </a:highlight>
+                <a:latin typeface="Consolas" panose="020B0609020204030204" pitchFamily="49" charset="0"/>
+              </a:rPr>
+              <a:t>    </a:t>
+            </a:r>
+            <a:r>
+              <a:rPr lang="en-US" altLang="zh-CN" sz="1200" b="0" dirty="0">
+                <a:solidFill>
+                  <a:srgbClr val="001080"/>
+                </a:solidFill>
+                <a:effectLst/>
+                <a:highlight>
+                  <a:srgbClr val="FFFFFF"/>
+                </a:highlight>
+                <a:latin typeface="Consolas" panose="020B0609020204030204" pitchFamily="49" charset="0"/>
+              </a:rPr>
+              <a:t>result</a:t>
+            </a:r>
+            <a:r>
+              <a:rPr lang="en-US" altLang="zh-CN" sz="1200" b="0" dirty="0">
+                <a:solidFill>
+                  <a:srgbClr val="3B3B3B"/>
+                </a:solidFill>
+                <a:effectLst/>
+                <a:highlight>
+                  <a:srgbClr val="FFFFFF"/>
+                </a:highlight>
+                <a:latin typeface="Consolas" panose="020B0609020204030204" pitchFamily="49" charset="0"/>
+              </a:rPr>
+              <a:t> </a:t>
+            </a:r>
+            <a:r>
+              <a:rPr lang="en-US" altLang="zh-CN" sz="1200" b="0" dirty="0">
+                <a:solidFill>
+                  <a:srgbClr val="000000"/>
+                </a:solidFill>
+                <a:effectLst/>
+                <a:highlight>
+                  <a:srgbClr val="FFFFFF"/>
+                </a:highlight>
+                <a:latin typeface="Consolas" panose="020B0609020204030204" pitchFamily="49" charset="0"/>
+              </a:rPr>
+              <a:t>=</a:t>
+            </a:r>
+            <a:r>
+              <a:rPr lang="en-US" altLang="zh-CN" sz="1200" b="0" dirty="0">
+                <a:solidFill>
+                  <a:srgbClr val="3B3B3B"/>
+                </a:solidFill>
+                <a:effectLst/>
+                <a:highlight>
+                  <a:srgbClr val="FFFFFF"/>
+                </a:highlight>
+                <a:latin typeface="Consolas" panose="020B0609020204030204" pitchFamily="49" charset="0"/>
+              </a:rPr>
+              <a:t> </a:t>
+            </a:r>
+            <a:r>
+              <a:rPr lang="en-US" altLang="zh-CN" sz="1200" b="0" dirty="0">
+                <a:solidFill>
+                  <a:srgbClr val="AF00DB"/>
+                </a:solidFill>
+                <a:effectLst/>
+                <a:highlight>
+                  <a:srgbClr val="FFFFFF"/>
+                </a:highlight>
+                <a:latin typeface="Consolas" panose="020B0609020204030204" pitchFamily="49" charset="0"/>
+              </a:rPr>
+              <a:t>await</a:t>
+            </a:r>
+            <a:r>
+              <a:rPr lang="en-US" altLang="zh-CN" sz="1200" b="0" dirty="0">
+                <a:solidFill>
+                  <a:srgbClr val="3B3B3B"/>
+                </a:solidFill>
+                <a:effectLst/>
+                <a:highlight>
+                  <a:srgbClr val="FFFFFF"/>
+                </a:highlight>
+                <a:latin typeface="Consolas" panose="020B0609020204030204" pitchFamily="49" charset="0"/>
+              </a:rPr>
+              <a:t> </a:t>
+            </a:r>
+            <a:r>
+              <a:rPr lang="en-US" altLang="zh-CN" sz="1200" b="0" dirty="0" err="1">
+                <a:solidFill>
+                  <a:srgbClr val="001080"/>
+                </a:solidFill>
+                <a:effectLst/>
+                <a:highlight>
+                  <a:srgbClr val="FFFFFF"/>
+                </a:highlight>
+                <a:latin typeface="Consolas" panose="020B0609020204030204" pitchFamily="49" charset="0"/>
+              </a:rPr>
+              <a:t>echo</a:t>
+            </a:r>
+            <a:r>
+              <a:rPr lang="en-US" altLang="zh-CN" sz="1200" b="0" dirty="0" err="1">
+                <a:solidFill>
+                  <a:srgbClr val="3B3B3B"/>
+                </a:solidFill>
+                <a:effectLst/>
+                <a:highlight>
+                  <a:srgbClr val="FFFFFF"/>
+                </a:highlight>
+                <a:latin typeface="Consolas" panose="020B0609020204030204" pitchFamily="49" charset="0"/>
+              </a:rPr>
+              <a:t>.</a:t>
+            </a:r>
+            <a:r>
+              <a:rPr lang="en-US" altLang="zh-CN" sz="1200" b="0" dirty="0" err="1">
+                <a:solidFill>
+                  <a:srgbClr val="795E26"/>
+                </a:solidFill>
+                <a:effectLst/>
+                <a:highlight>
+                  <a:srgbClr val="FFFFFF"/>
+                </a:highlight>
+                <a:latin typeface="Consolas" panose="020B0609020204030204" pitchFamily="49" charset="0"/>
+              </a:rPr>
+              <a:t>receive</a:t>
+            </a:r>
+            <a:r>
+              <a:rPr lang="en-US" altLang="zh-CN" sz="1200" b="0" dirty="0">
+                <a:solidFill>
+                  <a:srgbClr val="3B3B3B"/>
+                </a:solidFill>
+                <a:effectLst/>
+                <a:highlight>
+                  <a:srgbClr val="FFFFFF"/>
+                </a:highlight>
+                <a:latin typeface="Consolas" panose="020B0609020204030204" pitchFamily="49" charset="0"/>
+              </a:rPr>
+              <a:t>()</a:t>
+            </a:r>
+          </a:p>
+          <a:p>
+            <a:endParaRPr lang="en-US" altLang="zh-CN" sz="1200" dirty="0">
+              <a:solidFill>
+                <a:srgbClr val="3B3B3B"/>
+              </a:solidFill>
+              <a:highlight>
+                <a:srgbClr val="FFFFFF"/>
+              </a:highlight>
+              <a:latin typeface="Consolas" panose="020B0609020204030204" pitchFamily="49" charset="0"/>
+            </a:endParaRPr>
+          </a:p>
+          <a:p>
+            <a:r>
+              <a:rPr lang="ja-JP" altLang="en-US" sz="1200" dirty="0">
+                <a:solidFill>
+                  <a:srgbClr val="008000"/>
+                </a:solidFill>
+                <a:highlight>
+                  <a:srgbClr val="FFFFFF"/>
+                </a:highlight>
+                <a:latin typeface="Consolas" panose="020B0609020204030204" pitchFamily="49" charset="0"/>
+              </a:rPr>
+              <a:t>    </a:t>
+            </a:r>
+            <a:r>
+              <a:rPr lang="en-US" altLang="zh-CN" sz="1200" b="0" dirty="0">
+                <a:solidFill>
+                  <a:srgbClr val="008000"/>
+                </a:solidFill>
+                <a:effectLst/>
+                <a:highlight>
+                  <a:srgbClr val="FFFFFF"/>
+                </a:highlight>
+                <a:latin typeface="Consolas" panose="020B0609020204030204" pitchFamily="49" charset="0"/>
+              </a:rPr>
+              <a:t># </a:t>
+            </a:r>
+            <a:r>
+              <a:rPr lang="ja-JP" altLang="en-US" sz="1200" dirty="0">
+                <a:solidFill>
+                  <a:srgbClr val="008000"/>
+                </a:solidFill>
+                <a:highlight>
+                  <a:srgbClr val="FFFFFF"/>
+                </a:highlight>
+                <a:latin typeface="Consolas" panose="020B0609020204030204" pitchFamily="49" charset="0"/>
+              </a:rPr>
+              <a:t>確認メッセージを出力</a:t>
+            </a:r>
+            <a:endParaRPr lang="en-US" altLang="zh-CN" sz="1200" b="0" dirty="0">
+              <a:solidFill>
+                <a:srgbClr val="3B3B3B"/>
+              </a:solidFill>
+              <a:effectLst/>
+              <a:highlight>
+                <a:srgbClr val="FFFFFF"/>
+              </a:highlight>
+              <a:latin typeface="Consolas" panose="020B0609020204030204" pitchFamily="49" charset="0"/>
+            </a:endParaRPr>
+          </a:p>
+          <a:p>
+            <a:r>
+              <a:rPr lang="en-US" altLang="zh-CN" sz="1200" b="0" dirty="0">
+                <a:solidFill>
+                  <a:srgbClr val="3B3B3B"/>
+                </a:solidFill>
+                <a:effectLst/>
+                <a:highlight>
+                  <a:srgbClr val="FFFFFF"/>
+                </a:highlight>
+                <a:latin typeface="Consolas" panose="020B0609020204030204" pitchFamily="49" charset="0"/>
+              </a:rPr>
+              <a:t>    </a:t>
+            </a:r>
+            <a:r>
+              <a:rPr lang="en-US" altLang="zh-CN" sz="1200" b="0" dirty="0">
+                <a:solidFill>
+                  <a:srgbClr val="795E26"/>
+                </a:solidFill>
+                <a:effectLst/>
+                <a:highlight>
+                  <a:srgbClr val="FFFFFF"/>
+                </a:highlight>
+                <a:latin typeface="Consolas" panose="020B0609020204030204" pitchFamily="49" charset="0"/>
+              </a:rPr>
+              <a:t>print</a:t>
+            </a:r>
+            <a:r>
+              <a:rPr lang="en-US" altLang="zh-CN" sz="1200" b="0" dirty="0">
+                <a:solidFill>
+                  <a:srgbClr val="3B3B3B"/>
+                </a:solidFill>
+                <a:effectLst/>
+                <a:highlight>
+                  <a:srgbClr val="FFFFFF"/>
+                </a:highlight>
+                <a:latin typeface="Consolas" panose="020B0609020204030204" pitchFamily="49" charset="0"/>
+              </a:rPr>
+              <a:t>(</a:t>
+            </a:r>
+            <a:r>
+              <a:rPr lang="en-US" altLang="zh-CN" sz="1200" b="0" dirty="0">
+                <a:solidFill>
+                  <a:srgbClr val="001080"/>
+                </a:solidFill>
+                <a:effectLst/>
+                <a:highlight>
+                  <a:srgbClr val="FFFFFF"/>
+                </a:highlight>
+                <a:latin typeface="Consolas" panose="020B0609020204030204" pitchFamily="49" charset="0"/>
+              </a:rPr>
+              <a:t>result</a:t>
+            </a:r>
+            <a:r>
+              <a:rPr lang="en-US" altLang="zh-CN" sz="1200" b="0" dirty="0">
+                <a:solidFill>
+                  <a:srgbClr val="3B3B3B"/>
+                </a:solidFill>
+                <a:effectLst/>
+                <a:highlight>
+                  <a:srgbClr val="FFFFFF"/>
+                </a:highlight>
+                <a:latin typeface="Consolas" panose="020B0609020204030204" pitchFamily="49" charset="0"/>
+              </a:rPr>
+              <a:t>) </a:t>
+            </a:r>
+            <a:r>
+              <a:rPr lang="en-US" altLang="zh-CN" sz="1200" b="0" dirty="0">
+                <a:solidFill>
+                  <a:srgbClr val="008000"/>
+                </a:solidFill>
+                <a:effectLst/>
+                <a:highlight>
+                  <a:srgbClr val="FFFFFF"/>
+                </a:highlight>
+                <a:latin typeface="Consolas" panose="020B0609020204030204" pitchFamily="49" charset="0"/>
+              </a:rPr>
+              <a:t># "Hello World!"</a:t>
+            </a:r>
+          </a:p>
+          <a:p>
+            <a:endParaRPr lang="en-US" altLang="zh-CN" sz="1200" dirty="0">
+              <a:solidFill>
+                <a:srgbClr val="008000"/>
+              </a:solidFill>
+              <a:highlight>
+                <a:srgbClr val="FFFFFF"/>
+              </a:highlight>
+              <a:latin typeface="Consolas" panose="020B0609020204030204" pitchFamily="49" charset="0"/>
+            </a:endParaRPr>
+          </a:p>
+          <a:p>
+            <a:r>
+              <a:rPr lang="en-US" altLang="zh-CN" sz="1200" dirty="0">
+                <a:solidFill>
+                  <a:srgbClr val="3B3B3B"/>
+                </a:solidFill>
+                <a:highlight>
+                  <a:srgbClr val="FFFFFF"/>
+                </a:highlight>
+                <a:latin typeface="Consolas" panose="020B0609020204030204" pitchFamily="49" charset="0"/>
+              </a:rPr>
+              <a:t>    </a:t>
+            </a:r>
+            <a:r>
+              <a:rPr lang="en-US" altLang="zh-CN" sz="1200" b="0" dirty="0">
+                <a:solidFill>
+                  <a:srgbClr val="008000"/>
+                </a:solidFill>
+                <a:effectLst/>
+                <a:highlight>
+                  <a:srgbClr val="FFFFFF"/>
+                </a:highlight>
+                <a:latin typeface="Consolas" panose="020B0609020204030204" pitchFamily="49" charset="0"/>
+              </a:rPr>
+              <a:t># client</a:t>
+            </a:r>
+            <a:r>
+              <a:rPr lang="ja-JP" altLang="en-US" sz="1200" b="0" dirty="0">
+                <a:solidFill>
+                  <a:srgbClr val="008000"/>
+                </a:solidFill>
+                <a:effectLst/>
+                <a:highlight>
+                  <a:srgbClr val="FFFFFF"/>
+                </a:highlight>
+                <a:latin typeface="Consolas" panose="020B0609020204030204" pitchFamily="49" charset="0"/>
+              </a:rPr>
+              <a:t>の</a:t>
+            </a:r>
+            <a:r>
+              <a:rPr lang="en-US" altLang="ja-JP" sz="1200" b="0" dirty="0">
+                <a:solidFill>
+                  <a:srgbClr val="008000"/>
+                </a:solidFill>
+                <a:effectLst/>
+                <a:highlight>
+                  <a:srgbClr val="FFFFFF"/>
+                </a:highlight>
+                <a:latin typeface="Consolas" panose="020B0609020204030204" pitchFamily="49" charset="0"/>
+              </a:rPr>
+              <a:t>connect</a:t>
+            </a:r>
+            <a:r>
+              <a:rPr lang="ja-JP" altLang="en-US" sz="1200" b="0" dirty="0">
+                <a:solidFill>
+                  <a:srgbClr val="008000"/>
+                </a:solidFill>
+                <a:effectLst/>
+                <a:highlight>
+                  <a:srgbClr val="FFFFFF"/>
+                </a:highlight>
+                <a:latin typeface="Consolas" panose="020B0609020204030204" pitchFamily="49" charset="0"/>
+              </a:rPr>
+              <a:t>を閉じる</a:t>
+            </a:r>
+            <a:endParaRPr lang="en-US" altLang="zh-CN" sz="1200" b="0" dirty="0">
+              <a:solidFill>
+                <a:srgbClr val="3B3B3B"/>
+              </a:solidFill>
+              <a:effectLst/>
+              <a:highlight>
+                <a:srgbClr val="FFFFFF"/>
+              </a:highlight>
+              <a:latin typeface="Consolas" panose="020B0609020204030204" pitchFamily="49" charset="0"/>
+            </a:endParaRPr>
+          </a:p>
+          <a:p>
+            <a:r>
+              <a:rPr lang="en-US" altLang="zh-CN" sz="1200" b="0" dirty="0">
+                <a:solidFill>
+                  <a:srgbClr val="3B3B3B"/>
+                </a:solidFill>
+                <a:effectLst/>
+                <a:highlight>
+                  <a:srgbClr val="FFFFFF"/>
+                </a:highlight>
+                <a:latin typeface="Consolas" panose="020B0609020204030204" pitchFamily="49" charset="0"/>
+              </a:rPr>
+              <a:t>    </a:t>
+            </a:r>
+            <a:r>
+              <a:rPr lang="en-US" altLang="zh-CN" sz="1200" b="0" dirty="0">
+                <a:solidFill>
+                  <a:srgbClr val="AF00DB"/>
+                </a:solidFill>
+                <a:effectLst/>
+                <a:highlight>
+                  <a:srgbClr val="FFFFFF"/>
+                </a:highlight>
+                <a:latin typeface="Consolas" panose="020B0609020204030204" pitchFamily="49" charset="0"/>
+              </a:rPr>
+              <a:t>await</a:t>
+            </a:r>
+            <a:r>
+              <a:rPr lang="en-US" altLang="zh-CN" sz="1200" b="0" dirty="0">
+                <a:solidFill>
+                  <a:srgbClr val="3B3B3B"/>
+                </a:solidFill>
+                <a:effectLst/>
+                <a:highlight>
+                  <a:srgbClr val="FFFFFF"/>
+                </a:highlight>
+                <a:latin typeface="Consolas" panose="020B0609020204030204" pitchFamily="49" charset="0"/>
+              </a:rPr>
+              <a:t> </a:t>
+            </a:r>
+            <a:r>
+              <a:rPr lang="en-US" altLang="zh-CN" sz="1200" b="0" dirty="0" err="1">
+                <a:solidFill>
+                  <a:srgbClr val="001080"/>
+                </a:solidFill>
+                <a:effectLst/>
+                <a:highlight>
+                  <a:srgbClr val="FFFFFF"/>
+                </a:highlight>
+                <a:latin typeface="Consolas" panose="020B0609020204030204" pitchFamily="49" charset="0"/>
+              </a:rPr>
+              <a:t>echo</a:t>
+            </a:r>
+            <a:r>
+              <a:rPr lang="en-US" altLang="zh-CN" sz="1200" b="0" dirty="0" err="1">
+                <a:solidFill>
+                  <a:srgbClr val="3B3B3B"/>
+                </a:solidFill>
+                <a:effectLst/>
+                <a:highlight>
+                  <a:srgbClr val="FFFFFF"/>
+                </a:highlight>
+                <a:latin typeface="Consolas" panose="020B0609020204030204" pitchFamily="49" charset="0"/>
+              </a:rPr>
+              <a:t>.</a:t>
+            </a:r>
+            <a:r>
+              <a:rPr lang="en-US" altLang="zh-CN" sz="1200" b="0" dirty="0" err="1">
+                <a:solidFill>
+                  <a:srgbClr val="795E26"/>
+                </a:solidFill>
+                <a:effectLst/>
+                <a:highlight>
+                  <a:srgbClr val="FFFFFF"/>
+                </a:highlight>
+                <a:latin typeface="Consolas" panose="020B0609020204030204" pitchFamily="49" charset="0"/>
+              </a:rPr>
+              <a:t>close</a:t>
+            </a:r>
+            <a:r>
+              <a:rPr lang="en-US" altLang="zh-CN" sz="1200" b="0" dirty="0">
+                <a:solidFill>
+                  <a:srgbClr val="3B3B3B"/>
+                </a:solidFill>
+                <a:effectLst/>
+                <a:highlight>
+                  <a:srgbClr val="FFFFFF"/>
+                </a:highlight>
+                <a:latin typeface="Consolas" panose="020B0609020204030204" pitchFamily="49" charset="0"/>
+              </a:rPr>
+              <a:t>()</a:t>
+            </a:r>
+          </a:p>
+          <a:p>
+            <a:br>
+              <a:rPr lang="en-US" altLang="zh-CN" sz="1200" b="0" dirty="0">
+                <a:solidFill>
+                  <a:srgbClr val="3B3B3B"/>
+                </a:solidFill>
+                <a:effectLst/>
+                <a:highlight>
+                  <a:srgbClr val="FFFFFF"/>
+                </a:highlight>
+                <a:latin typeface="Consolas" panose="020B0609020204030204" pitchFamily="49" charset="0"/>
+              </a:rPr>
+            </a:br>
+            <a:r>
+              <a:rPr lang="en-US" altLang="zh-CN" sz="1200" b="0" dirty="0">
+                <a:solidFill>
+                  <a:srgbClr val="AF00DB"/>
+                </a:solidFill>
+                <a:effectLst/>
+                <a:highlight>
+                  <a:srgbClr val="FFFFFF"/>
+                </a:highlight>
+                <a:latin typeface="Consolas" panose="020B0609020204030204" pitchFamily="49" charset="0"/>
+              </a:rPr>
+              <a:t>if</a:t>
+            </a:r>
+            <a:r>
+              <a:rPr lang="en-US" altLang="zh-CN" sz="1200" b="0" dirty="0">
+                <a:solidFill>
+                  <a:srgbClr val="3B3B3B"/>
+                </a:solidFill>
+                <a:effectLst/>
+                <a:highlight>
+                  <a:srgbClr val="FFFFFF"/>
+                </a:highlight>
+                <a:latin typeface="Consolas" panose="020B0609020204030204" pitchFamily="49" charset="0"/>
+              </a:rPr>
+              <a:t> </a:t>
+            </a:r>
+            <a:r>
+              <a:rPr lang="en-US" altLang="zh-CN" sz="1200" b="0" dirty="0">
+                <a:solidFill>
+                  <a:srgbClr val="001080"/>
+                </a:solidFill>
+                <a:effectLst/>
+                <a:highlight>
+                  <a:srgbClr val="FFFFFF"/>
+                </a:highlight>
+                <a:latin typeface="Consolas" panose="020B0609020204030204" pitchFamily="49" charset="0"/>
+              </a:rPr>
+              <a:t>__name__</a:t>
+            </a:r>
+            <a:r>
+              <a:rPr lang="en-US" altLang="zh-CN" sz="1200" b="0" dirty="0">
+                <a:solidFill>
+                  <a:srgbClr val="3B3B3B"/>
+                </a:solidFill>
+                <a:effectLst/>
+                <a:highlight>
+                  <a:srgbClr val="FFFFFF"/>
+                </a:highlight>
+                <a:latin typeface="Consolas" panose="020B0609020204030204" pitchFamily="49" charset="0"/>
+              </a:rPr>
+              <a:t> </a:t>
+            </a:r>
+            <a:r>
+              <a:rPr lang="en-US" altLang="zh-CN" sz="1200" b="0" dirty="0">
+                <a:solidFill>
+                  <a:srgbClr val="000000"/>
+                </a:solidFill>
+                <a:effectLst/>
+                <a:highlight>
+                  <a:srgbClr val="FFFFFF"/>
+                </a:highlight>
+                <a:latin typeface="Consolas" panose="020B0609020204030204" pitchFamily="49" charset="0"/>
+              </a:rPr>
+              <a:t>==</a:t>
+            </a:r>
+            <a:r>
+              <a:rPr lang="en-US" altLang="zh-CN" sz="1200" b="0" dirty="0">
+                <a:solidFill>
+                  <a:srgbClr val="3B3B3B"/>
+                </a:solidFill>
+                <a:effectLst/>
+                <a:highlight>
+                  <a:srgbClr val="FFFFFF"/>
+                </a:highlight>
+                <a:latin typeface="Consolas" panose="020B0609020204030204" pitchFamily="49" charset="0"/>
+              </a:rPr>
+              <a:t> </a:t>
+            </a:r>
+            <a:r>
+              <a:rPr lang="en-US" altLang="zh-CN" sz="1200" b="0" dirty="0">
+                <a:solidFill>
+                  <a:srgbClr val="A31515"/>
+                </a:solidFill>
+                <a:effectLst/>
+                <a:highlight>
+                  <a:srgbClr val="FFFFFF"/>
+                </a:highlight>
+                <a:latin typeface="Consolas" panose="020B0609020204030204" pitchFamily="49" charset="0"/>
+              </a:rPr>
+              <a:t>"__main__"</a:t>
+            </a:r>
+            <a:r>
+              <a:rPr lang="en-US" altLang="zh-CN" sz="1200" b="0" dirty="0">
+                <a:solidFill>
+                  <a:srgbClr val="3B3B3B"/>
+                </a:solidFill>
+                <a:effectLst/>
+                <a:highlight>
+                  <a:srgbClr val="FFFFFF"/>
+                </a:highlight>
+                <a:latin typeface="Consolas" panose="020B0609020204030204" pitchFamily="49" charset="0"/>
+              </a:rPr>
+              <a:t>:</a:t>
+            </a:r>
+          </a:p>
+          <a:p>
+            <a:r>
+              <a:rPr lang="en-US" altLang="zh-CN" sz="1200" b="0" dirty="0">
+                <a:solidFill>
+                  <a:srgbClr val="3B3B3B"/>
+                </a:solidFill>
+                <a:effectLst/>
+                <a:highlight>
+                  <a:srgbClr val="FFFFFF"/>
+                </a:highlight>
+                <a:latin typeface="Consolas" panose="020B0609020204030204" pitchFamily="49" charset="0"/>
+              </a:rPr>
+              <a:t>    </a:t>
+            </a:r>
+            <a:r>
+              <a:rPr lang="en-US" altLang="zh-CN" sz="1200" b="0" dirty="0" err="1">
+                <a:solidFill>
+                  <a:srgbClr val="267F99"/>
+                </a:solidFill>
+                <a:effectLst/>
+                <a:highlight>
+                  <a:srgbClr val="FFFFFF"/>
+                </a:highlight>
+                <a:latin typeface="Consolas" panose="020B0609020204030204" pitchFamily="49" charset="0"/>
+              </a:rPr>
+              <a:t>asyncio</a:t>
+            </a:r>
+            <a:r>
+              <a:rPr lang="en-US" altLang="zh-CN" sz="1200" b="0" dirty="0" err="1">
+                <a:solidFill>
+                  <a:srgbClr val="3B3B3B"/>
+                </a:solidFill>
+                <a:effectLst/>
+                <a:highlight>
+                  <a:srgbClr val="FFFFFF"/>
+                </a:highlight>
+                <a:latin typeface="Consolas" panose="020B0609020204030204" pitchFamily="49" charset="0"/>
+              </a:rPr>
+              <a:t>.</a:t>
+            </a:r>
+            <a:r>
+              <a:rPr lang="en-US" altLang="zh-CN" sz="1200" b="0" dirty="0" err="1">
+                <a:solidFill>
+                  <a:srgbClr val="795E26"/>
+                </a:solidFill>
+                <a:effectLst/>
+                <a:highlight>
+                  <a:srgbClr val="FFFFFF"/>
+                </a:highlight>
+                <a:latin typeface="Consolas" panose="020B0609020204030204" pitchFamily="49" charset="0"/>
+              </a:rPr>
+              <a:t>run</a:t>
+            </a:r>
+            <a:r>
+              <a:rPr lang="en-US" altLang="zh-CN" sz="1200" b="0" dirty="0">
+                <a:solidFill>
+                  <a:srgbClr val="3B3B3B"/>
+                </a:solidFill>
+                <a:effectLst/>
+                <a:highlight>
+                  <a:srgbClr val="FFFFFF"/>
+                </a:highlight>
+                <a:latin typeface="Consolas" panose="020B0609020204030204" pitchFamily="49" charset="0"/>
+              </a:rPr>
+              <a:t>(</a:t>
+            </a:r>
+            <a:r>
+              <a:rPr lang="en-US" altLang="zh-CN" sz="1200" b="0" dirty="0">
+                <a:solidFill>
+                  <a:srgbClr val="795E26"/>
+                </a:solidFill>
+                <a:effectLst/>
+                <a:highlight>
+                  <a:srgbClr val="FFFFFF"/>
+                </a:highlight>
+                <a:latin typeface="Consolas" panose="020B0609020204030204" pitchFamily="49" charset="0"/>
+              </a:rPr>
+              <a:t>main</a:t>
+            </a:r>
+            <a:r>
+              <a:rPr lang="en-US" altLang="zh-CN" sz="1200" b="0" dirty="0">
+                <a:solidFill>
+                  <a:srgbClr val="3B3B3B"/>
+                </a:solidFill>
+                <a:effectLst/>
+                <a:highlight>
+                  <a:srgbClr val="FFFFFF"/>
+                </a:highlight>
+                <a:latin typeface="Consolas" panose="020B0609020204030204" pitchFamily="49" charset="0"/>
+              </a:rPr>
+              <a:t>())</a:t>
+            </a:r>
+          </a:p>
+        </p:txBody>
+      </p:sp>
+      <p:grpSp>
+        <p:nvGrpSpPr>
+          <p:cNvPr id="10" name="组合 9">
+            <a:extLst>
+              <a:ext uri="{FF2B5EF4-FFF2-40B4-BE49-F238E27FC236}">
+                <a16:creationId xmlns:a16="http://schemas.microsoft.com/office/drawing/2014/main" id="{4571C104-CA0C-A31A-5FF1-AA395087968F}"/>
+              </a:ext>
+            </a:extLst>
+          </p:cNvPr>
+          <p:cNvGrpSpPr/>
+          <p:nvPr/>
+        </p:nvGrpSpPr>
+        <p:grpSpPr>
+          <a:xfrm>
+            <a:off x="7206736" y="690049"/>
+            <a:ext cx="876300" cy="280791"/>
+            <a:chOff x="4981575" y="833634"/>
+            <a:chExt cx="876300" cy="280791"/>
+          </a:xfrm>
+        </p:grpSpPr>
+        <p:cxnSp>
+          <p:nvCxnSpPr>
+            <p:cNvPr id="11" name="直接箭头连接符 10">
+              <a:extLst>
+                <a:ext uri="{FF2B5EF4-FFF2-40B4-BE49-F238E27FC236}">
+                  <a16:creationId xmlns:a16="http://schemas.microsoft.com/office/drawing/2014/main" id="{ED7A5E90-3E85-FA27-9297-E3286857ED52}"/>
+                </a:ext>
+              </a:extLst>
+            </p:cNvPr>
+            <p:cNvCxnSpPr/>
+            <p:nvPr/>
+          </p:nvCxnSpPr>
+          <p:spPr>
+            <a:xfrm>
+              <a:off x="4981575" y="1114425"/>
+              <a:ext cx="876300" cy="0"/>
+            </a:xfrm>
+            <a:prstGeom prst="straightConnector1">
+              <a:avLst/>
+            </a:prstGeom>
+            <a:ln>
+              <a:tailEnd type="triangle"/>
+            </a:ln>
+          </p:spPr>
+          <p:style>
+            <a:lnRef idx="1">
+              <a:schemeClr val="accent1"/>
+            </a:lnRef>
+            <a:fillRef idx="0">
+              <a:schemeClr val="accent1"/>
+            </a:fillRef>
+            <a:effectRef idx="0">
+              <a:schemeClr val="accent1"/>
+            </a:effectRef>
+            <a:fontRef idx="minor">
+              <a:schemeClr val="tx1"/>
+            </a:fontRef>
+          </p:style>
+        </p:cxnSp>
+        <p:sp>
+          <p:nvSpPr>
+            <p:cNvPr id="12" name="文本框 11">
+              <a:extLst>
+                <a:ext uri="{FF2B5EF4-FFF2-40B4-BE49-F238E27FC236}">
+                  <a16:creationId xmlns:a16="http://schemas.microsoft.com/office/drawing/2014/main" id="{8B2CD3C6-28E9-962C-6FFB-5E35A3632AA3}"/>
+                </a:ext>
+              </a:extLst>
+            </p:cNvPr>
+            <p:cNvSpPr txBox="1"/>
+            <p:nvPr/>
+          </p:nvSpPr>
+          <p:spPr>
+            <a:xfrm>
+              <a:off x="5158314" y="833634"/>
+              <a:ext cx="492443" cy="276999"/>
+            </a:xfrm>
+            <a:prstGeom prst="rect">
+              <a:avLst/>
+            </a:prstGeom>
+            <a:noFill/>
+          </p:spPr>
+          <p:txBody>
+            <a:bodyPr wrap="none" rtlCol="0">
+              <a:spAutoFit/>
+            </a:bodyPr>
+            <a:lstStyle/>
+            <a:p>
+              <a:r>
+                <a:rPr lang="ja-JP" altLang="en-US" sz="1200" dirty="0"/>
+                <a:t>続き</a:t>
+              </a:r>
+              <a:endParaRPr lang="zh-CN" altLang="en-US" sz="1200" dirty="0"/>
+            </a:p>
+          </p:txBody>
+        </p:sp>
+      </p:grpSp>
+      <p:sp>
+        <p:nvSpPr>
+          <p:cNvPr id="13" name="文本框 12">
+            <a:extLst>
+              <a:ext uri="{FF2B5EF4-FFF2-40B4-BE49-F238E27FC236}">
+                <a16:creationId xmlns:a16="http://schemas.microsoft.com/office/drawing/2014/main" id="{857D597F-3884-E8DE-0DB7-C875033EE52A}"/>
+              </a:ext>
+            </a:extLst>
+          </p:cNvPr>
+          <p:cNvSpPr txBox="1"/>
+          <p:nvPr/>
+        </p:nvSpPr>
+        <p:spPr>
+          <a:xfrm>
+            <a:off x="305570" y="5844785"/>
+            <a:ext cx="3700052" cy="646331"/>
+          </a:xfrm>
+          <a:prstGeom prst="rect">
+            <a:avLst/>
+          </a:prstGeom>
+          <a:noFill/>
+          <a:ln>
+            <a:solidFill>
+              <a:schemeClr val="tx1"/>
+            </a:solidFill>
+          </a:ln>
+        </p:spPr>
+        <p:txBody>
+          <a:bodyPr wrap="none" rtlCol="0">
+            <a:spAutoFit/>
+          </a:bodyPr>
+          <a:lstStyle/>
+          <a:p>
+            <a:r>
+              <a:rPr lang="ja-JP" altLang="en-US" sz="1200" dirty="0"/>
+              <a:t>実行順序：</a:t>
+            </a:r>
+            <a:endParaRPr lang="en-US" altLang="ja-JP" sz="1200" dirty="0"/>
+          </a:p>
+          <a:p>
+            <a:r>
+              <a:rPr lang="ja-JP" altLang="en-US" sz="1200" dirty="0"/>
+              <a:t>１．まず</a:t>
+            </a:r>
+            <a:r>
+              <a:rPr lang="en-US" altLang="zh-CN" sz="1200" dirty="0"/>
+              <a:t>server.py</a:t>
+            </a:r>
+            <a:r>
+              <a:rPr lang="ja-JP" altLang="en-US" sz="1200" dirty="0"/>
+              <a:t>を実行させる（サーバーを起動）</a:t>
+            </a:r>
+            <a:endParaRPr lang="en-US" altLang="ja-JP" sz="1200" dirty="0"/>
+          </a:p>
+          <a:p>
+            <a:r>
+              <a:rPr lang="ja-JP" altLang="en-US" sz="1200" dirty="0"/>
+              <a:t>２．そして </a:t>
+            </a:r>
+            <a:r>
+              <a:rPr lang="en-US" altLang="ja-JP" sz="1200" dirty="0"/>
+              <a:t>client.py</a:t>
+            </a:r>
+            <a:r>
+              <a:rPr lang="ja-JP" altLang="en-US" sz="1200" dirty="0"/>
+              <a:t>を実行させる</a:t>
+            </a:r>
+            <a:endParaRPr lang="en-US" altLang="ja-JP" sz="1200" dirty="0"/>
+          </a:p>
+        </p:txBody>
+      </p:sp>
+      <p:grpSp>
+        <p:nvGrpSpPr>
+          <p:cNvPr id="17" name="组合 16">
+            <a:extLst>
+              <a:ext uri="{FF2B5EF4-FFF2-40B4-BE49-F238E27FC236}">
+                <a16:creationId xmlns:a16="http://schemas.microsoft.com/office/drawing/2014/main" id="{41F6688D-9EF7-FF13-9551-9ED4BFDA3AE7}"/>
+              </a:ext>
+            </a:extLst>
+          </p:cNvPr>
+          <p:cNvGrpSpPr/>
+          <p:nvPr/>
+        </p:nvGrpSpPr>
+        <p:grpSpPr>
+          <a:xfrm>
+            <a:off x="8112023" y="5059955"/>
+            <a:ext cx="2618181" cy="1569660"/>
+            <a:chOff x="8112023" y="4782955"/>
+            <a:chExt cx="2618181" cy="1569660"/>
+          </a:xfrm>
+        </p:grpSpPr>
+        <p:sp>
+          <p:nvSpPr>
+            <p:cNvPr id="14" name="文本框 13">
+              <a:extLst>
+                <a:ext uri="{FF2B5EF4-FFF2-40B4-BE49-F238E27FC236}">
+                  <a16:creationId xmlns:a16="http://schemas.microsoft.com/office/drawing/2014/main" id="{C165DE68-2152-160C-AB11-31FF622AFAE8}"/>
+                </a:ext>
+              </a:extLst>
+            </p:cNvPr>
+            <p:cNvSpPr txBox="1"/>
+            <p:nvPr/>
+          </p:nvSpPr>
+          <p:spPr>
+            <a:xfrm>
+              <a:off x="8112023" y="4782955"/>
+              <a:ext cx="2618181" cy="1569660"/>
+            </a:xfrm>
+            <a:prstGeom prst="rect">
+              <a:avLst/>
+            </a:prstGeom>
+            <a:noFill/>
+            <a:ln>
+              <a:solidFill>
+                <a:schemeClr val="tx1"/>
+              </a:solidFill>
+            </a:ln>
+          </p:spPr>
+          <p:txBody>
+            <a:bodyPr wrap="square" rtlCol="0">
+              <a:spAutoFit/>
+            </a:bodyPr>
+            <a:lstStyle/>
+            <a:p>
+              <a:r>
+                <a:rPr lang="ja-JP" altLang="en-US" sz="1200" dirty="0"/>
+                <a:t>出力：</a:t>
+              </a:r>
+              <a:endParaRPr lang="en-US" altLang="ja-JP" sz="1200" dirty="0"/>
+            </a:p>
+            <a:p>
+              <a:endParaRPr lang="en-US" altLang="ja-JP" sz="1200" dirty="0"/>
+            </a:p>
+            <a:p>
+              <a:endParaRPr lang="en-US" altLang="ja-JP" sz="1200" dirty="0"/>
+            </a:p>
+            <a:p>
+              <a:endParaRPr lang="en-US" altLang="ja-JP" sz="1200" dirty="0"/>
+            </a:p>
+            <a:p>
+              <a:endParaRPr lang="en-US" altLang="ja-JP" sz="1200" dirty="0"/>
+            </a:p>
+            <a:p>
+              <a:endParaRPr lang="en-US" altLang="ja-JP" sz="1200" dirty="0"/>
+            </a:p>
+            <a:p>
+              <a:endParaRPr lang="en-US" altLang="zh-CN" sz="1200" dirty="0"/>
+            </a:p>
+            <a:p>
+              <a:endParaRPr lang="en-US" altLang="zh-CN" sz="1200" dirty="0"/>
+            </a:p>
+          </p:txBody>
+        </p:sp>
+        <p:sp>
+          <p:nvSpPr>
+            <p:cNvPr id="15" name="文本框 14">
+              <a:extLst>
+                <a:ext uri="{FF2B5EF4-FFF2-40B4-BE49-F238E27FC236}">
+                  <a16:creationId xmlns:a16="http://schemas.microsoft.com/office/drawing/2014/main" id="{DB4DAE77-C23C-E2E0-C8A3-504BF35638BC}"/>
+                </a:ext>
+              </a:extLst>
+            </p:cNvPr>
+            <p:cNvSpPr txBox="1"/>
+            <p:nvPr/>
+          </p:nvSpPr>
+          <p:spPr>
+            <a:xfrm>
+              <a:off x="8201609" y="5122031"/>
+              <a:ext cx="2295821" cy="461665"/>
+            </a:xfrm>
+            <a:prstGeom prst="rect">
+              <a:avLst/>
+            </a:prstGeom>
+            <a:noFill/>
+            <a:ln>
+              <a:solidFill>
+                <a:schemeClr val="tx1"/>
+              </a:solidFill>
+            </a:ln>
+          </p:spPr>
+          <p:txBody>
+            <a:bodyPr wrap="none" rtlCol="0">
+              <a:spAutoFit/>
+            </a:bodyPr>
+            <a:lstStyle/>
+            <a:p>
+              <a:r>
+                <a:rPr lang="ja-JP" altLang="en-US" sz="1200" dirty="0"/>
+                <a:t>サーバー側：</a:t>
+              </a:r>
+              <a:endParaRPr lang="en-US" altLang="ja-JP" sz="1200" dirty="0"/>
+            </a:p>
+            <a:p>
+              <a:r>
+                <a:rPr lang="en-US" altLang="zh-CN" sz="1200" dirty="0"/>
+                <a:t>Received message: Hello World!</a:t>
+              </a:r>
+              <a:endParaRPr lang="zh-CN" altLang="en-US" sz="1200" dirty="0"/>
+            </a:p>
+          </p:txBody>
+        </p:sp>
+        <p:sp>
+          <p:nvSpPr>
+            <p:cNvPr id="16" name="文本框 15">
+              <a:extLst>
+                <a:ext uri="{FF2B5EF4-FFF2-40B4-BE49-F238E27FC236}">
+                  <a16:creationId xmlns:a16="http://schemas.microsoft.com/office/drawing/2014/main" id="{4E483A16-70D6-6BB0-5540-F580FD28CB12}"/>
+                </a:ext>
+              </a:extLst>
+            </p:cNvPr>
+            <p:cNvSpPr txBox="1"/>
+            <p:nvPr/>
+          </p:nvSpPr>
+          <p:spPr>
+            <a:xfrm>
+              <a:off x="8201609" y="5788283"/>
+              <a:ext cx="1107996" cy="461665"/>
+            </a:xfrm>
+            <a:prstGeom prst="rect">
+              <a:avLst/>
+            </a:prstGeom>
+            <a:noFill/>
+            <a:ln>
+              <a:solidFill>
+                <a:schemeClr val="tx1"/>
+              </a:solidFill>
+            </a:ln>
+          </p:spPr>
+          <p:txBody>
+            <a:bodyPr wrap="none" rtlCol="0">
+              <a:spAutoFit/>
+            </a:bodyPr>
+            <a:lstStyle/>
+            <a:p>
+              <a:r>
+                <a:rPr lang="ja-JP" altLang="en-US" sz="1200" dirty="0"/>
+                <a:t>ユーザー側：</a:t>
+              </a:r>
+              <a:endParaRPr lang="en-US" altLang="ja-JP" sz="1200" dirty="0"/>
+            </a:p>
+            <a:p>
+              <a:r>
+                <a:rPr lang="en-US" altLang="zh-CN" sz="1200" dirty="0"/>
+                <a:t>Hello World!</a:t>
+              </a:r>
+              <a:endParaRPr lang="zh-CN" altLang="en-US" sz="1200" dirty="0"/>
+            </a:p>
+          </p:txBody>
+        </p:sp>
+      </p:grpSp>
+    </p:spTree>
+    <p:extLst>
+      <p:ext uri="{BB962C8B-B14F-4D97-AF65-F5344CB8AC3E}">
+        <p14:creationId xmlns:p14="http://schemas.microsoft.com/office/powerpoint/2010/main" val="2258808011"/>
+      </p:ext>
+    </p:extLst>
+  </p:cSld>
+  <p:clrMapOvr>
+    <a:masterClrMapping/>
+  </p:clrMapOvr>
+</p:sld>
+</file>
+
+<file path=ppt/slides/slide12.xml><?xml version="1.0" encoding="utf-8"?>
+<p:sld xmlns:a="http://schemas.openxmlformats.org/drawingml/2006/main" xmlns:r="http://schemas.openxmlformats.org/officeDocument/2006/relationships" xmlns:p="http://schemas.openxmlformats.org/presentationml/2006/main">
+  <p:cSld>
+    <p:spTree>
+      <p:nvGrpSpPr>
+        <p:cNvPr id="1" name=""/>
+        <p:cNvGrpSpPr/>
+        <p:nvPr/>
+      </p:nvGrpSpPr>
+      <p:grpSpPr>
+        <a:xfrm>
+          <a:off x="0" y="0"/>
+          <a:ext cx="0" cy="0"/>
+          <a:chOff x="0" y="0"/>
+          <a:chExt cx="0" cy="0"/>
+        </a:xfrm>
+      </p:grpSpPr>
+      <p:sp>
+        <p:nvSpPr>
+          <p:cNvPr id="4" name="矩形: 圆角 3">
+            <a:extLst>
+              <a:ext uri="{FF2B5EF4-FFF2-40B4-BE49-F238E27FC236}">
+                <a16:creationId xmlns:a16="http://schemas.microsoft.com/office/drawing/2014/main" id="{866A1306-2120-2B30-7A6A-781A28385D6D}"/>
+              </a:ext>
+            </a:extLst>
+          </p:cNvPr>
+          <p:cNvSpPr/>
+          <p:nvPr/>
+        </p:nvSpPr>
+        <p:spPr>
+          <a:xfrm flipV="1">
+            <a:off x="305570" y="523220"/>
+            <a:ext cx="11377352" cy="64193"/>
+          </a:xfrm>
+          <a:prstGeom prst="roundRect">
+            <a:avLst/>
+          </a:prstGeom>
+        </p:spPr>
+        <p:style>
+          <a:lnRef idx="2">
+            <a:schemeClr val="accent1">
+              <a:shade val="50000"/>
+            </a:schemeClr>
+          </a:lnRef>
+          <a:fillRef idx="1">
+            <a:schemeClr val="accent1"/>
+          </a:fillRef>
+          <a:effectRef idx="0">
+            <a:schemeClr val="accent1"/>
+          </a:effectRef>
+          <a:fontRef idx="minor">
+            <a:schemeClr val="lt1"/>
+          </a:fontRef>
+        </p:style>
+        <p:txBody>
+          <a:bodyPr rtlCol="0" anchor="ctr"/>
+          <a:lstStyle/>
+          <a:p>
+            <a:pPr algn="ctr"/>
+            <a:endParaRPr lang="zh-CN" altLang="en-US"/>
+          </a:p>
+        </p:txBody>
+      </p:sp>
+      <p:sp>
+        <p:nvSpPr>
+          <p:cNvPr id="5" name="文本框 4">
+            <a:extLst>
+              <a:ext uri="{FF2B5EF4-FFF2-40B4-BE49-F238E27FC236}">
+                <a16:creationId xmlns:a16="http://schemas.microsoft.com/office/drawing/2014/main" id="{6FF74BA9-D2C8-5CBE-0585-F2F644B9AECB}"/>
+              </a:ext>
+            </a:extLst>
+          </p:cNvPr>
+          <p:cNvSpPr txBox="1"/>
+          <p:nvPr/>
+        </p:nvSpPr>
+        <p:spPr>
+          <a:xfrm>
+            <a:off x="305570" y="0"/>
+            <a:ext cx="8249374" cy="523220"/>
+          </a:xfrm>
+          <a:prstGeom prst="rect">
+            <a:avLst/>
+          </a:prstGeom>
+          <a:noFill/>
+        </p:spPr>
+        <p:txBody>
+          <a:bodyPr wrap="none" rtlCol="0">
+            <a:spAutoFit/>
+          </a:bodyPr>
+          <a:lstStyle/>
+          <a:p>
+            <a:r>
+              <a:rPr lang="en-US" altLang="zh-CN" sz="2800" dirty="0"/>
+              <a:t>Section 54.5: Common Misconception about </a:t>
+            </a:r>
+            <a:r>
+              <a:rPr lang="en-US" altLang="zh-CN" sz="2800" dirty="0" err="1"/>
+              <a:t>asyncio</a:t>
+            </a:r>
+            <a:endParaRPr lang="zh-CN" altLang="en-US" sz="2800" b="1" dirty="0"/>
+          </a:p>
+        </p:txBody>
+      </p:sp>
+      <p:sp>
+        <p:nvSpPr>
+          <p:cNvPr id="2" name="文本框 1">
+            <a:extLst>
+              <a:ext uri="{FF2B5EF4-FFF2-40B4-BE49-F238E27FC236}">
+                <a16:creationId xmlns:a16="http://schemas.microsoft.com/office/drawing/2014/main" id="{FA1DB59D-FCB1-ACB2-CDB5-BD3CFFF7E555}"/>
+              </a:ext>
+            </a:extLst>
+          </p:cNvPr>
+          <p:cNvSpPr txBox="1"/>
+          <p:nvPr/>
+        </p:nvSpPr>
+        <p:spPr>
+          <a:xfrm>
+            <a:off x="297189" y="858001"/>
+            <a:ext cx="5285421" cy="1815882"/>
+          </a:xfrm>
+          <a:prstGeom prst="rect">
+            <a:avLst/>
+          </a:prstGeom>
+          <a:noFill/>
+        </p:spPr>
+        <p:txBody>
+          <a:bodyPr wrap="none" rtlCol="0">
+            <a:spAutoFit/>
+          </a:bodyPr>
+          <a:lstStyle/>
+          <a:p>
+            <a:r>
+              <a:rPr lang="en-US" altLang="ja-JP" sz="1400" dirty="0"/>
+              <a:t>Python</a:t>
+            </a:r>
+            <a:r>
+              <a:rPr lang="ja-JP" altLang="en-US" sz="1400" dirty="0"/>
+              <a:t>には</a:t>
+            </a:r>
+            <a:r>
+              <a:rPr lang="en-US" altLang="ja-JP" sz="1400" dirty="0"/>
+              <a:t>GIL(Global Interpreter Lock)</a:t>
+            </a:r>
+            <a:r>
+              <a:rPr lang="ja-JP" altLang="en-US" sz="1400" dirty="0"/>
+              <a:t>がある</a:t>
+            </a:r>
+            <a:endParaRPr lang="en-US" altLang="ja-JP" sz="1400" dirty="0"/>
+          </a:p>
+          <a:p>
+            <a:endParaRPr lang="en-US" altLang="ja-JP" sz="1400" dirty="0"/>
+          </a:p>
+          <a:p>
+            <a:r>
+              <a:rPr lang="en-US" altLang="ja-JP" sz="1400" dirty="0"/>
+              <a:t>GIL</a:t>
+            </a:r>
+            <a:r>
+              <a:rPr lang="ja-JP" altLang="en-US" sz="1400" dirty="0"/>
+              <a:t>を取得したスレッドのみが</a:t>
+            </a:r>
+            <a:r>
+              <a:rPr lang="en-US" altLang="ja-JP" sz="1400" dirty="0"/>
+              <a:t>Python</a:t>
+            </a:r>
+            <a:r>
+              <a:rPr lang="ja-JP" altLang="en-US" sz="1400" dirty="0"/>
+              <a:t>コードを実行できるため、</a:t>
+            </a:r>
+            <a:endParaRPr lang="en-US" altLang="ja-JP" sz="1400" dirty="0"/>
+          </a:p>
+          <a:p>
+            <a:r>
+              <a:rPr lang="en-US" altLang="ja-JP" sz="1400" dirty="0">
+                <a:solidFill>
+                  <a:srgbClr val="267F99"/>
+                </a:solidFill>
+                <a:highlight>
+                  <a:srgbClr val="FFFFFF"/>
+                </a:highlight>
+                <a:latin typeface="Consolas" panose="020B0609020204030204" pitchFamily="49" charset="0"/>
+              </a:rPr>
+              <a:t>t</a:t>
+            </a:r>
+            <a:r>
+              <a:rPr lang="en-US" altLang="zh-CN" sz="1400" b="0" dirty="0">
+                <a:solidFill>
+                  <a:srgbClr val="267F99"/>
+                </a:solidFill>
+                <a:effectLst/>
+                <a:highlight>
+                  <a:srgbClr val="FFFFFF"/>
+                </a:highlight>
+                <a:latin typeface="Consolas" panose="020B0609020204030204" pitchFamily="49" charset="0"/>
+              </a:rPr>
+              <a:t>hreading</a:t>
+            </a:r>
+            <a:r>
+              <a:rPr lang="ja-JP" altLang="en-US" sz="1400" dirty="0">
+                <a:solidFill>
+                  <a:srgbClr val="3B3B3B"/>
+                </a:solidFill>
+                <a:highlight>
+                  <a:srgbClr val="FFFFFF"/>
+                </a:highlight>
+                <a:latin typeface="Consolas" panose="020B0609020204030204" pitchFamily="49" charset="0"/>
+              </a:rPr>
+              <a:t>モジュールを使って</a:t>
+            </a:r>
+            <a:r>
+              <a:rPr lang="ja-JP" altLang="en-US" sz="1400" dirty="0"/>
+              <a:t>複数のスレッドを作っても</a:t>
+            </a:r>
+            <a:endParaRPr lang="en-US" altLang="ja-JP" sz="1400" dirty="0"/>
+          </a:p>
+          <a:p>
+            <a:r>
+              <a:rPr lang="ja-JP" altLang="en-US" sz="1400" dirty="0"/>
+              <a:t>実際には任意の時点で実行中のスレッドは</a:t>
+            </a:r>
+            <a:r>
+              <a:rPr lang="en-US" altLang="ja-JP" sz="1400" dirty="0"/>
+              <a:t>1</a:t>
+            </a:r>
+            <a:r>
+              <a:rPr lang="ja-JP" altLang="en-US" sz="1400" dirty="0"/>
+              <a:t>つだけです</a:t>
+            </a:r>
+            <a:endParaRPr lang="en-US" altLang="ja-JP" sz="1400" dirty="0"/>
+          </a:p>
+          <a:p>
+            <a:endParaRPr lang="en-US" altLang="ja-JP" sz="1400" dirty="0"/>
+          </a:p>
+          <a:p>
+            <a:r>
+              <a:rPr lang="ja-JP" altLang="en-US" sz="1400" dirty="0"/>
+              <a:t>並列</a:t>
+            </a:r>
+            <a:r>
+              <a:rPr lang="en-US" altLang="ja-JP" sz="1400" dirty="0"/>
+              <a:t>(parallel) </a:t>
+            </a:r>
+            <a:r>
+              <a:rPr lang="ja-JP" altLang="en-US" sz="1400" dirty="0"/>
+              <a:t>：タスクは真に同時に実行する</a:t>
+            </a:r>
+            <a:endParaRPr lang="en-US" altLang="ja-JP" sz="1400" dirty="0"/>
+          </a:p>
+          <a:p>
+            <a:r>
+              <a:rPr lang="zh-CN" altLang="en-US" sz="1400" dirty="0"/>
+              <a:t>並行</a:t>
+            </a:r>
+            <a:r>
+              <a:rPr lang="en-US" altLang="zh-CN" sz="1400" dirty="0"/>
+              <a:t>(</a:t>
+            </a:r>
+            <a:r>
+              <a:rPr lang="en-US" altLang="ja-JP" sz="1400" dirty="0"/>
+              <a:t>concurrent)</a:t>
+            </a:r>
+            <a:r>
+              <a:rPr lang="ja-JP" altLang="en-US" sz="1400" dirty="0"/>
+              <a:t>：タスクを切り替えながら実行する</a:t>
+            </a:r>
+            <a:endParaRPr lang="en-US" altLang="ja-JP" sz="1400" dirty="0"/>
+          </a:p>
+        </p:txBody>
+      </p:sp>
+      <p:sp>
+        <p:nvSpPr>
+          <p:cNvPr id="69" name="文本框 68">
+            <a:extLst>
+              <a:ext uri="{FF2B5EF4-FFF2-40B4-BE49-F238E27FC236}">
+                <a16:creationId xmlns:a16="http://schemas.microsoft.com/office/drawing/2014/main" id="{5276E319-E07A-4CD4-A1BB-6E9820C72E17}"/>
+              </a:ext>
+            </a:extLst>
+          </p:cNvPr>
+          <p:cNvSpPr txBox="1"/>
+          <p:nvPr/>
+        </p:nvSpPr>
+        <p:spPr>
+          <a:xfrm>
+            <a:off x="9524621" y="3029592"/>
+            <a:ext cx="2750950" cy="1569660"/>
+          </a:xfrm>
+          <a:prstGeom prst="rect">
+            <a:avLst/>
+          </a:prstGeom>
+          <a:noFill/>
+        </p:spPr>
+        <p:txBody>
+          <a:bodyPr wrap="square">
+            <a:spAutoFit/>
+          </a:bodyPr>
+          <a:lstStyle/>
+          <a:p>
+            <a:r>
+              <a:rPr lang="ja-JP" altLang="en-US" sz="1200" dirty="0"/>
+              <a:t>スレッドが </a:t>
+            </a:r>
+            <a:r>
+              <a:rPr lang="en-US" altLang="ja-JP" sz="1200" dirty="0"/>
+              <a:t>IO </a:t>
+            </a:r>
+            <a:r>
+              <a:rPr lang="ja-JP" altLang="en-US" sz="1200" dirty="0"/>
+              <a:t>タスクに遭遇するか、</a:t>
+            </a:r>
+            <a:endParaRPr lang="en-US" altLang="ja-JP" sz="1200" dirty="0"/>
+          </a:p>
+          <a:p>
+            <a:r>
+              <a:rPr lang="ja-JP" altLang="en-US" sz="1200" dirty="0"/>
+              <a:t>スレッドタスクが終了するときに、</a:t>
+            </a:r>
+            <a:endParaRPr lang="en-US" altLang="ja-JP" sz="1200" dirty="0"/>
+          </a:p>
+          <a:p>
+            <a:r>
+              <a:rPr lang="en-US" altLang="ja-JP" sz="1200" dirty="0"/>
+              <a:t>GIL </a:t>
+            </a:r>
+            <a:r>
+              <a:rPr lang="ja-JP" altLang="en-US" sz="1200" dirty="0"/>
+              <a:t>を自発的に解放します</a:t>
+            </a:r>
+            <a:endParaRPr lang="en-US" altLang="ja-JP" sz="1200" dirty="0"/>
+          </a:p>
+          <a:p>
+            <a:endParaRPr lang="en-US" altLang="zh-CN" sz="1200" dirty="0"/>
+          </a:p>
+          <a:p>
+            <a:r>
+              <a:rPr lang="ja-JP" altLang="en-US" sz="1200" dirty="0"/>
+              <a:t>三つのスレッドが</a:t>
+            </a:r>
+            <a:endParaRPr lang="en-US" altLang="ja-JP" sz="1200" dirty="0"/>
+          </a:p>
+          <a:p>
+            <a:r>
+              <a:rPr lang="zh-CN" altLang="en-US" sz="1200" dirty="0"/>
+              <a:t>並列</a:t>
+            </a:r>
+            <a:r>
+              <a:rPr lang="en-US" altLang="zh-CN" sz="1200" dirty="0"/>
+              <a:t>(parallel)</a:t>
+            </a:r>
+            <a:r>
+              <a:rPr lang="ja-JP" altLang="en-US" sz="1200" dirty="0"/>
+              <a:t> </a:t>
+            </a:r>
+            <a:r>
+              <a:rPr lang="ja-JP" altLang="en-US" sz="1200" b="1" dirty="0"/>
+              <a:t>ではなく</a:t>
+            </a:r>
+            <a:endParaRPr lang="en-US" altLang="ja-JP" sz="1200" b="1" dirty="0"/>
+          </a:p>
+          <a:p>
+            <a:r>
+              <a:rPr lang="zh-CN" altLang="en-US" sz="1200" dirty="0"/>
+              <a:t>並行</a:t>
+            </a:r>
+            <a:r>
+              <a:rPr lang="en-US" altLang="zh-CN" sz="1200" dirty="0"/>
+              <a:t>(</a:t>
+            </a:r>
+            <a:r>
+              <a:rPr lang="en-US" altLang="ja-JP" sz="1200" dirty="0"/>
+              <a:t>concurrent)</a:t>
+            </a:r>
+            <a:r>
+              <a:rPr lang="ja-JP" altLang="en-US" sz="1200" dirty="0"/>
+              <a:t>で実行する</a:t>
+            </a:r>
+            <a:endParaRPr lang="en-US" altLang="ja-JP" sz="1200" dirty="0"/>
+          </a:p>
+          <a:p>
+            <a:endParaRPr lang="zh-CN" altLang="en-US" sz="1200" dirty="0"/>
+          </a:p>
+        </p:txBody>
+      </p:sp>
+      <p:grpSp>
+        <p:nvGrpSpPr>
+          <p:cNvPr id="74" name="组合 73">
+            <a:extLst>
+              <a:ext uri="{FF2B5EF4-FFF2-40B4-BE49-F238E27FC236}">
+                <a16:creationId xmlns:a16="http://schemas.microsoft.com/office/drawing/2014/main" id="{29FEAD65-8F93-FFF9-221A-289FEB24D2B4}"/>
+              </a:ext>
+            </a:extLst>
+          </p:cNvPr>
+          <p:cNvGrpSpPr/>
+          <p:nvPr/>
+        </p:nvGrpSpPr>
+        <p:grpSpPr>
+          <a:xfrm>
+            <a:off x="305570" y="2944471"/>
+            <a:ext cx="9067436" cy="2127207"/>
+            <a:chOff x="252826" y="2632913"/>
+            <a:chExt cx="9067436" cy="2127207"/>
+          </a:xfrm>
+        </p:grpSpPr>
+        <p:grpSp>
+          <p:nvGrpSpPr>
+            <p:cNvPr id="66" name="组合 65">
+              <a:extLst>
+                <a:ext uri="{FF2B5EF4-FFF2-40B4-BE49-F238E27FC236}">
+                  <a16:creationId xmlns:a16="http://schemas.microsoft.com/office/drawing/2014/main" id="{8F9041BF-8651-6246-70E9-AB929FD34000}"/>
+                </a:ext>
+              </a:extLst>
+            </p:cNvPr>
+            <p:cNvGrpSpPr/>
+            <p:nvPr/>
+          </p:nvGrpSpPr>
+          <p:grpSpPr>
+            <a:xfrm>
+              <a:off x="252826" y="2632913"/>
+              <a:ext cx="9067436" cy="2127207"/>
+              <a:chOff x="141879" y="1968932"/>
+              <a:chExt cx="9067436" cy="2127207"/>
+            </a:xfrm>
+          </p:grpSpPr>
+          <p:grpSp>
+            <p:nvGrpSpPr>
+              <p:cNvPr id="63" name="组合 62">
+                <a:extLst>
+                  <a:ext uri="{FF2B5EF4-FFF2-40B4-BE49-F238E27FC236}">
+                    <a16:creationId xmlns:a16="http://schemas.microsoft.com/office/drawing/2014/main" id="{0A940E9E-B764-143A-1333-9400134FE559}"/>
+                  </a:ext>
+                </a:extLst>
+              </p:cNvPr>
+              <p:cNvGrpSpPr/>
+              <p:nvPr/>
+            </p:nvGrpSpPr>
+            <p:grpSpPr>
+              <a:xfrm>
+                <a:off x="305570" y="2096899"/>
+                <a:ext cx="8374886" cy="1806014"/>
+                <a:chOff x="541173" y="2078238"/>
+                <a:chExt cx="8374886" cy="1806014"/>
+              </a:xfrm>
+            </p:grpSpPr>
+            <p:sp>
+              <p:nvSpPr>
+                <p:cNvPr id="3" name="文本框 2">
+                  <a:extLst>
+                    <a:ext uri="{FF2B5EF4-FFF2-40B4-BE49-F238E27FC236}">
+                      <a16:creationId xmlns:a16="http://schemas.microsoft.com/office/drawing/2014/main" id="{0AD75DEB-14AF-321B-3737-EEE434FD9DBF}"/>
+                    </a:ext>
+                  </a:extLst>
+                </p:cNvPr>
+                <p:cNvSpPr txBox="1"/>
+                <p:nvPr/>
+              </p:nvSpPr>
+              <p:spPr>
+                <a:xfrm>
+                  <a:off x="541173" y="2164160"/>
+                  <a:ext cx="1048685" cy="369332"/>
+                </a:xfrm>
+                <a:prstGeom prst="rect">
+                  <a:avLst/>
+                </a:prstGeom>
+                <a:noFill/>
+                <a:ln>
+                  <a:solidFill>
+                    <a:schemeClr val="tx1"/>
+                  </a:solidFill>
+                </a:ln>
+              </p:spPr>
+              <p:txBody>
+                <a:bodyPr wrap="none" rtlCol="0">
+                  <a:spAutoFit/>
+                </a:bodyPr>
+                <a:lstStyle/>
+                <a:p>
+                  <a:r>
+                    <a:rPr lang="en-US" altLang="zh-CN" dirty="0"/>
+                    <a:t>thread_1</a:t>
+                  </a:r>
+                  <a:endParaRPr lang="zh-CN" altLang="en-US" dirty="0"/>
+                </a:p>
+              </p:txBody>
+            </p:sp>
+            <p:sp>
+              <p:nvSpPr>
+                <p:cNvPr id="6" name="文本框 5">
+                  <a:extLst>
+                    <a:ext uri="{FF2B5EF4-FFF2-40B4-BE49-F238E27FC236}">
+                      <a16:creationId xmlns:a16="http://schemas.microsoft.com/office/drawing/2014/main" id="{AF17CEBB-CBCC-42C2-79AB-573B40E14D14}"/>
+                    </a:ext>
+                  </a:extLst>
+                </p:cNvPr>
+                <p:cNvSpPr txBox="1"/>
+                <p:nvPr/>
+              </p:nvSpPr>
+              <p:spPr>
+                <a:xfrm>
+                  <a:off x="541173" y="2796580"/>
+                  <a:ext cx="1048685" cy="369332"/>
+                </a:xfrm>
+                <a:prstGeom prst="rect">
+                  <a:avLst/>
+                </a:prstGeom>
+                <a:noFill/>
+                <a:ln>
+                  <a:solidFill>
+                    <a:schemeClr val="tx1"/>
+                  </a:solidFill>
+                </a:ln>
+              </p:spPr>
+              <p:txBody>
+                <a:bodyPr wrap="none" rtlCol="0">
+                  <a:spAutoFit/>
+                </a:bodyPr>
+                <a:lstStyle/>
+                <a:p>
+                  <a:r>
+                    <a:rPr lang="en-US" altLang="zh-CN" dirty="0"/>
+                    <a:t>thread_2</a:t>
+                  </a:r>
+                  <a:endParaRPr lang="zh-CN" altLang="en-US" dirty="0"/>
+                </a:p>
+              </p:txBody>
+            </p:sp>
+            <p:sp>
+              <p:nvSpPr>
+                <p:cNvPr id="8" name="文本框 7">
+                  <a:extLst>
+                    <a:ext uri="{FF2B5EF4-FFF2-40B4-BE49-F238E27FC236}">
+                      <a16:creationId xmlns:a16="http://schemas.microsoft.com/office/drawing/2014/main" id="{1EDFB132-BD25-5D56-1428-5AA54EF7A119}"/>
+                    </a:ext>
+                  </a:extLst>
+                </p:cNvPr>
+                <p:cNvSpPr txBox="1"/>
+                <p:nvPr/>
+              </p:nvSpPr>
+              <p:spPr>
+                <a:xfrm>
+                  <a:off x="541174" y="3429000"/>
+                  <a:ext cx="1048685" cy="369332"/>
+                </a:xfrm>
+                <a:prstGeom prst="rect">
+                  <a:avLst/>
+                </a:prstGeom>
+                <a:noFill/>
+                <a:ln>
+                  <a:solidFill>
+                    <a:schemeClr val="tx1"/>
+                  </a:solidFill>
+                </a:ln>
+              </p:spPr>
+              <p:txBody>
+                <a:bodyPr wrap="none" rtlCol="0">
+                  <a:spAutoFit/>
+                </a:bodyPr>
+                <a:lstStyle/>
+                <a:p>
+                  <a:r>
+                    <a:rPr lang="en-US" altLang="zh-CN" dirty="0"/>
+                    <a:t>thread_3</a:t>
+                  </a:r>
+                  <a:endParaRPr lang="zh-CN" altLang="en-US" dirty="0"/>
+                </a:p>
+              </p:txBody>
+            </p:sp>
+            <p:cxnSp>
+              <p:nvCxnSpPr>
+                <p:cNvPr id="19" name="直接连接符 18">
+                  <a:extLst>
+                    <a:ext uri="{FF2B5EF4-FFF2-40B4-BE49-F238E27FC236}">
+                      <a16:creationId xmlns:a16="http://schemas.microsoft.com/office/drawing/2014/main" id="{7798EA18-1E19-169F-0A09-15D38F9564BB}"/>
+                    </a:ext>
+                  </a:extLst>
+                </p:cNvPr>
+                <p:cNvCxnSpPr>
+                  <a:stCxn id="3" idx="3"/>
+                </p:cNvCxnSpPr>
+                <p:nvPr/>
+              </p:nvCxnSpPr>
+              <p:spPr>
+                <a:xfrm>
+                  <a:off x="1589858" y="2348826"/>
+                  <a:ext cx="724134" cy="0"/>
+                </a:xfrm>
+                <a:prstGeom prst="line">
+                  <a:avLst/>
+                </a:prstGeom>
+                <a:ln w="28575"/>
+              </p:spPr>
+              <p:style>
+                <a:lnRef idx="1">
+                  <a:schemeClr val="accent1"/>
+                </a:lnRef>
+                <a:fillRef idx="0">
+                  <a:schemeClr val="accent1"/>
+                </a:fillRef>
+                <a:effectRef idx="0">
+                  <a:schemeClr val="accent1"/>
+                </a:effectRef>
+                <a:fontRef idx="minor">
+                  <a:schemeClr val="tx1"/>
+                </a:fontRef>
+              </p:style>
+            </p:cxnSp>
+            <p:sp>
+              <p:nvSpPr>
+                <p:cNvPr id="21" name="矩形: 圆角 20">
+                  <a:extLst>
+                    <a:ext uri="{FF2B5EF4-FFF2-40B4-BE49-F238E27FC236}">
+                      <a16:creationId xmlns:a16="http://schemas.microsoft.com/office/drawing/2014/main" id="{4574A8DB-A001-FA83-BA89-FB862C1D890A}"/>
+                    </a:ext>
+                  </a:extLst>
+                </p:cNvPr>
+                <p:cNvSpPr/>
+                <p:nvPr/>
+              </p:nvSpPr>
+              <p:spPr>
+                <a:xfrm>
+                  <a:off x="2313992" y="2078238"/>
+                  <a:ext cx="662473" cy="541175"/>
+                </a:xfrm>
+                <a:prstGeom prst="roundRect">
+                  <a:avLst/>
+                </a:prstGeom>
+              </p:spPr>
+              <p:style>
+                <a:lnRef idx="2">
+                  <a:schemeClr val="accent1">
+                    <a:shade val="15000"/>
+                  </a:schemeClr>
+                </a:lnRef>
+                <a:fillRef idx="1">
+                  <a:schemeClr val="accent1"/>
+                </a:fillRef>
+                <a:effectRef idx="0">
+                  <a:schemeClr val="accent1"/>
+                </a:effectRef>
+                <a:fontRef idx="minor">
+                  <a:schemeClr val="lt1"/>
+                </a:fontRef>
+              </p:style>
+              <p:txBody>
+                <a:bodyPr rtlCol="0" anchor="ctr"/>
+                <a:lstStyle/>
+                <a:p>
+                  <a:pPr algn="ctr"/>
+                  <a:r>
+                    <a:rPr lang="en-US" altLang="zh-CN" dirty="0"/>
+                    <a:t>I/O</a:t>
+                  </a:r>
+                  <a:endParaRPr lang="zh-CN" altLang="en-US" dirty="0"/>
+                </a:p>
+              </p:txBody>
+            </p:sp>
+            <p:cxnSp>
+              <p:nvCxnSpPr>
+                <p:cNvPr id="22" name="直接连接符 21">
+                  <a:extLst>
+                    <a:ext uri="{FF2B5EF4-FFF2-40B4-BE49-F238E27FC236}">
+                      <a16:creationId xmlns:a16="http://schemas.microsoft.com/office/drawing/2014/main" id="{B93D21B7-F575-3422-AF72-F20D8F4B4EAA}"/>
+                    </a:ext>
+                  </a:extLst>
+                </p:cNvPr>
+                <p:cNvCxnSpPr>
+                  <a:cxnSpLocks/>
+                  <a:stCxn id="6" idx="3"/>
+                </p:cNvCxnSpPr>
+                <p:nvPr/>
+              </p:nvCxnSpPr>
+              <p:spPr>
+                <a:xfrm>
+                  <a:off x="1589858" y="2981246"/>
+                  <a:ext cx="724134" cy="0"/>
+                </a:xfrm>
+                <a:prstGeom prst="line">
+                  <a:avLst/>
+                </a:prstGeom>
+                <a:ln w="28575">
+                  <a:prstDash val="sysDot"/>
+                </a:ln>
+              </p:spPr>
+              <p:style>
+                <a:lnRef idx="1">
+                  <a:schemeClr val="accent1"/>
+                </a:lnRef>
+                <a:fillRef idx="0">
+                  <a:schemeClr val="accent1"/>
+                </a:fillRef>
+                <a:effectRef idx="0">
+                  <a:schemeClr val="accent1"/>
+                </a:effectRef>
+                <a:fontRef idx="minor">
+                  <a:schemeClr val="tx1"/>
+                </a:fontRef>
+              </p:style>
+            </p:cxnSp>
+            <p:sp>
+              <p:nvSpPr>
+                <p:cNvPr id="25" name="矩形: 圆角 24">
+                  <a:extLst>
+                    <a:ext uri="{FF2B5EF4-FFF2-40B4-BE49-F238E27FC236}">
+                      <a16:creationId xmlns:a16="http://schemas.microsoft.com/office/drawing/2014/main" id="{1266AEA8-2420-B168-52B9-D3D765221439}"/>
+                    </a:ext>
+                  </a:extLst>
+                </p:cNvPr>
+                <p:cNvSpPr/>
+                <p:nvPr/>
+              </p:nvSpPr>
+              <p:spPr>
+                <a:xfrm>
+                  <a:off x="3767784" y="2710658"/>
+                  <a:ext cx="662473" cy="541175"/>
+                </a:xfrm>
+                <a:prstGeom prst="roundRect">
+                  <a:avLst/>
+                </a:prstGeom>
+              </p:spPr>
+              <p:style>
+                <a:lnRef idx="2">
+                  <a:schemeClr val="accent1">
+                    <a:shade val="15000"/>
+                  </a:schemeClr>
+                </a:lnRef>
+                <a:fillRef idx="1">
+                  <a:schemeClr val="accent1"/>
+                </a:fillRef>
+                <a:effectRef idx="0">
+                  <a:schemeClr val="accent1"/>
+                </a:effectRef>
+                <a:fontRef idx="minor">
+                  <a:schemeClr val="lt1"/>
+                </a:fontRef>
+              </p:style>
+              <p:txBody>
+                <a:bodyPr rtlCol="0" anchor="ctr"/>
+                <a:lstStyle/>
+                <a:p>
+                  <a:pPr algn="ctr"/>
+                  <a:r>
+                    <a:rPr lang="en-US" altLang="zh-CN" dirty="0"/>
+                    <a:t>I/O</a:t>
+                  </a:r>
+                  <a:endParaRPr lang="zh-CN" altLang="en-US" dirty="0"/>
+                </a:p>
+              </p:txBody>
+            </p:sp>
+            <p:cxnSp>
+              <p:nvCxnSpPr>
+                <p:cNvPr id="26" name="直接连接符 25">
+                  <a:extLst>
+                    <a:ext uri="{FF2B5EF4-FFF2-40B4-BE49-F238E27FC236}">
+                      <a16:creationId xmlns:a16="http://schemas.microsoft.com/office/drawing/2014/main" id="{EC6B5DB5-0C18-8C7A-BDF3-FE6C5238BAAA}"/>
+                    </a:ext>
+                  </a:extLst>
+                </p:cNvPr>
+                <p:cNvCxnSpPr>
+                  <a:cxnSpLocks/>
+                </p:cNvCxnSpPr>
+                <p:nvPr/>
+              </p:nvCxnSpPr>
+              <p:spPr>
+                <a:xfrm>
+                  <a:off x="2313992" y="2981868"/>
+                  <a:ext cx="1446245" cy="0"/>
+                </a:xfrm>
+                <a:prstGeom prst="line">
+                  <a:avLst/>
+                </a:prstGeom>
+                <a:ln w="28575"/>
+              </p:spPr>
+              <p:style>
+                <a:lnRef idx="1">
+                  <a:schemeClr val="accent1"/>
+                </a:lnRef>
+                <a:fillRef idx="0">
+                  <a:schemeClr val="accent1"/>
+                </a:fillRef>
+                <a:effectRef idx="0">
+                  <a:schemeClr val="accent1"/>
+                </a:effectRef>
+                <a:fontRef idx="minor">
+                  <a:schemeClr val="tx1"/>
+                </a:fontRef>
+              </p:style>
+            </p:cxnSp>
+            <p:cxnSp>
+              <p:nvCxnSpPr>
+                <p:cNvPr id="28" name="直接连接符 27">
+                  <a:extLst>
+                    <a:ext uri="{FF2B5EF4-FFF2-40B4-BE49-F238E27FC236}">
+                      <a16:creationId xmlns:a16="http://schemas.microsoft.com/office/drawing/2014/main" id="{D7348E83-164C-27A2-3FD8-1517C8B9716E}"/>
+                    </a:ext>
+                  </a:extLst>
+                </p:cNvPr>
+                <p:cNvCxnSpPr>
+                  <a:cxnSpLocks/>
+                  <a:stCxn id="8" idx="3"/>
+                </p:cNvCxnSpPr>
+                <p:nvPr/>
+              </p:nvCxnSpPr>
+              <p:spPr>
+                <a:xfrm flipV="1">
+                  <a:off x="1589859" y="3613665"/>
+                  <a:ext cx="2177925" cy="1"/>
+                </a:xfrm>
+                <a:prstGeom prst="line">
+                  <a:avLst/>
+                </a:prstGeom>
+                <a:ln w="28575">
+                  <a:prstDash val="sysDot"/>
+                </a:ln>
+              </p:spPr>
+              <p:style>
+                <a:lnRef idx="1">
+                  <a:schemeClr val="accent1"/>
+                </a:lnRef>
+                <a:fillRef idx="0">
+                  <a:schemeClr val="accent1"/>
+                </a:fillRef>
+                <a:effectRef idx="0">
+                  <a:schemeClr val="accent1"/>
+                </a:effectRef>
+                <a:fontRef idx="minor">
+                  <a:schemeClr val="tx1"/>
+                </a:fontRef>
+              </p:style>
+            </p:cxnSp>
+            <p:cxnSp>
+              <p:nvCxnSpPr>
+                <p:cNvPr id="31" name="直接连接符 30">
+                  <a:extLst>
+                    <a:ext uri="{FF2B5EF4-FFF2-40B4-BE49-F238E27FC236}">
+                      <a16:creationId xmlns:a16="http://schemas.microsoft.com/office/drawing/2014/main" id="{01710C8F-470D-620D-AE53-C787E58196E0}"/>
+                    </a:ext>
+                  </a:extLst>
+                </p:cNvPr>
+                <p:cNvCxnSpPr>
+                  <a:cxnSpLocks/>
+                </p:cNvCxnSpPr>
+                <p:nvPr/>
+              </p:nvCxnSpPr>
+              <p:spPr>
+                <a:xfrm>
+                  <a:off x="3767784" y="3613665"/>
+                  <a:ext cx="2226462" cy="0"/>
+                </a:xfrm>
+                <a:prstGeom prst="line">
+                  <a:avLst/>
+                </a:prstGeom>
+                <a:ln w="28575"/>
+              </p:spPr>
+              <p:style>
+                <a:lnRef idx="1">
+                  <a:schemeClr val="accent1"/>
+                </a:lnRef>
+                <a:fillRef idx="0">
+                  <a:schemeClr val="accent1"/>
+                </a:fillRef>
+                <a:effectRef idx="0">
+                  <a:schemeClr val="accent1"/>
+                </a:effectRef>
+                <a:fontRef idx="minor">
+                  <a:schemeClr val="tx1"/>
+                </a:fontRef>
+              </p:style>
+            </p:cxnSp>
+            <p:sp>
+              <p:nvSpPr>
+                <p:cNvPr id="34" name="矩形: 圆角 33">
+                  <a:extLst>
+                    <a:ext uri="{FF2B5EF4-FFF2-40B4-BE49-F238E27FC236}">
+                      <a16:creationId xmlns:a16="http://schemas.microsoft.com/office/drawing/2014/main" id="{8603F1EA-AD8A-1FA8-CC26-AB2A8A352B21}"/>
+                    </a:ext>
+                  </a:extLst>
+                </p:cNvPr>
+                <p:cNvSpPr/>
+                <p:nvPr/>
+              </p:nvSpPr>
+              <p:spPr>
+                <a:xfrm>
+                  <a:off x="5994246" y="3343077"/>
+                  <a:ext cx="662473" cy="541175"/>
+                </a:xfrm>
+                <a:prstGeom prst="roundRect">
+                  <a:avLst/>
+                </a:prstGeom>
+              </p:spPr>
+              <p:style>
+                <a:lnRef idx="2">
+                  <a:schemeClr val="accent1">
+                    <a:shade val="15000"/>
+                  </a:schemeClr>
+                </a:lnRef>
+                <a:fillRef idx="1">
+                  <a:schemeClr val="accent1"/>
+                </a:fillRef>
+                <a:effectRef idx="0">
+                  <a:schemeClr val="accent1"/>
+                </a:effectRef>
+                <a:fontRef idx="minor">
+                  <a:schemeClr val="lt1"/>
+                </a:fontRef>
+              </p:style>
+              <p:txBody>
+                <a:bodyPr rtlCol="0" anchor="ctr"/>
+                <a:lstStyle/>
+                <a:p>
+                  <a:pPr algn="ctr"/>
+                  <a:r>
+                    <a:rPr lang="en-US" altLang="zh-CN" dirty="0"/>
+                    <a:t>I/O</a:t>
+                  </a:r>
+                  <a:endParaRPr lang="zh-CN" altLang="en-US" dirty="0"/>
+                </a:p>
+              </p:txBody>
+            </p:sp>
+            <p:cxnSp>
+              <p:nvCxnSpPr>
+                <p:cNvPr id="35" name="直接连接符 34">
+                  <a:extLst>
+                    <a:ext uri="{FF2B5EF4-FFF2-40B4-BE49-F238E27FC236}">
+                      <a16:creationId xmlns:a16="http://schemas.microsoft.com/office/drawing/2014/main" id="{3BC472DD-554C-5FC9-FBDD-0BB3EFE8E3A5}"/>
+                    </a:ext>
+                  </a:extLst>
+                </p:cNvPr>
+                <p:cNvCxnSpPr>
+                  <a:cxnSpLocks/>
+                  <a:stCxn id="21" idx="3"/>
+                </p:cNvCxnSpPr>
+                <p:nvPr/>
+              </p:nvCxnSpPr>
+              <p:spPr>
+                <a:xfrm>
+                  <a:off x="2976465" y="2348826"/>
+                  <a:ext cx="3017781" cy="0"/>
+                </a:xfrm>
+                <a:prstGeom prst="line">
+                  <a:avLst/>
+                </a:prstGeom>
+                <a:ln w="28575">
+                  <a:prstDash val="sysDot"/>
+                </a:ln>
+              </p:spPr>
+              <p:style>
+                <a:lnRef idx="1">
+                  <a:schemeClr val="accent1"/>
+                </a:lnRef>
+                <a:fillRef idx="0">
+                  <a:schemeClr val="accent1"/>
+                </a:fillRef>
+                <a:effectRef idx="0">
+                  <a:schemeClr val="accent1"/>
+                </a:effectRef>
+                <a:fontRef idx="minor">
+                  <a:schemeClr val="tx1"/>
+                </a:fontRef>
+              </p:style>
+            </p:cxnSp>
+            <p:cxnSp>
+              <p:nvCxnSpPr>
+                <p:cNvPr id="38" name="直接连接符 37">
+                  <a:extLst>
+                    <a:ext uri="{FF2B5EF4-FFF2-40B4-BE49-F238E27FC236}">
+                      <a16:creationId xmlns:a16="http://schemas.microsoft.com/office/drawing/2014/main" id="{60439980-746A-03B5-8E33-2289AF753C75}"/>
+                    </a:ext>
+                  </a:extLst>
+                </p:cNvPr>
+                <p:cNvCxnSpPr>
+                  <a:cxnSpLocks/>
+                </p:cNvCxnSpPr>
+                <p:nvPr/>
+              </p:nvCxnSpPr>
+              <p:spPr>
+                <a:xfrm>
+                  <a:off x="5994246" y="2348825"/>
+                  <a:ext cx="1097020" cy="0"/>
+                </a:xfrm>
+                <a:prstGeom prst="line">
+                  <a:avLst/>
+                </a:prstGeom>
+                <a:ln w="28575"/>
+              </p:spPr>
+              <p:style>
+                <a:lnRef idx="1">
+                  <a:schemeClr val="accent1"/>
+                </a:lnRef>
+                <a:fillRef idx="0">
+                  <a:schemeClr val="accent1"/>
+                </a:fillRef>
+                <a:effectRef idx="0">
+                  <a:schemeClr val="accent1"/>
+                </a:effectRef>
+                <a:fontRef idx="minor">
+                  <a:schemeClr val="tx1"/>
+                </a:fontRef>
+              </p:style>
+            </p:cxnSp>
+            <p:cxnSp>
+              <p:nvCxnSpPr>
+                <p:cNvPr id="40" name="直接连接符 39">
+                  <a:extLst>
+                    <a:ext uri="{FF2B5EF4-FFF2-40B4-BE49-F238E27FC236}">
+                      <a16:creationId xmlns:a16="http://schemas.microsoft.com/office/drawing/2014/main" id="{86776ADF-10C1-CE62-2C8A-A95EAB2DF76B}"/>
+                    </a:ext>
+                  </a:extLst>
+                </p:cNvPr>
+                <p:cNvCxnSpPr>
+                  <a:cxnSpLocks/>
+                </p:cNvCxnSpPr>
+                <p:nvPr/>
+              </p:nvCxnSpPr>
+              <p:spPr>
+                <a:xfrm>
+                  <a:off x="7108699" y="2976939"/>
+                  <a:ext cx="868974" cy="0"/>
+                </a:xfrm>
+                <a:prstGeom prst="line">
+                  <a:avLst/>
+                </a:prstGeom>
+                <a:ln w="28575"/>
+              </p:spPr>
+              <p:style>
+                <a:lnRef idx="1">
+                  <a:schemeClr val="accent1"/>
+                </a:lnRef>
+                <a:fillRef idx="0">
+                  <a:schemeClr val="accent1"/>
+                </a:fillRef>
+                <a:effectRef idx="0">
+                  <a:schemeClr val="accent1"/>
+                </a:effectRef>
+                <a:fontRef idx="minor">
+                  <a:schemeClr val="tx1"/>
+                </a:fontRef>
+              </p:style>
+            </p:cxnSp>
+            <p:cxnSp>
+              <p:nvCxnSpPr>
+                <p:cNvPr id="41" name="直接连接符 40">
+                  <a:extLst>
+                    <a:ext uri="{FF2B5EF4-FFF2-40B4-BE49-F238E27FC236}">
+                      <a16:creationId xmlns:a16="http://schemas.microsoft.com/office/drawing/2014/main" id="{0ACE3A81-E5FC-FE4B-9361-DF1CB2F1DFB3}"/>
+                    </a:ext>
+                  </a:extLst>
+                </p:cNvPr>
+                <p:cNvCxnSpPr>
+                  <a:cxnSpLocks/>
+                  <a:stCxn id="25" idx="3"/>
+                </p:cNvCxnSpPr>
+                <p:nvPr/>
+              </p:nvCxnSpPr>
+              <p:spPr>
+                <a:xfrm flipV="1">
+                  <a:off x="4430257" y="2976939"/>
+                  <a:ext cx="2661009" cy="4307"/>
+                </a:xfrm>
+                <a:prstGeom prst="line">
+                  <a:avLst/>
+                </a:prstGeom>
+                <a:ln w="28575">
+                  <a:prstDash val="sysDot"/>
+                </a:ln>
+              </p:spPr>
+              <p:style>
+                <a:lnRef idx="1">
+                  <a:schemeClr val="accent1"/>
+                </a:lnRef>
+                <a:fillRef idx="0">
+                  <a:schemeClr val="accent1"/>
+                </a:fillRef>
+                <a:effectRef idx="0">
+                  <a:schemeClr val="accent1"/>
+                </a:effectRef>
+                <a:fontRef idx="minor">
+                  <a:schemeClr val="tx1"/>
+                </a:fontRef>
+              </p:style>
+            </p:cxnSp>
+            <p:cxnSp>
+              <p:nvCxnSpPr>
+                <p:cNvPr id="47" name="直接箭头连接符 46">
+                  <a:extLst>
+                    <a:ext uri="{FF2B5EF4-FFF2-40B4-BE49-F238E27FC236}">
+                      <a16:creationId xmlns:a16="http://schemas.microsoft.com/office/drawing/2014/main" id="{A7853E99-DEF3-0EB5-E704-7BBA6060CBDC}"/>
+                    </a:ext>
+                  </a:extLst>
+                </p:cNvPr>
+                <p:cNvCxnSpPr>
+                  <a:stCxn id="21" idx="1"/>
+                </p:cNvCxnSpPr>
+                <p:nvPr/>
+              </p:nvCxnSpPr>
+              <p:spPr>
+                <a:xfrm>
+                  <a:off x="2313992" y="2348826"/>
+                  <a:ext cx="0" cy="628113"/>
+                </a:xfrm>
+                <a:prstGeom prst="straightConnector1">
+                  <a:avLst/>
+                </a:prstGeom>
+                <a:ln>
+                  <a:tailEnd type="triangle"/>
+                </a:ln>
+              </p:spPr>
+              <p:style>
+                <a:lnRef idx="1">
+                  <a:schemeClr val="accent1"/>
+                </a:lnRef>
+                <a:fillRef idx="0">
+                  <a:schemeClr val="accent1"/>
+                </a:fillRef>
+                <a:effectRef idx="0">
+                  <a:schemeClr val="accent1"/>
+                </a:effectRef>
+                <a:fontRef idx="minor">
+                  <a:schemeClr val="tx1"/>
+                </a:fontRef>
+              </p:style>
+            </p:cxnSp>
+            <p:cxnSp>
+              <p:nvCxnSpPr>
+                <p:cNvPr id="48" name="直接箭头连接符 47">
+                  <a:extLst>
+                    <a:ext uri="{FF2B5EF4-FFF2-40B4-BE49-F238E27FC236}">
+                      <a16:creationId xmlns:a16="http://schemas.microsoft.com/office/drawing/2014/main" id="{CF0BD15B-025D-1231-7D71-8117ECA20F59}"/>
+                    </a:ext>
+                  </a:extLst>
+                </p:cNvPr>
+                <p:cNvCxnSpPr/>
+                <p:nvPr/>
+              </p:nvCxnSpPr>
+              <p:spPr>
+                <a:xfrm>
+                  <a:off x="3760237" y="2985551"/>
+                  <a:ext cx="0" cy="628113"/>
+                </a:xfrm>
+                <a:prstGeom prst="straightConnector1">
+                  <a:avLst/>
+                </a:prstGeom>
+                <a:ln>
+                  <a:tailEnd type="triangle"/>
+                </a:ln>
+              </p:spPr>
+              <p:style>
+                <a:lnRef idx="1">
+                  <a:schemeClr val="accent1"/>
+                </a:lnRef>
+                <a:fillRef idx="0">
+                  <a:schemeClr val="accent1"/>
+                </a:fillRef>
+                <a:effectRef idx="0">
+                  <a:schemeClr val="accent1"/>
+                </a:effectRef>
+                <a:fontRef idx="minor">
+                  <a:schemeClr val="tx1"/>
+                </a:fontRef>
+              </p:style>
+            </p:cxnSp>
+            <p:cxnSp>
+              <p:nvCxnSpPr>
+                <p:cNvPr id="50" name="直接箭头连接符 49">
+                  <a:extLst>
+                    <a:ext uri="{FF2B5EF4-FFF2-40B4-BE49-F238E27FC236}">
+                      <a16:creationId xmlns:a16="http://schemas.microsoft.com/office/drawing/2014/main" id="{4050AA87-563B-6324-1D25-A58FD3CCA168}"/>
+                    </a:ext>
+                  </a:extLst>
+                </p:cNvPr>
+                <p:cNvCxnSpPr>
+                  <a:cxnSpLocks/>
+                </p:cNvCxnSpPr>
+                <p:nvPr/>
+              </p:nvCxnSpPr>
+              <p:spPr>
+                <a:xfrm flipV="1">
+                  <a:off x="5989980" y="2348825"/>
+                  <a:ext cx="4266" cy="1264839"/>
+                </a:xfrm>
+                <a:prstGeom prst="straightConnector1">
+                  <a:avLst/>
+                </a:prstGeom>
+                <a:ln>
+                  <a:tailEnd type="triangle"/>
+                </a:ln>
+              </p:spPr>
+              <p:style>
+                <a:lnRef idx="1">
+                  <a:schemeClr val="accent1"/>
+                </a:lnRef>
+                <a:fillRef idx="0">
+                  <a:schemeClr val="accent1"/>
+                </a:fillRef>
+                <a:effectRef idx="0">
+                  <a:schemeClr val="accent1"/>
+                </a:effectRef>
+                <a:fontRef idx="minor">
+                  <a:schemeClr val="tx1"/>
+                </a:fontRef>
+              </p:style>
+            </p:cxnSp>
+            <p:cxnSp>
+              <p:nvCxnSpPr>
+                <p:cNvPr id="54" name="直接连接符 53">
+                  <a:extLst>
+                    <a:ext uri="{FF2B5EF4-FFF2-40B4-BE49-F238E27FC236}">
+                      <a16:creationId xmlns:a16="http://schemas.microsoft.com/office/drawing/2014/main" id="{573992FD-7890-4DD2-D384-101591A86DCD}"/>
+                    </a:ext>
+                  </a:extLst>
+                </p:cNvPr>
+                <p:cNvCxnSpPr>
+                  <a:cxnSpLocks/>
+                  <a:stCxn id="34" idx="3"/>
+                </p:cNvCxnSpPr>
+                <p:nvPr/>
+              </p:nvCxnSpPr>
+              <p:spPr>
+                <a:xfrm>
+                  <a:off x="6656719" y="3613665"/>
+                  <a:ext cx="1320954" cy="0"/>
+                </a:xfrm>
+                <a:prstGeom prst="line">
+                  <a:avLst/>
+                </a:prstGeom>
+                <a:ln w="28575">
+                  <a:prstDash val="sysDot"/>
+                </a:ln>
+              </p:spPr>
+              <p:style>
+                <a:lnRef idx="1">
+                  <a:schemeClr val="accent1"/>
+                </a:lnRef>
+                <a:fillRef idx="0">
+                  <a:schemeClr val="accent1"/>
+                </a:fillRef>
+                <a:effectRef idx="0">
+                  <a:schemeClr val="accent1"/>
+                </a:effectRef>
+                <a:fontRef idx="minor">
+                  <a:schemeClr val="tx1"/>
+                </a:fontRef>
+              </p:style>
+            </p:cxnSp>
+            <p:cxnSp>
+              <p:nvCxnSpPr>
+                <p:cNvPr id="57" name="直接连接符 56">
+                  <a:extLst>
+                    <a:ext uri="{FF2B5EF4-FFF2-40B4-BE49-F238E27FC236}">
+                      <a16:creationId xmlns:a16="http://schemas.microsoft.com/office/drawing/2014/main" id="{41C5E4FC-7CB0-B6EE-31AD-5526A35F3280}"/>
+                    </a:ext>
+                  </a:extLst>
+                </p:cNvPr>
+                <p:cNvCxnSpPr>
+                  <a:cxnSpLocks/>
+                </p:cNvCxnSpPr>
+                <p:nvPr/>
+              </p:nvCxnSpPr>
+              <p:spPr>
+                <a:xfrm>
+                  <a:off x="7941006" y="3613664"/>
+                  <a:ext cx="868974" cy="0"/>
+                </a:xfrm>
+                <a:prstGeom prst="line">
+                  <a:avLst/>
+                </a:prstGeom>
+                <a:ln w="28575"/>
+              </p:spPr>
+              <p:style>
+                <a:lnRef idx="1">
+                  <a:schemeClr val="accent1"/>
+                </a:lnRef>
+                <a:fillRef idx="0">
+                  <a:schemeClr val="accent1"/>
+                </a:fillRef>
+                <a:effectRef idx="0">
+                  <a:schemeClr val="accent1"/>
+                </a:effectRef>
+                <a:fontRef idx="minor">
+                  <a:schemeClr val="tx1"/>
+                </a:fontRef>
+              </p:style>
+            </p:cxnSp>
+            <p:cxnSp>
+              <p:nvCxnSpPr>
+                <p:cNvPr id="58" name="直接箭头连接符 57">
+                  <a:extLst>
+                    <a:ext uri="{FF2B5EF4-FFF2-40B4-BE49-F238E27FC236}">
+                      <a16:creationId xmlns:a16="http://schemas.microsoft.com/office/drawing/2014/main" id="{EB8AAC4C-F3AF-303D-901E-B0084FF04360}"/>
+                    </a:ext>
+                  </a:extLst>
+                </p:cNvPr>
+                <p:cNvCxnSpPr/>
+                <p:nvPr/>
+              </p:nvCxnSpPr>
+              <p:spPr>
+                <a:xfrm>
+                  <a:off x="7091266" y="2379568"/>
+                  <a:ext cx="0" cy="628113"/>
+                </a:xfrm>
+                <a:prstGeom prst="straightConnector1">
+                  <a:avLst/>
+                </a:prstGeom>
+                <a:ln>
+                  <a:tailEnd type="triangle"/>
+                </a:ln>
+              </p:spPr>
+              <p:style>
+                <a:lnRef idx="1">
+                  <a:schemeClr val="accent1"/>
+                </a:lnRef>
+                <a:fillRef idx="0">
+                  <a:schemeClr val="accent1"/>
+                </a:fillRef>
+                <a:effectRef idx="0">
+                  <a:schemeClr val="accent1"/>
+                </a:effectRef>
+                <a:fontRef idx="minor">
+                  <a:schemeClr val="tx1"/>
+                </a:fontRef>
+              </p:style>
+            </p:cxnSp>
+            <p:cxnSp>
+              <p:nvCxnSpPr>
+                <p:cNvPr id="59" name="直接箭头连接符 58">
+                  <a:extLst>
+                    <a:ext uri="{FF2B5EF4-FFF2-40B4-BE49-F238E27FC236}">
+                      <a16:creationId xmlns:a16="http://schemas.microsoft.com/office/drawing/2014/main" id="{EE6F09C9-7CAE-8622-732A-E2C87ACCCDDA}"/>
+                    </a:ext>
+                  </a:extLst>
+                </p:cNvPr>
+                <p:cNvCxnSpPr/>
+                <p:nvPr/>
+              </p:nvCxnSpPr>
+              <p:spPr>
+                <a:xfrm>
+                  <a:off x="7941006" y="2976939"/>
+                  <a:ext cx="0" cy="628113"/>
+                </a:xfrm>
+                <a:prstGeom prst="straightConnector1">
+                  <a:avLst/>
+                </a:prstGeom>
+                <a:ln>
+                  <a:tailEnd type="triangle"/>
+                </a:ln>
+              </p:spPr>
+              <p:style>
+                <a:lnRef idx="1">
+                  <a:schemeClr val="accent1"/>
+                </a:lnRef>
+                <a:fillRef idx="0">
+                  <a:schemeClr val="accent1"/>
+                </a:fillRef>
+                <a:effectRef idx="0">
+                  <a:schemeClr val="accent1"/>
+                </a:effectRef>
+                <a:fontRef idx="minor">
+                  <a:schemeClr val="tx1"/>
+                </a:fontRef>
+              </p:style>
+            </p:cxnSp>
+            <p:sp>
+              <p:nvSpPr>
+                <p:cNvPr id="60" name="椭圆 59">
+                  <a:extLst>
+                    <a:ext uri="{FF2B5EF4-FFF2-40B4-BE49-F238E27FC236}">
+                      <a16:creationId xmlns:a16="http://schemas.microsoft.com/office/drawing/2014/main" id="{B7997464-DF7D-A21F-0075-E7BBFC7E0765}"/>
+                    </a:ext>
+                  </a:extLst>
+                </p:cNvPr>
+                <p:cNvSpPr/>
+                <p:nvPr/>
+              </p:nvSpPr>
+              <p:spPr>
+                <a:xfrm>
+                  <a:off x="7073732" y="2302165"/>
+                  <a:ext cx="108000" cy="108000"/>
+                </a:xfrm>
+                <a:prstGeom prst="ellipse">
+                  <a:avLst/>
+                </a:prstGeom>
+                <a:noFill/>
+                <a:ln w="19050"/>
+              </p:spPr>
+              <p:style>
+                <a:lnRef idx="2">
+                  <a:schemeClr val="accent1">
+                    <a:shade val="15000"/>
+                  </a:schemeClr>
+                </a:lnRef>
+                <a:fillRef idx="1">
+                  <a:schemeClr val="accent1"/>
+                </a:fillRef>
+                <a:effectRef idx="0">
+                  <a:schemeClr val="accent1"/>
+                </a:effectRef>
+                <a:fontRef idx="minor">
+                  <a:schemeClr val="lt1"/>
+                </a:fontRef>
+              </p:style>
+              <p:txBody>
+                <a:bodyPr rtlCol="0" anchor="ctr"/>
+                <a:lstStyle/>
+                <a:p>
+                  <a:pPr algn="ctr"/>
+                  <a:endParaRPr lang="zh-CN" altLang="en-US"/>
+                </a:p>
+              </p:txBody>
+            </p:sp>
+            <p:sp>
+              <p:nvSpPr>
+                <p:cNvPr id="61" name="椭圆 60">
+                  <a:extLst>
+                    <a:ext uri="{FF2B5EF4-FFF2-40B4-BE49-F238E27FC236}">
+                      <a16:creationId xmlns:a16="http://schemas.microsoft.com/office/drawing/2014/main" id="{99F281BE-C806-97B4-3972-E12D84ABDC2D}"/>
+                    </a:ext>
+                  </a:extLst>
+                </p:cNvPr>
+                <p:cNvSpPr/>
+                <p:nvPr/>
+              </p:nvSpPr>
+              <p:spPr>
+                <a:xfrm>
+                  <a:off x="7941005" y="2922939"/>
+                  <a:ext cx="108000" cy="108000"/>
+                </a:xfrm>
+                <a:prstGeom prst="ellipse">
+                  <a:avLst/>
+                </a:prstGeom>
+                <a:noFill/>
+                <a:ln w="19050"/>
+              </p:spPr>
+              <p:style>
+                <a:lnRef idx="2">
+                  <a:schemeClr val="accent1">
+                    <a:shade val="15000"/>
+                  </a:schemeClr>
+                </a:lnRef>
+                <a:fillRef idx="1">
+                  <a:schemeClr val="accent1"/>
+                </a:fillRef>
+                <a:effectRef idx="0">
+                  <a:schemeClr val="accent1"/>
+                </a:effectRef>
+                <a:fontRef idx="minor">
+                  <a:schemeClr val="lt1"/>
+                </a:fontRef>
+              </p:style>
+              <p:txBody>
+                <a:bodyPr rtlCol="0" anchor="ctr"/>
+                <a:lstStyle/>
+                <a:p>
+                  <a:pPr algn="ctr"/>
+                  <a:endParaRPr lang="zh-CN" altLang="en-US"/>
+                </a:p>
+              </p:txBody>
+            </p:sp>
+            <p:sp>
+              <p:nvSpPr>
+                <p:cNvPr id="62" name="椭圆 61">
+                  <a:extLst>
+                    <a:ext uri="{FF2B5EF4-FFF2-40B4-BE49-F238E27FC236}">
+                      <a16:creationId xmlns:a16="http://schemas.microsoft.com/office/drawing/2014/main" id="{C1338795-E2A3-8BB6-0048-EEB50B901D0B}"/>
+                    </a:ext>
+                  </a:extLst>
+                </p:cNvPr>
+                <p:cNvSpPr/>
+                <p:nvPr/>
+              </p:nvSpPr>
+              <p:spPr>
+                <a:xfrm>
+                  <a:off x="8808059" y="3551052"/>
+                  <a:ext cx="108000" cy="108000"/>
+                </a:xfrm>
+                <a:prstGeom prst="ellipse">
+                  <a:avLst/>
+                </a:prstGeom>
+                <a:noFill/>
+                <a:ln w="19050"/>
+              </p:spPr>
+              <p:style>
+                <a:lnRef idx="2">
+                  <a:schemeClr val="accent1">
+                    <a:shade val="15000"/>
+                  </a:schemeClr>
+                </a:lnRef>
+                <a:fillRef idx="1">
+                  <a:schemeClr val="accent1"/>
+                </a:fillRef>
+                <a:effectRef idx="0">
+                  <a:schemeClr val="accent1"/>
+                </a:effectRef>
+                <a:fontRef idx="minor">
+                  <a:schemeClr val="lt1"/>
+                </a:fontRef>
+              </p:style>
+              <p:txBody>
+                <a:bodyPr rtlCol="0" anchor="ctr"/>
+                <a:lstStyle/>
+                <a:p>
+                  <a:pPr algn="ctr"/>
+                  <a:endParaRPr lang="zh-CN" altLang="en-US"/>
+                </a:p>
+              </p:txBody>
+            </p:sp>
+          </p:grpSp>
+          <p:sp>
+            <p:nvSpPr>
+              <p:cNvPr id="65" name="矩形 64">
+                <a:extLst>
+                  <a:ext uri="{FF2B5EF4-FFF2-40B4-BE49-F238E27FC236}">
+                    <a16:creationId xmlns:a16="http://schemas.microsoft.com/office/drawing/2014/main" id="{0B1190AA-34F8-16CD-2202-30921D5F0744}"/>
+                  </a:ext>
+                </a:extLst>
+              </p:cNvPr>
+              <p:cNvSpPr/>
+              <p:nvPr/>
+            </p:nvSpPr>
+            <p:spPr>
+              <a:xfrm>
+                <a:off x="141879" y="1968932"/>
+                <a:ext cx="9067436" cy="2127207"/>
+              </a:xfrm>
+              <a:prstGeom prst="rect">
+                <a:avLst/>
+              </a:prstGeom>
+              <a:noFill/>
+            </p:spPr>
+            <p:style>
+              <a:lnRef idx="2">
+                <a:schemeClr val="accent1">
+                  <a:shade val="15000"/>
+                </a:schemeClr>
+              </a:lnRef>
+              <a:fillRef idx="1">
+                <a:schemeClr val="accent1"/>
+              </a:fillRef>
+              <a:effectRef idx="0">
+                <a:schemeClr val="accent1"/>
+              </a:effectRef>
+              <a:fontRef idx="minor">
+                <a:schemeClr val="lt1"/>
+              </a:fontRef>
+            </p:style>
+            <p:txBody>
+              <a:bodyPr rtlCol="0" anchor="ctr"/>
+              <a:lstStyle/>
+              <a:p>
+                <a:pPr algn="ctr"/>
+                <a:endParaRPr lang="zh-CN" altLang="en-US"/>
+              </a:p>
+            </p:txBody>
+          </p:sp>
+        </p:grpSp>
+        <p:sp>
+          <p:nvSpPr>
+            <p:cNvPr id="70" name="文本框 69">
+              <a:extLst>
+                <a:ext uri="{FF2B5EF4-FFF2-40B4-BE49-F238E27FC236}">
+                  <a16:creationId xmlns:a16="http://schemas.microsoft.com/office/drawing/2014/main" id="{612CD527-07B2-E8E6-EA4C-2F2B688CA4CC}"/>
+                </a:ext>
+              </a:extLst>
+            </p:cNvPr>
+            <p:cNvSpPr txBox="1"/>
+            <p:nvPr/>
+          </p:nvSpPr>
+          <p:spPr>
+            <a:xfrm>
+              <a:off x="7089420" y="2918770"/>
+              <a:ext cx="492443" cy="276999"/>
+            </a:xfrm>
+            <a:prstGeom prst="rect">
+              <a:avLst/>
+            </a:prstGeom>
+            <a:noFill/>
+          </p:spPr>
+          <p:txBody>
+            <a:bodyPr wrap="none" rtlCol="0">
+              <a:spAutoFit/>
+            </a:bodyPr>
+            <a:lstStyle/>
+            <a:p>
+              <a:r>
+                <a:rPr lang="ja-JP" altLang="en-US" sz="1200" dirty="0"/>
+                <a:t>終了</a:t>
+              </a:r>
+              <a:endParaRPr lang="zh-CN" altLang="en-US" sz="1200" dirty="0"/>
+            </a:p>
+          </p:txBody>
+        </p:sp>
+        <p:sp>
+          <p:nvSpPr>
+            <p:cNvPr id="71" name="文本框 70">
+              <a:extLst>
+                <a:ext uri="{FF2B5EF4-FFF2-40B4-BE49-F238E27FC236}">
+                  <a16:creationId xmlns:a16="http://schemas.microsoft.com/office/drawing/2014/main" id="{54DC9901-CA2D-32AC-8B6C-5EDB06B79A2C}"/>
+                </a:ext>
+              </a:extLst>
+            </p:cNvPr>
+            <p:cNvSpPr txBox="1"/>
+            <p:nvPr/>
+          </p:nvSpPr>
+          <p:spPr>
+            <a:xfrm>
+              <a:off x="8757847" y="4157806"/>
+              <a:ext cx="492443" cy="276999"/>
+            </a:xfrm>
+            <a:prstGeom prst="rect">
+              <a:avLst/>
+            </a:prstGeom>
+            <a:noFill/>
+          </p:spPr>
+          <p:txBody>
+            <a:bodyPr wrap="none" rtlCol="0">
+              <a:spAutoFit/>
+            </a:bodyPr>
+            <a:lstStyle/>
+            <a:p>
+              <a:r>
+                <a:rPr lang="ja-JP" altLang="en-US" sz="1200" dirty="0"/>
+                <a:t>終了</a:t>
+              </a:r>
+              <a:endParaRPr lang="zh-CN" altLang="en-US" sz="1200" dirty="0"/>
+            </a:p>
+          </p:txBody>
+        </p:sp>
+        <p:sp>
+          <p:nvSpPr>
+            <p:cNvPr id="72" name="文本框 71">
+              <a:extLst>
+                <a:ext uri="{FF2B5EF4-FFF2-40B4-BE49-F238E27FC236}">
+                  <a16:creationId xmlns:a16="http://schemas.microsoft.com/office/drawing/2014/main" id="{2EF439AE-DEB9-0E4D-9C79-0D7C4FA26E1B}"/>
+                </a:ext>
+              </a:extLst>
+            </p:cNvPr>
+            <p:cNvSpPr txBox="1"/>
+            <p:nvPr/>
+          </p:nvSpPr>
+          <p:spPr>
+            <a:xfrm>
+              <a:off x="8017805" y="3548659"/>
+              <a:ext cx="492443" cy="276999"/>
+            </a:xfrm>
+            <a:prstGeom prst="rect">
+              <a:avLst/>
+            </a:prstGeom>
+            <a:noFill/>
+          </p:spPr>
+          <p:txBody>
+            <a:bodyPr wrap="none" rtlCol="0">
+              <a:spAutoFit/>
+            </a:bodyPr>
+            <a:lstStyle/>
+            <a:p>
+              <a:r>
+                <a:rPr lang="ja-JP" altLang="en-US" sz="1200" dirty="0"/>
+                <a:t>終了</a:t>
+              </a:r>
+              <a:endParaRPr lang="zh-CN" altLang="en-US" sz="1200" dirty="0"/>
+            </a:p>
+          </p:txBody>
+        </p:sp>
+      </p:grpSp>
+      <p:sp>
+        <p:nvSpPr>
+          <p:cNvPr id="73" name="文本框 72">
+            <a:extLst>
+              <a:ext uri="{FF2B5EF4-FFF2-40B4-BE49-F238E27FC236}">
+                <a16:creationId xmlns:a16="http://schemas.microsoft.com/office/drawing/2014/main" id="{63CACC7B-3CEA-66D4-0FBD-979EF306C200}"/>
+              </a:ext>
+            </a:extLst>
+          </p:cNvPr>
+          <p:cNvSpPr txBox="1"/>
+          <p:nvPr/>
+        </p:nvSpPr>
+        <p:spPr>
+          <a:xfrm>
+            <a:off x="448667" y="5539895"/>
+            <a:ext cx="4743606" cy="523220"/>
+          </a:xfrm>
+          <a:prstGeom prst="rect">
+            <a:avLst/>
+          </a:prstGeom>
+          <a:noFill/>
+        </p:spPr>
+        <p:txBody>
+          <a:bodyPr wrap="none" rtlCol="0">
+            <a:spAutoFit/>
+          </a:bodyPr>
+          <a:lstStyle/>
+          <a:p>
+            <a:r>
+              <a:rPr lang="en-US" altLang="zh-CN" sz="1400" dirty="0" err="1"/>
+              <a:t>Asyncio</a:t>
+            </a:r>
+            <a:r>
+              <a:rPr lang="ja-JP" altLang="en-US" sz="1400" dirty="0"/>
+              <a:t>モジュールを使っても</a:t>
+            </a:r>
+            <a:endParaRPr lang="en-US" altLang="ja-JP" sz="1400" dirty="0"/>
+          </a:p>
+          <a:p>
+            <a:r>
+              <a:rPr lang="en-US" altLang="ja-JP" sz="1400" dirty="0"/>
+              <a:t>GIL</a:t>
+            </a:r>
+            <a:r>
+              <a:rPr lang="ja-JP" altLang="en-US" sz="1400" dirty="0"/>
+              <a:t>を避けることができなくて、タスクの実行が</a:t>
+            </a:r>
+            <a:r>
+              <a:rPr lang="ja-JP" altLang="en-US" sz="1400" b="1" dirty="0"/>
+              <a:t>並行</a:t>
+            </a:r>
+            <a:r>
+              <a:rPr lang="ja-JP" altLang="en-US" sz="1400" dirty="0"/>
+              <a:t>です</a:t>
+            </a:r>
+            <a:endParaRPr lang="zh-CN" altLang="en-US" sz="1400" dirty="0"/>
+          </a:p>
+        </p:txBody>
+      </p:sp>
+    </p:spTree>
+    <p:extLst>
+      <p:ext uri="{BB962C8B-B14F-4D97-AF65-F5344CB8AC3E}">
+        <p14:creationId xmlns:p14="http://schemas.microsoft.com/office/powerpoint/2010/main" val="2198257601"/>
+      </p:ext>
+    </p:extLst>
+  </p:cSld>
+  <p:clrMapOvr>
+    <a:masterClrMapping/>
+  </p:clrMapOvr>
+</p:sld>
+</file>
+
+<file path=ppt/slides/slide13.xml><?xml version="1.0" encoding="utf-8"?>
 <p:sld xmlns:a="http://schemas.openxmlformats.org/drawingml/2006/main" xmlns:r="http://schemas.openxmlformats.org/officeDocument/2006/relationships" xmlns:p="http://schemas.openxmlformats.org/presentationml/2006/main">
   <p:cSld>
     <p:spTree>

--- a/lcj_zemi_python.pptx
+++ b/lcj_zemi_python.pptx
@@ -5,7 +5,7 @@
     <p:sldMasterId id="2147483648" r:id="rId1"/>
   </p:sldMasterIdLst>
   <p:notesMasterIdLst>
-    <p:notesMasterId r:id="rId20"/>
+    <p:notesMasterId r:id="rId23"/>
   </p:notesMasterIdLst>
   <p:sldIdLst>
     <p:sldId id="260" r:id="rId2"/>
@@ -25,7 +25,10 @@
     <p:sldId id="307" r:id="rId16"/>
     <p:sldId id="308" r:id="rId17"/>
     <p:sldId id="309" r:id="rId18"/>
-    <p:sldId id="293" r:id="rId19"/>
+    <p:sldId id="310" r:id="rId19"/>
+    <p:sldId id="311" r:id="rId20"/>
+    <p:sldId id="312" r:id="rId21"/>
+    <p:sldId id="293" r:id="rId22"/>
   </p:sldIdLst>
   <p:sldSz cx="12192000" cy="6858000"/>
   <p:notesSz cx="6858000" cy="9144000"/>
@@ -214,7 +217,7 @@
           <a:p>
             <a:fld id="{2BC54830-42DA-4404-9F8C-DE9E00A18181}" type="datetimeFigureOut">
               <a:rPr lang="zh-CN" altLang="en-US" smtClean="0"/>
-              <a:t>2024/8/5</a:t>
+              <a:t>2024/8/6</a:t>
             </a:fld>
             <a:endParaRPr lang="zh-CN" altLang="en-US"/>
           </a:p>
@@ -628,7 +631,7 @@
           <a:p>
             <a:fld id="{F5930DB7-C5F0-4CA2-914A-8532991C33D9}" type="datetimeFigureOut">
               <a:rPr lang="zh-CN" altLang="en-US" smtClean="0"/>
-              <a:t>2024/8/5</a:t>
+              <a:t>2024/8/6</a:t>
             </a:fld>
             <a:endParaRPr lang="zh-CN" altLang="en-US"/>
           </a:p>
@@ -826,7 +829,7 @@
           <a:p>
             <a:fld id="{F5930DB7-C5F0-4CA2-914A-8532991C33D9}" type="datetimeFigureOut">
               <a:rPr lang="zh-CN" altLang="en-US" smtClean="0"/>
-              <a:t>2024/8/5</a:t>
+              <a:t>2024/8/6</a:t>
             </a:fld>
             <a:endParaRPr lang="zh-CN" altLang="en-US"/>
           </a:p>
@@ -1034,7 +1037,7 @@
           <a:p>
             <a:fld id="{F5930DB7-C5F0-4CA2-914A-8532991C33D9}" type="datetimeFigureOut">
               <a:rPr lang="zh-CN" altLang="en-US" smtClean="0"/>
-              <a:t>2024/8/5</a:t>
+              <a:t>2024/8/6</a:t>
             </a:fld>
             <a:endParaRPr lang="zh-CN" altLang="en-US"/>
           </a:p>
@@ -1232,7 +1235,7 @@
           <a:p>
             <a:fld id="{F5930DB7-C5F0-4CA2-914A-8532991C33D9}" type="datetimeFigureOut">
               <a:rPr lang="zh-CN" altLang="en-US" smtClean="0"/>
-              <a:t>2024/8/5</a:t>
+              <a:t>2024/8/6</a:t>
             </a:fld>
             <a:endParaRPr lang="zh-CN" altLang="en-US"/>
           </a:p>
@@ -1507,7 +1510,7 @@
           <a:p>
             <a:fld id="{F5930DB7-C5F0-4CA2-914A-8532991C33D9}" type="datetimeFigureOut">
               <a:rPr lang="zh-CN" altLang="en-US" smtClean="0"/>
-              <a:t>2024/8/5</a:t>
+              <a:t>2024/8/6</a:t>
             </a:fld>
             <a:endParaRPr lang="zh-CN" altLang="en-US"/>
           </a:p>
@@ -1772,7 +1775,7 @@
           <a:p>
             <a:fld id="{F5930DB7-C5F0-4CA2-914A-8532991C33D9}" type="datetimeFigureOut">
               <a:rPr lang="zh-CN" altLang="en-US" smtClean="0"/>
-              <a:t>2024/8/5</a:t>
+              <a:t>2024/8/6</a:t>
             </a:fld>
             <a:endParaRPr lang="zh-CN" altLang="en-US"/>
           </a:p>
@@ -2184,7 +2187,7 @@
           <a:p>
             <a:fld id="{F5930DB7-C5F0-4CA2-914A-8532991C33D9}" type="datetimeFigureOut">
               <a:rPr lang="zh-CN" altLang="en-US" smtClean="0"/>
-              <a:t>2024/8/5</a:t>
+              <a:t>2024/8/6</a:t>
             </a:fld>
             <a:endParaRPr lang="zh-CN" altLang="en-US"/>
           </a:p>
@@ -2325,7 +2328,7 @@
           <a:p>
             <a:fld id="{F5930DB7-C5F0-4CA2-914A-8532991C33D9}" type="datetimeFigureOut">
               <a:rPr lang="zh-CN" altLang="en-US" smtClean="0"/>
-              <a:t>2024/8/5</a:t>
+              <a:t>2024/8/6</a:t>
             </a:fld>
             <a:endParaRPr lang="zh-CN" altLang="en-US"/>
           </a:p>
@@ -2438,7 +2441,7 @@
           <a:p>
             <a:fld id="{F5930DB7-C5F0-4CA2-914A-8532991C33D9}" type="datetimeFigureOut">
               <a:rPr lang="zh-CN" altLang="en-US" smtClean="0"/>
-              <a:t>2024/8/5</a:t>
+              <a:t>2024/8/6</a:t>
             </a:fld>
             <a:endParaRPr lang="zh-CN" altLang="en-US"/>
           </a:p>
@@ -2749,7 +2752,7 @@
           <a:p>
             <a:fld id="{F5930DB7-C5F0-4CA2-914A-8532991C33D9}" type="datetimeFigureOut">
               <a:rPr lang="zh-CN" altLang="en-US" smtClean="0"/>
-              <a:t>2024/8/5</a:t>
+              <a:t>2024/8/6</a:t>
             </a:fld>
             <a:endParaRPr lang="zh-CN" altLang="en-US"/>
           </a:p>
@@ -3037,7 +3040,7 @@
           <a:p>
             <a:fld id="{F5930DB7-C5F0-4CA2-914A-8532991C33D9}" type="datetimeFigureOut">
               <a:rPr lang="zh-CN" altLang="en-US" smtClean="0"/>
-              <a:t>2024/8/5</a:t>
+              <a:t>2024/8/6</a:t>
             </a:fld>
             <a:endParaRPr lang="zh-CN" altLang="en-US"/>
           </a:p>
@@ -3278,7 +3281,7 @@
           <a:p>
             <a:fld id="{F5930DB7-C5F0-4CA2-914A-8532991C33D9}" type="datetimeFigureOut">
               <a:rPr lang="zh-CN" altLang="en-US" smtClean="0"/>
-              <a:t>2024/8/5</a:t>
+              <a:t>2024/8/6</a:t>
             </a:fld>
             <a:endParaRPr lang="zh-CN" altLang="en-US"/>
           </a:p>
@@ -16208,8 +16211,8 @@
         </p:nvSpPr>
         <p:spPr>
           <a:xfrm>
-            <a:off x="37173" y="1197690"/>
-            <a:ext cx="6386685" cy="3785652"/>
+            <a:off x="37173" y="1110633"/>
+            <a:ext cx="5961888" cy="3785652"/>
           </a:xfrm>
           <a:prstGeom prst="rect">
             <a:avLst/>
@@ -16470,21 +16473,18 @@
                 </a:highlight>
                 <a:latin typeface="Consolas" panose="020B0609020204030204" pitchFamily="49" charset="0"/>
               </a:rPr>
-              <a:t>)   </a:t>
-            </a:r>
-            <a:r>
-              <a:rPr lang="en-US" altLang="zh-CN" sz="1200" b="0" dirty="0">
-                <a:solidFill>
-                  <a:srgbClr val="008000"/>
-                </a:solidFill>
-                <a:effectLst/>
-                <a:highlight>
-                  <a:srgbClr val="FFFFFF"/>
-                </a:highlight>
-                <a:latin typeface="Consolas" panose="020B0609020204030204" pitchFamily="49" charset="0"/>
-              </a:rPr>
-              <a:t>!"#$%&amp;'()*+,-./:;&lt;=&gt;?@[\]^_`{|}~</a:t>
-            </a:r>
+              <a:t>)</a:t>
+            </a:r>
+            <a:endParaRPr lang="en-US" altLang="zh-CN" sz="1200" b="0" dirty="0">
+              <a:solidFill>
+                <a:srgbClr val="008000"/>
+              </a:solidFill>
+              <a:effectLst/>
+              <a:highlight>
+                <a:srgbClr val="FFFFFF"/>
+              </a:highlight>
+              <a:latin typeface="Consolas" panose="020B0609020204030204" pitchFamily="49" charset="0"/>
+            </a:endParaRPr>
           </a:p>
           <a:p>
             <a:endParaRPr lang="en-US" altLang="zh-CN" sz="1200" b="0" dirty="0">
@@ -16585,20 +16585,10 @@
                 </a:highlight>
                 <a:latin typeface="Consolas" panose="020B0609020204030204" pitchFamily="49" charset="0"/>
               </a:rPr>
-              <a:t>) </a:t>
-            </a:r>
-            <a:r>
-              <a:rPr lang="en-US" altLang="zh-CN" sz="1200" dirty="0" err="1">
-                <a:solidFill>
-                  <a:srgbClr val="008000"/>
-                </a:solidFill>
-                <a:highlight>
-                  <a:srgbClr val="FFFFFF"/>
-                </a:highlight>
-                <a:latin typeface="Consolas" panose="020B0609020204030204" pitchFamily="49" charset="0"/>
-              </a:rPr>
-              <a:t>abcdefghijklmnopqrstuvwxyzABCDEFGHIJKLMNOPQRSTUVWXYZ</a:t>
-            </a:r>
+              <a:t>)</a:t>
+            </a:r>
+          </a:p>
+          <a:p>
             <a:endParaRPr lang="en-US" altLang="zh-CN" sz="1200" dirty="0">
               <a:solidFill>
                 <a:srgbClr val="008000"/>
@@ -16610,17 +16600,6 @@
             </a:endParaRPr>
           </a:p>
           <a:p>
-            <a:endParaRPr lang="en-US" altLang="zh-CN" sz="1200" dirty="0">
-              <a:solidFill>
-                <a:srgbClr val="008000"/>
-              </a:solidFill>
-              <a:highlight>
-                <a:srgbClr val="FFFFFF"/>
-              </a:highlight>
-              <a:latin typeface="Consolas" panose="020B0609020204030204" pitchFamily="49" charset="0"/>
-            </a:endParaRPr>
-          </a:p>
-          <a:p>
             <a:r>
               <a:rPr lang="en-US" altLang="zh-CN" sz="1200" dirty="0">
                 <a:solidFill>
@@ -16707,19 +16686,7 @@
                 </a:highlight>
                 <a:latin typeface="Consolas" panose="020B0609020204030204" pitchFamily="49" charset="0"/>
               </a:rPr>
-              <a:t>)  </a:t>
-            </a:r>
-            <a:r>
-              <a:rPr lang="en-US" altLang="zh-CN" sz="1200" dirty="0">
-                <a:solidFill>
-                  <a:srgbClr val="008000"/>
-                </a:solidFill>
-                <a:highlight>
-                  <a:srgbClr val="FFFFFF"/>
-                </a:highlight>
-                <a:latin typeface="Consolas" panose="020B0609020204030204" pitchFamily="49" charset="0"/>
-              </a:rPr>
-              <a:t>0123456789</a:t>
+              <a:t>)</a:t>
             </a:r>
           </a:p>
           <a:p>
@@ -17651,20 +17618,17 @@
                 </a:highlight>
                 <a:latin typeface="Consolas" panose="020B0609020204030204" pitchFamily="49" charset="0"/>
               </a:rPr>
-              <a:t>)   </a:t>
-            </a:r>
-            <a:r>
-              <a:rPr lang="en-US" altLang="zh-CN" sz="1200" dirty="0">
-                <a:solidFill>
-                  <a:srgbClr val="008000"/>
-                </a:solidFill>
-                <a:highlight>
-                  <a:srgbClr val="FFFFFF"/>
-                </a:highlight>
-                <a:latin typeface="Consolas" panose="020B0609020204030204" pitchFamily="49" charset="0"/>
-              </a:rPr>
-              <a:t>t|*)q;$C&lt;5</a:t>
-            </a:r>
+              <a:t>)</a:t>
+            </a:r>
+            <a:endParaRPr lang="en-US" altLang="zh-CN" sz="1200" dirty="0">
+              <a:solidFill>
+                <a:srgbClr val="008000"/>
+              </a:solidFill>
+              <a:highlight>
+                <a:srgbClr val="FFFFFF"/>
+              </a:highlight>
+              <a:latin typeface="Consolas" panose="020B0609020204030204" pitchFamily="49" charset="0"/>
+            </a:endParaRPr>
           </a:p>
         </p:txBody>
       </p:sp>
@@ -18433,6 +18397,72 @@
               </a:highlight>
               <a:latin typeface="Consolas" panose="020B0609020204030204" pitchFamily="49" charset="0"/>
             </a:endParaRPr>
+          </a:p>
+        </p:txBody>
+      </p:sp>
+      <p:sp>
+        <p:nvSpPr>
+          <p:cNvPr id="2" name="文本框 1">
+            <a:extLst>
+              <a:ext uri="{FF2B5EF4-FFF2-40B4-BE49-F238E27FC236}">
+                <a16:creationId xmlns:a16="http://schemas.microsoft.com/office/drawing/2014/main" id="{52C91494-7B79-B5A6-B30C-81B984399BDA}"/>
+              </a:ext>
+            </a:extLst>
+          </p:cNvPr>
+          <p:cNvSpPr txBox="1"/>
+          <p:nvPr/>
+        </p:nvSpPr>
+        <p:spPr>
+          <a:xfrm>
+            <a:off x="37173" y="5201846"/>
+            <a:ext cx="5222905" cy="1169551"/>
+          </a:xfrm>
+          <a:prstGeom prst="rect">
+            <a:avLst/>
+          </a:prstGeom>
+          <a:noFill/>
+          <a:ln>
+            <a:solidFill>
+              <a:schemeClr val="tx1"/>
+            </a:solidFill>
+          </a:ln>
+        </p:spPr>
+        <p:txBody>
+          <a:bodyPr wrap="none" rtlCol="0">
+            <a:spAutoFit/>
+          </a:bodyPr>
+          <a:lstStyle/>
+          <a:p>
+            <a:r>
+              <a:rPr lang="ja-JP" altLang="en-US" sz="1400" dirty="0"/>
+              <a:t>出力：</a:t>
+            </a:r>
+            <a:endParaRPr lang="en-US" altLang="ja-JP" sz="1400" dirty="0"/>
+          </a:p>
+          <a:p>
+            <a:r>
+              <a:rPr lang="en-US" altLang="ja-JP" sz="1400" dirty="0"/>
+              <a:t>!"#$%&amp;'()*+,-./:;&lt;=&gt;?@[\]^_`{|}~</a:t>
+            </a:r>
+          </a:p>
+          <a:p>
+            <a:r>
+              <a:rPr lang="en-US" altLang="ja-JP" sz="1400" dirty="0" err="1"/>
+              <a:t>abcdefghijklmnopqrstuvwxyzABCDEFGHIJKLMNOPQRSTUVWXYZ</a:t>
+            </a:r>
+            <a:endParaRPr lang="en-US" altLang="ja-JP" sz="1400" dirty="0"/>
+          </a:p>
+          <a:p>
+            <a:r>
+              <a:rPr lang="en-US" altLang="ja-JP" sz="1400" dirty="0"/>
+              <a:t>0123456789</a:t>
+            </a:r>
+          </a:p>
+          <a:p>
+            <a:r>
+              <a:rPr lang="en-US" altLang="ja-JP" sz="1400" dirty="0"/>
+              <a:t>t|*)q;$C&lt;5</a:t>
+            </a:r>
           </a:p>
         </p:txBody>
       </p:sp>
@@ -20423,45 +20453,65 @@
                 </a:highlight>
                 <a:latin typeface="Consolas" panose="020B0609020204030204" pitchFamily="49" charset="0"/>
               </a:rPr>
-              <a:t>) </a:t>
-            </a:r>
-            <a:r>
-              <a:rPr lang="en-US" altLang="zh-CN" sz="1400" dirty="0">
-                <a:solidFill>
-                  <a:srgbClr val="008000"/>
-                </a:solidFill>
-                <a:highlight>
-                  <a:srgbClr val="FFFFFF"/>
-                </a:highlight>
-                <a:latin typeface="Consolas" panose="020B0609020204030204" pitchFamily="49" charset="0"/>
-              </a:rPr>
-              <a:t>#</a:t>
-            </a:r>
-            <a:r>
-              <a:rPr lang="en-US" altLang="zh-CN" sz="1400" b="0" dirty="0">
-                <a:solidFill>
-                  <a:srgbClr val="3B3B3B"/>
-                </a:solidFill>
-                <a:effectLst/>
-                <a:highlight>
-                  <a:srgbClr val="FFFFFF"/>
-                </a:highlight>
-                <a:latin typeface="Consolas" panose="020B0609020204030204" pitchFamily="49" charset="0"/>
-              </a:rPr>
-              <a:t> </a:t>
-            </a:r>
-            <a:r>
-              <a:rPr lang="en-US" altLang="zh-CN" sz="1400" dirty="0">
-                <a:solidFill>
-                  <a:srgbClr val="008000"/>
-                </a:solidFill>
-                <a:highlight>
-                  <a:srgbClr val="FFFFFF"/>
-                </a:highlight>
-                <a:latin typeface="Consolas" panose="020B0609020204030204" pitchFamily="49" charset="0"/>
-              </a:rPr>
+              <a:t>)</a:t>
+            </a:r>
+            <a:endParaRPr lang="en-US" altLang="zh-CN" sz="1400" dirty="0">
+              <a:solidFill>
+                <a:srgbClr val="008000"/>
+              </a:solidFill>
+              <a:highlight>
+                <a:srgbClr val="FFFFFF"/>
+              </a:highlight>
+              <a:latin typeface="Consolas" panose="020B0609020204030204" pitchFamily="49" charset="0"/>
+            </a:endParaRPr>
+          </a:p>
+        </p:txBody>
+      </p:sp>
+      <p:sp>
+        <p:nvSpPr>
+          <p:cNvPr id="3" name="文本框 2">
+            <a:extLst>
+              <a:ext uri="{FF2B5EF4-FFF2-40B4-BE49-F238E27FC236}">
+                <a16:creationId xmlns:a16="http://schemas.microsoft.com/office/drawing/2014/main" id="{FBEFE0F5-B080-2EB4-075B-C6849C12777F}"/>
+              </a:ext>
+            </a:extLst>
+          </p:cNvPr>
+          <p:cNvSpPr txBox="1"/>
+          <p:nvPr/>
+        </p:nvSpPr>
+        <p:spPr>
+          <a:xfrm>
+            <a:off x="9769151" y="5654351"/>
+            <a:ext cx="1170513" cy="523220"/>
+          </a:xfrm>
+          <a:prstGeom prst="rect">
+            <a:avLst/>
+          </a:prstGeom>
+          <a:noFill/>
+          <a:ln>
+            <a:solidFill>
+              <a:schemeClr val="tx1"/>
+            </a:solidFill>
+          </a:ln>
+        </p:spPr>
+        <p:txBody>
+          <a:bodyPr wrap="none" rtlCol="0">
+            <a:spAutoFit/>
+          </a:bodyPr>
+          <a:lstStyle/>
+          <a:p>
+            <a:r>
+              <a:rPr lang="ja-JP" altLang="en-US" sz="1400" dirty="0"/>
+              <a:t>出力：</a:t>
+            </a:r>
+            <a:endParaRPr lang="en-US" altLang="ja-JP" sz="1400" dirty="0"/>
+          </a:p>
+          <a:p>
+            <a:r>
+              <a:rPr lang="en-US" altLang="zh-CN" sz="1400" dirty="0"/>
               <a:t>U77wvmiG9r</a:t>
             </a:r>
+            <a:endParaRPr lang="zh-CN" altLang="en-US" sz="1400" dirty="0"/>
           </a:p>
         </p:txBody>
       </p:sp>
@@ -20592,7 +20642,7 @@
         <p:spPr>
           <a:xfrm>
             <a:off x="305570" y="771751"/>
-            <a:ext cx="6097554" cy="2246769"/>
+            <a:ext cx="6711050" cy="2031325"/>
           </a:xfrm>
           <a:prstGeom prst="rect">
             <a:avLst/>
@@ -20950,8 +21000,8 @@
         </p:nvSpPr>
         <p:spPr>
           <a:xfrm>
-            <a:off x="305570" y="3202858"/>
-            <a:ext cx="6097554" cy="1169551"/>
+            <a:off x="305570" y="3015115"/>
+            <a:ext cx="11236397" cy="2031325"/>
           </a:xfrm>
           <a:prstGeom prst="rect">
             <a:avLst/>
@@ -21318,6 +21368,515 @@
               </a:rPr>
               <a:t>個を生成する</a:t>
             </a:r>
+            <a:endParaRPr lang="en-US" altLang="ja-JP" sz="1400" dirty="0">
+              <a:solidFill>
+                <a:srgbClr val="008000"/>
+              </a:solidFill>
+              <a:highlight>
+                <a:srgbClr val="FFFFFF"/>
+              </a:highlight>
+              <a:latin typeface="Consolas" panose="020B0609020204030204" pitchFamily="49" charset="0"/>
+            </a:endParaRPr>
+          </a:p>
+          <a:p>
+            <a:r>
+              <a:rPr lang="en-US" altLang="zh-CN" sz="1400" b="0" dirty="0">
+                <a:solidFill>
+                  <a:srgbClr val="795E26"/>
+                </a:solidFill>
+                <a:effectLst/>
+                <a:highlight>
+                  <a:srgbClr val="FFFFFF"/>
+                </a:highlight>
+                <a:latin typeface="Consolas" panose="020B0609020204030204" pitchFamily="49" charset="0"/>
+              </a:rPr>
+              <a:t>print</a:t>
+            </a:r>
+            <a:r>
+              <a:rPr lang="en-US" altLang="zh-CN" sz="1400" b="0" dirty="0">
+                <a:solidFill>
+                  <a:srgbClr val="3B3B3B"/>
+                </a:solidFill>
+                <a:effectLst/>
+                <a:highlight>
+                  <a:srgbClr val="FFFFFF"/>
+                </a:highlight>
+                <a:latin typeface="Consolas" panose="020B0609020204030204" pitchFamily="49" charset="0"/>
+              </a:rPr>
+              <a:t>([</a:t>
+            </a:r>
+            <a:r>
+              <a:rPr lang="en-US" altLang="zh-CN" sz="1400" b="0" dirty="0" err="1">
+                <a:solidFill>
+                  <a:srgbClr val="001080"/>
+                </a:solidFill>
+                <a:effectLst/>
+                <a:highlight>
+                  <a:srgbClr val="FFFFFF"/>
+                </a:highlight>
+                <a:latin typeface="Consolas" panose="020B0609020204030204" pitchFamily="49" charset="0"/>
+              </a:rPr>
+              <a:t>secure_rand_gen</a:t>
+            </a:r>
+            <a:r>
+              <a:rPr lang="en-US" altLang="zh-CN" sz="1400" b="0" dirty="0" err="1">
+                <a:solidFill>
+                  <a:srgbClr val="3B3B3B"/>
+                </a:solidFill>
+                <a:effectLst/>
+                <a:highlight>
+                  <a:srgbClr val="FFFFFF"/>
+                </a:highlight>
+                <a:latin typeface="Consolas" panose="020B0609020204030204" pitchFamily="49" charset="0"/>
+              </a:rPr>
+              <a:t>.</a:t>
+            </a:r>
+            <a:r>
+              <a:rPr lang="en-US" altLang="zh-CN" sz="1400" b="0" dirty="0" err="1">
+                <a:solidFill>
+                  <a:srgbClr val="795E26"/>
+                </a:solidFill>
+                <a:effectLst/>
+                <a:highlight>
+                  <a:srgbClr val="FFFFFF"/>
+                </a:highlight>
+                <a:latin typeface="Consolas" panose="020B0609020204030204" pitchFamily="49" charset="0"/>
+              </a:rPr>
+              <a:t>randrange</a:t>
+            </a:r>
+            <a:r>
+              <a:rPr lang="en-US" altLang="zh-CN" sz="1400" b="0" dirty="0">
+                <a:solidFill>
+                  <a:srgbClr val="3B3B3B"/>
+                </a:solidFill>
+                <a:effectLst/>
+                <a:highlight>
+                  <a:srgbClr val="FFFFFF"/>
+                </a:highlight>
+                <a:latin typeface="Consolas" panose="020B0609020204030204" pitchFamily="49" charset="0"/>
+              </a:rPr>
+              <a:t>(</a:t>
+            </a:r>
+            <a:r>
+              <a:rPr lang="en-US" altLang="zh-CN" sz="1400" b="0" dirty="0">
+                <a:solidFill>
+                  <a:srgbClr val="098658"/>
+                </a:solidFill>
+                <a:effectLst/>
+                <a:highlight>
+                  <a:srgbClr val="FFFFFF"/>
+                </a:highlight>
+                <a:latin typeface="Consolas" panose="020B0609020204030204" pitchFamily="49" charset="0"/>
+              </a:rPr>
+              <a:t>0</a:t>
+            </a:r>
+            <a:r>
+              <a:rPr lang="en-US" altLang="zh-CN" sz="1400" b="0" dirty="0">
+                <a:solidFill>
+                  <a:srgbClr val="3B3B3B"/>
+                </a:solidFill>
+                <a:effectLst/>
+                <a:highlight>
+                  <a:srgbClr val="FFFFFF"/>
+                </a:highlight>
+                <a:latin typeface="Consolas" panose="020B0609020204030204" pitchFamily="49" charset="0"/>
+              </a:rPr>
+              <a:t>, </a:t>
+            </a:r>
+            <a:r>
+              <a:rPr lang="en-US" altLang="zh-CN" sz="1400" b="0" dirty="0">
+                <a:solidFill>
+                  <a:srgbClr val="098658"/>
+                </a:solidFill>
+                <a:effectLst/>
+                <a:highlight>
+                  <a:srgbClr val="FFFFFF"/>
+                </a:highlight>
+                <a:latin typeface="Consolas" panose="020B0609020204030204" pitchFamily="49" charset="0"/>
+              </a:rPr>
+              <a:t>21</a:t>
+            </a:r>
+            <a:r>
+              <a:rPr lang="en-US" altLang="zh-CN" sz="1400" b="0" dirty="0">
+                <a:solidFill>
+                  <a:srgbClr val="3B3B3B"/>
+                </a:solidFill>
+                <a:effectLst/>
+                <a:highlight>
+                  <a:srgbClr val="FFFFFF"/>
+                </a:highlight>
+                <a:latin typeface="Consolas" panose="020B0609020204030204" pitchFamily="49" charset="0"/>
+              </a:rPr>
+              <a:t>) </a:t>
+            </a:r>
+            <a:r>
+              <a:rPr lang="en-US" altLang="zh-CN" sz="1400" b="0" dirty="0">
+                <a:solidFill>
+                  <a:srgbClr val="AF00DB"/>
+                </a:solidFill>
+                <a:effectLst/>
+                <a:highlight>
+                  <a:srgbClr val="FFFFFF"/>
+                </a:highlight>
+                <a:latin typeface="Consolas" panose="020B0609020204030204" pitchFamily="49" charset="0"/>
+              </a:rPr>
+              <a:t>for</a:t>
+            </a:r>
+            <a:r>
+              <a:rPr lang="en-US" altLang="zh-CN" sz="1400" b="0" dirty="0">
+                <a:solidFill>
+                  <a:srgbClr val="3B3B3B"/>
+                </a:solidFill>
+                <a:effectLst/>
+                <a:highlight>
+                  <a:srgbClr val="FFFFFF"/>
+                </a:highlight>
+                <a:latin typeface="Consolas" panose="020B0609020204030204" pitchFamily="49" charset="0"/>
+              </a:rPr>
+              <a:t> </a:t>
+            </a:r>
+            <a:r>
+              <a:rPr lang="en-US" altLang="zh-CN" sz="1400" b="0" dirty="0" err="1">
+                <a:solidFill>
+                  <a:srgbClr val="001080"/>
+                </a:solidFill>
+                <a:effectLst/>
+                <a:highlight>
+                  <a:srgbClr val="FFFFFF"/>
+                </a:highlight>
+                <a:latin typeface="Consolas" panose="020B0609020204030204" pitchFamily="49" charset="0"/>
+              </a:rPr>
+              <a:t>i</a:t>
+            </a:r>
+            <a:r>
+              <a:rPr lang="en-US" altLang="zh-CN" sz="1400" b="0" dirty="0">
+                <a:solidFill>
+                  <a:srgbClr val="3B3B3B"/>
+                </a:solidFill>
+                <a:effectLst/>
+                <a:highlight>
+                  <a:srgbClr val="FFFFFF"/>
+                </a:highlight>
+                <a:latin typeface="Consolas" panose="020B0609020204030204" pitchFamily="49" charset="0"/>
+              </a:rPr>
+              <a:t> </a:t>
+            </a:r>
+            <a:r>
+              <a:rPr lang="en-US" altLang="zh-CN" sz="1400" b="0" dirty="0">
+                <a:solidFill>
+                  <a:srgbClr val="AF00DB"/>
+                </a:solidFill>
+                <a:effectLst/>
+                <a:highlight>
+                  <a:srgbClr val="FFFFFF"/>
+                </a:highlight>
+                <a:latin typeface="Consolas" panose="020B0609020204030204" pitchFamily="49" charset="0"/>
+              </a:rPr>
+              <a:t>in</a:t>
+            </a:r>
+            <a:r>
+              <a:rPr lang="en-US" altLang="zh-CN" sz="1400" b="0" dirty="0">
+                <a:solidFill>
+                  <a:srgbClr val="3B3B3B"/>
+                </a:solidFill>
+                <a:effectLst/>
+                <a:highlight>
+                  <a:srgbClr val="FFFFFF"/>
+                </a:highlight>
+                <a:latin typeface="Consolas" panose="020B0609020204030204" pitchFamily="49" charset="0"/>
+              </a:rPr>
+              <a:t> </a:t>
+            </a:r>
+            <a:r>
+              <a:rPr lang="en-US" altLang="zh-CN" sz="1400" b="0" dirty="0">
+                <a:solidFill>
+                  <a:srgbClr val="267F99"/>
+                </a:solidFill>
+                <a:effectLst/>
+                <a:highlight>
+                  <a:srgbClr val="FFFFFF"/>
+                </a:highlight>
+                <a:latin typeface="Consolas" panose="020B0609020204030204" pitchFamily="49" charset="0"/>
+              </a:rPr>
+              <a:t>range</a:t>
+            </a:r>
+            <a:r>
+              <a:rPr lang="en-US" altLang="zh-CN" sz="1400" b="0" dirty="0">
+                <a:solidFill>
+                  <a:srgbClr val="3B3B3B"/>
+                </a:solidFill>
+                <a:effectLst/>
+                <a:highlight>
+                  <a:srgbClr val="FFFFFF"/>
+                </a:highlight>
+                <a:latin typeface="Consolas" panose="020B0609020204030204" pitchFamily="49" charset="0"/>
+              </a:rPr>
+              <a:t>(</a:t>
+            </a:r>
+            <a:r>
+              <a:rPr lang="en-US" altLang="zh-CN" sz="1400" b="0" dirty="0">
+                <a:solidFill>
+                  <a:srgbClr val="098658"/>
+                </a:solidFill>
+                <a:effectLst/>
+                <a:highlight>
+                  <a:srgbClr val="FFFFFF"/>
+                </a:highlight>
+                <a:latin typeface="Consolas" panose="020B0609020204030204" pitchFamily="49" charset="0"/>
+              </a:rPr>
+              <a:t>10</a:t>
+            </a:r>
+            <a:r>
+              <a:rPr lang="en-US" altLang="zh-CN" sz="1400" b="0" dirty="0">
+                <a:solidFill>
+                  <a:srgbClr val="3B3B3B"/>
+                </a:solidFill>
+                <a:effectLst/>
+                <a:highlight>
+                  <a:srgbClr val="FFFFFF"/>
+                </a:highlight>
+                <a:latin typeface="Consolas" panose="020B0609020204030204" pitchFamily="49" charset="0"/>
+              </a:rPr>
+              <a:t>)]) </a:t>
+            </a:r>
+          </a:p>
+          <a:p>
+            <a:endParaRPr lang="en-US" altLang="zh-CN" sz="1400" dirty="0">
+              <a:solidFill>
+                <a:srgbClr val="3B3B3B"/>
+              </a:solidFill>
+              <a:highlight>
+                <a:srgbClr val="FFFFFF"/>
+              </a:highlight>
+              <a:latin typeface="Consolas" panose="020B0609020204030204" pitchFamily="49" charset="0"/>
+            </a:endParaRPr>
+          </a:p>
+          <a:p>
+            <a:r>
+              <a:rPr lang="en-US" altLang="zh-CN" sz="1400" dirty="0">
+                <a:solidFill>
+                  <a:srgbClr val="008000"/>
+                </a:solidFill>
+                <a:highlight>
+                  <a:srgbClr val="FFFFFF"/>
+                </a:highlight>
+                <a:latin typeface="Consolas" panose="020B0609020204030204" pitchFamily="49" charset="0"/>
+              </a:rPr>
+              <a:t># </a:t>
+            </a:r>
+            <a:r>
+              <a:rPr lang="en-US" altLang="ja-JP" sz="1400" dirty="0">
+                <a:solidFill>
+                  <a:srgbClr val="008000"/>
+                </a:solidFill>
+                <a:highlight>
+                  <a:srgbClr val="FFFFFF"/>
+                </a:highlight>
+                <a:latin typeface="Consolas" panose="020B0609020204030204" pitchFamily="49" charset="0"/>
+              </a:rPr>
+              <a:t>0</a:t>
+            </a:r>
+            <a:r>
+              <a:rPr lang="ja-JP" altLang="en-US" sz="1400" dirty="0">
+                <a:solidFill>
+                  <a:srgbClr val="008000"/>
+                </a:solidFill>
+                <a:highlight>
+                  <a:srgbClr val="FFFFFF"/>
+                </a:highlight>
+                <a:latin typeface="Consolas" panose="020B0609020204030204" pitchFamily="49" charset="0"/>
+              </a:rPr>
+              <a:t>から</a:t>
+            </a:r>
+            <a:r>
+              <a:rPr lang="en-US" altLang="ja-JP" sz="1400" dirty="0">
+                <a:solidFill>
+                  <a:srgbClr val="008000"/>
+                </a:solidFill>
+                <a:highlight>
+                  <a:srgbClr val="FFFFFF"/>
+                </a:highlight>
+                <a:latin typeface="Consolas" panose="020B0609020204030204" pitchFamily="49" charset="0"/>
+              </a:rPr>
+              <a:t>20</a:t>
+            </a:r>
+            <a:r>
+              <a:rPr lang="ja-JP" altLang="en-US" sz="1400" dirty="0">
+                <a:solidFill>
+                  <a:srgbClr val="008000"/>
+                </a:solidFill>
+                <a:highlight>
+                  <a:srgbClr val="FFFFFF"/>
+                </a:highlight>
+                <a:latin typeface="Consolas" panose="020B0609020204030204" pitchFamily="49" charset="0"/>
+              </a:rPr>
+              <a:t>の範囲で数字</a:t>
+            </a:r>
+            <a:r>
+              <a:rPr lang="en-US" altLang="ja-JP" sz="1400" dirty="0">
+                <a:solidFill>
+                  <a:srgbClr val="008000"/>
+                </a:solidFill>
+                <a:highlight>
+                  <a:srgbClr val="FFFFFF"/>
+                </a:highlight>
+                <a:latin typeface="Consolas" panose="020B0609020204030204" pitchFamily="49" charset="0"/>
+              </a:rPr>
+              <a:t>1</a:t>
+            </a:r>
+            <a:r>
+              <a:rPr lang="ja-JP" altLang="en-US" sz="1400" dirty="0">
+                <a:solidFill>
+                  <a:srgbClr val="008000"/>
+                </a:solidFill>
+                <a:highlight>
+                  <a:srgbClr val="FFFFFF"/>
+                </a:highlight>
+                <a:latin typeface="Consolas" panose="020B0609020204030204" pitchFamily="49" charset="0"/>
+              </a:rPr>
+              <a:t>個を生成する</a:t>
+            </a:r>
+            <a:endParaRPr lang="en-US" altLang="ja-JP" sz="1400" dirty="0">
+              <a:solidFill>
+                <a:srgbClr val="008000"/>
+              </a:solidFill>
+              <a:highlight>
+                <a:srgbClr val="FFFFFF"/>
+              </a:highlight>
+              <a:latin typeface="Consolas" panose="020B0609020204030204" pitchFamily="49" charset="0"/>
+            </a:endParaRPr>
+          </a:p>
+          <a:p>
+            <a:r>
+              <a:rPr lang="en-US" altLang="zh-CN" sz="1400" b="0" dirty="0">
+                <a:solidFill>
+                  <a:srgbClr val="795E26"/>
+                </a:solidFill>
+                <a:effectLst/>
+                <a:highlight>
+                  <a:srgbClr val="FFFFFF"/>
+                </a:highlight>
+                <a:latin typeface="Consolas" panose="020B0609020204030204" pitchFamily="49" charset="0"/>
+              </a:rPr>
+              <a:t>print</a:t>
+            </a:r>
+            <a:r>
+              <a:rPr lang="en-US" altLang="zh-CN" sz="1400" b="0" dirty="0">
+                <a:solidFill>
+                  <a:srgbClr val="3B3B3B"/>
+                </a:solidFill>
+                <a:effectLst/>
+                <a:highlight>
+                  <a:srgbClr val="FFFFFF"/>
+                </a:highlight>
+                <a:latin typeface="Consolas" panose="020B0609020204030204" pitchFamily="49" charset="0"/>
+              </a:rPr>
+              <a:t>(</a:t>
+            </a:r>
+            <a:r>
+              <a:rPr lang="en-US" altLang="zh-CN" sz="1400" b="0" dirty="0" err="1">
+                <a:solidFill>
+                  <a:srgbClr val="001080"/>
+                </a:solidFill>
+                <a:effectLst/>
+                <a:highlight>
+                  <a:srgbClr val="FFFFFF"/>
+                </a:highlight>
+                <a:latin typeface="Consolas" panose="020B0609020204030204" pitchFamily="49" charset="0"/>
+              </a:rPr>
+              <a:t>secure_rand_gen</a:t>
+            </a:r>
+            <a:r>
+              <a:rPr lang="en-US" altLang="zh-CN" sz="1400" b="0" dirty="0" err="1">
+                <a:solidFill>
+                  <a:srgbClr val="3B3B3B"/>
+                </a:solidFill>
+                <a:effectLst/>
+                <a:highlight>
+                  <a:srgbClr val="FFFFFF"/>
+                </a:highlight>
+                <a:latin typeface="Consolas" panose="020B0609020204030204" pitchFamily="49" charset="0"/>
+              </a:rPr>
+              <a:t>.</a:t>
+            </a:r>
+            <a:r>
+              <a:rPr lang="en-US" altLang="zh-CN" sz="1400" b="0" dirty="0" err="1">
+                <a:solidFill>
+                  <a:srgbClr val="795E26"/>
+                </a:solidFill>
+                <a:effectLst/>
+                <a:highlight>
+                  <a:srgbClr val="FFFFFF"/>
+                </a:highlight>
+                <a:latin typeface="Consolas" panose="020B0609020204030204" pitchFamily="49" charset="0"/>
+              </a:rPr>
+              <a:t>randint</a:t>
+            </a:r>
+            <a:r>
+              <a:rPr lang="en-US" altLang="zh-CN" sz="1400" b="0" dirty="0">
+                <a:solidFill>
+                  <a:srgbClr val="3B3B3B"/>
+                </a:solidFill>
+                <a:effectLst/>
+                <a:highlight>
+                  <a:srgbClr val="FFFFFF"/>
+                </a:highlight>
+                <a:latin typeface="Consolas" panose="020B0609020204030204" pitchFamily="49" charset="0"/>
+              </a:rPr>
+              <a:t>(</a:t>
+            </a:r>
+            <a:r>
+              <a:rPr lang="en-US" altLang="zh-CN" sz="1400" b="0" dirty="0">
+                <a:solidFill>
+                  <a:srgbClr val="098658"/>
+                </a:solidFill>
+                <a:effectLst/>
+                <a:highlight>
+                  <a:srgbClr val="FFFFFF"/>
+                </a:highlight>
+                <a:latin typeface="Consolas" panose="020B0609020204030204" pitchFamily="49" charset="0"/>
+              </a:rPr>
+              <a:t>0</a:t>
+            </a:r>
+            <a:r>
+              <a:rPr lang="en-US" altLang="zh-CN" sz="1400" b="0" dirty="0">
+                <a:solidFill>
+                  <a:srgbClr val="3B3B3B"/>
+                </a:solidFill>
+                <a:effectLst/>
+                <a:highlight>
+                  <a:srgbClr val="FFFFFF"/>
+                </a:highlight>
+                <a:latin typeface="Consolas" panose="020B0609020204030204" pitchFamily="49" charset="0"/>
+              </a:rPr>
+              <a:t>, </a:t>
+            </a:r>
+            <a:r>
+              <a:rPr lang="en-US" altLang="zh-CN" sz="1400" b="0" dirty="0">
+                <a:solidFill>
+                  <a:srgbClr val="098658"/>
+                </a:solidFill>
+                <a:effectLst/>
+                <a:highlight>
+                  <a:srgbClr val="FFFFFF"/>
+                </a:highlight>
+                <a:latin typeface="Consolas" panose="020B0609020204030204" pitchFamily="49" charset="0"/>
+              </a:rPr>
+              <a:t>21</a:t>
+            </a:r>
+            <a:r>
+              <a:rPr lang="en-US" altLang="zh-CN" sz="1400" b="0" dirty="0">
+                <a:solidFill>
+                  <a:srgbClr val="3B3B3B"/>
+                </a:solidFill>
+                <a:effectLst/>
+                <a:highlight>
+                  <a:srgbClr val="FFFFFF"/>
+                </a:highlight>
+                <a:latin typeface="Consolas" panose="020B0609020204030204" pitchFamily="49" charset="0"/>
+              </a:rPr>
+              <a:t>))</a:t>
+            </a:r>
             <a:endParaRPr lang="en-US" altLang="zh-CN" sz="1400" dirty="0">
               <a:solidFill>
                 <a:srgbClr val="008000"/>
@@ -21327,6 +21886,69 @@
               </a:highlight>
               <a:latin typeface="Consolas" panose="020B0609020204030204" pitchFamily="49" charset="0"/>
             </a:endParaRPr>
+          </a:p>
+        </p:txBody>
+      </p:sp>
+      <p:sp>
+        <p:nvSpPr>
+          <p:cNvPr id="2" name="文本框 1">
+            <a:extLst>
+              <a:ext uri="{FF2B5EF4-FFF2-40B4-BE49-F238E27FC236}">
+                <a16:creationId xmlns:a16="http://schemas.microsoft.com/office/drawing/2014/main" id="{3B7D99F8-79C0-A16D-C5E0-014837C5A0AC}"/>
+              </a:ext>
+            </a:extLst>
+          </p:cNvPr>
+          <p:cNvSpPr txBox="1"/>
+          <p:nvPr/>
+        </p:nvSpPr>
+        <p:spPr>
+          <a:xfrm>
+            <a:off x="305570" y="5273445"/>
+            <a:ext cx="4743606" cy="923330"/>
+          </a:xfrm>
+          <a:prstGeom prst="rect">
+            <a:avLst/>
+          </a:prstGeom>
+          <a:noFill/>
+          <a:ln>
+            <a:solidFill>
+              <a:schemeClr val="tx1"/>
+            </a:solidFill>
+          </a:ln>
+        </p:spPr>
+        <p:txBody>
+          <a:bodyPr wrap="none" rtlCol="0">
+            <a:spAutoFit/>
+          </a:bodyPr>
+          <a:lstStyle/>
+          <a:p>
+            <a:r>
+              <a:rPr lang="ja-JP" altLang="en-US" dirty="0"/>
+              <a:t>出力：</a:t>
+            </a:r>
+            <a:endParaRPr lang="en-US" altLang="ja-JP" dirty="0"/>
+          </a:p>
+          <a:p>
+            <a:r>
+              <a:rPr lang="en-US" altLang="zh-CN" sz="1800" dirty="0">
+                <a:highlight>
+                  <a:srgbClr val="FFFFFF"/>
+                </a:highlight>
+                <a:latin typeface="Consolas" panose="020B0609020204030204" pitchFamily="49" charset="0"/>
+              </a:rPr>
+              <a:t>[10, 1, 9, 17, 7, 20, 17, 11, 16, 6]</a:t>
+            </a:r>
+          </a:p>
+          <a:p>
+            <a:r>
+              <a:rPr lang="en-US" altLang="zh-CN" sz="1800" dirty="0">
+                <a:highlight>
+                  <a:srgbClr val="FFFFFF"/>
+                </a:highlight>
+                <a:latin typeface="Consolas" panose="020B0609020204030204" pitchFamily="49" charset="0"/>
+              </a:rPr>
+              <a:t>12</a:t>
+            </a:r>
           </a:p>
         </p:txBody>
       </p:sp>
@@ -21362,87 +21984,10 @@
       </p:grpSpPr>
       <p:sp>
         <p:nvSpPr>
-          <p:cNvPr id="2" name="タイトル 1">
-            <a:extLst>
-              <a:ext uri="{FF2B5EF4-FFF2-40B4-BE49-F238E27FC236}">
-                <a16:creationId xmlns:a16="http://schemas.microsoft.com/office/drawing/2014/main" id="{B8C3F505-9741-574E-9738-17282F80B4C0}"/>
-              </a:ext>
-            </a:extLst>
-          </p:cNvPr>
-          <p:cNvSpPr>
-            <a:spLocks noGrp="1"/>
-          </p:cNvSpPr>
-          <p:nvPr>
-            <p:ph type="ctrTitle"/>
-          </p:nvPr>
-        </p:nvSpPr>
-        <p:spPr>
-          <a:xfrm>
-            <a:off x="1524000" y="1468582"/>
-            <a:ext cx="9144000" cy="1514908"/>
-          </a:xfrm>
-        </p:spPr>
-        <p:txBody>
-          <a:bodyPr>
-            <a:normAutofit/>
-          </a:bodyPr>
-          <a:lstStyle/>
-          <a:p>
-            <a:r>
-              <a:rPr kumimoji="1" lang="en-US" altLang="zh-CN" dirty="0"/>
-              <a:t>Thanks</a:t>
-            </a:r>
-            <a:endParaRPr kumimoji="1" lang="ja-JP" altLang="en-US" dirty="0"/>
-          </a:p>
-        </p:txBody>
-      </p:sp>
-      <p:sp>
-        <p:nvSpPr>
-          <p:cNvPr id="3" name="字幕 2">
-            <a:extLst>
-              <a:ext uri="{FF2B5EF4-FFF2-40B4-BE49-F238E27FC236}">
-                <a16:creationId xmlns:a16="http://schemas.microsoft.com/office/drawing/2014/main" id="{3EA3BA17-AE87-314A-9817-A038BCA7C7E0}"/>
-              </a:ext>
-            </a:extLst>
-          </p:cNvPr>
-          <p:cNvSpPr>
-            <a:spLocks noGrp="1"/>
-          </p:cNvSpPr>
-          <p:nvPr>
-            <p:ph type="subTitle" idx="1"/>
-          </p:nvPr>
-        </p:nvSpPr>
-        <p:spPr>
-          <a:xfrm>
-            <a:off x="1524000" y="4105275"/>
-            <a:ext cx="9144000" cy="1655762"/>
-          </a:xfrm>
-        </p:spPr>
-        <p:txBody>
-          <a:bodyPr/>
-          <a:lstStyle/>
-          <a:p>
-            <a:r>
-              <a:rPr lang="en-US" altLang="ja-JP" dirty="0"/>
-              <a:t>M230641</a:t>
-            </a:r>
-            <a:r>
-              <a:rPr kumimoji="1" lang="en-US" altLang="ja-JP" dirty="0"/>
-              <a:t>	</a:t>
-            </a:r>
-            <a:r>
-              <a:rPr kumimoji="1" lang="ja-JP" altLang="en-US" dirty="0"/>
-              <a:t>劉　崇玖</a:t>
-            </a:r>
-          </a:p>
-        </p:txBody>
-      </p:sp>
-      <p:sp>
-        <p:nvSpPr>
           <p:cNvPr id="4" name="矩形: 圆角 3">
             <a:extLst>
               <a:ext uri="{FF2B5EF4-FFF2-40B4-BE49-F238E27FC236}">
-                <a16:creationId xmlns:a16="http://schemas.microsoft.com/office/drawing/2014/main" id="{619D484C-F25C-8FE4-9801-8F43039125C7}"/>
+                <a16:creationId xmlns:a16="http://schemas.microsoft.com/office/drawing/2014/main" id="{866A1306-2120-2B30-7A6A-781A28385D6D}"/>
               </a:ext>
             </a:extLst>
           </p:cNvPr>
@@ -21450,9 +21995,9 @@
           <p:nvPr/>
         </p:nvSpPr>
         <p:spPr>
-          <a:xfrm>
-            <a:off x="1911928" y="3396673"/>
-            <a:ext cx="8525164" cy="64654"/>
+          <a:xfrm flipV="1">
+            <a:off x="305570" y="523220"/>
+            <a:ext cx="11377352" cy="64193"/>
           </a:xfrm>
           <a:prstGeom prst="roundRect">
             <a:avLst/>
@@ -21483,10 +22028,2117 @@
           </a:p>
         </p:txBody>
       </p:sp>
+      <p:sp>
+        <p:nvSpPr>
+          <p:cNvPr id="5" name="文本框 4">
+            <a:extLst>
+              <a:ext uri="{FF2B5EF4-FFF2-40B4-BE49-F238E27FC236}">
+                <a16:creationId xmlns:a16="http://schemas.microsoft.com/office/drawing/2014/main" id="{6FF74BA9-D2C8-5CBE-0585-F2F644B9AECB}"/>
+              </a:ext>
+            </a:extLst>
+          </p:cNvPr>
+          <p:cNvSpPr txBox="1"/>
+          <p:nvPr/>
+        </p:nvSpPr>
+        <p:spPr>
+          <a:xfrm>
+            <a:off x="305570" y="0"/>
+            <a:ext cx="9831538" cy="523220"/>
+          </a:xfrm>
+          <a:prstGeom prst="rect">
+            <a:avLst/>
+          </a:prstGeom>
+          <a:noFill/>
+        </p:spPr>
+        <p:txBody>
+          <a:bodyPr wrap="none" rtlCol="0">
+            <a:spAutoFit/>
+          </a:bodyPr>
+          <a:lstStyle/>
+          <a:p>
+            <a:r>
+              <a:rPr lang="en-US" altLang="zh-CN" sz="2800" dirty="0"/>
+              <a:t>Section 55.2: Create cryptographically secure random numbers</a:t>
+            </a:r>
+            <a:endParaRPr lang="zh-CN" altLang="en-US" sz="2800" b="1" dirty="0"/>
+          </a:p>
+        </p:txBody>
+      </p:sp>
+      <p:sp>
+        <p:nvSpPr>
+          <p:cNvPr id="7" name="文本框 6">
+            <a:extLst>
+              <a:ext uri="{FF2B5EF4-FFF2-40B4-BE49-F238E27FC236}">
+                <a16:creationId xmlns:a16="http://schemas.microsoft.com/office/drawing/2014/main" id="{E0494F45-7FBE-BC3D-A45D-D34A925F1188}"/>
+              </a:ext>
+            </a:extLst>
+          </p:cNvPr>
+          <p:cNvSpPr txBox="1"/>
+          <p:nvPr/>
+        </p:nvSpPr>
+        <p:spPr>
+          <a:xfrm>
+            <a:off x="305570" y="1212799"/>
+            <a:ext cx="6097554" cy="1169551"/>
+          </a:xfrm>
+          <a:prstGeom prst="rect">
+            <a:avLst/>
+          </a:prstGeom>
+          <a:noFill/>
+          <a:ln>
+            <a:solidFill>
+              <a:schemeClr val="tx1"/>
+            </a:solidFill>
+          </a:ln>
+        </p:spPr>
+        <p:txBody>
+          <a:bodyPr wrap="square">
+            <a:spAutoFit/>
+          </a:bodyPr>
+          <a:lstStyle/>
+          <a:p>
+            <a:r>
+              <a:rPr lang="en-US" altLang="zh-CN" sz="1400" b="0" dirty="0">
+                <a:solidFill>
+                  <a:srgbClr val="AF00DB"/>
+                </a:solidFill>
+                <a:effectLst/>
+                <a:highlight>
+                  <a:srgbClr val="FFFFFF"/>
+                </a:highlight>
+                <a:latin typeface="Consolas" panose="020B0609020204030204" pitchFamily="49" charset="0"/>
+              </a:rPr>
+              <a:t>import</a:t>
+            </a:r>
+            <a:r>
+              <a:rPr lang="en-US" altLang="zh-CN" sz="1400" b="0" dirty="0">
+                <a:solidFill>
+                  <a:srgbClr val="3B3B3B"/>
+                </a:solidFill>
+                <a:effectLst/>
+                <a:highlight>
+                  <a:srgbClr val="FFFFFF"/>
+                </a:highlight>
+                <a:latin typeface="Consolas" panose="020B0609020204030204" pitchFamily="49" charset="0"/>
+              </a:rPr>
+              <a:t> </a:t>
+            </a:r>
+            <a:r>
+              <a:rPr lang="en-US" altLang="zh-CN" sz="1400" b="0" dirty="0" err="1">
+                <a:solidFill>
+                  <a:srgbClr val="267F99"/>
+                </a:solidFill>
+                <a:effectLst/>
+                <a:highlight>
+                  <a:srgbClr val="FFFFFF"/>
+                </a:highlight>
+                <a:latin typeface="Consolas" panose="020B0609020204030204" pitchFamily="49" charset="0"/>
+              </a:rPr>
+              <a:t>os</a:t>
+            </a:r>
+            <a:endParaRPr lang="en-US" altLang="zh-CN" sz="1400" b="0" dirty="0">
+              <a:solidFill>
+                <a:srgbClr val="3B3B3B"/>
+              </a:solidFill>
+              <a:effectLst/>
+              <a:highlight>
+                <a:srgbClr val="FFFFFF"/>
+              </a:highlight>
+              <a:latin typeface="Consolas" panose="020B0609020204030204" pitchFamily="49" charset="0"/>
+            </a:endParaRPr>
+          </a:p>
+          <a:p>
+            <a:br>
+              <a:rPr lang="en-US" altLang="zh-CN" sz="1400" b="0" dirty="0">
+                <a:solidFill>
+                  <a:srgbClr val="3B3B3B"/>
+                </a:solidFill>
+                <a:effectLst/>
+                <a:highlight>
+                  <a:srgbClr val="FFFFFF"/>
+                </a:highlight>
+                <a:latin typeface="Consolas" panose="020B0609020204030204" pitchFamily="49" charset="0"/>
+              </a:rPr>
+            </a:br>
+            <a:r>
+              <a:rPr lang="en-US" altLang="zh-CN" sz="1400" b="0" dirty="0">
+                <a:solidFill>
+                  <a:srgbClr val="008000"/>
+                </a:solidFill>
+                <a:effectLst/>
+                <a:highlight>
+                  <a:srgbClr val="FFFFFF"/>
+                </a:highlight>
+                <a:latin typeface="Consolas" panose="020B0609020204030204" pitchFamily="49" charset="0"/>
+              </a:rPr>
+              <a:t># </a:t>
+            </a:r>
+            <a:r>
+              <a:rPr lang="ja-JP" altLang="en-US" sz="1400" b="0" dirty="0">
+                <a:solidFill>
+                  <a:srgbClr val="008000"/>
+                </a:solidFill>
+                <a:effectLst/>
+                <a:highlight>
+                  <a:srgbClr val="FFFFFF"/>
+                </a:highlight>
+                <a:latin typeface="Consolas" panose="020B0609020204030204" pitchFamily="49" charset="0"/>
+              </a:rPr>
+              <a:t>バイトを</a:t>
+            </a:r>
+            <a:r>
+              <a:rPr lang="zh-CN" altLang="en-US" sz="1400" b="0" dirty="0">
+                <a:solidFill>
+                  <a:srgbClr val="008000"/>
+                </a:solidFill>
+                <a:effectLst/>
+                <a:highlight>
+                  <a:srgbClr val="FFFFFF"/>
+                </a:highlight>
+                <a:latin typeface="Consolas" panose="020B0609020204030204" pitchFamily="49" charset="0"/>
+              </a:rPr>
+              <a:t>五</a:t>
+            </a:r>
+            <a:r>
+              <a:rPr lang="ja-JP" altLang="en-US" sz="1400" b="0" dirty="0">
+                <a:solidFill>
+                  <a:srgbClr val="008000"/>
+                </a:solidFill>
+                <a:effectLst/>
+                <a:highlight>
+                  <a:srgbClr val="FFFFFF"/>
+                </a:highlight>
+                <a:latin typeface="Consolas" panose="020B0609020204030204" pitchFamily="49" charset="0"/>
+              </a:rPr>
+              <a:t>つ</a:t>
+            </a:r>
+            <a:r>
+              <a:rPr lang="zh-CN" altLang="en-US" sz="1400" b="0" dirty="0">
+                <a:solidFill>
+                  <a:srgbClr val="008000"/>
+                </a:solidFill>
+                <a:effectLst/>
+                <a:highlight>
+                  <a:srgbClr val="FFFFFF"/>
+                </a:highlight>
+                <a:latin typeface="Consolas" panose="020B0609020204030204" pitchFamily="49" charset="0"/>
+              </a:rPr>
+              <a:t>生成</a:t>
+            </a:r>
+            <a:r>
+              <a:rPr lang="ja-JP" altLang="en-US" sz="1400" b="0" dirty="0">
+                <a:solidFill>
+                  <a:srgbClr val="008000"/>
+                </a:solidFill>
+                <a:effectLst/>
+                <a:highlight>
+                  <a:srgbClr val="FFFFFF"/>
+                </a:highlight>
+                <a:latin typeface="Consolas" panose="020B0609020204030204" pitchFamily="49" charset="0"/>
+              </a:rPr>
+              <a:t>する</a:t>
+            </a:r>
+            <a:endParaRPr lang="ja-JP" altLang="en-US" sz="1400" b="0" dirty="0">
+              <a:solidFill>
+                <a:srgbClr val="3B3B3B"/>
+              </a:solidFill>
+              <a:effectLst/>
+              <a:highlight>
+                <a:srgbClr val="FFFFFF"/>
+              </a:highlight>
+              <a:latin typeface="Consolas" panose="020B0609020204030204" pitchFamily="49" charset="0"/>
+            </a:endParaRPr>
+          </a:p>
+          <a:p>
+            <a:r>
+              <a:rPr lang="en-US" altLang="zh-CN" sz="1400" b="0" dirty="0" err="1">
+                <a:solidFill>
+                  <a:srgbClr val="001080"/>
+                </a:solidFill>
+                <a:effectLst/>
+                <a:highlight>
+                  <a:srgbClr val="FFFFFF"/>
+                </a:highlight>
+                <a:latin typeface="Consolas" panose="020B0609020204030204" pitchFamily="49" charset="0"/>
+              </a:rPr>
+              <a:t>random_bytes</a:t>
+            </a:r>
+            <a:r>
+              <a:rPr lang="en-US" altLang="zh-CN" sz="1400" b="0" dirty="0">
+                <a:solidFill>
+                  <a:srgbClr val="3B3B3B"/>
+                </a:solidFill>
+                <a:effectLst/>
+                <a:highlight>
+                  <a:srgbClr val="FFFFFF"/>
+                </a:highlight>
+                <a:latin typeface="Consolas" panose="020B0609020204030204" pitchFamily="49" charset="0"/>
+              </a:rPr>
+              <a:t> </a:t>
+            </a:r>
+            <a:r>
+              <a:rPr lang="en-US" altLang="zh-CN" sz="1400" b="0" dirty="0">
+                <a:solidFill>
+                  <a:srgbClr val="000000"/>
+                </a:solidFill>
+                <a:effectLst/>
+                <a:highlight>
+                  <a:srgbClr val="FFFFFF"/>
+                </a:highlight>
+                <a:latin typeface="Consolas" panose="020B0609020204030204" pitchFamily="49" charset="0"/>
+              </a:rPr>
+              <a:t>=</a:t>
+            </a:r>
+            <a:r>
+              <a:rPr lang="en-US" altLang="zh-CN" sz="1400" b="0" dirty="0">
+                <a:solidFill>
+                  <a:srgbClr val="3B3B3B"/>
+                </a:solidFill>
+                <a:effectLst/>
+                <a:highlight>
+                  <a:srgbClr val="FFFFFF"/>
+                </a:highlight>
+                <a:latin typeface="Consolas" panose="020B0609020204030204" pitchFamily="49" charset="0"/>
+              </a:rPr>
+              <a:t> </a:t>
+            </a:r>
+            <a:r>
+              <a:rPr lang="en-US" altLang="zh-CN" sz="1400" b="0" dirty="0" err="1">
+                <a:solidFill>
+                  <a:srgbClr val="267F99"/>
+                </a:solidFill>
+                <a:effectLst/>
+                <a:highlight>
+                  <a:srgbClr val="FFFFFF"/>
+                </a:highlight>
+                <a:latin typeface="Consolas" panose="020B0609020204030204" pitchFamily="49" charset="0"/>
+              </a:rPr>
+              <a:t>os</a:t>
+            </a:r>
+            <a:r>
+              <a:rPr lang="en-US" altLang="zh-CN" sz="1400" b="0" dirty="0" err="1">
+                <a:solidFill>
+                  <a:srgbClr val="3B3B3B"/>
+                </a:solidFill>
+                <a:effectLst/>
+                <a:highlight>
+                  <a:srgbClr val="FFFFFF"/>
+                </a:highlight>
+                <a:latin typeface="Consolas" panose="020B0609020204030204" pitchFamily="49" charset="0"/>
+              </a:rPr>
+              <a:t>.</a:t>
+            </a:r>
+            <a:r>
+              <a:rPr lang="en-US" altLang="zh-CN" sz="1400" b="0" dirty="0" err="1">
+                <a:solidFill>
+                  <a:srgbClr val="795E26"/>
+                </a:solidFill>
+                <a:effectLst/>
+                <a:highlight>
+                  <a:srgbClr val="FFFFFF"/>
+                </a:highlight>
+                <a:latin typeface="Consolas" panose="020B0609020204030204" pitchFamily="49" charset="0"/>
+              </a:rPr>
+              <a:t>urandom</a:t>
+            </a:r>
+            <a:r>
+              <a:rPr lang="en-US" altLang="zh-CN" sz="1400" b="0" dirty="0">
+                <a:solidFill>
+                  <a:srgbClr val="3B3B3B"/>
+                </a:solidFill>
+                <a:effectLst/>
+                <a:highlight>
+                  <a:srgbClr val="FFFFFF"/>
+                </a:highlight>
+                <a:latin typeface="Consolas" panose="020B0609020204030204" pitchFamily="49" charset="0"/>
+              </a:rPr>
+              <a:t>(</a:t>
+            </a:r>
+            <a:r>
+              <a:rPr lang="en-US" altLang="zh-CN" sz="1400" b="0" dirty="0">
+                <a:solidFill>
+                  <a:srgbClr val="098658"/>
+                </a:solidFill>
+                <a:effectLst/>
+                <a:highlight>
+                  <a:srgbClr val="FFFFFF"/>
+                </a:highlight>
+                <a:latin typeface="Consolas" panose="020B0609020204030204" pitchFamily="49" charset="0"/>
+              </a:rPr>
+              <a:t>5</a:t>
+            </a:r>
+            <a:r>
+              <a:rPr lang="en-US" altLang="zh-CN" sz="1400" b="0" dirty="0">
+                <a:solidFill>
+                  <a:srgbClr val="3B3B3B"/>
+                </a:solidFill>
+                <a:effectLst/>
+                <a:highlight>
+                  <a:srgbClr val="FFFFFF"/>
+                </a:highlight>
+                <a:latin typeface="Consolas" panose="020B0609020204030204" pitchFamily="49" charset="0"/>
+              </a:rPr>
+              <a:t>)</a:t>
+            </a:r>
+          </a:p>
+          <a:p>
+            <a:r>
+              <a:rPr lang="en-US" altLang="zh-CN" sz="1400" b="0" dirty="0">
+                <a:solidFill>
+                  <a:srgbClr val="795E26"/>
+                </a:solidFill>
+                <a:effectLst/>
+                <a:highlight>
+                  <a:srgbClr val="FFFFFF"/>
+                </a:highlight>
+                <a:latin typeface="Consolas" panose="020B0609020204030204" pitchFamily="49" charset="0"/>
+              </a:rPr>
+              <a:t>print</a:t>
+            </a:r>
+            <a:r>
+              <a:rPr lang="en-US" altLang="zh-CN" sz="1400" b="0" dirty="0">
+                <a:solidFill>
+                  <a:srgbClr val="3B3B3B"/>
+                </a:solidFill>
+                <a:effectLst/>
+                <a:highlight>
+                  <a:srgbClr val="FFFFFF"/>
+                </a:highlight>
+                <a:latin typeface="Consolas" panose="020B0609020204030204" pitchFamily="49" charset="0"/>
+              </a:rPr>
+              <a:t>(</a:t>
+            </a:r>
+            <a:r>
+              <a:rPr lang="en-US" altLang="zh-CN" sz="1400" b="0" dirty="0" err="1">
+                <a:solidFill>
+                  <a:srgbClr val="001080"/>
+                </a:solidFill>
+                <a:effectLst/>
+                <a:highlight>
+                  <a:srgbClr val="FFFFFF"/>
+                </a:highlight>
+                <a:latin typeface="Consolas" panose="020B0609020204030204" pitchFamily="49" charset="0"/>
+              </a:rPr>
+              <a:t>random_bytes</a:t>
+            </a:r>
+            <a:r>
+              <a:rPr lang="en-US" altLang="zh-CN" sz="1400" b="0" dirty="0">
+                <a:solidFill>
+                  <a:srgbClr val="3B3B3B"/>
+                </a:solidFill>
+                <a:effectLst/>
+                <a:highlight>
+                  <a:srgbClr val="FFFFFF"/>
+                </a:highlight>
+                <a:latin typeface="Consolas" panose="020B0609020204030204" pitchFamily="49" charset="0"/>
+              </a:rPr>
+              <a:t>)</a:t>
+            </a:r>
+          </a:p>
+        </p:txBody>
+      </p:sp>
+      <p:sp>
+        <p:nvSpPr>
+          <p:cNvPr id="8" name="文本框 7">
+            <a:extLst>
+              <a:ext uri="{FF2B5EF4-FFF2-40B4-BE49-F238E27FC236}">
+                <a16:creationId xmlns:a16="http://schemas.microsoft.com/office/drawing/2014/main" id="{270B4F64-0A4E-568C-6791-240F1331ED1F}"/>
+              </a:ext>
+            </a:extLst>
+          </p:cNvPr>
+          <p:cNvSpPr txBox="1"/>
+          <p:nvPr/>
+        </p:nvSpPr>
+        <p:spPr>
+          <a:xfrm>
+            <a:off x="305570" y="741301"/>
+            <a:ext cx="5743880" cy="338554"/>
+          </a:xfrm>
+          <a:prstGeom prst="rect">
+            <a:avLst/>
+          </a:prstGeom>
+          <a:noFill/>
+        </p:spPr>
+        <p:txBody>
+          <a:bodyPr wrap="none" rtlCol="0">
+            <a:spAutoFit/>
+          </a:bodyPr>
+          <a:lstStyle/>
+          <a:p>
+            <a:r>
+              <a:rPr lang="ja-JP" altLang="en-US" sz="1600" dirty="0"/>
+              <a:t>モジュール</a:t>
+            </a:r>
+            <a:r>
+              <a:rPr lang="en-US" altLang="zh-CN" sz="1600" b="0" dirty="0" err="1">
+                <a:solidFill>
+                  <a:srgbClr val="267F99"/>
+                </a:solidFill>
+                <a:effectLst/>
+                <a:highlight>
+                  <a:srgbClr val="FFFFFF"/>
+                </a:highlight>
+                <a:latin typeface="Consolas" panose="020B0609020204030204" pitchFamily="49" charset="0"/>
+              </a:rPr>
+              <a:t>os</a:t>
+            </a:r>
+            <a:r>
+              <a:rPr lang="ja-JP" altLang="en-US" sz="1600" dirty="0"/>
+              <a:t>で暗号的に安全なランダムバイトを生成できる</a:t>
+            </a:r>
+            <a:endParaRPr lang="zh-CN" altLang="en-US" sz="1600" dirty="0"/>
+          </a:p>
+        </p:txBody>
+      </p:sp>
+      <p:sp>
+        <p:nvSpPr>
+          <p:cNvPr id="9" name="文本框 8">
+            <a:extLst>
+              <a:ext uri="{FF2B5EF4-FFF2-40B4-BE49-F238E27FC236}">
+                <a16:creationId xmlns:a16="http://schemas.microsoft.com/office/drawing/2014/main" id="{2789E871-6D98-87DC-DAB6-4B0B27293500}"/>
+              </a:ext>
+            </a:extLst>
+          </p:cNvPr>
+          <p:cNvSpPr txBox="1"/>
+          <p:nvPr/>
+        </p:nvSpPr>
+        <p:spPr>
+          <a:xfrm>
+            <a:off x="305570" y="2749459"/>
+            <a:ext cx="1441420" cy="523220"/>
+          </a:xfrm>
+          <a:prstGeom prst="rect">
+            <a:avLst/>
+          </a:prstGeom>
+          <a:noFill/>
+          <a:ln>
+            <a:solidFill>
+              <a:schemeClr val="tx1"/>
+            </a:solidFill>
+          </a:ln>
+        </p:spPr>
+        <p:txBody>
+          <a:bodyPr wrap="none" rtlCol="0">
+            <a:spAutoFit/>
+          </a:bodyPr>
+          <a:lstStyle/>
+          <a:p>
+            <a:r>
+              <a:rPr lang="ja-JP" altLang="en-US" sz="1400" dirty="0"/>
+              <a:t>出力：</a:t>
+            </a:r>
+            <a:endParaRPr lang="en-US" altLang="ja-JP" sz="1400" dirty="0"/>
+          </a:p>
+          <a:p>
+            <a:r>
+              <a:rPr lang="en-US" altLang="zh-CN" sz="1400" dirty="0">
+                <a:latin typeface="新宋体" panose="02010609030101010101" pitchFamily="49" charset="-122"/>
+                <a:ea typeface="新宋体" panose="02010609030101010101" pitchFamily="49" charset="-122"/>
+              </a:rPr>
+              <a:t>b'_:)\x7f\xd5'</a:t>
+            </a:r>
+            <a:endParaRPr lang="zh-CN" altLang="en-US" sz="1400" dirty="0">
+              <a:latin typeface="新宋体" panose="02010609030101010101" pitchFamily="49" charset="-122"/>
+              <a:ea typeface="新宋体" panose="02010609030101010101" pitchFamily="49" charset="-122"/>
+            </a:endParaRPr>
+          </a:p>
+        </p:txBody>
+      </p:sp>
+      <p:sp>
+        <p:nvSpPr>
+          <p:cNvPr id="12" name="文本框 11">
+            <a:extLst>
+              <a:ext uri="{FF2B5EF4-FFF2-40B4-BE49-F238E27FC236}">
+                <a16:creationId xmlns:a16="http://schemas.microsoft.com/office/drawing/2014/main" id="{D6B4A0A5-25DB-BFF4-165F-9329EA5B0623}"/>
+              </a:ext>
+            </a:extLst>
+          </p:cNvPr>
+          <p:cNvSpPr txBox="1"/>
+          <p:nvPr/>
+        </p:nvSpPr>
+        <p:spPr>
+          <a:xfrm>
+            <a:off x="1845122" y="2749459"/>
+            <a:ext cx="10564592" cy="2308324"/>
+          </a:xfrm>
+          <a:prstGeom prst="rect">
+            <a:avLst/>
+          </a:prstGeom>
+          <a:noFill/>
+        </p:spPr>
+        <p:txBody>
+          <a:bodyPr wrap="square">
+            <a:spAutoFit/>
+          </a:bodyPr>
+          <a:lstStyle/>
+          <a:p>
+            <a:r>
+              <a:rPr lang="ja-JP" altLang="en-US" sz="1600" dirty="0"/>
+              <a:t>説明：</a:t>
+            </a:r>
+            <a:endParaRPr lang="en-US" altLang="zh-CN" sz="1600" dirty="0"/>
+          </a:p>
+          <a:p>
+            <a:r>
+              <a:rPr lang="en-US" altLang="zh-CN" sz="1600" dirty="0">
+                <a:latin typeface="新宋体" panose="02010609030101010101" pitchFamily="49" charset="-122"/>
+                <a:ea typeface="新宋体" panose="02010609030101010101" pitchFamily="49" charset="-122"/>
+              </a:rPr>
+              <a:t>b'_:)\x7f\xd5’</a:t>
+            </a:r>
+          </a:p>
+          <a:p>
+            <a:endParaRPr lang="en-US" altLang="zh-CN" sz="1600" dirty="0"/>
+          </a:p>
+          <a:p>
+            <a:pPr marL="285750" indent="-285750">
+              <a:buFont typeface="Arial" panose="020B0604020202020204" pitchFamily="34" charset="0"/>
+              <a:buChar char="•"/>
+            </a:pPr>
+            <a:r>
+              <a:rPr lang="en-US" altLang="zh-CN" sz="1600" dirty="0"/>
+              <a:t>b    byte</a:t>
+            </a:r>
+            <a:r>
+              <a:rPr lang="ja-JP" altLang="en-US" sz="1600" dirty="0"/>
+              <a:t>の意味</a:t>
+            </a:r>
+            <a:endParaRPr lang="en-US" altLang="ja-JP" sz="1600" dirty="0"/>
+          </a:p>
+          <a:p>
+            <a:pPr marL="285750" indent="-285750">
+              <a:buFont typeface="Arial" panose="020B0604020202020204" pitchFamily="34" charset="0"/>
+              <a:buChar char="•"/>
+            </a:pPr>
+            <a:r>
+              <a:rPr lang="ja-JP" altLang="en-US" sz="1600" dirty="0"/>
+              <a:t>一番目：</a:t>
+            </a:r>
+            <a:r>
+              <a:rPr lang="en-US" altLang="ja-JP" sz="1600" dirty="0"/>
+              <a:t>_           </a:t>
+            </a:r>
+            <a:r>
+              <a:rPr lang="en-US" altLang="zh-CN" sz="1600" dirty="0"/>
+              <a:t>ascii</a:t>
+            </a:r>
+            <a:r>
+              <a:rPr lang="ja-JP" altLang="en-US" sz="1600" dirty="0"/>
+              <a:t>コード：</a:t>
+            </a:r>
+            <a:r>
+              <a:rPr lang="en-US" altLang="ja-JP" sz="1600" dirty="0"/>
+              <a:t>10</a:t>
+            </a:r>
+            <a:r>
+              <a:rPr lang="ja-JP" altLang="en-US" sz="1600" dirty="0"/>
+              <a:t>進数：</a:t>
+            </a:r>
+            <a:r>
+              <a:rPr lang="en-US" altLang="ja-JP" sz="1600" dirty="0"/>
+              <a:t>95</a:t>
+            </a:r>
+            <a:r>
+              <a:rPr lang="ja-JP" altLang="en-US" sz="1600" dirty="0"/>
+              <a:t>、</a:t>
+            </a:r>
+            <a:r>
+              <a:rPr lang="en-US" altLang="ja-JP" sz="1600" dirty="0"/>
+              <a:t>16</a:t>
+            </a:r>
+            <a:r>
+              <a:rPr lang="ja-JP" altLang="en-US" sz="1600" dirty="0"/>
+              <a:t>進数：</a:t>
+            </a:r>
+            <a:r>
+              <a:rPr lang="en-US" altLang="ja-JP" sz="1600" dirty="0"/>
+              <a:t>\x5F</a:t>
+            </a:r>
+          </a:p>
+          <a:p>
+            <a:pPr marL="285750" indent="-285750">
+              <a:buFont typeface="Arial" panose="020B0604020202020204" pitchFamily="34" charset="0"/>
+              <a:buChar char="•"/>
+            </a:pPr>
+            <a:r>
+              <a:rPr lang="ja-JP" altLang="en-US" sz="1600" dirty="0"/>
+              <a:t>二番目：</a:t>
+            </a:r>
+            <a:r>
+              <a:rPr lang="en-US" altLang="ja-JP" sz="1600" dirty="0"/>
+              <a:t>:           </a:t>
+            </a:r>
+            <a:r>
+              <a:rPr lang="en-US" altLang="zh-CN" sz="1600" dirty="0"/>
+              <a:t>ascii</a:t>
+            </a:r>
+            <a:r>
+              <a:rPr lang="ja-JP" altLang="en-US" sz="1600" dirty="0"/>
+              <a:t>コード：</a:t>
+            </a:r>
+            <a:r>
+              <a:rPr lang="en-US" altLang="ja-JP" sz="1600" dirty="0"/>
+              <a:t>10</a:t>
+            </a:r>
+            <a:r>
+              <a:rPr lang="ja-JP" altLang="en-US" sz="1600" dirty="0"/>
+              <a:t>進数：</a:t>
+            </a:r>
+            <a:r>
+              <a:rPr lang="en-US" altLang="ja-JP" sz="1600" dirty="0"/>
+              <a:t>58</a:t>
+            </a:r>
+            <a:r>
+              <a:rPr lang="ja-JP" altLang="en-US" sz="1600" dirty="0"/>
+              <a:t>、</a:t>
+            </a:r>
+            <a:r>
+              <a:rPr lang="en-US" altLang="ja-JP" sz="1600" dirty="0"/>
+              <a:t>16</a:t>
+            </a:r>
+            <a:r>
+              <a:rPr lang="ja-JP" altLang="en-US" sz="1600" dirty="0"/>
+              <a:t>進数：</a:t>
+            </a:r>
+            <a:r>
+              <a:rPr lang="en-US" altLang="ja-JP" sz="1600" dirty="0"/>
+              <a:t>\x3A</a:t>
+            </a:r>
+          </a:p>
+          <a:p>
+            <a:pPr marL="285750" indent="-285750">
+              <a:buFont typeface="Arial" panose="020B0604020202020204" pitchFamily="34" charset="0"/>
+              <a:buChar char="•"/>
+            </a:pPr>
+            <a:r>
+              <a:rPr lang="ja-JP" altLang="en-US" sz="1600" dirty="0"/>
+              <a:t>三番目：</a:t>
+            </a:r>
+            <a:r>
+              <a:rPr lang="en-US" altLang="ja-JP" sz="1600" dirty="0"/>
+              <a:t>)           </a:t>
+            </a:r>
+            <a:r>
+              <a:rPr lang="en-US" altLang="zh-CN" sz="1600" dirty="0"/>
+              <a:t>ascii</a:t>
+            </a:r>
+            <a:r>
+              <a:rPr lang="ja-JP" altLang="en-US" sz="1600" dirty="0"/>
+              <a:t>コード：</a:t>
+            </a:r>
+            <a:r>
+              <a:rPr lang="en-US" altLang="ja-JP" sz="1600" dirty="0"/>
+              <a:t>10</a:t>
+            </a:r>
+            <a:r>
+              <a:rPr lang="ja-JP" altLang="en-US" sz="1600" dirty="0"/>
+              <a:t>進数：</a:t>
+            </a:r>
+            <a:r>
+              <a:rPr lang="en-US" altLang="ja-JP" sz="1600" dirty="0"/>
+              <a:t>41</a:t>
+            </a:r>
+            <a:r>
+              <a:rPr lang="ja-JP" altLang="en-US" sz="1600" dirty="0"/>
+              <a:t>、</a:t>
+            </a:r>
+            <a:r>
+              <a:rPr lang="en-US" altLang="ja-JP" sz="1600" dirty="0"/>
+              <a:t>16</a:t>
+            </a:r>
+            <a:r>
+              <a:rPr lang="ja-JP" altLang="en-US" sz="1600" dirty="0"/>
+              <a:t>進数：</a:t>
+            </a:r>
+            <a:r>
+              <a:rPr lang="en-US" altLang="ja-JP" sz="1600" dirty="0"/>
+              <a:t>\x29</a:t>
+            </a:r>
+          </a:p>
+          <a:p>
+            <a:pPr marL="285750" indent="-285750">
+              <a:buFont typeface="Arial" panose="020B0604020202020204" pitchFamily="34" charset="0"/>
+              <a:buChar char="•"/>
+            </a:pPr>
+            <a:r>
+              <a:rPr lang="ja-JP" altLang="en-US" sz="1600" dirty="0"/>
+              <a:t>四番目：</a:t>
+            </a:r>
+            <a:r>
+              <a:rPr lang="en-US" altLang="ja-JP" sz="1600" dirty="0"/>
+              <a:t>\x7f      \x</a:t>
+            </a:r>
+            <a:r>
+              <a:rPr lang="ja-JP" altLang="en-US" sz="1600" dirty="0"/>
+              <a:t>：</a:t>
+            </a:r>
+            <a:r>
+              <a:rPr lang="en-US" altLang="ja-JP" sz="1600" dirty="0"/>
+              <a:t>16</a:t>
+            </a:r>
+            <a:r>
+              <a:rPr lang="ja-JP" altLang="en-US" sz="1600" dirty="0"/>
+              <a:t>進数の意味　対応する</a:t>
+            </a:r>
+            <a:r>
+              <a:rPr lang="en-US" altLang="ja-JP" sz="1600" dirty="0"/>
+              <a:t>10</a:t>
+            </a:r>
+            <a:r>
+              <a:rPr lang="ja-JP" altLang="en-US" sz="1600" dirty="0"/>
+              <a:t>進数：</a:t>
+            </a:r>
+            <a:r>
+              <a:rPr lang="en-US" altLang="ja-JP" sz="1600" dirty="0"/>
+              <a:t>127    </a:t>
+            </a:r>
+            <a:r>
+              <a:rPr lang="ja-JP" altLang="en-US" sz="1600" dirty="0"/>
+              <a:t>対応する符号：</a:t>
+            </a:r>
+            <a:r>
+              <a:rPr lang="en-US" altLang="ja-JP" sz="1600" dirty="0"/>
+              <a:t>DEL  </a:t>
+            </a:r>
+            <a:r>
+              <a:rPr lang="ja-JP" altLang="en-US" sz="1600" dirty="0"/>
+              <a:t>制御文字　印字されない　</a:t>
+            </a:r>
+            <a:r>
+              <a:rPr lang="en-US" altLang="ja-JP" sz="1600" dirty="0"/>
+              <a:t>   </a:t>
+            </a:r>
+          </a:p>
+          <a:p>
+            <a:pPr marL="285750" indent="-285750">
+              <a:buFont typeface="Arial" panose="020B0604020202020204" pitchFamily="34" charset="0"/>
+              <a:buChar char="•"/>
+            </a:pPr>
+            <a:r>
+              <a:rPr lang="ja-JP" altLang="en-US" sz="1600" dirty="0"/>
+              <a:t>五番目：</a:t>
+            </a:r>
+            <a:r>
+              <a:rPr lang="en-US" altLang="ja-JP" sz="1600" dirty="0"/>
+              <a:t>\xd5     \x</a:t>
+            </a:r>
+            <a:r>
+              <a:rPr lang="ja-JP" altLang="en-US" sz="1600" dirty="0"/>
+              <a:t>：</a:t>
+            </a:r>
+            <a:r>
+              <a:rPr lang="en-US" altLang="ja-JP" sz="1600" dirty="0"/>
+              <a:t>16</a:t>
+            </a:r>
+            <a:r>
+              <a:rPr lang="ja-JP" altLang="en-US" sz="1600" dirty="0"/>
+              <a:t>進数の意味　対応する</a:t>
+            </a:r>
+            <a:r>
+              <a:rPr lang="en-US" altLang="ja-JP" sz="1600" dirty="0"/>
+              <a:t>10</a:t>
+            </a:r>
+            <a:r>
+              <a:rPr lang="ja-JP" altLang="en-US" sz="1600" dirty="0"/>
+              <a:t>進数：</a:t>
+            </a:r>
+            <a:r>
+              <a:rPr lang="en-US" altLang="ja-JP" sz="1600" dirty="0"/>
+              <a:t>213   ascii</a:t>
+            </a:r>
+            <a:r>
+              <a:rPr lang="ja-JP" altLang="en-US" sz="1600" dirty="0"/>
+              <a:t>コード表の範囲を超える</a:t>
+            </a:r>
+            <a:endParaRPr lang="en-US" altLang="ja-JP" sz="1600" dirty="0"/>
+          </a:p>
+        </p:txBody>
+      </p:sp>
     </p:spTree>
     <p:extLst>
       <p:ext uri="{BB962C8B-B14F-4D97-AF65-F5344CB8AC3E}">
-        <p14:creationId xmlns:p14="http://schemas.microsoft.com/office/powerpoint/2010/main" val="1137212918"/>
+        <p14:creationId xmlns:p14="http://schemas.microsoft.com/office/powerpoint/2010/main" val="2604225508"/>
+      </p:ext>
+    </p:extLst>
+  </p:cSld>
+  <p:clrMapOvr>
+    <a:masterClrMapping/>
+  </p:clrMapOvr>
+</p:sld>
+</file>
+
+<file path=ppt/slides/slide19.xml><?xml version="1.0" encoding="utf-8"?>
+<p:sld xmlns:a="http://schemas.openxmlformats.org/drawingml/2006/main" xmlns:r="http://schemas.openxmlformats.org/officeDocument/2006/relationships" xmlns:p="http://schemas.openxmlformats.org/presentationml/2006/main">
+  <p:cSld>
+    <p:spTree>
+      <p:nvGrpSpPr>
+        <p:cNvPr id="1" name=""/>
+        <p:cNvGrpSpPr/>
+        <p:nvPr/>
+      </p:nvGrpSpPr>
+      <p:grpSpPr>
+        <a:xfrm>
+          <a:off x="0" y="0"/>
+          <a:ext cx="0" cy="0"/>
+          <a:chOff x="0" y="0"/>
+          <a:chExt cx="0" cy="0"/>
+        </a:xfrm>
+      </p:grpSpPr>
+      <p:sp>
+        <p:nvSpPr>
+          <p:cNvPr id="4" name="矩形: 圆角 3">
+            <a:extLst>
+              <a:ext uri="{FF2B5EF4-FFF2-40B4-BE49-F238E27FC236}">
+                <a16:creationId xmlns:a16="http://schemas.microsoft.com/office/drawing/2014/main" id="{866A1306-2120-2B30-7A6A-781A28385D6D}"/>
+              </a:ext>
+            </a:extLst>
+          </p:cNvPr>
+          <p:cNvSpPr/>
+          <p:nvPr/>
+        </p:nvSpPr>
+        <p:spPr>
+          <a:xfrm flipV="1">
+            <a:off x="305570" y="523220"/>
+            <a:ext cx="11377352" cy="64193"/>
+          </a:xfrm>
+          <a:prstGeom prst="roundRect">
+            <a:avLst/>
+          </a:prstGeom>
+        </p:spPr>
+        <p:style>
+          <a:lnRef idx="2">
+            <a:schemeClr val="accent1">
+              <a:shade val="50000"/>
+            </a:schemeClr>
+          </a:lnRef>
+          <a:fillRef idx="1">
+            <a:schemeClr val="accent1"/>
+          </a:fillRef>
+          <a:effectRef idx="0">
+            <a:schemeClr val="accent1"/>
+          </a:effectRef>
+          <a:fontRef idx="minor">
+            <a:schemeClr val="lt1"/>
+          </a:fontRef>
+        </p:style>
+        <p:txBody>
+          <a:bodyPr rtlCol="0" anchor="ctr"/>
+          <a:lstStyle/>
+          <a:p>
+            <a:pPr algn="ctr"/>
+            <a:endParaRPr lang="zh-CN" altLang="en-US"/>
+          </a:p>
+        </p:txBody>
+      </p:sp>
+      <p:sp>
+        <p:nvSpPr>
+          <p:cNvPr id="5" name="文本框 4">
+            <a:extLst>
+              <a:ext uri="{FF2B5EF4-FFF2-40B4-BE49-F238E27FC236}">
+                <a16:creationId xmlns:a16="http://schemas.microsoft.com/office/drawing/2014/main" id="{6FF74BA9-D2C8-5CBE-0585-F2F644B9AECB}"/>
+              </a:ext>
+            </a:extLst>
+          </p:cNvPr>
+          <p:cNvSpPr txBox="1"/>
+          <p:nvPr/>
+        </p:nvSpPr>
+        <p:spPr>
+          <a:xfrm>
+            <a:off x="305570" y="0"/>
+            <a:ext cx="10152138" cy="523220"/>
+          </a:xfrm>
+          <a:prstGeom prst="rect">
+            <a:avLst/>
+          </a:prstGeom>
+          <a:noFill/>
+        </p:spPr>
+        <p:txBody>
+          <a:bodyPr wrap="none" rtlCol="0">
+            <a:spAutoFit/>
+          </a:bodyPr>
+          <a:lstStyle/>
+          <a:p>
+            <a:r>
+              <a:rPr lang="en-US" altLang="zh-CN" sz="2800" dirty="0"/>
+              <a:t>Section 55.3: Random and sequences: shuffle, choice and sample</a:t>
+            </a:r>
+            <a:endParaRPr lang="zh-CN" altLang="en-US" sz="2800" b="1" dirty="0"/>
+          </a:p>
+        </p:txBody>
+      </p:sp>
+      <p:sp>
+        <p:nvSpPr>
+          <p:cNvPr id="2" name="文本框 1">
+            <a:extLst>
+              <a:ext uri="{FF2B5EF4-FFF2-40B4-BE49-F238E27FC236}">
+                <a16:creationId xmlns:a16="http://schemas.microsoft.com/office/drawing/2014/main" id="{9AE017D4-3D8E-524D-A02F-2F10A14CE47B}"/>
+              </a:ext>
+            </a:extLst>
+          </p:cNvPr>
+          <p:cNvSpPr txBox="1"/>
+          <p:nvPr/>
+        </p:nvSpPr>
+        <p:spPr>
+          <a:xfrm>
+            <a:off x="305570" y="723274"/>
+            <a:ext cx="10155344" cy="307777"/>
+          </a:xfrm>
+          <a:prstGeom prst="rect">
+            <a:avLst/>
+          </a:prstGeom>
+          <a:noFill/>
+        </p:spPr>
+        <p:txBody>
+          <a:bodyPr wrap="none" rtlCol="0">
+            <a:spAutoFit/>
+          </a:bodyPr>
+          <a:lstStyle/>
+          <a:p>
+            <a:r>
+              <a:rPr lang="en-US" altLang="zh-CN" sz="1400" b="0" dirty="0">
+                <a:solidFill>
+                  <a:srgbClr val="3B3B3B"/>
+                </a:solidFill>
+                <a:effectLst/>
+                <a:highlight>
+                  <a:srgbClr val="FFFFFF"/>
+                </a:highlight>
+                <a:latin typeface="Consolas" panose="020B0609020204030204" pitchFamily="49" charset="0"/>
+              </a:rPr>
+              <a:t>shuffle()</a:t>
+            </a:r>
+            <a:r>
+              <a:rPr lang="ja-JP" altLang="en-US" sz="1400" b="0" dirty="0">
+                <a:solidFill>
+                  <a:srgbClr val="3B3B3B"/>
+                </a:solidFill>
+                <a:effectLst/>
+                <a:highlight>
+                  <a:srgbClr val="FFFFFF"/>
+                </a:highlight>
+                <a:latin typeface="Consolas" panose="020B0609020204030204" pitchFamily="49" charset="0"/>
+              </a:rPr>
+              <a:t>関数でミュータブル（変更可能）、インデクスでアクセスできるオブジェクト</a:t>
+            </a:r>
+            <a:r>
+              <a:rPr lang="ja-JP" altLang="en-US" sz="1400" dirty="0">
+                <a:solidFill>
+                  <a:srgbClr val="3B3B3B"/>
+                </a:solidFill>
+                <a:highlight>
+                  <a:srgbClr val="FFFFFF"/>
+                </a:highlight>
+                <a:latin typeface="Consolas" panose="020B0609020204030204" pitchFamily="49" charset="0"/>
+              </a:rPr>
+              <a:t>の要素の順番をランダムに変える</a:t>
+            </a:r>
+            <a:r>
+              <a:rPr lang="en-US" altLang="zh-CN" sz="1400" b="0" dirty="0">
+                <a:solidFill>
+                  <a:srgbClr val="3B3B3B"/>
+                </a:solidFill>
+                <a:effectLst/>
+                <a:highlight>
+                  <a:srgbClr val="FFFFFF"/>
+                </a:highlight>
+                <a:latin typeface="Consolas" panose="020B0609020204030204" pitchFamily="49" charset="0"/>
+              </a:rPr>
+              <a:t> </a:t>
+            </a:r>
+          </a:p>
+        </p:txBody>
+      </p:sp>
+      <p:sp>
+        <p:nvSpPr>
+          <p:cNvPr id="6" name="文本框 5">
+            <a:extLst>
+              <a:ext uri="{FF2B5EF4-FFF2-40B4-BE49-F238E27FC236}">
+                <a16:creationId xmlns:a16="http://schemas.microsoft.com/office/drawing/2014/main" id="{2E367A0A-1827-7920-3DC8-F0B80FD0F008}"/>
+              </a:ext>
+            </a:extLst>
+          </p:cNvPr>
+          <p:cNvSpPr txBox="1"/>
+          <p:nvPr/>
+        </p:nvSpPr>
+        <p:spPr>
+          <a:xfrm>
+            <a:off x="305570" y="1125232"/>
+            <a:ext cx="6097554" cy="954107"/>
+          </a:xfrm>
+          <a:prstGeom prst="rect">
+            <a:avLst/>
+          </a:prstGeom>
+          <a:noFill/>
+          <a:ln>
+            <a:solidFill>
+              <a:schemeClr val="tx1"/>
+            </a:solidFill>
+          </a:ln>
+        </p:spPr>
+        <p:txBody>
+          <a:bodyPr wrap="square">
+            <a:spAutoFit/>
+          </a:bodyPr>
+          <a:lstStyle/>
+          <a:p>
+            <a:r>
+              <a:rPr lang="en-US" altLang="zh-CN" sz="1400" b="0" dirty="0">
+                <a:solidFill>
+                  <a:srgbClr val="AF00DB"/>
+                </a:solidFill>
+                <a:effectLst/>
+                <a:highlight>
+                  <a:srgbClr val="FFFFFF"/>
+                </a:highlight>
+                <a:latin typeface="Consolas" panose="020B0609020204030204" pitchFamily="49" charset="0"/>
+              </a:rPr>
+              <a:t>import</a:t>
+            </a:r>
+            <a:r>
+              <a:rPr lang="en-US" altLang="zh-CN" sz="1400" b="0" dirty="0">
+                <a:solidFill>
+                  <a:srgbClr val="3B3B3B"/>
+                </a:solidFill>
+                <a:effectLst/>
+                <a:highlight>
+                  <a:srgbClr val="FFFFFF"/>
+                </a:highlight>
+                <a:latin typeface="Consolas" panose="020B0609020204030204" pitchFamily="49" charset="0"/>
+              </a:rPr>
+              <a:t> </a:t>
+            </a:r>
+            <a:r>
+              <a:rPr lang="en-US" altLang="zh-CN" sz="1400" b="0" dirty="0">
+                <a:solidFill>
+                  <a:srgbClr val="267F99"/>
+                </a:solidFill>
+                <a:effectLst/>
+                <a:highlight>
+                  <a:srgbClr val="FFFFFF"/>
+                </a:highlight>
+                <a:latin typeface="Consolas" panose="020B0609020204030204" pitchFamily="49" charset="0"/>
+              </a:rPr>
+              <a:t>random</a:t>
+            </a:r>
+            <a:endParaRPr lang="en-US" altLang="zh-CN" sz="1400" b="0" dirty="0">
+              <a:solidFill>
+                <a:srgbClr val="3B3B3B"/>
+              </a:solidFill>
+              <a:effectLst/>
+              <a:highlight>
+                <a:srgbClr val="FFFFFF"/>
+              </a:highlight>
+              <a:latin typeface="Consolas" panose="020B0609020204030204" pitchFamily="49" charset="0"/>
+            </a:endParaRPr>
+          </a:p>
+          <a:p>
+            <a:r>
+              <a:rPr lang="en-US" altLang="zh-CN" sz="1400" b="0" dirty="0">
+                <a:solidFill>
+                  <a:srgbClr val="001080"/>
+                </a:solidFill>
+                <a:effectLst/>
+                <a:highlight>
+                  <a:srgbClr val="FFFFFF"/>
+                </a:highlight>
+                <a:latin typeface="Consolas" panose="020B0609020204030204" pitchFamily="49" charset="0"/>
+              </a:rPr>
+              <a:t>laughs</a:t>
+            </a:r>
+            <a:r>
+              <a:rPr lang="en-US" altLang="zh-CN" sz="1400" b="0" dirty="0">
+                <a:solidFill>
+                  <a:srgbClr val="3B3B3B"/>
+                </a:solidFill>
+                <a:effectLst/>
+                <a:highlight>
+                  <a:srgbClr val="FFFFFF"/>
+                </a:highlight>
+                <a:latin typeface="Consolas" panose="020B0609020204030204" pitchFamily="49" charset="0"/>
+              </a:rPr>
+              <a:t> </a:t>
+            </a:r>
+            <a:r>
+              <a:rPr lang="en-US" altLang="zh-CN" sz="1400" b="0" dirty="0">
+                <a:solidFill>
+                  <a:srgbClr val="000000"/>
+                </a:solidFill>
+                <a:effectLst/>
+                <a:highlight>
+                  <a:srgbClr val="FFFFFF"/>
+                </a:highlight>
+                <a:latin typeface="Consolas" panose="020B0609020204030204" pitchFamily="49" charset="0"/>
+              </a:rPr>
+              <a:t>=</a:t>
+            </a:r>
+            <a:r>
+              <a:rPr lang="en-US" altLang="zh-CN" sz="1400" b="0" dirty="0">
+                <a:solidFill>
+                  <a:srgbClr val="3B3B3B"/>
+                </a:solidFill>
+                <a:effectLst/>
+                <a:highlight>
+                  <a:srgbClr val="FFFFFF"/>
+                </a:highlight>
+                <a:latin typeface="Consolas" panose="020B0609020204030204" pitchFamily="49" charset="0"/>
+              </a:rPr>
+              <a:t> [</a:t>
+            </a:r>
+            <a:r>
+              <a:rPr lang="en-US" altLang="zh-CN" sz="1400" b="0" dirty="0">
+                <a:solidFill>
+                  <a:srgbClr val="A31515"/>
+                </a:solidFill>
+                <a:effectLst/>
+                <a:highlight>
+                  <a:srgbClr val="FFFFFF"/>
+                </a:highlight>
+                <a:latin typeface="Consolas" panose="020B0609020204030204" pitchFamily="49" charset="0"/>
+              </a:rPr>
+              <a:t>"Hi"</a:t>
+            </a:r>
+            <a:r>
+              <a:rPr lang="en-US" altLang="zh-CN" sz="1400" b="0" dirty="0">
+                <a:solidFill>
+                  <a:srgbClr val="3B3B3B"/>
+                </a:solidFill>
+                <a:effectLst/>
+                <a:highlight>
+                  <a:srgbClr val="FFFFFF"/>
+                </a:highlight>
+                <a:latin typeface="Consolas" panose="020B0609020204030204" pitchFamily="49" charset="0"/>
+              </a:rPr>
+              <a:t>, </a:t>
+            </a:r>
+            <a:r>
+              <a:rPr lang="en-US" altLang="zh-CN" sz="1400" b="0" dirty="0">
+                <a:solidFill>
+                  <a:srgbClr val="A31515"/>
+                </a:solidFill>
+                <a:effectLst/>
+                <a:highlight>
+                  <a:srgbClr val="FFFFFF"/>
+                </a:highlight>
+                <a:latin typeface="Consolas" panose="020B0609020204030204" pitchFamily="49" charset="0"/>
+              </a:rPr>
+              <a:t>"Ho"</a:t>
+            </a:r>
+            <a:r>
+              <a:rPr lang="en-US" altLang="zh-CN" sz="1400" b="0" dirty="0">
+                <a:solidFill>
+                  <a:srgbClr val="3B3B3B"/>
+                </a:solidFill>
+                <a:effectLst/>
+                <a:highlight>
+                  <a:srgbClr val="FFFFFF"/>
+                </a:highlight>
+                <a:latin typeface="Consolas" panose="020B0609020204030204" pitchFamily="49" charset="0"/>
+              </a:rPr>
+              <a:t>, </a:t>
+            </a:r>
+            <a:r>
+              <a:rPr lang="en-US" altLang="zh-CN" sz="1400" b="0" dirty="0">
+                <a:solidFill>
+                  <a:srgbClr val="A31515"/>
+                </a:solidFill>
+                <a:effectLst/>
+                <a:highlight>
+                  <a:srgbClr val="FFFFFF"/>
+                </a:highlight>
+                <a:latin typeface="Consolas" panose="020B0609020204030204" pitchFamily="49" charset="0"/>
+              </a:rPr>
+              <a:t>"He"</a:t>
+            </a:r>
+            <a:r>
+              <a:rPr lang="en-US" altLang="zh-CN" sz="1400" b="0" dirty="0">
+                <a:solidFill>
+                  <a:srgbClr val="3B3B3B"/>
+                </a:solidFill>
+                <a:effectLst/>
+                <a:highlight>
+                  <a:srgbClr val="FFFFFF"/>
+                </a:highlight>
+                <a:latin typeface="Consolas" panose="020B0609020204030204" pitchFamily="49" charset="0"/>
+              </a:rPr>
+              <a:t>]</a:t>
+            </a:r>
+          </a:p>
+          <a:p>
+            <a:r>
+              <a:rPr lang="en-US" altLang="zh-CN" sz="1400" b="0" dirty="0" err="1">
+                <a:solidFill>
+                  <a:srgbClr val="267F99"/>
+                </a:solidFill>
+                <a:effectLst/>
+                <a:highlight>
+                  <a:srgbClr val="FFFFFF"/>
+                </a:highlight>
+                <a:latin typeface="Consolas" panose="020B0609020204030204" pitchFamily="49" charset="0"/>
+              </a:rPr>
+              <a:t>random</a:t>
+            </a:r>
+            <a:r>
+              <a:rPr lang="en-US" altLang="zh-CN" sz="1400" b="0" dirty="0" err="1">
+                <a:solidFill>
+                  <a:srgbClr val="3B3B3B"/>
+                </a:solidFill>
+                <a:effectLst/>
+                <a:highlight>
+                  <a:srgbClr val="FFFFFF"/>
+                </a:highlight>
+                <a:latin typeface="Consolas" panose="020B0609020204030204" pitchFamily="49" charset="0"/>
+              </a:rPr>
+              <a:t>.shuffle</a:t>
+            </a:r>
+            <a:r>
+              <a:rPr lang="en-US" altLang="zh-CN" sz="1400" b="0" dirty="0">
+                <a:solidFill>
+                  <a:srgbClr val="3B3B3B"/>
+                </a:solidFill>
+                <a:effectLst/>
+                <a:highlight>
+                  <a:srgbClr val="FFFFFF"/>
+                </a:highlight>
+                <a:latin typeface="Consolas" panose="020B0609020204030204" pitchFamily="49" charset="0"/>
+              </a:rPr>
+              <a:t>(</a:t>
+            </a:r>
+            <a:r>
+              <a:rPr lang="en-US" altLang="zh-CN" sz="1400" b="0" dirty="0">
+                <a:solidFill>
+                  <a:srgbClr val="001080"/>
+                </a:solidFill>
+                <a:effectLst/>
+                <a:highlight>
+                  <a:srgbClr val="FFFFFF"/>
+                </a:highlight>
+                <a:latin typeface="Consolas" panose="020B0609020204030204" pitchFamily="49" charset="0"/>
+              </a:rPr>
+              <a:t>laughs</a:t>
+            </a:r>
+            <a:r>
+              <a:rPr lang="en-US" altLang="zh-CN" sz="1400" b="0" dirty="0">
+                <a:solidFill>
+                  <a:srgbClr val="3B3B3B"/>
+                </a:solidFill>
+                <a:effectLst/>
+                <a:highlight>
+                  <a:srgbClr val="FFFFFF"/>
+                </a:highlight>
+                <a:latin typeface="Consolas" panose="020B0609020204030204" pitchFamily="49" charset="0"/>
+              </a:rPr>
+              <a:t>) </a:t>
+            </a:r>
+            <a:br>
+              <a:rPr lang="en-US" altLang="zh-CN" sz="1400" b="0" dirty="0">
+                <a:solidFill>
+                  <a:srgbClr val="3B3B3B"/>
+                </a:solidFill>
+                <a:effectLst/>
+                <a:highlight>
+                  <a:srgbClr val="FFFFFF"/>
+                </a:highlight>
+                <a:latin typeface="Consolas" panose="020B0609020204030204" pitchFamily="49" charset="0"/>
+              </a:rPr>
+            </a:br>
+            <a:r>
+              <a:rPr lang="en-US" altLang="zh-CN" sz="1400" b="0" dirty="0">
+                <a:solidFill>
+                  <a:srgbClr val="795E26"/>
+                </a:solidFill>
+                <a:effectLst/>
+                <a:highlight>
+                  <a:srgbClr val="FFFFFF"/>
+                </a:highlight>
+                <a:latin typeface="Consolas" panose="020B0609020204030204" pitchFamily="49" charset="0"/>
+              </a:rPr>
+              <a:t>print</a:t>
+            </a:r>
+            <a:r>
+              <a:rPr lang="en-US" altLang="zh-CN" sz="1400" b="0" dirty="0">
+                <a:solidFill>
+                  <a:srgbClr val="3B3B3B"/>
+                </a:solidFill>
+                <a:effectLst/>
+                <a:highlight>
+                  <a:srgbClr val="FFFFFF"/>
+                </a:highlight>
+                <a:latin typeface="Consolas" panose="020B0609020204030204" pitchFamily="49" charset="0"/>
+              </a:rPr>
+              <a:t>(</a:t>
+            </a:r>
+            <a:r>
+              <a:rPr lang="en-US" altLang="zh-CN" sz="1400" b="0" dirty="0">
+                <a:solidFill>
+                  <a:srgbClr val="001080"/>
+                </a:solidFill>
+                <a:effectLst/>
+                <a:highlight>
+                  <a:srgbClr val="FFFFFF"/>
+                </a:highlight>
+                <a:latin typeface="Consolas" panose="020B0609020204030204" pitchFamily="49" charset="0"/>
+              </a:rPr>
+              <a:t>laughs</a:t>
+            </a:r>
+            <a:r>
+              <a:rPr lang="en-US" altLang="zh-CN" sz="1400" b="0" dirty="0">
+                <a:solidFill>
+                  <a:srgbClr val="3B3B3B"/>
+                </a:solidFill>
+                <a:effectLst/>
+                <a:highlight>
+                  <a:srgbClr val="FFFFFF"/>
+                </a:highlight>
+                <a:latin typeface="Consolas" panose="020B0609020204030204" pitchFamily="49" charset="0"/>
+              </a:rPr>
+              <a:t>)</a:t>
+            </a:r>
+          </a:p>
+        </p:txBody>
+      </p:sp>
+      <p:sp>
+        <p:nvSpPr>
+          <p:cNvPr id="10" name="文本框 9">
+            <a:extLst>
+              <a:ext uri="{FF2B5EF4-FFF2-40B4-BE49-F238E27FC236}">
+                <a16:creationId xmlns:a16="http://schemas.microsoft.com/office/drawing/2014/main" id="{7C5AD3D5-E27D-822E-815C-27567A4A0F55}"/>
+              </a:ext>
+            </a:extLst>
+          </p:cNvPr>
+          <p:cNvSpPr txBox="1"/>
+          <p:nvPr/>
+        </p:nvSpPr>
+        <p:spPr>
+          <a:xfrm>
+            <a:off x="305570" y="2280804"/>
+            <a:ext cx="1321196" cy="523220"/>
+          </a:xfrm>
+          <a:prstGeom prst="rect">
+            <a:avLst/>
+          </a:prstGeom>
+          <a:noFill/>
+          <a:ln>
+            <a:solidFill>
+              <a:schemeClr val="tx1"/>
+            </a:solidFill>
+          </a:ln>
+        </p:spPr>
+        <p:txBody>
+          <a:bodyPr wrap="none" rtlCol="0">
+            <a:spAutoFit/>
+          </a:bodyPr>
+          <a:lstStyle/>
+          <a:p>
+            <a:r>
+              <a:rPr lang="ja-JP" altLang="en-US" sz="1400" dirty="0"/>
+              <a:t>出力：</a:t>
+            </a:r>
+            <a:endParaRPr lang="en-US" altLang="ja-JP" sz="1400" dirty="0"/>
+          </a:p>
+          <a:p>
+            <a:r>
+              <a:rPr lang="en-US" altLang="zh-CN" sz="1400" dirty="0"/>
+              <a:t>['Ho', 'Hi', 'He']</a:t>
+            </a:r>
+            <a:endParaRPr lang="zh-CN" altLang="en-US" sz="1400" dirty="0"/>
+          </a:p>
+        </p:txBody>
+      </p:sp>
+      <p:sp>
+        <p:nvSpPr>
+          <p:cNvPr id="11" name="文本框 10">
+            <a:extLst>
+              <a:ext uri="{FF2B5EF4-FFF2-40B4-BE49-F238E27FC236}">
+                <a16:creationId xmlns:a16="http://schemas.microsoft.com/office/drawing/2014/main" id="{52C543C5-6F8A-2D19-E8DD-B0B7477B7CA5}"/>
+              </a:ext>
+            </a:extLst>
+          </p:cNvPr>
+          <p:cNvSpPr txBox="1"/>
+          <p:nvPr/>
+        </p:nvSpPr>
+        <p:spPr>
+          <a:xfrm>
+            <a:off x="6685583" y="1031051"/>
+            <a:ext cx="5388013" cy="1384995"/>
+          </a:xfrm>
+          <a:prstGeom prst="rect">
+            <a:avLst/>
+          </a:prstGeom>
+          <a:noFill/>
+        </p:spPr>
+        <p:txBody>
+          <a:bodyPr wrap="none" rtlCol="0">
+            <a:spAutoFit/>
+          </a:bodyPr>
+          <a:lstStyle/>
+          <a:p>
+            <a:r>
+              <a:rPr lang="ja-JP" altLang="en-US" sz="1400" dirty="0"/>
+              <a:t>注意すべき：</a:t>
+            </a:r>
+            <a:endParaRPr lang="en-US" altLang="ja-JP" sz="1400" dirty="0"/>
+          </a:p>
+          <a:p>
+            <a:r>
+              <a:rPr lang="en-US" altLang="zh-CN" sz="1400" b="0" dirty="0">
+                <a:solidFill>
+                  <a:srgbClr val="3B3B3B"/>
+                </a:solidFill>
+                <a:effectLst/>
+                <a:highlight>
+                  <a:srgbClr val="FFFFFF"/>
+                </a:highlight>
+                <a:latin typeface="Consolas" panose="020B0609020204030204" pitchFamily="49" charset="0"/>
+              </a:rPr>
+              <a:t>shuffle()</a:t>
+            </a:r>
+            <a:r>
+              <a:rPr lang="ja-JP" altLang="en-US" sz="1400" b="0" dirty="0">
+                <a:solidFill>
+                  <a:srgbClr val="3B3B3B"/>
+                </a:solidFill>
+                <a:effectLst/>
+                <a:highlight>
+                  <a:srgbClr val="FFFFFF"/>
+                </a:highlight>
+                <a:latin typeface="Consolas" panose="020B0609020204030204" pitchFamily="49" charset="0"/>
+              </a:rPr>
+              <a:t>関数は与えられたオブジェクトを直接シャッフルする</a:t>
+            </a:r>
+            <a:endParaRPr lang="en-US" altLang="ja-JP" sz="1400" b="0" dirty="0">
+              <a:solidFill>
+                <a:srgbClr val="3B3B3B"/>
+              </a:solidFill>
+              <a:effectLst/>
+              <a:highlight>
+                <a:srgbClr val="FFFFFF"/>
+              </a:highlight>
+              <a:latin typeface="Consolas" panose="020B0609020204030204" pitchFamily="49" charset="0"/>
+            </a:endParaRPr>
+          </a:p>
+          <a:p>
+            <a:r>
+              <a:rPr lang="ja-JP" altLang="en-US" sz="1400" dirty="0">
+                <a:solidFill>
+                  <a:srgbClr val="3B3B3B"/>
+                </a:solidFill>
+                <a:highlight>
+                  <a:srgbClr val="FFFFFF"/>
+                </a:highlight>
+                <a:latin typeface="Consolas" panose="020B0609020204030204" pitchFamily="49" charset="0"/>
+              </a:rPr>
+              <a:t>新しいオブジェクトを返さない</a:t>
+            </a:r>
+            <a:endParaRPr lang="en-US" altLang="ja-JP" sz="1400" dirty="0"/>
+          </a:p>
+          <a:p>
+            <a:endParaRPr lang="en-US" altLang="zh-CN" sz="1400" dirty="0"/>
+          </a:p>
+          <a:p>
+            <a:r>
+              <a:rPr lang="en-US" altLang="zh-CN" sz="1400" b="0" dirty="0">
+                <a:solidFill>
+                  <a:srgbClr val="001080"/>
+                </a:solidFill>
+                <a:effectLst/>
+                <a:highlight>
+                  <a:srgbClr val="FFFFFF"/>
+                </a:highlight>
+                <a:latin typeface="Consolas" panose="020B0609020204030204" pitchFamily="49" charset="0"/>
+              </a:rPr>
+              <a:t>laughs</a:t>
+            </a:r>
+            <a:r>
+              <a:rPr lang="en-US" altLang="zh-CN" sz="1400" b="0" dirty="0">
+                <a:solidFill>
+                  <a:srgbClr val="3B3B3B"/>
+                </a:solidFill>
+                <a:effectLst/>
+                <a:highlight>
+                  <a:srgbClr val="FFFFFF"/>
+                </a:highlight>
+                <a:latin typeface="Consolas" panose="020B0609020204030204" pitchFamily="49" charset="0"/>
+              </a:rPr>
+              <a:t> </a:t>
+            </a:r>
+            <a:r>
+              <a:rPr lang="en-US" altLang="zh-CN" sz="1400" b="0" dirty="0">
+                <a:solidFill>
+                  <a:srgbClr val="000000"/>
+                </a:solidFill>
+                <a:effectLst/>
+                <a:highlight>
+                  <a:srgbClr val="FFFFFF"/>
+                </a:highlight>
+                <a:latin typeface="Consolas" panose="020B0609020204030204" pitchFamily="49" charset="0"/>
+              </a:rPr>
+              <a:t>=</a:t>
+            </a:r>
+            <a:r>
+              <a:rPr lang="en-US" altLang="zh-CN" sz="1400" b="0" dirty="0">
+                <a:solidFill>
+                  <a:srgbClr val="3B3B3B"/>
+                </a:solidFill>
+                <a:effectLst/>
+                <a:highlight>
+                  <a:srgbClr val="FFFFFF"/>
+                </a:highlight>
+                <a:latin typeface="Consolas" panose="020B0609020204030204" pitchFamily="49" charset="0"/>
+              </a:rPr>
+              <a:t> </a:t>
+            </a:r>
+            <a:r>
+              <a:rPr lang="en-US" altLang="zh-CN" sz="1400" b="0" dirty="0" err="1">
+                <a:solidFill>
+                  <a:srgbClr val="267F99"/>
+                </a:solidFill>
+                <a:effectLst/>
+                <a:highlight>
+                  <a:srgbClr val="FFFFFF"/>
+                </a:highlight>
+                <a:latin typeface="Consolas" panose="020B0609020204030204" pitchFamily="49" charset="0"/>
+              </a:rPr>
+              <a:t>random</a:t>
+            </a:r>
+            <a:r>
+              <a:rPr lang="en-US" altLang="zh-CN" sz="1400" b="0" dirty="0" err="1">
+                <a:solidFill>
+                  <a:srgbClr val="3B3B3B"/>
+                </a:solidFill>
+                <a:effectLst/>
+                <a:highlight>
+                  <a:srgbClr val="FFFFFF"/>
+                </a:highlight>
+                <a:latin typeface="Consolas" panose="020B0609020204030204" pitchFamily="49" charset="0"/>
+              </a:rPr>
+              <a:t>.shuffle</a:t>
+            </a:r>
+            <a:r>
+              <a:rPr lang="en-US" altLang="zh-CN" sz="1400" b="0" dirty="0">
+                <a:solidFill>
+                  <a:srgbClr val="3B3B3B"/>
+                </a:solidFill>
+                <a:effectLst/>
+                <a:highlight>
+                  <a:srgbClr val="FFFFFF"/>
+                </a:highlight>
+                <a:latin typeface="Consolas" panose="020B0609020204030204" pitchFamily="49" charset="0"/>
+              </a:rPr>
+              <a:t>(</a:t>
+            </a:r>
+            <a:r>
+              <a:rPr lang="en-US" altLang="zh-CN" sz="1400" b="0" dirty="0">
+                <a:solidFill>
+                  <a:srgbClr val="001080"/>
+                </a:solidFill>
+                <a:effectLst/>
+                <a:highlight>
+                  <a:srgbClr val="FFFFFF"/>
+                </a:highlight>
+                <a:latin typeface="Consolas" panose="020B0609020204030204" pitchFamily="49" charset="0"/>
+              </a:rPr>
+              <a:t>laughs</a:t>
+            </a:r>
+            <a:r>
+              <a:rPr lang="en-US" altLang="zh-CN" sz="1400" b="0" dirty="0">
+                <a:solidFill>
+                  <a:srgbClr val="3B3B3B"/>
+                </a:solidFill>
+                <a:effectLst/>
+                <a:highlight>
+                  <a:srgbClr val="FFFFFF"/>
+                </a:highlight>
+                <a:latin typeface="Consolas" panose="020B0609020204030204" pitchFamily="49" charset="0"/>
+              </a:rPr>
+              <a:t>)</a:t>
+            </a:r>
+            <a:r>
+              <a:rPr lang="ja-JP" altLang="en-US" sz="1400" b="0" dirty="0">
+                <a:solidFill>
+                  <a:srgbClr val="3B3B3B"/>
+                </a:solidFill>
+                <a:effectLst/>
+                <a:highlight>
+                  <a:srgbClr val="FFFFFF"/>
+                </a:highlight>
+                <a:latin typeface="Consolas" panose="020B0609020204030204" pitchFamily="49" charset="0"/>
+              </a:rPr>
+              <a:t>　　</a:t>
+            </a:r>
+            <a:r>
+              <a:rPr lang="en-US" altLang="ja-JP" sz="1400" b="0" dirty="0">
+                <a:solidFill>
+                  <a:srgbClr val="3B3B3B"/>
+                </a:solidFill>
+                <a:effectLst/>
+                <a:highlight>
+                  <a:srgbClr val="FFFFFF"/>
+                </a:highlight>
+                <a:latin typeface="Consolas" panose="020B0609020204030204" pitchFamily="49" charset="0"/>
+              </a:rPr>
+              <a:t># None</a:t>
+            </a:r>
+            <a:endParaRPr lang="en-US" altLang="zh-CN" sz="1400" b="0" dirty="0">
+              <a:solidFill>
+                <a:srgbClr val="3B3B3B"/>
+              </a:solidFill>
+              <a:effectLst/>
+              <a:highlight>
+                <a:srgbClr val="FFFFFF"/>
+              </a:highlight>
+              <a:latin typeface="Consolas" panose="020B0609020204030204" pitchFamily="49" charset="0"/>
+            </a:endParaRPr>
+          </a:p>
+          <a:p>
+            <a:r>
+              <a:rPr lang="ja-JP" altLang="en-US" sz="1400" dirty="0"/>
+              <a:t>このように書くべきではない</a:t>
+            </a:r>
+            <a:endParaRPr lang="zh-CN" altLang="en-US" sz="1400" dirty="0"/>
+          </a:p>
+        </p:txBody>
+      </p:sp>
+      <p:sp>
+        <p:nvSpPr>
+          <p:cNvPr id="14" name="文本框 13">
+            <a:extLst>
+              <a:ext uri="{FF2B5EF4-FFF2-40B4-BE49-F238E27FC236}">
+                <a16:creationId xmlns:a16="http://schemas.microsoft.com/office/drawing/2014/main" id="{08742234-E080-98F4-9665-F5E95235FC90}"/>
+              </a:ext>
+            </a:extLst>
+          </p:cNvPr>
+          <p:cNvSpPr txBox="1"/>
+          <p:nvPr/>
+        </p:nvSpPr>
+        <p:spPr>
+          <a:xfrm>
+            <a:off x="305570" y="4039998"/>
+            <a:ext cx="6097554" cy="738664"/>
+          </a:xfrm>
+          <a:prstGeom prst="rect">
+            <a:avLst/>
+          </a:prstGeom>
+          <a:noFill/>
+          <a:ln>
+            <a:solidFill>
+              <a:schemeClr val="tx1"/>
+            </a:solidFill>
+          </a:ln>
+        </p:spPr>
+        <p:txBody>
+          <a:bodyPr wrap="square">
+            <a:spAutoFit/>
+          </a:bodyPr>
+          <a:lstStyle/>
+          <a:p>
+            <a:r>
+              <a:rPr lang="en-US" altLang="zh-CN" sz="1400" b="0" dirty="0">
+                <a:solidFill>
+                  <a:srgbClr val="AF00DB"/>
+                </a:solidFill>
+                <a:effectLst/>
+                <a:highlight>
+                  <a:srgbClr val="FFFFFF"/>
+                </a:highlight>
+                <a:latin typeface="Consolas" panose="020B0609020204030204" pitchFamily="49" charset="0"/>
+              </a:rPr>
+              <a:t>import</a:t>
+            </a:r>
+            <a:r>
+              <a:rPr lang="en-US" altLang="zh-CN" sz="1400" b="0" dirty="0">
+                <a:solidFill>
+                  <a:srgbClr val="3B3B3B"/>
+                </a:solidFill>
+                <a:effectLst/>
+                <a:highlight>
+                  <a:srgbClr val="FFFFFF"/>
+                </a:highlight>
+                <a:latin typeface="Consolas" panose="020B0609020204030204" pitchFamily="49" charset="0"/>
+              </a:rPr>
+              <a:t> </a:t>
+            </a:r>
+            <a:r>
+              <a:rPr lang="en-US" altLang="zh-CN" sz="1400" b="0" dirty="0">
+                <a:solidFill>
+                  <a:srgbClr val="267F99"/>
+                </a:solidFill>
+                <a:effectLst/>
+                <a:highlight>
+                  <a:srgbClr val="FFFFFF"/>
+                </a:highlight>
+                <a:latin typeface="Consolas" panose="020B0609020204030204" pitchFamily="49" charset="0"/>
+              </a:rPr>
+              <a:t>random</a:t>
+            </a:r>
+            <a:endParaRPr lang="en-US" altLang="zh-CN" sz="1400" b="0" dirty="0">
+              <a:solidFill>
+                <a:srgbClr val="3B3B3B"/>
+              </a:solidFill>
+              <a:effectLst/>
+              <a:highlight>
+                <a:srgbClr val="FFFFFF"/>
+              </a:highlight>
+              <a:latin typeface="Consolas" panose="020B0609020204030204" pitchFamily="49" charset="0"/>
+            </a:endParaRPr>
+          </a:p>
+          <a:p>
+            <a:r>
+              <a:rPr lang="en-US" altLang="zh-CN" sz="1400" b="0" dirty="0">
+                <a:solidFill>
+                  <a:srgbClr val="001080"/>
+                </a:solidFill>
+                <a:effectLst/>
+                <a:highlight>
+                  <a:srgbClr val="FFFFFF"/>
+                </a:highlight>
+                <a:latin typeface="Consolas" panose="020B0609020204030204" pitchFamily="49" charset="0"/>
+              </a:rPr>
+              <a:t>laughs</a:t>
+            </a:r>
+            <a:r>
+              <a:rPr lang="en-US" altLang="zh-CN" sz="1400" b="0" dirty="0">
+                <a:solidFill>
+                  <a:srgbClr val="3B3B3B"/>
+                </a:solidFill>
+                <a:effectLst/>
+                <a:highlight>
+                  <a:srgbClr val="FFFFFF"/>
+                </a:highlight>
+                <a:latin typeface="Consolas" panose="020B0609020204030204" pitchFamily="49" charset="0"/>
+              </a:rPr>
+              <a:t> </a:t>
+            </a:r>
+            <a:r>
+              <a:rPr lang="en-US" altLang="zh-CN" sz="1400" b="0" dirty="0">
+                <a:solidFill>
+                  <a:srgbClr val="000000"/>
+                </a:solidFill>
+                <a:effectLst/>
+                <a:highlight>
+                  <a:srgbClr val="FFFFFF"/>
+                </a:highlight>
+                <a:latin typeface="Consolas" panose="020B0609020204030204" pitchFamily="49" charset="0"/>
+              </a:rPr>
+              <a:t>=</a:t>
+            </a:r>
+            <a:r>
+              <a:rPr lang="en-US" altLang="zh-CN" sz="1400" b="0" dirty="0">
+                <a:solidFill>
+                  <a:srgbClr val="3B3B3B"/>
+                </a:solidFill>
+                <a:effectLst/>
+                <a:highlight>
+                  <a:srgbClr val="FFFFFF"/>
+                </a:highlight>
+                <a:latin typeface="Consolas" panose="020B0609020204030204" pitchFamily="49" charset="0"/>
+              </a:rPr>
+              <a:t> [</a:t>
+            </a:r>
+            <a:r>
+              <a:rPr lang="en-US" altLang="zh-CN" sz="1400" b="0" dirty="0">
+                <a:solidFill>
+                  <a:srgbClr val="A31515"/>
+                </a:solidFill>
+                <a:effectLst/>
+                <a:highlight>
+                  <a:srgbClr val="FFFFFF"/>
+                </a:highlight>
+                <a:latin typeface="Consolas" panose="020B0609020204030204" pitchFamily="49" charset="0"/>
+              </a:rPr>
+              <a:t>"Hi"</a:t>
+            </a:r>
+            <a:r>
+              <a:rPr lang="en-US" altLang="zh-CN" sz="1400" b="0" dirty="0">
+                <a:solidFill>
+                  <a:srgbClr val="3B3B3B"/>
+                </a:solidFill>
+                <a:effectLst/>
+                <a:highlight>
+                  <a:srgbClr val="FFFFFF"/>
+                </a:highlight>
+                <a:latin typeface="Consolas" panose="020B0609020204030204" pitchFamily="49" charset="0"/>
+              </a:rPr>
+              <a:t>, </a:t>
+            </a:r>
+            <a:r>
+              <a:rPr lang="en-US" altLang="zh-CN" sz="1400" b="0" dirty="0">
+                <a:solidFill>
+                  <a:srgbClr val="A31515"/>
+                </a:solidFill>
+                <a:effectLst/>
+                <a:highlight>
+                  <a:srgbClr val="FFFFFF"/>
+                </a:highlight>
+                <a:latin typeface="Consolas" panose="020B0609020204030204" pitchFamily="49" charset="0"/>
+              </a:rPr>
+              <a:t>"Ho"</a:t>
+            </a:r>
+            <a:r>
+              <a:rPr lang="en-US" altLang="zh-CN" sz="1400" b="0" dirty="0">
+                <a:solidFill>
+                  <a:srgbClr val="3B3B3B"/>
+                </a:solidFill>
+                <a:effectLst/>
+                <a:highlight>
+                  <a:srgbClr val="FFFFFF"/>
+                </a:highlight>
+                <a:latin typeface="Consolas" panose="020B0609020204030204" pitchFamily="49" charset="0"/>
+              </a:rPr>
+              <a:t>, </a:t>
+            </a:r>
+            <a:r>
+              <a:rPr lang="en-US" altLang="zh-CN" sz="1400" b="0" dirty="0">
+                <a:solidFill>
+                  <a:srgbClr val="A31515"/>
+                </a:solidFill>
+                <a:effectLst/>
+                <a:highlight>
+                  <a:srgbClr val="FFFFFF"/>
+                </a:highlight>
+                <a:latin typeface="Consolas" panose="020B0609020204030204" pitchFamily="49" charset="0"/>
+              </a:rPr>
+              <a:t>"He"</a:t>
+            </a:r>
+            <a:r>
+              <a:rPr lang="en-US" altLang="zh-CN" sz="1400" b="0" dirty="0">
+                <a:solidFill>
+                  <a:srgbClr val="3B3B3B"/>
+                </a:solidFill>
+                <a:effectLst/>
+                <a:highlight>
+                  <a:srgbClr val="FFFFFF"/>
+                </a:highlight>
+                <a:latin typeface="Consolas" panose="020B0609020204030204" pitchFamily="49" charset="0"/>
+              </a:rPr>
+              <a:t>]</a:t>
+            </a:r>
+          </a:p>
+          <a:p>
+            <a:r>
+              <a:rPr lang="en-US" altLang="zh-CN" sz="1400" b="0" dirty="0">
+                <a:solidFill>
+                  <a:srgbClr val="795E26"/>
+                </a:solidFill>
+                <a:effectLst/>
+                <a:highlight>
+                  <a:srgbClr val="FFFFFF"/>
+                </a:highlight>
+                <a:latin typeface="Consolas" panose="020B0609020204030204" pitchFamily="49" charset="0"/>
+              </a:rPr>
+              <a:t>print</a:t>
+            </a:r>
+            <a:r>
+              <a:rPr lang="en-US" altLang="zh-CN" sz="1400" b="0" dirty="0">
+                <a:solidFill>
+                  <a:srgbClr val="3B3B3B"/>
+                </a:solidFill>
+                <a:effectLst/>
+                <a:highlight>
+                  <a:srgbClr val="FFFFFF"/>
+                </a:highlight>
+                <a:latin typeface="Consolas" panose="020B0609020204030204" pitchFamily="49" charset="0"/>
+              </a:rPr>
+              <a:t>(</a:t>
+            </a:r>
+            <a:r>
+              <a:rPr lang="en-US" altLang="zh-CN" sz="1400" b="0" dirty="0" err="1">
+                <a:solidFill>
+                  <a:srgbClr val="267F99"/>
+                </a:solidFill>
+                <a:effectLst/>
+                <a:highlight>
+                  <a:srgbClr val="FFFFFF"/>
+                </a:highlight>
+                <a:latin typeface="Consolas" panose="020B0609020204030204" pitchFamily="49" charset="0"/>
+              </a:rPr>
+              <a:t>random</a:t>
+            </a:r>
+            <a:r>
+              <a:rPr lang="en-US" altLang="zh-CN" sz="1400" b="0" dirty="0" err="1">
+                <a:solidFill>
+                  <a:srgbClr val="3B3B3B"/>
+                </a:solidFill>
+                <a:effectLst/>
+                <a:highlight>
+                  <a:srgbClr val="FFFFFF"/>
+                </a:highlight>
+                <a:latin typeface="Consolas" panose="020B0609020204030204" pitchFamily="49" charset="0"/>
+              </a:rPr>
+              <a:t>.choice</a:t>
+            </a:r>
+            <a:r>
+              <a:rPr lang="en-US" altLang="zh-CN" sz="1400" b="0" dirty="0">
+                <a:solidFill>
+                  <a:srgbClr val="3B3B3B"/>
+                </a:solidFill>
+                <a:effectLst/>
+                <a:highlight>
+                  <a:srgbClr val="FFFFFF"/>
+                </a:highlight>
+                <a:latin typeface="Consolas" panose="020B0609020204030204" pitchFamily="49" charset="0"/>
+              </a:rPr>
+              <a:t>(</a:t>
+            </a:r>
+            <a:r>
+              <a:rPr lang="en-US" altLang="zh-CN" sz="1400" b="0" dirty="0">
+                <a:solidFill>
+                  <a:srgbClr val="001080"/>
+                </a:solidFill>
+                <a:effectLst/>
+                <a:highlight>
+                  <a:srgbClr val="FFFFFF"/>
+                </a:highlight>
+                <a:latin typeface="Consolas" panose="020B0609020204030204" pitchFamily="49" charset="0"/>
+              </a:rPr>
+              <a:t>laughs</a:t>
+            </a:r>
+            <a:r>
+              <a:rPr lang="en-US" altLang="zh-CN" sz="1400" b="0" dirty="0">
+                <a:solidFill>
+                  <a:srgbClr val="3B3B3B"/>
+                </a:solidFill>
+                <a:effectLst/>
+                <a:highlight>
+                  <a:srgbClr val="FFFFFF"/>
+                </a:highlight>
+                <a:latin typeface="Consolas" panose="020B0609020204030204" pitchFamily="49" charset="0"/>
+              </a:rPr>
+              <a:t>)) </a:t>
+            </a:r>
+          </a:p>
+        </p:txBody>
+      </p:sp>
+      <p:sp>
+        <p:nvSpPr>
+          <p:cNvPr id="15" name="文本框 14">
+            <a:extLst>
+              <a:ext uri="{FF2B5EF4-FFF2-40B4-BE49-F238E27FC236}">
+                <a16:creationId xmlns:a16="http://schemas.microsoft.com/office/drawing/2014/main" id="{FBCEADF9-8B2A-D441-6CC1-34F40E6F8BF7}"/>
+              </a:ext>
+            </a:extLst>
+          </p:cNvPr>
+          <p:cNvSpPr txBox="1"/>
+          <p:nvPr/>
+        </p:nvSpPr>
+        <p:spPr>
+          <a:xfrm>
+            <a:off x="305570" y="3732221"/>
+            <a:ext cx="5288627" cy="307777"/>
+          </a:xfrm>
+          <a:prstGeom prst="rect">
+            <a:avLst/>
+          </a:prstGeom>
+          <a:noFill/>
+        </p:spPr>
+        <p:txBody>
+          <a:bodyPr wrap="none" rtlCol="0">
+            <a:spAutoFit/>
+          </a:bodyPr>
+          <a:lstStyle/>
+          <a:p>
+            <a:r>
+              <a:rPr lang="en-US" altLang="zh-CN" sz="1400" b="0" dirty="0">
+                <a:solidFill>
+                  <a:srgbClr val="3B3B3B"/>
+                </a:solidFill>
+                <a:effectLst/>
+                <a:highlight>
+                  <a:srgbClr val="FFFFFF"/>
+                </a:highlight>
+                <a:latin typeface="Consolas" panose="020B0609020204030204" pitchFamily="49" charset="0"/>
+              </a:rPr>
+              <a:t>choice()</a:t>
+            </a:r>
+            <a:r>
+              <a:rPr lang="ja-JP" altLang="en-US" sz="1400" b="0" dirty="0">
+                <a:solidFill>
+                  <a:srgbClr val="3B3B3B"/>
+                </a:solidFill>
+                <a:effectLst/>
+                <a:highlight>
+                  <a:srgbClr val="FFFFFF"/>
+                </a:highlight>
+                <a:latin typeface="Consolas" panose="020B0609020204030204" pitchFamily="49" charset="0"/>
+              </a:rPr>
+              <a:t>関数で</a:t>
+            </a:r>
+            <a:r>
+              <a:rPr lang="ja-JP" altLang="en-US" sz="1400" dirty="0">
+                <a:solidFill>
+                  <a:srgbClr val="3B3B3B"/>
+                </a:solidFill>
+                <a:highlight>
+                  <a:srgbClr val="FFFFFF"/>
+                </a:highlight>
+                <a:latin typeface="Consolas" panose="020B0609020204030204" pitchFamily="49" charset="0"/>
+              </a:rPr>
+              <a:t>シーケンスからランダムに要素を一つ選択する</a:t>
+            </a:r>
+            <a:endParaRPr lang="en-US" altLang="zh-CN" sz="1400" b="0" dirty="0">
+              <a:solidFill>
+                <a:srgbClr val="3B3B3B"/>
+              </a:solidFill>
+              <a:effectLst/>
+              <a:highlight>
+                <a:srgbClr val="FFFFFF"/>
+              </a:highlight>
+              <a:latin typeface="Consolas" panose="020B0609020204030204" pitchFamily="49" charset="0"/>
+            </a:endParaRPr>
+          </a:p>
+        </p:txBody>
+      </p:sp>
+      <p:sp>
+        <p:nvSpPr>
+          <p:cNvPr id="16" name="文本框 15">
+            <a:extLst>
+              <a:ext uri="{FF2B5EF4-FFF2-40B4-BE49-F238E27FC236}">
+                <a16:creationId xmlns:a16="http://schemas.microsoft.com/office/drawing/2014/main" id="{7729A671-CCB4-FCE0-72CA-7552E20C7D9F}"/>
+              </a:ext>
+            </a:extLst>
+          </p:cNvPr>
+          <p:cNvSpPr txBox="1"/>
+          <p:nvPr/>
+        </p:nvSpPr>
+        <p:spPr>
+          <a:xfrm>
+            <a:off x="305570" y="4921799"/>
+            <a:ext cx="723275" cy="523220"/>
+          </a:xfrm>
+          <a:prstGeom prst="rect">
+            <a:avLst/>
+          </a:prstGeom>
+          <a:noFill/>
+          <a:ln>
+            <a:solidFill>
+              <a:schemeClr val="tx1"/>
+            </a:solidFill>
+          </a:ln>
+        </p:spPr>
+        <p:txBody>
+          <a:bodyPr wrap="none" rtlCol="0">
+            <a:spAutoFit/>
+          </a:bodyPr>
+          <a:lstStyle/>
+          <a:p>
+            <a:r>
+              <a:rPr lang="ja-JP" altLang="en-US" sz="1400" dirty="0"/>
+              <a:t>出力：</a:t>
+            </a:r>
+            <a:endParaRPr lang="en-US" altLang="ja-JP" sz="1400" dirty="0"/>
+          </a:p>
+          <a:p>
+            <a:r>
+              <a:rPr lang="en-US" altLang="zh-CN" sz="1400" dirty="0"/>
+              <a:t>Ho</a:t>
+            </a:r>
+            <a:endParaRPr lang="zh-CN" altLang="en-US" sz="1400" dirty="0"/>
+          </a:p>
+        </p:txBody>
+      </p:sp>
+    </p:spTree>
+    <p:extLst>
+      <p:ext uri="{BB962C8B-B14F-4D97-AF65-F5344CB8AC3E}">
+        <p14:creationId xmlns:p14="http://schemas.microsoft.com/office/powerpoint/2010/main" val="1848370778"/>
       </p:ext>
     </p:extLst>
   </p:cSld>
@@ -21749,6 +24401,1672 @@
     <p:extLst>
       <p:ext uri="{BB962C8B-B14F-4D97-AF65-F5344CB8AC3E}">
         <p14:creationId xmlns:p14="http://schemas.microsoft.com/office/powerpoint/2010/main" val="1515691937"/>
+      </p:ext>
+    </p:extLst>
+  </p:cSld>
+  <p:clrMapOvr>
+    <a:masterClrMapping/>
+  </p:clrMapOvr>
+</p:sld>
+</file>
+
+<file path=ppt/slides/slide20.xml><?xml version="1.0" encoding="utf-8"?>
+<p:sld xmlns:a="http://schemas.openxmlformats.org/drawingml/2006/main" xmlns:r="http://schemas.openxmlformats.org/officeDocument/2006/relationships" xmlns:p="http://schemas.openxmlformats.org/presentationml/2006/main">
+  <p:cSld>
+    <p:spTree>
+      <p:nvGrpSpPr>
+        <p:cNvPr id="1" name=""/>
+        <p:cNvGrpSpPr/>
+        <p:nvPr/>
+      </p:nvGrpSpPr>
+      <p:grpSpPr>
+        <a:xfrm>
+          <a:off x="0" y="0"/>
+          <a:ext cx="0" cy="0"/>
+          <a:chOff x="0" y="0"/>
+          <a:chExt cx="0" cy="0"/>
+        </a:xfrm>
+      </p:grpSpPr>
+      <p:sp>
+        <p:nvSpPr>
+          <p:cNvPr id="4" name="矩形: 圆角 3">
+            <a:extLst>
+              <a:ext uri="{FF2B5EF4-FFF2-40B4-BE49-F238E27FC236}">
+                <a16:creationId xmlns:a16="http://schemas.microsoft.com/office/drawing/2014/main" id="{866A1306-2120-2B30-7A6A-781A28385D6D}"/>
+              </a:ext>
+            </a:extLst>
+          </p:cNvPr>
+          <p:cNvSpPr/>
+          <p:nvPr/>
+        </p:nvSpPr>
+        <p:spPr>
+          <a:xfrm flipV="1">
+            <a:off x="305570" y="523220"/>
+            <a:ext cx="11377352" cy="64193"/>
+          </a:xfrm>
+          <a:prstGeom prst="roundRect">
+            <a:avLst/>
+          </a:prstGeom>
+        </p:spPr>
+        <p:style>
+          <a:lnRef idx="2">
+            <a:schemeClr val="accent1">
+              <a:shade val="50000"/>
+            </a:schemeClr>
+          </a:lnRef>
+          <a:fillRef idx="1">
+            <a:schemeClr val="accent1"/>
+          </a:fillRef>
+          <a:effectRef idx="0">
+            <a:schemeClr val="accent1"/>
+          </a:effectRef>
+          <a:fontRef idx="minor">
+            <a:schemeClr val="lt1"/>
+          </a:fontRef>
+        </p:style>
+        <p:txBody>
+          <a:bodyPr rtlCol="0" anchor="ctr"/>
+          <a:lstStyle/>
+          <a:p>
+            <a:pPr algn="ctr"/>
+            <a:endParaRPr lang="zh-CN" altLang="en-US"/>
+          </a:p>
+        </p:txBody>
+      </p:sp>
+      <p:sp>
+        <p:nvSpPr>
+          <p:cNvPr id="5" name="文本框 4">
+            <a:extLst>
+              <a:ext uri="{FF2B5EF4-FFF2-40B4-BE49-F238E27FC236}">
+                <a16:creationId xmlns:a16="http://schemas.microsoft.com/office/drawing/2014/main" id="{6FF74BA9-D2C8-5CBE-0585-F2F644B9AECB}"/>
+              </a:ext>
+            </a:extLst>
+          </p:cNvPr>
+          <p:cNvSpPr txBox="1"/>
+          <p:nvPr/>
+        </p:nvSpPr>
+        <p:spPr>
+          <a:xfrm>
+            <a:off x="305570" y="0"/>
+            <a:ext cx="10152138" cy="523220"/>
+          </a:xfrm>
+          <a:prstGeom prst="rect">
+            <a:avLst/>
+          </a:prstGeom>
+          <a:noFill/>
+        </p:spPr>
+        <p:txBody>
+          <a:bodyPr wrap="none" rtlCol="0">
+            <a:spAutoFit/>
+          </a:bodyPr>
+          <a:lstStyle/>
+          <a:p>
+            <a:r>
+              <a:rPr lang="en-US" altLang="zh-CN" sz="2800" dirty="0"/>
+              <a:t>Section 55.3: Random and sequences: shuffle, choice and sample</a:t>
+            </a:r>
+            <a:endParaRPr lang="zh-CN" altLang="en-US" sz="2800" b="1" dirty="0"/>
+          </a:p>
+        </p:txBody>
+      </p:sp>
+      <p:sp>
+        <p:nvSpPr>
+          <p:cNvPr id="3" name="文本框 2">
+            <a:extLst>
+              <a:ext uri="{FF2B5EF4-FFF2-40B4-BE49-F238E27FC236}">
+                <a16:creationId xmlns:a16="http://schemas.microsoft.com/office/drawing/2014/main" id="{D38F830F-BC19-48D8-2AEA-FD8114931E3D}"/>
+              </a:ext>
+            </a:extLst>
+          </p:cNvPr>
+          <p:cNvSpPr txBox="1"/>
+          <p:nvPr/>
+        </p:nvSpPr>
+        <p:spPr>
+          <a:xfrm>
+            <a:off x="305570" y="723274"/>
+            <a:ext cx="6545382" cy="307777"/>
+          </a:xfrm>
+          <a:prstGeom prst="rect">
+            <a:avLst/>
+          </a:prstGeom>
+          <a:noFill/>
+        </p:spPr>
+        <p:txBody>
+          <a:bodyPr wrap="none" rtlCol="0">
+            <a:spAutoFit/>
+          </a:bodyPr>
+          <a:lstStyle/>
+          <a:p>
+            <a:r>
+              <a:rPr lang="en-US" altLang="zh-CN" sz="1400" b="0" dirty="0">
+                <a:solidFill>
+                  <a:srgbClr val="3B3B3B"/>
+                </a:solidFill>
+                <a:effectLst/>
+                <a:highlight>
+                  <a:srgbClr val="FFFFFF"/>
+                </a:highlight>
+                <a:latin typeface="Consolas" panose="020B0609020204030204" pitchFamily="49" charset="0"/>
+              </a:rPr>
+              <a:t>sample()</a:t>
+            </a:r>
+            <a:r>
+              <a:rPr lang="ja-JP" altLang="en-US" sz="1400" b="0" dirty="0">
+                <a:solidFill>
+                  <a:srgbClr val="3B3B3B"/>
+                </a:solidFill>
+                <a:effectLst/>
+                <a:highlight>
+                  <a:srgbClr val="FFFFFF"/>
+                </a:highlight>
+                <a:latin typeface="Consolas" panose="020B0609020204030204" pitchFamily="49" charset="0"/>
+              </a:rPr>
+              <a:t>関数でシーケンスからランダムに指定された個数でサンプリングする</a:t>
+            </a:r>
+            <a:endParaRPr lang="en-US" altLang="zh-CN" sz="1400" b="0" dirty="0">
+              <a:solidFill>
+                <a:srgbClr val="3B3B3B"/>
+              </a:solidFill>
+              <a:effectLst/>
+              <a:highlight>
+                <a:srgbClr val="FFFFFF"/>
+              </a:highlight>
+              <a:latin typeface="Consolas" panose="020B0609020204030204" pitchFamily="49" charset="0"/>
+            </a:endParaRPr>
+          </a:p>
+        </p:txBody>
+      </p:sp>
+      <p:sp>
+        <p:nvSpPr>
+          <p:cNvPr id="8" name="文本框 7">
+            <a:extLst>
+              <a:ext uri="{FF2B5EF4-FFF2-40B4-BE49-F238E27FC236}">
+                <a16:creationId xmlns:a16="http://schemas.microsoft.com/office/drawing/2014/main" id="{5057A7F2-F6F6-B6F1-A8AA-B4D024730B58}"/>
+              </a:ext>
+            </a:extLst>
+          </p:cNvPr>
+          <p:cNvSpPr txBox="1"/>
+          <p:nvPr/>
+        </p:nvSpPr>
+        <p:spPr>
+          <a:xfrm>
+            <a:off x="305570" y="1298524"/>
+            <a:ext cx="7961352" cy="738664"/>
+          </a:xfrm>
+          <a:prstGeom prst="rect">
+            <a:avLst/>
+          </a:prstGeom>
+          <a:noFill/>
+          <a:ln>
+            <a:solidFill>
+              <a:schemeClr val="tx1"/>
+            </a:solidFill>
+          </a:ln>
+        </p:spPr>
+        <p:txBody>
+          <a:bodyPr wrap="square">
+            <a:spAutoFit/>
+          </a:bodyPr>
+          <a:lstStyle/>
+          <a:p>
+            <a:r>
+              <a:rPr lang="en-US" altLang="zh-CN" sz="1400" b="0" dirty="0">
+                <a:solidFill>
+                  <a:srgbClr val="AF00DB"/>
+                </a:solidFill>
+                <a:effectLst/>
+                <a:highlight>
+                  <a:srgbClr val="FFFFFF"/>
+                </a:highlight>
+                <a:latin typeface="Consolas" panose="020B0609020204030204" pitchFamily="49" charset="0"/>
+              </a:rPr>
+              <a:t>import</a:t>
+            </a:r>
+            <a:r>
+              <a:rPr lang="en-US" altLang="zh-CN" sz="1400" b="0" dirty="0">
+                <a:solidFill>
+                  <a:srgbClr val="3B3B3B"/>
+                </a:solidFill>
+                <a:effectLst/>
+                <a:highlight>
+                  <a:srgbClr val="FFFFFF"/>
+                </a:highlight>
+                <a:latin typeface="Consolas" panose="020B0609020204030204" pitchFamily="49" charset="0"/>
+              </a:rPr>
+              <a:t> </a:t>
+            </a:r>
+            <a:r>
+              <a:rPr lang="en-US" altLang="zh-CN" sz="1400" b="0" dirty="0">
+                <a:solidFill>
+                  <a:srgbClr val="267F99"/>
+                </a:solidFill>
+                <a:effectLst/>
+                <a:highlight>
+                  <a:srgbClr val="FFFFFF"/>
+                </a:highlight>
+                <a:latin typeface="Consolas" panose="020B0609020204030204" pitchFamily="49" charset="0"/>
+              </a:rPr>
+              <a:t>random</a:t>
+            </a:r>
+            <a:endParaRPr lang="en-US" altLang="zh-CN" sz="1400" b="0" dirty="0">
+              <a:solidFill>
+                <a:srgbClr val="3B3B3B"/>
+              </a:solidFill>
+              <a:effectLst/>
+              <a:highlight>
+                <a:srgbClr val="FFFFFF"/>
+              </a:highlight>
+              <a:latin typeface="Consolas" panose="020B0609020204030204" pitchFamily="49" charset="0"/>
+            </a:endParaRPr>
+          </a:p>
+          <a:p>
+            <a:r>
+              <a:rPr lang="en-US" altLang="zh-CN" sz="1400" b="0" dirty="0">
+                <a:solidFill>
+                  <a:srgbClr val="001080"/>
+                </a:solidFill>
+                <a:effectLst/>
+                <a:highlight>
+                  <a:srgbClr val="FFFFFF"/>
+                </a:highlight>
+                <a:latin typeface="Consolas" panose="020B0609020204030204" pitchFamily="49" charset="0"/>
+              </a:rPr>
+              <a:t>laughs</a:t>
+            </a:r>
+            <a:r>
+              <a:rPr lang="en-US" altLang="zh-CN" sz="1400" b="0" dirty="0">
+                <a:solidFill>
+                  <a:srgbClr val="3B3B3B"/>
+                </a:solidFill>
+                <a:effectLst/>
+                <a:highlight>
+                  <a:srgbClr val="FFFFFF"/>
+                </a:highlight>
+                <a:latin typeface="Consolas" panose="020B0609020204030204" pitchFamily="49" charset="0"/>
+              </a:rPr>
+              <a:t> </a:t>
+            </a:r>
+            <a:r>
+              <a:rPr lang="en-US" altLang="zh-CN" sz="1400" b="0" dirty="0">
+                <a:solidFill>
+                  <a:srgbClr val="000000"/>
+                </a:solidFill>
+                <a:effectLst/>
+                <a:highlight>
+                  <a:srgbClr val="FFFFFF"/>
+                </a:highlight>
+                <a:latin typeface="Consolas" panose="020B0609020204030204" pitchFamily="49" charset="0"/>
+              </a:rPr>
+              <a:t>=</a:t>
+            </a:r>
+            <a:r>
+              <a:rPr lang="en-US" altLang="zh-CN" sz="1400" b="0" dirty="0">
+                <a:solidFill>
+                  <a:srgbClr val="3B3B3B"/>
+                </a:solidFill>
+                <a:effectLst/>
+                <a:highlight>
+                  <a:srgbClr val="FFFFFF"/>
+                </a:highlight>
+                <a:latin typeface="Consolas" panose="020B0609020204030204" pitchFamily="49" charset="0"/>
+              </a:rPr>
+              <a:t> [</a:t>
+            </a:r>
+            <a:r>
+              <a:rPr lang="en-US" altLang="zh-CN" sz="1400" b="0" dirty="0">
+                <a:solidFill>
+                  <a:srgbClr val="A31515"/>
+                </a:solidFill>
+                <a:effectLst/>
+                <a:highlight>
+                  <a:srgbClr val="FFFFFF"/>
+                </a:highlight>
+                <a:latin typeface="Consolas" panose="020B0609020204030204" pitchFamily="49" charset="0"/>
+              </a:rPr>
+              <a:t>"Hi"</a:t>
+            </a:r>
+            <a:r>
+              <a:rPr lang="en-US" altLang="zh-CN" sz="1400" b="0" dirty="0">
+                <a:solidFill>
+                  <a:srgbClr val="3B3B3B"/>
+                </a:solidFill>
+                <a:effectLst/>
+                <a:highlight>
+                  <a:srgbClr val="FFFFFF"/>
+                </a:highlight>
+                <a:latin typeface="Consolas" panose="020B0609020204030204" pitchFamily="49" charset="0"/>
+              </a:rPr>
+              <a:t>, </a:t>
+            </a:r>
+            <a:r>
+              <a:rPr lang="en-US" altLang="zh-CN" sz="1400" b="0" dirty="0">
+                <a:solidFill>
+                  <a:srgbClr val="A31515"/>
+                </a:solidFill>
+                <a:effectLst/>
+                <a:highlight>
+                  <a:srgbClr val="FFFFFF"/>
+                </a:highlight>
+                <a:latin typeface="Consolas" panose="020B0609020204030204" pitchFamily="49" charset="0"/>
+              </a:rPr>
+              <a:t>"Ho"</a:t>
+            </a:r>
+            <a:r>
+              <a:rPr lang="en-US" altLang="zh-CN" sz="1400" b="0" dirty="0">
+                <a:solidFill>
+                  <a:srgbClr val="3B3B3B"/>
+                </a:solidFill>
+                <a:effectLst/>
+                <a:highlight>
+                  <a:srgbClr val="FFFFFF"/>
+                </a:highlight>
+                <a:latin typeface="Consolas" panose="020B0609020204030204" pitchFamily="49" charset="0"/>
+              </a:rPr>
+              <a:t>, </a:t>
+            </a:r>
+            <a:r>
+              <a:rPr lang="en-US" altLang="zh-CN" sz="1400" b="0" dirty="0">
+                <a:solidFill>
+                  <a:srgbClr val="A31515"/>
+                </a:solidFill>
+                <a:effectLst/>
+                <a:highlight>
+                  <a:srgbClr val="FFFFFF"/>
+                </a:highlight>
+                <a:latin typeface="Consolas" panose="020B0609020204030204" pitchFamily="49" charset="0"/>
+              </a:rPr>
+              <a:t>"He"</a:t>
+            </a:r>
+            <a:r>
+              <a:rPr lang="en-US" altLang="zh-CN" sz="1400" b="0" dirty="0">
+                <a:solidFill>
+                  <a:srgbClr val="3B3B3B"/>
+                </a:solidFill>
+                <a:effectLst/>
+                <a:highlight>
+                  <a:srgbClr val="FFFFFF"/>
+                </a:highlight>
+                <a:latin typeface="Consolas" panose="020B0609020204030204" pitchFamily="49" charset="0"/>
+              </a:rPr>
+              <a:t>]</a:t>
+            </a:r>
+          </a:p>
+          <a:p>
+            <a:r>
+              <a:rPr lang="en-US" altLang="zh-CN" sz="1400" b="0" dirty="0">
+                <a:solidFill>
+                  <a:srgbClr val="795E26"/>
+                </a:solidFill>
+                <a:effectLst/>
+                <a:highlight>
+                  <a:srgbClr val="FFFFFF"/>
+                </a:highlight>
+                <a:latin typeface="Consolas" panose="020B0609020204030204" pitchFamily="49" charset="0"/>
+              </a:rPr>
+              <a:t>print</a:t>
+            </a:r>
+            <a:r>
+              <a:rPr lang="en-US" altLang="zh-CN" sz="1400" b="0" dirty="0">
+                <a:solidFill>
+                  <a:srgbClr val="3B3B3B"/>
+                </a:solidFill>
+                <a:effectLst/>
+                <a:highlight>
+                  <a:srgbClr val="FFFFFF"/>
+                </a:highlight>
+                <a:latin typeface="Consolas" panose="020B0609020204030204" pitchFamily="49" charset="0"/>
+              </a:rPr>
+              <a:t>(</a:t>
+            </a:r>
+            <a:r>
+              <a:rPr lang="en-US" altLang="zh-CN" sz="1400" b="0" dirty="0" err="1">
+                <a:solidFill>
+                  <a:srgbClr val="267F99"/>
+                </a:solidFill>
+                <a:effectLst/>
+                <a:highlight>
+                  <a:srgbClr val="FFFFFF"/>
+                </a:highlight>
+                <a:latin typeface="Consolas" panose="020B0609020204030204" pitchFamily="49" charset="0"/>
+              </a:rPr>
+              <a:t>random</a:t>
+            </a:r>
+            <a:r>
+              <a:rPr lang="en-US" altLang="zh-CN" sz="1400" b="0" dirty="0" err="1">
+                <a:solidFill>
+                  <a:srgbClr val="3B3B3B"/>
+                </a:solidFill>
+                <a:effectLst/>
+                <a:highlight>
+                  <a:srgbClr val="FFFFFF"/>
+                </a:highlight>
+                <a:latin typeface="Consolas" panose="020B0609020204030204" pitchFamily="49" charset="0"/>
+              </a:rPr>
+              <a:t>.sample</a:t>
+            </a:r>
+            <a:r>
+              <a:rPr lang="en-US" altLang="zh-CN" sz="1400" b="0" dirty="0">
+                <a:solidFill>
+                  <a:srgbClr val="3B3B3B"/>
+                </a:solidFill>
+                <a:effectLst/>
+                <a:highlight>
+                  <a:srgbClr val="FFFFFF"/>
+                </a:highlight>
+                <a:latin typeface="Consolas" panose="020B0609020204030204" pitchFamily="49" charset="0"/>
+              </a:rPr>
+              <a:t>( </a:t>
+            </a:r>
+            <a:r>
+              <a:rPr lang="en-US" altLang="zh-CN" sz="1400" b="0" dirty="0">
+                <a:solidFill>
+                  <a:srgbClr val="001080"/>
+                </a:solidFill>
+                <a:effectLst/>
+                <a:highlight>
+                  <a:srgbClr val="FFFFFF"/>
+                </a:highlight>
+                <a:latin typeface="Consolas" panose="020B0609020204030204" pitchFamily="49" charset="0"/>
+              </a:rPr>
+              <a:t>laughs</a:t>
+            </a:r>
+            <a:r>
+              <a:rPr lang="en-US" altLang="zh-CN" sz="1400" b="0" dirty="0">
+                <a:solidFill>
+                  <a:srgbClr val="3B3B3B"/>
+                </a:solidFill>
+                <a:effectLst/>
+                <a:highlight>
+                  <a:srgbClr val="FFFFFF"/>
+                </a:highlight>
+                <a:latin typeface="Consolas" panose="020B0609020204030204" pitchFamily="49" charset="0"/>
+              </a:rPr>
+              <a:t> , </a:t>
+            </a:r>
+            <a:r>
+              <a:rPr lang="en-US" altLang="zh-CN" sz="1400" b="0" dirty="0">
+                <a:solidFill>
+                  <a:srgbClr val="098658"/>
+                </a:solidFill>
+                <a:effectLst/>
+                <a:highlight>
+                  <a:srgbClr val="FFFFFF"/>
+                </a:highlight>
+                <a:latin typeface="Consolas" panose="020B0609020204030204" pitchFamily="49" charset="0"/>
+              </a:rPr>
+              <a:t>2</a:t>
+            </a:r>
+            <a:r>
+              <a:rPr lang="en-US" altLang="zh-CN" sz="1400" b="0" dirty="0">
+                <a:solidFill>
+                  <a:srgbClr val="3B3B3B"/>
+                </a:solidFill>
+                <a:effectLst/>
+                <a:highlight>
+                  <a:srgbClr val="FFFFFF"/>
+                </a:highlight>
+                <a:latin typeface="Consolas" panose="020B0609020204030204" pitchFamily="49" charset="0"/>
+              </a:rPr>
+              <a:t> )) </a:t>
+            </a:r>
+            <a:r>
+              <a:rPr lang="en-US" altLang="ja-JP" sz="1400" b="0" dirty="0">
+                <a:solidFill>
+                  <a:srgbClr val="008000"/>
+                </a:solidFill>
+                <a:effectLst/>
+                <a:highlight>
+                  <a:srgbClr val="FFFFFF"/>
+                </a:highlight>
+                <a:latin typeface="Consolas" panose="020B0609020204030204" pitchFamily="49" charset="0"/>
+              </a:rPr>
+              <a:t># sample(</a:t>
+            </a:r>
+            <a:r>
+              <a:rPr lang="ja-JP" altLang="en-US" sz="1400" b="0" dirty="0">
+                <a:solidFill>
+                  <a:srgbClr val="008000"/>
+                </a:solidFill>
+                <a:effectLst/>
+                <a:highlight>
+                  <a:srgbClr val="FFFFFF"/>
+                </a:highlight>
+                <a:latin typeface="Consolas" panose="020B0609020204030204" pitchFamily="49" charset="0"/>
+              </a:rPr>
+              <a:t>オブジェクト</a:t>
+            </a:r>
+            <a:r>
+              <a:rPr lang="en-US" altLang="ja-JP" sz="1400" b="0" dirty="0">
+                <a:solidFill>
+                  <a:srgbClr val="008000"/>
+                </a:solidFill>
+                <a:effectLst/>
+                <a:highlight>
+                  <a:srgbClr val="FFFFFF"/>
+                </a:highlight>
+                <a:latin typeface="Consolas" panose="020B0609020204030204" pitchFamily="49" charset="0"/>
+              </a:rPr>
+              <a:t>, </a:t>
+            </a:r>
+            <a:r>
+              <a:rPr lang="ja-JP" altLang="en-US" sz="1400" b="0" dirty="0">
+                <a:solidFill>
+                  <a:srgbClr val="008000"/>
+                </a:solidFill>
+                <a:effectLst/>
+                <a:highlight>
+                  <a:srgbClr val="FFFFFF"/>
+                </a:highlight>
+                <a:latin typeface="Consolas" panose="020B0609020204030204" pitchFamily="49" charset="0"/>
+              </a:rPr>
+              <a:t>指定された個数</a:t>
+            </a:r>
+            <a:r>
+              <a:rPr lang="en-US" altLang="ja-JP" sz="1400" b="0" dirty="0">
+                <a:solidFill>
+                  <a:srgbClr val="008000"/>
+                </a:solidFill>
+                <a:effectLst/>
+                <a:highlight>
+                  <a:srgbClr val="FFFFFF"/>
+                </a:highlight>
+                <a:latin typeface="Consolas" panose="020B0609020204030204" pitchFamily="49" charset="0"/>
+              </a:rPr>
+              <a:t>)</a:t>
+            </a:r>
+            <a:endParaRPr lang="ja-JP" altLang="en-US" sz="1400" b="0" dirty="0">
+              <a:solidFill>
+                <a:srgbClr val="3B3B3B"/>
+              </a:solidFill>
+              <a:effectLst/>
+              <a:highlight>
+                <a:srgbClr val="FFFFFF"/>
+              </a:highlight>
+              <a:latin typeface="Consolas" panose="020B0609020204030204" pitchFamily="49" charset="0"/>
+            </a:endParaRPr>
+          </a:p>
+        </p:txBody>
+      </p:sp>
+      <p:sp>
+        <p:nvSpPr>
+          <p:cNvPr id="9" name="文本框 8">
+            <a:extLst>
+              <a:ext uri="{FF2B5EF4-FFF2-40B4-BE49-F238E27FC236}">
+                <a16:creationId xmlns:a16="http://schemas.microsoft.com/office/drawing/2014/main" id="{C3FBBF4E-D7CB-F778-D97D-F3178473291F}"/>
+              </a:ext>
+            </a:extLst>
+          </p:cNvPr>
+          <p:cNvSpPr txBox="1"/>
+          <p:nvPr/>
+        </p:nvSpPr>
+        <p:spPr>
+          <a:xfrm>
+            <a:off x="305570" y="2304661"/>
+            <a:ext cx="933269" cy="523220"/>
+          </a:xfrm>
+          <a:prstGeom prst="rect">
+            <a:avLst/>
+          </a:prstGeom>
+          <a:noFill/>
+          <a:ln>
+            <a:solidFill>
+              <a:schemeClr val="tx1"/>
+            </a:solidFill>
+          </a:ln>
+        </p:spPr>
+        <p:txBody>
+          <a:bodyPr wrap="none" rtlCol="0">
+            <a:spAutoFit/>
+          </a:bodyPr>
+          <a:lstStyle/>
+          <a:p>
+            <a:r>
+              <a:rPr lang="ja-JP" altLang="en-US" sz="1400" dirty="0"/>
+              <a:t>出力：</a:t>
+            </a:r>
+            <a:endParaRPr lang="en-US" altLang="zh-CN" sz="1400" dirty="0"/>
+          </a:p>
+          <a:p>
+            <a:r>
+              <a:rPr lang="en-US" altLang="zh-CN" sz="1400" dirty="0"/>
+              <a:t>['Hi', 'Ho']</a:t>
+            </a:r>
+            <a:endParaRPr lang="zh-CN" altLang="en-US" sz="1400" dirty="0"/>
+          </a:p>
+        </p:txBody>
+      </p:sp>
+      <p:sp>
+        <p:nvSpPr>
+          <p:cNvPr id="13" name="文本框 12">
+            <a:extLst>
+              <a:ext uri="{FF2B5EF4-FFF2-40B4-BE49-F238E27FC236}">
+                <a16:creationId xmlns:a16="http://schemas.microsoft.com/office/drawing/2014/main" id="{B146616B-49CA-A7F0-56CF-00DCC0BB1976}"/>
+              </a:ext>
+            </a:extLst>
+          </p:cNvPr>
+          <p:cNvSpPr txBox="1"/>
+          <p:nvPr/>
+        </p:nvSpPr>
+        <p:spPr>
+          <a:xfrm>
+            <a:off x="305570" y="3185578"/>
+            <a:ext cx="8530520" cy="738664"/>
+          </a:xfrm>
+          <a:prstGeom prst="rect">
+            <a:avLst/>
+          </a:prstGeom>
+          <a:noFill/>
+          <a:ln>
+            <a:solidFill>
+              <a:schemeClr val="tx1"/>
+            </a:solidFill>
+          </a:ln>
+        </p:spPr>
+        <p:txBody>
+          <a:bodyPr wrap="square" rtlCol="0">
+            <a:spAutoFit/>
+          </a:bodyPr>
+          <a:lstStyle/>
+          <a:p>
+            <a:r>
+              <a:rPr lang="en-US" altLang="zh-CN" sz="1400" b="0" dirty="0">
+                <a:solidFill>
+                  <a:srgbClr val="AF00DB"/>
+                </a:solidFill>
+                <a:effectLst/>
+                <a:highlight>
+                  <a:srgbClr val="FFFFFF"/>
+                </a:highlight>
+                <a:latin typeface="Consolas" panose="020B0609020204030204" pitchFamily="49" charset="0"/>
+              </a:rPr>
+              <a:t>import</a:t>
+            </a:r>
+            <a:r>
+              <a:rPr lang="en-US" altLang="zh-CN" sz="1400" b="0" dirty="0">
+                <a:solidFill>
+                  <a:srgbClr val="3B3B3B"/>
+                </a:solidFill>
+                <a:effectLst/>
+                <a:highlight>
+                  <a:srgbClr val="FFFFFF"/>
+                </a:highlight>
+                <a:latin typeface="Consolas" panose="020B0609020204030204" pitchFamily="49" charset="0"/>
+              </a:rPr>
+              <a:t> </a:t>
+            </a:r>
+            <a:r>
+              <a:rPr lang="en-US" altLang="zh-CN" sz="1400" b="0" dirty="0">
+                <a:solidFill>
+                  <a:srgbClr val="267F99"/>
+                </a:solidFill>
+                <a:effectLst/>
+                <a:highlight>
+                  <a:srgbClr val="FFFFFF"/>
+                </a:highlight>
+                <a:latin typeface="Consolas" panose="020B0609020204030204" pitchFamily="49" charset="0"/>
+              </a:rPr>
+              <a:t>random</a:t>
+            </a:r>
+            <a:endParaRPr lang="en-US" altLang="zh-CN" sz="1400" b="0" dirty="0">
+              <a:solidFill>
+                <a:srgbClr val="3B3B3B"/>
+              </a:solidFill>
+              <a:effectLst/>
+              <a:highlight>
+                <a:srgbClr val="FFFFFF"/>
+              </a:highlight>
+              <a:latin typeface="Consolas" panose="020B0609020204030204" pitchFamily="49" charset="0"/>
+            </a:endParaRPr>
+          </a:p>
+          <a:p>
+            <a:r>
+              <a:rPr lang="en-US" altLang="zh-CN" sz="1400" b="0" dirty="0">
+                <a:solidFill>
+                  <a:srgbClr val="001080"/>
+                </a:solidFill>
+                <a:effectLst/>
+                <a:highlight>
+                  <a:srgbClr val="FFFFFF"/>
+                </a:highlight>
+                <a:latin typeface="Consolas" panose="020B0609020204030204" pitchFamily="49" charset="0"/>
+              </a:rPr>
+              <a:t>laughs</a:t>
+            </a:r>
+            <a:r>
+              <a:rPr lang="en-US" altLang="zh-CN" sz="1400" b="0" dirty="0">
+                <a:solidFill>
+                  <a:srgbClr val="3B3B3B"/>
+                </a:solidFill>
+                <a:effectLst/>
+                <a:highlight>
+                  <a:srgbClr val="FFFFFF"/>
+                </a:highlight>
+                <a:latin typeface="Consolas" panose="020B0609020204030204" pitchFamily="49" charset="0"/>
+              </a:rPr>
+              <a:t> </a:t>
+            </a:r>
+            <a:r>
+              <a:rPr lang="en-US" altLang="zh-CN" sz="1400" b="0" dirty="0">
+                <a:solidFill>
+                  <a:srgbClr val="000000"/>
+                </a:solidFill>
+                <a:effectLst/>
+                <a:highlight>
+                  <a:srgbClr val="FFFFFF"/>
+                </a:highlight>
+                <a:latin typeface="Consolas" panose="020B0609020204030204" pitchFamily="49" charset="0"/>
+              </a:rPr>
+              <a:t>=</a:t>
+            </a:r>
+            <a:r>
+              <a:rPr lang="en-US" altLang="zh-CN" sz="1400" b="0" dirty="0">
+                <a:solidFill>
+                  <a:srgbClr val="3B3B3B"/>
+                </a:solidFill>
+                <a:effectLst/>
+                <a:highlight>
+                  <a:srgbClr val="FFFFFF"/>
+                </a:highlight>
+                <a:latin typeface="Consolas" panose="020B0609020204030204" pitchFamily="49" charset="0"/>
+              </a:rPr>
+              <a:t> [</a:t>
+            </a:r>
+            <a:r>
+              <a:rPr lang="en-US" altLang="zh-CN" sz="1400" b="0" dirty="0">
+                <a:solidFill>
+                  <a:srgbClr val="A31515"/>
+                </a:solidFill>
+                <a:effectLst/>
+                <a:highlight>
+                  <a:srgbClr val="FFFFFF"/>
+                </a:highlight>
+                <a:latin typeface="Consolas" panose="020B0609020204030204" pitchFamily="49" charset="0"/>
+              </a:rPr>
+              <a:t>"Hi"</a:t>
+            </a:r>
+            <a:r>
+              <a:rPr lang="en-US" altLang="zh-CN" sz="1400" b="0" dirty="0">
+                <a:solidFill>
+                  <a:srgbClr val="3B3B3B"/>
+                </a:solidFill>
+                <a:effectLst/>
+                <a:highlight>
+                  <a:srgbClr val="FFFFFF"/>
+                </a:highlight>
+                <a:latin typeface="Consolas" panose="020B0609020204030204" pitchFamily="49" charset="0"/>
+              </a:rPr>
+              <a:t>, </a:t>
+            </a:r>
+            <a:r>
+              <a:rPr lang="en-US" altLang="zh-CN" sz="1400" b="0" dirty="0">
+                <a:solidFill>
+                  <a:srgbClr val="A31515"/>
+                </a:solidFill>
+                <a:effectLst/>
+                <a:highlight>
+                  <a:srgbClr val="FFFFFF"/>
+                </a:highlight>
+                <a:latin typeface="Consolas" panose="020B0609020204030204" pitchFamily="49" charset="0"/>
+              </a:rPr>
+              <a:t>"Ho"</a:t>
+            </a:r>
+            <a:r>
+              <a:rPr lang="en-US" altLang="zh-CN" sz="1400" b="0" dirty="0">
+                <a:solidFill>
+                  <a:srgbClr val="3B3B3B"/>
+                </a:solidFill>
+                <a:effectLst/>
+                <a:highlight>
+                  <a:srgbClr val="FFFFFF"/>
+                </a:highlight>
+                <a:latin typeface="Consolas" panose="020B0609020204030204" pitchFamily="49" charset="0"/>
+              </a:rPr>
+              <a:t>, </a:t>
+            </a:r>
+            <a:r>
+              <a:rPr lang="en-US" altLang="zh-CN" sz="1400" b="0" dirty="0">
+                <a:solidFill>
+                  <a:srgbClr val="A31515"/>
+                </a:solidFill>
+                <a:effectLst/>
+                <a:highlight>
+                  <a:srgbClr val="FFFFFF"/>
+                </a:highlight>
+                <a:latin typeface="Consolas" panose="020B0609020204030204" pitchFamily="49" charset="0"/>
+              </a:rPr>
+              <a:t>"He"</a:t>
+            </a:r>
+            <a:r>
+              <a:rPr lang="en-US" altLang="zh-CN" sz="1400" b="0" dirty="0">
+                <a:solidFill>
+                  <a:srgbClr val="3B3B3B"/>
+                </a:solidFill>
+                <a:effectLst/>
+                <a:highlight>
+                  <a:srgbClr val="FFFFFF"/>
+                </a:highlight>
+                <a:latin typeface="Consolas" panose="020B0609020204030204" pitchFamily="49" charset="0"/>
+              </a:rPr>
+              <a:t>]</a:t>
+            </a:r>
+          </a:p>
+          <a:p>
+            <a:r>
+              <a:rPr lang="en-US" altLang="zh-CN" sz="1400" b="0" dirty="0">
+                <a:solidFill>
+                  <a:srgbClr val="795E26"/>
+                </a:solidFill>
+                <a:effectLst/>
+                <a:highlight>
+                  <a:srgbClr val="FFFFFF"/>
+                </a:highlight>
+                <a:latin typeface="Consolas" panose="020B0609020204030204" pitchFamily="49" charset="0"/>
+              </a:rPr>
+              <a:t>print</a:t>
+            </a:r>
+            <a:r>
+              <a:rPr lang="en-US" altLang="zh-CN" sz="1400" b="0" dirty="0">
+                <a:solidFill>
+                  <a:srgbClr val="3B3B3B"/>
+                </a:solidFill>
+                <a:effectLst/>
+                <a:highlight>
+                  <a:srgbClr val="FFFFFF"/>
+                </a:highlight>
+                <a:latin typeface="Consolas" panose="020B0609020204030204" pitchFamily="49" charset="0"/>
+              </a:rPr>
+              <a:t>(</a:t>
+            </a:r>
+            <a:r>
+              <a:rPr lang="en-US" altLang="zh-CN" sz="1400" b="0" dirty="0" err="1">
+                <a:solidFill>
+                  <a:srgbClr val="267F99"/>
+                </a:solidFill>
+                <a:effectLst/>
+                <a:highlight>
+                  <a:srgbClr val="FFFFFF"/>
+                </a:highlight>
+                <a:latin typeface="Consolas" panose="020B0609020204030204" pitchFamily="49" charset="0"/>
+              </a:rPr>
+              <a:t>random</a:t>
+            </a:r>
+            <a:r>
+              <a:rPr lang="en-US" altLang="zh-CN" sz="1400" b="0" dirty="0" err="1">
+                <a:solidFill>
+                  <a:srgbClr val="3B3B3B"/>
+                </a:solidFill>
+                <a:effectLst/>
+                <a:highlight>
+                  <a:srgbClr val="FFFFFF"/>
+                </a:highlight>
+                <a:latin typeface="Consolas" panose="020B0609020204030204" pitchFamily="49" charset="0"/>
+              </a:rPr>
+              <a:t>.sample</a:t>
+            </a:r>
+            <a:r>
+              <a:rPr lang="en-US" altLang="zh-CN" sz="1400" b="0" dirty="0">
+                <a:solidFill>
+                  <a:srgbClr val="3B3B3B"/>
+                </a:solidFill>
+                <a:effectLst/>
+                <a:highlight>
+                  <a:srgbClr val="FFFFFF"/>
+                </a:highlight>
+                <a:latin typeface="Consolas" panose="020B0609020204030204" pitchFamily="49" charset="0"/>
+              </a:rPr>
+              <a:t>( </a:t>
+            </a:r>
+            <a:r>
+              <a:rPr lang="en-US" altLang="zh-CN" sz="1400" b="0" dirty="0">
+                <a:solidFill>
+                  <a:srgbClr val="001080"/>
+                </a:solidFill>
+                <a:effectLst/>
+                <a:highlight>
+                  <a:srgbClr val="FFFFFF"/>
+                </a:highlight>
+                <a:latin typeface="Consolas" panose="020B0609020204030204" pitchFamily="49" charset="0"/>
+              </a:rPr>
+              <a:t>laughs</a:t>
+            </a:r>
+            <a:r>
+              <a:rPr lang="en-US" altLang="zh-CN" sz="1400" b="0" dirty="0">
+                <a:solidFill>
+                  <a:srgbClr val="3B3B3B"/>
+                </a:solidFill>
+                <a:effectLst/>
+                <a:highlight>
+                  <a:srgbClr val="FFFFFF"/>
+                </a:highlight>
+                <a:latin typeface="Consolas" panose="020B0609020204030204" pitchFamily="49" charset="0"/>
+              </a:rPr>
+              <a:t> , </a:t>
+            </a:r>
+            <a:r>
+              <a:rPr lang="en-US" altLang="zh-CN" sz="1400" b="0" dirty="0">
+                <a:solidFill>
+                  <a:srgbClr val="098658"/>
+                </a:solidFill>
+                <a:effectLst/>
+                <a:highlight>
+                  <a:srgbClr val="FFFFFF"/>
+                </a:highlight>
+                <a:latin typeface="Consolas" panose="020B0609020204030204" pitchFamily="49" charset="0"/>
+              </a:rPr>
+              <a:t>3</a:t>
+            </a:r>
+            <a:r>
+              <a:rPr lang="en-US" altLang="zh-CN" sz="1400" b="0" dirty="0">
+                <a:solidFill>
+                  <a:srgbClr val="3B3B3B"/>
+                </a:solidFill>
+                <a:effectLst/>
+                <a:highlight>
+                  <a:srgbClr val="FFFFFF"/>
+                </a:highlight>
+                <a:latin typeface="Consolas" panose="020B0609020204030204" pitchFamily="49" charset="0"/>
+              </a:rPr>
+              <a:t> ))  </a:t>
+            </a:r>
+            <a:r>
+              <a:rPr lang="en-US" altLang="zh-CN" sz="1400" dirty="0">
+                <a:solidFill>
+                  <a:srgbClr val="008000"/>
+                </a:solidFill>
+                <a:highlight>
+                  <a:srgbClr val="FFFFFF"/>
+                </a:highlight>
+                <a:latin typeface="Consolas" panose="020B0609020204030204" pitchFamily="49" charset="0"/>
+              </a:rPr>
+              <a:t># </a:t>
+            </a:r>
+            <a:r>
+              <a:rPr lang="ja-JP" altLang="en-US" sz="1400" dirty="0">
+                <a:solidFill>
+                  <a:srgbClr val="008000"/>
+                </a:solidFill>
+                <a:highlight>
+                  <a:srgbClr val="FFFFFF"/>
+                </a:highlight>
+                <a:latin typeface="Consolas" panose="020B0609020204030204" pitchFamily="49" charset="0"/>
+              </a:rPr>
+              <a:t>一つの要素を二回選択されたことがない</a:t>
+            </a:r>
+            <a:r>
+              <a:rPr lang="en-US" altLang="zh-CN" sz="1400" dirty="0">
+                <a:solidFill>
+                  <a:srgbClr val="008000"/>
+                </a:solidFill>
+                <a:highlight>
+                  <a:srgbClr val="FFFFFF"/>
+                </a:highlight>
+                <a:latin typeface="Consolas" panose="020B0609020204030204" pitchFamily="49" charset="0"/>
+              </a:rPr>
+              <a:t>  </a:t>
+            </a:r>
+          </a:p>
+        </p:txBody>
+      </p:sp>
+      <p:sp>
+        <p:nvSpPr>
+          <p:cNvPr id="19" name="文本框 18">
+            <a:extLst>
+              <a:ext uri="{FF2B5EF4-FFF2-40B4-BE49-F238E27FC236}">
+                <a16:creationId xmlns:a16="http://schemas.microsoft.com/office/drawing/2014/main" id="{B1A7E26E-55DA-22E3-0741-D74669E5735C}"/>
+              </a:ext>
+            </a:extLst>
+          </p:cNvPr>
+          <p:cNvSpPr txBox="1"/>
+          <p:nvPr/>
+        </p:nvSpPr>
+        <p:spPr>
+          <a:xfrm>
+            <a:off x="305570" y="4163737"/>
+            <a:ext cx="1321196" cy="523220"/>
+          </a:xfrm>
+          <a:prstGeom prst="rect">
+            <a:avLst/>
+          </a:prstGeom>
+          <a:noFill/>
+          <a:ln>
+            <a:solidFill>
+              <a:schemeClr val="tx1"/>
+            </a:solidFill>
+          </a:ln>
+        </p:spPr>
+        <p:txBody>
+          <a:bodyPr wrap="none" rtlCol="0">
+            <a:spAutoFit/>
+          </a:bodyPr>
+          <a:lstStyle/>
+          <a:p>
+            <a:r>
+              <a:rPr lang="ja-JP" altLang="en-US" sz="1400" dirty="0"/>
+              <a:t>出力：</a:t>
+            </a:r>
+            <a:endParaRPr lang="en-US" altLang="zh-CN" sz="1400" dirty="0"/>
+          </a:p>
+          <a:p>
+            <a:r>
+              <a:rPr lang="zh-CN" altLang="en-US" sz="1400" dirty="0"/>
+              <a:t>['He', 'Hi', 'Ho']</a:t>
+            </a:r>
+          </a:p>
+        </p:txBody>
+      </p:sp>
+      <p:sp>
+        <p:nvSpPr>
+          <p:cNvPr id="20" name="文本框 19">
+            <a:extLst>
+              <a:ext uri="{FF2B5EF4-FFF2-40B4-BE49-F238E27FC236}">
+                <a16:creationId xmlns:a16="http://schemas.microsoft.com/office/drawing/2014/main" id="{504EEA40-9DA5-C1B5-4395-99CC7E96DB47}"/>
+              </a:ext>
+            </a:extLst>
+          </p:cNvPr>
+          <p:cNvSpPr txBox="1"/>
+          <p:nvPr/>
+        </p:nvSpPr>
+        <p:spPr>
+          <a:xfrm>
+            <a:off x="1949709" y="4217584"/>
+            <a:ext cx="4673074" cy="307777"/>
+          </a:xfrm>
+          <a:prstGeom prst="rect">
+            <a:avLst/>
+          </a:prstGeom>
+          <a:noFill/>
+        </p:spPr>
+        <p:txBody>
+          <a:bodyPr wrap="none" rtlCol="0">
+            <a:spAutoFit/>
+          </a:bodyPr>
+          <a:lstStyle/>
+          <a:p>
+            <a:r>
+              <a:rPr lang="ja-JP" altLang="en-US" sz="1400" dirty="0"/>
+              <a:t>元のリストと比べると要素の順番が変わるかもしれない</a:t>
+            </a:r>
+            <a:endParaRPr lang="zh-CN" altLang="en-US" sz="1400" dirty="0"/>
+          </a:p>
+        </p:txBody>
+      </p:sp>
+      <p:sp>
+        <p:nvSpPr>
+          <p:cNvPr id="21" name="文本框 20">
+            <a:extLst>
+              <a:ext uri="{FF2B5EF4-FFF2-40B4-BE49-F238E27FC236}">
+                <a16:creationId xmlns:a16="http://schemas.microsoft.com/office/drawing/2014/main" id="{BAF9B497-943C-F753-4A35-D4D55ACA06B1}"/>
+              </a:ext>
+            </a:extLst>
+          </p:cNvPr>
+          <p:cNvSpPr txBox="1"/>
+          <p:nvPr/>
+        </p:nvSpPr>
+        <p:spPr>
+          <a:xfrm>
+            <a:off x="305570" y="5223721"/>
+            <a:ext cx="8530520" cy="738664"/>
+          </a:xfrm>
+          <a:prstGeom prst="rect">
+            <a:avLst/>
+          </a:prstGeom>
+          <a:noFill/>
+          <a:ln>
+            <a:solidFill>
+              <a:schemeClr val="tx1"/>
+            </a:solidFill>
+          </a:ln>
+        </p:spPr>
+        <p:txBody>
+          <a:bodyPr wrap="square" rtlCol="0">
+            <a:spAutoFit/>
+          </a:bodyPr>
+          <a:lstStyle/>
+          <a:p>
+            <a:r>
+              <a:rPr lang="en-US" altLang="zh-CN" sz="1400" b="0" dirty="0">
+                <a:solidFill>
+                  <a:srgbClr val="AF00DB"/>
+                </a:solidFill>
+                <a:effectLst/>
+                <a:highlight>
+                  <a:srgbClr val="FFFFFF"/>
+                </a:highlight>
+                <a:latin typeface="Consolas" panose="020B0609020204030204" pitchFamily="49" charset="0"/>
+              </a:rPr>
+              <a:t>import</a:t>
+            </a:r>
+            <a:r>
+              <a:rPr lang="en-US" altLang="zh-CN" sz="1400" b="0" dirty="0">
+                <a:solidFill>
+                  <a:srgbClr val="3B3B3B"/>
+                </a:solidFill>
+                <a:effectLst/>
+                <a:highlight>
+                  <a:srgbClr val="FFFFFF"/>
+                </a:highlight>
+                <a:latin typeface="Consolas" panose="020B0609020204030204" pitchFamily="49" charset="0"/>
+              </a:rPr>
+              <a:t> </a:t>
+            </a:r>
+            <a:r>
+              <a:rPr lang="en-US" altLang="zh-CN" sz="1400" b="0" dirty="0">
+                <a:solidFill>
+                  <a:srgbClr val="267F99"/>
+                </a:solidFill>
+                <a:effectLst/>
+                <a:highlight>
+                  <a:srgbClr val="FFFFFF"/>
+                </a:highlight>
+                <a:latin typeface="Consolas" panose="020B0609020204030204" pitchFamily="49" charset="0"/>
+              </a:rPr>
+              <a:t>random</a:t>
+            </a:r>
+            <a:endParaRPr lang="en-US" altLang="zh-CN" sz="1400" b="0" dirty="0">
+              <a:solidFill>
+                <a:srgbClr val="3B3B3B"/>
+              </a:solidFill>
+              <a:effectLst/>
+              <a:highlight>
+                <a:srgbClr val="FFFFFF"/>
+              </a:highlight>
+              <a:latin typeface="Consolas" panose="020B0609020204030204" pitchFamily="49" charset="0"/>
+            </a:endParaRPr>
+          </a:p>
+          <a:p>
+            <a:r>
+              <a:rPr lang="en-US" altLang="zh-CN" sz="1400" b="0" dirty="0">
+                <a:solidFill>
+                  <a:srgbClr val="001080"/>
+                </a:solidFill>
+                <a:effectLst/>
+                <a:highlight>
+                  <a:srgbClr val="FFFFFF"/>
+                </a:highlight>
+                <a:latin typeface="Consolas" panose="020B0609020204030204" pitchFamily="49" charset="0"/>
+              </a:rPr>
+              <a:t>laughs</a:t>
+            </a:r>
+            <a:r>
+              <a:rPr lang="en-US" altLang="zh-CN" sz="1400" b="0" dirty="0">
+                <a:solidFill>
+                  <a:srgbClr val="3B3B3B"/>
+                </a:solidFill>
+                <a:effectLst/>
+                <a:highlight>
+                  <a:srgbClr val="FFFFFF"/>
+                </a:highlight>
+                <a:latin typeface="Consolas" panose="020B0609020204030204" pitchFamily="49" charset="0"/>
+              </a:rPr>
+              <a:t> </a:t>
+            </a:r>
+            <a:r>
+              <a:rPr lang="en-US" altLang="zh-CN" sz="1400" b="0" dirty="0">
+                <a:solidFill>
+                  <a:srgbClr val="000000"/>
+                </a:solidFill>
+                <a:effectLst/>
+                <a:highlight>
+                  <a:srgbClr val="FFFFFF"/>
+                </a:highlight>
+                <a:latin typeface="Consolas" panose="020B0609020204030204" pitchFamily="49" charset="0"/>
+              </a:rPr>
+              <a:t>=</a:t>
+            </a:r>
+            <a:r>
+              <a:rPr lang="en-US" altLang="zh-CN" sz="1400" b="0" dirty="0">
+                <a:solidFill>
+                  <a:srgbClr val="3B3B3B"/>
+                </a:solidFill>
+                <a:effectLst/>
+                <a:highlight>
+                  <a:srgbClr val="FFFFFF"/>
+                </a:highlight>
+                <a:latin typeface="Consolas" panose="020B0609020204030204" pitchFamily="49" charset="0"/>
+              </a:rPr>
+              <a:t> [</a:t>
+            </a:r>
+            <a:r>
+              <a:rPr lang="en-US" altLang="zh-CN" sz="1400" b="0" dirty="0">
+                <a:solidFill>
+                  <a:srgbClr val="A31515"/>
+                </a:solidFill>
+                <a:effectLst/>
+                <a:highlight>
+                  <a:srgbClr val="FFFFFF"/>
+                </a:highlight>
+                <a:latin typeface="Consolas" panose="020B0609020204030204" pitchFamily="49" charset="0"/>
+              </a:rPr>
+              <a:t>"Hi"</a:t>
+            </a:r>
+            <a:r>
+              <a:rPr lang="en-US" altLang="zh-CN" sz="1400" b="0" dirty="0">
+                <a:solidFill>
+                  <a:srgbClr val="3B3B3B"/>
+                </a:solidFill>
+                <a:effectLst/>
+                <a:highlight>
+                  <a:srgbClr val="FFFFFF"/>
+                </a:highlight>
+                <a:latin typeface="Consolas" panose="020B0609020204030204" pitchFamily="49" charset="0"/>
+              </a:rPr>
+              <a:t>, </a:t>
+            </a:r>
+            <a:r>
+              <a:rPr lang="en-US" altLang="zh-CN" sz="1400" b="0" dirty="0">
+                <a:solidFill>
+                  <a:srgbClr val="A31515"/>
+                </a:solidFill>
+                <a:effectLst/>
+                <a:highlight>
+                  <a:srgbClr val="FFFFFF"/>
+                </a:highlight>
+                <a:latin typeface="Consolas" panose="020B0609020204030204" pitchFamily="49" charset="0"/>
+              </a:rPr>
+              <a:t>"Ho"</a:t>
+            </a:r>
+            <a:r>
+              <a:rPr lang="en-US" altLang="zh-CN" sz="1400" b="0" dirty="0">
+                <a:solidFill>
+                  <a:srgbClr val="3B3B3B"/>
+                </a:solidFill>
+                <a:effectLst/>
+                <a:highlight>
+                  <a:srgbClr val="FFFFFF"/>
+                </a:highlight>
+                <a:latin typeface="Consolas" panose="020B0609020204030204" pitchFamily="49" charset="0"/>
+              </a:rPr>
+              <a:t>, </a:t>
+            </a:r>
+            <a:r>
+              <a:rPr lang="en-US" altLang="zh-CN" sz="1400" b="0" dirty="0">
+                <a:solidFill>
+                  <a:srgbClr val="A31515"/>
+                </a:solidFill>
+                <a:effectLst/>
+                <a:highlight>
+                  <a:srgbClr val="FFFFFF"/>
+                </a:highlight>
+                <a:latin typeface="Consolas" panose="020B0609020204030204" pitchFamily="49" charset="0"/>
+              </a:rPr>
+              <a:t>"He"</a:t>
+            </a:r>
+            <a:r>
+              <a:rPr lang="en-US" altLang="zh-CN" sz="1400" b="0" dirty="0">
+                <a:solidFill>
+                  <a:srgbClr val="3B3B3B"/>
+                </a:solidFill>
+                <a:effectLst/>
+                <a:highlight>
+                  <a:srgbClr val="FFFFFF"/>
+                </a:highlight>
+                <a:latin typeface="Consolas" panose="020B0609020204030204" pitchFamily="49" charset="0"/>
+              </a:rPr>
+              <a:t>]</a:t>
+            </a:r>
+          </a:p>
+          <a:p>
+            <a:r>
+              <a:rPr lang="en-US" altLang="zh-CN" sz="1400" b="0" dirty="0">
+                <a:solidFill>
+                  <a:srgbClr val="795E26"/>
+                </a:solidFill>
+                <a:effectLst/>
+                <a:highlight>
+                  <a:srgbClr val="FFFFFF"/>
+                </a:highlight>
+                <a:latin typeface="Consolas" panose="020B0609020204030204" pitchFamily="49" charset="0"/>
+              </a:rPr>
+              <a:t>print</a:t>
+            </a:r>
+            <a:r>
+              <a:rPr lang="en-US" altLang="zh-CN" sz="1400" b="0" dirty="0">
+                <a:solidFill>
+                  <a:srgbClr val="3B3B3B"/>
+                </a:solidFill>
+                <a:effectLst/>
+                <a:highlight>
+                  <a:srgbClr val="FFFFFF"/>
+                </a:highlight>
+                <a:latin typeface="Consolas" panose="020B0609020204030204" pitchFamily="49" charset="0"/>
+              </a:rPr>
+              <a:t>(</a:t>
+            </a:r>
+            <a:r>
+              <a:rPr lang="en-US" altLang="zh-CN" sz="1400" b="0" dirty="0" err="1">
+                <a:solidFill>
+                  <a:srgbClr val="267F99"/>
+                </a:solidFill>
+                <a:effectLst/>
+                <a:highlight>
+                  <a:srgbClr val="FFFFFF"/>
+                </a:highlight>
+                <a:latin typeface="Consolas" panose="020B0609020204030204" pitchFamily="49" charset="0"/>
+              </a:rPr>
+              <a:t>random</a:t>
+            </a:r>
+            <a:r>
+              <a:rPr lang="en-US" altLang="zh-CN" sz="1400" b="0" dirty="0" err="1">
+                <a:solidFill>
+                  <a:srgbClr val="3B3B3B"/>
+                </a:solidFill>
+                <a:effectLst/>
+                <a:highlight>
+                  <a:srgbClr val="FFFFFF"/>
+                </a:highlight>
+                <a:latin typeface="Consolas" panose="020B0609020204030204" pitchFamily="49" charset="0"/>
+              </a:rPr>
+              <a:t>.sample</a:t>
+            </a:r>
+            <a:r>
+              <a:rPr lang="en-US" altLang="zh-CN" sz="1400" b="0" dirty="0">
+                <a:solidFill>
+                  <a:srgbClr val="3B3B3B"/>
+                </a:solidFill>
+                <a:effectLst/>
+                <a:highlight>
+                  <a:srgbClr val="FFFFFF"/>
+                </a:highlight>
+                <a:latin typeface="Consolas" panose="020B0609020204030204" pitchFamily="49" charset="0"/>
+              </a:rPr>
+              <a:t>( </a:t>
+            </a:r>
+            <a:r>
+              <a:rPr lang="en-US" altLang="zh-CN" sz="1400" b="0" dirty="0">
+                <a:solidFill>
+                  <a:srgbClr val="001080"/>
+                </a:solidFill>
+                <a:effectLst/>
+                <a:highlight>
+                  <a:srgbClr val="FFFFFF"/>
+                </a:highlight>
+                <a:latin typeface="Consolas" panose="020B0609020204030204" pitchFamily="49" charset="0"/>
+              </a:rPr>
+              <a:t>laughs</a:t>
+            </a:r>
+            <a:r>
+              <a:rPr lang="en-US" altLang="zh-CN" sz="1400" b="0" dirty="0">
+                <a:solidFill>
+                  <a:srgbClr val="3B3B3B"/>
+                </a:solidFill>
+                <a:effectLst/>
+                <a:highlight>
+                  <a:srgbClr val="FFFFFF"/>
+                </a:highlight>
+                <a:latin typeface="Consolas" panose="020B0609020204030204" pitchFamily="49" charset="0"/>
+              </a:rPr>
+              <a:t> , </a:t>
+            </a:r>
+            <a:r>
+              <a:rPr lang="en-US" altLang="zh-CN" sz="1400" dirty="0">
+                <a:solidFill>
+                  <a:srgbClr val="098658"/>
+                </a:solidFill>
+                <a:highlight>
+                  <a:srgbClr val="FFFFFF"/>
+                </a:highlight>
+                <a:latin typeface="Consolas" panose="020B0609020204030204" pitchFamily="49" charset="0"/>
+              </a:rPr>
+              <a:t>4</a:t>
+            </a:r>
+            <a:r>
+              <a:rPr lang="en-US" altLang="zh-CN" sz="1400" b="0" dirty="0">
+                <a:solidFill>
+                  <a:srgbClr val="3B3B3B"/>
+                </a:solidFill>
+                <a:effectLst/>
+                <a:highlight>
+                  <a:srgbClr val="FFFFFF"/>
+                </a:highlight>
+                <a:latin typeface="Consolas" panose="020B0609020204030204" pitchFamily="49" charset="0"/>
+              </a:rPr>
+              <a:t> )) </a:t>
+            </a:r>
+            <a:r>
+              <a:rPr lang="en-US" altLang="zh-CN" sz="1400" dirty="0">
+                <a:solidFill>
+                  <a:srgbClr val="008000"/>
+                </a:solidFill>
+                <a:highlight>
+                  <a:srgbClr val="FFFFFF"/>
+                </a:highlight>
+                <a:latin typeface="Consolas" panose="020B0609020204030204" pitchFamily="49" charset="0"/>
+              </a:rPr>
+              <a:t># </a:t>
+            </a:r>
+            <a:r>
+              <a:rPr lang="ja-JP" altLang="en-US" sz="1400" dirty="0">
+                <a:solidFill>
+                  <a:srgbClr val="008000"/>
+                </a:solidFill>
+                <a:highlight>
+                  <a:srgbClr val="FFFFFF"/>
+                </a:highlight>
+                <a:latin typeface="Consolas" panose="020B0609020204030204" pitchFamily="49" charset="0"/>
+              </a:rPr>
+              <a:t>指定された個数はリストの長さより大きい</a:t>
+            </a:r>
+            <a:endParaRPr lang="en-US" altLang="zh-CN" sz="1400" dirty="0">
+              <a:solidFill>
+                <a:srgbClr val="008000"/>
+              </a:solidFill>
+              <a:highlight>
+                <a:srgbClr val="FFFFFF"/>
+              </a:highlight>
+              <a:latin typeface="Consolas" panose="020B0609020204030204" pitchFamily="49" charset="0"/>
+            </a:endParaRPr>
+          </a:p>
+        </p:txBody>
+      </p:sp>
+      <p:sp>
+        <p:nvSpPr>
+          <p:cNvPr id="22" name="文本框 21">
+            <a:extLst>
+              <a:ext uri="{FF2B5EF4-FFF2-40B4-BE49-F238E27FC236}">
+                <a16:creationId xmlns:a16="http://schemas.microsoft.com/office/drawing/2014/main" id="{294732FB-849C-812F-A77A-8243BFF7AF82}"/>
+              </a:ext>
+            </a:extLst>
+          </p:cNvPr>
+          <p:cNvSpPr txBox="1"/>
+          <p:nvPr/>
+        </p:nvSpPr>
+        <p:spPr>
+          <a:xfrm>
+            <a:off x="305570" y="6134726"/>
+            <a:ext cx="4515980" cy="523220"/>
+          </a:xfrm>
+          <a:prstGeom prst="rect">
+            <a:avLst/>
+          </a:prstGeom>
+          <a:noFill/>
+          <a:ln>
+            <a:solidFill>
+              <a:schemeClr val="tx1"/>
+            </a:solidFill>
+          </a:ln>
+        </p:spPr>
+        <p:txBody>
+          <a:bodyPr wrap="none" rtlCol="0">
+            <a:spAutoFit/>
+          </a:bodyPr>
+          <a:lstStyle/>
+          <a:p>
+            <a:r>
+              <a:rPr lang="ja-JP" altLang="en-US" sz="1400" dirty="0"/>
+              <a:t>出力：</a:t>
+            </a:r>
+            <a:endParaRPr lang="en-US" altLang="zh-CN" sz="1400" dirty="0"/>
+          </a:p>
+          <a:p>
+            <a:r>
+              <a:rPr lang="en-US" altLang="zh-CN" sz="1400" dirty="0" err="1"/>
+              <a:t>ValueError</a:t>
+            </a:r>
+            <a:r>
+              <a:rPr lang="en-US" altLang="zh-CN" sz="1400" dirty="0"/>
+              <a:t>: Sample larger than population or is negative</a:t>
+            </a:r>
+            <a:endParaRPr lang="zh-CN" altLang="en-US" sz="1400" dirty="0"/>
+          </a:p>
+        </p:txBody>
+      </p:sp>
+    </p:spTree>
+    <p:extLst>
+      <p:ext uri="{BB962C8B-B14F-4D97-AF65-F5344CB8AC3E}">
+        <p14:creationId xmlns:p14="http://schemas.microsoft.com/office/powerpoint/2010/main" val="2553960592"/>
+      </p:ext>
+    </p:extLst>
+  </p:cSld>
+  <p:clrMapOvr>
+    <a:masterClrMapping/>
+  </p:clrMapOvr>
+</p:sld>
+</file>
+
+<file path=ppt/slides/slide21.xml><?xml version="1.0" encoding="utf-8"?>
+<p:sld xmlns:a="http://schemas.openxmlformats.org/drawingml/2006/main" xmlns:r="http://schemas.openxmlformats.org/officeDocument/2006/relationships" xmlns:p="http://schemas.openxmlformats.org/presentationml/2006/main">
+  <p:cSld>
+    <p:spTree>
+      <p:nvGrpSpPr>
+        <p:cNvPr id="1" name=""/>
+        <p:cNvGrpSpPr/>
+        <p:nvPr/>
+      </p:nvGrpSpPr>
+      <p:grpSpPr>
+        <a:xfrm>
+          <a:off x="0" y="0"/>
+          <a:ext cx="0" cy="0"/>
+          <a:chOff x="0" y="0"/>
+          <a:chExt cx="0" cy="0"/>
+        </a:xfrm>
+      </p:grpSpPr>
+      <p:sp>
+        <p:nvSpPr>
+          <p:cNvPr id="2" name="タイトル 1">
+            <a:extLst>
+              <a:ext uri="{FF2B5EF4-FFF2-40B4-BE49-F238E27FC236}">
+                <a16:creationId xmlns:a16="http://schemas.microsoft.com/office/drawing/2014/main" id="{B8C3F505-9741-574E-9738-17282F80B4C0}"/>
+              </a:ext>
+            </a:extLst>
+          </p:cNvPr>
+          <p:cNvSpPr>
+            <a:spLocks noGrp="1"/>
+          </p:cNvSpPr>
+          <p:nvPr>
+            <p:ph type="ctrTitle"/>
+          </p:nvPr>
+        </p:nvSpPr>
+        <p:spPr>
+          <a:xfrm>
+            <a:off x="1524000" y="1468582"/>
+            <a:ext cx="9144000" cy="1514908"/>
+          </a:xfrm>
+        </p:spPr>
+        <p:txBody>
+          <a:bodyPr>
+            <a:normAutofit/>
+          </a:bodyPr>
+          <a:lstStyle/>
+          <a:p>
+            <a:r>
+              <a:rPr kumimoji="1" lang="en-US" altLang="zh-CN" dirty="0"/>
+              <a:t>Thanks</a:t>
+            </a:r>
+            <a:endParaRPr kumimoji="1" lang="ja-JP" altLang="en-US" dirty="0"/>
+          </a:p>
+        </p:txBody>
+      </p:sp>
+      <p:sp>
+        <p:nvSpPr>
+          <p:cNvPr id="3" name="字幕 2">
+            <a:extLst>
+              <a:ext uri="{FF2B5EF4-FFF2-40B4-BE49-F238E27FC236}">
+                <a16:creationId xmlns:a16="http://schemas.microsoft.com/office/drawing/2014/main" id="{3EA3BA17-AE87-314A-9817-A038BCA7C7E0}"/>
+              </a:ext>
+            </a:extLst>
+          </p:cNvPr>
+          <p:cNvSpPr>
+            <a:spLocks noGrp="1"/>
+          </p:cNvSpPr>
+          <p:nvPr>
+            <p:ph type="subTitle" idx="1"/>
+          </p:nvPr>
+        </p:nvSpPr>
+        <p:spPr>
+          <a:xfrm>
+            <a:off x="1524000" y="4105275"/>
+            <a:ext cx="9144000" cy="1655762"/>
+          </a:xfrm>
+        </p:spPr>
+        <p:txBody>
+          <a:bodyPr/>
+          <a:lstStyle/>
+          <a:p>
+            <a:r>
+              <a:rPr lang="en-US" altLang="ja-JP" dirty="0"/>
+              <a:t>M230641</a:t>
+            </a:r>
+            <a:r>
+              <a:rPr kumimoji="1" lang="en-US" altLang="ja-JP" dirty="0"/>
+              <a:t>	</a:t>
+            </a:r>
+            <a:r>
+              <a:rPr kumimoji="1" lang="ja-JP" altLang="en-US" dirty="0"/>
+              <a:t>劉　崇玖</a:t>
+            </a:r>
+          </a:p>
+        </p:txBody>
+      </p:sp>
+      <p:sp>
+        <p:nvSpPr>
+          <p:cNvPr id="4" name="矩形: 圆角 3">
+            <a:extLst>
+              <a:ext uri="{FF2B5EF4-FFF2-40B4-BE49-F238E27FC236}">
+                <a16:creationId xmlns:a16="http://schemas.microsoft.com/office/drawing/2014/main" id="{619D484C-F25C-8FE4-9801-8F43039125C7}"/>
+              </a:ext>
+            </a:extLst>
+          </p:cNvPr>
+          <p:cNvSpPr/>
+          <p:nvPr/>
+        </p:nvSpPr>
+        <p:spPr>
+          <a:xfrm>
+            <a:off x="1911928" y="3396673"/>
+            <a:ext cx="8525164" cy="64654"/>
+          </a:xfrm>
+          <a:prstGeom prst="roundRect">
+            <a:avLst/>
+          </a:prstGeom>
+        </p:spPr>
+        <p:style>
+          <a:lnRef idx="2">
+            <a:schemeClr val="accent1">
+              <a:shade val="50000"/>
+            </a:schemeClr>
+          </a:lnRef>
+          <a:fillRef idx="1">
+            <a:schemeClr val="accent1"/>
+          </a:fillRef>
+          <a:effectRef idx="0">
+            <a:schemeClr val="accent1"/>
+          </a:effectRef>
+          <a:fontRef idx="minor">
+            <a:schemeClr val="lt1"/>
+          </a:fontRef>
+        </p:style>
+        <p:txBody>
+          <a:bodyPr rtlCol="0" anchor="ctr"/>
+          <a:lstStyle/>
+          <a:p>
+            <a:pPr algn="ctr"/>
+            <a:endParaRPr lang="zh-CN" altLang="en-US"/>
+          </a:p>
+        </p:txBody>
+      </p:sp>
+    </p:spTree>
+    <p:extLst>
+      <p:ext uri="{BB962C8B-B14F-4D97-AF65-F5344CB8AC3E}">
+        <p14:creationId xmlns:p14="http://schemas.microsoft.com/office/powerpoint/2010/main" val="1137212918"/>
       </p:ext>
     </p:extLst>
   </p:cSld>

--- a/lcj_zemi_python.pptx
+++ b/lcj_zemi_python.pptx
@@ -221,7 +221,7 @@
           <a:p>
             <a:fld id="{2BC54830-42DA-4404-9F8C-DE9E00A18181}" type="datetimeFigureOut">
               <a:rPr lang="zh-CN" altLang="en-US" smtClean="0"/>
-              <a:t>2024/8/14</a:t>
+              <a:t>2024/8/23</a:t>
             </a:fld>
             <a:endParaRPr lang="zh-CN" altLang="en-US"/>
           </a:p>
@@ -635,7 +635,7 @@
           <a:p>
             <a:fld id="{F5930DB7-C5F0-4CA2-914A-8532991C33D9}" type="datetimeFigureOut">
               <a:rPr lang="zh-CN" altLang="en-US" smtClean="0"/>
-              <a:t>2024/8/14</a:t>
+              <a:t>2024/8/23</a:t>
             </a:fld>
             <a:endParaRPr lang="zh-CN" altLang="en-US"/>
           </a:p>
@@ -833,7 +833,7 @@
           <a:p>
             <a:fld id="{F5930DB7-C5F0-4CA2-914A-8532991C33D9}" type="datetimeFigureOut">
               <a:rPr lang="zh-CN" altLang="en-US" smtClean="0"/>
-              <a:t>2024/8/14</a:t>
+              <a:t>2024/8/23</a:t>
             </a:fld>
             <a:endParaRPr lang="zh-CN" altLang="en-US"/>
           </a:p>
@@ -1041,7 +1041,7 @@
           <a:p>
             <a:fld id="{F5930DB7-C5F0-4CA2-914A-8532991C33D9}" type="datetimeFigureOut">
               <a:rPr lang="zh-CN" altLang="en-US" smtClean="0"/>
-              <a:t>2024/8/14</a:t>
+              <a:t>2024/8/23</a:t>
             </a:fld>
             <a:endParaRPr lang="zh-CN" altLang="en-US"/>
           </a:p>
@@ -1239,7 +1239,7 @@
           <a:p>
             <a:fld id="{F5930DB7-C5F0-4CA2-914A-8532991C33D9}" type="datetimeFigureOut">
               <a:rPr lang="zh-CN" altLang="en-US" smtClean="0"/>
-              <a:t>2024/8/14</a:t>
+              <a:t>2024/8/23</a:t>
             </a:fld>
             <a:endParaRPr lang="zh-CN" altLang="en-US"/>
           </a:p>
@@ -1514,7 +1514,7 @@
           <a:p>
             <a:fld id="{F5930DB7-C5F0-4CA2-914A-8532991C33D9}" type="datetimeFigureOut">
               <a:rPr lang="zh-CN" altLang="en-US" smtClean="0"/>
-              <a:t>2024/8/14</a:t>
+              <a:t>2024/8/23</a:t>
             </a:fld>
             <a:endParaRPr lang="zh-CN" altLang="en-US"/>
           </a:p>
@@ -1779,7 +1779,7 @@
           <a:p>
             <a:fld id="{F5930DB7-C5F0-4CA2-914A-8532991C33D9}" type="datetimeFigureOut">
               <a:rPr lang="zh-CN" altLang="en-US" smtClean="0"/>
-              <a:t>2024/8/14</a:t>
+              <a:t>2024/8/23</a:t>
             </a:fld>
             <a:endParaRPr lang="zh-CN" altLang="en-US"/>
           </a:p>
@@ -2191,7 +2191,7 @@
           <a:p>
             <a:fld id="{F5930DB7-C5F0-4CA2-914A-8532991C33D9}" type="datetimeFigureOut">
               <a:rPr lang="zh-CN" altLang="en-US" smtClean="0"/>
-              <a:t>2024/8/14</a:t>
+              <a:t>2024/8/23</a:t>
             </a:fld>
             <a:endParaRPr lang="zh-CN" altLang="en-US"/>
           </a:p>
@@ -2332,7 +2332,7 @@
           <a:p>
             <a:fld id="{F5930DB7-C5F0-4CA2-914A-8532991C33D9}" type="datetimeFigureOut">
               <a:rPr lang="zh-CN" altLang="en-US" smtClean="0"/>
-              <a:t>2024/8/14</a:t>
+              <a:t>2024/8/23</a:t>
             </a:fld>
             <a:endParaRPr lang="zh-CN" altLang="en-US"/>
           </a:p>
@@ -2445,7 +2445,7 @@
           <a:p>
             <a:fld id="{F5930DB7-C5F0-4CA2-914A-8532991C33D9}" type="datetimeFigureOut">
               <a:rPr lang="zh-CN" altLang="en-US" smtClean="0"/>
-              <a:t>2024/8/14</a:t>
+              <a:t>2024/8/23</a:t>
             </a:fld>
             <a:endParaRPr lang="zh-CN" altLang="en-US"/>
           </a:p>
@@ -2756,7 +2756,7 @@
           <a:p>
             <a:fld id="{F5930DB7-C5F0-4CA2-914A-8532991C33D9}" type="datetimeFigureOut">
               <a:rPr lang="zh-CN" altLang="en-US" smtClean="0"/>
-              <a:t>2024/8/14</a:t>
+              <a:t>2024/8/23</a:t>
             </a:fld>
             <a:endParaRPr lang="zh-CN" altLang="en-US"/>
           </a:p>
@@ -3044,7 +3044,7 @@
           <a:p>
             <a:fld id="{F5930DB7-C5F0-4CA2-914A-8532991C33D9}" type="datetimeFigureOut">
               <a:rPr lang="zh-CN" altLang="en-US" smtClean="0"/>
-              <a:t>2024/8/14</a:t>
+              <a:t>2024/8/23</a:t>
             </a:fld>
             <a:endParaRPr lang="zh-CN" altLang="en-US"/>
           </a:p>
@@ -3285,7 +3285,7 @@
           <a:p>
             <a:fld id="{F5930DB7-C5F0-4CA2-914A-8532991C33D9}" type="datetimeFigureOut">
               <a:rPr lang="zh-CN" altLang="en-US" smtClean="0"/>
-              <a:t>2024/8/14</a:t>
+              <a:t>2024/8/23</a:t>
             </a:fld>
             <a:endParaRPr lang="zh-CN" altLang="en-US"/>
           </a:p>
@@ -10205,8 +10205,8 @@
         </p:nvSpPr>
         <p:spPr>
           <a:xfrm>
-            <a:off x="297189" y="858001"/>
-            <a:ext cx="5285421" cy="1815882"/>
+            <a:off x="305570" y="651187"/>
+            <a:ext cx="4557658" cy="1569660"/>
           </a:xfrm>
           <a:prstGeom prst="rect">
             <a:avLst/>
@@ -10220,48 +10220,48 @@
           <a:lstStyle/>
           <a:p>
             <a:r>
-              <a:rPr lang="en-US" altLang="ja-JP" sz="1400" dirty="0"/>
+              <a:rPr lang="en-US" altLang="ja-JP" sz="1200" dirty="0"/>
               <a:t>Python</a:t>
             </a:r>
             <a:r>
-              <a:rPr lang="ja-JP" altLang="en-US" sz="1400" dirty="0"/>
+              <a:rPr lang="ja-JP" altLang="en-US" sz="1200" dirty="0"/>
               <a:t>には</a:t>
             </a:r>
             <a:r>
-              <a:rPr lang="en-US" altLang="ja-JP" sz="1400" dirty="0"/>
+              <a:rPr lang="en-US" altLang="ja-JP" sz="1200" dirty="0"/>
               <a:t>GIL(Global Interpreter Lock)</a:t>
             </a:r>
             <a:r>
-              <a:rPr lang="ja-JP" altLang="en-US" sz="1400" dirty="0"/>
+              <a:rPr lang="ja-JP" altLang="en-US" sz="1200" dirty="0"/>
               <a:t>がある</a:t>
             </a:r>
-            <a:endParaRPr lang="en-US" altLang="ja-JP" sz="1400" dirty="0"/>
-          </a:p>
-          <a:p>
-            <a:endParaRPr lang="en-US" altLang="ja-JP" sz="1400" dirty="0"/>
-          </a:p>
-          <a:p>
-            <a:r>
-              <a:rPr lang="en-US" altLang="ja-JP" sz="1400" dirty="0"/>
+            <a:endParaRPr lang="en-US" altLang="ja-JP" sz="1200" dirty="0"/>
+          </a:p>
+          <a:p>
+            <a:endParaRPr lang="en-US" altLang="ja-JP" sz="1200" dirty="0"/>
+          </a:p>
+          <a:p>
+            <a:r>
+              <a:rPr lang="en-US" altLang="ja-JP" sz="1200" dirty="0"/>
               <a:t>GIL</a:t>
             </a:r>
             <a:r>
-              <a:rPr lang="ja-JP" altLang="en-US" sz="1400" dirty="0"/>
+              <a:rPr lang="ja-JP" altLang="en-US" sz="1200" dirty="0"/>
               <a:t>を取得したスレッドのみが</a:t>
             </a:r>
             <a:r>
-              <a:rPr lang="en-US" altLang="ja-JP" sz="1400" dirty="0"/>
+              <a:rPr lang="en-US" altLang="ja-JP" sz="1200" dirty="0"/>
               <a:t>Python</a:t>
             </a:r>
             <a:r>
-              <a:rPr lang="ja-JP" altLang="en-US" sz="1400" dirty="0"/>
+              <a:rPr lang="ja-JP" altLang="en-US" sz="1200" dirty="0"/>
               <a:t>コードを実行できるため、</a:t>
             </a:r>
-            <a:endParaRPr lang="en-US" altLang="ja-JP" sz="1400" dirty="0"/>
-          </a:p>
-          <a:p>
-            <a:r>
-              <a:rPr lang="en-US" altLang="ja-JP" sz="1400" dirty="0">
+            <a:endParaRPr lang="en-US" altLang="ja-JP" sz="1200" dirty="0"/>
+          </a:p>
+          <a:p>
+            <a:r>
+              <a:rPr lang="en-US" altLang="ja-JP" sz="1200" dirty="0">
                 <a:solidFill>
                   <a:srgbClr val="267F99"/>
                 </a:solidFill>
@@ -10273,7 +10273,7 @@
               <a:t>t</a:t>
             </a:r>
             <a:r>
-              <a:rPr lang="en-US" altLang="zh-CN" sz="1400" b="0" dirty="0">
+              <a:rPr lang="en-US" altLang="zh-CN" sz="1200" b="0" dirty="0">
                 <a:solidFill>
                   <a:srgbClr val="267F99"/>
                 </a:solidFill>
@@ -10286,7 +10286,7 @@
               <a:t>hreading</a:t>
             </a:r>
             <a:r>
-              <a:rPr lang="ja-JP" altLang="en-US" sz="1400" dirty="0">
+              <a:rPr lang="ja-JP" altLang="en-US" sz="1200" dirty="0">
                 <a:solidFill>
                   <a:srgbClr val="3B3B3B"/>
                 </a:solidFill>
@@ -10298,62 +10298,62 @@
               <a:t>モジュールを使って</a:t>
             </a:r>
             <a:r>
-              <a:rPr lang="ja-JP" altLang="en-US" sz="1400" dirty="0"/>
+              <a:rPr lang="ja-JP" altLang="en-US" sz="1200" dirty="0"/>
               <a:t>複数のスレッドを作っても</a:t>
             </a:r>
-            <a:endParaRPr lang="en-US" altLang="ja-JP" sz="1400" dirty="0"/>
-          </a:p>
-          <a:p>
-            <a:r>
-              <a:rPr lang="ja-JP" altLang="en-US" sz="1400" dirty="0"/>
+            <a:endParaRPr lang="en-US" altLang="ja-JP" sz="1200" dirty="0"/>
+          </a:p>
+          <a:p>
+            <a:r>
+              <a:rPr lang="ja-JP" altLang="en-US" sz="1200" dirty="0"/>
               <a:t>実際には任意の時点で実行中のスレッドは</a:t>
             </a:r>
             <a:r>
-              <a:rPr lang="en-US" altLang="ja-JP" sz="1400" dirty="0"/>
+              <a:rPr lang="en-US" altLang="ja-JP" sz="1200" dirty="0"/>
               <a:t>1</a:t>
             </a:r>
             <a:r>
-              <a:rPr lang="ja-JP" altLang="en-US" sz="1400" dirty="0"/>
+              <a:rPr lang="ja-JP" altLang="en-US" sz="1200" dirty="0"/>
               <a:t>つだけです</a:t>
             </a:r>
-            <a:endParaRPr lang="en-US" altLang="ja-JP" sz="1400" dirty="0"/>
-          </a:p>
-          <a:p>
-            <a:endParaRPr lang="en-US" altLang="ja-JP" sz="1400" dirty="0"/>
-          </a:p>
-          <a:p>
-            <a:r>
-              <a:rPr lang="ja-JP" altLang="en-US" sz="1400" dirty="0"/>
+            <a:endParaRPr lang="en-US" altLang="ja-JP" sz="1200" dirty="0"/>
+          </a:p>
+          <a:p>
+            <a:endParaRPr lang="en-US" altLang="ja-JP" sz="1200" dirty="0"/>
+          </a:p>
+          <a:p>
+            <a:r>
+              <a:rPr lang="ja-JP" altLang="en-US" sz="1200" dirty="0"/>
               <a:t>並列</a:t>
             </a:r>
             <a:r>
-              <a:rPr lang="en-US" altLang="ja-JP" sz="1400" dirty="0"/>
+              <a:rPr lang="en-US" altLang="ja-JP" sz="1200" dirty="0"/>
               <a:t>(parallel) </a:t>
             </a:r>
             <a:r>
-              <a:rPr lang="ja-JP" altLang="en-US" sz="1400" dirty="0"/>
+              <a:rPr lang="ja-JP" altLang="en-US" sz="1200" dirty="0"/>
               <a:t>：タスクは真に同時に実行する</a:t>
             </a:r>
-            <a:endParaRPr lang="en-US" altLang="ja-JP" sz="1400" dirty="0"/>
-          </a:p>
-          <a:p>
-            <a:r>
-              <a:rPr lang="zh-CN" altLang="en-US" sz="1400" dirty="0"/>
+            <a:endParaRPr lang="en-US" altLang="ja-JP" sz="1200" dirty="0"/>
+          </a:p>
+          <a:p>
+            <a:r>
+              <a:rPr lang="zh-CN" altLang="en-US" sz="1200" dirty="0"/>
               <a:t>並行</a:t>
             </a:r>
             <a:r>
-              <a:rPr lang="en-US" altLang="zh-CN" sz="1400" dirty="0"/>
+              <a:rPr lang="en-US" altLang="zh-CN" sz="1200" dirty="0"/>
               <a:t>(</a:t>
             </a:r>
             <a:r>
-              <a:rPr lang="en-US" altLang="ja-JP" sz="1400" dirty="0"/>
+              <a:rPr lang="en-US" altLang="ja-JP" sz="1200" dirty="0"/>
               <a:t>concurrent)</a:t>
             </a:r>
             <a:r>
-              <a:rPr lang="ja-JP" altLang="en-US" sz="1400" dirty="0"/>
+              <a:rPr lang="ja-JP" altLang="en-US" sz="1200" dirty="0"/>
               <a:t>：タスクを切り替えながら実行する</a:t>
             </a:r>
-            <a:endParaRPr lang="en-US" altLang="ja-JP" sz="1400" dirty="0"/>
+            <a:endParaRPr lang="en-US" altLang="ja-JP" sz="1200" dirty="0"/>
           </a:p>
         </p:txBody>
       </p:sp>
@@ -10371,7 +10371,7 @@
         </p:nvSpPr>
         <p:spPr>
           <a:xfrm>
-            <a:off x="9524621" y="3029592"/>
+            <a:off x="9214286" y="2176080"/>
             <a:ext cx="2750950" cy="1569660"/>
           </a:xfrm>
           <a:prstGeom prst="rect">
@@ -10484,8 +10484,8 @@
         </p:nvGrpSpPr>
         <p:grpSpPr>
           <a:xfrm>
-            <a:off x="305570" y="2944471"/>
-            <a:ext cx="9067436" cy="2127207"/>
+            <a:off x="401215" y="2220847"/>
+            <a:ext cx="8736741" cy="2127207"/>
             <a:chOff x="252826" y="2632913"/>
             <a:chExt cx="9067436" cy="2127207"/>
           </a:xfrm>
@@ -11762,8 +11762,8 @@
         </p:nvSpPr>
         <p:spPr>
           <a:xfrm>
-            <a:off x="448667" y="5539895"/>
-            <a:ext cx="4743606" cy="523220"/>
+            <a:off x="401215" y="4428815"/>
+            <a:ext cx="4092787" cy="461665"/>
           </a:xfrm>
           <a:prstGeom prst="rect">
             <a:avLst/>
@@ -11777,33 +11777,756 @@
           <a:lstStyle/>
           <a:p>
             <a:r>
-              <a:rPr lang="en-US" altLang="zh-CN" sz="1400" dirty="0" err="1"/>
-              <a:t>Asyncio</a:t>
-            </a:r>
-            <a:r>
-              <a:rPr lang="ja-JP" altLang="en-US" sz="1400" dirty="0"/>
+              <a:rPr lang="en-US" altLang="zh-CN" sz="1200" dirty="0" err="1"/>
+              <a:t>asyncio</a:t>
+            </a:r>
+            <a:r>
+              <a:rPr lang="ja-JP" altLang="en-US" sz="1200" dirty="0"/>
               <a:t>モジュールを使っても</a:t>
             </a:r>
-            <a:endParaRPr lang="en-US" altLang="ja-JP" sz="1400" dirty="0"/>
-          </a:p>
-          <a:p>
-            <a:r>
-              <a:rPr lang="en-US" altLang="ja-JP" sz="1400" dirty="0"/>
+            <a:endParaRPr lang="en-US" altLang="ja-JP" sz="1200" dirty="0"/>
+          </a:p>
+          <a:p>
+            <a:r>
+              <a:rPr lang="en-US" altLang="ja-JP" sz="1200" dirty="0"/>
               <a:t>GIL</a:t>
             </a:r>
             <a:r>
-              <a:rPr lang="ja-JP" altLang="en-US" sz="1400" dirty="0"/>
+              <a:rPr lang="ja-JP" altLang="en-US" sz="1200" dirty="0"/>
               <a:t>を避けることができなくて、タスクの実行が</a:t>
             </a:r>
             <a:r>
-              <a:rPr lang="ja-JP" altLang="en-US" sz="1400" b="1" dirty="0"/>
+              <a:rPr lang="ja-JP" altLang="en-US" sz="1200" b="1" dirty="0"/>
               <a:t>並行</a:t>
             </a:r>
             <a:r>
-              <a:rPr lang="ja-JP" altLang="en-US" sz="1400" dirty="0"/>
+              <a:rPr lang="ja-JP" altLang="en-US" sz="1200" dirty="0"/>
               <a:t>です</a:t>
             </a:r>
-            <a:endParaRPr lang="zh-CN" altLang="en-US" sz="1400" dirty="0"/>
+            <a:endParaRPr lang="zh-CN" altLang="en-US" sz="1200" dirty="0"/>
+          </a:p>
+        </p:txBody>
+      </p:sp>
+      <p:sp>
+        <p:nvSpPr>
+          <p:cNvPr id="7" name="文本框 6">
+            <a:extLst>
+              <a:ext uri="{FF2B5EF4-FFF2-40B4-BE49-F238E27FC236}">
+                <a16:creationId xmlns:a16="http://schemas.microsoft.com/office/drawing/2014/main" id="{31CD7521-B0F8-A216-5680-E004D6E89B29}"/>
+              </a:ext>
+            </a:extLst>
+          </p:cNvPr>
+          <p:cNvSpPr txBox="1"/>
+          <p:nvPr/>
+        </p:nvSpPr>
+        <p:spPr>
+          <a:xfrm>
+            <a:off x="12783" y="5272408"/>
+            <a:ext cx="7450174" cy="1200329"/>
+          </a:xfrm>
+          <a:prstGeom prst="rect">
+            <a:avLst/>
+          </a:prstGeom>
+          <a:noFill/>
+        </p:spPr>
+        <p:txBody>
+          <a:bodyPr wrap="square">
+            <a:spAutoFit/>
+          </a:bodyPr>
+          <a:lstStyle/>
+          <a:p>
+            <a:r>
+              <a:rPr lang="en-US" altLang="zh-CN" sz="1200" b="0" dirty="0" err="1">
+                <a:solidFill>
+                  <a:srgbClr val="267F99"/>
+                </a:solidFill>
+                <a:effectLst/>
+                <a:highlight>
+                  <a:srgbClr val="FFFFFF"/>
+                </a:highlight>
+                <a:latin typeface="Consolas" panose="020B0609020204030204" pitchFamily="49" charset="0"/>
+              </a:rPr>
+              <a:t>asyncio</a:t>
+            </a:r>
+            <a:r>
+              <a:rPr lang="en-US" altLang="zh-CN" sz="1200" b="0" dirty="0" err="1">
+                <a:solidFill>
+                  <a:srgbClr val="3B3B3B"/>
+                </a:solidFill>
+                <a:effectLst/>
+                <a:highlight>
+                  <a:srgbClr val="FFFFFF"/>
+                </a:highlight>
+                <a:latin typeface="Consolas" panose="020B0609020204030204" pitchFamily="49" charset="0"/>
+              </a:rPr>
+              <a:t>.</a:t>
+            </a:r>
+            <a:r>
+              <a:rPr lang="en-US" altLang="zh-CN" sz="1200" b="0" dirty="0" err="1">
+                <a:solidFill>
+                  <a:srgbClr val="795E26"/>
+                </a:solidFill>
+                <a:effectLst/>
+                <a:highlight>
+                  <a:srgbClr val="FFFFFF"/>
+                </a:highlight>
+                <a:latin typeface="Consolas" panose="020B0609020204030204" pitchFamily="49" charset="0"/>
+              </a:rPr>
+              <a:t>sleep</a:t>
+            </a:r>
+            <a:r>
+              <a:rPr lang="en-US" altLang="zh-CN" sz="1200" b="0" dirty="0">
+                <a:solidFill>
+                  <a:srgbClr val="3B3B3B"/>
+                </a:solidFill>
+                <a:effectLst/>
+                <a:highlight>
+                  <a:srgbClr val="FFFFFF"/>
+                </a:highlight>
+                <a:latin typeface="Consolas" panose="020B0609020204030204" pitchFamily="49" charset="0"/>
+              </a:rPr>
+              <a:t>()</a:t>
+            </a:r>
+            <a:r>
+              <a:rPr lang="ja-JP" altLang="en-US" sz="1200" b="0" dirty="0">
+                <a:solidFill>
+                  <a:srgbClr val="3B3B3B"/>
+                </a:solidFill>
+                <a:effectLst/>
+                <a:highlight>
+                  <a:srgbClr val="FFFFFF"/>
+                </a:highlight>
+                <a:latin typeface="Consolas" panose="020B0609020204030204" pitchFamily="49" charset="0"/>
+              </a:rPr>
+              <a:t>と</a:t>
+            </a:r>
+            <a:r>
+              <a:rPr lang="en-US" altLang="zh-CN" sz="1200" b="0" dirty="0" err="1">
+                <a:solidFill>
+                  <a:srgbClr val="267F99"/>
+                </a:solidFill>
+                <a:effectLst/>
+                <a:highlight>
+                  <a:srgbClr val="FFFFFF"/>
+                </a:highlight>
+                <a:latin typeface="Consolas" panose="020B0609020204030204" pitchFamily="49" charset="0"/>
+              </a:rPr>
+              <a:t>time</a:t>
+            </a:r>
+            <a:r>
+              <a:rPr lang="en-US" altLang="zh-CN" sz="1200" b="0" dirty="0" err="1">
+                <a:solidFill>
+                  <a:srgbClr val="3B3B3B"/>
+                </a:solidFill>
+                <a:effectLst/>
+                <a:highlight>
+                  <a:srgbClr val="FFFFFF"/>
+                </a:highlight>
+                <a:latin typeface="Consolas" panose="020B0609020204030204" pitchFamily="49" charset="0"/>
+              </a:rPr>
+              <a:t>.</a:t>
+            </a:r>
+            <a:r>
+              <a:rPr lang="en-US" altLang="zh-CN" sz="1200" b="0" dirty="0" err="1">
+                <a:solidFill>
+                  <a:srgbClr val="795E26"/>
+                </a:solidFill>
+                <a:effectLst/>
+                <a:highlight>
+                  <a:srgbClr val="FFFFFF"/>
+                </a:highlight>
+                <a:latin typeface="Consolas" panose="020B0609020204030204" pitchFamily="49" charset="0"/>
+              </a:rPr>
+              <a:t>sleep</a:t>
+            </a:r>
+            <a:r>
+              <a:rPr lang="en-US" altLang="zh-CN" sz="1200" b="0" dirty="0">
+                <a:solidFill>
+                  <a:srgbClr val="3B3B3B"/>
+                </a:solidFill>
+                <a:effectLst/>
+                <a:highlight>
+                  <a:srgbClr val="FFFFFF"/>
+                </a:highlight>
+                <a:latin typeface="Consolas" panose="020B0609020204030204" pitchFamily="49" charset="0"/>
+              </a:rPr>
+              <a:t>()</a:t>
+            </a:r>
+            <a:r>
+              <a:rPr lang="ja-JP" altLang="en-US" sz="1200" b="0" dirty="0">
+                <a:solidFill>
+                  <a:srgbClr val="3B3B3B"/>
+                </a:solidFill>
+                <a:effectLst/>
+                <a:highlight>
+                  <a:srgbClr val="FFFFFF"/>
+                </a:highlight>
+                <a:latin typeface="Consolas" panose="020B0609020204030204" pitchFamily="49" charset="0"/>
+              </a:rPr>
+              <a:t>の違い：</a:t>
+            </a:r>
+            <a:endParaRPr lang="en-US" altLang="zh-CN" sz="1200" b="0" dirty="0">
+              <a:solidFill>
+                <a:srgbClr val="267F99"/>
+              </a:solidFill>
+              <a:effectLst/>
+              <a:highlight>
+                <a:srgbClr val="FFFFFF"/>
+              </a:highlight>
+              <a:latin typeface="Consolas" panose="020B0609020204030204" pitchFamily="49" charset="0"/>
+            </a:endParaRPr>
+          </a:p>
+          <a:p>
+            <a:pPr marL="285750" indent="-285750">
+              <a:buFont typeface="Arial" panose="020B0604020202020204" pitchFamily="34" charset="0"/>
+              <a:buChar char="•"/>
+            </a:pPr>
+            <a:r>
+              <a:rPr lang="en-US" altLang="zh-CN" sz="1200" b="0" dirty="0" err="1">
+                <a:solidFill>
+                  <a:srgbClr val="267F99"/>
+                </a:solidFill>
+                <a:effectLst/>
+                <a:highlight>
+                  <a:srgbClr val="FFFFFF"/>
+                </a:highlight>
+                <a:latin typeface="Consolas" panose="020B0609020204030204" pitchFamily="49" charset="0"/>
+              </a:rPr>
+              <a:t>asyncio</a:t>
+            </a:r>
+            <a:r>
+              <a:rPr lang="en-US" altLang="zh-CN" sz="1200" b="0" dirty="0" err="1">
+                <a:solidFill>
+                  <a:srgbClr val="3B3B3B"/>
+                </a:solidFill>
+                <a:effectLst/>
+                <a:highlight>
+                  <a:srgbClr val="FFFFFF"/>
+                </a:highlight>
+                <a:latin typeface="Consolas" panose="020B0609020204030204" pitchFamily="49" charset="0"/>
+              </a:rPr>
+              <a:t>.</a:t>
+            </a:r>
+            <a:r>
+              <a:rPr lang="en-US" altLang="zh-CN" sz="1200" b="0" dirty="0" err="1">
+                <a:solidFill>
+                  <a:srgbClr val="795E26"/>
+                </a:solidFill>
+                <a:effectLst/>
+                <a:highlight>
+                  <a:srgbClr val="FFFFFF"/>
+                </a:highlight>
+                <a:latin typeface="Consolas" panose="020B0609020204030204" pitchFamily="49" charset="0"/>
+              </a:rPr>
+              <a:t>sleep</a:t>
+            </a:r>
+            <a:r>
+              <a:rPr lang="en-US" altLang="zh-CN" sz="1200" b="0" dirty="0">
+                <a:solidFill>
+                  <a:srgbClr val="3B3B3B"/>
+                </a:solidFill>
+                <a:effectLst/>
+                <a:highlight>
+                  <a:srgbClr val="FFFFFF"/>
+                </a:highlight>
+                <a:latin typeface="Consolas" panose="020B0609020204030204" pitchFamily="49" charset="0"/>
+              </a:rPr>
+              <a:t>():</a:t>
+            </a:r>
+            <a:r>
+              <a:rPr lang="ja-JP" altLang="en-US" sz="1200" b="0" dirty="0">
+                <a:solidFill>
+                  <a:srgbClr val="3B3B3B"/>
+                </a:solidFill>
+                <a:effectLst/>
+                <a:highlight>
+                  <a:srgbClr val="FFFFFF"/>
+                </a:highlight>
+                <a:latin typeface="Consolas" panose="020B0609020204030204" pitchFamily="49" charset="0"/>
+              </a:rPr>
+              <a:t>非ブロッキングのコルーチンであ</a:t>
+            </a:r>
+            <a:r>
+              <a:rPr lang="ja-JP" altLang="en-US" sz="1200" dirty="0">
+                <a:solidFill>
+                  <a:srgbClr val="3B3B3B"/>
+                </a:solidFill>
+                <a:highlight>
+                  <a:srgbClr val="FFFFFF"/>
+                </a:highlight>
+                <a:latin typeface="Consolas" panose="020B0609020204030204" pitchFamily="49" charset="0"/>
+              </a:rPr>
+              <a:t>る</a:t>
+            </a:r>
+            <a:endParaRPr lang="en-US" altLang="zh-CN" sz="1200" b="0" dirty="0">
+              <a:solidFill>
+                <a:srgbClr val="3B3B3B"/>
+              </a:solidFill>
+              <a:effectLst/>
+              <a:highlight>
+                <a:srgbClr val="FFFFFF"/>
+              </a:highlight>
+              <a:latin typeface="Consolas" panose="020B0609020204030204" pitchFamily="49" charset="0"/>
+            </a:endParaRPr>
+          </a:p>
+          <a:p>
+            <a:r>
+              <a:rPr lang="en-US" altLang="zh-CN" sz="1200" dirty="0">
+                <a:solidFill>
+                  <a:srgbClr val="3B3B3B"/>
+                </a:solidFill>
+                <a:highlight>
+                  <a:srgbClr val="FFFFFF"/>
+                </a:highlight>
+                <a:latin typeface="Consolas" panose="020B0609020204030204" pitchFamily="49" charset="0"/>
+              </a:rPr>
+              <a:t>	</a:t>
+            </a:r>
+            <a:r>
+              <a:rPr lang="en-US" altLang="zh-CN" sz="1200" b="0" dirty="0">
+                <a:solidFill>
+                  <a:srgbClr val="AF00DB"/>
+                </a:solidFill>
+                <a:effectLst/>
+                <a:highlight>
+                  <a:srgbClr val="FFFFFF"/>
+                </a:highlight>
+                <a:latin typeface="Consolas" panose="020B0609020204030204" pitchFamily="49" charset="0"/>
+              </a:rPr>
+              <a:t>await</a:t>
+            </a:r>
+            <a:r>
+              <a:rPr lang="en-US" altLang="zh-CN" sz="1200" b="0" dirty="0">
+                <a:solidFill>
+                  <a:srgbClr val="3B3B3B"/>
+                </a:solidFill>
+                <a:effectLst/>
+                <a:highlight>
+                  <a:srgbClr val="FFFFFF"/>
+                </a:highlight>
+                <a:latin typeface="Consolas" panose="020B0609020204030204" pitchFamily="49" charset="0"/>
+              </a:rPr>
+              <a:t> </a:t>
+            </a:r>
+            <a:r>
+              <a:rPr lang="en-US" altLang="zh-CN" sz="1200" b="0" dirty="0" err="1">
+                <a:solidFill>
+                  <a:srgbClr val="267F99"/>
+                </a:solidFill>
+                <a:effectLst/>
+                <a:highlight>
+                  <a:srgbClr val="FFFFFF"/>
+                </a:highlight>
+                <a:latin typeface="Consolas" panose="020B0609020204030204" pitchFamily="49" charset="0"/>
+              </a:rPr>
+              <a:t>asyncio</a:t>
+            </a:r>
+            <a:r>
+              <a:rPr lang="en-US" altLang="zh-CN" sz="1200" b="0" dirty="0" err="1">
+                <a:solidFill>
+                  <a:srgbClr val="3B3B3B"/>
+                </a:solidFill>
+                <a:effectLst/>
+                <a:highlight>
+                  <a:srgbClr val="FFFFFF"/>
+                </a:highlight>
+                <a:latin typeface="Consolas" panose="020B0609020204030204" pitchFamily="49" charset="0"/>
+              </a:rPr>
+              <a:t>.</a:t>
+            </a:r>
+            <a:r>
+              <a:rPr lang="en-US" altLang="zh-CN" sz="1200" b="0" dirty="0" err="1">
+                <a:solidFill>
+                  <a:srgbClr val="795E26"/>
+                </a:solidFill>
+                <a:effectLst/>
+                <a:highlight>
+                  <a:srgbClr val="FFFFFF"/>
+                </a:highlight>
+                <a:latin typeface="Consolas" panose="020B0609020204030204" pitchFamily="49" charset="0"/>
+              </a:rPr>
+              <a:t>sleep</a:t>
+            </a:r>
+            <a:r>
+              <a:rPr lang="en-US" altLang="zh-CN" sz="1200" b="0" dirty="0">
+                <a:solidFill>
+                  <a:srgbClr val="3B3B3B"/>
+                </a:solidFill>
+                <a:effectLst/>
+                <a:highlight>
+                  <a:srgbClr val="FFFFFF"/>
+                </a:highlight>
+                <a:latin typeface="Consolas" panose="020B0609020204030204" pitchFamily="49" charset="0"/>
+              </a:rPr>
+              <a:t>()</a:t>
+            </a:r>
+            <a:r>
+              <a:rPr lang="ja-JP" altLang="en-US" sz="1200" b="0" dirty="0">
+                <a:solidFill>
+                  <a:srgbClr val="3B3B3B"/>
+                </a:solidFill>
+                <a:effectLst/>
+                <a:highlight>
+                  <a:srgbClr val="FFFFFF"/>
+                </a:highlight>
+                <a:latin typeface="Consolas" panose="020B0609020204030204" pitchFamily="49" charset="0"/>
+              </a:rPr>
+              <a:t>のように呼び出した時、制御フローを呼び出し元の関数に戻します</a:t>
+            </a:r>
+            <a:endParaRPr lang="en-US" altLang="zh-CN" sz="1200" b="0" dirty="0">
+              <a:solidFill>
+                <a:srgbClr val="3B3B3B"/>
+              </a:solidFill>
+              <a:effectLst/>
+              <a:highlight>
+                <a:srgbClr val="FFFFFF"/>
+              </a:highlight>
+              <a:latin typeface="Consolas" panose="020B0609020204030204" pitchFamily="49" charset="0"/>
+            </a:endParaRPr>
+          </a:p>
+          <a:p>
+            <a:endParaRPr lang="en-US" altLang="zh-CN" sz="1200" b="0" dirty="0">
+              <a:solidFill>
+                <a:srgbClr val="3B3B3B"/>
+              </a:solidFill>
+              <a:effectLst/>
+              <a:highlight>
+                <a:srgbClr val="FFFFFF"/>
+              </a:highlight>
+              <a:latin typeface="Consolas" panose="020B0609020204030204" pitchFamily="49" charset="0"/>
+            </a:endParaRPr>
+          </a:p>
+          <a:p>
+            <a:pPr marL="285750" indent="-285750">
+              <a:buFont typeface="Arial" panose="020B0604020202020204" pitchFamily="34" charset="0"/>
+              <a:buChar char="•"/>
+            </a:pPr>
+            <a:r>
+              <a:rPr lang="en-US" altLang="zh-CN" sz="1200" b="0" dirty="0" err="1">
+                <a:solidFill>
+                  <a:srgbClr val="267F99"/>
+                </a:solidFill>
+                <a:effectLst/>
+                <a:highlight>
+                  <a:srgbClr val="FFFFFF"/>
+                </a:highlight>
+                <a:latin typeface="Consolas" panose="020B0609020204030204" pitchFamily="49" charset="0"/>
+              </a:rPr>
+              <a:t>time</a:t>
+            </a:r>
+            <a:r>
+              <a:rPr lang="en-US" altLang="zh-CN" sz="1200" b="0" dirty="0" err="1">
+                <a:solidFill>
+                  <a:srgbClr val="3B3B3B"/>
+                </a:solidFill>
+                <a:effectLst/>
+                <a:highlight>
+                  <a:srgbClr val="FFFFFF"/>
+                </a:highlight>
+                <a:latin typeface="Consolas" panose="020B0609020204030204" pitchFamily="49" charset="0"/>
+              </a:rPr>
+              <a:t>.</a:t>
+            </a:r>
+            <a:r>
+              <a:rPr lang="en-US" altLang="zh-CN" sz="1200" b="0" dirty="0" err="1">
+                <a:solidFill>
+                  <a:srgbClr val="795E26"/>
+                </a:solidFill>
+                <a:effectLst/>
+                <a:highlight>
+                  <a:srgbClr val="FFFFFF"/>
+                </a:highlight>
+                <a:latin typeface="Consolas" panose="020B0609020204030204" pitchFamily="49" charset="0"/>
+              </a:rPr>
+              <a:t>sleep</a:t>
+            </a:r>
+            <a:r>
+              <a:rPr lang="en-US" altLang="zh-CN" sz="1200" b="0" dirty="0">
+                <a:solidFill>
+                  <a:srgbClr val="3B3B3B"/>
+                </a:solidFill>
+                <a:effectLst/>
+                <a:highlight>
+                  <a:srgbClr val="FFFFFF"/>
+                </a:highlight>
+                <a:latin typeface="Consolas" panose="020B0609020204030204" pitchFamily="49" charset="0"/>
+              </a:rPr>
+              <a:t>():</a:t>
+            </a:r>
+            <a:r>
+              <a:rPr lang="ja-JP" altLang="en-US" sz="1200" dirty="0"/>
+              <a:t>ブロッキング関数である</a:t>
+            </a:r>
+            <a:endParaRPr lang="en-US" altLang="ja-JP" sz="1200" dirty="0"/>
+          </a:p>
+          <a:p>
+            <a:r>
+              <a:rPr lang="en-US" altLang="zh-CN" sz="1200" b="0" dirty="0">
+                <a:solidFill>
+                  <a:srgbClr val="3B3B3B"/>
+                </a:solidFill>
+                <a:effectLst/>
+                <a:highlight>
+                  <a:srgbClr val="FFFFFF"/>
+                </a:highlight>
+                <a:latin typeface="Consolas" panose="020B0609020204030204" pitchFamily="49" charset="0"/>
+              </a:rPr>
+              <a:t>	</a:t>
+            </a:r>
+            <a:r>
+              <a:rPr lang="ja-JP" altLang="en-US" sz="1200" b="0" dirty="0">
+                <a:solidFill>
+                  <a:srgbClr val="3B3B3B"/>
+                </a:solidFill>
+                <a:effectLst/>
+                <a:highlight>
+                  <a:srgbClr val="FFFFFF"/>
+                </a:highlight>
+                <a:latin typeface="Consolas" panose="020B0609020204030204" pitchFamily="49" charset="0"/>
+              </a:rPr>
+              <a:t>プログラムの実行フローはその場で停止し、</a:t>
+            </a:r>
+            <a:r>
+              <a:rPr lang="en-US" altLang="zh-CN" sz="1200" b="0" dirty="0" err="1">
+                <a:solidFill>
+                  <a:srgbClr val="267F99"/>
+                </a:solidFill>
+                <a:effectLst/>
+                <a:highlight>
+                  <a:srgbClr val="FFFFFF"/>
+                </a:highlight>
+                <a:latin typeface="Consolas" panose="020B0609020204030204" pitchFamily="49" charset="0"/>
+              </a:rPr>
+              <a:t>time</a:t>
+            </a:r>
+            <a:r>
+              <a:rPr lang="en-US" altLang="zh-CN" sz="1200" b="0" dirty="0" err="1">
+                <a:solidFill>
+                  <a:srgbClr val="3B3B3B"/>
+                </a:solidFill>
+                <a:effectLst/>
+                <a:highlight>
+                  <a:srgbClr val="FFFFFF"/>
+                </a:highlight>
+                <a:latin typeface="Consolas" panose="020B0609020204030204" pitchFamily="49" charset="0"/>
+              </a:rPr>
+              <a:t>.</a:t>
+            </a:r>
+            <a:r>
+              <a:rPr lang="en-US" altLang="zh-CN" sz="1200" b="0" dirty="0" err="1">
+                <a:solidFill>
+                  <a:srgbClr val="795E26"/>
+                </a:solidFill>
+                <a:effectLst/>
+                <a:highlight>
+                  <a:srgbClr val="FFFFFF"/>
+                </a:highlight>
+                <a:latin typeface="Consolas" panose="020B0609020204030204" pitchFamily="49" charset="0"/>
+              </a:rPr>
+              <a:t>sleep</a:t>
+            </a:r>
+            <a:r>
+              <a:rPr lang="en-US" altLang="zh-CN" sz="1200" b="0" dirty="0">
+                <a:solidFill>
+                  <a:srgbClr val="3B3B3B"/>
+                </a:solidFill>
+                <a:effectLst/>
+                <a:highlight>
+                  <a:srgbClr val="FFFFFF"/>
+                </a:highlight>
+                <a:latin typeface="Consolas" panose="020B0609020204030204" pitchFamily="49" charset="0"/>
+              </a:rPr>
+              <a:t>()</a:t>
+            </a:r>
+            <a:r>
+              <a:rPr lang="ja-JP" altLang="en-US" sz="1200" b="0" dirty="0">
+                <a:solidFill>
+                  <a:srgbClr val="3B3B3B"/>
+                </a:solidFill>
+                <a:effectLst/>
+                <a:highlight>
+                  <a:srgbClr val="FFFFFF"/>
+                </a:highlight>
+                <a:latin typeface="Consolas" panose="020B0609020204030204" pitchFamily="49" charset="0"/>
+              </a:rPr>
+              <a:t>が完了するまで戻りません </a:t>
+            </a:r>
+          </a:p>
+        </p:txBody>
+      </p:sp>
+      <p:sp>
+        <p:nvSpPr>
+          <p:cNvPr id="10" name="文本框 9">
+            <a:extLst>
+              <a:ext uri="{FF2B5EF4-FFF2-40B4-BE49-F238E27FC236}">
+                <a16:creationId xmlns:a16="http://schemas.microsoft.com/office/drawing/2014/main" id="{C10CFCF1-521F-DB2E-DEB1-CD32B893B8BC}"/>
+              </a:ext>
+            </a:extLst>
+          </p:cNvPr>
+          <p:cNvSpPr txBox="1"/>
+          <p:nvPr/>
+        </p:nvSpPr>
+        <p:spPr>
+          <a:xfrm>
+            <a:off x="6096000" y="4633911"/>
+            <a:ext cx="6097554" cy="619529"/>
+          </a:xfrm>
+          <a:prstGeom prst="rect">
+            <a:avLst/>
+          </a:prstGeom>
+          <a:noFill/>
+        </p:spPr>
+        <p:txBody>
+          <a:bodyPr wrap="square">
+            <a:spAutoFit/>
+          </a:bodyPr>
+          <a:lstStyle/>
+          <a:p>
+            <a:pPr marL="628650" lvl="1" indent="-171450">
+              <a:lnSpc>
+                <a:spcPct val="150000"/>
+              </a:lnSpc>
+              <a:buFont typeface="Arial" panose="020B0604020202020204" pitchFamily="34" charset="0"/>
+              <a:buChar char="•"/>
+            </a:pPr>
+            <a:r>
+              <a:rPr lang="en-US" altLang="ja-JP" sz="1200" dirty="0">
+                <a:solidFill>
+                  <a:srgbClr val="3B3B3B"/>
+                </a:solidFill>
+                <a:highlight>
+                  <a:srgbClr val="FFFFFF"/>
+                </a:highlight>
+                <a:latin typeface="Consolas" panose="020B0609020204030204" pitchFamily="49" charset="0"/>
+              </a:rPr>
+              <a:t>I/O</a:t>
+            </a:r>
+            <a:r>
+              <a:rPr lang="ja-JP" altLang="en-US" sz="1200" dirty="0">
+                <a:solidFill>
+                  <a:srgbClr val="3B3B3B"/>
+                </a:solidFill>
+                <a:highlight>
+                  <a:srgbClr val="FFFFFF"/>
+                </a:highlight>
+                <a:latin typeface="Consolas" panose="020B0609020204030204" pitchFamily="49" charset="0"/>
+              </a:rPr>
+              <a:t>に負荷をかける処理を扱う場合、</a:t>
+            </a:r>
+            <a:r>
+              <a:rPr lang="en-US" altLang="ja-JP" sz="1200" dirty="0" err="1">
+                <a:solidFill>
+                  <a:srgbClr val="3B3B3B"/>
+                </a:solidFill>
+                <a:highlight>
+                  <a:srgbClr val="FFFFFF"/>
+                </a:highlight>
+                <a:latin typeface="Consolas" panose="020B0609020204030204" pitchFamily="49" charset="0"/>
+              </a:rPr>
+              <a:t>asnycio</a:t>
+            </a:r>
+            <a:r>
+              <a:rPr lang="ja-JP" altLang="en-US" sz="1200" dirty="0">
+                <a:solidFill>
+                  <a:srgbClr val="3B3B3B"/>
+                </a:solidFill>
+                <a:highlight>
+                  <a:srgbClr val="FFFFFF"/>
+                </a:highlight>
+                <a:latin typeface="Consolas" panose="020B0609020204030204" pitchFamily="49" charset="0"/>
+              </a:rPr>
+              <a:t>がおすすめ</a:t>
+            </a:r>
+            <a:endParaRPr lang="en-US" altLang="ja-JP" sz="1200" dirty="0">
+              <a:solidFill>
+                <a:srgbClr val="3B3B3B"/>
+              </a:solidFill>
+              <a:highlight>
+                <a:srgbClr val="FFFFFF"/>
+              </a:highlight>
+              <a:latin typeface="Consolas" panose="020B0609020204030204" pitchFamily="49" charset="0"/>
+            </a:endParaRPr>
+          </a:p>
+          <a:p>
+            <a:pPr marL="628650" lvl="1" indent="-171450">
+              <a:lnSpc>
+                <a:spcPct val="150000"/>
+              </a:lnSpc>
+              <a:buFont typeface="Arial" panose="020B0604020202020204" pitchFamily="34" charset="0"/>
+              <a:buChar char="•"/>
+            </a:pPr>
+            <a:r>
+              <a:rPr lang="en-US" altLang="ja-JP" sz="1200" dirty="0">
+                <a:solidFill>
+                  <a:srgbClr val="3B3B3B"/>
+                </a:solidFill>
+                <a:highlight>
+                  <a:srgbClr val="FFFFFF"/>
+                </a:highlight>
+                <a:latin typeface="Consolas" panose="020B0609020204030204" pitchFamily="49" charset="0"/>
+              </a:rPr>
+              <a:t>CPU</a:t>
+            </a:r>
+            <a:r>
+              <a:rPr lang="ja-JP" altLang="en-US" sz="1200" dirty="0">
+                <a:solidFill>
+                  <a:srgbClr val="3B3B3B"/>
+                </a:solidFill>
+                <a:highlight>
+                  <a:srgbClr val="FFFFFF"/>
+                </a:highlight>
+                <a:latin typeface="Consolas" panose="020B0609020204030204" pitchFamily="49" charset="0"/>
+              </a:rPr>
+              <a:t>に負荷がかかる計算処理は、 </a:t>
+            </a:r>
+            <a:r>
+              <a:rPr lang="en-US" altLang="ja-JP" sz="1200" dirty="0">
+                <a:solidFill>
+                  <a:srgbClr val="3B3B3B"/>
+                </a:solidFill>
+                <a:highlight>
+                  <a:srgbClr val="FFFFFF"/>
+                </a:highlight>
+                <a:latin typeface="Consolas" panose="020B0609020204030204" pitchFamily="49" charset="0"/>
+              </a:rPr>
+              <a:t>threads</a:t>
+            </a:r>
+            <a:r>
+              <a:rPr lang="ja-JP" altLang="en-US" sz="1200" dirty="0">
+                <a:solidFill>
+                  <a:srgbClr val="3B3B3B"/>
+                </a:solidFill>
+                <a:highlight>
+                  <a:srgbClr val="FFFFFF"/>
+                </a:highlight>
+                <a:latin typeface="Consolas" panose="020B0609020204030204" pitchFamily="49" charset="0"/>
+              </a:rPr>
+              <a:t>、</a:t>
+            </a:r>
+            <a:r>
+              <a:rPr lang="en-US" altLang="ja-JP" sz="1200" dirty="0">
+                <a:solidFill>
+                  <a:srgbClr val="3B3B3B"/>
+                </a:solidFill>
+                <a:highlight>
+                  <a:srgbClr val="FFFFFF"/>
+                </a:highlight>
+                <a:latin typeface="Consolas" panose="020B0609020204030204" pitchFamily="49" charset="0"/>
+              </a:rPr>
+              <a:t>multiprocessing</a:t>
+            </a:r>
+            <a:r>
+              <a:rPr lang="ja-JP" altLang="en-US" sz="1200" dirty="0">
+                <a:solidFill>
+                  <a:srgbClr val="3B3B3B"/>
+                </a:solidFill>
+                <a:highlight>
+                  <a:srgbClr val="FFFFFF"/>
+                </a:highlight>
+                <a:latin typeface="Consolas" panose="020B0609020204030204" pitchFamily="49" charset="0"/>
+              </a:rPr>
+              <a:t>がおすすめ</a:t>
+            </a:r>
           </a:p>
         </p:txBody>
       </p:sp>

--- a/lcj_zemi_python.pptx
+++ b/lcj_zemi_python.pptx
@@ -221,7 +221,7 @@
           <a:p>
             <a:fld id="{2BC54830-42DA-4404-9F8C-DE9E00A18181}" type="datetimeFigureOut">
               <a:rPr lang="zh-CN" altLang="en-US" smtClean="0"/>
-              <a:t>2024/8/23</a:t>
+              <a:t>2024/8/27</a:t>
             </a:fld>
             <a:endParaRPr lang="zh-CN" altLang="en-US"/>
           </a:p>
@@ -635,7 +635,7 @@
           <a:p>
             <a:fld id="{F5930DB7-C5F0-4CA2-914A-8532991C33D9}" type="datetimeFigureOut">
               <a:rPr lang="zh-CN" altLang="en-US" smtClean="0"/>
-              <a:t>2024/8/23</a:t>
+              <a:t>2024/8/27</a:t>
             </a:fld>
             <a:endParaRPr lang="zh-CN" altLang="en-US"/>
           </a:p>
@@ -833,7 +833,7 @@
           <a:p>
             <a:fld id="{F5930DB7-C5F0-4CA2-914A-8532991C33D9}" type="datetimeFigureOut">
               <a:rPr lang="zh-CN" altLang="en-US" smtClean="0"/>
-              <a:t>2024/8/23</a:t>
+              <a:t>2024/8/27</a:t>
             </a:fld>
             <a:endParaRPr lang="zh-CN" altLang="en-US"/>
           </a:p>
@@ -1041,7 +1041,7 @@
           <a:p>
             <a:fld id="{F5930DB7-C5F0-4CA2-914A-8532991C33D9}" type="datetimeFigureOut">
               <a:rPr lang="zh-CN" altLang="en-US" smtClean="0"/>
-              <a:t>2024/8/23</a:t>
+              <a:t>2024/8/27</a:t>
             </a:fld>
             <a:endParaRPr lang="zh-CN" altLang="en-US"/>
           </a:p>
@@ -1239,7 +1239,7 @@
           <a:p>
             <a:fld id="{F5930DB7-C5F0-4CA2-914A-8532991C33D9}" type="datetimeFigureOut">
               <a:rPr lang="zh-CN" altLang="en-US" smtClean="0"/>
-              <a:t>2024/8/23</a:t>
+              <a:t>2024/8/27</a:t>
             </a:fld>
             <a:endParaRPr lang="zh-CN" altLang="en-US"/>
           </a:p>
@@ -1514,7 +1514,7 @@
           <a:p>
             <a:fld id="{F5930DB7-C5F0-4CA2-914A-8532991C33D9}" type="datetimeFigureOut">
               <a:rPr lang="zh-CN" altLang="en-US" smtClean="0"/>
-              <a:t>2024/8/23</a:t>
+              <a:t>2024/8/27</a:t>
             </a:fld>
             <a:endParaRPr lang="zh-CN" altLang="en-US"/>
           </a:p>
@@ -1779,7 +1779,7 @@
           <a:p>
             <a:fld id="{F5930DB7-C5F0-4CA2-914A-8532991C33D9}" type="datetimeFigureOut">
               <a:rPr lang="zh-CN" altLang="en-US" smtClean="0"/>
-              <a:t>2024/8/23</a:t>
+              <a:t>2024/8/27</a:t>
             </a:fld>
             <a:endParaRPr lang="zh-CN" altLang="en-US"/>
           </a:p>
@@ -2191,7 +2191,7 @@
           <a:p>
             <a:fld id="{F5930DB7-C5F0-4CA2-914A-8532991C33D9}" type="datetimeFigureOut">
               <a:rPr lang="zh-CN" altLang="en-US" smtClean="0"/>
-              <a:t>2024/8/23</a:t>
+              <a:t>2024/8/27</a:t>
             </a:fld>
             <a:endParaRPr lang="zh-CN" altLang="en-US"/>
           </a:p>
@@ -2332,7 +2332,7 @@
           <a:p>
             <a:fld id="{F5930DB7-C5F0-4CA2-914A-8532991C33D9}" type="datetimeFigureOut">
               <a:rPr lang="zh-CN" altLang="en-US" smtClean="0"/>
-              <a:t>2024/8/23</a:t>
+              <a:t>2024/8/27</a:t>
             </a:fld>
             <a:endParaRPr lang="zh-CN" altLang="en-US"/>
           </a:p>
@@ -2445,7 +2445,7 @@
           <a:p>
             <a:fld id="{F5930DB7-C5F0-4CA2-914A-8532991C33D9}" type="datetimeFigureOut">
               <a:rPr lang="zh-CN" altLang="en-US" smtClean="0"/>
-              <a:t>2024/8/23</a:t>
+              <a:t>2024/8/27</a:t>
             </a:fld>
             <a:endParaRPr lang="zh-CN" altLang="en-US"/>
           </a:p>
@@ -2756,7 +2756,7 @@
           <a:p>
             <a:fld id="{F5930DB7-C5F0-4CA2-914A-8532991C33D9}" type="datetimeFigureOut">
               <a:rPr lang="zh-CN" altLang="en-US" smtClean="0"/>
-              <a:t>2024/8/23</a:t>
+              <a:t>2024/8/27</a:t>
             </a:fld>
             <a:endParaRPr lang="zh-CN" altLang="en-US"/>
           </a:p>
@@ -3044,7 +3044,7 @@
           <a:p>
             <a:fld id="{F5930DB7-C5F0-4CA2-914A-8532991C33D9}" type="datetimeFigureOut">
               <a:rPr lang="zh-CN" altLang="en-US" smtClean="0"/>
-              <a:t>2024/8/23</a:t>
+              <a:t>2024/8/27</a:t>
             </a:fld>
             <a:endParaRPr lang="zh-CN" altLang="en-US"/>
           </a:p>
@@ -3285,7 +3285,7 @@
           <a:p>
             <a:fld id="{F5930DB7-C5F0-4CA2-914A-8532991C33D9}" type="datetimeFigureOut">
               <a:rPr lang="zh-CN" altLang="en-US" smtClean="0"/>
-              <a:t>2024/8/23</a:t>
+              <a:t>2024/8/27</a:t>
             </a:fld>
             <a:endParaRPr lang="zh-CN" altLang="en-US"/>
           </a:p>
@@ -13027,7 +13027,7 @@
         <p:spPr>
           <a:xfrm>
             <a:off x="37173" y="1110633"/>
-            <a:ext cx="5961888" cy="3785652"/>
+            <a:ext cx="5961888" cy="3970318"/>
           </a:xfrm>
           <a:prstGeom prst="rect">
             <a:avLst/>
@@ -13187,6 +13187,47 @@
                 <a:latin typeface="Consolas" panose="020B0609020204030204" pitchFamily="49" charset="0"/>
               </a:rPr>
               <a:t>digits</a:t>
+            </a:r>
+          </a:p>
+          <a:p>
+            <a:r>
+              <a:rPr lang="en-US" altLang="zh-CN" sz="1200" b="0" dirty="0">
+                <a:solidFill>
+                  <a:srgbClr val="AF00DB"/>
+                </a:solidFill>
+                <a:effectLst/>
+                <a:highlight>
+                  <a:srgbClr val="FFFFFF"/>
+                </a:highlight>
+                <a:latin typeface="Consolas" panose="020B0609020204030204" pitchFamily="49" charset="0"/>
+              </a:rPr>
+              <a:t>import</a:t>
+            </a:r>
+            <a:r>
+              <a:rPr lang="en-US" altLang="zh-CN" sz="1200" b="0" dirty="0">
+                <a:solidFill>
+                  <a:srgbClr val="3B3B3B"/>
+                </a:solidFill>
+                <a:effectLst/>
+                <a:highlight>
+                  <a:srgbClr val="FFFFFF"/>
+                </a:highlight>
+                <a:latin typeface="Consolas" panose="020B0609020204030204" pitchFamily="49" charset="0"/>
+              </a:rPr>
+              <a:t> </a:t>
+            </a:r>
+            <a:r>
+              <a:rPr lang="en-US" altLang="zh-CN" sz="1200" b="0" dirty="0">
+                <a:solidFill>
+                  <a:srgbClr val="267F99"/>
+                </a:solidFill>
+                <a:effectLst/>
+                <a:highlight>
+                  <a:srgbClr val="FFFFFF"/>
+                </a:highlight>
+                <a:latin typeface="Consolas" panose="020B0609020204030204" pitchFamily="49" charset="0"/>
+              </a:rPr>
+              <a:t>random</a:t>
             </a:r>
             <a:endParaRPr lang="en-US" altLang="zh-CN" sz="1200" b="0" dirty="0">
               <a:solidFill>
@@ -15229,7 +15270,7 @@
         </p:nvSpPr>
         <p:spPr>
           <a:xfrm>
-            <a:off x="37173" y="5201846"/>
+            <a:off x="37173" y="5350962"/>
             <a:ext cx="5222905" cy="1169551"/>
           </a:xfrm>
           <a:prstGeom prst="rect">
